--- a/Java安全架构.pptx
+++ b/Java安全架构.pptx
@@ -5,26 +5,27 @@
     <p:sldMasterId id="2147483840" r:id="rId2"/>
   </p:sldMasterIdLst>
   <p:notesMasterIdLst>
-    <p:notesMasterId r:id="rId17"/>
+    <p:notesMasterId r:id="rId18"/>
   </p:notesMasterIdLst>
   <p:handoutMasterIdLst>
-    <p:handoutMasterId r:id="rId18"/>
+    <p:handoutMasterId r:id="rId19"/>
   </p:handoutMasterIdLst>
   <p:sldIdLst>
     <p:sldId id="256" r:id="rId3"/>
     <p:sldId id="257" r:id="rId4"/>
     <p:sldId id="268" r:id="rId5"/>
-    <p:sldId id="267" r:id="rId6"/>
-    <p:sldId id="269" r:id="rId7"/>
-    <p:sldId id="258" r:id="rId8"/>
-    <p:sldId id="266" r:id="rId9"/>
-    <p:sldId id="260" r:id="rId10"/>
-    <p:sldId id="259" r:id="rId11"/>
-    <p:sldId id="261" r:id="rId12"/>
-    <p:sldId id="262" r:id="rId13"/>
-    <p:sldId id="263" r:id="rId14"/>
-    <p:sldId id="264" r:id="rId15"/>
-    <p:sldId id="265" r:id="rId16"/>
+    <p:sldId id="270" r:id="rId6"/>
+    <p:sldId id="267" r:id="rId7"/>
+    <p:sldId id="269" r:id="rId8"/>
+    <p:sldId id="258" r:id="rId9"/>
+    <p:sldId id="266" r:id="rId10"/>
+    <p:sldId id="260" r:id="rId11"/>
+    <p:sldId id="259" r:id="rId12"/>
+    <p:sldId id="261" r:id="rId13"/>
+    <p:sldId id="262" r:id="rId14"/>
+    <p:sldId id="263" r:id="rId15"/>
+    <p:sldId id="264" r:id="rId16"/>
+    <p:sldId id="265" r:id="rId17"/>
   </p:sldIdLst>
   <p:sldSz cx="12192000" cy="6858000"/>
   <p:notesSz cx="6858000" cy="9144000"/>
@@ -4393,7 +4394,7 @@
           <a:p>
             <a:fld id="{DE71268B-8AC2-4239-8FAF-7C144C210720}" type="datetimeFigureOut">
               <a:rPr lang="en-US" altLang="zh-CN"/>
-              <a:t>4/23/2017</a:t>
+              <a:t>4/26/2017</a:t>
             </a:fld>
             <a:endParaRPr lang="zh-CN"/>
           </a:p>
@@ -4557,7 +4558,7 @@
           </a:lstStyle>
           <a:p>
             <a:fld id="{F5AD8362-6D63-40AC-BAA9-90C3AE6D5875}" type="datetimeFigureOut">
-              <a:t>2017/4/23</a:t>
+              <a:t>2017/4/26</a:t>
             </a:fld>
             <a:endParaRPr lang="zh-CN"/>
           </a:p>
@@ -4907,6 +4908,90 @@
 </p:notes>
 </file>
 
+<file path=ppt/notesSlides/notesSlide2.xml><?xml version="1.0" encoding="utf-8"?>
+<p:notes xmlns:a="http://schemas.openxmlformats.org/drawingml/2006/main" xmlns:r="http://schemas.openxmlformats.org/officeDocument/2006/relationships" xmlns:p="http://schemas.openxmlformats.org/presentationml/2006/main">
+  <p:cSld>
+    <p:spTree>
+      <p:nvGrpSpPr>
+        <p:cNvPr id="1" name=""/>
+        <p:cNvGrpSpPr/>
+        <p:nvPr/>
+      </p:nvGrpSpPr>
+      <p:grpSpPr>
+        <a:xfrm>
+          <a:off x="0" y="0"/>
+          <a:ext cx="0" cy="0"/>
+          <a:chOff x="0" y="0"/>
+          <a:chExt cx="0" cy="0"/>
+        </a:xfrm>
+      </p:grpSpPr>
+      <p:sp>
+        <p:nvSpPr>
+          <p:cNvPr id="2" name="幻灯片图像占位符 1"/>
+          <p:cNvSpPr>
+            <a:spLocks noGrp="1" noRot="1" noChangeAspect="1"/>
+          </p:cNvSpPr>
+          <p:nvPr>
+            <p:ph type="sldImg"/>
+          </p:nvPr>
+        </p:nvSpPr>
+        <p:spPr/>
+      </p:sp>
+      <p:sp>
+        <p:nvSpPr>
+          <p:cNvPr id="3" name="备注占位符 2"/>
+          <p:cNvSpPr>
+            <a:spLocks noGrp="1"/>
+          </p:cNvSpPr>
+          <p:nvPr>
+            <p:ph type="body" idx="1"/>
+          </p:nvPr>
+        </p:nvSpPr>
+        <p:spPr/>
+        <p:txBody>
+          <a:bodyPr/>
+          <a:lstStyle/>
+          <a:p>
+            <a:endParaRPr lang="zh-CN" altLang="en-US" dirty="0"/>
+          </a:p>
+        </p:txBody>
+      </p:sp>
+      <p:sp>
+        <p:nvSpPr>
+          <p:cNvPr id="4" name="灯片编号占位符 3"/>
+          <p:cNvSpPr>
+            <a:spLocks noGrp="1"/>
+          </p:cNvSpPr>
+          <p:nvPr>
+            <p:ph type="sldNum" sz="quarter" idx="10"/>
+          </p:nvPr>
+        </p:nvSpPr>
+        <p:spPr/>
+        <p:txBody>
+          <a:bodyPr/>
+          <a:lstStyle/>
+          <a:p>
+            <a:fld id="{C6539446-6953-447E-A4E3-E7CFBF870046}" type="slidenum">
+              <a:rPr lang="en-US" altLang="zh-CN" smtClean="0"/>
+              <a:t>4</a:t>
+            </a:fld>
+            <a:endParaRPr lang="zh-CN" altLang="en-US"/>
+          </a:p>
+        </p:txBody>
+      </p:sp>
+    </p:spTree>
+    <p:extLst>
+      <p:ext uri="{BB962C8B-B14F-4D97-AF65-F5344CB8AC3E}">
+        <p14:creationId xmlns:p14="http://schemas.microsoft.com/office/powerpoint/2010/main" val="107409428"/>
+      </p:ext>
+    </p:extLst>
+  </p:cSld>
+  <p:clrMapOvr>
+    <a:masterClrMapping/>
+  </p:clrMapOvr>
+</p:notes>
+</file>
+
 <file path=ppt/slideLayouts/slideLayout1.xml><?xml version="1.0" encoding="utf-8"?>
 <p:sldLayout xmlns:a="http://schemas.openxmlformats.org/drawingml/2006/main" xmlns:r="http://schemas.openxmlformats.org/officeDocument/2006/relationships" xmlns:p="http://schemas.openxmlformats.org/presentationml/2006/main" showMasterSp="0" type="title" preserve="1">
   <p:cSld name="标题幻灯片">
@@ -5433,7 +5518,7 @@
           <a:lstStyle/>
           <a:p>
             <a:fld id="{5F4E5243-F52A-4D37-9694-EB26C6C31910}" type="datetime1">
-              <a:t>2017/4/23</a:t>
+              <a:t>2017/4/26</a:t>
             </a:fld>
             <a:endParaRPr lang="zh-CN"/>
           </a:p>
@@ -5630,7 +5715,7 @@
           <a:lstStyle/>
           <a:p>
             <a:fld id="{3A77B6E1-634A-48DC-9E8B-D894023267EF}" type="datetime1">
-              <a:t>2017/4/23</a:t>
+              <a:t>2017/4/26</a:t>
             </a:fld>
             <a:endParaRPr lang="zh-CN"/>
           </a:p>
@@ -5821,7 +5906,7 @@
           <a:lstStyle/>
           <a:p>
             <a:fld id="{7B2D3E9E-A95C-48F2-B4BF-A71542E0BE9A}" type="datetime1">
-              <a:t>2017/4/23</a:t>
+              <a:t>2017/4/26</a:t>
             </a:fld>
             <a:endParaRPr lang="zh-CN"/>
           </a:p>
@@ -6153,7 +6238,7 @@
           <a:lstStyle/>
           <a:p>
             <a:fld id="{A50F84E2-2D7A-43CF-AC90-352A289A783A}" type="datetime1">
-              <a:t>2017/4/23</a:t>
+              <a:t>2017/4/26</a:t>
             </a:fld>
             <a:endParaRPr lang="zh-CN"/>
           </a:p>
@@ -6462,7 +6547,7 @@
           <a:lstStyle/>
           <a:p>
             <a:fld id="{F12952B5-7A2F-4CC8-B7CE-9234E21C2837}" type="datetime1">
-              <a:t>2017/4/23</a:t>
+              <a:t>2017/4/26</a:t>
             </a:fld>
             <a:endParaRPr lang="zh-CN"/>
           </a:p>
@@ -6888,7 +6973,7 @@
           <a:lstStyle/>
           <a:p>
             <a:fld id="{CE1DA07A-9201-4B4B-BAF2-015AFA30F520}" type="datetime1">
-              <a:t>2017/4/23</a:t>
+              <a:t>2017/4/26</a:t>
             </a:fld>
             <a:endParaRPr lang="zh-CN"/>
           </a:p>
@@ -7023,7 +7108,7 @@
           <a:lstStyle/>
           <a:p>
             <a:fld id="{73D7E00A-486F-4252-8B1D-E32645521F49}" type="datetime1">
-              <a:t>2017/4/23</a:t>
+              <a:t>2017/4/26</a:t>
             </a:fld>
             <a:endParaRPr lang="zh-CN"/>
           </a:p>
@@ -7220,7 +7305,7 @@
           <a:lstStyle/>
           <a:p>
             <a:fld id="{8DDF5F92-E675-4B36-9A60-69A962A68675}" type="datetime1">
-              <a:t>2017/4/23</a:t>
+              <a:t>2017/4/26</a:t>
             </a:fld>
             <a:endParaRPr lang="zh-CN"/>
           </a:p>
@@ -7526,7 +7611,7 @@
           <a:lstStyle/>
           <a:p>
             <a:fld id="{AF6E2C9B-5FA2-460D-9BE7-B0812FC2A6FF}" type="datetime1">
-              <a:t>2017/4/23</a:t>
+              <a:t>2017/4/26</a:t>
             </a:fld>
             <a:endParaRPr lang="zh-CN"/>
           </a:p>
@@ -7817,7 +7902,7 @@
           <a:lstStyle/>
           <a:p>
             <a:fld id="{1D374940-A916-4C8B-9648-02A2D3898F9E}" type="datetime1">
-              <a:t>2017/4/23</a:t>
+              <a:t>2017/4/26</a:t>
             </a:fld>
             <a:endParaRPr lang="zh-CN"/>
           </a:p>
@@ -8256,7 +8341,7 @@
             <a:fld id="{5586B75A-687E-405C-8A0B-8D00578BA2C3}" type="datetime1">
               <a:rPr lang="en-US" altLang="zh-CN" smtClean="0"/>
               <a:pPr/>
-              <a:t>4/23/2017</a:t>
+              <a:t>4/26/2017</a:t>
             </a:fld>
             <a:endParaRPr lang="zh-CN" altLang="en-US"/>
           </a:p>
@@ -8861,18 +8946,21 @@
           <a:bodyPr/>
           <a:lstStyle/>
           <a:p>
-            <a:endParaRPr lang="zh-CN" dirty="0"/>
+            <a:r>
+              <a:rPr lang="zh-CN"/>
+              <a:t>两栏内容版式与 SmartArt</a:t>
+            </a:r>
           </a:p>
         </p:txBody>
       </p:sp>
       <p:sp>
         <p:nvSpPr>
-          <p:cNvPr id="3" name="文本占位符 2"/>
+          <p:cNvPr id="3" name="内容占位符 2"/>
           <p:cNvSpPr>
             <a:spLocks noGrp="1"/>
           </p:cNvSpPr>
           <p:nvPr>
-            <p:ph type="body" idx="1"/>
+            <p:ph sz="half" idx="1"/>
           </p:nvPr>
         </p:nvSpPr>
         <p:spPr/>
@@ -8880,14 +8968,54 @@
           <a:bodyPr/>
           <a:lstStyle/>
           <a:p>
-            <a:endParaRPr lang="zh-CN" dirty="0"/>
+            <a:r>
+              <a:rPr lang="zh-CN"/>
+              <a:t>此处为第一个要点</a:t>
+            </a:r>
+          </a:p>
+          <a:p>
+            <a:r>
+              <a:rPr lang="zh-CN"/>
+              <a:t>此处为第二个要点</a:t>
+            </a:r>
+          </a:p>
+          <a:p>
+            <a:r>
+              <a:rPr lang="zh-CN"/>
+              <a:t>此处为第三个要点</a:t>
+            </a:r>
           </a:p>
         </p:txBody>
       </p:sp>
+      <p:graphicFrame>
+        <p:nvGraphicFramePr>
+          <p:cNvPr id="7" name="内容占位符 6" descr="互连圆环" title="SmartArt"/>
+          <p:cNvGraphicFramePr>
+            <a:graphicFrameLocks noGrp="1"/>
+          </p:cNvGraphicFramePr>
+          <p:nvPr>
+            <p:ph sz="half" idx="2"/>
+            <p:extLst>
+              <p:ext uri="{D42A27DB-BD31-4B8C-83A1-F6EECF244321}">
+                <p14:modId xmlns:p14="http://schemas.microsoft.com/office/powerpoint/2010/main" val="1025077792"/>
+              </p:ext>
+            </p:extLst>
+          </p:nvPr>
+        </p:nvGraphicFramePr>
+        <p:xfrm>
+          <a:off x="6278563" y="1573213"/>
+          <a:ext cx="4572000" cy="4141787"/>
+        </p:xfrm>
+        <a:graphic>
+          <a:graphicData uri="http://schemas.openxmlformats.org/drawingml/2006/diagram">
+            <dgm:relIds xmlns:dgm="http://schemas.openxmlformats.org/drawingml/2006/diagram" xmlns:r="http://schemas.openxmlformats.org/officeDocument/2006/relationships" r:dm="rId2" r:lo="rId3" r:qs="rId4" r:cs="rId5"/>
+          </a:graphicData>
+        </a:graphic>
+      </p:graphicFrame>
     </p:spTree>
     <p:extLst>
       <p:ext uri="{BB962C8B-B14F-4D97-AF65-F5344CB8AC3E}">
-        <p14:creationId xmlns:p14="http://schemas.microsoft.com/office/powerpoint/2010/main" val="2255057593"/>
+        <p14:creationId xmlns:p14="http://schemas.microsoft.com/office/powerpoint/2010/main" val="1441075798"/>
       </p:ext>
     </p:extLst>
   </p:cSld>
@@ -8935,7 +9063,26 @@
       </p:grpSpPr>
       <p:sp>
         <p:nvSpPr>
-          <p:cNvPr id="2" name="文本占位符 1"/>
+          <p:cNvPr id="2" name="标题 1"/>
+          <p:cNvSpPr>
+            <a:spLocks noGrp="1"/>
+          </p:cNvSpPr>
+          <p:nvPr>
+            <p:ph type="title"/>
+          </p:nvPr>
+        </p:nvSpPr>
+        <p:spPr/>
+        <p:txBody>
+          <a:bodyPr/>
+          <a:lstStyle/>
+          <a:p>
+            <a:endParaRPr lang="zh-CN" dirty="0"/>
+          </a:p>
+        </p:txBody>
+      </p:sp>
+      <p:sp>
+        <p:nvSpPr>
+          <p:cNvPr id="3" name="文本占位符 2"/>
           <p:cNvSpPr>
             <a:spLocks noGrp="1"/>
           </p:cNvSpPr>
@@ -8948,82 +9095,6 @@
           <a:bodyPr/>
           <a:lstStyle/>
           <a:p>
-            <a:endParaRPr lang="zh-CN"/>
-          </a:p>
-        </p:txBody>
-      </p:sp>
-      <p:sp>
-        <p:nvSpPr>
-          <p:cNvPr id="3" name="内容占位符 2"/>
-          <p:cNvSpPr>
-            <a:spLocks noGrp="1"/>
-          </p:cNvSpPr>
-          <p:nvPr>
-            <p:ph sz="half" idx="2"/>
-          </p:nvPr>
-        </p:nvSpPr>
-        <p:spPr/>
-        <p:txBody>
-          <a:bodyPr/>
-          <a:lstStyle/>
-          <a:p>
-            <a:endParaRPr lang="zh-CN"/>
-          </a:p>
-        </p:txBody>
-      </p:sp>
-      <p:sp>
-        <p:nvSpPr>
-          <p:cNvPr id="4" name="文本占位符 3"/>
-          <p:cNvSpPr>
-            <a:spLocks noGrp="1"/>
-          </p:cNvSpPr>
-          <p:nvPr>
-            <p:ph type="body" sz="quarter" idx="3"/>
-          </p:nvPr>
-        </p:nvSpPr>
-        <p:spPr/>
-        <p:txBody>
-          <a:bodyPr/>
-          <a:lstStyle/>
-          <a:p>
-            <a:endParaRPr lang="zh-CN"/>
-          </a:p>
-        </p:txBody>
-      </p:sp>
-      <p:sp>
-        <p:nvSpPr>
-          <p:cNvPr id="5" name="内容占位符 4"/>
-          <p:cNvSpPr>
-            <a:spLocks noGrp="1"/>
-          </p:cNvSpPr>
-          <p:nvPr>
-            <p:ph sz="quarter" idx="4"/>
-          </p:nvPr>
-        </p:nvSpPr>
-        <p:spPr/>
-        <p:txBody>
-          <a:bodyPr/>
-          <a:lstStyle/>
-          <a:p>
-            <a:endParaRPr lang="zh-CN"/>
-          </a:p>
-        </p:txBody>
-      </p:sp>
-      <p:sp>
-        <p:nvSpPr>
-          <p:cNvPr id="6" name="标题 5"/>
-          <p:cNvSpPr>
-            <a:spLocks noGrp="1"/>
-          </p:cNvSpPr>
-          <p:nvPr>
-            <p:ph type="title"/>
-          </p:nvPr>
-        </p:nvSpPr>
-        <p:spPr/>
-        <p:txBody>
-          <a:bodyPr/>
-          <a:lstStyle/>
-          <a:p>
             <a:endParaRPr lang="zh-CN" dirty="0"/>
           </a:p>
         </p:txBody>
@@ -9031,7 +9102,7 @@
     </p:spTree>
     <p:extLst>
       <p:ext uri="{BB962C8B-B14F-4D97-AF65-F5344CB8AC3E}">
-        <p14:creationId xmlns:p14="http://schemas.microsoft.com/office/powerpoint/2010/main" val="212726890"/>
+        <p14:creationId xmlns:p14="http://schemas.microsoft.com/office/powerpoint/2010/main" val="2255057593"/>
       </p:ext>
     </p:extLst>
   </p:cSld>
@@ -9079,6 +9150,150 @@
       </p:grpSpPr>
       <p:sp>
         <p:nvSpPr>
+          <p:cNvPr id="2" name="文本占位符 1"/>
+          <p:cNvSpPr>
+            <a:spLocks noGrp="1"/>
+          </p:cNvSpPr>
+          <p:nvPr>
+            <p:ph type="body" idx="1"/>
+          </p:nvPr>
+        </p:nvSpPr>
+        <p:spPr/>
+        <p:txBody>
+          <a:bodyPr/>
+          <a:lstStyle/>
+          <a:p>
+            <a:endParaRPr lang="zh-CN"/>
+          </a:p>
+        </p:txBody>
+      </p:sp>
+      <p:sp>
+        <p:nvSpPr>
+          <p:cNvPr id="3" name="内容占位符 2"/>
+          <p:cNvSpPr>
+            <a:spLocks noGrp="1"/>
+          </p:cNvSpPr>
+          <p:nvPr>
+            <p:ph sz="half" idx="2"/>
+          </p:nvPr>
+        </p:nvSpPr>
+        <p:spPr/>
+        <p:txBody>
+          <a:bodyPr/>
+          <a:lstStyle/>
+          <a:p>
+            <a:endParaRPr lang="zh-CN"/>
+          </a:p>
+        </p:txBody>
+      </p:sp>
+      <p:sp>
+        <p:nvSpPr>
+          <p:cNvPr id="4" name="文本占位符 3"/>
+          <p:cNvSpPr>
+            <a:spLocks noGrp="1"/>
+          </p:cNvSpPr>
+          <p:nvPr>
+            <p:ph type="body" sz="quarter" idx="3"/>
+          </p:nvPr>
+        </p:nvSpPr>
+        <p:spPr/>
+        <p:txBody>
+          <a:bodyPr/>
+          <a:lstStyle/>
+          <a:p>
+            <a:endParaRPr lang="zh-CN"/>
+          </a:p>
+        </p:txBody>
+      </p:sp>
+      <p:sp>
+        <p:nvSpPr>
+          <p:cNvPr id="5" name="内容占位符 4"/>
+          <p:cNvSpPr>
+            <a:spLocks noGrp="1"/>
+          </p:cNvSpPr>
+          <p:nvPr>
+            <p:ph sz="quarter" idx="4"/>
+          </p:nvPr>
+        </p:nvSpPr>
+        <p:spPr/>
+        <p:txBody>
+          <a:bodyPr/>
+          <a:lstStyle/>
+          <a:p>
+            <a:endParaRPr lang="zh-CN"/>
+          </a:p>
+        </p:txBody>
+      </p:sp>
+      <p:sp>
+        <p:nvSpPr>
+          <p:cNvPr id="6" name="标题 5"/>
+          <p:cNvSpPr>
+            <a:spLocks noGrp="1"/>
+          </p:cNvSpPr>
+          <p:nvPr>
+            <p:ph type="title"/>
+          </p:nvPr>
+        </p:nvSpPr>
+        <p:spPr/>
+        <p:txBody>
+          <a:bodyPr/>
+          <a:lstStyle/>
+          <a:p>
+            <a:endParaRPr lang="zh-CN" dirty="0"/>
+          </a:p>
+        </p:txBody>
+      </p:sp>
+    </p:spTree>
+    <p:extLst>
+      <p:ext uri="{BB962C8B-B14F-4D97-AF65-F5344CB8AC3E}">
+        <p14:creationId xmlns:p14="http://schemas.microsoft.com/office/powerpoint/2010/main" val="212726890"/>
+      </p:ext>
+    </p:extLst>
+  </p:cSld>
+  <p:clrMapOvr>
+    <a:masterClrMapping/>
+  </p:clrMapOvr>
+  <mc:AlternateContent xmlns:mc="http://schemas.openxmlformats.org/markup-compatibility/2006" xmlns:p14="http://schemas.microsoft.com/office/powerpoint/2010/main">
+    <mc:Choice Requires="p14">
+      <p:transition spd="med" p14:dur="700">
+        <p:fade/>
+      </p:transition>
+    </mc:Choice>
+    <mc:Fallback xmlns="">
+      <p:transition spd="med">
+        <p:fade/>
+      </p:transition>
+    </mc:Fallback>
+  </mc:AlternateContent>
+  <p:timing>
+    <p:tnLst>
+      <p:par>
+        <p:cTn id="1" dur="indefinite" restart="never" nodeType="tmRoot"/>
+      </p:par>
+    </p:tnLst>
+  </p:timing>
+</p:sld>
+</file>
+
+<file path=ppt/slides/slide13.xml><?xml version="1.0" encoding="utf-8"?>
+<p:sld xmlns:a="http://schemas.openxmlformats.org/drawingml/2006/main" xmlns:r="http://schemas.openxmlformats.org/officeDocument/2006/relationships" xmlns:p="http://schemas.openxmlformats.org/presentationml/2006/main">
+  <p:cSld>
+    <p:spTree>
+      <p:nvGrpSpPr>
+        <p:cNvPr id="1" name=""/>
+        <p:cNvGrpSpPr/>
+        <p:nvPr/>
+      </p:nvGrpSpPr>
+      <p:grpSpPr>
+        <a:xfrm>
+          <a:off x="0" y="0"/>
+          <a:ext cx="0" cy="0"/>
+          <a:chOff x="0" y="0"/>
+          <a:chExt cx="0" cy="0"/>
+        </a:xfrm>
+      </p:grpSpPr>
+      <p:sp>
+        <p:nvSpPr>
           <p:cNvPr id="2" name="标题 1"/>
           <p:cNvSpPr>
             <a:spLocks noGrp="1"/>
@@ -9128,7 +9343,7 @@
 </p:sld>
 </file>
 
-<file path=ppt/slides/slide13.xml><?xml version="1.0" encoding="utf-8"?>
+<file path=ppt/slides/slide14.xml><?xml version="1.0" encoding="utf-8"?>
 <p:sld xmlns:a="http://schemas.openxmlformats.org/drawingml/2006/main" xmlns:r="http://schemas.openxmlformats.org/officeDocument/2006/relationships" xmlns:p="http://schemas.openxmlformats.org/presentationml/2006/main">
   <p:cSld>
     <p:spTree>
@@ -9177,7 +9392,7 @@
 </p:sld>
 </file>
 
-<file path=ppt/slides/slide14.xml><?xml version="1.0" encoding="utf-8"?>
+<file path=ppt/slides/slide15.xml><?xml version="1.0" encoding="utf-8"?>
 <p:sld xmlns:a="http://schemas.openxmlformats.org/drawingml/2006/main" xmlns:r="http://schemas.openxmlformats.org/officeDocument/2006/relationships" xmlns:p="http://schemas.openxmlformats.org/presentationml/2006/main">
   <p:cSld>
     <p:spTree>
@@ -9635,11 +9850,7 @@
             </a:pPr>
             <a:r>
               <a:rPr lang="en-US" altLang="zh-CN" dirty="0"/>
-              <a:t> </a:t>
-            </a:r>
-            <a:r>
-              <a:rPr lang="en-US" altLang="zh-CN" dirty="0"/>
-              <a:t>  </a:t>
+              <a:t>   </a:t>
             </a:r>
             <a:r>
               <a:rPr lang="zh-CN" altLang="en-US" sz="1600" dirty="0">
@@ -9714,181 +9925,82 @@
           <a:chExt cx="0" cy="0"/>
         </a:xfrm>
       </p:grpSpPr>
-      <p:sp>
-        <p:nvSpPr>
-          <p:cNvPr id="2" name="标题 1"/>
-          <p:cNvSpPr>
-            <a:spLocks noGrp="1"/>
-          </p:cNvSpPr>
-          <p:nvPr>
-            <p:ph type="title"/>
-          </p:nvPr>
-        </p:nvSpPr>
-        <p:spPr/>
-        <p:txBody>
-          <a:bodyPr/>
-          <a:lstStyle/>
-          <a:p>
-            <a:r>
-              <a:rPr lang="en-US" altLang="zh-CN" dirty="0" smtClean="0"/>
-              <a:t>Java</a:t>
-            </a:r>
-            <a:r>
-              <a:rPr lang="zh-CN" altLang="en-US" dirty="0" smtClean="0"/>
-              <a:t>安全架构组成</a:t>
-            </a:r>
-            <a:endParaRPr lang="zh-CN" dirty="0"/>
-          </a:p>
-        </p:txBody>
-      </p:sp>
-      <p:sp>
-        <p:nvSpPr>
-          <p:cNvPr id="3" name="内容占位符 2"/>
-          <p:cNvSpPr>
-            <a:spLocks noGrp="1"/>
-          </p:cNvSpPr>
-          <p:nvPr>
-            <p:ph idx="1"/>
-          </p:nvPr>
-        </p:nvSpPr>
-        <p:spPr/>
-        <p:txBody>
-          <a:bodyPr/>
-          <a:lstStyle/>
-          <a:p>
-            <a:r>
-              <a:rPr lang="en-US" altLang="zh-CN" dirty="0" smtClean="0"/>
-              <a:t>JCA</a:t>
-            </a:r>
-            <a:r>
-              <a:rPr lang="zh-CN" altLang="en-US" dirty="0" smtClean="0"/>
-              <a:t>（</a:t>
-            </a:r>
-            <a:r>
-              <a:rPr lang="en-US" altLang="zh-CN" dirty="0"/>
-              <a:t>Java </a:t>
-            </a:r>
-            <a:r>
-              <a:rPr lang="en-US" altLang="zh-CN" dirty="0" smtClean="0"/>
-              <a:t>Cryptography Architecture</a:t>
-            </a:r>
-            <a:r>
-              <a:rPr lang="zh-CN" altLang="en-US" dirty="0" smtClean="0"/>
-              <a:t>，</a:t>
-            </a:r>
-            <a:r>
-              <a:rPr lang="en-US" altLang="zh-CN" dirty="0" smtClean="0"/>
-              <a:t>Java</a:t>
-            </a:r>
-            <a:r>
-              <a:rPr lang="zh-CN" altLang="en-US" dirty="0" smtClean="0"/>
-              <a:t>加密架构）</a:t>
-            </a:r>
-            <a:endParaRPr lang="zh-CN" dirty="0"/>
-          </a:p>
-          <a:p>
-            <a:r>
-              <a:rPr lang="en-US" altLang="zh-CN" dirty="0" smtClean="0"/>
-              <a:t>JCE</a:t>
-            </a:r>
-            <a:r>
-              <a:rPr lang="zh-CN" altLang="en-US" dirty="0" smtClean="0"/>
-              <a:t>（</a:t>
-            </a:r>
-            <a:r>
-              <a:rPr lang="en-US" altLang="zh-CN" dirty="0"/>
-              <a:t>Java </a:t>
-            </a:r>
-            <a:r>
-              <a:rPr lang="en-US" altLang="zh-CN" dirty="0" smtClean="0"/>
-              <a:t>Cryptography Extension</a:t>
-            </a:r>
-            <a:r>
-              <a:rPr lang="zh-CN" altLang="en-US" dirty="0" smtClean="0"/>
-              <a:t>，</a:t>
-            </a:r>
-            <a:r>
-              <a:rPr lang="en-US" altLang="zh-CN" dirty="0" smtClean="0"/>
-              <a:t>Java</a:t>
-            </a:r>
-            <a:r>
-              <a:rPr lang="zh-CN" altLang="en-US" dirty="0" smtClean="0"/>
-              <a:t>加密扩展）</a:t>
-            </a:r>
-            <a:endParaRPr lang="zh-CN" dirty="0"/>
-          </a:p>
-          <a:p>
-            <a:r>
-              <a:rPr lang="en-US" altLang="zh-CN" dirty="0" smtClean="0"/>
-              <a:t>JSSE</a:t>
-            </a:r>
-            <a:r>
-              <a:rPr lang="zh-CN" altLang="en-US" dirty="0" smtClean="0"/>
-              <a:t>（</a:t>
-            </a:r>
-            <a:r>
-              <a:rPr lang="en-US" altLang="zh-CN" dirty="0"/>
-              <a:t>Java Secure Socket </a:t>
-            </a:r>
-            <a:r>
-              <a:rPr lang="en-US" altLang="zh-CN" dirty="0" smtClean="0"/>
-              <a:t>Extension</a:t>
-            </a:r>
-            <a:r>
-              <a:rPr lang="zh-CN" altLang="en-US" dirty="0" smtClean="0"/>
-              <a:t>，</a:t>
-            </a:r>
-            <a:r>
-              <a:rPr lang="en-US" altLang="zh-CN" dirty="0"/>
-              <a:t>Java</a:t>
-            </a:r>
-            <a:r>
-              <a:rPr lang="zh-CN" altLang="en-US" dirty="0"/>
-              <a:t>安全套接字扩展）</a:t>
-            </a:r>
-            <a:endParaRPr lang="en-US" altLang="zh-CN" dirty="0" smtClean="0"/>
-          </a:p>
-          <a:p>
-            <a:r>
-              <a:rPr lang="en-US" altLang="zh-CN" dirty="0" smtClean="0"/>
-              <a:t>JAAS</a:t>
-            </a:r>
-            <a:r>
-              <a:rPr lang="zh-CN" altLang="en-US" dirty="0" smtClean="0"/>
-              <a:t>（</a:t>
-            </a:r>
-            <a:r>
-              <a:rPr lang="en-US" altLang="zh-CN" dirty="0"/>
-              <a:t>Java Authentication and Authorization </a:t>
-            </a:r>
-            <a:r>
-              <a:rPr lang="en-US" altLang="zh-CN" dirty="0" smtClean="0"/>
-              <a:t>Service</a:t>
-            </a:r>
-            <a:r>
-              <a:rPr lang="zh-CN" altLang="en-US" dirty="0" smtClean="0"/>
-              <a:t>，</a:t>
-            </a:r>
-            <a:r>
-              <a:rPr lang="en-US" altLang="zh-CN" dirty="0"/>
-              <a:t>Java</a:t>
-            </a:r>
-            <a:r>
-              <a:rPr lang="zh-CN" altLang="en-US" dirty="0"/>
-              <a:t>认证和授权服务</a:t>
-            </a:r>
-            <a:r>
-              <a:rPr lang="zh-CN" altLang="en-US" dirty="0" smtClean="0"/>
-              <a:t>）</a:t>
-            </a:r>
-            <a:endParaRPr lang="zh-CN" dirty="0"/>
-          </a:p>
-        </p:txBody>
-      </p:sp>
+      <p:pic>
+        <p:nvPicPr>
+          <p:cNvPr id="4" name="图片 3"/>
+          <p:cNvPicPr>
+            <a:picLocks noChangeAspect="1"/>
+          </p:cNvPicPr>
+          <p:nvPr/>
+        </p:nvPicPr>
+        <p:blipFill>
+          <a:blip r:embed="rId3"/>
+          <a:stretch>
+            <a:fillRect/>
+          </a:stretch>
+        </p:blipFill>
+        <p:spPr>
+          <a:xfrm>
+            <a:off x="7451329" y="364410"/>
+            <a:ext cx="4656809" cy="5554407"/>
+          </a:xfrm>
+          <a:prstGeom prst="rect">
+            <a:avLst/>
+          </a:prstGeom>
+        </p:spPr>
+      </p:pic>
+      <p:pic>
+        <p:nvPicPr>
+          <p:cNvPr id="21" name="图片 20"/>
+          <p:cNvPicPr>
+            <a:picLocks noChangeAspect="1"/>
+          </p:cNvPicPr>
+          <p:nvPr/>
+        </p:nvPicPr>
+        <p:blipFill>
+          <a:blip r:embed="rId4"/>
+          <a:stretch>
+            <a:fillRect/>
+          </a:stretch>
+        </p:blipFill>
+        <p:spPr>
+          <a:xfrm>
+            <a:off x="0" y="2550751"/>
+            <a:ext cx="7479834" cy="1642425"/>
+          </a:xfrm>
+          <a:prstGeom prst="rect">
+            <a:avLst/>
+          </a:prstGeom>
+        </p:spPr>
+      </p:pic>
+      <p:pic>
+        <p:nvPicPr>
+          <p:cNvPr id="22" name="图片 21"/>
+          <p:cNvPicPr>
+            <a:picLocks noChangeAspect="1"/>
+          </p:cNvPicPr>
+          <p:nvPr/>
+        </p:nvPicPr>
+        <p:blipFill>
+          <a:blip r:embed="rId5"/>
+          <a:stretch>
+            <a:fillRect/>
+          </a:stretch>
+        </p:blipFill>
+        <p:spPr>
+          <a:xfrm>
+            <a:off x="0" y="410126"/>
+            <a:ext cx="7451515" cy="1483988"/>
+          </a:xfrm>
+          <a:prstGeom prst="rect">
+            <a:avLst/>
+          </a:prstGeom>
+        </p:spPr>
+      </p:pic>
     </p:spTree>
     <p:extLst>
       <p:ext uri="{BB962C8B-B14F-4D97-AF65-F5344CB8AC3E}">
-        <p14:creationId xmlns:p14="http://schemas.microsoft.com/office/powerpoint/2010/main" val="2778322051"/>
+        <p14:creationId xmlns:p14="http://schemas.microsoft.com/office/powerpoint/2010/main" val="762458791"/>
       </p:ext>
     </p:extLst>
   </p:cSld>
@@ -9950,9 +10062,14 @@
           <a:lstStyle/>
           <a:p>
             <a:r>
-              <a:rPr lang="zh-CN" dirty="0"/>
-              <a:t>标题和内容版式与列表</a:t>
-            </a:r>
+              <a:rPr lang="en-US" altLang="zh-CN" dirty="0" smtClean="0"/>
+              <a:t>Java</a:t>
+            </a:r>
+            <a:r>
+              <a:rPr lang="zh-CN" altLang="en-US" dirty="0" smtClean="0"/>
+              <a:t>安全架构组成</a:t>
+            </a:r>
+            <a:endParaRPr lang="zh-CN" dirty="0"/>
           </a:p>
         </p:txBody>
       </p:sp>
@@ -9972,28 +10089,138 @@
           <a:lstStyle/>
           <a:p>
             <a:r>
-              <a:rPr lang="zh-CN" dirty="0"/>
-              <a:t>在此处添加第一个要点</a:t>
-            </a:r>
-          </a:p>
-          <a:p>
-            <a:r>
-              <a:rPr lang="zh-CN" dirty="0"/>
-              <a:t>在此处添加第二个要点</a:t>
-            </a:r>
-          </a:p>
-          <a:p>
-            <a:r>
-              <a:rPr lang="zh-CN" dirty="0"/>
-              <a:t>在此处添加第三个要点</a:t>
-            </a:r>
+              <a:rPr lang="en-US" altLang="zh-CN" dirty="0" smtClean="0"/>
+              <a:t>JCA</a:t>
+            </a:r>
+            <a:r>
+              <a:rPr lang="zh-CN" altLang="en-US" dirty="0" smtClean="0"/>
+              <a:t>（</a:t>
+            </a:r>
+            <a:r>
+              <a:rPr lang="en-US" altLang="zh-CN" dirty="0"/>
+              <a:t>Java </a:t>
+            </a:r>
+            <a:r>
+              <a:rPr lang="en-US" altLang="zh-CN" dirty="0" smtClean="0"/>
+              <a:t>Cryptography Architecture</a:t>
+            </a:r>
+            <a:r>
+              <a:rPr lang="zh-CN" altLang="en-US" dirty="0" smtClean="0"/>
+              <a:t>，</a:t>
+            </a:r>
+            <a:r>
+              <a:rPr lang="en-US" altLang="zh-CN" dirty="0" smtClean="0"/>
+              <a:t>Java</a:t>
+            </a:r>
+            <a:r>
+              <a:rPr lang="zh-CN" altLang="en-US" dirty="0" smtClean="0"/>
+              <a:t>加密架构）</a:t>
+            </a:r>
+            <a:endParaRPr lang="zh-CN" dirty="0"/>
+          </a:p>
+          <a:p>
+            <a:r>
+              <a:rPr lang="en-US" altLang="zh-CN" dirty="0" smtClean="0"/>
+              <a:t>JCE</a:t>
+            </a:r>
+            <a:r>
+              <a:rPr lang="zh-CN" altLang="en-US" dirty="0" smtClean="0"/>
+              <a:t>（</a:t>
+            </a:r>
+            <a:r>
+              <a:rPr lang="en-US" altLang="zh-CN" dirty="0"/>
+              <a:t>Java </a:t>
+            </a:r>
+            <a:r>
+              <a:rPr lang="en-US" altLang="zh-CN" dirty="0" smtClean="0"/>
+              <a:t>Cryptography Extension</a:t>
+            </a:r>
+            <a:r>
+              <a:rPr lang="zh-CN" altLang="en-US" dirty="0" smtClean="0"/>
+              <a:t>，</a:t>
+            </a:r>
+            <a:r>
+              <a:rPr lang="en-US" altLang="zh-CN" dirty="0" smtClean="0"/>
+              <a:t>Java</a:t>
+            </a:r>
+            <a:r>
+              <a:rPr lang="zh-CN" altLang="en-US" dirty="0" smtClean="0"/>
+              <a:t>加密扩展）</a:t>
+            </a:r>
+            <a:endParaRPr lang="zh-CN" dirty="0"/>
+          </a:p>
+          <a:p>
+            <a:r>
+              <a:rPr lang="en-US" altLang="zh-CN" dirty="0" smtClean="0"/>
+              <a:t>JSSE</a:t>
+            </a:r>
+            <a:r>
+              <a:rPr lang="zh-CN" altLang="en-US" dirty="0" smtClean="0"/>
+              <a:t>（</a:t>
+            </a:r>
+            <a:r>
+              <a:rPr lang="en-US" altLang="zh-CN" dirty="0"/>
+              <a:t>Java Secure Socket </a:t>
+            </a:r>
+            <a:r>
+              <a:rPr lang="en-US" altLang="zh-CN" dirty="0" smtClean="0"/>
+              <a:t>Extension</a:t>
+            </a:r>
+            <a:r>
+              <a:rPr lang="zh-CN" altLang="en-US" dirty="0" smtClean="0"/>
+              <a:t>，</a:t>
+            </a:r>
+            <a:r>
+              <a:rPr lang="en-US" altLang="zh-CN" dirty="0"/>
+              <a:t>Java</a:t>
+            </a:r>
+            <a:r>
+              <a:rPr lang="zh-CN" altLang="en-US" dirty="0"/>
+              <a:t>安全套接字扩展）</a:t>
+            </a:r>
+            <a:endParaRPr lang="en-US" altLang="zh-CN" dirty="0" smtClean="0"/>
+          </a:p>
+          <a:p>
+            <a:r>
+              <a:rPr lang="en-US" altLang="zh-CN" dirty="0" smtClean="0"/>
+              <a:t>JAAS</a:t>
+            </a:r>
+            <a:r>
+              <a:rPr lang="zh-CN" altLang="en-US" dirty="0" smtClean="0"/>
+              <a:t>（</a:t>
+            </a:r>
+            <a:r>
+              <a:rPr lang="en-US" altLang="zh-CN" dirty="0"/>
+              <a:t>Java Authentication and Authorization </a:t>
+            </a:r>
+            <a:r>
+              <a:rPr lang="en-US" altLang="zh-CN" dirty="0" smtClean="0"/>
+              <a:t>Service</a:t>
+            </a:r>
+            <a:r>
+              <a:rPr lang="zh-CN" altLang="en-US" dirty="0" smtClean="0"/>
+              <a:t>，</a:t>
+            </a:r>
+            <a:r>
+              <a:rPr lang="en-US" altLang="zh-CN" dirty="0"/>
+              <a:t>Java</a:t>
+            </a:r>
+            <a:r>
+              <a:rPr lang="zh-CN" altLang="en-US" dirty="0"/>
+              <a:t>认证和授权服务</a:t>
+            </a:r>
+            <a:r>
+              <a:rPr lang="zh-CN" altLang="en-US" dirty="0" smtClean="0"/>
+              <a:t>）</a:t>
+            </a:r>
+            <a:endParaRPr lang="zh-CN" dirty="0"/>
           </a:p>
         </p:txBody>
       </p:sp>
     </p:spTree>
     <p:extLst>
       <p:ext uri="{BB962C8B-B14F-4D97-AF65-F5344CB8AC3E}">
-        <p14:creationId xmlns:p14="http://schemas.microsoft.com/office/powerpoint/2010/main" val="1908573687"/>
+        <p14:creationId xmlns:p14="http://schemas.microsoft.com/office/powerpoint/2010/main" val="2778322051"/>
       </p:ext>
     </p:extLst>
   </p:cSld>
@@ -10055,6 +10282,111 @@
           <a:lstStyle/>
           <a:p>
             <a:r>
+              <a:rPr lang="zh-CN" dirty="0"/>
+              <a:t>标题和内容版式与列表</a:t>
+            </a:r>
+          </a:p>
+        </p:txBody>
+      </p:sp>
+      <p:sp>
+        <p:nvSpPr>
+          <p:cNvPr id="3" name="内容占位符 2"/>
+          <p:cNvSpPr>
+            <a:spLocks noGrp="1"/>
+          </p:cNvSpPr>
+          <p:nvPr>
+            <p:ph idx="1"/>
+          </p:nvPr>
+        </p:nvSpPr>
+        <p:spPr/>
+        <p:txBody>
+          <a:bodyPr/>
+          <a:lstStyle/>
+          <a:p>
+            <a:r>
+              <a:rPr lang="zh-CN" dirty="0"/>
+              <a:t>在此处添加第一个要点</a:t>
+            </a:r>
+          </a:p>
+          <a:p>
+            <a:r>
+              <a:rPr lang="zh-CN" dirty="0"/>
+              <a:t>在此处添加第二个要点</a:t>
+            </a:r>
+          </a:p>
+          <a:p>
+            <a:r>
+              <a:rPr lang="zh-CN" dirty="0"/>
+              <a:t>在此处添加第三个要点</a:t>
+            </a:r>
+          </a:p>
+        </p:txBody>
+      </p:sp>
+    </p:spTree>
+    <p:extLst>
+      <p:ext uri="{BB962C8B-B14F-4D97-AF65-F5344CB8AC3E}">
+        <p14:creationId xmlns:p14="http://schemas.microsoft.com/office/powerpoint/2010/main" val="1908573687"/>
+      </p:ext>
+    </p:extLst>
+  </p:cSld>
+  <p:clrMapOvr>
+    <a:masterClrMapping/>
+  </p:clrMapOvr>
+  <mc:AlternateContent xmlns:mc="http://schemas.openxmlformats.org/markup-compatibility/2006" xmlns:p14="http://schemas.microsoft.com/office/powerpoint/2010/main">
+    <mc:Choice Requires="p14">
+      <p:transition spd="med" p14:dur="700">
+        <p:fade/>
+      </p:transition>
+    </mc:Choice>
+    <mc:Fallback xmlns="">
+      <p:transition spd="med">
+        <p:fade/>
+      </p:transition>
+    </mc:Fallback>
+  </mc:AlternateContent>
+  <p:timing>
+    <p:tnLst>
+      <p:par>
+        <p:cTn id="1" dur="indefinite" restart="never" nodeType="tmRoot"/>
+      </p:par>
+    </p:tnLst>
+  </p:timing>
+</p:sld>
+</file>
+
+<file path=ppt/slides/slide7.xml><?xml version="1.0" encoding="utf-8"?>
+<p:sld xmlns:a="http://schemas.openxmlformats.org/drawingml/2006/main" xmlns:r="http://schemas.openxmlformats.org/officeDocument/2006/relationships" xmlns:p="http://schemas.openxmlformats.org/presentationml/2006/main">
+  <p:cSld>
+    <p:spTree>
+      <p:nvGrpSpPr>
+        <p:cNvPr id="1" name=""/>
+        <p:cNvGrpSpPr/>
+        <p:nvPr/>
+      </p:nvGrpSpPr>
+      <p:grpSpPr>
+        <a:xfrm>
+          <a:off x="0" y="0"/>
+          <a:ext cx="0" cy="0"/>
+          <a:chOff x="0" y="0"/>
+          <a:chExt cx="0" cy="0"/>
+        </a:xfrm>
+      </p:grpSpPr>
+      <p:sp>
+        <p:nvSpPr>
+          <p:cNvPr id="2" name="标题 1"/>
+          <p:cNvSpPr>
+            <a:spLocks noGrp="1"/>
+          </p:cNvSpPr>
+          <p:nvPr>
+            <p:ph type="title"/>
+          </p:nvPr>
+        </p:nvSpPr>
+        <p:spPr/>
+        <p:txBody>
+          <a:bodyPr/>
+          <a:lstStyle/>
+          <a:p>
+            <a:r>
               <a:rPr lang="zh-CN"/>
               <a:t>标题和内容版式与图表</a:t>
             </a:r>
@@ -10118,7 +10450,7 @@
 </p:sld>
 </file>
 
-<file path=ppt/slides/slide7.xml><?xml version="1.0" encoding="utf-8"?>
+<file path=ppt/slides/slide8.xml><?xml version="1.0" encoding="utf-8"?>
 <p:sld xmlns:a="http://schemas.openxmlformats.org/drawingml/2006/main" xmlns:r="http://schemas.openxmlformats.org/officeDocument/2006/relationships" xmlns:p="http://schemas.openxmlformats.org/presentationml/2006/main">
   <p:cSld>
     <p:spTree>
@@ -10236,7 +10568,7 @@
 </p:sld>
 </file>
 
-<file path=ppt/slides/slide8.xml><?xml version="1.0" encoding="utf-8"?>
+<file path=ppt/slides/slide9.xml><?xml version="1.0" encoding="utf-8"?>
 <p:sld xmlns:a="http://schemas.openxmlformats.org/drawingml/2006/main" xmlns:r="http://schemas.openxmlformats.org/officeDocument/2006/relationships" xmlns:p="http://schemas.openxmlformats.org/presentationml/2006/main">
   <p:cSld>
     <p:spTree>
@@ -10590,136 +10922,6 @@
     <p:extLst>
       <p:ext uri="{BB962C8B-B14F-4D97-AF65-F5344CB8AC3E}">
         <p14:creationId xmlns:p14="http://schemas.microsoft.com/office/powerpoint/2010/main" val="1952036268"/>
-      </p:ext>
-    </p:extLst>
-  </p:cSld>
-  <p:clrMapOvr>
-    <a:masterClrMapping/>
-  </p:clrMapOvr>
-  <mc:AlternateContent xmlns:mc="http://schemas.openxmlformats.org/markup-compatibility/2006" xmlns:p14="http://schemas.microsoft.com/office/powerpoint/2010/main">
-    <mc:Choice Requires="p14">
-      <p:transition spd="med" p14:dur="700">
-        <p:fade/>
-      </p:transition>
-    </mc:Choice>
-    <mc:Fallback xmlns="">
-      <p:transition spd="med">
-        <p:fade/>
-      </p:transition>
-    </mc:Fallback>
-  </mc:AlternateContent>
-  <p:timing>
-    <p:tnLst>
-      <p:par>
-        <p:cTn id="1" dur="indefinite" restart="never" nodeType="tmRoot"/>
-      </p:par>
-    </p:tnLst>
-  </p:timing>
-</p:sld>
-</file>
-
-<file path=ppt/slides/slide9.xml><?xml version="1.0" encoding="utf-8"?>
-<p:sld xmlns:a="http://schemas.openxmlformats.org/drawingml/2006/main" xmlns:r="http://schemas.openxmlformats.org/officeDocument/2006/relationships" xmlns:p="http://schemas.openxmlformats.org/presentationml/2006/main">
-  <p:cSld>
-    <p:spTree>
-      <p:nvGrpSpPr>
-        <p:cNvPr id="1" name=""/>
-        <p:cNvGrpSpPr/>
-        <p:nvPr/>
-      </p:nvGrpSpPr>
-      <p:grpSpPr>
-        <a:xfrm>
-          <a:off x="0" y="0"/>
-          <a:ext cx="0" cy="0"/>
-          <a:chOff x="0" y="0"/>
-          <a:chExt cx="0" cy="0"/>
-        </a:xfrm>
-      </p:grpSpPr>
-      <p:sp>
-        <p:nvSpPr>
-          <p:cNvPr id="2" name="标题 1"/>
-          <p:cNvSpPr>
-            <a:spLocks noGrp="1"/>
-          </p:cNvSpPr>
-          <p:nvPr>
-            <p:ph type="title"/>
-          </p:nvPr>
-        </p:nvSpPr>
-        <p:spPr/>
-        <p:txBody>
-          <a:bodyPr/>
-          <a:lstStyle/>
-          <a:p>
-            <a:r>
-              <a:rPr lang="zh-CN"/>
-              <a:t>两栏内容版式与 SmartArt</a:t>
-            </a:r>
-          </a:p>
-        </p:txBody>
-      </p:sp>
-      <p:sp>
-        <p:nvSpPr>
-          <p:cNvPr id="3" name="内容占位符 2"/>
-          <p:cNvSpPr>
-            <a:spLocks noGrp="1"/>
-          </p:cNvSpPr>
-          <p:nvPr>
-            <p:ph sz="half" idx="1"/>
-          </p:nvPr>
-        </p:nvSpPr>
-        <p:spPr/>
-        <p:txBody>
-          <a:bodyPr/>
-          <a:lstStyle/>
-          <a:p>
-            <a:r>
-              <a:rPr lang="zh-CN"/>
-              <a:t>此处为第一个要点</a:t>
-            </a:r>
-          </a:p>
-          <a:p>
-            <a:r>
-              <a:rPr lang="zh-CN"/>
-              <a:t>此处为第二个要点</a:t>
-            </a:r>
-          </a:p>
-          <a:p>
-            <a:r>
-              <a:rPr lang="zh-CN"/>
-              <a:t>此处为第三个要点</a:t>
-            </a:r>
-          </a:p>
-        </p:txBody>
-      </p:sp>
-      <p:graphicFrame>
-        <p:nvGraphicFramePr>
-          <p:cNvPr id="7" name="内容占位符 6" descr="互连圆环" title="SmartArt"/>
-          <p:cNvGraphicFramePr>
-            <a:graphicFrameLocks noGrp="1"/>
-          </p:cNvGraphicFramePr>
-          <p:nvPr>
-            <p:ph sz="half" idx="2"/>
-            <p:extLst>
-              <p:ext uri="{D42A27DB-BD31-4B8C-83A1-F6EECF244321}">
-                <p14:modId xmlns:p14="http://schemas.microsoft.com/office/powerpoint/2010/main" val="1025077792"/>
-              </p:ext>
-            </p:extLst>
-          </p:nvPr>
-        </p:nvGraphicFramePr>
-        <p:xfrm>
-          <a:off x="6278563" y="1573213"/>
-          <a:ext cx="4572000" cy="4141787"/>
-        </p:xfrm>
-        <a:graphic>
-          <a:graphicData uri="http://schemas.openxmlformats.org/drawingml/2006/diagram">
-            <dgm:relIds xmlns:dgm="http://schemas.openxmlformats.org/drawingml/2006/diagram" xmlns:r="http://schemas.openxmlformats.org/officeDocument/2006/relationships" r:dm="rId2" r:lo="rId3" r:qs="rId4" r:cs="rId5"/>
-          </a:graphicData>
-        </a:graphic>
-      </p:graphicFrame>
-    </p:spTree>
-    <p:extLst>
-      <p:ext uri="{BB962C8B-B14F-4D97-AF65-F5344CB8AC3E}">
-        <p14:creationId xmlns:p14="http://schemas.microsoft.com/office/powerpoint/2010/main" val="1441075798"/>
       </p:ext>
     </p:extLst>
   </p:cSld>

--- a/Java安全架构.pptx
+++ b/Java安全架构.pptx
@@ -5,10 +5,10 @@
     <p:sldMasterId id="2147483840" r:id="rId2"/>
   </p:sldMasterIdLst>
   <p:notesMasterIdLst>
-    <p:notesMasterId r:id="rId18"/>
+    <p:notesMasterId r:id="rId20"/>
   </p:notesMasterIdLst>
   <p:handoutMasterIdLst>
-    <p:handoutMasterId r:id="rId19"/>
+    <p:handoutMasterId r:id="rId21"/>
   </p:handoutMasterIdLst>
   <p:sldIdLst>
     <p:sldId id="256" r:id="rId3"/>
@@ -17,15 +17,17 @@
     <p:sldId id="270" r:id="rId6"/>
     <p:sldId id="267" r:id="rId7"/>
     <p:sldId id="269" r:id="rId8"/>
-    <p:sldId id="258" r:id="rId9"/>
-    <p:sldId id="266" r:id="rId10"/>
-    <p:sldId id="260" r:id="rId11"/>
-    <p:sldId id="259" r:id="rId12"/>
-    <p:sldId id="261" r:id="rId13"/>
-    <p:sldId id="262" r:id="rId14"/>
-    <p:sldId id="263" r:id="rId15"/>
-    <p:sldId id="264" r:id="rId16"/>
-    <p:sldId id="265" r:id="rId17"/>
+    <p:sldId id="271" r:id="rId9"/>
+    <p:sldId id="272" r:id="rId10"/>
+    <p:sldId id="258" r:id="rId11"/>
+    <p:sldId id="266" r:id="rId12"/>
+    <p:sldId id="260" r:id="rId13"/>
+    <p:sldId id="259" r:id="rId14"/>
+    <p:sldId id="261" r:id="rId15"/>
+    <p:sldId id="262" r:id="rId16"/>
+    <p:sldId id="263" r:id="rId17"/>
+    <p:sldId id="264" r:id="rId18"/>
+    <p:sldId id="265" r:id="rId19"/>
   </p:sldIdLst>
   <p:sldSz cx="12192000" cy="6858000"/>
   <p:notesSz cx="6858000" cy="9144000"/>
@@ -126,7 +128,7 @@
   </p:defaultTextStyle>
   <p:extLst>
     <p:ext uri="{EFAFB233-063F-42B5-8137-9DF3F51BA10A}">
-      <p15:sldGuideLst xmlns:p15="http://schemas.microsoft.com/office/powerpoint/2012/main">
+      <p15:sldGuideLst xmlns:p15="http://schemas.microsoft.com/office/powerpoint/2012/main" xmlns="">
         <p15:guide id="1" orient="horz" pos="2160">
           <p15:clr>
             <a:srgbClr val="A4A3A4"/>
@@ -140,14 +142,14 @@
       </p15:sldGuideLst>
     </p:ext>
     <p:ext uri="{2D200454-40CA-4A62-9FC3-DE9A4176ACB9}">
-      <p15:notesGuideLst xmlns:p15="http://schemas.microsoft.com/office/powerpoint/2012/main"/>
+      <p15:notesGuideLst xmlns:p15="http://schemas.microsoft.com/office/powerpoint/2012/main" xmlns=""/>
     </p:ext>
   </p:extLst>
 </p:presentation>
 </file>
 
 <file path=ppt/charts/chart1.xml><?xml version="1.0" encoding="utf-8"?>
-<c:chartSpace xmlns:c="http://schemas.openxmlformats.org/drawingml/2006/chart" xmlns:a="http://schemas.openxmlformats.org/drawingml/2006/main" xmlns:r="http://schemas.openxmlformats.org/officeDocument/2006/relationships" xmlns:c16r2="http://schemas.microsoft.com/office/drawing/2015/06/chart">
+<c:chartSpace xmlns:c="http://schemas.openxmlformats.org/drawingml/2006/chart" xmlns:a="http://schemas.openxmlformats.org/drawingml/2006/main" xmlns:r="http://schemas.openxmlformats.org/officeDocument/2006/relationships">
   <c:date1904 val="0"/>
   <c:lang val="zh-CN"/>
   <c:roundedCorners val="0"/>
@@ -255,7 +257,7 @@
               </c:numCache>
             </c:numRef>
           </c:val>
-          <c:extLst>
+          <c:extLst xmlns:c16r2="http://schemas.microsoft.com/office/drawing/2015/06/chart">
             <c:ext xmlns:c16="http://schemas.microsoft.com/office/drawing/2014/chart" uri="{C3380CC4-5D6E-409C-BE32-E72D297353CC}">
               <c16:uniqueId val="{00000000-66A3-48EC-BF15-F5D7A2B6F1B2}"/>
             </c:ext>
@@ -349,7 +351,7 @@
               </c:numCache>
             </c:numRef>
           </c:val>
-          <c:extLst>
+          <c:extLst xmlns:c16r2="http://schemas.microsoft.com/office/drawing/2015/06/chart">
             <c:ext xmlns:c16="http://schemas.microsoft.com/office/drawing/2014/chart" uri="{C3380CC4-5D6E-409C-BE32-E72D297353CC}">
               <c16:uniqueId val="{00000001-66A3-48EC-BF15-F5D7A2B6F1B2}"/>
             </c:ext>
@@ -443,7 +445,7 @@
               </c:numCache>
             </c:numRef>
           </c:val>
-          <c:extLst>
+          <c:extLst xmlns:c16r2="http://schemas.microsoft.com/office/drawing/2015/06/chart">
             <c:ext xmlns:c16="http://schemas.microsoft.com/office/drawing/2014/chart" uri="{C3380CC4-5D6E-409C-BE32-E72D297353CC}">
               <c16:uniqueId val="{00000002-66A3-48EC-BF15-F5D7A2B6F1B2}"/>
             </c:ext>
@@ -459,11 +461,11 @@
         </c:dLbls>
         <c:gapWidth val="355"/>
         <c:overlap val="-70"/>
-        <c:axId val="285196656"/>
-        <c:axId val="285196096"/>
+        <c:axId val="45512576"/>
+        <c:axId val="45514112"/>
       </c:barChart>
       <c:catAx>
-        <c:axId val="285196656"/>
+        <c:axId val="45512576"/>
         <c:scaling>
           <c:orientation val="minMax"/>
         </c:scaling>
@@ -506,7 +508,7 @@
             <a:endParaRPr lang="zh-CN"/>
           </a:p>
         </c:txPr>
-        <c:crossAx val="285196096"/>
+        <c:crossAx val="45514112"/>
         <c:crosses val="autoZero"/>
         <c:auto val="1"/>
         <c:lblAlgn val="ctr"/>
@@ -514,7 +516,7 @@
         <c:noMultiLvlLbl val="0"/>
       </c:catAx>
       <c:valAx>
-        <c:axId val="285196096"/>
+        <c:axId val="45514112"/>
         <c:scaling>
           <c:orientation val="minMax"/>
         </c:scaling>
@@ -551,7 +553,7 @@
             <a:endParaRPr lang="zh-CN"/>
           </a:p>
         </c:txPr>
-        <c:crossAx val="285196656"/>
+        <c:crossAx val="45512576"/>
         <c:crosses val="autoZero"/>
         <c:crossBetween val="between"/>
       </c:valAx>
@@ -565,6 +567,7 @@
     </c:plotArea>
     <c:legend>
       <c:legendPos val="b"/>
+      <c:layout/>
       <c:overlay val="0"/>
       <c:spPr>
         <a:noFill/>
@@ -618,7 +621,7 @@
       <a:endParaRPr lang="zh-CN"/>
     </a:p>
   </c:txPr>
-  <c:externalData r:id="rId3">
+  <c:externalData r:id="rId1">
     <c:autoUpdate val="0"/>
   </c:externalData>
 </c:chartSpace>
@@ -4394,7 +4397,7 @@
           <a:p>
             <a:fld id="{DE71268B-8AC2-4239-8FAF-7C144C210720}" type="datetimeFigureOut">
               <a:rPr lang="en-US" altLang="zh-CN"/>
-              <a:t>4/26/2017</a:t>
+              <a:t>4/27/2017</a:t>
             </a:fld>
             <a:endParaRPr lang="zh-CN"/>
           </a:p>
@@ -4558,7 +4561,7 @@
           </a:lstStyle>
           <a:p>
             <a:fld id="{F5AD8362-6D63-40AC-BAA9-90C3AE6D5875}" type="datetimeFigureOut">
-              <a:t>2017/4/26</a:t>
+              <a:t>2017/4/27</a:t>
             </a:fld>
             <a:endParaRPr lang="zh-CN"/>
           </a:p>
@@ -4992,6 +4995,250 @@
 </p:notes>
 </file>
 
+<file path=ppt/notesSlides/notesSlide3.xml><?xml version="1.0" encoding="utf-8"?>
+<p:notes xmlns:a="http://schemas.openxmlformats.org/drawingml/2006/main" xmlns:r="http://schemas.openxmlformats.org/officeDocument/2006/relationships" xmlns:p="http://schemas.openxmlformats.org/presentationml/2006/main">
+  <p:cSld>
+    <p:spTree>
+      <p:nvGrpSpPr>
+        <p:cNvPr id="1" name=""/>
+        <p:cNvGrpSpPr/>
+        <p:nvPr/>
+      </p:nvGrpSpPr>
+      <p:grpSpPr>
+        <a:xfrm>
+          <a:off x="0" y="0"/>
+          <a:ext cx="0" cy="0"/>
+          <a:chOff x="0" y="0"/>
+          <a:chExt cx="0" cy="0"/>
+        </a:xfrm>
+      </p:grpSpPr>
+      <p:sp>
+        <p:nvSpPr>
+          <p:cNvPr id="2" name="幻灯片图像占位符 1"/>
+          <p:cNvSpPr>
+            <a:spLocks noGrp="1" noRot="1" noChangeAspect="1"/>
+          </p:cNvSpPr>
+          <p:nvPr>
+            <p:ph type="sldImg"/>
+          </p:nvPr>
+        </p:nvSpPr>
+        <p:spPr/>
+      </p:sp>
+      <p:sp>
+        <p:nvSpPr>
+          <p:cNvPr id="3" name="备注占位符 2"/>
+          <p:cNvSpPr>
+            <a:spLocks noGrp="1"/>
+          </p:cNvSpPr>
+          <p:nvPr>
+            <p:ph type="body" idx="1"/>
+          </p:nvPr>
+        </p:nvSpPr>
+        <p:spPr/>
+        <p:txBody>
+          <a:bodyPr/>
+          <a:lstStyle/>
+          <a:p>
+            <a:r>
+              <a:rPr lang="zh-CN" altLang="en-US" dirty="0" smtClean="0"/>
+              <a:t>原字符          </a:t>
+            </a:r>
+            <a:r>
+              <a:rPr lang="en-US" altLang="zh-CN" dirty="0" smtClean="0"/>
+              <a:t>A           B           C</a:t>
+            </a:r>
+          </a:p>
+          <a:p>
+            <a:r>
+              <a:rPr lang="en-US" altLang="zh-CN" dirty="0" smtClean="0"/>
+              <a:t>ASCII:         65          66         67</a:t>
+            </a:r>
+          </a:p>
+          <a:p>
+            <a:r>
+              <a:rPr lang="en-US" altLang="zh-CN" dirty="0" smtClean="0"/>
+              <a:t>3*8bit</a:t>
+            </a:r>
+            <a:r>
+              <a:rPr lang="zh-CN" altLang="en-US" dirty="0" smtClean="0"/>
+              <a:t>字节</a:t>
+            </a:r>
+            <a:r>
+              <a:rPr lang="en-US" altLang="zh-CN" dirty="0" smtClean="0"/>
+              <a:t>:   01000001    01000010    01000011</a:t>
+            </a:r>
+          </a:p>
+          <a:p>
+            <a:r>
+              <a:rPr lang="en-US" altLang="zh-CN" dirty="0" smtClean="0"/>
+              <a:t>4*6bit</a:t>
+            </a:r>
+            <a:r>
+              <a:rPr lang="zh-CN" altLang="en-US" dirty="0" smtClean="0"/>
+              <a:t>字节</a:t>
+            </a:r>
+            <a:r>
+              <a:rPr lang="en-US" altLang="zh-CN" dirty="0" smtClean="0"/>
+              <a:t>:     010000      010100      001001      000011</a:t>
+            </a:r>
+          </a:p>
+          <a:p>
+            <a:r>
+              <a:rPr lang="zh-CN" altLang="en-US" dirty="0" smtClean="0"/>
+              <a:t>前面补零</a:t>
+            </a:r>
+            <a:r>
+              <a:rPr lang="en-US" altLang="zh-CN" dirty="0" smtClean="0"/>
+              <a:t>:     00010000    00010100    00001001    00000011</a:t>
+            </a:r>
+          </a:p>
+          <a:p>
+            <a:r>
+              <a:rPr lang="zh-CN" altLang="en-US" dirty="0" smtClean="0"/>
+              <a:t>十进制</a:t>
+            </a:r>
+            <a:r>
+              <a:rPr lang="en-US" altLang="zh-CN" dirty="0" smtClean="0"/>
+              <a:t>:         16           20          9          3</a:t>
+            </a:r>
+          </a:p>
+          <a:p>
+            <a:r>
+              <a:rPr lang="en-US" altLang="zh-CN" dirty="0" smtClean="0"/>
+              <a:t>Base64</a:t>
+            </a:r>
+            <a:r>
+              <a:rPr lang="zh-CN" altLang="en-US" dirty="0" smtClean="0"/>
+              <a:t>编码</a:t>
+            </a:r>
+            <a:r>
+              <a:rPr lang="en-US" altLang="zh-CN" dirty="0" smtClean="0"/>
+              <a:t>:     Q           U           J           D </a:t>
+            </a:r>
+            <a:endParaRPr lang="zh-CN" altLang="en-US" dirty="0"/>
+          </a:p>
+        </p:txBody>
+      </p:sp>
+      <p:sp>
+        <p:nvSpPr>
+          <p:cNvPr id="4" name="灯片编号占位符 3"/>
+          <p:cNvSpPr>
+            <a:spLocks noGrp="1"/>
+          </p:cNvSpPr>
+          <p:nvPr>
+            <p:ph type="sldNum" sz="quarter" idx="10"/>
+          </p:nvPr>
+        </p:nvSpPr>
+        <p:spPr/>
+        <p:txBody>
+          <a:bodyPr/>
+          <a:lstStyle/>
+          <a:p>
+            <a:fld id="{C6539446-6953-447E-A4E3-E7CFBF870046}" type="slidenum">
+              <a:rPr lang="en-US" altLang="zh-CN" smtClean="0"/>
+              <a:t>5</a:t>
+            </a:fld>
+            <a:endParaRPr lang="zh-CN" altLang="en-US"/>
+          </a:p>
+        </p:txBody>
+      </p:sp>
+    </p:spTree>
+    <p:extLst>
+      <p:ext uri="{BB962C8B-B14F-4D97-AF65-F5344CB8AC3E}">
+        <p14:creationId xmlns:p14="http://schemas.microsoft.com/office/powerpoint/2010/main" val="4133985635"/>
+      </p:ext>
+    </p:extLst>
+  </p:cSld>
+  <p:clrMapOvr>
+    <a:masterClrMapping/>
+  </p:clrMapOvr>
+</p:notes>
+</file>
+
+<file path=ppt/notesSlides/notesSlide4.xml><?xml version="1.0" encoding="utf-8"?>
+<p:notes xmlns:a="http://schemas.openxmlformats.org/drawingml/2006/main" xmlns:r="http://schemas.openxmlformats.org/officeDocument/2006/relationships" xmlns:p="http://schemas.openxmlformats.org/presentationml/2006/main">
+  <p:cSld>
+    <p:spTree>
+      <p:nvGrpSpPr>
+        <p:cNvPr id="1" name=""/>
+        <p:cNvGrpSpPr/>
+        <p:nvPr/>
+      </p:nvGrpSpPr>
+      <p:grpSpPr>
+        <a:xfrm>
+          <a:off x="0" y="0"/>
+          <a:ext cx="0" cy="0"/>
+          <a:chOff x="0" y="0"/>
+          <a:chExt cx="0" cy="0"/>
+        </a:xfrm>
+      </p:grpSpPr>
+      <p:sp>
+        <p:nvSpPr>
+          <p:cNvPr id="2" name="幻灯片图像占位符 1"/>
+          <p:cNvSpPr>
+            <a:spLocks noGrp="1" noRot="1" noChangeAspect="1"/>
+          </p:cNvSpPr>
+          <p:nvPr>
+            <p:ph type="sldImg"/>
+          </p:nvPr>
+        </p:nvSpPr>
+        <p:spPr/>
+      </p:sp>
+      <p:sp>
+        <p:nvSpPr>
+          <p:cNvPr id="3" name="备注占位符 2"/>
+          <p:cNvSpPr>
+            <a:spLocks noGrp="1"/>
+          </p:cNvSpPr>
+          <p:nvPr>
+            <p:ph type="body" idx="1"/>
+          </p:nvPr>
+        </p:nvSpPr>
+        <p:spPr/>
+        <p:txBody>
+          <a:bodyPr/>
+          <a:lstStyle/>
+          <a:p>
+            <a:endParaRPr lang="zh-CN" altLang="en-US" dirty="0"/>
+          </a:p>
+        </p:txBody>
+      </p:sp>
+      <p:sp>
+        <p:nvSpPr>
+          <p:cNvPr id="4" name="灯片编号占位符 3"/>
+          <p:cNvSpPr>
+            <a:spLocks noGrp="1"/>
+          </p:cNvSpPr>
+          <p:nvPr>
+            <p:ph type="sldNum" sz="quarter" idx="10"/>
+          </p:nvPr>
+        </p:nvSpPr>
+        <p:spPr/>
+        <p:txBody>
+          <a:bodyPr/>
+          <a:lstStyle/>
+          <a:p>
+            <a:fld id="{C6539446-6953-447E-A4E3-E7CFBF870046}" type="slidenum">
+              <a:rPr lang="en-US" altLang="zh-CN" smtClean="0"/>
+              <a:t>6</a:t>
+            </a:fld>
+            <a:endParaRPr lang="zh-CN" altLang="en-US"/>
+          </a:p>
+        </p:txBody>
+      </p:sp>
+    </p:spTree>
+    <p:extLst>
+      <p:ext uri="{BB962C8B-B14F-4D97-AF65-F5344CB8AC3E}">
+        <p14:creationId xmlns:p14="http://schemas.microsoft.com/office/powerpoint/2010/main" val="2819064886"/>
+      </p:ext>
+    </p:extLst>
+  </p:cSld>
+  <p:clrMapOvr>
+    <a:masterClrMapping/>
+  </p:clrMapOvr>
+</p:notes>
+</file>
+
 <file path=ppt/slideLayouts/slideLayout1.xml><?xml version="1.0" encoding="utf-8"?>
 <p:sldLayout xmlns:a="http://schemas.openxmlformats.org/drawingml/2006/main" xmlns:r="http://schemas.openxmlformats.org/officeDocument/2006/relationships" xmlns:p="http://schemas.openxmlformats.org/presentationml/2006/main" showMasterSp="0" type="title" preserve="1">
   <p:cSld name="标题幻灯片">
@@ -5518,7 +5765,7 @@
           <a:lstStyle/>
           <a:p>
             <a:fld id="{5F4E5243-F52A-4D37-9694-EB26C6C31910}" type="datetime1">
-              <a:t>2017/4/26</a:t>
+              <a:t>2017/4/27</a:t>
             </a:fld>
             <a:endParaRPr lang="zh-CN"/>
           </a:p>
@@ -5715,7 +5962,7 @@
           <a:lstStyle/>
           <a:p>
             <a:fld id="{3A77B6E1-634A-48DC-9E8B-D894023267EF}" type="datetime1">
-              <a:t>2017/4/26</a:t>
+              <a:t>2017/4/27</a:t>
             </a:fld>
             <a:endParaRPr lang="zh-CN"/>
           </a:p>
@@ -5906,7 +6153,7 @@
           <a:lstStyle/>
           <a:p>
             <a:fld id="{7B2D3E9E-A95C-48F2-B4BF-A71542E0BE9A}" type="datetime1">
-              <a:t>2017/4/26</a:t>
+              <a:t>2017/4/27</a:t>
             </a:fld>
             <a:endParaRPr lang="zh-CN"/>
           </a:p>
@@ -6238,7 +6485,7 @@
           <a:lstStyle/>
           <a:p>
             <a:fld id="{A50F84E2-2D7A-43CF-AC90-352A289A783A}" type="datetime1">
-              <a:t>2017/4/26</a:t>
+              <a:t>2017/4/27</a:t>
             </a:fld>
             <a:endParaRPr lang="zh-CN"/>
           </a:p>
@@ -6547,7 +6794,7 @@
           <a:lstStyle/>
           <a:p>
             <a:fld id="{F12952B5-7A2F-4CC8-B7CE-9234E21C2837}" type="datetime1">
-              <a:t>2017/4/26</a:t>
+              <a:t>2017/4/27</a:t>
             </a:fld>
             <a:endParaRPr lang="zh-CN"/>
           </a:p>
@@ -6973,7 +7220,7 @@
           <a:lstStyle/>
           <a:p>
             <a:fld id="{CE1DA07A-9201-4B4B-BAF2-015AFA30F520}" type="datetime1">
-              <a:t>2017/4/26</a:t>
+              <a:t>2017/4/27</a:t>
             </a:fld>
             <a:endParaRPr lang="zh-CN"/>
           </a:p>
@@ -7108,7 +7355,7 @@
           <a:lstStyle/>
           <a:p>
             <a:fld id="{73D7E00A-486F-4252-8B1D-E32645521F49}" type="datetime1">
-              <a:t>2017/4/26</a:t>
+              <a:t>2017/4/27</a:t>
             </a:fld>
             <a:endParaRPr lang="zh-CN"/>
           </a:p>
@@ -7305,7 +7552,7 @@
           <a:lstStyle/>
           <a:p>
             <a:fld id="{8DDF5F92-E675-4B36-9A60-69A962A68675}" type="datetime1">
-              <a:t>2017/4/26</a:t>
+              <a:t>2017/4/27</a:t>
             </a:fld>
             <a:endParaRPr lang="zh-CN"/>
           </a:p>
@@ -7611,7 +7858,7 @@
           <a:lstStyle/>
           <a:p>
             <a:fld id="{AF6E2C9B-5FA2-460D-9BE7-B0812FC2A6FF}" type="datetime1">
-              <a:t>2017/4/26</a:t>
+              <a:t>2017/4/27</a:t>
             </a:fld>
             <a:endParaRPr lang="zh-CN"/>
           </a:p>
@@ -7902,7 +8149,7 @@
           <a:lstStyle/>
           <a:p>
             <a:fld id="{1D374940-A916-4C8B-9648-02A2D3898F9E}" type="datetime1">
-              <a:t>2017/4/26</a:t>
+              <a:t>2017/4/27</a:t>
             </a:fld>
             <a:endParaRPr lang="zh-CN"/>
           </a:p>
@@ -8341,7 +8588,7 @@
             <a:fld id="{5586B75A-687E-405C-8A0B-8D00578BA2C3}" type="datetime1">
               <a:rPr lang="en-US" altLang="zh-CN" smtClean="0"/>
               <a:pPr/>
-              <a:t>4/26/2017</a:t>
+              <a:t>4/27/2017</a:t>
             </a:fld>
             <a:endParaRPr lang="zh-CN" altLang="en-US"/>
           </a:p>
@@ -8778,7 +9025,7 @@
   </p:txStyles>
   <p:extLst mod="1">
     <p:ext uri="{27BBF7A9-308A-43DC-89C8-2F10F3537804}">
-      <p15:sldGuideLst xmlns:p15="http://schemas.microsoft.com/office/powerpoint/2012/main">
+      <p15:sldGuideLst xmlns:p15="http://schemas.microsoft.com/office/powerpoint/2012/main" xmlns="">
         <p15:guide id="1" orient="horz" pos="2160">
           <p15:clr>
             <a:srgbClr val="F26B43"/>
@@ -8948,6 +9195,506 @@
           <a:p>
             <a:r>
               <a:rPr lang="zh-CN"/>
+              <a:t>图片与标题版式</a:t>
+            </a:r>
+          </a:p>
+        </p:txBody>
+      </p:sp>
+      <p:sp>
+        <p:nvSpPr>
+          <p:cNvPr id="4" name="文本占位符 3"/>
+          <p:cNvSpPr>
+            <a:spLocks noGrp="1"/>
+          </p:cNvSpPr>
+          <p:nvPr>
+            <p:ph type="body" sz="half" idx="2"/>
+          </p:nvPr>
+        </p:nvSpPr>
+        <p:spPr/>
+        <p:txBody>
+          <a:bodyPr/>
+          <a:lstStyle/>
+          <a:p>
+            <a:r>
+              <a:rPr lang="zh-CN"/>
+              <a:t>标题</a:t>
+            </a:r>
+          </a:p>
+        </p:txBody>
+      </p:sp>
+      <p:pic>
+        <p:nvPicPr>
+          <p:cNvPr id="7" name="图片占位符 6" descr="白色沙滩上的花朵、海星和贝壳的特写" title="Beach photo"/>
+          <p:cNvPicPr>
+            <a:picLocks noGrp="1" noChangeAspect="1"/>
+          </p:cNvPicPr>
+          <p:nvPr>
+            <p:ph type="pic" idx="1"/>
+          </p:nvPr>
+        </p:nvPicPr>
+        <p:blipFill>
+          <a:blip r:embed="rId2" cstate="print">
+            <a:extLst>
+              <a:ext uri="{28A0092B-C50C-407E-A947-70E740481C1C}">
+                <a14:useLocalDpi xmlns:a14="http://schemas.microsoft.com/office/drawing/2010/main" val="0"/>
+              </a:ext>
+            </a:extLst>
+          </a:blip>
+          <a:srcRect/>
+          <a:stretch>
+            <a:fillRect/>
+          </a:stretch>
+        </p:blipFill>
+        <p:spPr/>
+      </p:pic>
+    </p:spTree>
+    <p:extLst>
+      <p:ext uri="{BB962C8B-B14F-4D97-AF65-F5344CB8AC3E}">
+        <p14:creationId xmlns:p14="http://schemas.microsoft.com/office/powerpoint/2010/main" val="361883921"/>
+      </p:ext>
+    </p:extLst>
+  </p:cSld>
+  <p:clrMapOvr>
+    <a:masterClrMapping/>
+  </p:clrMapOvr>
+  <mc:AlternateContent xmlns:mc="http://schemas.openxmlformats.org/markup-compatibility/2006" xmlns:p14="http://schemas.microsoft.com/office/powerpoint/2010/main">
+    <mc:Choice Requires="p14">
+      <p:transition spd="med" p14:dur="700">
+        <p:fade/>
+      </p:transition>
+    </mc:Choice>
+    <mc:Fallback xmlns="">
+      <p:transition spd="med">
+        <p:fade/>
+      </p:transition>
+    </mc:Fallback>
+  </mc:AlternateContent>
+  <p:timing>
+    <p:tnLst>
+      <p:par>
+        <p:cTn id="1" dur="indefinite" restart="never" nodeType="tmRoot"/>
+      </p:par>
+    </p:tnLst>
+  </p:timing>
+</p:sld>
+</file>
+
+<file path=ppt/slides/slide11.xml><?xml version="1.0" encoding="utf-8"?>
+<p:sld xmlns:a="http://schemas.openxmlformats.org/drawingml/2006/main" xmlns:r="http://schemas.openxmlformats.org/officeDocument/2006/relationships" xmlns:p="http://schemas.openxmlformats.org/presentationml/2006/main">
+  <p:cSld>
+    <p:spTree>
+      <p:nvGrpSpPr>
+        <p:cNvPr id="1" name=""/>
+        <p:cNvGrpSpPr/>
+        <p:nvPr/>
+      </p:nvGrpSpPr>
+      <p:grpSpPr>
+        <a:xfrm>
+          <a:off x="0" y="0"/>
+          <a:ext cx="0" cy="0"/>
+          <a:chOff x="0" y="0"/>
+          <a:chExt cx="0" cy="0"/>
+        </a:xfrm>
+      </p:grpSpPr>
+      <p:sp>
+        <p:nvSpPr>
+          <p:cNvPr id="2" name="标题 1"/>
+          <p:cNvSpPr>
+            <a:spLocks noGrp="1"/>
+          </p:cNvSpPr>
+          <p:nvPr>
+            <p:ph type="title"/>
+          </p:nvPr>
+        </p:nvSpPr>
+        <p:spPr/>
+        <p:txBody>
+          <a:bodyPr/>
+          <a:lstStyle/>
+          <a:p>
+            <a:r>
+              <a:rPr lang="zh-CN" dirty="0"/>
+              <a:t>两栏内容版式与表格</a:t>
+            </a:r>
+          </a:p>
+        </p:txBody>
+      </p:sp>
+      <p:sp>
+        <p:nvSpPr>
+          <p:cNvPr id="3" name="内容占位符 2"/>
+          <p:cNvSpPr>
+            <a:spLocks noGrp="1"/>
+          </p:cNvSpPr>
+          <p:nvPr>
+            <p:ph sz="half" idx="1"/>
+          </p:nvPr>
+        </p:nvSpPr>
+        <p:spPr/>
+        <p:txBody>
+          <a:bodyPr/>
+          <a:lstStyle/>
+          <a:p>
+            <a:r>
+              <a:rPr lang="zh-CN" dirty="0"/>
+              <a:t>此处为第一个要点</a:t>
+            </a:r>
+          </a:p>
+          <a:p>
+            <a:r>
+              <a:rPr lang="zh-CN" dirty="0"/>
+              <a:t>此处为第二个要点</a:t>
+            </a:r>
+          </a:p>
+          <a:p>
+            <a:r>
+              <a:rPr lang="zh-CN" dirty="0"/>
+              <a:t>此处为第三个要点</a:t>
+            </a:r>
+          </a:p>
+        </p:txBody>
+      </p:sp>
+      <p:graphicFrame>
+        <p:nvGraphicFramePr>
+          <p:cNvPr id="5" name="内容占位符 4" descr="示例表格（3 列，4 行）" title="Table"/>
+          <p:cNvGraphicFramePr>
+            <a:graphicFrameLocks noGrp="1"/>
+          </p:cNvGraphicFramePr>
+          <p:nvPr>
+            <p:ph sz="half" idx="2"/>
+            <p:extLst>
+              <p:ext uri="{D42A27DB-BD31-4B8C-83A1-F6EECF244321}">
+                <p14:modId xmlns:p14="http://schemas.microsoft.com/office/powerpoint/2010/main" val="2121433311"/>
+              </p:ext>
+            </p:extLst>
+          </p:nvPr>
+        </p:nvGraphicFramePr>
+        <p:xfrm>
+          <a:off x="6278563" y="1573213"/>
+          <a:ext cx="4572000" cy="2230160"/>
+        </p:xfrm>
+        <a:graphic>
+          <a:graphicData uri="http://schemas.openxmlformats.org/drawingml/2006/table">
+            <a:tbl>
+              <a:tblPr firstRow="1" bandRow="1">
+                <a:tableStyleId>{18603FDC-E32A-4AB5-989C-0864C3EAD2B8}</a:tableStyleId>
+              </a:tblPr>
+              <a:tblGrid>
+                <a:gridCol w="1524000">
+                  <a:extLst>
+                    <a:ext uri="{9D8B030D-6E8A-4147-A177-3AD203B41FA5}">
+                      <a16:colId xmlns:a16="http://schemas.microsoft.com/office/drawing/2014/main" xmlns="" val="20000"/>
+                    </a:ext>
+                  </a:extLst>
+                </a:gridCol>
+                <a:gridCol w="1524000">
+                  <a:extLst>
+                    <a:ext uri="{9D8B030D-6E8A-4147-A177-3AD203B41FA5}">
+                      <a16:colId xmlns:a16="http://schemas.microsoft.com/office/drawing/2014/main" xmlns="" val="20001"/>
+                    </a:ext>
+                  </a:extLst>
+                </a:gridCol>
+                <a:gridCol w="1524000">
+                  <a:extLst>
+                    <a:ext uri="{9D8B030D-6E8A-4147-A177-3AD203B41FA5}">
+                      <a16:colId xmlns:a16="http://schemas.microsoft.com/office/drawing/2014/main" xmlns="" val="20002"/>
+                    </a:ext>
+                  </a:extLst>
+                </a:gridCol>
+              </a:tblGrid>
+              <a:tr h="557540">
+                <a:tc>
+                  <a:txBody>
+                    <a:bodyPr/>
+                    <a:lstStyle/>
+                    <a:p>
+                      <a:endParaRPr lang="zh-CN" dirty="0">
+                        <a:latin typeface="微软雅黑" panose="020B0503020204020204" pitchFamily="34" charset="-122"/>
+                        <a:ea typeface="微软雅黑" panose="020B0503020204020204" pitchFamily="34" charset="-122"/>
+                      </a:endParaRPr>
+                    </a:p>
+                  </a:txBody>
+                  <a:tcPr anchor="ctr"/>
+                </a:tc>
+                <a:tc>
+                  <a:txBody>
+                    <a:bodyPr/>
+                    <a:lstStyle/>
+                    <a:p>
+                      <a:pPr algn="ctr"/>
+                      <a:r>
+                        <a:rPr lang="zh-CN" dirty="0">
+                          <a:latin typeface="微软雅黑" panose="020B0503020204020204" pitchFamily="34" charset="-122"/>
+                          <a:ea typeface="微软雅黑" panose="020B0503020204020204" pitchFamily="34" charset="-122"/>
+                        </a:rPr>
+                        <a:t>组 A</a:t>
+                      </a:r>
+                    </a:p>
+                  </a:txBody>
+                  <a:tcPr anchor="ctr"/>
+                </a:tc>
+                <a:tc>
+                  <a:txBody>
+                    <a:bodyPr/>
+                    <a:lstStyle/>
+                    <a:p>
+                      <a:pPr algn="ctr"/>
+                      <a:r>
+                        <a:rPr lang="zh-CN">
+                          <a:latin typeface="微软雅黑" panose="020B0503020204020204" pitchFamily="34" charset="-122"/>
+                          <a:ea typeface="微软雅黑" panose="020B0503020204020204" pitchFamily="34" charset="-122"/>
+                        </a:rPr>
+                        <a:t>组  B</a:t>
+                      </a:r>
+                    </a:p>
+                  </a:txBody>
+                  <a:tcPr anchor="ctr"/>
+                </a:tc>
+                <a:extLst>
+                  <a:ext uri="{0D108BD9-81ED-4DB2-BD59-A6C34878D82A}">
+                    <a16:rowId xmlns:a16="http://schemas.microsoft.com/office/drawing/2014/main" xmlns="" val="10000"/>
+                  </a:ext>
+                </a:extLst>
+              </a:tr>
+              <a:tr h="557540">
+                <a:tc>
+                  <a:txBody>
+                    <a:bodyPr/>
+                    <a:lstStyle/>
+                    <a:p>
+                      <a:r>
+                        <a:rPr lang="zh-CN">
+                          <a:latin typeface="微软雅黑" panose="020B0503020204020204" pitchFamily="34" charset="-122"/>
+                          <a:ea typeface="微软雅黑" panose="020B0503020204020204" pitchFamily="34" charset="-122"/>
+                        </a:rPr>
+                        <a:t>类 1</a:t>
+                      </a:r>
+                    </a:p>
+                  </a:txBody>
+                  <a:tcPr anchor="ctr"/>
+                </a:tc>
+                <a:tc>
+                  <a:txBody>
+                    <a:bodyPr/>
+                    <a:lstStyle/>
+                    <a:p>
+                      <a:pPr algn="ctr"/>
+                      <a:r>
+                        <a:rPr lang="zh-CN">
+                          <a:latin typeface="微软雅黑" panose="020B0503020204020204" pitchFamily="34" charset="-122"/>
+                          <a:ea typeface="微软雅黑" panose="020B0503020204020204" pitchFamily="34" charset="-122"/>
+                        </a:rPr>
+                        <a:t>82</a:t>
+                      </a:r>
+                    </a:p>
+                  </a:txBody>
+                  <a:tcPr anchor="ctr"/>
+                </a:tc>
+                <a:tc>
+                  <a:txBody>
+                    <a:bodyPr/>
+                    <a:lstStyle/>
+                    <a:p>
+                      <a:pPr algn="ctr"/>
+                      <a:r>
+                        <a:rPr lang="zh-CN">
+                          <a:latin typeface="微软雅黑" panose="020B0503020204020204" pitchFamily="34" charset="-122"/>
+                          <a:ea typeface="微软雅黑" panose="020B0503020204020204" pitchFamily="34" charset="-122"/>
+                        </a:rPr>
+                        <a:t>95</a:t>
+                      </a:r>
+                    </a:p>
+                  </a:txBody>
+                  <a:tcPr anchor="ctr"/>
+                </a:tc>
+                <a:extLst>
+                  <a:ext uri="{0D108BD9-81ED-4DB2-BD59-A6C34878D82A}">
+                    <a16:rowId xmlns:a16="http://schemas.microsoft.com/office/drawing/2014/main" xmlns="" val="10001"/>
+                  </a:ext>
+                </a:extLst>
+              </a:tr>
+              <a:tr h="557540">
+                <a:tc>
+                  <a:txBody>
+                    <a:bodyPr/>
+                    <a:lstStyle/>
+                    <a:p>
+                      <a:r>
+                        <a:rPr lang="zh-CN">
+                          <a:latin typeface="微软雅黑" panose="020B0503020204020204" pitchFamily="34" charset="-122"/>
+                          <a:ea typeface="微软雅黑" panose="020B0503020204020204" pitchFamily="34" charset="-122"/>
+                        </a:rPr>
+                        <a:t>类 2</a:t>
+                      </a:r>
+                    </a:p>
+                  </a:txBody>
+                  <a:tcPr anchor="ctr"/>
+                </a:tc>
+                <a:tc>
+                  <a:txBody>
+                    <a:bodyPr/>
+                    <a:lstStyle/>
+                    <a:p>
+                      <a:pPr algn="ctr"/>
+                      <a:r>
+                        <a:rPr lang="zh-CN">
+                          <a:latin typeface="微软雅黑" panose="020B0503020204020204" pitchFamily="34" charset="-122"/>
+                          <a:ea typeface="微软雅黑" panose="020B0503020204020204" pitchFamily="34" charset="-122"/>
+                        </a:rPr>
+                        <a:t>76</a:t>
+                      </a:r>
+                    </a:p>
+                  </a:txBody>
+                  <a:tcPr anchor="ctr"/>
+                </a:tc>
+                <a:tc>
+                  <a:txBody>
+                    <a:bodyPr/>
+                    <a:lstStyle/>
+                    <a:p>
+                      <a:pPr algn="ctr"/>
+                      <a:r>
+                        <a:rPr lang="zh-CN">
+                          <a:latin typeface="微软雅黑" panose="020B0503020204020204" pitchFamily="34" charset="-122"/>
+                          <a:ea typeface="微软雅黑" panose="020B0503020204020204" pitchFamily="34" charset="-122"/>
+                        </a:rPr>
+                        <a:t>88</a:t>
+                      </a:r>
+                    </a:p>
+                  </a:txBody>
+                  <a:tcPr anchor="ctr"/>
+                </a:tc>
+                <a:extLst>
+                  <a:ext uri="{0D108BD9-81ED-4DB2-BD59-A6C34878D82A}">
+                    <a16:rowId xmlns:a16="http://schemas.microsoft.com/office/drawing/2014/main" xmlns="" val="10002"/>
+                  </a:ext>
+                </a:extLst>
+              </a:tr>
+              <a:tr h="557540">
+                <a:tc>
+                  <a:txBody>
+                    <a:bodyPr/>
+                    <a:lstStyle/>
+                    <a:p>
+                      <a:r>
+                        <a:rPr lang="zh-CN">
+                          <a:latin typeface="微软雅黑" panose="020B0503020204020204" pitchFamily="34" charset="-122"/>
+                          <a:ea typeface="微软雅黑" panose="020B0503020204020204" pitchFamily="34" charset="-122"/>
+                        </a:rPr>
+                        <a:t>类 3</a:t>
+                      </a:r>
+                    </a:p>
+                  </a:txBody>
+                  <a:tcPr anchor="ctr"/>
+                </a:tc>
+                <a:tc>
+                  <a:txBody>
+                    <a:bodyPr/>
+                    <a:lstStyle/>
+                    <a:p>
+                      <a:pPr algn="ctr"/>
+                      <a:r>
+                        <a:rPr lang="zh-CN">
+                          <a:latin typeface="微软雅黑" panose="020B0503020204020204" pitchFamily="34" charset="-122"/>
+                          <a:ea typeface="微软雅黑" panose="020B0503020204020204" pitchFamily="34" charset="-122"/>
+                        </a:rPr>
+                        <a:t>84</a:t>
+                      </a:r>
+                    </a:p>
+                  </a:txBody>
+                  <a:tcPr anchor="ctr"/>
+                </a:tc>
+                <a:tc>
+                  <a:txBody>
+                    <a:bodyPr/>
+                    <a:lstStyle/>
+                    <a:p>
+                      <a:pPr algn="ctr"/>
+                      <a:r>
+                        <a:rPr lang="zh-CN" dirty="0">
+                          <a:latin typeface="微软雅黑" panose="020B0503020204020204" pitchFamily="34" charset="-122"/>
+                          <a:ea typeface="微软雅黑" panose="020B0503020204020204" pitchFamily="34" charset="-122"/>
+                        </a:rPr>
+                        <a:t>90</a:t>
+                      </a:r>
+                    </a:p>
+                  </a:txBody>
+                  <a:tcPr anchor="ctr"/>
+                </a:tc>
+                <a:extLst>
+                  <a:ext uri="{0D108BD9-81ED-4DB2-BD59-A6C34878D82A}">
+                    <a16:rowId xmlns:a16="http://schemas.microsoft.com/office/drawing/2014/main" xmlns="" val="10003"/>
+                  </a:ext>
+                </a:extLst>
+              </a:tr>
+            </a:tbl>
+          </a:graphicData>
+        </a:graphic>
+      </p:graphicFrame>
+    </p:spTree>
+    <p:extLst>
+      <p:ext uri="{BB962C8B-B14F-4D97-AF65-F5344CB8AC3E}">
+        <p14:creationId xmlns:p14="http://schemas.microsoft.com/office/powerpoint/2010/main" val="1952036268"/>
+      </p:ext>
+    </p:extLst>
+  </p:cSld>
+  <p:clrMapOvr>
+    <a:masterClrMapping/>
+  </p:clrMapOvr>
+  <mc:AlternateContent xmlns:mc="http://schemas.openxmlformats.org/markup-compatibility/2006" xmlns:p14="http://schemas.microsoft.com/office/powerpoint/2010/main">
+    <mc:Choice Requires="p14">
+      <p:transition spd="med" p14:dur="700">
+        <p:fade/>
+      </p:transition>
+    </mc:Choice>
+    <mc:Fallback xmlns="">
+      <p:transition spd="med">
+        <p:fade/>
+      </p:transition>
+    </mc:Fallback>
+  </mc:AlternateContent>
+  <p:timing>
+    <p:tnLst>
+      <p:par>
+        <p:cTn id="1" dur="indefinite" restart="never" nodeType="tmRoot"/>
+      </p:par>
+    </p:tnLst>
+  </p:timing>
+</p:sld>
+</file>
+
+<file path=ppt/slides/slide12.xml><?xml version="1.0" encoding="utf-8"?>
+<p:sld xmlns:a="http://schemas.openxmlformats.org/drawingml/2006/main" xmlns:r="http://schemas.openxmlformats.org/officeDocument/2006/relationships" xmlns:p="http://schemas.openxmlformats.org/presentationml/2006/main">
+  <p:cSld>
+    <p:spTree>
+      <p:nvGrpSpPr>
+        <p:cNvPr id="1" name=""/>
+        <p:cNvGrpSpPr/>
+        <p:nvPr/>
+      </p:nvGrpSpPr>
+      <p:grpSpPr>
+        <a:xfrm>
+          <a:off x="0" y="0"/>
+          <a:ext cx="0" cy="0"/>
+          <a:chOff x="0" y="0"/>
+          <a:chExt cx="0" cy="0"/>
+        </a:xfrm>
+      </p:grpSpPr>
+      <p:sp>
+        <p:nvSpPr>
+          <p:cNvPr id="2" name="标题 1"/>
+          <p:cNvSpPr>
+            <a:spLocks noGrp="1"/>
+          </p:cNvSpPr>
+          <p:nvPr>
+            <p:ph type="title"/>
+          </p:nvPr>
+        </p:nvSpPr>
+        <p:spPr/>
+        <p:txBody>
+          <a:bodyPr/>
+          <a:lstStyle/>
+          <a:p>
+            <a:r>
+              <a:rPr lang="zh-CN"/>
               <a:t>两栏内容版式与 SmartArt</a:t>
             </a:r>
           </a:p>
@@ -9044,7 +9791,7 @@
 </p:sld>
 </file>
 
-<file path=ppt/slides/slide11.xml><?xml version="1.0" encoding="utf-8"?>
+<file path=ppt/slides/slide13.xml><?xml version="1.0" encoding="utf-8"?>
 <p:sld xmlns:a="http://schemas.openxmlformats.org/drawingml/2006/main" xmlns:r="http://schemas.openxmlformats.org/officeDocument/2006/relationships" xmlns:p="http://schemas.openxmlformats.org/presentationml/2006/main">
   <p:cSld>
     <p:spTree>
@@ -9131,7 +9878,7 @@
 </p:sld>
 </file>
 
-<file path=ppt/slides/slide12.xml><?xml version="1.0" encoding="utf-8"?>
+<file path=ppt/slides/slide14.xml><?xml version="1.0" encoding="utf-8"?>
 <p:sld xmlns:a="http://schemas.openxmlformats.org/drawingml/2006/main" xmlns:r="http://schemas.openxmlformats.org/officeDocument/2006/relationships" xmlns:p="http://schemas.openxmlformats.org/presentationml/2006/main">
   <p:cSld>
     <p:spTree>
@@ -9275,7 +10022,7 @@
 </p:sld>
 </file>
 
-<file path=ppt/slides/slide13.xml><?xml version="1.0" encoding="utf-8"?>
+<file path=ppt/slides/slide15.xml><?xml version="1.0" encoding="utf-8"?>
 <p:sld xmlns:a="http://schemas.openxmlformats.org/drawingml/2006/main" xmlns:r="http://schemas.openxmlformats.org/officeDocument/2006/relationships" xmlns:p="http://schemas.openxmlformats.org/presentationml/2006/main">
   <p:cSld>
     <p:spTree>
@@ -9343,7 +10090,7 @@
 </p:sld>
 </file>
 
-<file path=ppt/slides/slide14.xml><?xml version="1.0" encoding="utf-8"?>
+<file path=ppt/slides/slide16.xml><?xml version="1.0" encoding="utf-8"?>
 <p:sld xmlns:a="http://schemas.openxmlformats.org/drawingml/2006/main" xmlns:r="http://schemas.openxmlformats.org/officeDocument/2006/relationships" xmlns:p="http://schemas.openxmlformats.org/presentationml/2006/main">
   <p:cSld>
     <p:spTree>
@@ -9392,7 +10139,7 @@
 </p:sld>
 </file>
 
-<file path=ppt/slides/slide15.xml><?xml version="1.0" encoding="utf-8"?>
+<file path=ppt/slides/slide17.xml><?xml version="1.0" encoding="utf-8"?>
 <p:sld xmlns:a="http://schemas.openxmlformats.org/drawingml/2006/main" xmlns:r="http://schemas.openxmlformats.org/officeDocument/2006/relationships" xmlns:p="http://schemas.openxmlformats.org/presentationml/2006/main">
   <p:cSld>
     <p:spTree>
@@ -10282,9 +11029,10 @@
           <a:lstStyle/>
           <a:p>
             <a:r>
-              <a:rPr lang="zh-CN" dirty="0"/>
-              <a:t>标题和内容版式与列表</a:t>
-            </a:r>
+              <a:rPr lang="en-US" altLang="zh-CN" dirty="0" smtClean="0"/>
+              <a:t>Base64</a:t>
+            </a:r>
+            <a:endParaRPr lang="zh-CN" dirty="0"/>
           </a:p>
         </p:txBody>
       </p:sp>
@@ -10304,24 +11052,312 @@
           <a:lstStyle/>
           <a:p>
             <a:r>
-              <a:rPr lang="zh-CN" dirty="0"/>
-              <a:t>在此处添加第一个要点</a:t>
-            </a:r>
-          </a:p>
-          <a:p>
-            <a:r>
-              <a:rPr lang="zh-CN" dirty="0"/>
-              <a:t>在此处添加第二个要点</a:t>
-            </a:r>
-          </a:p>
-          <a:p>
-            <a:r>
-              <a:rPr lang="zh-CN" dirty="0"/>
-              <a:t>在此处添加第三个要点</a:t>
-            </a:r>
+              <a:rPr lang="zh-CN" altLang="en-US" dirty="0"/>
+              <a:t>原</a:t>
+            </a:r>
+            <a:r>
+              <a:rPr lang="zh-CN" altLang="en-US" dirty="0" smtClean="0"/>
+              <a:t>理</a:t>
+            </a:r>
+            <a:endParaRPr lang="en-US" altLang="zh-CN" dirty="0" smtClean="0"/>
+          </a:p>
+          <a:p>
+            <a:pPr marL="45720" indent="0">
+              <a:buNone/>
+            </a:pPr>
+            <a:r>
+              <a:rPr lang="en-US" altLang="zh-CN" dirty="0"/>
+              <a:t> </a:t>
+            </a:r>
+            <a:r>
+              <a:rPr lang="en-US" altLang="zh-CN" dirty="0" smtClean="0"/>
+              <a:t>  </a:t>
+            </a:r>
+            <a:r>
+              <a:rPr lang="en-US" altLang="zh-CN" sz="1600" dirty="0" smtClean="0">
+                <a:solidFill>
+                  <a:srgbClr val="0070C0"/>
+                </a:solidFill>
+              </a:rPr>
+              <a:t>3 </a:t>
+            </a:r>
+            <a:r>
+              <a:rPr lang="zh-CN" altLang="en-US" sz="1600" dirty="0" smtClean="0">
+                <a:solidFill>
+                  <a:srgbClr val="0070C0"/>
+                </a:solidFill>
+              </a:rPr>
+              <a:t>* </a:t>
+            </a:r>
+            <a:r>
+              <a:rPr lang="en-US" altLang="zh-CN" sz="1600" dirty="0" smtClean="0">
+                <a:solidFill>
+                  <a:srgbClr val="0070C0"/>
+                </a:solidFill>
+              </a:rPr>
+              <a:t>8 bit </a:t>
+            </a:r>
+            <a:r>
+              <a:rPr lang="zh-CN" altLang="en-US" sz="1600" dirty="0" smtClean="0">
+                <a:solidFill>
+                  <a:srgbClr val="0070C0"/>
+                </a:solidFill>
+              </a:rPr>
+              <a:t>转换 </a:t>
+            </a:r>
+            <a:r>
+              <a:rPr lang="en-US" altLang="zh-CN" sz="1600" dirty="0" smtClean="0">
+                <a:solidFill>
+                  <a:srgbClr val="0070C0"/>
+                </a:solidFill>
+              </a:rPr>
+              <a:t>4</a:t>
+            </a:r>
+            <a:r>
+              <a:rPr lang="zh-CN" altLang="en-US" sz="1600" dirty="0">
+                <a:solidFill>
+                  <a:srgbClr val="0070C0"/>
+                </a:solidFill>
+              </a:rPr>
+              <a:t> </a:t>
+            </a:r>
+            <a:r>
+              <a:rPr lang="zh-CN" altLang="en-US" sz="1600" dirty="0" smtClean="0">
+                <a:solidFill>
+                  <a:srgbClr val="0070C0"/>
+                </a:solidFill>
+              </a:rPr>
+              <a:t>* </a:t>
+            </a:r>
+            <a:r>
+              <a:rPr lang="en-US" altLang="zh-CN" sz="1600" dirty="0" smtClean="0">
+                <a:solidFill>
+                  <a:srgbClr val="0070C0"/>
+                </a:solidFill>
+              </a:rPr>
+              <a:t>6 bit</a:t>
+            </a:r>
+          </a:p>
+          <a:p>
+            <a:pPr marL="45720" indent="0">
+              <a:buNone/>
+            </a:pPr>
+            <a:r>
+              <a:rPr lang="en-US" altLang="zh-CN" sz="1600" dirty="0">
+                <a:solidFill>
+                  <a:srgbClr val="0070C0"/>
+                </a:solidFill>
+              </a:rPr>
+              <a:t> </a:t>
+            </a:r>
+            <a:r>
+              <a:rPr lang="en-US" altLang="zh-CN" sz="1600" dirty="0" smtClean="0">
+                <a:solidFill>
+                  <a:srgbClr val="0070C0"/>
+                </a:solidFill>
+              </a:rPr>
+              <a:t>   </a:t>
+            </a:r>
+            <a:r>
+              <a:rPr lang="zh-CN" altLang="en-US" sz="1600" dirty="0" smtClean="0">
+                <a:solidFill>
+                  <a:srgbClr val="0070C0"/>
+                </a:solidFill>
+              </a:rPr>
+              <a:t>前面补</a:t>
+            </a:r>
+            <a:r>
+              <a:rPr lang="en-US" altLang="zh-CN" sz="1600" dirty="0" smtClean="0">
+                <a:solidFill>
+                  <a:srgbClr val="0070C0"/>
+                </a:solidFill>
+              </a:rPr>
+              <a:t>00</a:t>
+            </a:r>
+            <a:r>
+              <a:rPr lang="zh-CN" altLang="en-US" sz="1600" dirty="0" smtClean="0">
+                <a:solidFill>
+                  <a:srgbClr val="0070C0"/>
+                </a:solidFill>
+              </a:rPr>
+              <a:t>，变成</a:t>
+            </a:r>
+            <a:r>
+              <a:rPr lang="en-US" altLang="zh-CN" sz="1600" dirty="0" smtClean="0">
+                <a:solidFill>
+                  <a:srgbClr val="0070C0"/>
+                </a:solidFill>
+              </a:rPr>
+              <a:t>4 </a:t>
+            </a:r>
+            <a:r>
+              <a:rPr lang="zh-CN" altLang="en-US" sz="1600" dirty="0" smtClean="0">
+                <a:solidFill>
+                  <a:srgbClr val="0070C0"/>
+                </a:solidFill>
+              </a:rPr>
+              <a:t>* </a:t>
+            </a:r>
+            <a:r>
+              <a:rPr lang="en-US" altLang="zh-CN" sz="1600" dirty="0" smtClean="0">
+                <a:solidFill>
+                  <a:srgbClr val="0070C0"/>
+                </a:solidFill>
+              </a:rPr>
+              <a:t>8 bit</a:t>
+            </a:r>
+          </a:p>
+          <a:p>
+            <a:pPr marL="45720" indent="0">
+              <a:buNone/>
+            </a:pPr>
+            <a:r>
+              <a:rPr lang="en-US" altLang="zh-CN" sz="1600" dirty="0">
+                <a:solidFill>
+                  <a:srgbClr val="0070C0"/>
+                </a:solidFill>
+              </a:rPr>
+              <a:t> </a:t>
+            </a:r>
+            <a:r>
+              <a:rPr lang="en-US" altLang="zh-CN" sz="1600" dirty="0" smtClean="0">
+                <a:solidFill>
+                  <a:srgbClr val="0070C0"/>
+                </a:solidFill>
+              </a:rPr>
+              <a:t>   </a:t>
+            </a:r>
+            <a:r>
+              <a:rPr lang="zh-CN" altLang="en-US" sz="1600" dirty="0" smtClean="0">
+                <a:solidFill>
+                  <a:srgbClr val="0070C0"/>
+                </a:solidFill>
+              </a:rPr>
+              <a:t>转换成十进制后查</a:t>
+            </a:r>
+            <a:r>
+              <a:rPr lang="en-US" altLang="zh-CN" sz="1600" dirty="0" smtClean="0">
+                <a:solidFill>
+                  <a:srgbClr val="0070C0"/>
+                </a:solidFill>
+              </a:rPr>
+              <a:t>Base46</a:t>
+            </a:r>
+            <a:r>
+              <a:rPr lang="zh-CN" altLang="en-US" sz="1600" dirty="0" smtClean="0">
+                <a:solidFill>
+                  <a:srgbClr val="0070C0"/>
+                </a:solidFill>
+              </a:rPr>
+              <a:t>编码表</a:t>
+            </a:r>
+            <a:endParaRPr lang="en-US" altLang="zh-CN" sz="1600" dirty="0" smtClean="0">
+              <a:solidFill>
+                <a:srgbClr val="0070C0"/>
+              </a:solidFill>
+            </a:endParaRPr>
+          </a:p>
+          <a:p>
+            <a:pPr marL="45720" indent="0">
+              <a:buNone/>
+            </a:pPr>
+            <a:r>
+              <a:rPr lang="en-US" altLang="zh-CN" dirty="0" smtClean="0"/>
+              <a:t>   </a:t>
+            </a:r>
+          </a:p>
+          <a:p>
+            <a:r>
+              <a:rPr lang="zh-CN" altLang="en-US" dirty="0"/>
+              <a:t>作用</a:t>
+            </a:r>
+            <a:endParaRPr lang="en-US" altLang="zh-CN" dirty="0" smtClean="0"/>
+          </a:p>
+          <a:p>
+            <a:pPr marL="45720" indent="0">
+              <a:buNone/>
+            </a:pPr>
+            <a:r>
+              <a:rPr lang="en-US" altLang="zh-CN" dirty="0"/>
+              <a:t> </a:t>
+            </a:r>
+            <a:r>
+              <a:rPr lang="en-US" altLang="zh-CN" dirty="0" smtClean="0"/>
+              <a:t>  </a:t>
+            </a:r>
+            <a:r>
+              <a:rPr lang="zh-CN" altLang="en-US" sz="1600" dirty="0">
+                <a:solidFill>
+                  <a:srgbClr val="0070C0"/>
+                </a:solidFill>
+              </a:rPr>
+              <a:t>把二进制变为可见字符</a:t>
+            </a:r>
+            <a:endParaRPr lang="en-US" altLang="zh-CN" sz="1600" dirty="0">
+              <a:solidFill>
+                <a:srgbClr val="0070C0"/>
+              </a:solidFill>
+            </a:endParaRPr>
+          </a:p>
+          <a:p>
+            <a:endParaRPr lang="zh-CN" dirty="0"/>
           </a:p>
         </p:txBody>
       </p:sp>
+      <p:pic>
+        <p:nvPicPr>
+          <p:cNvPr id="1028" name="Picture 4"/>
+          <p:cNvPicPr>
+            <a:picLocks noChangeAspect="1" noChangeArrowheads="1"/>
+          </p:cNvPicPr>
+          <p:nvPr/>
+        </p:nvPicPr>
+        <p:blipFill>
+          <a:blip r:embed="rId3">
+            <a:extLst>
+              <a:ext uri="{28A0092B-C50C-407E-A947-70E740481C1C}">
+                <a14:useLocalDpi xmlns:a14="http://schemas.microsoft.com/office/drawing/2010/main" val="0"/>
+              </a:ext>
+            </a:extLst>
+          </a:blip>
+          <a:srcRect/>
+          <a:stretch>
+            <a:fillRect/>
+          </a:stretch>
+        </p:blipFill>
+        <p:spPr bwMode="auto">
+          <a:xfrm>
+            <a:off x="6376737" y="219016"/>
+            <a:ext cx="4235117" cy="6651697"/>
+          </a:xfrm>
+          <a:prstGeom prst="rect">
+            <a:avLst/>
+          </a:prstGeom>
+          <a:noFill/>
+          <a:ln>
+            <a:noFill/>
+          </a:ln>
+          <a:extLst>
+            <a:ext uri="{909E8E84-426E-40DD-AFC4-6F175D3DCCD1}">
+              <a14:hiddenFill xmlns:a14="http://schemas.microsoft.com/office/drawing/2010/main">
+                <a:solidFill>
+                  <a:schemeClr val="accent1"/>
+                </a:solidFill>
+              </a14:hiddenFill>
+            </a:ext>
+            <a:ext uri="{91240B29-F687-4F45-9708-019B960494DF}">
+              <a14:hiddenLine xmlns:a14="http://schemas.microsoft.com/office/drawing/2010/main" w="9525">
+                <a:solidFill>
+                  <a:schemeClr val="tx1"/>
+                </a:solidFill>
+                <a:miter lim="800000"/>
+                <a:headEnd/>
+                <a:tailEnd/>
+              </a14:hiddenLine>
+            </a:ext>
+          </a:extLst>
+        </p:spPr>
+      </p:pic>
     </p:spTree>
     <p:extLst>
       <p:ext uri="{BB962C8B-B14F-4D97-AF65-F5344CB8AC3E}">
@@ -10387,41 +11423,364 @@
           <a:lstStyle/>
           <a:p>
             <a:r>
-              <a:rPr lang="zh-CN"/>
-              <a:t>标题和内容版式与图表</a:t>
-            </a:r>
+              <a:rPr lang="en-US" altLang="zh-CN" dirty="0" smtClean="0"/>
+              <a:t>Base64</a:t>
+            </a:r>
+            <a:r>
+              <a:rPr lang="zh-CN" altLang="en-US" dirty="0" smtClean="0"/>
+              <a:t>编码过程</a:t>
+            </a:r>
+            <a:endParaRPr lang="zh-CN" altLang="en-US" dirty="0"/>
           </a:p>
         </p:txBody>
       </p:sp>
-      <p:graphicFrame>
-        <p:nvGraphicFramePr>
-          <p:cNvPr id="6" name="内容占位符 5"/>
-          <p:cNvGraphicFramePr>
-            <a:graphicFrameLocks noGrp="1"/>
-          </p:cNvGraphicFramePr>
-          <p:nvPr>
-            <p:ph idx="1"/>
-            <p:extLst>
-              <p:ext uri="{D42A27DB-BD31-4B8C-83A1-F6EECF244321}">
-                <p14:modId xmlns:p14="http://schemas.microsoft.com/office/powerpoint/2010/main" val="1698860746"/>
-              </p:ext>
-            </p:extLst>
-          </p:nvPr>
-        </p:nvGraphicFramePr>
-        <p:xfrm>
-          <a:off x="1341438" y="1573213"/>
-          <a:ext cx="9510712" cy="4141787"/>
-        </p:xfrm>
-        <a:graphic>
-          <a:graphicData uri="http://schemas.openxmlformats.org/drawingml/2006/chart">
-            <c:chart xmlns:c="http://schemas.openxmlformats.org/drawingml/2006/chart" xmlns:r="http://schemas.openxmlformats.org/officeDocument/2006/relationships" r:id="rId2"/>
-          </a:graphicData>
-        </a:graphic>
-      </p:graphicFrame>
+      <p:sp>
+        <p:nvSpPr>
+          <p:cNvPr id="5" name="TextBox 4"/>
+          <p:cNvSpPr txBox="1"/>
+          <p:nvPr/>
+        </p:nvSpPr>
+        <p:spPr>
+          <a:xfrm>
+            <a:off x="1371600" y="1997242"/>
+            <a:ext cx="9673389" cy="2954655"/>
+          </a:xfrm>
+          <a:prstGeom prst="rect">
+            <a:avLst/>
+          </a:prstGeom>
+          <a:noFill/>
+        </p:spPr>
+        <p:txBody>
+          <a:bodyPr wrap="square" rtlCol="0">
+            <a:spAutoFit/>
+          </a:bodyPr>
+          <a:lstStyle/>
+          <a:p>
+            <a:r>
+              <a:rPr lang="zh-CN" altLang="en-US" sz="2400" dirty="0">
+                <a:solidFill>
+                  <a:srgbClr val="0070C0"/>
+                </a:solidFill>
+                <a:latin typeface="宋体" panose="02010600030101010101" pitchFamily="2" charset="-122"/>
+                <a:ea typeface="宋体" panose="02010600030101010101" pitchFamily="2" charset="-122"/>
+              </a:rPr>
+              <a:t>原字符          </a:t>
+            </a:r>
+            <a:r>
+              <a:rPr lang="zh-CN" altLang="en-US" sz="2400" dirty="0" smtClean="0">
+                <a:solidFill>
+                  <a:srgbClr val="0070C0"/>
+                </a:solidFill>
+                <a:latin typeface="宋体" panose="02010600030101010101" pitchFamily="2" charset="-122"/>
+                <a:ea typeface="宋体" panose="02010600030101010101" pitchFamily="2" charset="-122"/>
+              </a:rPr>
+              <a:t> </a:t>
+            </a:r>
+            <a:r>
+              <a:rPr lang="en-US" altLang="zh-CN" sz="2400" dirty="0" smtClean="0">
+                <a:solidFill>
+                  <a:srgbClr val="0070C0"/>
+                </a:solidFill>
+                <a:latin typeface="宋体" panose="02010600030101010101" pitchFamily="2" charset="-122"/>
+                <a:ea typeface="宋体" panose="02010600030101010101" pitchFamily="2" charset="-122"/>
+              </a:rPr>
+              <a:t>A           </a:t>
+            </a:r>
+            <a:r>
+              <a:rPr lang="en-US" altLang="zh-CN" sz="2400" dirty="0">
+                <a:solidFill>
+                  <a:srgbClr val="0070C0"/>
+                </a:solidFill>
+                <a:latin typeface="宋体" panose="02010600030101010101" pitchFamily="2" charset="-122"/>
+                <a:ea typeface="宋体" panose="02010600030101010101" pitchFamily="2" charset="-122"/>
+              </a:rPr>
+              <a:t>B           </a:t>
+            </a:r>
+            <a:r>
+              <a:rPr lang="en-US" altLang="zh-CN" sz="2400" dirty="0" smtClean="0">
+                <a:solidFill>
+                  <a:srgbClr val="0070C0"/>
+                </a:solidFill>
+                <a:latin typeface="宋体" panose="02010600030101010101" pitchFamily="2" charset="-122"/>
+                <a:ea typeface="宋体" panose="02010600030101010101" pitchFamily="2" charset="-122"/>
+              </a:rPr>
+              <a:t>C</a:t>
+            </a:r>
+            <a:endParaRPr lang="en-US" altLang="zh-CN" sz="2400" dirty="0">
+              <a:solidFill>
+                <a:srgbClr val="0070C0"/>
+              </a:solidFill>
+              <a:latin typeface="宋体" panose="02010600030101010101" pitchFamily="2" charset="-122"/>
+              <a:ea typeface="宋体" panose="02010600030101010101" pitchFamily="2" charset="-122"/>
+            </a:endParaRPr>
+          </a:p>
+          <a:p>
+            <a:r>
+              <a:rPr lang="en-US" altLang="zh-CN" sz="2400" dirty="0" smtClean="0">
+                <a:solidFill>
+                  <a:srgbClr val="0070C0"/>
+                </a:solidFill>
+                <a:latin typeface="宋体" panose="02010600030101010101" pitchFamily="2" charset="-122"/>
+                <a:ea typeface="宋体" panose="02010600030101010101" pitchFamily="2" charset="-122"/>
+              </a:rPr>
+              <a:t>ASCII:          65          </a:t>
+            </a:r>
+            <a:r>
+              <a:rPr lang="en-US" altLang="zh-CN" sz="2400" dirty="0">
+                <a:solidFill>
+                  <a:srgbClr val="0070C0"/>
+                </a:solidFill>
+                <a:latin typeface="宋体" panose="02010600030101010101" pitchFamily="2" charset="-122"/>
+                <a:ea typeface="宋体" panose="02010600030101010101" pitchFamily="2" charset="-122"/>
+              </a:rPr>
+              <a:t>66         67</a:t>
+            </a:r>
+          </a:p>
+          <a:p>
+            <a:r>
+              <a:rPr lang="en-US" altLang="zh-CN" sz="2400" dirty="0">
+                <a:solidFill>
+                  <a:srgbClr val="0070C0"/>
+                </a:solidFill>
+                <a:latin typeface="宋体" panose="02010600030101010101" pitchFamily="2" charset="-122"/>
+                <a:ea typeface="宋体" panose="02010600030101010101" pitchFamily="2" charset="-122"/>
+              </a:rPr>
+              <a:t>3*8bit</a:t>
+            </a:r>
+            <a:r>
+              <a:rPr lang="zh-CN" altLang="en-US" sz="2400" dirty="0">
+                <a:solidFill>
+                  <a:srgbClr val="0070C0"/>
+                </a:solidFill>
+                <a:latin typeface="宋体" panose="02010600030101010101" pitchFamily="2" charset="-122"/>
+                <a:ea typeface="宋体" panose="02010600030101010101" pitchFamily="2" charset="-122"/>
+              </a:rPr>
+              <a:t>字节</a:t>
+            </a:r>
+            <a:r>
+              <a:rPr lang="en-US" altLang="zh-CN" sz="2400" dirty="0">
+                <a:solidFill>
+                  <a:srgbClr val="0070C0"/>
+                </a:solidFill>
+                <a:latin typeface="宋体" panose="02010600030101010101" pitchFamily="2" charset="-122"/>
+                <a:ea typeface="宋体" panose="02010600030101010101" pitchFamily="2" charset="-122"/>
+              </a:rPr>
+              <a:t>:   01000001    01000010    01000011</a:t>
+            </a:r>
+          </a:p>
+          <a:p>
+            <a:r>
+              <a:rPr lang="en-US" altLang="zh-CN" sz="2400" dirty="0">
+                <a:solidFill>
+                  <a:srgbClr val="0070C0"/>
+                </a:solidFill>
+                <a:latin typeface="宋体" panose="02010600030101010101" pitchFamily="2" charset="-122"/>
+                <a:ea typeface="宋体" panose="02010600030101010101" pitchFamily="2" charset="-122"/>
+              </a:rPr>
+              <a:t>4*6bit</a:t>
+            </a:r>
+            <a:r>
+              <a:rPr lang="zh-CN" altLang="en-US" sz="2400" dirty="0">
+                <a:solidFill>
+                  <a:srgbClr val="0070C0"/>
+                </a:solidFill>
+                <a:latin typeface="宋体" panose="02010600030101010101" pitchFamily="2" charset="-122"/>
+                <a:ea typeface="宋体" panose="02010600030101010101" pitchFamily="2" charset="-122"/>
+              </a:rPr>
+              <a:t>字节</a:t>
+            </a:r>
+            <a:r>
+              <a:rPr lang="en-US" altLang="zh-CN" sz="2400" dirty="0">
+                <a:solidFill>
+                  <a:srgbClr val="0070C0"/>
+                </a:solidFill>
+                <a:latin typeface="宋体" panose="02010600030101010101" pitchFamily="2" charset="-122"/>
+                <a:ea typeface="宋体" panose="02010600030101010101" pitchFamily="2" charset="-122"/>
+              </a:rPr>
+              <a:t>:     010000      010100      001001      000011</a:t>
+            </a:r>
+          </a:p>
+          <a:p>
+            <a:r>
+              <a:rPr lang="zh-CN" altLang="en-US" sz="2400" dirty="0">
+                <a:solidFill>
+                  <a:srgbClr val="0070C0"/>
+                </a:solidFill>
+                <a:latin typeface="宋体" panose="02010600030101010101" pitchFamily="2" charset="-122"/>
+                <a:ea typeface="宋体" panose="02010600030101010101" pitchFamily="2" charset="-122"/>
+              </a:rPr>
+              <a:t>前面补零</a:t>
+            </a:r>
+            <a:r>
+              <a:rPr lang="en-US" altLang="zh-CN" sz="2400" dirty="0">
+                <a:solidFill>
+                  <a:srgbClr val="0070C0"/>
+                </a:solidFill>
+                <a:latin typeface="宋体" panose="02010600030101010101" pitchFamily="2" charset="-122"/>
+                <a:ea typeface="宋体" panose="02010600030101010101" pitchFamily="2" charset="-122"/>
+              </a:rPr>
+              <a:t>:     </a:t>
+            </a:r>
+            <a:r>
+              <a:rPr lang="en-US" altLang="zh-CN" sz="2400" dirty="0">
+                <a:solidFill>
+                  <a:srgbClr val="FF0000"/>
+                </a:solidFill>
+                <a:latin typeface="宋体" panose="02010600030101010101" pitchFamily="2" charset="-122"/>
+                <a:ea typeface="宋体" panose="02010600030101010101" pitchFamily="2" charset="-122"/>
+              </a:rPr>
+              <a:t>00</a:t>
+            </a:r>
+            <a:r>
+              <a:rPr lang="en-US" altLang="zh-CN" sz="2400" dirty="0">
+                <a:solidFill>
+                  <a:srgbClr val="0070C0"/>
+                </a:solidFill>
+                <a:latin typeface="宋体" panose="02010600030101010101" pitchFamily="2" charset="-122"/>
+                <a:ea typeface="宋体" panose="02010600030101010101" pitchFamily="2" charset="-122"/>
+              </a:rPr>
+              <a:t>010000    </a:t>
+            </a:r>
+            <a:r>
+              <a:rPr lang="en-US" altLang="zh-CN" sz="2400" dirty="0">
+                <a:solidFill>
+                  <a:srgbClr val="FF0000"/>
+                </a:solidFill>
+                <a:latin typeface="宋体" panose="02010600030101010101" pitchFamily="2" charset="-122"/>
+                <a:ea typeface="宋体" panose="02010600030101010101" pitchFamily="2" charset="-122"/>
+              </a:rPr>
+              <a:t>00</a:t>
+            </a:r>
+            <a:r>
+              <a:rPr lang="en-US" altLang="zh-CN" sz="2400" dirty="0">
+                <a:solidFill>
+                  <a:srgbClr val="0070C0"/>
+                </a:solidFill>
+                <a:latin typeface="宋体" panose="02010600030101010101" pitchFamily="2" charset="-122"/>
+                <a:ea typeface="宋体" panose="02010600030101010101" pitchFamily="2" charset="-122"/>
+              </a:rPr>
+              <a:t>010100    </a:t>
+            </a:r>
+            <a:r>
+              <a:rPr lang="en-US" altLang="zh-CN" sz="2400" dirty="0">
+                <a:solidFill>
+                  <a:srgbClr val="FF0000"/>
+                </a:solidFill>
+                <a:latin typeface="宋体" panose="02010600030101010101" pitchFamily="2" charset="-122"/>
+                <a:ea typeface="宋体" panose="02010600030101010101" pitchFamily="2" charset="-122"/>
+              </a:rPr>
+              <a:t>00</a:t>
+            </a:r>
+            <a:r>
+              <a:rPr lang="en-US" altLang="zh-CN" sz="2400" dirty="0">
+                <a:solidFill>
+                  <a:srgbClr val="0070C0"/>
+                </a:solidFill>
+                <a:latin typeface="宋体" panose="02010600030101010101" pitchFamily="2" charset="-122"/>
+                <a:ea typeface="宋体" panose="02010600030101010101" pitchFamily="2" charset="-122"/>
+              </a:rPr>
+              <a:t>001001    </a:t>
+            </a:r>
+            <a:r>
+              <a:rPr lang="en-US" altLang="zh-CN" sz="2400" dirty="0">
+                <a:solidFill>
+                  <a:srgbClr val="FF0000"/>
+                </a:solidFill>
+                <a:latin typeface="宋体" panose="02010600030101010101" pitchFamily="2" charset="-122"/>
+                <a:ea typeface="宋体" panose="02010600030101010101" pitchFamily="2" charset="-122"/>
+              </a:rPr>
+              <a:t>00</a:t>
+            </a:r>
+            <a:r>
+              <a:rPr lang="en-US" altLang="zh-CN" sz="2400" dirty="0">
+                <a:solidFill>
+                  <a:srgbClr val="0070C0"/>
+                </a:solidFill>
+                <a:latin typeface="宋体" panose="02010600030101010101" pitchFamily="2" charset="-122"/>
+                <a:ea typeface="宋体" panose="02010600030101010101" pitchFamily="2" charset="-122"/>
+              </a:rPr>
+              <a:t>000011</a:t>
+            </a:r>
+          </a:p>
+          <a:p>
+            <a:r>
+              <a:rPr lang="zh-CN" altLang="en-US" sz="2400" dirty="0">
+                <a:solidFill>
+                  <a:srgbClr val="0070C0"/>
+                </a:solidFill>
+                <a:latin typeface="宋体" panose="02010600030101010101" pitchFamily="2" charset="-122"/>
+                <a:ea typeface="宋体" panose="02010600030101010101" pitchFamily="2" charset="-122"/>
+              </a:rPr>
+              <a:t>十进制</a:t>
+            </a:r>
+            <a:r>
+              <a:rPr lang="en-US" altLang="zh-CN" sz="2400" dirty="0">
+                <a:solidFill>
+                  <a:srgbClr val="0070C0"/>
+                </a:solidFill>
+                <a:latin typeface="宋体" panose="02010600030101010101" pitchFamily="2" charset="-122"/>
+                <a:ea typeface="宋体" panose="02010600030101010101" pitchFamily="2" charset="-122"/>
+              </a:rPr>
+              <a:t>:         16           20          9          3</a:t>
+            </a:r>
+          </a:p>
+          <a:p>
+            <a:r>
+              <a:rPr lang="en-US" altLang="zh-CN" sz="2400" dirty="0">
+                <a:solidFill>
+                  <a:srgbClr val="0070C0"/>
+                </a:solidFill>
+                <a:latin typeface="宋体" panose="02010600030101010101" pitchFamily="2" charset="-122"/>
+                <a:ea typeface="宋体" panose="02010600030101010101" pitchFamily="2" charset="-122"/>
+              </a:rPr>
+              <a:t>Base64</a:t>
+            </a:r>
+            <a:r>
+              <a:rPr lang="zh-CN" altLang="en-US" sz="2400" dirty="0">
+                <a:solidFill>
+                  <a:srgbClr val="0070C0"/>
+                </a:solidFill>
+                <a:latin typeface="宋体" panose="02010600030101010101" pitchFamily="2" charset="-122"/>
+                <a:ea typeface="宋体" panose="02010600030101010101" pitchFamily="2" charset="-122"/>
+              </a:rPr>
+              <a:t>编码</a:t>
+            </a:r>
+            <a:r>
+              <a:rPr lang="en-US" altLang="zh-CN" sz="2400" dirty="0">
+                <a:solidFill>
+                  <a:srgbClr val="0070C0"/>
+                </a:solidFill>
+                <a:latin typeface="宋体" panose="02010600030101010101" pitchFamily="2" charset="-122"/>
+                <a:ea typeface="宋体" panose="02010600030101010101" pitchFamily="2" charset="-122"/>
+              </a:rPr>
+              <a:t>:     Q           U           J           D </a:t>
+            </a:r>
+            <a:endParaRPr lang="zh-CN" altLang="en-US" sz="2400" dirty="0">
+              <a:solidFill>
+                <a:srgbClr val="0070C0"/>
+              </a:solidFill>
+              <a:latin typeface="宋体" panose="02010600030101010101" pitchFamily="2" charset="-122"/>
+              <a:ea typeface="宋体" panose="02010600030101010101" pitchFamily="2" charset="-122"/>
+            </a:endParaRPr>
+          </a:p>
+          <a:p>
+            <a:pPr>
+              <a:lnSpc>
+                <a:spcPct val="90000"/>
+              </a:lnSpc>
+            </a:pPr>
+            <a:endParaRPr lang="zh-CN" altLang="en-US" sz="2000" dirty="0">
+              <a:solidFill>
+                <a:schemeClr val="accent2"/>
+              </a:solidFill>
+            </a:endParaRPr>
+          </a:p>
+        </p:txBody>
+      </p:sp>
     </p:spTree>
     <p:extLst>
       <p:ext uri="{BB962C8B-B14F-4D97-AF65-F5344CB8AC3E}">
-        <p14:creationId xmlns:p14="http://schemas.microsoft.com/office/powerpoint/2010/main" val="2578687163"/>
+        <p14:creationId xmlns:p14="http://schemas.microsoft.com/office/powerpoint/2010/main" val="3106673502"/>
       </p:ext>
     </p:extLst>
   </p:cSld>
@@ -10440,13 +11799,6 @@
       </p:transition>
     </mc:Fallback>
   </mc:AlternateContent>
-  <p:timing>
-    <p:tnLst>
-      <p:par>
-        <p:cTn id="1" dur="indefinite" restart="never" nodeType="tmRoot"/>
-      </p:par>
-    </p:tnLst>
-  </p:timing>
 </p:sld>
 </file>
 
@@ -10483,20 +11835,21 @@
           <a:lstStyle/>
           <a:p>
             <a:r>
-              <a:rPr lang="zh-CN"/>
-              <a:t>图片与标题版式</a:t>
-            </a:r>
+              <a:rPr lang="zh-CN" altLang="en-US" dirty="0" smtClean="0"/>
+              <a:t>对称加密</a:t>
+            </a:r>
+            <a:endParaRPr lang="zh-CN" altLang="en-US" dirty="0"/>
           </a:p>
         </p:txBody>
       </p:sp>
       <p:sp>
         <p:nvSpPr>
-          <p:cNvPr id="4" name="文本占位符 3"/>
+          <p:cNvPr id="3" name="内容占位符 2"/>
           <p:cNvSpPr>
             <a:spLocks noGrp="1"/>
           </p:cNvSpPr>
           <p:nvPr>
-            <p:ph type="body" sz="half" idx="2"/>
+            <p:ph idx="1"/>
           </p:nvPr>
         </p:nvSpPr>
         <p:spPr/>
@@ -10504,42 +11857,14 @@
           <a:bodyPr/>
           <a:lstStyle/>
           <a:p>
-            <a:r>
-              <a:rPr lang="zh-CN"/>
-              <a:t>标题</a:t>
-            </a:r>
+            <a:endParaRPr lang="zh-CN" altLang="en-US"/>
           </a:p>
         </p:txBody>
       </p:sp>
-      <p:pic>
-        <p:nvPicPr>
-          <p:cNvPr id="7" name="图片占位符 6" descr="白色沙滩上的花朵、海星和贝壳的特写" title="Beach photo"/>
-          <p:cNvPicPr>
-            <a:picLocks noGrp="1" noChangeAspect="1"/>
-          </p:cNvPicPr>
-          <p:nvPr>
-            <p:ph type="pic" idx="1"/>
-          </p:nvPr>
-        </p:nvPicPr>
-        <p:blipFill>
-          <a:blip r:embed="rId2" cstate="print">
-            <a:extLst>
-              <a:ext uri="{28A0092B-C50C-407E-A947-70E740481C1C}">
-                <a14:useLocalDpi xmlns:a14="http://schemas.microsoft.com/office/drawing/2010/main" val="0"/>
-              </a:ext>
-            </a:extLst>
-          </a:blip>
-          <a:srcRect/>
-          <a:stretch>
-            <a:fillRect/>
-          </a:stretch>
-        </p:blipFill>
-        <p:spPr/>
-      </p:pic>
     </p:spTree>
     <p:extLst>
       <p:ext uri="{BB962C8B-B14F-4D97-AF65-F5344CB8AC3E}">
-        <p14:creationId xmlns:p14="http://schemas.microsoft.com/office/powerpoint/2010/main" val="361883921"/>
+        <p14:creationId xmlns:p14="http://schemas.microsoft.com/office/powerpoint/2010/main" val="2902977130"/>
       </p:ext>
     </p:extLst>
   </p:cSld>
@@ -10558,13 +11883,6 @@
       </p:transition>
     </mc:Fallback>
   </mc:AlternateContent>
-  <p:timing>
-    <p:tnLst>
-      <p:par>
-        <p:cTn id="1" dur="indefinite" restart="never" nodeType="tmRoot"/>
-      </p:par>
-    </p:tnLst>
-  </p:timing>
 </p:sld>
 </file>
 
@@ -10601,327 +11919,41 @@
           <a:lstStyle/>
           <a:p>
             <a:r>
-              <a:rPr lang="zh-CN" dirty="0"/>
-              <a:t>两栏内容版式与表格</a:t>
-            </a:r>
-          </a:p>
-        </p:txBody>
-      </p:sp>
-      <p:sp>
-        <p:nvSpPr>
-          <p:cNvPr id="3" name="内容占位符 2"/>
-          <p:cNvSpPr>
-            <a:spLocks noGrp="1"/>
-          </p:cNvSpPr>
-          <p:nvPr>
-            <p:ph sz="half" idx="1"/>
-          </p:nvPr>
-        </p:nvSpPr>
-        <p:spPr/>
-        <p:txBody>
-          <a:bodyPr/>
-          <a:lstStyle/>
-          <a:p>
-            <a:r>
-              <a:rPr lang="zh-CN" dirty="0"/>
-              <a:t>此处为第一个要点</a:t>
-            </a:r>
-          </a:p>
-          <a:p>
-            <a:r>
-              <a:rPr lang="zh-CN" dirty="0"/>
-              <a:t>此处为第二个要点</a:t>
-            </a:r>
-          </a:p>
-          <a:p>
-            <a:r>
-              <a:rPr lang="zh-CN" dirty="0"/>
-              <a:t>此处为第三个要点</a:t>
+              <a:rPr lang="zh-CN"/>
+              <a:t>标题和内容版式与图表</a:t>
             </a:r>
           </a:p>
         </p:txBody>
       </p:sp>
       <p:graphicFrame>
         <p:nvGraphicFramePr>
-          <p:cNvPr id="5" name="内容占位符 4" descr="示例表格（3 列，4 行）" title="Table"/>
+          <p:cNvPr id="6" name="内容占位符 5"/>
           <p:cNvGraphicFramePr>
             <a:graphicFrameLocks noGrp="1"/>
           </p:cNvGraphicFramePr>
           <p:nvPr>
-            <p:ph sz="half" idx="2"/>
+            <p:ph idx="1"/>
             <p:extLst>
               <p:ext uri="{D42A27DB-BD31-4B8C-83A1-F6EECF244321}">
-                <p14:modId xmlns:p14="http://schemas.microsoft.com/office/powerpoint/2010/main" val="2121433311"/>
+                <p14:modId xmlns:p14="http://schemas.microsoft.com/office/powerpoint/2010/main" val="1698860746"/>
               </p:ext>
             </p:extLst>
           </p:nvPr>
         </p:nvGraphicFramePr>
         <p:xfrm>
-          <a:off x="6278563" y="1573213"/>
-          <a:ext cx="4572000" cy="2230160"/>
+          <a:off x="1341438" y="1573213"/>
+          <a:ext cx="9510712" cy="4141787"/>
         </p:xfrm>
         <a:graphic>
-          <a:graphicData uri="http://schemas.openxmlformats.org/drawingml/2006/table">
-            <a:tbl>
-              <a:tblPr firstRow="1" bandRow="1">
-                <a:tableStyleId>{18603FDC-E32A-4AB5-989C-0864C3EAD2B8}</a:tableStyleId>
-              </a:tblPr>
-              <a:tblGrid>
-                <a:gridCol w="1524000">
-                  <a:extLst>
-                    <a:ext uri="{9D8B030D-6E8A-4147-A177-3AD203B41FA5}">
-                      <a16:colId xmlns:a16="http://schemas.microsoft.com/office/drawing/2014/main" val="20000"/>
-                    </a:ext>
-                  </a:extLst>
-                </a:gridCol>
-                <a:gridCol w="1524000">
-                  <a:extLst>
-                    <a:ext uri="{9D8B030D-6E8A-4147-A177-3AD203B41FA5}">
-                      <a16:colId xmlns:a16="http://schemas.microsoft.com/office/drawing/2014/main" val="20001"/>
-                    </a:ext>
-                  </a:extLst>
-                </a:gridCol>
-                <a:gridCol w="1524000">
-                  <a:extLst>
-                    <a:ext uri="{9D8B030D-6E8A-4147-A177-3AD203B41FA5}">
-                      <a16:colId xmlns:a16="http://schemas.microsoft.com/office/drawing/2014/main" val="20002"/>
-                    </a:ext>
-                  </a:extLst>
-                </a:gridCol>
-              </a:tblGrid>
-              <a:tr h="557540">
-                <a:tc>
-                  <a:txBody>
-                    <a:bodyPr/>
-                    <a:lstStyle/>
-                    <a:p>
-                      <a:endParaRPr lang="zh-CN" dirty="0">
-                        <a:latin typeface="微软雅黑" panose="020B0503020204020204" pitchFamily="34" charset="-122"/>
-                        <a:ea typeface="微软雅黑" panose="020B0503020204020204" pitchFamily="34" charset="-122"/>
-                      </a:endParaRPr>
-                    </a:p>
-                  </a:txBody>
-                  <a:tcPr anchor="ctr"/>
-                </a:tc>
-                <a:tc>
-                  <a:txBody>
-                    <a:bodyPr/>
-                    <a:lstStyle/>
-                    <a:p>
-                      <a:pPr algn="ctr"/>
-                      <a:r>
-                        <a:rPr lang="zh-CN" dirty="0">
-                          <a:latin typeface="微软雅黑" panose="020B0503020204020204" pitchFamily="34" charset="-122"/>
-                          <a:ea typeface="微软雅黑" panose="020B0503020204020204" pitchFamily="34" charset="-122"/>
-                        </a:rPr>
-                        <a:t>组 A</a:t>
-                      </a:r>
-                    </a:p>
-                  </a:txBody>
-                  <a:tcPr anchor="ctr"/>
-                </a:tc>
-                <a:tc>
-                  <a:txBody>
-                    <a:bodyPr/>
-                    <a:lstStyle/>
-                    <a:p>
-                      <a:pPr algn="ctr"/>
-                      <a:r>
-                        <a:rPr lang="zh-CN">
-                          <a:latin typeface="微软雅黑" panose="020B0503020204020204" pitchFamily="34" charset="-122"/>
-                          <a:ea typeface="微软雅黑" panose="020B0503020204020204" pitchFamily="34" charset="-122"/>
-                        </a:rPr>
-                        <a:t>组  B</a:t>
-                      </a:r>
-                    </a:p>
-                  </a:txBody>
-                  <a:tcPr anchor="ctr"/>
-                </a:tc>
-                <a:extLst>
-                  <a:ext uri="{0D108BD9-81ED-4DB2-BD59-A6C34878D82A}">
-                    <a16:rowId xmlns:a16="http://schemas.microsoft.com/office/drawing/2014/main" val="10000"/>
-                  </a:ext>
-                </a:extLst>
-              </a:tr>
-              <a:tr h="557540">
-                <a:tc>
-                  <a:txBody>
-                    <a:bodyPr/>
-                    <a:lstStyle/>
-                    <a:p>
-                      <a:r>
-                        <a:rPr lang="zh-CN">
-                          <a:latin typeface="微软雅黑" panose="020B0503020204020204" pitchFamily="34" charset="-122"/>
-                          <a:ea typeface="微软雅黑" panose="020B0503020204020204" pitchFamily="34" charset="-122"/>
-                        </a:rPr>
-                        <a:t>类 1</a:t>
-                      </a:r>
-                    </a:p>
-                  </a:txBody>
-                  <a:tcPr anchor="ctr"/>
-                </a:tc>
-                <a:tc>
-                  <a:txBody>
-                    <a:bodyPr/>
-                    <a:lstStyle/>
-                    <a:p>
-                      <a:pPr algn="ctr"/>
-                      <a:r>
-                        <a:rPr lang="zh-CN">
-                          <a:latin typeface="微软雅黑" panose="020B0503020204020204" pitchFamily="34" charset="-122"/>
-                          <a:ea typeface="微软雅黑" panose="020B0503020204020204" pitchFamily="34" charset="-122"/>
-                        </a:rPr>
-                        <a:t>82</a:t>
-                      </a:r>
-                    </a:p>
-                  </a:txBody>
-                  <a:tcPr anchor="ctr"/>
-                </a:tc>
-                <a:tc>
-                  <a:txBody>
-                    <a:bodyPr/>
-                    <a:lstStyle/>
-                    <a:p>
-                      <a:pPr algn="ctr"/>
-                      <a:r>
-                        <a:rPr lang="zh-CN">
-                          <a:latin typeface="微软雅黑" panose="020B0503020204020204" pitchFamily="34" charset="-122"/>
-                          <a:ea typeface="微软雅黑" panose="020B0503020204020204" pitchFamily="34" charset="-122"/>
-                        </a:rPr>
-                        <a:t>95</a:t>
-                      </a:r>
-                    </a:p>
-                  </a:txBody>
-                  <a:tcPr anchor="ctr"/>
-                </a:tc>
-                <a:extLst>
-                  <a:ext uri="{0D108BD9-81ED-4DB2-BD59-A6C34878D82A}">
-                    <a16:rowId xmlns:a16="http://schemas.microsoft.com/office/drawing/2014/main" val="10001"/>
-                  </a:ext>
-                </a:extLst>
-              </a:tr>
-              <a:tr h="557540">
-                <a:tc>
-                  <a:txBody>
-                    <a:bodyPr/>
-                    <a:lstStyle/>
-                    <a:p>
-                      <a:r>
-                        <a:rPr lang="zh-CN">
-                          <a:latin typeface="微软雅黑" panose="020B0503020204020204" pitchFamily="34" charset="-122"/>
-                          <a:ea typeface="微软雅黑" panose="020B0503020204020204" pitchFamily="34" charset="-122"/>
-                        </a:rPr>
-                        <a:t>类 2</a:t>
-                      </a:r>
-                    </a:p>
-                  </a:txBody>
-                  <a:tcPr anchor="ctr"/>
-                </a:tc>
-                <a:tc>
-                  <a:txBody>
-                    <a:bodyPr/>
-                    <a:lstStyle/>
-                    <a:p>
-                      <a:pPr algn="ctr"/>
-                      <a:r>
-                        <a:rPr lang="zh-CN">
-                          <a:latin typeface="微软雅黑" panose="020B0503020204020204" pitchFamily="34" charset="-122"/>
-                          <a:ea typeface="微软雅黑" panose="020B0503020204020204" pitchFamily="34" charset="-122"/>
-                        </a:rPr>
-                        <a:t>76</a:t>
-                      </a:r>
-                    </a:p>
-                  </a:txBody>
-                  <a:tcPr anchor="ctr"/>
-                </a:tc>
-                <a:tc>
-                  <a:txBody>
-                    <a:bodyPr/>
-                    <a:lstStyle/>
-                    <a:p>
-                      <a:pPr algn="ctr"/>
-                      <a:r>
-                        <a:rPr lang="zh-CN">
-                          <a:latin typeface="微软雅黑" panose="020B0503020204020204" pitchFamily="34" charset="-122"/>
-                          <a:ea typeface="微软雅黑" panose="020B0503020204020204" pitchFamily="34" charset="-122"/>
-                        </a:rPr>
-                        <a:t>88</a:t>
-                      </a:r>
-                    </a:p>
-                  </a:txBody>
-                  <a:tcPr anchor="ctr"/>
-                </a:tc>
-                <a:extLst>
-                  <a:ext uri="{0D108BD9-81ED-4DB2-BD59-A6C34878D82A}">
-                    <a16:rowId xmlns:a16="http://schemas.microsoft.com/office/drawing/2014/main" val="10002"/>
-                  </a:ext>
-                </a:extLst>
-              </a:tr>
-              <a:tr h="557540">
-                <a:tc>
-                  <a:txBody>
-                    <a:bodyPr/>
-                    <a:lstStyle/>
-                    <a:p>
-                      <a:r>
-                        <a:rPr lang="zh-CN">
-                          <a:latin typeface="微软雅黑" panose="020B0503020204020204" pitchFamily="34" charset="-122"/>
-                          <a:ea typeface="微软雅黑" panose="020B0503020204020204" pitchFamily="34" charset="-122"/>
-                        </a:rPr>
-                        <a:t>类 3</a:t>
-                      </a:r>
-                    </a:p>
-                  </a:txBody>
-                  <a:tcPr anchor="ctr"/>
-                </a:tc>
-                <a:tc>
-                  <a:txBody>
-                    <a:bodyPr/>
-                    <a:lstStyle/>
-                    <a:p>
-                      <a:pPr algn="ctr"/>
-                      <a:r>
-                        <a:rPr lang="zh-CN">
-                          <a:latin typeface="微软雅黑" panose="020B0503020204020204" pitchFamily="34" charset="-122"/>
-                          <a:ea typeface="微软雅黑" panose="020B0503020204020204" pitchFamily="34" charset="-122"/>
-                        </a:rPr>
-                        <a:t>84</a:t>
-                      </a:r>
-                    </a:p>
-                  </a:txBody>
-                  <a:tcPr anchor="ctr"/>
-                </a:tc>
-                <a:tc>
-                  <a:txBody>
-                    <a:bodyPr/>
-                    <a:lstStyle/>
-                    <a:p>
-                      <a:pPr algn="ctr"/>
-                      <a:r>
-                        <a:rPr lang="zh-CN" dirty="0">
-                          <a:latin typeface="微软雅黑" panose="020B0503020204020204" pitchFamily="34" charset="-122"/>
-                          <a:ea typeface="微软雅黑" panose="020B0503020204020204" pitchFamily="34" charset="-122"/>
-                        </a:rPr>
-                        <a:t>90</a:t>
-                      </a:r>
-                    </a:p>
-                  </a:txBody>
-                  <a:tcPr anchor="ctr"/>
-                </a:tc>
-                <a:extLst>
-                  <a:ext uri="{0D108BD9-81ED-4DB2-BD59-A6C34878D82A}">
-                    <a16:rowId xmlns:a16="http://schemas.microsoft.com/office/drawing/2014/main" val="10003"/>
-                  </a:ext>
-                </a:extLst>
-              </a:tr>
-            </a:tbl>
+          <a:graphicData uri="http://schemas.openxmlformats.org/drawingml/2006/chart">
+            <c:chart xmlns:c="http://schemas.openxmlformats.org/drawingml/2006/chart" xmlns:r="http://schemas.openxmlformats.org/officeDocument/2006/relationships" r:id="rId2"/>
           </a:graphicData>
         </a:graphic>
       </p:graphicFrame>
     </p:spTree>
     <p:extLst>
       <p:ext uri="{BB962C8B-B14F-4D97-AF65-F5344CB8AC3E}">
-        <p14:creationId xmlns:p14="http://schemas.microsoft.com/office/powerpoint/2010/main" val="1952036268"/>
+        <p14:creationId xmlns:p14="http://schemas.microsoft.com/office/powerpoint/2010/main" val="2578687163"/>
       </p:ext>
     </p:extLst>
   </p:cSld>

--- a/Java安全架构.pptx
+++ b/Java安全架构.pptx
@@ -5,10 +5,10 @@
     <p:sldMasterId id="2147483840" r:id="rId2"/>
   </p:sldMasterIdLst>
   <p:notesMasterIdLst>
-    <p:notesMasterId r:id="rId20"/>
+    <p:notesMasterId r:id="rId25"/>
   </p:notesMasterIdLst>
   <p:handoutMasterIdLst>
-    <p:handoutMasterId r:id="rId21"/>
+    <p:handoutMasterId r:id="rId26"/>
   </p:handoutMasterIdLst>
   <p:sldIdLst>
     <p:sldId id="256" r:id="rId3"/>
@@ -19,15 +19,20 @@
     <p:sldId id="269" r:id="rId8"/>
     <p:sldId id="271" r:id="rId9"/>
     <p:sldId id="272" r:id="rId10"/>
-    <p:sldId id="258" r:id="rId11"/>
-    <p:sldId id="266" r:id="rId12"/>
-    <p:sldId id="260" r:id="rId13"/>
-    <p:sldId id="259" r:id="rId14"/>
-    <p:sldId id="261" r:id="rId15"/>
-    <p:sldId id="262" r:id="rId16"/>
-    <p:sldId id="263" r:id="rId17"/>
-    <p:sldId id="264" r:id="rId18"/>
-    <p:sldId id="265" r:id="rId19"/>
+    <p:sldId id="273" r:id="rId11"/>
+    <p:sldId id="274" r:id="rId12"/>
+    <p:sldId id="275" r:id="rId13"/>
+    <p:sldId id="276" r:id="rId14"/>
+    <p:sldId id="277" r:id="rId15"/>
+    <p:sldId id="258" r:id="rId16"/>
+    <p:sldId id="266" r:id="rId17"/>
+    <p:sldId id="260" r:id="rId18"/>
+    <p:sldId id="259" r:id="rId19"/>
+    <p:sldId id="261" r:id="rId20"/>
+    <p:sldId id="262" r:id="rId21"/>
+    <p:sldId id="263" r:id="rId22"/>
+    <p:sldId id="264" r:id="rId23"/>
+    <p:sldId id="265" r:id="rId24"/>
   </p:sldIdLst>
   <p:sldSz cx="12192000" cy="6858000"/>
   <p:notesSz cx="6858000" cy="9144000"/>
@@ -128,7 +133,7 @@
   </p:defaultTextStyle>
   <p:extLst>
     <p:ext uri="{EFAFB233-063F-42B5-8137-9DF3F51BA10A}">
-      <p15:sldGuideLst xmlns:p15="http://schemas.microsoft.com/office/powerpoint/2012/main" xmlns="">
+      <p15:sldGuideLst xmlns:p15="http://schemas.microsoft.com/office/powerpoint/2012/main">
         <p15:guide id="1" orient="horz" pos="2160">
           <p15:clr>
             <a:srgbClr val="A4A3A4"/>
@@ -142,14 +147,14 @@
       </p15:sldGuideLst>
     </p:ext>
     <p:ext uri="{2D200454-40CA-4A62-9FC3-DE9A4176ACB9}">
-      <p15:notesGuideLst xmlns:p15="http://schemas.microsoft.com/office/powerpoint/2012/main" xmlns=""/>
+      <p15:notesGuideLst xmlns:p15="http://schemas.microsoft.com/office/powerpoint/2012/main"/>
     </p:ext>
   </p:extLst>
 </p:presentation>
 </file>
 
 <file path=ppt/charts/chart1.xml><?xml version="1.0" encoding="utf-8"?>
-<c:chartSpace xmlns:c="http://schemas.openxmlformats.org/drawingml/2006/chart" xmlns:a="http://schemas.openxmlformats.org/drawingml/2006/main" xmlns:r="http://schemas.openxmlformats.org/officeDocument/2006/relationships">
+<c:chartSpace xmlns:c="http://schemas.openxmlformats.org/drawingml/2006/chart" xmlns:a="http://schemas.openxmlformats.org/drawingml/2006/main" xmlns:r="http://schemas.openxmlformats.org/officeDocument/2006/relationships" xmlns:c16r2="http://schemas.microsoft.com/office/drawing/2015/06/chart">
   <c:date1904 val="0"/>
   <c:lang val="zh-CN"/>
   <c:roundedCorners val="0"/>
@@ -257,7 +262,7 @@
               </c:numCache>
             </c:numRef>
           </c:val>
-          <c:extLst xmlns:c16r2="http://schemas.microsoft.com/office/drawing/2015/06/chart">
+          <c:extLst>
             <c:ext xmlns:c16="http://schemas.microsoft.com/office/drawing/2014/chart" uri="{C3380CC4-5D6E-409C-BE32-E72D297353CC}">
               <c16:uniqueId val="{00000000-66A3-48EC-BF15-F5D7A2B6F1B2}"/>
             </c:ext>
@@ -351,7 +356,7 @@
               </c:numCache>
             </c:numRef>
           </c:val>
-          <c:extLst xmlns:c16r2="http://schemas.microsoft.com/office/drawing/2015/06/chart">
+          <c:extLst>
             <c:ext xmlns:c16="http://schemas.microsoft.com/office/drawing/2014/chart" uri="{C3380CC4-5D6E-409C-BE32-E72D297353CC}">
               <c16:uniqueId val="{00000001-66A3-48EC-BF15-F5D7A2B6F1B2}"/>
             </c:ext>
@@ -445,7 +450,7 @@
               </c:numCache>
             </c:numRef>
           </c:val>
-          <c:extLst xmlns:c16r2="http://schemas.microsoft.com/office/drawing/2015/06/chart">
+          <c:extLst>
             <c:ext xmlns:c16="http://schemas.microsoft.com/office/drawing/2014/chart" uri="{C3380CC4-5D6E-409C-BE32-E72D297353CC}">
               <c16:uniqueId val="{00000002-66A3-48EC-BF15-F5D7A2B6F1B2}"/>
             </c:ext>
@@ -621,7 +626,7 @@
       <a:endParaRPr lang="zh-CN"/>
     </a:p>
   </c:txPr>
-  <c:externalData r:id="rId1">
+  <c:externalData r:id="rId3">
     <c:autoUpdate val="0"/>
   </c:externalData>
 </c:chartSpace>
@@ -4397,7 +4402,7 @@
           <a:p>
             <a:fld id="{DE71268B-8AC2-4239-8FAF-7C144C210720}" type="datetimeFigureOut">
               <a:rPr lang="en-US" altLang="zh-CN"/>
-              <a:t>4/27/2017</a:t>
+              <a:t>4/29/2017</a:t>
             </a:fld>
             <a:endParaRPr lang="zh-CN"/>
           </a:p>
@@ -4561,7 +4566,7 @@
           </a:lstStyle>
           <a:p>
             <a:fld id="{F5AD8362-6D63-40AC-BAA9-90C3AE6D5875}" type="datetimeFigureOut">
-              <a:t>2017/4/27</a:t>
+              <a:t>2017/4/29</a:t>
             </a:fld>
             <a:endParaRPr lang="zh-CN"/>
           </a:p>
@@ -5039,82 +5044,6 @@
           <a:bodyPr/>
           <a:lstStyle/>
           <a:p>
-            <a:r>
-              <a:rPr lang="zh-CN" altLang="en-US" dirty="0" smtClean="0"/>
-              <a:t>原字符          </a:t>
-            </a:r>
-            <a:r>
-              <a:rPr lang="en-US" altLang="zh-CN" dirty="0" smtClean="0"/>
-              <a:t>A           B           C</a:t>
-            </a:r>
-          </a:p>
-          <a:p>
-            <a:r>
-              <a:rPr lang="en-US" altLang="zh-CN" dirty="0" smtClean="0"/>
-              <a:t>ASCII:         65          66         67</a:t>
-            </a:r>
-          </a:p>
-          <a:p>
-            <a:r>
-              <a:rPr lang="en-US" altLang="zh-CN" dirty="0" smtClean="0"/>
-              <a:t>3*8bit</a:t>
-            </a:r>
-            <a:r>
-              <a:rPr lang="zh-CN" altLang="en-US" dirty="0" smtClean="0"/>
-              <a:t>字节</a:t>
-            </a:r>
-            <a:r>
-              <a:rPr lang="en-US" altLang="zh-CN" dirty="0" smtClean="0"/>
-              <a:t>:   01000001    01000010    01000011</a:t>
-            </a:r>
-          </a:p>
-          <a:p>
-            <a:r>
-              <a:rPr lang="en-US" altLang="zh-CN" dirty="0" smtClean="0"/>
-              <a:t>4*6bit</a:t>
-            </a:r>
-            <a:r>
-              <a:rPr lang="zh-CN" altLang="en-US" dirty="0" smtClean="0"/>
-              <a:t>字节</a:t>
-            </a:r>
-            <a:r>
-              <a:rPr lang="en-US" altLang="zh-CN" dirty="0" smtClean="0"/>
-              <a:t>:     010000      010100      001001      000011</a:t>
-            </a:r>
-          </a:p>
-          <a:p>
-            <a:r>
-              <a:rPr lang="zh-CN" altLang="en-US" dirty="0" smtClean="0"/>
-              <a:t>前面补零</a:t>
-            </a:r>
-            <a:r>
-              <a:rPr lang="en-US" altLang="zh-CN" dirty="0" smtClean="0"/>
-              <a:t>:     00010000    00010100    00001001    00000011</a:t>
-            </a:r>
-          </a:p>
-          <a:p>
-            <a:r>
-              <a:rPr lang="zh-CN" altLang="en-US" dirty="0" smtClean="0"/>
-              <a:t>十进制</a:t>
-            </a:r>
-            <a:r>
-              <a:rPr lang="en-US" altLang="zh-CN" dirty="0" smtClean="0"/>
-              <a:t>:         16           20          9          3</a:t>
-            </a:r>
-          </a:p>
-          <a:p>
-            <a:r>
-              <a:rPr lang="en-US" altLang="zh-CN" dirty="0" smtClean="0"/>
-              <a:t>Base64</a:t>
-            </a:r>
-            <a:r>
-              <a:rPr lang="zh-CN" altLang="en-US" dirty="0" smtClean="0"/>
-              <a:t>编码</a:t>
-            </a:r>
-            <a:r>
-              <a:rPr lang="en-US" altLang="zh-CN" dirty="0" smtClean="0"/>
-              <a:t>:     Q           U           J           D </a:t>
-            </a:r>
             <a:endParaRPr lang="zh-CN" altLang="en-US" dirty="0"/>
           </a:p>
         </p:txBody>
@@ -5765,7 +5694,7 @@
           <a:lstStyle/>
           <a:p>
             <a:fld id="{5F4E5243-F52A-4D37-9694-EB26C6C31910}" type="datetime1">
-              <a:t>2017/4/27</a:t>
+              <a:t>2017/4/29</a:t>
             </a:fld>
             <a:endParaRPr lang="zh-CN"/>
           </a:p>
@@ -5962,7 +5891,7 @@
           <a:lstStyle/>
           <a:p>
             <a:fld id="{3A77B6E1-634A-48DC-9E8B-D894023267EF}" type="datetime1">
-              <a:t>2017/4/27</a:t>
+              <a:t>2017/4/29</a:t>
             </a:fld>
             <a:endParaRPr lang="zh-CN"/>
           </a:p>
@@ -6153,7 +6082,7 @@
           <a:lstStyle/>
           <a:p>
             <a:fld id="{7B2D3E9E-A95C-48F2-B4BF-A71542E0BE9A}" type="datetime1">
-              <a:t>2017/4/27</a:t>
+              <a:t>2017/4/29</a:t>
             </a:fld>
             <a:endParaRPr lang="zh-CN"/>
           </a:p>
@@ -6485,7 +6414,7 @@
           <a:lstStyle/>
           <a:p>
             <a:fld id="{A50F84E2-2D7A-43CF-AC90-352A289A783A}" type="datetime1">
-              <a:t>2017/4/27</a:t>
+              <a:t>2017/4/29</a:t>
             </a:fld>
             <a:endParaRPr lang="zh-CN"/>
           </a:p>
@@ -6794,7 +6723,7 @@
           <a:lstStyle/>
           <a:p>
             <a:fld id="{F12952B5-7A2F-4CC8-B7CE-9234E21C2837}" type="datetime1">
-              <a:t>2017/4/27</a:t>
+              <a:t>2017/4/29</a:t>
             </a:fld>
             <a:endParaRPr lang="zh-CN"/>
           </a:p>
@@ -7220,7 +7149,7 @@
           <a:lstStyle/>
           <a:p>
             <a:fld id="{CE1DA07A-9201-4B4B-BAF2-015AFA30F520}" type="datetime1">
-              <a:t>2017/4/27</a:t>
+              <a:t>2017/4/29</a:t>
             </a:fld>
             <a:endParaRPr lang="zh-CN"/>
           </a:p>
@@ -7355,7 +7284,7 @@
           <a:lstStyle/>
           <a:p>
             <a:fld id="{73D7E00A-486F-4252-8B1D-E32645521F49}" type="datetime1">
-              <a:t>2017/4/27</a:t>
+              <a:t>2017/4/29</a:t>
             </a:fld>
             <a:endParaRPr lang="zh-CN"/>
           </a:p>
@@ -7552,7 +7481,7 @@
           <a:lstStyle/>
           <a:p>
             <a:fld id="{8DDF5F92-E675-4B36-9A60-69A962A68675}" type="datetime1">
-              <a:t>2017/4/27</a:t>
+              <a:t>2017/4/29</a:t>
             </a:fld>
             <a:endParaRPr lang="zh-CN"/>
           </a:p>
@@ -7858,7 +7787,7 @@
           <a:lstStyle/>
           <a:p>
             <a:fld id="{AF6E2C9B-5FA2-460D-9BE7-B0812FC2A6FF}" type="datetime1">
-              <a:t>2017/4/27</a:t>
+              <a:t>2017/4/29</a:t>
             </a:fld>
             <a:endParaRPr lang="zh-CN"/>
           </a:p>
@@ -8149,7 +8078,7 @@
           <a:lstStyle/>
           <a:p>
             <a:fld id="{1D374940-A916-4C8B-9648-02A2D3898F9E}" type="datetime1">
-              <a:t>2017/4/27</a:t>
+              <a:t>2017/4/29</a:t>
             </a:fld>
             <a:endParaRPr lang="zh-CN"/>
           </a:p>
@@ -8588,7 +8517,7 @@
             <a:fld id="{5586B75A-687E-405C-8A0B-8D00578BA2C3}" type="datetime1">
               <a:rPr lang="en-US" altLang="zh-CN" smtClean="0"/>
               <a:pPr/>
-              <a:t>4/27/2017</a:t>
+              <a:t>4/29/2017</a:t>
             </a:fld>
             <a:endParaRPr lang="zh-CN" altLang="en-US"/>
           </a:p>
@@ -9025,7 +8954,7 @@
   </p:txStyles>
   <p:extLst mod="1">
     <p:ext uri="{27BBF7A9-308A-43DC-89C8-2F10F3537804}">
-      <p15:sldGuideLst xmlns:p15="http://schemas.microsoft.com/office/powerpoint/2012/main" xmlns="">
+      <p15:sldGuideLst xmlns:p15="http://schemas.microsoft.com/office/powerpoint/2012/main">
         <p15:guide id="1" orient="horz" pos="2160">
           <p15:clr>
             <a:srgbClr val="F26B43"/>
@@ -9194,6 +9123,4784 @@
           <a:lstStyle/>
           <a:p>
             <a:r>
+              <a:rPr lang="en-US" altLang="zh-CN" dirty="0"/>
+              <a:t>D</a:t>
+            </a:r>
+            <a:r>
+              <a:rPr lang="en-US" altLang="zh-CN" dirty="0" smtClean="0"/>
+              <a:t>ES</a:t>
+            </a:r>
+            <a:endParaRPr lang="zh-CN" altLang="en-US" dirty="0"/>
+          </a:p>
+        </p:txBody>
+      </p:sp>
+      <p:graphicFrame>
+        <p:nvGraphicFramePr>
+          <p:cNvPr id="6" name="内容占位符 5"/>
+          <p:cNvGraphicFramePr>
+            <a:graphicFrameLocks noGrp="1"/>
+          </p:cNvGraphicFramePr>
+          <p:nvPr>
+            <p:ph idx="1"/>
+            <p:extLst>
+              <p:ext uri="{D42A27DB-BD31-4B8C-83A1-F6EECF244321}">
+                <p14:modId xmlns:p14="http://schemas.microsoft.com/office/powerpoint/2010/main" val="1783197236"/>
+              </p:ext>
+            </p:extLst>
+          </p:nvPr>
+        </p:nvGraphicFramePr>
+        <p:xfrm>
+          <a:off x="1341615" y="1730324"/>
+          <a:ext cx="9982875" cy="3270664"/>
+        </p:xfrm>
+        <a:graphic>
+          <a:graphicData uri="http://schemas.openxmlformats.org/drawingml/2006/table">
+            <a:tbl>
+              <a:tblPr firstRow="1" bandRow="1">
+                <a:tableStyleId>{3C2FFA5D-87B4-456A-9821-1D502468CF0F}</a:tableStyleId>
+              </a:tblPr>
+              <a:tblGrid>
+                <a:gridCol w="1996575">
+                  <a:extLst>
+                    <a:ext uri="{9D8B030D-6E8A-4147-A177-3AD203B41FA5}">
+                      <a16:colId xmlns:a16="http://schemas.microsoft.com/office/drawing/2014/main" val="1393900185"/>
+                    </a:ext>
+                  </a:extLst>
+                </a:gridCol>
+                <a:gridCol w="1188456">
+                  <a:extLst>
+                    <a:ext uri="{9D8B030D-6E8A-4147-A177-3AD203B41FA5}">
+                      <a16:colId xmlns:a16="http://schemas.microsoft.com/office/drawing/2014/main" val="3389078971"/>
+                    </a:ext>
+                  </a:extLst>
+                </a:gridCol>
+                <a:gridCol w="1181288">
+                  <a:extLst>
+                    <a:ext uri="{9D8B030D-6E8A-4147-A177-3AD203B41FA5}">
+                      <a16:colId xmlns:a16="http://schemas.microsoft.com/office/drawing/2014/main" val="655618677"/>
+                    </a:ext>
+                  </a:extLst>
+                </a:gridCol>
+                <a:gridCol w="2831419">
+                  <a:extLst>
+                    <a:ext uri="{9D8B030D-6E8A-4147-A177-3AD203B41FA5}">
+                      <a16:colId xmlns:a16="http://schemas.microsoft.com/office/drawing/2014/main" val="502106572"/>
+                    </a:ext>
+                  </a:extLst>
+                </a:gridCol>
+                <a:gridCol w="2785137">
+                  <a:extLst>
+                    <a:ext uri="{9D8B030D-6E8A-4147-A177-3AD203B41FA5}">
+                      <a16:colId xmlns:a16="http://schemas.microsoft.com/office/drawing/2014/main" val="2796583417"/>
+                    </a:ext>
+                  </a:extLst>
+                </a:gridCol>
+              </a:tblGrid>
+              <a:tr h="628678">
+                <a:tc>
+                  <a:txBody>
+                    <a:bodyPr/>
+                    <a:lstStyle/>
+                    <a:p>
+                      <a:pPr algn="r"/>
+                      <a:r>
+                        <a:rPr lang="zh-CN" altLang="en-US" b="0" dirty="0" smtClean="0">
+                          <a:latin typeface="宋体" panose="02010600030101010101" pitchFamily="2" charset="-122"/>
+                          <a:ea typeface="宋体" panose="02010600030101010101" pitchFamily="2" charset="-122"/>
+                        </a:rPr>
+                        <a:t>特点</a:t>
+                      </a:r>
+                      <a:endParaRPr lang="en-US" altLang="zh-CN" b="0" dirty="0" smtClean="0">
+                        <a:latin typeface="宋体" panose="02010600030101010101" pitchFamily="2" charset="-122"/>
+                        <a:ea typeface="宋体" panose="02010600030101010101" pitchFamily="2" charset="-122"/>
+                      </a:endParaRPr>
+                    </a:p>
+                    <a:p>
+                      <a:r>
+                        <a:rPr lang="zh-CN" altLang="en-US" b="0" dirty="0" smtClean="0">
+                          <a:latin typeface="宋体" panose="02010600030101010101" pitchFamily="2" charset="-122"/>
+                          <a:ea typeface="宋体" panose="02010600030101010101" pitchFamily="2" charset="-122"/>
+                        </a:rPr>
+                        <a:t>实现</a:t>
+                      </a:r>
+                      <a:endParaRPr lang="zh-CN" altLang="en-US" b="0" dirty="0">
+                        <a:latin typeface="宋体" panose="02010600030101010101" pitchFamily="2" charset="-122"/>
+                        <a:ea typeface="宋体" panose="02010600030101010101" pitchFamily="2" charset="-122"/>
+                      </a:endParaRPr>
+                    </a:p>
+                  </a:txBody>
+                  <a:tcPr anchor="ctr">
+                    <a:lnL w="12700" cap="flat" cmpd="sng" algn="ctr">
+                      <a:solidFill>
+                        <a:schemeClr val="tx1"/>
+                      </a:solidFill>
+                      <a:prstDash val="solid"/>
+                      <a:round/>
+                      <a:headEnd type="none" w="med" len="med"/>
+                      <a:tailEnd type="none" w="med" len="med"/>
+                    </a:lnL>
+                    <a:lnR w="12700" cap="flat" cmpd="sng" algn="ctr">
+                      <a:solidFill>
+                        <a:schemeClr val="tx1"/>
+                      </a:solidFill>
+                      <a:prstDash val="solid"/>
+                      <a:round/>
+                      <a:headEnd type="none" w="med" len="med"/>
+                      <a:tailEnd type="none" w="med" len="med"/>
+                    </a:lnR>
+                    <a:lnT w="12700" cap="flat" cmpd="sng" algn="ctr">
+                      <a:solidFill>
+                        <a:schemeClr val="tx1"/>
+                      </a:solidFill>
+                      <a:prstDash val="solid"/>
+                      <a:round/>
+                      <a:headEnd type="none" w="med" len="med"/>
+                      <a:tailEnd type="none" w="med" len="med"/>
+                    </a:lnT>
+                    <a:lnB w="12700" cap="flat" cmpd="sng" algn="ctr">
+                      <a:solidFill>
+                        <a:schemeClr val="tx1"/>
+                      </a:solidFill>
+                      <a:prstDash val="solid"/>
+                      <a:round/>
+                      <a:headEnd type="none" w="med" len="med"/>
+                      <a:tailEnd type="none" w="med" len="med"/>
+                    </a:lnB>
+                    <a:lnTlToBr w="12700" cap="flat" cmpd="sng" algn="ctr">
+                      <a:solidFill>
+                        <a:schemeClr val="tx1"/>
+                      </a:solidFill>
+                      <a:prstDash val="solid"/>
+                      <a:round/>
+                      <a:headEnd type="none" w="med" len="med"/>
+                      <a:tailEnd type="none" w="med" len="med"/>
+                    </a:lnTlToBr>
+                  </a:tcPr>
+                </a:tc>
+                <a:tc>
+                  <a:txBody>
+                    <a:bodyPr/>
+                    <a:lstStyle/>
+                    <a:p>
+                      <a:pPr algn="ctr"/>
+                      <a:r>
+                        <a:rPr lang="zh-CN" altLang="en-US" b="0" dirty="0" smtClean="0">
+                          <a:latin typeface="宋体" panose="02010600030101010101" pitchFamily="2" charset="-122"/>
+                          <a:ea typeface="宋体" panose="02010600030101010101" pitchFamily="2" charset="-122"/>
+                        </a:rPr>
+                        <a:t>秘钥长度</a:t>
+                      </a:r>
+                      <a:endParaRPr lang="zh-CN" altLang="en-US" b="0" dirty="0">
+                        <a:latin typeface="宋体" panose="02010600030101010101" pitchFamily="2" charset="-122"/>
+                        <a:ea typeface="宋体" panose="02010600030101010101" pitchFamily="2" charset="-122"/>
+                      </a:endParaRPr>
+                    </a:p>
+                  </a:txBody>
+                  <a:tcPr anchor="ctr">
+                    <a:lnL w="12700" cap="flat" cmpd="sng" algn="ctr">
+                      <a:solidFill>
+                        <a:schemeClr val="tx1"/>
+                      </a:solidFill>
+                      <a:prstDash val="solid"/>
+                      <a:round/>
+                      <a:headEnd type="none" w="med" len="med"/>
+                      <a:tailEnd type="none" w="med" len="med"/>
+                    </a:lnL>
+                    <a:lnR w="12700" cap="flat" cmpd="sng" algn="ctr">
+                      <a:solidFill>
+                        <a:schemeClr val="tx1"/>
+                      </a:solidFill>
+                      <a:prstDash val="solid"/>
+                      <a:round/>
+                      <a:headEnd type="none" w="med" len="med"/>
+                      <a:tailEnd type="none" w="med" len="med"/>
+                    </a:lnR>
+                    <a:lnT w="12700" cap="flat" cmpd="sng" algn="ctr">
+                      <a:solidFill>
+                        <a:schemeClr val="tx1"/>
+                      </a:solidFill>
+                      <a:prstDash val="solid"/>
+                      <a:round/>
+                      <a:headEnd type="none" w="med" len="med"/>
+                      <a:tailEnd type="none" w="med" len="med"/>
+                    </a:lnT>
+                    <a:lnB w="12700" cap="flat" cmpd="sng" algn="ctr">
+                      <a:solidFill>
+                        <a:schemeClr val="tx1"/>
+                      </a:solidFill>
+                      <a:prstDash val="solid"/>
+                      <a:round/>
+                      <a:headEnd type="none" w="med" len="med"/>
+                      <a:tailEnd type="none" w="med" len="med"/>
+                    </a:lnB>
+                  </a:tcPr>
+                </a:tc>
+                <a:tc>
+                  <a:txBody>
+                    <a:bodyPr/>
+                    <a:lstStyle/>
+                    <a:p>
+                      <a:pPr algn="ctr"/>
+                      <a:r>
+                        <a:rPr lang="zh-CN" altLang="en-US" b="0" dirty="0" smtClean="0">
+                          <a:latin typeface="宋体" panose="02010600030101010101" pitchFamily="2" charset="-122"/>
+                          <a:ea typeface="宋体" panose="02010600030101010101" pitchFamily="2" charset="-122"/>
+                        </a:rPr>
+                        <a:t>秘钥长度默认值</a:t>
+                      </a:r>
+                      <a:endParaRPr lang="zh-CN" altLang="en-US" b="0" dirty="0">
+                        <a:latin typeface="宋体" panose="02010600030101010101" pitchFamily="2" charset="-122"/>
+                        <a:ea typeface="宋体" panose="02010600030101010101" pitchFamily="2" charset="-122"/>
+                      </a:endParaRPr>
+                    </a:p>
+                  </a:txBody>
+                  <a:tcPr anchor="ctr">
+                    <a:lnL w="12700" cap="flat" cmpd="sng" algn="ctr">
+                      <a:solidFill>
+                        <a:schemeClr val="tx1"/>
+                      </a:solidFill>
+                      <a:prstDash val="solid"/>
+                      <a:round/>
+                      <a:headEnd type="none" w="med" len="med"/>
+                      <a:tailEnd type="none" w="med" len="med"/>
+                    </a:lnL>
+                    <a:lnR w="12700" cap="flat" cmpd="sng" algn="ctr">
+                      <a:solidFill>
+                        <a:schemeClr val="tx1"/>
+                      </a:solidFill>
+                      <a:prstDash val="solid"/>
+                      <a:round/>
+                      <a:headEnd type="none" w="med" len="med"/>
+                      <a:tailEnd type="none" w="med" len="med"/>
+                    </a:lnR>
+                    <a:lnT w="12700" cap="flat" cmpd="sng" algn="ctr">
+                      <a:solidFill>
+                        <a:schemeClr val="tx1"/>
+                      </a:solidFill>
+                      <a:prstDash val="solid"/>
+                      <a:round/>
+                      <a:headEnd type="none" w="med" len="med"/>
+                      <a:tailEnd type="none" w="med" len="med"/>
+                    </a:lnT>
+                    <a:lnB w="12700" cap="flat" cmpd="sng" algn="ctr">
+                      <a:solidFill>
+                        <a:schemeClr val="tx1"/>
+                      </a:solidFill>
+                      <a:prstDash val="solid"/>
+                      <a:round/>
+                      <a:headEnd type="none" w="med" len="med"/>
+                      <a:tailEnd type="none" w="med" len="med"/>
+                    </a:lnB>
+                  </a:tcPr>
+                </a:tc>
+                <a:tc>
+                  <a:txBody>
+                    <a:bodyPr/>
+                    <a:lstStyle/>
+                    <a:p>
+                      <a:pPr algn="ctr"/>
+                      <a:r>
+                        <a:rPr lang="zh-CN" altLang="en-US" b="0" dirty="0" smtClean="0">
+                          <a:latin typeface="宋体" panose="02010600030101010101" pitchFamily="2" charset="-122"/>
+                          <a:ea typeface="宋体" panose="02010600030101010101" pitchFamily="2" charset="-122"/>
+                        </a:rPr>
+                        <a:t>工作模式</a:t>
+                      </a:r>
+                      <a:endParaRPr lang="zh-CN" altLang="en-US" b="0" dirty="0">
+                        <a:latin typeface="宋体" panose="02010600030101010101" pitchFamily="2" charset="-122"/>
+                        <a:ea typeface="宋体" panose="02010600030101010101" pitchFamily="2" charset="-122"/>
+                      </a:endParaRPr>
+                    </a:p>
+                  </a:txBody>
+                  <a:tcPr anchor="ctr">
+                    <a:lnL w="12700" cap="flat" cmpd="sng" algn="ctr">
+                      <a:solidFill>
+                        <a:schemeClr val="tx1"/>
+                      </a:solidFill>
+                      <a:prstDash val="solid"/>
+                      <a:round/>
+                      <a:headEnd type="none" w="med" len="med"/>
+                      <a:tailEnd type="none" w="med" len="med"/>
+                    </a:lnL>
+                    <a:lnR w="12700" cap="flat" cmpd="sng" algn="ctr">
+                      <a:solidFill>
+                        <a:schemeClr val="tx1"/>
+                      </a:solidFill>
+                      <a:prstDash val="solid"/>
+                      <a:round/>
+                      <a:headEnd type="none" w="med" len="med"/>
+                      <a:tailEnd type="none" w="med" len="med"/>
+                    </a:lnR>
+                    <a:lnT w="12700" cap="flat" cmpd="sng" algn="ctr">
+                      <a:solidFill>
+                        <a:schemeClr val="tx1"/>
+                      </a:solidFill>
+                      <a:prstDash val="solid"/>
+                      <a:round/>
+                      <a:headEnd type="none" w="med" len="med"/>
+                      <a:tailEnd type="none" w="med" len="med"/>
+                    </a:lnT>
+                    <a:lnB w="12700" cap="flat" cmpd="sng" algn="ctr">
+                      <a:solidFill>
+                        <a:schemeClr val="tx1"/>
+                      </a:solidFill>
+                      <a:prstDash val="solid"/>
+                      <a:round/>
+                      <a:headEnd type="none" w="med" len="med"/>
+                      <a:tailEnd type="none" w="med" len="med"/>
+                    </a:lnB>
+                  </a:tcPr>
+                </a:tc>
+                <a:tc>
+                  <a:txBody>
+                    <a:bodyPr/>
+                    <a:lstStyle/>
+                    <a:p>
+                      <a:pPr algn="ctr"/>
+                      <a:r>
+                        <a:rPr lang="zh-CN" altLang="en-US" b="0" dirty="0" smtClean="0">
+                          <a:latin typeface="宋体" panose="02010600030101010101" pitchFamily="2" charset="-122"/>
+                          <a:ea typeface="宋体" panose="02010600030101010101" pitchFamily="2" charset="-122"/>
+                        </a:rPr>
+                        <a:t>填充方式</a:t>
+                      </a:r>
+                      <a:endParaRPr lang="zh-CN" altLang="en-US" b="0" dirty="0">
+                        <a:latin typeface="宋体" panose="02010600030101010101" pitchFamily="2" charset="-122"/>
+                        <a:ea typeface="宋体" panose="02010600030101010101" pitchFamily="2" charset="-122"/>
+                      </a:endParaRPr>
+                    </a:p>
+                  </a:txBody>
+                  <a:tcPr anchor="ctr">
+                    <a:lnL w="12700" cap="flat" cmpd="sng" algn="ctr">
+                      <a:solidFill>
+                        <a:schemeClr val="tx1"/>
+                      </a:solidFill>
+                      <a:prstDash val="solid"/>
+                      <a:round/>
+                      <a:headEnd type="none" w="med" len="med"/>
+                      <a:tailEnd type="none" w="med" len="med"/>
+                    </a:lnL>
+                    <a:lnR w="12700" cap="flat" cmpd="sng" algn="ctr">
+                      <a:solidFill>
+                        <a:schemeClr val="tx1"/>
+                      </a:solidFill>
+                      <a:prstDash val="solid"/>
+                      <a:round/>
+                      <a:headEnd type="none" w="med" len="med"/>
+                      <a:tailEnd type="none" w="med" len="med"/>
+                    </a:lnR>
+                    <a:lnT w="12700" cap="flat" cmpd="sng" algn="ctr">
+                      <a:solidFill>
+                        <a:schemeClr val="tx1"/>
+                      </a:solidFill>
+                      <a:prstDash val="solid"/>
+                      <a:round/>
+                      <a:headEnd type="none" w="med" len="med"/>
+                      <a:tailEnd type="none" w="med" len="med"/>
+                    </a:lnT>
+                    <a:lnB w="12700" cap="flat" cmpd="sng" algn="ctr">
+                      <a:solidFill>
+                        <a:schemeClr val="tx1"/>
+                      </a:solidFill>
+                      <a:prstDash val="solid"/>
+                      <a:round/>
+                      <a:headEnd type="none" w="med" len="med"/>
+                      <a:tailEnd type="none" w="med" len="med"/>
+                    </a:lnB>
+                  </a:tcPr>
+                </a:tc>
+                <a:extLst>
+                  <a:ext uri="{0D108BD9-81ED-4DB2-BD59-A6C34878D82A}">
+                    <a16:rowId xmlns:a16="http://schemas.microsoft.com/office/drawing/2014/main" val="222512411"/>
+                  </a:ext>
+                </a:extLst>
+              </a:tr>
+              <a:tr h="1167544">
+                <a:tc>
+                  <a:txBody>
+                    <a:bodyPr/>
+                    <a:lstStyle/>
+                    <a:p>
+                      <a:pPr algn="ctr"/>
+                      <a:r>
+                        <a:rPr lang="en-US" altLang="zh-CN" dirty="0" smtClean="0">
+                          <a:latin typeface="宋体" panose="02010600030101010101" pitchFamily="2" charset="-122"/>
+                          <a:ea typeface="宋体" panose="02010600030101010101" pitchFamily="2" charset="-122"/>
+                        </a:rPr>
+                        <a:t>JDK</a:t>
+                      </a:r>
+                      <a:endParaRPr lang="zh-CN" altLang="en-US" dirty="0">
+                        <a:latin typeface="宋体" panose="02010600030101010101" pitchFamily="2" charset="-122"/>
+                        <a:ea typeface="宋体" panose="02010600030101010101" pitchFamily="2" charset="-122"/>
+                      </a:endParaRPr>
+                    </a:p>
+                  </a:txBody>
+                  <a:tcPr anchor="ctr">
+                    <a:lnL w="12700" cap="flat" cmpd="sng" algn="ctr">
+                      <a:solidFill>
+                        <a:schemeClr val="tx1"/>
+                      </a:solidFill>
+                      <a:prstDash val="solid"/>
+                      <a:round/>
+                      <a:headEnd type="none" w="med" len="med"/>
+                      <a:tailEnd type="none" w="med" len="med"/>
+                    </a:lnL>
+                    <a:lnR w="12700" cap="flat" cmpd="sng" algn="ctr">
+                      <a:solidFill>
+                        <a:schemeClr val="tx1"/>
+                      </a:solidFill>
+                      <a:prstDash val="solid"/>
+                      <a:round/>
+                      <a:headEnd type="none" w="med" len="med"/>
+                      <a:tailEnd type="none" w="med" len="med"/>
+                    </a:lnR>
+                    <a:lnT w="12700" cap="flat" cmpd="sng" algn="ctr">
+                      <a:solidFill>
+                        <a:schemeClr val="tx1"/>
+                      </a:solidFill>
+                      <a:prstDash val="solid"/>
+                      <a:round/>
+                      <a:headEnd type="none" w="med" len="med"/>
+                      <a:tailEnd type="none" w="med" len="med"/>
+                    </a:lnT>
+                    <a:lnB w="12700" cap="flat" cmpd="sng" algn="ctr">
+                      <a:solidFill>
+                        <a:schemeClr val="tx1"/>
+                      </a:solidFill>
+                      <a:prstDash val="solid"/>
+                      <a:round/>
+                      <a:headEnd type="none" w="med" len="med"/>
+                      <a:tailEnd type="none" w="med" len="med"/>
+                    </a:lnB>
+                  </a:tcPr>
+                </a:tc>
+                <a:tc>
+                  <a:txBody>
+                    <a:bodyPr/>
+                    <a:lstStyle/>
+                    <a:p>
+                      <a:pPr algn="ctr"/>
+                      <a:r>
+                        <a:rPr lang="en-US" altLang="zh-CN" dirty="0" smtClean="0">
+                          <a:latin typeface="宋体" panose="02010600030101010101" pitchFamily="2" charset="-122"/>
+                          <a:ea typeface="宋体" panose="02010600030101010101" pitchFamily="2" charset="-122"/>
+                        </a:rPr>
+                        <a:t>56</a:t>
+                      </a:r>
+                      <a:endParaRPr lang="zh-CN" altLang="en-US" dirty="0">
+                        <a:latin typeface="宋体" panose="02010600030101010101" pitchFamily="2" charset="-122"/>
+                        <a:ea typeface="宋体" panose="02010600030101010101" pitchFamily="2" charset="-122"/>
+                      </a:endParaRPr>
+                    </a:p>
+                  </a:txBody>
+                  <a:tcPr anchor="ctr">
+                    <a:lnL w="12700" cap="flat" cmpd="sng" algn="ctr">
+                      <a:solidFill>
+                        <a:schemeClr val="tx1"/>
+                      </a:solidFill>
+                      <a:prstDash val="solid"/>
+                      <a:round/>
+                      <a:headEnd type="none" w="med" len="med"/>
+                      <a:tailEnd type="none" w="med" len="med"/>
+                    </a:lnL>
+                    <a:lnR w="12700" cap="flat" cmpd="sng" algn="ctr">
+                      <a:solidFill>
+                        <a:schemeClr val="tx1"/>
+                      </a:solidFill>
+                      <a:prstDash val="solid"/>
+                      <a:round/>
+                      <a:headEnd type="none" w="med" len="med"/>
+                      <a:tailEnd type="none" w="med" len="med"/>
+                    </a:lnR>
+                    <a:lnT w="12700" cap="flat" cmpd="sng" algn="ctr">
+                      <a:solidFill>
+                        <a:schemeClr val="tx1"/>
+                      </a:solidFill>
+                      <a:prstDash val="solid"/>
+                      <a:round/>
+                      <a:headEnd type="none" w="med" len="med"/>
+                      <a:tailEnd type="none" w="med" len="med"/>
+                    </a:lnT>
+                    <a:lnB w="12700" cap="flat" cmpd="sng" algn="ctr">
+                      <a:solidFill>
+                        <a:schemeClr val="tx1"/>
+                      </a:solidFill>
+                      <a:prstDash val="solid"/>
+                      <a:round/>
+                      <a:headEnd type="none" w="med" len="med"/>
+                      <a:tailEnd type="none" w="med" len="med"/>
+                    </a:lnB>
+                  </a:tcPr>
+                </a:tc>
+                <a:tc>
+                  <a:txBody>
+                    <a:bodyPr/>
+                    <a:lstStyle/>
+                    <a:p>
+                      <a:pPr algn="ctr"/>
+                      <a:r>
+                        <a:rPr lang="en-US" altLang="zh-CN" dirty="0" smtClean="0">
+                          <a:latin typeface="宋体" panose="02010600030101010101" pitchFamily="2" charset="-122"/>
+                          <a:ea typeface="宋体" panose="02010600030101010101" pitchFamily="2" charset="-122"/>
+                        </a:rPr>
+                        <a:t>56</a:t>
+                      </a:r>
+                      <a:endParaRPr lang="zh-CN" altLang="en-US" dirty="0">
+                        <a:latin typeface="宋体" panose="02010600030101010101" pitchFamily="2" charset="-122"/>
+                        <a:ea typeface="宋体" panose="02010600030101010101" pitchFamily="2" charset="-122"/>
+                      </a:endParaRPr>
+                    </a:p>
+                  </a:txBody>
+                  <a:tcPr anchor="ctr">
+                    <a:lnL w="12700" cap="flat" cmpd="sng" algn="ctr">
+                      <a:solidFill>
+                        <a:schemeClr val="tx1"/>
+                      </a:solidFill>
+                      <a:prstDash val="solid"/>
+                      <a:round/>
+                      <a:headEnd type="none" w="med" len="med"/>
+                      <a:tailEnd type="none" w="med" len="med"/>
+                    </a:lnL>
+                    <a:lnR w="12700" cap="flat" cmpd="sng" algn="ctr">
+                      <a:solidFill>
+                        <a:schemeClr val="tx1"/>
+                      </a:solidFill>
+                      <a:prstDash val="solid"/>
+                      <a:round/>
+                      <a:headEnd type="none" w="med" len="med"/>
+                      <a:tailEnd type="none" w="med" len="med"/>
+                    </a:lnR>
+                    <a:lnT w="12700" cap="flat" cmpd="sng" algn="ctr">
+                      <a:solidFill>
+                        <a:schemeClr val="tx1"/>
+                      </a:solidFill>
+                      <a:prstDash val="solid"/>
+                      <a:round/>
+                      <a:headEnd type="none" w="med" len="med"/>
+                      <a:tailEnd type="none" w="med" len="med"/>
+                    </a:lnT>
+                    <a:lnB w="12700" cap="flat" cmpd="sng" algn="ctr">
+                      <a:solidFill>
+                        <a:schemeClr val="tx1"/>
+                      </a:solidFill>
+                      <a:prstDash val="solid"/>
+                      <a:round/>
+                      <a:headEnd type="none" w="med" len="med"/>
+                      <a:tailEnd type="none" w="med" len="med"/>
+                    </a:lnB>
+                  </a:tcPr>
+                </a:tc>
+                <a:tc>
+                  <a:txBody>
+                    <a:bodyPr/>
+                    <a:lstStyle/>
+                    <a:p>
+                      <a:pPr algn="ctr"/>
+                      <a:r>
+                        <a:rPr lang="en-US" altLang="zh-CN" dirty="0" smtClean="0">
+                          <a:latin typeface="宋体" panose="02010600030101010101" pitchFamily="2" charset="-122"/>
+                          <a:ea typeface="宋体" panose="02010600030101010101" pitchFamily="2" charset="-122"/>
+                        </a:rPr>
+                        <a:t>ECB</a:t>
+                      </a:r>
+                      <a:r>
+                        <a:rPr lang="zh-CN" altLang="en-US" dirty="0" smtClean="0">
+                          <a:latin typeface="宋体" panose="02010600030101010101" pitchFamily="2" charset="-122"/>
+                          <a:ea typeface="宋体" panose="02010600030101010101" pitchFamily="2" charset="-122"/>
+                        </a:rPr>
+                        <a:t>、</a:t>
+                      </a:r>
+                      <a:r>
+                        <a:rPr lang="en-US" altLang="zh-CN" dirty="0" smtClean="0">
+                          <a:latin typeface="宋体" panose="02010600030101010101" pitchFamily="2" charset="-122"/>
+                          <a:ea typeface="宋体" panose="02010600030101010101" pitchFamily="2" charset="-122"/>
+                        </a:rPr>
+                        <a:t>CBC</a:t>
+                      </a:r>
+                      <a:r>
+                        <a:rPr lang="zh-CN" altLang="en-US" dirty="0" smtClean="0">
+                          <a:latin typeface="宋体" panose="02010600030101010101" pitchFamily="2" charset="-122"/>
+                          <a:ea typeface="宋体" panose="02010600030101010101" pitchFamily="2" charset="-122"/>
+                        </a:rPr>
+                        <a:t>、</a:t>
+                      </a:r>
+                      <a:r>
+                        <a:rPr lang="en-US" altLang="zh-CN" dirty="0" smtClean="0">
+                          <a:latin typeface="宋体" panose="02010600030101010101" pitchFamily="2" charset="-122"/>
+                          <a:ea typeface="宋体" panose="02010600030101010101" pitchFamily="2" charset="-122"/>
+                        </a:rPr>
+                        <a:t>PCBC</a:t>
+                      </a:r>
+                      <a:r>
+                        <a:rPr lang="zh-CN" altLang="en-US" dirty="0" smtClean="0">
+                          <a:latin typeface="宋体" panose="02010600030101010101" pitchFamily="2" charset="-122"/>
+                          <a:ea typeface="宋体" panose="02010600030101010101" pitchFamily="2" charset="-122"/>
+                        </a:rPr>
+                        <a:t>、</a:t>
+                      </a:r>
+                      <a:r>
+                        <a:rPr lang="en-US" altLang="zh-CN" dirty="0" smtClean="0">
+                          <a:latin typeface="宋体" panose="02010600030101010101" pitchFamily="2" charset="-122"/>
+                          <a:ea typeface="宋体" panose="02010600030101010101" pitchFamily="2" charset="-122"/>
+                        </a:rPr>
+                        <a:t>CTR</a:t>
+                      </a:r>
+                      <a:r>
+                        <a:rPr lang="zh-CN" altLang="en-US" dirty="0" smtClean="0">
+                          <a:latin typeface="宋体" panose="02010600030101010101" pitchFamily="2" charset="-122"/>
+                          <a:ea typeface="宋体" panose="02010600030101010101" pitchFamily="2" charset="-122"/>
+                        </a:rPr>
+                        <a:t>、</a:t>
+                      </a:r>
+                      <a:r>
+                        <a:rPr lang="en-US" altLang="zh-CN" dirty="0" smtClean="0">
+                          <a:latin typeface="宋体" panose="02010600030101010101" pitchFamily="2" charset="-122"/>
+                          <a:ea typeface="宋体" panose="02010600030101010101" pitchFamily="2" charset="-122"/>
+                        </a:rPr>
+                        <a:t>CTS</a:t>
+                      </a:r>
+                      <a:r>
+                        <a:rPr lang="zh-CN" altLang="en-US" dirty="0" smtClean="0">
+                          <a:latin typeface="宋体" panose="02010600030101010101" pitchFamily="2" charset="-122"/>
+                          <a:ea typeface="宋体" panose="02010600030101010101" pitchFamily="2" charset="-122"/>
+                        </a:rPr>
+                        <a:t>、</a:t>
+                      </a:r>
+                      <a:r>
+                        <a:rPr lang="en-US" altLang="zh-CN" dirty="0" smtClean="0">
+                          <a:latin typeface="宋体" panose="02010600030101010101" pitchFamily="2" charset="-122"/>
+                          <a:ea typeface="宋体" panose="02010600030101010101" pitchFamily="2" charset="-122"/>
+                        </a:rPr>
+                        <a:t>CFB</a:t>
+                      </a:r>
+                      <a:r>
+                        <a:rPr lang="zh-CN" altLang="en-US" dirty="0" smtClean="0">
+                          <a:latin typeface="宋体" panose="02010600030101010101" pitchFamily="2" charset="-122"/>
+                          <a:ea typeface="宋体" panose="02010600030101010101" pitchFamily="2" charset="-122"/>
+                        </a:rPr>
+                        <a:t>、</a:t>
+                      </a:r>
+                      <a:r>
+                        <a:rPr lang="en-US" altLang="zh-CN" dirty="0" smtClean="0">
+                          <a:latin typeface="宋体" panose="02010600030101010101" pitchFamily="2" charset="-122"/>
+                          <a:ea typeface="宋体" panose="02010600030101010101" pitchFamily="2" charset="-122"/>
+                        </a:rPr>
+                        <a:t>CFB8-CFB128</a:t>
+                      </a:r>
+                      <a:r>
+                        <a:rPr lang="zh-CN" altLang="en-US" dirty="0" smtClean="0">
+                          <a:latin typeface="宋体" panose="02010600030101010101" pitchFamily="2" charset="-122"/>
+                          <a:ea typeface="宋体" panose="02010600030101010101" pitchFamily="2" charset="-122"/>
+                        </a:rPr>
+                        <a:t>、</a:t>
+                      </a:r>
+                      <a:r>
+                        <a:rPr lang="en-US" altLang="zh-CN" dirty="0" smtClean="0">
+                          <a:latin typeface="宋体" panose="02010600030101010101" pitchFamily="2" charset="-122"/>
+                          <a:ea typeface="宋体" panose="02010600030101010101" pitchFamily="2" charset="-122"/>
+                        </a:rPr>
+                        <a:t>OFB</a:t>
+                      </a:r>
+                      <a:r>
+                        <a:rPr lang="zh-CN" altLang="en-US" dirty="0" smtClean="0">
+                          <a:latin typeface="宋体" panose="02010600030101010101" pitchFamily="2" charset="-122"/>
+                          <a:ea typeface="宋体" panose="02010600030101010101" pitchFamily="2" charset="-122"/>
+                        </a:rPr>
+                        <a:t>、</a:t>
+                      </a:r>
+                      <a:r>
+                        <a:rPr lang="en-US" altLang="zh-CN" dirty="0" smtClean="0">
+                          <a:latin typeface="宋体" panose="02010600030101010101" pitchFamily="2" charset="-122"/>
+                          <a:ea typeface="宋体" panose="02010600030101010101" pitchFamily="2" charset="-122"/>
+                        </a:rPr>
+                        <a:t>OFB8-OFB128</a:t>
+                      </a:r>
+                      <a:endParaRPr lang="zh-CN" altLang="en-US" dirty="0">
+                        <a:latin typeface="宋体" panose="02010600030101010101" pitchFamily="2" charset="-122"/>
+                        <a:ea typeface="宋体" panose="02010600030101010101" pitchFamily="2" charset="-122"/>
+                      </a:endParaRPr>
+                    </a:p>
+                  </a:txBody>
+                  <a:tcPr anchor="ctr">
+                    <a:lnL w="12700" cap="flat" cmpd="sng" algn="ctr">
+                      <a:solidFill>
+                        <a:schemeClr val="tx1"/>
+                      </a:solidFill>
+                      <a:prstDash val="solid"/>
+                      <a:round/>
+                      <a:headEnd type="none" w="med" len="med"/>
+                      <a:tailEnd type="none" w="med" len="med"/>
+                    </a:lnL>
+                    <a:lnR w="12700" cap="flat" cmpd="sng" algn="ctr">
+                      <a:solidFill>
+                        <a:schemeClr val="tx1"/>
+                      </a:solidFill>
+                      <a:prstDash val="solid"/>
+                      <a:round/>
+                      <a:headEnd type="none" w="med" len="med"/>
+                      <a:tailEnd type="none" w="med" len="med"/>
+                    </a:lnR>
+                    <a:lnT w="12700" cap="flat" cmpd="sng" algn="ctr">
+                      <a:solidFill>
+                        <a:schemeClr val="tx1"/>
+                      </a:solidFill>
+                      <a:prstDash val="solid"/>
+                      <a:round/>
+                      <a:headEnd type="none" w="med" len="med"/>
+                      <a:tailEnd type="none" w="med" len="med"/>
+                    </a:lnT>
+                    <a:lnB w="12700" cap="flat" cmpd="sng" algn="ctr">
+                      <a:solidFill>
+                        <a:schemeClr val="tx1"/>
+                      </a:solidFill>
+                      <a:prstDash val="solid"/>
+                      <a:round/>
+                      <a:headEnd type="none" w="med" len="med"/>
+                      <a:tailEnd type="none" w="med" len="med"/>
+                    </a:lnB>
+                  </a:tcPr>
+                </a:tc>
+                <a:tc>
+                  <a:txBody>
+                    <a:bodyPr/>
+                    <a:lstStyle/>
+                    <a:p>
+                      <a:pPr algn="ctr"/>
+                      <a:r>
+                        <a:rPr lang="en-US" altLang="zh-CN" dirty="0" smtClean="0">
+                          <a:latin typeface="宋体" panose="02010600030101010101" pitchFamily="2" charset="-122"/>
+                          <a:ea typeface="宋体" panose="02010600030101010101" pitchFamily="2" charset="-122"/>
+                        </a:rPr>
+                        <a:t>NoPadding</a:t>
+                      </a:r>
+                      <a:r>
+                        <a:rPr lang="zh-CN" altLang="en-US" dirty="0" smtClean="0">
+                          <a:latin typeface="宋体" panose="02010600030101010101" pitchFamily="2" charset="-122"/>
+                          <a:ea typeface="宋体" panose="02010600030101010101" pitchFamily="2" charset="-122"/>
+                        </a:rPr>
+                        <a:t>、</a:t>
+                      </a:r>
+                      <a:r>
+                        <a:rPr lang="en-US" altLang="zh-CN" dirty="0" smtClean="0">
+                          <a:latin typeface="宋体" panose="02010600030101010101" pitchFamily="2" charset="-122"/>
+                          <a:ea typeface="宋体" panose="02010600030101010101" pitchFamily="2" charset="-122"/>
+                        </a:rPr>
+                        <a:t>PKCS5Padding</a:t>
+                      </a:r>
+                      <a:r>
+                        <a:rPr lang="zh-CN" altLang="en-US" dirty="0" smtClean="0">
+                          <a:latin typeface="宋体" panose="02010600030101010101" pitchFamily="2" charset="-122"/>
+                          <a:ea typeface="宋体" panose="02010600030101010101" pitchFamily="2" charset="-122"/>
+                        </a:rPr>
+                        <a:t>、</a:t>
+                      </a:r>
+                      <a:r>
+                        <a:rPr lang="en-US" altLang="zh-CN" dirty="0" smtClean="0">
+                          <a:latin typeface="宋体" panose="02010600030101010101" pitchFamily="2" charset="-122"/>
+                          <a:ea typeface="宋体" panose="02010600030101010101" pitchFamily="2" charset="-122"/>
+                        </a:rPr>
+                        <a:t>ISO10126Padding</a:t>
+                      </a:r>
+                      <a:endParaRPr lang="zh-CN" altLang="en-US" dirty="0">
+                        <a:latin typeface="宋体" panose="02010600030101010101" pitchFamily="2" charset="-122"/>
+                        <a:ea typeface="宋体" panose="02010600030101010101" pitchFamily="2" charset="-122"/>
+                      </a:endParaRPr>
+                    </a:p>
+                  </a:txBody>
+                  <a:tcPr anchor="ctr">
+                    <a:lnL w="12700" cap="flat" cmpd="sng" algn="ctr">
+                      <a:solidFill>
+                        <a:schemeClr val="tx1"/>
+                      </a:solidFill>
+                      <a:prstDash val="solid"/>
+                      <a:round/>
+                      <a:headEnd type="none" w="med" len="med"/>
+                      <a:tailEnd type="none" w="med" len="med"/>
+                    </a:lnL>
+                    <a:lnR w="12700" cap="flat" cmpd="sng" algn="ctr">
+                      <a:solidFill>
+                        <a:schemeClr val="tx1"/>
+                      </a:solidFill>
+                      <a:prstDash val="solid"/>
+                      <a:round/>
+                      <a:headEnd type="none" w="med" len="med"/>
+                      <a:tailEnd type="none" w="med" len="med"/>
+                    </a:lnR>
+                    <a:lnT w="12700" cap="flat" cmpd="sng" algn="ctr">
+                      <a:solidFill>
+                        <a:schemeClr val="tx1"/>
+                      </a:solidFill>
+                      <a:prstDash val="solid"/>
+                      <a:round/>
+                      <a:headEnd type="none" w="med" len="med"/>
+                      <a:tailEnd type="none" w="med" len="med"/>
+                    </a:lnT>
+                    <a:lnB w="12700" cap="flat" cmpd="sng" algn="ctr">
+                      <a:solidFill>
+                        <a:schemeClr val="tx1"/>
+                      </a:solidFill>
+                      <a:prstDash val="solid"/>
+                      <a:round/>
+                      <a:headEnd type="none" w="med" len="med"/>
+                      <a:tailEnd type="none" w="med" len="med"/>
+                    </a:lnB>
+                  </a:tcPr>
+                </a:tc>
+                <a:extLst>
+                  <a:ext uri="{0D108BD9-81ED-4DB2-BD59-A6C34878D82A}">
+                    <a16:rowId xmlns:a16="http://schemas.microsoft.com/office/drawing/2014/main" val="2478292743"/>
+                  </a:ext>
+                </a:extLst>
+              </a:tr>
+              <a:tr h="1436978">
+                <a:tc>
+                  <a:txBody>
+                    <a:bodyPr/>
+                    <a:lstStyle/>
+                    <a:p>
+                      <a:pPr algn="ctr"/>
+                      <a:r>
+                        <a:rPr lang="en-US" altLang="zh-CN" dirty="0" smtClean="0">
+                          <a:latin typeface="宋体" panose="02010600030101010101" pitchFamily="2" charset="-122"/>
+                          <a:ea typeface="宋体" panose="02010600030101010101" pitchFamily="2" charset="-122"/>
+                        </a:rPr>
+                        <a:t>Bouncy Castle</a:t>
+                      </a:r>
+                      <a:endParaRPr lang="zh-CN" altLang="en-US" dirty="0">
+                        <a:latin typeface="宋体" panose="02010600030101010101" pitchFamily="2" charset="-122"/>
+                        <a:ea typeface="宋体" panose="02010600030101010101" pitchFamily="2" charset="-122"/>
+                      </a:endParaRPr>
+                    </a:p>
+                  </a:txBody>
+                  <a:tcPr anchor="ctr">
+                    <a:lnL w="12700" cap="flat" cmpd="sng" algn="ctr">
+                      <a:solidFill>
+                        <a:schemeClr val="tx1"/>
+                      </a:solidFill>
+                      <a:prstDash val="solid"/>
+                      <a:round/>
+                      <a:headEnd type="none" w="med" len="med"/>
+                      <a:tailEnd type="none" w="med" len="med"/>
+                    </a:lnL>
+                    <a:lnR w="12700" cap="flat" cmpd="sng" algn="ctr">
+                      <a:solidFill>
+                        <a:schemeClr val="tx1"/>
+                      </a:solidFill>
+                      <a:prstDash val="solid"/>
+                      <a:round/>
+                      <a:headEnd type="none" w="med" len="med"/>
+                      <a:tailEnd type="none" w="med" len="med"/>
+                    </a:lnR>
+                    <a:lnT w="12700" cap="flat" cmpd="sng" algn="ctr">
+                      <a:solidFill>
+                        <a:schemeClr val="tx1"/>
+                      </a:solidFill>
+                      <a:prstDash val="solid"/>
+                      <a:round/>
+                      <a:headEnd type="none" w="med" len="med"/>
+                      <a:tailEnd type="none" w="med" len="med"/>
+                    </a:lnT>
+                    <a:lnB w="12700" cap="flat" cmpd="sng" algn="ctr">
+                      <a:solidFill>
+                        <a:schemeClr val="tx1"/>
+                      </a:solidFill>
+                      <a:prstDash val="solid"/>
+                      <a:round/>
+                      <a:headEnd type="none" w="med" len="med"/>
+                      <a:tailEnd type="none" w="med" len="med"/>
+                    </a:lnB>
+                  </a:tcPr>
+                </a:tc>
+                <a:tc>
+                  <a:txBody>
+                    <a:bodyPr/>
+                    <a:lstStyle/>
+                    <a:p>
+                      <a:pPr algn="ctr"/>
+                      <a:r>
+                        <a:rPr lang="en-US" altLang="zh-CN" dirty="0" smtClean="0">
+                          <a:latin typeface="宋体" panose="02010600030101010101" pitchFamily="2" charset="-122"/>
+                          <a:ea typeface="宋体" panose="02010600030101010101" pitchFamily="2" charset="-122"/>
+                        </a:rPr>
+                        <a:t>64</a:t>
+                      </a:r>
+                      <a:endParaRPr lang="zh-CN" altLang="en-US" dirty="0">
+                        <a:latin typeface="宋体" panose="02010600030101010101" pitchFamily="2" charset="-122"/>
+                        <a:ea typeface="宋体" panose="02010600030101010101" pitchFamily="2" charset="-122"/>
+                      </a:endParaRPr>
+                    </a:p>
+                  </a:txBody>
+                  <a:tcPr anchor="ctr">
+                    <a:lnL w="12700" cap="flat" cmpd="sng" algn="ctr">
+                      <a:solidFill>
+                        <a:schemeClr val="tx1"/>
+                      </a:solidFill>
+                      <a:prstDash val="solid"/>
+                      <a:round/>
+                      <a:headEnd type="none" w="med" len="med"/>
+                      <a:tailEnd type="none" w="med" len="med"/>
+                    </a:lnL>
+                    <a:lnR w="12700" cap="flat" cmpd="sng" algn="ctr">
+                      <a:solidFill>
+                        <a:schemeClr val="tx1"/>
+                      </a:solidFill>
+                      <a:prstDash val="solid"/>
+                      <a:round/>
+                      <a:headEnd type="none" w="med" len="med"/>
+                      <a:tailEnd type="none" w="med" len="med"/>
+                    </a:lnR>
+                    <a:lnT w="12700" cap="flat" cmpd="sng" algn="ctr">
+                      <a:solidFill>
+                        <a:schemeClr val="tx1"/>
+                      </a:solidFill>
+                      <a:prstDash val="solid"/>
+                      <a:round/>
+                      <a:headEnd type="none" w="med" len="med"/>
+                      <a:tailEnd type="none" w="med" len="med"/>
+                    </a:lnT>
+                    <a:lnB w="12700" cap="flat" cmpd="sng" algn="ctr">
+                      <a:solidFill>
+                        <a:schemeClr val="tx1"/>
+                      </a:solidFill>
+                      <a:prstDash val="solid"/>
+                      <a:round/>
+                      <a:headEnd type="none" w="med" len="med"/>
+                      <a:tailEnd type="none" w="med" len="med"/>
+                    </a:lnB>
+                  </a:tcPr>
+                </a:tc>
+                <a:tc>
+                  <a:txBody>
+                    <a:bodyPr/>
+                    <a:lstStyle/>
+                    <a:p>
+                      <a:pPr algn="ctr"/>
+                      <a:r>
+                        <a:rPr lang="en-US" altLang="zh-CN" dirty="0" smtClean="0">
+                          <a:latin typeface="宋体" panose="02010600030101010101" pitchFamily="2" charset="-122"/>
+                          <a:ea typeface="宋体" panose="02010600030101010101" pitchFamily="2" charset="-122"/>
+                        </a:rPr>
+                        <a:t>56</a:t>
+                      </a:r>
+                      <a:endParaRPr lang="zh-CN" altLang="en-US" dirty="0">
+                        <a:latin typeface="宋体" panose="02010600030101010101" pitchFamily="2" charset="-122"/>
+                        <a:ea typeface="宋体" panose="02010600030101010101" pitchFamily="2" charset="-122"/>
+                      </a:endParaRPr>
+                    </a:p>
+                  </a:txBody>
+                  <a:tcPr anchor="ctr">
+                    <a:lnL w="12700" cap="flat" cmpd="sng" algn="ctr">
+                      <a:solidFill>
+                        <a:schemeClr val="tx1"/>
+                      </a:solidFill>
+                      <a:prstDash val="solid"/>
+                      <a:round/>
+                      <a:headEnd type="none" w="med" len="med"/>
+                      <a:tailEnd type="none" w="med" len="med"/>
+                    </a:lnL>
+                    <a:lnR w="12700" cap="flat" cmpd="sng" algn="ctr">
+                      <a:solidFill>
+                        <a:schemeClr val="tx1"/>
+                      </a:solidFill>
+                      <a:prstDash val="solid"/>
+                      <a:round/>
+                      <a:headEnd type="none" w="med" len="med"/>
+                      <a:tailEnd type="none" w="med" len="med"/>
+                    </a:lnR>
+                    <a:lnT w="12700" cap="flat" cmpd="sng" algn="ctr">
+                      <a:solidFill>
+                        <a:schemeClr val="tx1"/>
+                      </a:solidFill>
+                      <a:prstDash val="solid"/>
+                      <a:round/>
+                      <a:headEnd type="none" w="med" len="med"/>
+                      <a:tailEnd type="none" w="med" len="med"/>
+                    </a:lnT>
+                    <a:lnB w="12700" cap="flat" cmpd="sng" algn="ctr">
+                      <a:solidFill>
+                        <a:schemeClr val="tx1"/>
+                      </a:solidFill>
+                      <a:prstDash val="solid"/>
+                      <a:round/>
+                      <a:headEnd type="none" w="med" len="med"/>
+                      <a:tailEnd type="none" w="med" len="med"/>
+                    </a:lnB>
+                  </a:tcPr>
+                </a:tc>
+                <a:tc>
+                  <a:txBody>
+                    <a:bodyPr/>
+                    <a:lstStyle/>
+                    <a:p>
+                      <a:pPr algn="ctr"/>
+                      <a:r>
+                        <a:rPr lang="zh-CN" altLang="en-US" dirty="0" smtClean="0">
+                          <a:latin typeface="宋体" panose="02010600030101010101" pitchFamily="2" charset="-122"/>
+                          <a:ea typeface="宋体" panose="02010600030101010101" pitchFamily="2" charset="-122"/>
+                        </a:rPr>
+                        <a:t>同上</a:t>
+                      </a:r>
+                      <a:endParaRPr lang="zh-CN" altLang="en-US" dirty="0">
+                        <a:latin typeface="宋体" panose="02010600030101010101" pitchFamily="2" charset="-122"/>
+                        <a:ea typeface="宋体" panose="02010600030101010101" pitchFamily="2" charset="-122"/>
+                      </a:endParaRPr>
+                    </a:p>
+                  </a:txBody>
+                  <a:tcPr anchor="ctr">
+                    <a:lnL w="12700" cap="flat" cmpd="sng" algn="ctr">
+                      <a:solidFill>
+                        <a:schemeClr val="tx1"/>
+                      </a:solidFill>
+                      <a:prstDash val="solid"/>
+                      <a:round/>
+                      <a:headEnd type="none" w="med" len="med"/>
+                      <a:tailEnd type="none" w="med" len="med"/>
+                    </a:lnL>
+                    <a:lnR w="12700" cap="flat" cmpd="sng" algn="ctr">
+                      <a:solidFill>
+                        <a:schemeClr val="tx1"/>
+                      </a:solidFill>
+                      <a:prstDash val="solid"/>
+                      <a:round/>
+                      <a:headEnd type="none" w="med" len="med"/>
+                      <a:tailEnd type="none" w="med" len="med"/>
+                    </a:lnR>
+                    <a:lnT w="12700" cap="flat" cmpd="sng" algn="ctr">
+                      <a:solidFill>
+                        <a:schemeClr val="tx1"/>
+                      </a:solidFill>
+                      <a:prstDash val="solid"/>
+                      <a:round/>
+                      <a:headEnd type="none" w="med" len="med"/>
+                      <a:tailEnd type="none" w="med" len="med"/>
+                    </a:lnT>
+                    <a:lnB w="12700" cap="flat" cmpd="sng" algn="ctr">
+                      <a:solidFill>
+                        <a:schemeClr val="tx1"/>
+                      </a:solidFill>
+                      <a:prstDash val="solid"/>
+                      <a:round/>
+                      <a:headEnd type="none" w="med" len="med"/>
+                      <a:tailEnd type="none" w="med" len="med"/>
+                    </a:lnB>
+                  </a:tcPr>
+                </a:tc>
+                <a:tc>
+                  <a:txBody>
+                    <a:bodyPr/>
+                    <a:lstStyle/>
+                    <a:p>
+                      <a:pPr algn="ctr"/>
+                      <a:r>
+                        <a:rPr lang="en-US" altLang="zh-CN" dirty="0" smtClean="0">
+                          <a:latin typeface="宋体" panose="02010600030101010101" pitchFamily="2" charset="-122"/>
+                          <a:ea typeface="宋体" panose="02010600030101010101" pitchFamily="2" charset="-122"/>
+                        </a:rPr>
+                        <a:t>PKCS7Padding</a:t>
+                      </a:r>
+                      <a:r>
+                        <a:rPr lang="zh-CN" altLang="en-US" dirty="0" smtClean="0">
+                          <a:latin typeface="宋体" panose="02010600030101010101" pitchFamily="2" charset="-122"/>
+                          <a:ea typeface="宋体" panose="02010600030101010101" pitchFamily="2" charset="-122"/>
+                        </a:rPr>
+                        <a:t>、</a:t>
+                      </a:r>
+                      <a:r>
+                        <a:rPr lang="en-US" altLang="zh-CN" dirty="0" smtClean="0">
+                          <a:latin typeface="宋体" panose="02010600030101010101" pitchFamily="2" charset="-122"/>
+                          <a:ea typeface="宋体" panose="02010600030101010101" pitchFamily="2" charset="-122"/>
+                        </a:rPr>
+                        <a:t>ISO10126d2Padding</a:t>
+                      </a:r>
+                      <a:r>
+                        <a:rPr lang="zh-CN" altLang="en-US" dirty="0" smtClean="0">
+                          <a:latin typeface="宋体" panose="02010600030101010101" pitchFamily="2" charset="-122"/>
+                          <a:ea typeface="宋体" panose="02010600030101010101" pitchFamily="2" charset="-122"/>
+                        </a:rPr>
+                        <a:t>、</a:t>
+                      </a:r>
+                      <a:r>
+                        <a:rPr lang="en-US" altLang="zh-CN" dirty="0" smtClean="0">
+                          <a:latin typeface="宋体" panose="02010600030101010101" pitchFamily="2" charset="-122"/>
+                          <a:ea typeface="宋体" panose="02010600030101010101" pitchFamily="2" charset="-122"/>
+                        </a:rPr>
+                        <a:t/>
+                      </a:r>
+                      <a:br>
+                        <a:rPr lang="en-US" altLang="zh-CN" dirty="0" smtClean="0">
+                          <a:latin typeface="宋体" panose="02010600030101010101" pitchFamily="2" charset="-122"/>
+                          <a:ea typeface="宋体" panose="02010600030101010101" pitchFamily="2" charset="-122"/>
+                        </a:rPr>
+                      </a:br>
+                      <a:r>
+                        <a:rPr lang="en-US" altLang="zh-CN" dirty="0" smtClean="0">
+                          <a:latin typeface="宋体" panose="02010600030101010101" pitchFamily="2" charset="-122"/>
+                          <a:ea typeface="宋体" panose="02010600030101010101" pitchFamily="2" charset="-122"/>
+                        </a:rPr>
+                        <a:t>X932Padding</a:t>
+                      </a:r>
+                      <a:r>
+                        <a:rPr lang="zh-CN" altLang="en-US" dirty="0" smtClean="0">
+                          <a:latin typeface="宋体" panose="02010600030101010101" pitchFamily="2" charset="-122"/>
+                          <a:ea typeface="宋体" panose="02010600030101010101" pitchFamily="2" charset="-122"/>
+                        </a:rPr>
+                        <a:t>、</a:t>
+                      </a:r>
+                      <a:r>
+                        <a:rPr lang="en-US" altLang="zh-CN" dirty="0" smtClean="0">
+                          <a:latin typeface="宋体" panose="02010600030101010101" pitchFamily="2" charset="-122"/>
+                          <a:ea typeface="宋体" panose="02010600030101010101" pitchFamily="2" charset="-122"/>
+                        </a:rPr>
+                        <a:t>ISO7816d4Padding</a:t>
+                      </a:r>
+                      <a:r>
+                        <a:rPr lang="zh-CN" altLang="en-US" dirty="0" smtClean="0">
+                          <a:latin typeface="宋体" panose="02010600030101010101" pitchFamily="2" charset="-122"/>
+                          <a:ea typeface="宋体" panose="02010600030101010101" pitchFamily="2" charset="-122"/>
+                        </a:rPr>
+                        <a:t>、</a:t>
+                      </a:r>
+                      <a:r>
+                        <a:rPr lang="en-US" altLang="zh-CN" dirty="0" smtClean="0">
+                          <a:latin typeface="宋体" panose="02010600030101010101" pitchFamily="2" charset="-122"/>
+                          <a:ea typeface="宋体" panose="02010600030101010101" pitchFamily="2" charset="-122"/>
+                        </a:rPr>
+                        <a:t/>
+                      </a:r>
+                      <a:br>
+                        <a:rPr lang="en-US" altLang="zh-CN" dirty="0" smtClean="0">
+                          <a:latin typeface="宋体" panose="02010600030101010101" pitchFamily="2" charset="-122"/>
+                          <a:ea typeface="宋体" panose="02010600030101010101" pitchFamily="2" charset="-122"/>
+                        </a:rPr>
+                      </a:br>
+                      <a:r>
+                        <a:rPr lang="en-US" altLang="zh-CN" dirty="0" smtClean="0">
+                          <a:latin typeface="宋体" panose="02010600030101010101" pitchFamily="2" charset="-122"/>
+                          <a:ea typeface="宋体" panose="02010600030101010101" pitchFamily="2" charset="-122"/>
+                        </a:rPr>
+                        <a:t>ZeroBytePadding</a:t>
+                      </a:r>
+                      <a:endParaRPr lang="zh-CN" altLang="en-US" dirty="0">
+                        <a:latin typeface="宋体" panose="02010600030101010101" pitchFamily="2" charset="-122"/>
+                        <a:ea typeface="宋体" panose="02010600030101010101" pitchFamily="2" charset="-122"/>
+                      </a:endParaRPr>
+                    </a:p>
+                  </a:txBody>
+                  <a:tcPr anchor="ctr">
+                    <a:lnL w="12700" cap="flat" cmpd="sng" algn="ctr">
+                      <a:solidFill>
+                        <a:schemeClr val="tx1"/>
+                      </a:solidFill>
+                      <a:prstDash val="solid"/>
+                      <a:round/>
+                      <a:headEnd type="none" w="med" len="med"/>
+                      <a:tailEnd type="none" w="med" len="med"/>
+                    </a:lnL>
+                    <a:lnR w="12700" cap="flat" cmpd="sng" algn="ctr">
+                      <a:solidFill>
+                        <a:schemeClr val="tx1"/>
+                      </a:solidFill>
+                      <a:prstDash val="solid"/>
+                      <a:round/>
+                      <a:headEnd type="none" w="med" len="med"/>
+                      <a:tailEnd type="none" w="med" len="med"/>
+                    </a:lnR>
+                    <a:lnT w="12700" cap="flat" cmpd="sng" algn="ctr">
+                      <a:solidFill>
+                        <a:schemeClr val="tx1"/>
+                      </a:solidFill>
+                      <a:prstDash val="solid"/>
+                      <a:round/>
+                      <a:headEnd type="none" w="med" len="med"/>
+                      <a:tailEnd type="none" w="med" len="med"/>
+                    </a:lnT>
+                    <a:lnB w="12700" cap="flat" cmpd="sng" algn="ctr">
+                      <a:solidFill>
+                        <a:schemeClr val="tx1"/>
+                      </a:solidFill>
+                      <a:prstDash val="solid"/>
+                      <a:round/>
+                      <a:headEnd type="none" w="med" len="med"/>
+                      <a:tailEnd type="none" w="med" len="med"/>
+                    </a:lnB>
+                  </a:tcPr>
+                </a:tc>
+                <a:extLst>
+                  <a:ext uri="{0D108BD9-81ED-4DB2-BD59-A6C34878D82A}">
+                    <a16:rowId xmlns:a16="http://schemas.microsoft.com/office/drawing/2014/main" val="3999082340"/>
+                  </a:ext>
+                </a:extLst>
+              </a:tr>
+            </a:tbl>
+          </a:graphicData>
+        </a:graphic>
+      </p:graphicFrame>
+    </p:spTree>
+    <p:extLst>
+      <p:ext uri="{BB962C8B-B14F-4D97-AF65-F5344CB8AC3E}">
+        <p14:creationId xmlns:p14="http://schemas.microsoft.com/office/powerpoint/2010/main" val="633319609"/>
+      </p:ext>
+    </p:extLst>
+  </p:cSld>
+  <p:clrMapOvr>
+    <a:masterClrMapping/>
+  </p:clrMapOvr>
+  <mc:AlternateContent xmlns:mc="http://schemas.openxmlformats.org/markup-compatibility/2006" xmlns:p14="http://schemas.microsoft.com/office/powerpoint/2010/main">
+    <mc:Choice Requires="p14">
+      <p:transition spd="med" p14:dur="700">
+        <p:fade/>
+      </p:transition>
+    </mc:Choice>
+    <mc:Fallback xmlns="">
+      <p:transition spd="med">
+        <p:fade/>
+      </p:transition>
+    </mc:Fallback>
+  </mc:AlternateContent>
+  <p:timing>
+    <p:tnLst>
+      <p:par>
+        <p:cTn id="1" dur="indefinite" restart="never" nodeType="tmRoot"/>
+      </p:par>
+    </p:tnLst>
+  </p:timing>
+</p:sld>
+</file>
+
+<file path=ppt/slides/slide11.xml><?xml version="1.0" encoding="utf-8"?>
+<p:sld xmlns:a="http://schemas.openxmlformats.org/drawingml/2006/main" xmlns:r="http://schemas.openxmlformats.org/officeDocument/2006/relationships" xmlns:p="http://schemas.openxmlformats.org/presentationml/2006/main">
+  <p:cSld>
+    <p:spTree>
+      <p:nvGrpSpPr>
+        <p:cNvPr id="1" name=""/>
+        <p:cNvGrpSpPr/>
+        <p:nvPr/>
+      </p:nvGrpSpPr>
+      <p:grpSpPr>
+        <a:xfrm>
+          <a:off x="0" y="0"/>
+          <a:ext cx="0" cy="0"/>
+          <a:chOff x="0" y="0"/>
+          <a:chExt cx="0" cy="0"/>
+        </a:xfrm>
+      </p:grpSpPr>
+      <p:sp>
+        <p:nvSpPr>
+          <p:cNvPr id="2" name="标题 1"/>
+          <p:cNvSpPr>
+            <a:spLocks noGrp="1"/>
+          </p:cNvSpPr>
+          <p:nvPr>
+            <p:ph type="title"/>
+          </p:nvPr>
+        </p:nvSpPr>
+        <p:spPr/>
+        <p:txBody>
+          <a:bodyPr/>
+          <a:lstStyle/>
+          <a:p>
+            <a:r>
+              <a:rPr lang="en-US" altLang="zh-CN" dirty="0" smtClean="0"/>
+              <a:t>DESede</a:t>
+            </a:r>
+            <a:r>
+              <a:rPr lang="zh-CN" altLang="en-US" dirty="0" smtClean="0"/>
+              <a:t>（</a:t>
+            </a:r>
+            <a:r>
+              <a:rPr lang="en-US" altLang="zh-CN" dirty="0" smtClean="0"/>
+              <a:t>Triple DES</a:t>
+            </a:r>
+            <a:r>
+              <a:rPr lang="zh-CN" altLang="en-US" dirty="0" smtClean="0"/>
+              <a:t>、</a:t>
+            </a:r>
+            <a:r>
+              <a:rPr lang="en-US" altLang="zh-CN" dirty="0" smtClean="0"/>
+              <a:t>3DES</a:t>
+            </a:r>
+            <a:r>
+              <a:rPr lang="zh-CN" altLang="en-US" dirty="0" smtClean="0"/>
+              <a:t>）</a:t>
+            </a:r>
+            <a:endParaRPr lang="zh-CN" altLang="en-US" dirty="0"/>
+          </a:p>
+        </p:txBody>
+      </p:sp>
+      <p:graphicFrame>
+        <p:nvGraphicFramePr>
+          <p:cNvPr id="6" name="内容占位符 5"/>
+          <p:cNvGraphicFramePr>
+            <a:graphicFrameLocks noGrp="1"/>
+          </p:cNvGraphicFramePr>
+          <p:nvPr>
+            <p:ph idx="1"/>
+            <p:extLst>
+              <p:ext uri="{D42A27DB-BD31-4B8C-83A1-F6EECF244321}">
+                <p14:modId xmlns:p14="http://schemas.microsoft.com/office/powerpoint/2010/main" val="1044230687"/>
+              </p:ext>
+            </p:extLst>
+          </p:nvPr>
+        </p:nvGraphicFramePr>
+        <p:xfrm>
+          <a:off x="1341615" y="1758458"/>
+          <a:ext cx="9982875" cy="3270664"/>
+        </p:xfrm>
+        <a:graphic>
+          <a:graphicData uri="http://schemas.openxmlformats.org/drawingml/2006/table">
+            <a:tbl>
+              <a:tblPr firstRow="1" bandRow="1">
+                <a:tableStyleId>{3C2FFA5D-87B4-456A-9821-1D502468CF0F}</a:tableStyleId>
+              </a:tblPr>
+              <a:tblGrid>
+                <a:gridCol w="1996575">
+                  <a:extLst>
+                    <a:ext uri="{9D8B030D-6E8A-4147-A177-3AD203B41FA5}">
+                      <a16:colId xmlns:a16="http://schemas.microsoft.com/office/drawing/2014/main" val="1393900185"/>
+                    </a:ext>
+                  </a:extLst>
+                </a:gridCol>
+                <a:gridCol w="1188456">
+                  <a:extLst>
+                    <a:ext uri="{9D8B030D-6E8A-4147-A177-3AD203B41FA5}">
+                      <a16:colId xmlns:a16="http://schemas.microsoft.com/office/drawing/2014/main" val="3389078971"/>
+                    </a:ext>
+                  </a:extLst>
+                </a:gridCol>
+                <a:gridCol w="1181288">
+                  <a:extLst>
+                    <a:ext uri="{9D8B030D-6E8A-4147-A177-3AD203B41FA5}">
+                      <a16:colId xmlns:a16="http://schemas.microsoft.com/office/drawing/2014/main" val="655618677"/>
+                    </a:ext>
+                  </a:extLst>
+                </a:gridCol>
+                <a:gridCol w="2831419">
+                  <a:extLst>
+                    <a:ext uri="{9D8B030D-6E8A-4147-A177-3AD203B41FA5}">
+                      <a16:colId xmlns:a16="http://schemas.microsoft.com/office/drawing/2014/main" val="502106572"/>
+                    </a:ext>
+                  </a:extLst>
+                </a:gridCol>
+                <a:gridCol w="2785137">
+                  <a:extLst>
+                    <a:ext uri="{9D8B030D-6E8A-4147-A177-3AD203B41FA5}">
+                      <a16:colId xmlns:a16="http://schemas.microsoft.com/office/drawing/2014/main" val="2796583417"/>
+                    </a:ext>
+                  </a:extLst>
+                </a:gridCol>
+              </a:tblGrid>
+              <a:tr h="628678">
+                <a:tc>
+                  <a:txBody>
+                    <a:bodyPr/>
+                    <a:lstStyle/>
+                    <a:p>
+                      <a:pPr algn="r"/>
+                      <a:r>
+                        <a:rPr lang="zh-CN" altLang="en-US" b="0" dirty="0" smtClean="0">
+                          <a:latin typeface="宋体" panose="02010600030101010101" pitchFamily="2" charset="-122"/>
+                          <a:ea typeface="宋体" panose="02010600030101010101" pitchFamily="2" charset="-122"/>
+                        </a:rPr>
+                        <a:t>特点</a:t>
+                      </a:r>
+                      <a:endParaRPr lang="en-US" altLang="zh-CN" b="0" dirty="0" smtClean="0">
+                        <a:latin typeface="宋体" panose="02010600030101010101" pitchFamily="2" charset="-122"/>
+                        <a:ea typeface="宋体" panose="02010600030101010101" pitchFamily="2" charset="-122"/>
+                      </a:endParaRPr>
+                    </a:p>
+                    <a:p>
+                      <a:r>
+                        <a:rPr lang="zh-CN" altLang="en-US" b="0" dirty="0" smtClean="0">
+                          <a:latin typeface="宋体" panose="02010600030101010101" pitchFamily="2" charset="-122"/>
+                          <a:ea typeface="宋体" panose="02010600030101010101" pitchFamily="2" charset="-122"/>
+                        </a:rPr>
+                        <a:t>实现</a:t>
+                      </a:r>
+                      <a:endParaRPr lang="zh-CN" altLang="en-US" b="0" dirty="0">
+                        <a:latin typeface="宋体" panose="02010600030101010101" pitchFamily="2" charset="-122"/>
+                        <a:ea typeface="宋体" panose="02010600030101010101" pitchFamily="2" charset="-122"/>
+                      </a:endParaRPr>
+                    </a:p>
+                  </a:txBody>
+                  <a:tcPr anchor="ctr">
+                    <a:lnL w="12700" cap="flat" cmpd="sng" algn="ctr">
+                      <a:solidFill>
+                        <a:schemeClr val="tx1"/>
+                      </a:solidFill>
+                      <a:prstDash val="solid"/>
+                      <a:round/>
+                      <a:headEnd type="none" w="med" len="med"/>
+                      <a:tailEnd type="none" w="med" len="med"/>
+                    </a:lnL>
+                    <a:lnR w="12700" cap="flat" cmpd="sng" algn="ctr">
+                      <a:solidFill>
+                        <a:schemeClr val="tx1"/>
+                      </a:solidFill>
+                      <a:prstDash val="solid"/>
+                      <a:round/>
+                      <a:headEnd type="none" w="med" len="med"/>
+                      <a:tailEnd type="none" w="med" len="med"/>
+                    </a:lnR>
+                    <a:lnT w="12700" cap="flat" cmpd="sng" algn="ctr">
+                      <a:solidFill>
+                        <a:schemeClr val="tx1"/>
+                      </a:solidFill>
+                      <a:prstDash val="solid"/>
+                      <a:round/>
+                      <a:headEnd type="none" w="med" len="med"/>
+                      <a:tailEnd type="none" w="med" len="med"/>
+                    </a:lnT>
+                    <a:lnB w="12700" cap="flat" cmpd="sng" algn="ctr">
+                      <a:solidFill>
+                        <a:schemeClr val="tx1"/>
+                      </a:solidFill>
+                      <a:prstDash val="solid"/>
+                      <a:round/>
+                      <a:headEnd type="none" w="med" len="med"/>
+                      <a:tailEnd type="none" w="med" len="med"/>
+                    </a:lnB>
+                    <a:lnTlToBr w="12700" cap="flat" cmpd="sng" algn="ctr">
+                      <a:solidFill>
+                        <a:schemeClr val="tx1"/>
+                      </a:solidFill>
+                      <a:prstDash val="solid"/>
+                      <a:round/>
+                      <a:headEnd type="none" w="med" len="med"/>
+                      <a:tailEnd type="none" w="med" len="med"/>
+                    </a:lnTlToBr>
+                  </a:tcPr>
+                </a:tc>
+                <a:tc>
+                  <a:txBody>
+                    <a:bodyPr/>
+                    <a:lstStyle/>
+                    <a:p>
+                      <a:pPr algn="ctr"/>
+                      <a:r>
+                        <a:rPr lang="zh-CN" altLang="en-US" b="0" dirty="0" smtClean="0">
+                          <a:latin typeface="宋体" panose="02010600030101010101" pitchFamily="2" charset="-122"/>
+                          <a:ea typeface="宋体" panose="02010600030101010101" pitchFamily="2" charset="-122"/>
+                        </a:rPr>
+                        <a:t>秘钥长度</a:t>
+                      </a:r>
+                      <a:endParaRPr lang="zh-CN" altLang="en-US" b="0" dirty="0">
+                        <a:latin typeface="宋体" panose="02010600030101010101" pitchFamily="2" charset="-122"/>
+                        <a:ea typeface="宋体" panose="02010600030101010101" pitchFamily="2" charset="-122"/>
+                      </a:endParaRPr>
+                    </a:p>
+                  </a:txBody>
+                  <a:tcPr anchor="ctr">
+                    <a:lnL w="12700" cap="flat" cmpd="sng" algn="ctr">
+                      <a:solidFill>
+                        <a:schemeClr val="tx1"/>
+                      </a:solidFill>
+                      <a:prstDash val="solid"/>
+                      <a:round/>
+                      <a:headEnd type="none" w="med" len="med"/>
+                      <a:tailEnd type="none" w="med" len="med"/>
+                    </a:lnL>
+                    <a:lnR w="12700" cap="flat" cmpd="sng" algn="ctr">
+                      <a:solidFill>
+                        <a:schemeClr val="tx1"/>
+                      </a:solidFill>
+                      <a:prstDash val="solid"/>
+                      <a:round/>
+                      <a:headEnd type="none" w="med" len="med"/>
+                      <a:tailEnd type="none" w="med" len="med"/>
+                    </a:lnR>
+                    <a:lnT w="12700" cap="flat" cmpd="sng" algn="ctr">
+                      <a:solidFill>
+                        <a:schemeClr val="tx1"/>
+                      </a:solidFill>
+                      <a:prstDash val="solid"/>
+                      <a:round/>
+                      <a:headEnd type="none" w="med" len="med"/>
+                      <a:tailEnd type="none" w="med" len="med"/>
+                    </a:lnT>
+                    <a:lnB w="12700" cap="flat" cmpd="sng" algn="ctr">
+                      <a:solidFill>
+                        <a:schemeClr val="tx1"/>
+                      </a:solidFill>
+                      <a:prstDash val="solid"/>
+                      <a:round/>
+                      <a:headEnd type="none" w="med" len="med"/>
+                      <a:tailEnd type="none" w="med" len="med"/>
+                    </a:lnB>
+                  </a:tcPr>
+                </a:tc>
+                <a:tc>
+                  <a:txBody>
+                    <a:bodyPr/>
+                    <a:lstStyle/>
+                    <a:p>
+                      <a:pPr algn="ctr"/>
+                      <a:r>
+                        <a:rPr lang="zh-CN" altLang="en-US" b="0" dirty="0" smtClean="0">
+                          <a:latin typeface="宋体" panose="02010600030101010101" pitchFamily="2" charset="-122"/>
+                          <a:ea typeface="宋体" panose="02010600030101010101" pitchFamily="2" charset="-122"/>
+                        </a:rPr>
+                        <a:t>秘钥长度默认值</a:t>
+                      </a:r>
+                      <a:endParaRPr lang="zh-CN" altLang="en-US" b="0" dirty="0">
+                        <a:latin typeface="宋体" panose="02010600030101010101" pitchFamily="2" charset="-122"/>
+                        <a:ea typeface="宋体" panose="02010600030101010101" pitchFamily="2" charset="-122"/>
+                      </a:endParaRPr>
+                    </a:p>
+                  </a:txBody>
+                  <a:tcPr anchor="ctr">
+                    <a:lnL w="12700" cap="flat" cmpd="sng" algn="ctr">
+                      <a:solidFill>
+                        <a:schemeClr val="tx1"/>
+                      </a:solidFill>
+                      <a:prstDash val="solid"/>
+                      <a:round/>
+                      <a:headEnd type="none" w="med" len="med"/>
+                      <a:tailEnd type="none" w="med" len="med"/>
+                    </a:lnL>
+                    <a:lnR w="12700" cap="flat" cmpd="sng" algn="ctr">
+                      <a:solidFill>
+                        <a:schemeClr val="tx1"/>
+                      </a:solidFill>
+                      <a:prstDash val="solid"/>
+                      <a:round/>
+                      <a:headEnd type="none" w="med" len="med"/>
+                      <a:tailEnd type="none" w="med" len="med"/>
+                    </a:lnR>
+                    <a:lnT w="12700" cap="flat" cmpd="sng" algn="ctr">
+                      <a:solidFill>
+                        <a:schemeClr val="tx1"/>
+                      </a:solidFill>
+                      <a:prstDash val="solid"/>
+                      <a:round/>
+                      <a:headEnd type="none" w="med" len="med"/>
+                      <a:tailEnd type="none" w="med" len="med"/>
+                    </a:lnT>
+                    <a:lnB w="12700" cap="flat" cmpd="sng" algn="ctr">
+                      <a:solidFill>
+                        <a:schemeClr val="tx1"/>
+                      </a:solidFill>
+                      <a:prstDash val="solid"/>
+                      <a:round/>
+                      <a:headEnd type="none" w="med" len="med"/>
+                      <a:tailEnd type="none" w="med" len="med"/>
+                    </a:lnB>
+                  </a:tcPr>
+                </a:tc>
+                <a:tc>
+                  <a:txBody>
+                    <a:bodyPr/>
+                    <a:lstStyle/>
+                    <a:p>
+                      <a:pPr algn="ctr"/>
+                      <a:r>
+                        <a:rPr lang="zh-CN" altLang="en-US" b="0" dirty="0" smtClean="0">
+                          <a:latin typeface="宋体" panose="02010600030101010101" pitchFamily="2" charset="-122"/>
+                          <a:ea typeface="宋体" panose="02010600030101010101" pitchFamily="2" charset="-122"/>
+                        </a:rPr>
+                        <a:t>工作模式</a:t>
+                      </a:r>
+                      <a:endParaRPr lang="zh-CN" altLang="en-US" b="0" dirty="0">
+                        <a:latin typeface="宋体" panose="02010600030101010101" pitchFamily="2" charset="-122"/>
+                        <a:ea typeface="宋体" panose="02010600030101010101" pitchFamily="2" charset="-122"/>
+                      </a:endParaRPr>
+                    </a:p>
+                  </a:txBody>
+                  <a:tcPr anchor="ctr">
+                    <a:lnL w="12700" cap="flat" cmpd="sng" algn="ctr">
+                      <a:solidFill>
+                        <a:schemeClr val="tx1"/>
+                      </a:solidFill>
+                      <a:prstDash val="solid"/>
+                      <a:round/>
+                      <a:headEnd type="none" w="med" len="med"/>
+                      <a:tailEnd type="none" w="med" len="med"/>
+                    </a:lnL>
+                    <a:lnR w="12700" cap="flat" cmpd="sng" algn="ctr">
+                      <a:solidFill>
+                        <a:schemeClr val="tx1"/>
+                      </a:solidFill>
+                      <a:prstDash val="solid"/>
+                      <a:round/>
+                      <a:headEnd type="none" w="med" len="med"/>
+                      <a:tailEnd type="none" w="med" len="med"/>
+                    </a:lnR>
+                    <a:lnT w="12700" cap="flat" cmpd="sng" algn="ctr">
+                      <a:solidFill>
+                        <a:schemeClr val="tx1"/>
+                      </a:solidFill>
+                      <a:prstDash val="solid"/>
+                      <a:round/>
+                      <a:headEnd type="none" w="med" len="med"/>
+                      <a:tailEnd type="none" w="med" len="med"/>
+                    </a:lnT>
+                    <a:lnB w="12700" cap="flat" cmpd="sng" algn="ctr">
+                      <a:solidFill>
+                        <a:schemeClr val="tx1"/>
+                      </a:solidFill>
+                      <a:prstDash val="solid"/>
+                      <a:round/>
+                      <a:headEnd type="none" w="med" len="med"/>
+                      <a:tailEnd type="none" w="med" len="med"/>
+                    </a:lnB>
+                  </a:tcPr>
+                </a:tc>
+                <a:tc>
+                  <a:txBody>
+                    <a:bodyPr/>
+                    <a:lstStyle/>
+                    <a:p>
+                      <a:pPr algn="ctr"/>
+                      <a:r>
+                        <a:rPr lang="zh-CN" altLang="en-US" b="0" dirty="0" smtClean="0">
+                          <a:latin typeface="宋体" panose="02010600030101010101" pitchFamily="2" charset="-122"/>
+                          <a:ea typeface="宋体" panose="02010600030101010101" pitchFamily="2" charset="-122"/>
+                        </a:rPr>
+                        <a:t>填充方式</a:t>
+                      </a:r>
+                      <a:endParaRPr lang="zh-CN" altLang="en-US" b="0" dirty="0">
+                        <a:latin typeface="宋体" panose="02010600030101010101" pitchFamily="2" charset="-122"/>
+                        <a:ea typeface="宋体" panose="02010600030101010101" pitchFamily="2" charset="-122"/>
+                      </a:endParaRPr>
+                    </a:p>
+                  </a:txBody>
+                  <a:tcPr anchor="ctr">
+                    <a:lnL w="12700" cap="flat" cmpd="sng" algn="ctr">
+                      <a:solidFill>
+                        <a:schemeClr val="tx1"/>
+                      </a:solidFill>
+                      <a:prstDash val="solid"/>
+                      <a:round/>
+                      <a:headEnd type="none" w="med" len="med"/>
+                      <a:tailEnd type="none" w="med" len="med"/>
+                    </a:lnL>
+                    <a:lnR w="12700" cap="flat" cmpd="sng" algn="ctr">
+                      <a:solidFill>
+                        <a:schemeClr val="tx1"/>
+                      </a:solidFill>
+                      <a:prstDash val="solid"/>
+                      <a:round/>
+                      <a:headEnd type="none" w="med" len="med"/>
+                      <a:tailEnd type="none" w="med" len="med"/>
+                    </a:lnR>
+                    <a:lnT w="12700" cap="flat" cmpd="sng" algn="ctr">
+                      <a:solidFill>
+                        <a:schemeClr val="tx1"/>
+                      </a:solidFill>
+                      <a:prstDash val="solid"/>
+                      <a:round/>
+                      <a:headEnd type="none" w="med" len="med"/>
+                      <a:tailEnd type="none" w="med" len="med"/>
+                    </a:lnT>
+                    <a:lnB w="12700" cap="flat" cmpd="sng" algn="ctr">
+                      <a:solidFill>
+                        <a:schemeClr val="tx1"/>
+                      </a:solidFill>
+                      <a:prstDash val="solid"/>
+                      <a:round/>
+                      <a:headEnd type="none" w="med" len="med"/>
+                      <a:tailEnd type="none" w="med" len="med"/>
+                    </a:lnB>
+                  </a:tcPr>
+                </a:tc>
+                <a:extLst>
+                  <a:ext uri="{0D108BD9-81ED-4DB2-BD59-A6C34878D82A}">
+                    <a16:rowId xmlns:a16="http://schemas.microsoft.com/office/drawing/2014/main" val="222512411"/>
+                  </a:ext>
+                </a:extLst>
+              </a:tr>
+              <a:tr h="1167544">
+                <a:tc>
+                  <a:txBody>
+                    <a:bodyPr/>
+                    <a:lstStyle/>
+                    <a:p>
+                      <a:pPr algn="ctr"/>
+                      <a:r>
+                        <a:rPr lang="en-US" altLang="zh-CN" dirty="0" smtClean="0">
+                          <a:latin typeface="宋体" panose="02010600030101010101" pitchFamily="2" charset="-122"/>
+                          <a:ea typeface="宋体" panose="02010600030101010101" pitchFamily="2" charset="-122"/>
+                        </a:rPr>
+                        <a:t>JDK</a:t>
+                      </a:r>
+                      <a:endParaRPr lang="zh-CN" altLang="en-US" dirty="0">
+                        <a:latin typeface="宋体" panose="02010600030101010101" pitchFamily="2" charset="-122"/>
+                        <a:ea typeface="宋体" panose="02010600030101010101" pitchFamily="2" charset="-122"/>
+                      </a:endParaRPr>
+                    </a:p>
+                  </a:txBody>
+                  <a:tcPr anchor="ctr">
+                    <a:lnL w="12700" cap="flat" cmpd="sng" algn="ctr">
+                      <a:solidFill>
+                        <a:schemeClr val="tx1"/>
+                      </a:solidFill>
+                      <a:prstDash val="solid"/>
+                      <a:round/>
+                      <a:headEnd type="none" w="med" len="med"/>
+                      <a:tailEnd type="none" w="med" len="med"/>
+                    </a:lnL>
+                    <a:lnR w="12700" cap="flat" cmpd="sng" algn="ctr">
+                      <a:solidFill>
+                        <a:schemeClr val="tx1"/>
+                      </a:solidFill>
+                      <a:prstDash val="solid"/>
+                      <a:round/>
+                      <a:headEnd type="none" w="med" len="med"/>
+                      <a:tailEnd type="none" w="med" len="med"/>
+                    </a:lnR>
+                    <a:lnT w="12700" cap="flat" cmpd="sng" algn="ctr">
+                      <a:solidFill>
+                        <a:schemeClr val="tx1"/>
+                      </a:solidFill>
+                      <a:prstDash val="solid"/>
+                      <a:round/>
+                      <a:headEnd type="none" w="med" len="med"/>
+                      <a:tailEnd type="none" w="med" len="med"/>
+                    </a:lnT>
+                    <a:lnB w="12700" cap="flat" cmpd="sng" algn="ctr">
+                      <a:solidFill>
+                        <a:schemeClr val="tx1"/>
+                      </a:solidFill>
+                      <a:prstDash val="solid"/>
+                      <a:round/>
+                      <a:headEnd type="none" w="med" len="med"/>
+                      <a:tailEnd type="none" w="med" len="med"/>
+                    </a:lnB>
+                  </a:tcPr>
+                </a:tc>
+                <a:tc>
+                  <a:txBody>
+                    <a:bodyPr/>
+                    <a:lstStyle/>
+                    <a:p>
+                      <a:pPr algn="ctr"/>
+                      <a:r>
+                        <a:rPr lang="en-US" altLang="zh-CN" dirty="0" smtClean="0">
+                          <a:latin typeface="宋体" panose="02010600030101010101" pitchFamily="2" charset="-122"/>
+                          <a:ea typeface="宋体" panose="02010600030101010101" pitchFamily="2" charset="-122"/>
+                        </a:rPr>
+                        <a:t>112</a:t>
+                      </a:r>
+                      <a:r>
+                        <a:rPr lang="zh-CN" altLang="en-US" dirty="0" smtClean="0">
+                          <a:latin typeface="宋体" panose="02010600030101010101" pitchFamily="2" charset="-122"/>
+                          <a:ea typeface="宋体" panose="02010600030101010101" pitchFamily="2" charset="-122"/>
+                        </a:rPr>
+                        <a:t>、</a:t>
+                      </a:r>
+                      <a:r>
+                        <a:rPr lang="en-US" altLang="zh-CN" dirty="0" smtClean="0">
+                          <a:latin typeface="宋体" panose="02010600030101010101" pitchFamily="2" charset="-122"/>
+                          <a:ea typeface="宋体" panose="02010600030101010101" pitchFamily="2" charset="-122"/>
+                        </a:rPr>
+                        <a:t>168</a:t>
+                      </a:r>
+                      <a:endParaRPr lang="zh-CN" altLang="en-US" dirty="0">
+                        <a:latin typeface="宋体" panose="02010600030101010101" pitchFamily="2" charset="-122"/>
+                        <a:ea typeface="宋体" panose="02010600030101010101" pitchFamily="2" charset="-122"/>
+                      </a:endParaRPr>
+                    </a:p>
+                  </a:txBody>
+                  <a:tcPr anchor="ctr">
+                    <a:lnL w="12700" cap="flat" cmpd="sng" algn="ctr">
+                      <a:solidFill>
+                        <a:schemeClr val="tx1"/>
+                      </a:solidFill>
+                      <a:prstDash val="solid"/>
+                      <a:round/>
+                      <a:headEnd type="none" w="med" len="med"/>
+                      <a:tailEnd type="none" w="med" len="med"/>
+                    </a:lnL>
+                    <a:lnR w="12700" cap="flat" cmpd="sng" algn="ctr">
+                      <a:solidFill>
+                        <a:schemeClr val="tx1"/>
+                      </a:solidFill>
+                      <a:prstDash val="solid"/>
+                      <a:round/>
+                      <a:headEnd type="none" w="med" len="med"/>
+                      <a:tailEnd type="none" w="med" len="med"/>
+                    </a:lnR>
+                    <a:lnT w="12700" cap="flat" cmpd="sng" algn="ctr">
+                      <a:solidFill>
+                        <a:schemeClr val="tx1"/>
+                      </a:solidFill>
+                      <a:prstDash val="solid"/>
+                      <a:round/>
+                      <a:headEnd type="none" w="med" len="med"/>
+                      <a:tailEnd type="none" w="med" len="med"/>
+                    </a:lnT>
+                    <a:lnB w="12700" cap="flat" cmpd="sng" algn="ctr">
+                      <a:solidFill>
+                        <a:schemeClr val="tx1"/>
+                      </a:solidFill>
+                      <a:prstDash val="solid"/>
+                      <a:round/>
+                      <a:headEnd type="none" w="med" len="med"/>
+                      <a:tailEnd type="none" w="med" len="med"/>
+                    </a:lnB>
+                  </a:tcPr>
+                </a:tc>
+                <a:tc>
+                  <a:txBody>
+                    <a:bodyPr/>
+                    <a:lstStyle/>
+                    <a:p>
+                      <a:pPr algn="ctr"/>
+                      <a:r>
+                        <a:rPr lang="en-US" altLang="zh-CN" dirty="0" smtClean="0">
+                          <a:latin typeface="宋体" panose="02010600030101010101" pitchFamily="2" charset="-122"/>
+                          <a:ea typeface="宋体" panose="02010600030101010101" pitchFamily="2" charset="-122"/>
+                        </a:rPr>
+                        <a:t>168</a:t>
+                      </a:r>
+                      <a:endParaRPr lang="zh-CN" altLang="en-US" dirty="0">
+                        <a:latin typeface="宋体" panose="02010600030101010101" pitchFamily="2" charset="-122"/>
+                        <a:ea typeface="宋体" panose="02010600030101010101" pitchFamily="2" charset="-122"/>
+                      </a:endParaRPr>
+                    </a:p>
+                  </a:txBody>
+                  <a:tcPr anchor="ctr">
+                    <a:lnL w="12700" cap="flat" cmpd="sng" algn="ctr">
+                      <a:solidFill>
+                        <a:schemeClr val="tx1"/>
+                      </a:solidFill>
+                      <a:prstDash val="solid"/>
+                      <a:round/>
+                      <a:headEnd type="none" w="med" len="med"/>
+                      <a:tailEnd type="none" w="med" len="med"/>
+                    </a:lnL>
+                    <a:lnR w="12700" cap="flat" cmpd="sng" algn="ctr">
+                      <a:solidFill>
+                        <a:schemeClr val="tx1"/>
+                      </a:solidFill>
+                      <a:prstDash val="solid"/>
+                      <a:round/>
+                      <a:headEnd type="none" w="med" len="med"/>
+                      <a:tailEnd type="none" w="med" len="med"/>
+                    </a:lnR>
+                    <a:lnT w="12700" cap="flat" cmpd="sng" algn="ctr">
+                      <a:solidFill>
+                        <a:schemeClr val="tx1"/>
+                      </a:solidFill>
+                      <a:prstDash val="solid"/>
+                      <a:round/>
+                      <a:headEnd type="none" w="med" len="med"/>
+                      <a:tailEnd type="none" w="med" len="med"/>
+                    </a:lnT>
+                    <a:lnB w="12700" cap="flat" cmpd="sng" algn="ctr">
+                      <a:solidFill>
+                        <a:schemeClr val="tx1"/>
+                      </a:solidFill>
+                      <a:prstDash val="solid"/>
+                      <a:round/>
+                      <a:headEnd type="none" w="med" len="med"/>
+                      <a:tailEnd type="none" w="med" len="med"/>
+                    </a:lnB>
+                  </a:tcPr>
+                </a:tc>
+                <a:tc>
+                  <a:txBody>
+                    <a:bodyPr/>
+                    <a:lstStyle/>
+                    <a:p>
+                      <a:pPr algn="ctr"/>
+                      <a:r>
+                        <a:rPr lang="en-US" altLang="zh-CN" dirty="0" smtClean="0">
+                          <a:latin typeface="宋体" panose="02010600030101010101" pitchFamily="2" charset="-122"/>
+                          <a:ea typeface="宋体" panose="02010600030101010101" pitchFamily="2" charset="-122"/>
+                        </a:rPr>
+                        <a:t>ECB</a:t>
+                      </a:r>
+                      <a:r>
+                        <a:rPr lang="zh-CN" altLang="en-US" dirty="0" smtClean="0">
+                          <a:latin typeface="宋体" panose="02010600030101010101" pitchFamily="2" charset="-122"/>
+                          <a:ea typeface="宋体" panose="02010600030101010101" pitchFamily="2" charset="-122"/>
+                        </a:rPr>
+                        <a:t>、</a:t>
+                      </a:r>
+                      <a:r>
+                        <a:rPr lang="en-US" altLang="zh-CN" dirty="0" smtClean="0">
+                          <a:latin typeface="宋体" panose="02010600030101010101" pitchFamily="2" charset="-122"/>
+                          <a:ea typeface="宋体" panose="02010600030101010101" pitchFamily="2" charset="-122"/>
+                        </a:rPr>
+                        <a:t>CBC</a:t>
+                      </a:r>
+                      <a:r>
+                        <a:rPr lang="zh-CN" altLang="en-US" dirty="0" smtClean="0">
+                          <a:latin typeface="宋体" panose="02010600030101010101" pitchFamily="2" charset="-122"/>
+                          <a:ea typeface="宋体" panose="02010600030101010101" pitchFamily="2" charset="-122"/>
+                        </a:rPr>
+                        <a:t>、</a:t>
+                      </a:r>
+                      <a:r>
+                        <a:rPr lang="en-US" altLang="zh-CN" dirty="0" smtClean="0">
+                          <a:latin typeface="宋体" panose="02010600030101010101" pitchFamily="2" charset="-122"/>
+                          <a:ea typeface="宋体" panose="02010600030101010101" pitchFamily="2" charset="-122"/>
+                        </a:rPr>
+                        <a:t>PCBC</a:t>
+                      </a:r>
+                      <a:r>
+                        <a:rPr lang="zh-CN" altLang="en-US" dirty="0" smtClean="0">
+                          <a:latin typeface="宋体" panose="02010600030101010101" pitchFamily="2" charset="-122"/>
+                          <a:ea typeface="宋体" panose="02010600030101010101" pitchFamily="2" charset="-122"/>
+                        </a:rPr>
+                        <a:t>、</a:t>
+                      </a:r>
+                      <a:r>
+                        <a:rPr lang="en-US" altLang="zh-CN" dirty="0" smtClean="0">
+                          <a:latin typeface="宋体" panose="02010600030101010101" pitchFamily="2" charset="-122"/>
+                          <a:ea typeface="宋体" panose="02010600030101010101" pitchFamily="2" charset="-122"/>
+                        </a:rPr>
+                        <a:t>CTR</a:t>
+                      </a:r>
+                      <a:r>
+                        <a:rPr lang="zh-CN" altLang="en-US" dirty="0" smtClean="0">
+                          <a:latin typeface="宋体" panose="02010600030101010101" pitchFamily="2" charset="-122"/>
+                          <a:ea typeface="宋体" panose="02010600030101010101" pitchFamily="2" charset="-122"/>
+                        </a:rPr>
+                        <a:t>、</a:t>
+                      </a:r>
+                      <a:r>
+                        <a:rPr lang="en-US" altLang="zh-CN" dirty="0" smtClean="0">
+                          <a:latin typeface="宋体" panose="02010600030101010101" pitchFamily="2" charset="-122"/>
+                          <a:ea typeface="宋体" panose="02010600030101010101" pitchFamily="2" charset="-122"/>
+                        </a:rPr>
+                        <a:t>CTS</a:t>
+                      </a:r>
+                      <a:r>
+                        <a:rPr lang="zh-CN" altLang="en-US" dirty="0" smtClean="0">
+                          <a:latin typeface="宋体" panose="02010600030101010101" pitchFamily="2" charset="-122"/>
+                          <a:ea typeface="宋体" panose="02010600030101010101" pitchFamily="2" charset="-122"/>
+                        </a:rPr>
+                        <a:t>、</a:t>
+                      </a:r>
+                      <a:r>
+                        <a:rPr lang="en-US" altLang="zh-CN" dirty="0" smtClean="0">
+                          <a:latin typeface="宋体" panose="02010600030101010101" pitchFamily="2" charset="-122"/>
+                          <a:ea typeface="宋体" panose="02010600030101010101" pitchFamily="2" charset="-122"/>
+                        </a:rPr>
+                        <a:t>CFB</a:t>
+                      </a:r>
+                      <a:r>
+                        <a:rPr lang="zh-CN" altLang="en-US" dirty="0" smtClean="0">
+                          <a:latin typeface="宋体" panose="02010600030101010101" pitchFamily="2" charset="-122"/>
+                          <a:ea typeface="宋体" panose="02010600030101010101" pitchFamily="2" charset="-122"/>
+                        </a:rPr>
+                        <a:t>、</a:t>
+                      </a:r>
+                      <a:r>
+                        <a:rPr lang="en-US" altLang="zh-CN" dirty="0" smtClean="0">
+                          <a:latin typeface="宋体" panose="02010600030101010101" pitchFamily="2" charset="-122"/>
+                          <a:ea typeface="宋体" panose="02010600030101010101" pitchFamily="2" charset="-122"/>
+                        </a:rPr>
+                        <a:t>CFB8-CFB128</a:t>
+                      </a:r>
+                      <a:r>
+                        <a:rPr lang="zh-CN" altLang="en-US" dirty="0" smtClean="0">
+                          <a:latin typeface="宋体" panose="02010600030101010101" pitchFamily="2" charset="-122"/>
+                          <a:ea typeface="宋体" panose="02010600030101010101" pitchFamily="2" charset="-122"/>
+                        </a:rPr>
+                        <a:t>、</a:t>
+                      </a:r>
+                      <a:r>
+                        <a:rPr lang="en-US" altLang="zh-CN" dirty="0" smtClean="0">
+                          <a:latin typeface="宋体" panose="02010600030101010101" pitchFamily="2" charset="-122"/>
+                          <a:ea typeface="宋体" panose="02010600030101010101" pitchFamily="2" charset="-122"/>
+                        </a:rPr>
+                        <a:t>OFB</a:t>
+                      </a:r>
+                      <a:r>
+                        <a:rPr lang="zh-CN" altLang="en-US" dirty="0" smtClean="0">
+                          <a:latin typeface="宋体" panose="02010600030101010101" pitchFamily="2" charset="-122"/>
+                          <a:ea typeface="宋体" panose="02010600030101010101" pitchFamily="2" charset="-122"/>
+                        </a:rPr>
+                        <a:t>、</a:t>
+                      </a:r>
+                      <a:r>
+                        <a:rPr lang="en-US" altLang="zh-CN" dirty="0" smtClean="0">
+                          <a:latin typeface="宋体" panose="02010600030101010101" pitchFamily="2" charset="-122"/>
+                          <a:ea typeface="宋体" panose="02010600030101010101" pitchFamily="2" charset="-122"/>
+                        </a:rPr>
+                        <a:t>OFB8-OFB128</a:t>
+                      </a:r>
+                      <a:endParaRPr lang="zh-CN" altLang="en-US" dirty="0">
+                        <a:latin typeface="宋体" panose="02010600030101010101" pitchFamily="2" charset="-122"/>
+                        <a:ea typeface="宋体" panose="02010600030101010101" pitchFamily="2" charset="-122"/>
+                      </a:endParaRPr>
+                    </a:p>
+                  </a:txBody>
+                  <a:tcPr anchor="ctr">
+                    <a:lnL w="12700" cap="flat" cmpd="sng" algn="ctr">
+                      <a:solidFill>
+                        <a:schemeClr val="tx1"/>
+                      </a:solidFill>
+                      <a:prstDash val="solid"/>
+                      <a:round/>
+                      <a:headEnd type="none" w="med" len="med"/>
+                      <a:tailEnd type="none" w="med" len="med"/>
+                    </a:lnL>
+                    <a:lnR w="12700" cap="flat" cmpd="sng" algn="ctr">
+                      <a:solidFill>
+                        <a:schemeClr val="tx1"/>
+                      </a:solidFill>
+                      <a:prstDash val="solid"/>
+                      <a:round/>
+                      <a:headEnd type="none" w="med" len="med"/>
+                      <a:tailEnd type="none" w="med" len="med"/>
+                    </a:lnR>
+                    <a:lnT w="12700" cap="flat" cmpd="sng" algn="ctr">
+                      <a:solidFill>
+                        <a:schemeClr val="tx1"/>
+                      </a:solidFill>
+                      <a:prstDash val="solid"/>
+                      <a:round/>
+                      <a:headEnd type="none" w="med" len="med"/>
+                      <a:tailEnd type="none" w="med" len="med"/>
+                    </a:lnT>
+                    <a:lnB w="12700" cap="flat" cmpd="sng" algn="ctr">
+                      <a:solidFill>
+                        <a:schemeClr val="tx1"/>
+                      </a:solidFill>
+                      <a:prstDash val="solid"/>
+                      <a:round/>
+                      <a:headEnd type="none" w="med" len="med"/>
+                      <a:tailEnd type="none" w="med" len="med"/>
+                    </a:lnB>
+                  </a:tcPr>
+                </a:tc>
+                <a:tc>
+                  <a:txBody>
+                    <a:bodyPr/>
+                    <a:lstStyle/>
+                    <a:p>
+                      <a:pPr algn="ctr"/>
+                      <a:r>
+                        <a:rPr lang="en-US" altLang="zh-CN" dirty="0" smtClean="0">
+                          <a:latin typeface="宋体" panose="02010600030101010101" pitchFamily="2" charset="-122"/>
+                          <a:ea typeface="宋体" panose="02010600030101010101" pitchFamily="2" charset="-122"/>
+                        </a:rPr>
+                        <a:t>NoPadding</a:t>
+                      </a:r>
+                      <a:r>
+                        <a:rPr lang="zh-CN" altLang="en-US" dirty="0" smtClean="0">
+                          <a:latin typeface="宋体" panose="02010600030101010101" pitchFamily="2" charset="-122"/>
+                          <a:ea typeface="宋体" panose="02010600030101010101" pitchFamily="2" charset="-122"/>
+                        </a:rPr>
+                        <a:t>、</a:t>
+                      </a:r>
+                      <a:r>
+                        <a:rPr lang="en-US" altLang="zh-CN" dirty="0" smtClean="0">
+                          <a:latin typeface="宋体" panose="02010600030101010101" pitchFamily="2" charset="-122"/>
+                          <a:ea typeface="宋体" panose="02010600030101010101" pitchFamily="2" charset="-122"/>
+                        </a:rPr>
+                        <a:t>PKCS5Padding</a:t>
+                      </a:r>
+                      <a:r>
+                        <a:rPr lang="zh-CN" altLang="en-US" dirty="0" smtClean="0">
+                          <a:latin typeface="宋体" panose="02010600030101010101" pitchFamily="2" charset="-122"/>
+                          <a:ea typeface="宋体" panose="02010600030101010101" pitchFamily="2" charset="-122"/>
+                        </a:rPr>
+                        <a:t>、</a:t>
+                      </a:r>
+                      <a:r>
+                        <a:rPr lang="en-US" altLang="zh-CN" dirty="0" smtClean="0">
+                          <a:latin typeface="宋体" panose="02010600030101010101" pitchFamily="2" charset="-122"/>
+                          <a:ea typeface="宋体" panose="02010600030101010101" pitchFamily="2" charset="-122"/>
+                        </a:rPr>
+                        <a:t>ISO10126Padding</a:t>
+                      </a:r>
+                      <a:endParaRPr lang="zh-CN" altLang="en-US" dirty="0">
+                        <a:latin typeface="宋体" panose="02010600030101010101" pitchFamily="2" charset="-122"/>
+                        <a:ea typeface="宋体" panose="02010600030101010101" pitchFamily="2" charset="-122"/>
+                      </a:endParaRPr>
+                    </a:p>
+                  </a:txBody>
+                  <a:tcPr anchor="ctr">
+                    <a:lnL w="12700" cap="flat" cmpd="sng" algn="ctr">
+                      <a:solidFill>
+                        <a:schemeClr val="tx1"/>
+                      </a:solidFill>
+                      <a:prstDash val="solid"/>
+                      <a:round/>
+                      <a:headEnd type="none" w="med" len="med"/>
+                      <a:tailEnd type="none" w="med" len="med"/>
+                    </a:lnL>
+                    <a:lnR w="12700" cap="flat" cmpd="sng" algn="ctr">
+                      <a:solidFill>
+                        <a:schemeClr val="tx1"/>
+                      </a:solidFill>
+                      <a:prstDash val="solid"/>
+                      <a:round/>
+                      <a:headEnd type="none" w="med" len="med"/>
+                      <a:tailEnd type="none" w="med" len="med"/>
+                    </a:lnR>
+                    <a:lnT w="12700" cap="flat" cmpd="sng" algn="ctr">
+                      <a:solidFill>
+                        <a:schemeClr val="tx1"/>
+                      </a:solidFill>
+                      <a:prstDash val="solid"/>
+                      <a:round/>
+                      <a:headEnd type="none" w="med" len="med"/>
+                      <a:tailEnd type="none" w="med" len="med"/>
+                    </a:lnT>
+                    <a:lnB w="12700" cap="flat" cmpd="sng" algn="ctr">
+                      <a:solidFill>
+                        <a:schemeClr val="tx1"/>
+                      </a:solidFill>
+                      <a:prstDash val="solid"/>
+                      <a:round/>
+                      <a:headEnd type="none" w="med" len="med"/>
+                      <a:tailEnd type="none" w="med" len="med"/>
+                    </a:lnB>
+                  </a:tcPr>
+                </a:tc>
+                <a:extLst>
+                  <a:ext uri="{0D108BD9-81ED-4DB2-BD59-A6C34878D82A}">
+                    <a16:rowId xmlns:a16="http://schemas.microsoft.com/office/drawing/2014/main" val="2478292743"/>
+                  </a:ext>
+                </a:extLst>
+              </a:tr>
+              <a:tr h="1436978">
+                <a:tc>
+                  <a:txBody>
+                    <a:bodyPr/>
+                    <a:lstStyle/>
+                    <a:p>
+                      <a:pPr algn="ctr"/>
+                      <a:r>
+                        <a:rPr lang="en-US" altLang="zh-CN" dirty="0" smtClean="0">
+                          <a:latin typeface="宋体" panose="02010600030101010101" pitchFamily="2" charset="-122"/>
+                          <a:ea typeface="宋体" panose="02010600030101010101" pitchFamily="2" charset="-122"/>
+                        </a:rPr>
+                        <a:t>Bouncy Castle</a:t>
+                      </a:r>
+                      <a:endParaRPr lang="zh-CN" altLang="en-US" dirty="0">
+                        <a:latin typeface="宋体" panose="02010600030101010101" pitchFamily="2" charset="-122"/>
+                        <a:ea typeface="宋体" panose="02010600030101010101" pitchFamily="2" charset="-122"/>
+                      </a:endParaRPr>
+                    </a:p>
+                  </a:txBody>
+                  <a:tcPr anchor="ctr">
+                    <a:lnL w="12700" cap="flat" cmpd="sng" algn="ctr">
+                      <a:solidFill>
+                        <a:schemeClr val="tx1"/>
+                      </a:solidFill>
+                      <a:prstDash val="solid"/>
+                      <a:round/>
+                      <a:headEnd type="none" w="med" len="med"/>
+                      <a:tailEnd type="none" w="med" len="med"/>
+                    </a:lnL>
+                    <a:lnR w="12700" cap="flat" cmpd="sng" algn="ctr">
+                      <a:solidFill>
+                        <a:schemeClr val="tx1"/>
+                      </a:solidFill>
+                      <a:prstDash val="solid"/>
+                      <a:round/>
+                      <a:headEnd type="none" w="med" len="med"/>
+                      <a:tailEnd type="none" w="med" len="med"/>
+                    </a:lnR>
+                    <a:lnT w="12700" cap="flat" cmpd="sng" algn="ctr">
+                      <a:solidFill>
+                        <a:schemeClr val="tx1"/>
+                      </a:solidFill>
+                      <a:prstDash val="solid"/>
+                      <a:round/>
+                      <a:headEnd type="none" w="med" len="med"/>
+                      <a:tailEnd type="none" w="med" len="med"/>
+                    </a:lnT>
+                    <a:lnB w="12700" cap="flat" cmpd="sng" algn="ctr">
+                      <a:solidFill>
+                        <a:schemeClr val="tx1"/>
+                      </a:solidFill>
+                      <a:prstDash val="solid"/>
+                      <a:round/>
+                      <a:headEnd type="none" w="med" len="med"/>
+                      <a:tailEnd type="none" w="med" len="med"/>
+                    </a:lnB>
+                  </a:tcPr>
+                </a:tc>
+                <a:tc>
+                  <a:txBody>
+                    <a:bodyPr/>
+                    <a:lstStyle/>
+                    <a:p>
+                      <a:pPr algn="ctr"/>
+                      <a:r>
+                        <a:rPr lang="en-US" altLang="zh-CN" dirty="0" smtClean="0">
+                          <a:latin typeface="宋体" panose="02010600030101010101" pitchFamily="2" charset="-122"/>
+                          <a:ea typeface="宋体" panose="02010600030101010101" pitchFamily="2" charset="-122"/>
+                        </a:rPr>
+                        <a:t>128</a:t>
+                      </a:r>
+                      <a:r>
+                        <a:rPr lang="zh-CN" altLang="en-US" dirty="0" smtClean="0">
+                          <a:latin typeface="宋体" panose="02010600030101010101" pitchFamily="2" charset="-122"/>
+                          <a:ea typeface="宋体" panose="02010600030101010101" pitchFamily="2" charset="-122"/>
+                        </a:rPr>
+                        <a:t>、</a:t>
+                      </a:r>
+                      <a:r>
+                        <a:rPr lang="en-US" altLang="zh-CN" dirty="0" smtClean="0">
+                          <a:latin typeface="宋体" panose="02010600030101010101" pitchFamily="2" charset="-122"/>
+                          <a:ea typeface="宋体" panose="02010600030101010101" pitchFamily="2" charset="-122"/>
+                        </a:rPr>
+                        <a:t>192</a:t>
+                      </a:r>
+                      <a:endParaRPr lang="zh-CN" altLang="en-US" dirty="0">
+                        <a:latin typeface="宋体" panose="02010600030101010101" pitchFamily="2" charset="-122"/>
+                        <a:ea typeface="宋体" panose="02010600030101010101" pitchFamily="2" charset="-122"/>
+                      </a:endParaRPr>
+                    </a:p>
+                  </a:txBody>
+                  <a:tcPr anchor="ctr">
+                    <a:lnL w="12700" cap="flat" cmpd="sng" algn="ctr">
+                      <a:solidFill>
+                        <a:schemeClr val="tx1"/>
+                      </a:solidFill>
+                      <a:prstDash val="solid"/>
+                      <a:round/>
+                      <a:headEnd type="none" w="med" len="med"/>
+                      <a:tailEnd type="none" w="med" len="med"/>
+                    </a:lnL>
+                    <a:lnR w="12700" cap="flat" cmpd="sng" algn="ctr">
+                      <a:solidFill>
+                        <a:schemeClr val="tx1"/>
+                      </a:solidFill>
+                      <a:prstDash val="solid"/>
+                      <a:round/>
+                      <a:headEnd type="none" w="med" len="med"/>
+                      <a:tailEnd type="none" w="med" len="med"/>
+                    </a:lnR>
+                    <a:lnT w="12700" cap="flat" cmpd="sng" algn="ctr">
+                      <a:solidFill>
+                        <a:schemeClr val="tx1"/>
+                      </a:solidFill>
+                      <a:prstDash val="solid"/>
+                      <a:round/>
+                      <a:headEnd type="none" w="med" len="med"/>
+                      <a:tailEnd type="none" w="med" len="med"/>
+                    </a:lnT>
+                    <a:lnB w="12700" cap="flat" cmpd="sng" algn="ctr">
+                      <a:solidFill>
+                        <a:schemeClr val="tx1"/>
+                      </a:solidFill>
+                      <a:prstDash val="solid"/>
+                      <a:round/>
+                      <a:headEnd type="none" w="med" len="med"/>
+                      <a:tailEnd type="none" w="med" len="med"/>
+                    </a:lnB>
+                  </a:tcPr>
+                </a:tc>
+                <a:tc>
+                  <a:txBody>
+                    <a:bodyPr/>
+                    <a:lstStyle/>
+                    <a:p>
+                      <a:pPr algn="ctr"/>
+                      <a:r>
+                        <a:rPr lang="en-US" altLang="zh-CN" dirty="0" smtClean="0">
+                          <a:latin typeface="宋体" panose="02010600030101010101" pitchFamily="2" charset="-122"/>
+                          <a:ea typeface="宋体" panose="02010600030101010101" pitchFamily="2" charset="-122"/>
+                        </a:rPr>
+                        <a:t>168</a:t>
+                      </a:r>
+                      <a:endParaRPr lang="zh-CN" altLang="en-US" dirty="0">
+                        <a:latin typeface="宋体" panose="02010600030101010101" pitchFamily="2" charset="-122"/>
+                        <a:ea typeface="宋体" panose="02010600030101010101" pitchFamily="2" charset="-122"/>
+                      </a:endParaRPr>
+                    </a:p>
+                  </a:txBody>
+                  <a:tcPr anchor="ctr">
+                    <a:lnL w="12700" cap="flat" cmpd="sng" algn="ctr">
+                      <a:solidFill>
+                        <a:schemeClr val="tx1"/>
+                      </a:solidFill>
+                      <a:prstDash val="solid"/>
+                      <a:round/>
+                      <a:headEnd type="none" w="med" len="med"/>
+                      <a:tailEnd type="none" w="med" len="med"/>
+                    </a:lnL>
+                    <a:lnR w="12700" cap="flat" cmpd="sng" algn="ctr">
+                      <a:solidFill>
+                        <a:schemeClr val="tx1"/>
+                      </a:solidFill>
+                      <a:prstDash val="solid"/>
+                      <a:round/>
+                      <a:headEnd type="none" w="med" len="med"/>
+                      <a:tailEnd type="none" w="med" len="med"/>
+                    </a:lnR>
+                    <a:lnT w="12700" cap="flat" cmpd="sng" algn="ctr">
+                      <a:solidFill>
+                        <a:schemeClr val="tx1"/>
+                      </a:solidFill>
+                      <a:prstDash val="solid"/>
+                      <a:round/>
+                      <a:headEnd type="none" w="med" len="med"/>
+                      <a:tailEnd type="none" w="med" len="med"/>
+                    </a:lnT>
+                    <a:lnB w="12700" cap="flat" cmpd="sng" algn="ctr">
+                      <a:solidFill>
+                        <a:schemeClr val="tx1"/>
+                      </a:solidFill>
+                      <a:prstDash val="solid"/>
+                      <a:round/>
+                      <a:headEnd type="none" w="med" len="med"/>
+                      <a:tailEnd type="none" w="med" len="med"/>
+                    </a:lnB>
+                  </a:tcPr>
+                </a:tc>
+                <a:tc>
+                  <a:txBody>
+                    <a:bodyPr/>
+                    <a:lstStyle/>
+                    <a:p>
+                      <a:pPr algn="ctr"/>
+                      <a:r>
+                        <a:rPr lang="zh-CN" altLang="en-US" dirty="0" smtClean="0">
+                          <a:latin typeface="宋体" panose="02010600030101010101" pitchFamily="2" charset="-122"/>
+                          <a:ea typeface="宋体" panose="02010600030101010101" pitchFamily="2" charset="-122"/>
+                        </a:rPr>
+                        <a:t>同上</a:t>
+                      </a:r>
+                      <a:endParaRPr lang="zh-CN" altLang="en-US" dirty="0">
+                        <a:latin typeface="宋体" panose="02010600030101010101" pitchFamily="2" charset="-122"/>
+                        <a:ea typeface="宋体" panose="02010600030101010101" pitchFamily="2" charset="-122"/>
+                      </a:endParaRPr>
+                    </a:p>
+                  </a:txBody>
+                  <a:tcPr anchor="ctr">
+                    <a:lnL w="12700" cap="flat" cmpd="sng" algn="ctr">
+                      <a:solidFill>
+                        <a:schemeClr val="tx1"/>
+                      </a:solidFill>
+                      <a:prstDash val="solid"/>
+                      <a:round/>
+                      <a:headEnd type="none" w="med" len="med"/>
+                      <a:tailEnd type="none" w="med" len="med"/>
+                    </a:lnL>
+                    <a:lnR w="12700" cap="flat" cmpd="sng" algn="ctr">
+                      <a:solidFill>
+                        <a:schemeClr val="tx1"/>
+                      </a:solidFill>
+                      <a:prstDash val="solid"/>
+                      <a:round/>
+                      <a:headEnd type="none" w="med" len="med"/>
+                      <a:tailEnd type="none" w="med" len="med"/>
+                    </a:lnR>
+                    <a:lnT w="12700" cap="flat" cmpd="sng" algn="ctr">
+                      <a:solidFill>
+                        <a:schemeClr val="tx1"/>
+                      </a:solidFill>
+                      <a:prstDash val="solid"/>
+                      <a:round/>
+                      <a:headEnd type="none" w="med" len="med"/>
+                      <a:tailEnd type="none" w="med" len="med"/>
+                    </a:lnT>
+                    <a:lnB w="12700" cap="flat" cmpd="sng" algn="ctr">
+                      <a:solidFill>
+                        <a:schemeClr val="tx1"/>
+                      </a:solidFill>
+                      <a:prstDash val="solid"/>
+                      <a:round/>
+                      <a:headEnd type="none" w="med" len="med"/>
+                      <a:tailEnd type="none" w="med" len="med"/>
+                    </a:lnB>
+                  </a:tcPr>
+                </a:tc>
+                <a:tc>
+                  <a:txBody>
+                    <a:bodyPr/>
+                    <a:lstStyle/>
+                    <a:p>
+                      <a:pPr algn="ctr"/>
+                      <a:r>
+                        <a:rPr lang="en-US" altLang="zh-CN" dirty="0" smtClean="0">
+                          <a:latin typeface="宋体" panose="02010600030101010101" pitchFamily="2" charset="-122"/>
+                          <a:ea typeface="宋体" panose="02010600030101010101" pitchFamily="2" charset="-122"/>
+                        </a:rPr>
+                        <a:t>PKCS7Padding</a:t>
+                      </a:r>
+                      <a:r>
+                        <a:rPr lang="zh-CN" altLang="en-US" dirty="0" smtClean="0">
+                          <a:latin typeface="宋体" panose="02010600030101010101" pitchFamily="2" charset="-122"/>
+                          <a:ea typeface="宋体" panose="02010600030101010101" pitchFamily="2" charset="-122"/>
+                        </a:rPr>
+                        <a:t>、</a:t>
+                      </a:r>
+                      <a:r>
+                        <a:rPr lang="en-US" altLang="zh-CN" dirty="0" smtClean="0">
+                          <a:latin typeface="宋体" panose="02010600030101010101" pitchFamily="2" charset="-122"/>
+                          <a:ea typeface="宋体" panose="02010600030101010101" pitchFamily="2" charset="-122"/>
+                        </a:rPr>
+                        <a:t>ISO10126d2Padding</a:t>
+                      </a:r>
+                      <a:r>
+                        <a:rPr lang="zh-CN" altLang="en-US" dirty="0" smtClean="0">
+                          <a:latin typeface="宋体" panose="02010600030101010101" pitchFamily="2" charset="-122"/>
+                          <a:ea typeface="宋体" panose="02010600030101010101" pitchFamily="2" charset="-122"/>
+                        </a:rPr>
+                        <a:t>、</a:t>
+                      </a:r>
+                      <a:r>
+                        <a:rPr lang="en-US" altLang="zh-CN" dirty="0" smtClean="0">
+                          <a:latin typeface="宋体" panose="02010600030101010101" pitchFamily="2" charset="-122"/>
+                          <a:ea typeface="宋体" panose="02010600030101010101" pitchFamily="2" charset="-122"/>
+                        </a:rPr>
+                        <a:t/>
+                      </a:r>
+                      <a:br>
+                        <a:rPr lang="en-US" altLang="zh-CN" dirty="0" smtClean="0">
+                          <a:latin typeface="宋体" panose="02010600030101010101" pitchFamily="2" charset="-122"/>
+                          <a:ea typeface="宋体" panose="02010600030101010101" pitchFamily="2" charset="-122"/>
+                        </a:rPr>
+                      </a:br>
+                      <a:r>
+                        <a:rPr lang="en-US" altLang="zh-CN" dirty="0" smtClean="0">
+                          <a:latin typeface="宋体" panose="02010600030101010101" pitchFamily="2" charset="-122"/>
+                          <a:ea typeface="宋体" panose="02010600030101010101" pitchFamily="2" charset="-122"/>
+                        </a:rPr>
+                        <a:t>X932Padding</a:t>
+                      </a:r>
+                      <a:r>
+                        <a:rPr lang="zh-CN" altLang="en-US" dirty="0" smtClean="0">
+                          <a:latin typeface="宋体" panose="02010600030101010101" pitchFamily="2" charset="-122"/>
+                          <a:ea typeface="宋体" panose="02010600030101010101" pitchFamily="2" charset="-122"/>
+                        </a:rPr>
+                        <a:t>、</a:t>
+                      </a:r>
+                      <a:r>
+                        <a:rPr lang="en-US" altLang="zh-CN" dirty="0" smtClean="0">
+                          <a:latin typeface="宋体" panose="02010600030101010101" pitchFamily="2" charset="-122"/>
+                          <a:ea typeface="宋体" panose="02010600030101010101" pitchFamily="2" charset="-122"/>
+                        </a:rPr>
+                        <a:t>ISO7816d4Padding</a:t>
+                      </a:r>
+                      <a:r>
+                        <a:rPr lang="zh-CN" altLang="en-US" dirty="0" smtClean="0">
+                          <a:latin typeface="宋体" panose="02010600030101010101" pitchFamily="2" charset="-122"/>
+                          <a:ea typeface="宋体" panose="02010600030101010101" pitchFamily="2" charset="-122"/>
+                        </a:rPr>
+                        <a:t>、</a:t>
+                      </a:r>
+                      <a:r>
+                        <a:rPr lang="en-US" altLang="zh-CN" dirty="0" smtClean="0">
+                          <a:latin typeface="宋体" panose="02010600030101010101" pitchFamily="2" charset="-122"/>
+                          <a:ea typeface="宋体" panose="02010600030101010101" pitchFamily="2" charset="-122"/>
+                        </a:rPr>
+                        <a:t/>
+                      </a:r>
+                      <a:br>
+                        <a:rPr lang="en-US" altLang="zh-CN" dirty="0" smtClean="0">
+                          <a:latin typeface="宋体" panose="02010600030101010101" pitchFamily="2" charset="-122"/>
+                          <a:ea typeface="宋体" panose="02010600030101010101" pitchFamily="2" charset="-122"/>
+                        </a:rPr>
+                      </a:br>
+                      <a:r>
+                        <a:rPr lang="en-US" altLang="zh-CN" dirty="0" smtClean="0">
+                          <a:latin typeface="宋体" panose="02010600030101010101" pitchFamily="2" charset="-122"/>
+                          <a:ea typeface="宋体" panose="02010600030101010101" pitchFamily="2" charset="-122"/>
+                        </a:rPr>
+                        <a:t>ZeroBytePadding</a:t>
+                      </a:r>
+                      <a:endParaRPr lang="zh-CN" altLang="en-US" dirty="0">
+                        <a:latin typeface="宋体" panose="02010600030101010101" pitchFamily="2" charset="-122"/>
+                        <a:ea typeface="宋体" panose="02010600030101010101" pitchFamily="2" charset="-122"/>
+                      </a:endParaRPr>
+                    </a:p>
+                  </a:txBody>
+                  <a:tcPr anchor="ctr">
+                    <a:lnL w="12700" cap="flat" cmpd="sng" algn="ctr">
+                      <a:solidFill>
+                        <a:schemeClr val="tx1"/>
+                      </a:solidFill>
+                      <a:prstDash val="solid"/>
+                      <a:round/>
+                      <a:headEnd type="none" w="med" len="med"/>
+                      <a:tailEnd type="none" w="med" len="med"/>
+                    </a:lnL>
+                    <a:lnR w="12700" cap="flat" cmpd="sng" algn="ctr">
+                      <a:solidFill>
+                        <a:schemeClr val="tx1"/>
+                      </a:solidFill>
+                      <a:prstDash val="solid"/>
+                      <a:round/>
+                      <a:headEnd type="none" w="med" len="med"/>
+                      <a:tailEnd type="none" w="med" len="med"/>
+                    </a:lnR>
+                    <a:lnT w="12700" cap="flat" cmpd="sng" algn="ctr">
+                      <a:solidFill>
+                        <a:schemeClr val="tx1"/>
+                      </a:solidFill>
+                      <a:prstDash val="solid"/>
+                      <a:round/>
+                      <a:headEnd type="none" w="med" len="med"/>
+                      <a:tailEnd type="none" w="med" len="med"/>
+                    </a:lnT>
+                    <a:lnB w="12700" cap="flat" cmpd="sng" algn="ctr">
+                      <a:solidFill>
+                        <a:schemeClr val="tx1"/>
+                      </a:solidFill>
+                      <a:prstDash val="solid"/>
+                      <a:round/>
+                      <a:headEnd type="none" w="med" len="med"/>
+                      <a:tailEnd type="none" w="med" len="med"/>
+                    </a:lnB>
+                  </a:tcPr>
+                </a:tc>
+                <a:extLst>
+                  <a:ext uri="{0D108BD9-81ED-4DB2-BD59-A6C34878D82A}">
+                    <a16:rowId xmlns:a16="http://schemas.microsoft.com/office/drawing/2014/main" val="3999082340"/>
+                  </a:ext>
+                </a:extLst>
+              </a:tr>
+            </a:tbl>
+          </a:graphicData>
+        </a:graphic>
+      </p:graphicFrame>
+    </p:spTree>
+    <p:extLst>
+      <p:ext uri="{BB962C8B-B14F-4D97-AF65-F5344CB8AC3E}">
+        <p14:creationId xmlns:p14="http://schemas.microsoft.com/office/powerpoint/2010/main" val="184888827"/>
+      </p:ext>
+    </p:extLst>
+  </p:cSld>
+  <p:clrMapOvr>
+    <a:masterClrMapping/>
+  </p:clrMapOvr>
+  <mc:AlternateContent xmlns:mc="http://schemas.openxmlformats.org/markup-compatibility/2006" xmlns:p14="http://schemas.microsoft.com/office/powerpoint/2010/main">
+    <mc:Choice Requires="p14">
+      <p:transition spd="med" p14:dur="700">
+        <p:fade/>
+      </p:transition>
+    </mc:Choice>
+    <mc:Fallback xmlns="">
+      <p:transition spd="med">
+        <p:fade/>
+      </p:transition>
+    </mc:Fallback>
+  </mc:AlternateContent>
+  <p:timing>
+    <p:tnLst>
+      <p:par>
+        <p:cTn id="1" dur="indefinite" restart="never" nodeType="tmRoot"/>
+      </p:par>
+    </p:tnLst>
+  </p:timing>
+</p:sld>
+</file>
+
+<file path=ppt/slides/slide12.xml><?xml version="1.0" encoding="utf-8"?>
+<p:sld xmlns:a="http://schemas.openxmlformats.org/drawingml/2006/main" xmlns:r="http://schemas.openxmlformats.org/officeDocument/2006/relationships" xmlns:p="http://schemas.openxmlformats.org/presentationml/2006/main">
+  <p:cSld>
+    <p:spTree>
+      <p:nvGrpSpPr>
+        <p:cNvPr id="1" name=""/>
+        <p:cNvGrpSpPr/>
+        <p:nvPr/>
+      </p:nvGrpSpPr>
+      <p:grpSpPr>
+        <a:xfrm>
+          <a:off x="0" y="0"/>
+          <a:ext cx="0" cy="0"/>
+          <a:chOff x="0" y="0"/>
+          <a:chExt cx="0" cy="0"/>
+        </a:xfrm>
+      </p:grpSpPr>
+      <p:sp>
+        <p:nvSpPr>
+          <p:cNvPr id="2" name="标题 1"/>
+          <p:cNvSpPr>
+            <a:spLocks noGrp="1"/>
+          </p:cNvSpPr>
+          <p:nvPr>
+            <p:ph type="title"/>
+          </p:nvPr>
+        </p:nvSpPr>
+        <p:spPr/>
+        <p:txBody>
+          <a:bodyPr/>
+          <a:lstStyle/>
+          <a:p>
+            <a:r>
+              <a:rPr lang="en-US" altLang="zh-CN" dirty="0" smtClean="0"/>
+              <a:t>AES</a:t>
+            </a:r>
+            <a:endParaRPr lang="zh-CN" altLang="en-US" dirty="0"/>
+          </a:p>
+        </p:txBody>
+      </p:sp>
+      <p:graphicFrame>
+        <p:nvGraphicFramePr>
+          <p:cNvPr id="6" name="内容占位符 5"/>
+          <p:cNvGraphicFramePr>
+            <a:graphicFrameLocks noGrp="1"/>
+          </p:cNvGraphicFramePr>
+          <p:nvPr>
+            <p:ph idx="1"/>
+            <p:extLst>
+              <p:ext uri="{D42A27DB-BD31-4B8C-83A1-F6EECF244321}">
+                <p14:modId xmlns:p14="http://schemas.microsoft.com/office/powerpoint/2010/main" val="2169984749"/>
+              </p:ext>
+            </p:extLst>
+          </p:nvPr>
+        </p:nvGraphicFramePr>
+        <p:xfrm>
+          <a:off x="1341615" y="1758458"/>
+          <a:ext cx="9982875" cy="3244602"/>
+        </p:xfrm>
+        <a:graphic>
+          <a:graphicData uri="http://schemas.openxmlformats.org/drawingml/2006/table">
+            <a:tbl>
+              <a:tblPr firstRow="1" bandRow="1">
+                <a:tableStyleId>{3C2FFA5D-87B4-456A-9821-1D502468CF0F}</a:tableStyleId>
+              </a:tblPr>
+              <a:tblGrid>
+                <a:gridCol w="1996575">
+                  <a:extLst>
+                    <a:ext uri="{9D8B030D-6E8A-4147-A177-3AD203B41FA5}">
+                      <a16:colId xmlns:a16="http://schemas.microsoft.com/office/drawing/2014/main" val="1393900185"/>
+                    </a:ext>
+                  </a:extLst>
+                </a:gridCol>
+                <a:gridCol w="1188456">
+                  <a:extLst>
+                    <a:ext uri="{9D8B030D-6E8A-4147-A177-3AD203B41FA5}">
+                      <a16:colId xmlns:a16="http://schemas.microsoft.com/office/drawing/2014/main" val="3389078971"/>
+                    </a:ext>
+                  </a:extLst>
+                </a:gridCol>
+                <a:gridCol w="1181288">
+                  <a:extLst>
+                    <a:ext uri="{9D8B030D-6E8A-4147-A177-3AD203B41FA5}">
+                      <a16:colId xmlns:a16="http://schemas.microsoft.com/office/drawing/2014/main" val="655618677"/>
+                    </a:ext>
+                  </a:extLst>
+                </a:gridCol>
+                <a:gridCol w="2831419">
+                  <a:extLst>
+                    <a:ext uri="{9D8B030D-6E8A-4147-A177-3AD203B41FA5}">
+                      <a16:colId xmlns:a16="http://schemas.microsoft.com/office/drawing/2014/main" val="502106572"/>
+                    </a:ext>
+                  </a:extLst>
+                </a:gridCol>
+                <a:gridCol w="2785137">
+                  <a:extLst>
+                    <a:ext uri="{9D8B030D-6E8A-4147-A177-3AD203B41FA5}">
+                      <a16:colId xmlns:a16="http://schemas.microsoft.com/office/drawing/2014/main" val="2796583417"/>
+                    </a:ext>
+                  </a:extLst>
+                </a:gridCol>
+              </a:tblGrid>
+              <a:tr h="628678">
+                <a:tc>
+                  <a:txBody>
+                    <a:bodyPr/>
+                    <a:lstStyle/>
+                    <a:p>
+                      <a:pPr algn="r"/>
+                      <a:r>
+                        <a:rPr lang="zh-CN" altLang="en-US" b="0" dirty="0" smtClean="0">
+                          <a:latin typeface="宋体" panose="02010600030101010101" pitchFamily="2" charset="-122"/>
+                          <a:ea typeface="宋体" panose="02010600030101010101" pitchFamily="2" charset="-122"/>
+                        </a:rPr>
+                        <a:t>特点</a:t>
+                      </a:r>
+                      <a:endParaRPr lang="en-US" altLang="zh-CN" b="0" dirty="0" smtClean="0">
+                        <a:latin typeface="宋体" panose="02010600030101010101" pitchFamily="2" charset="-122"/>
+                        <a:ea typeface="宋体" panose="02010600030101010101" pitchFamily="2" charset="-122"/>
+                      </a:endParaRPr>
+                    </a:p>
+                    <a:p>
+                      <a:r>
+                        <a:rPr lang="zh-CN" altLang="en-US" b="0" dirty="0" smtClean="0">
+                          <a:latin typeface="宋体" panose="02010600030101010101" pitchFamily="2" charset="-122"/>
+                          <a:ea typeface="宋体" panose="02010600030101010101" pitchFamily="2" charset="-122"/>
+                        </a:rPr>
+                        <a:t>实现</a:t>
+                      </a:r>
+                      <a:endParaRPr lang="zh-CN" altLang="en-US" b="0" dirty="0">
+                        <a:latin typeface="宋体" panose="02010600030101010101" pitchFamily="2" charset="-122"/>
+                        <a:ea typeface="宋体" panose="02010600030101010101" pitchFamily="2" charset="-122"/>
+                      </a:endParaRPr>
+                    </a:p>
+                  </a:txBody>
+                  <a:tcPr anchor="ctr">
+                    <a:lnL w="12700" cap="flat" cmpd="sng" algn="ctr">
+                      <a:solidFill>
+                        <a:schemeClr val="tx1"/>
+                      </a:solidFill>
+                      <a:prstDash val="solid"/>
+                      <a:round/>
+                      <a:headEnd type="none" w="med" len="med"/>
+                      <a:tailEnd type="none" w="med" len="med"/>
+                    </a:lnL>
+                    <a:lnR w="12700" cap="flat" cmpd="sng" algn="ctr">
+                      <a:solidFill>
+                        <a:schemeClr val="tx1"/>
+                      </a:solidFill>
+                      <a:prstDash val="solid"/>
+                      <a:round/>
+                      <a:headEnd type="none" w="med" len="med"/>
+                      <a:tailEnd type="none" w="med" len="med"/>
+                    </a:lnR>
+                    <a:lnT w="12700" cap="flat" cmpd="sng" algn="ctr">
+                      <a:solidFill>
+                        <a:schemeClr val="tx1"/>
+                      </a:solidFill>
+                      <a:prstDash val="solid"/>
+                      <a:round/>
+                      <a:headEnd type="none" w="med" len="med"/>
+                      <a:tailEnd type="none" w="med" len="med"/>
+                    </a:lnT>
+                    <a:lnB w="12700" cap="flat" cmpd="sng" algn="ctr">
+                      <a:solidFill>
+                        <a:schemeClr val="tx1"/>
+                      </a:solidFill>
+                      <a:prstDash val="solid"/>
+                      <a:round/>
+                      <a:headEnd type="none" w="med" len="med"/>
+                      <a:tailEnd type="none" w="med" len="med"/>
+                    </a:lnB>
+                    <a:lnTlToBr w="12700" cap="flat" cmpd="sng" algn="ctr">
+                      <a:solidFill>
+                        <a:schemeClr val="tx1"/>
+                      </a:solidFill>
+                      <a:prstDash val="solid"/>
+                      <a:round/>
+                      <a:headEnd type="none" w="med" len="med"/>
+                      <a:tailEnd type="none" w="med" len="med"/>
+                    </a:lnTlToBr>
+                  </a:tcPr>
+                </a:tc>
+                <a:tc>
+                  <a:txBody>
+                    <a:bodyPr/>
+                    <a:lstStyle/>
+                    <a:p>
+                      <a:pPr algn="ctr"/>
+                      <a:r>
+                        <a:rPr lang="zh-CN" altLang="en-US" b="0" dirty="0" smtClean="0">
+                          <a:latin typeface="宋体" panose="02010600030101010101" pitchFamily="2" charset="-122"/>
+                          <a:ea typeface="宋体" panose="02010600030101010101" pitchFamily="2" charset="-122"/>
+                        </a:rPr>
+                        <a:t>秘钥长度</a:t>
+                      </a:r>
+                      <a:endParaRPr lang="zh-CN" altLang="en-US" b="0" dirty="0">
+                        <a:latin typeface="宋体" panose="02010600030101010101" pitchFamily="2" charset="-122"/>
+                        <a:ea typeface="宋体" panose="02010600030101010101" pitchFamily="2" charset="-122"/>
+                      </a:endParaRPr>
+                    </a:p>
+                  </a:txBody>
+                  <a:tcPr anchor="ctr">
+                    <a:lnL w="12700" cap="flat" cmpd="sng" algn="ctr">
+                      <a:solidFill>
+                        <a:schemeClr val="tx1"/>
+                      </a:solidFill>
+                      <a:prstDash val="solid"/>
+                      <a:round/>
+                      <a:headEnd type="none" w="med" len="med"/>
+                      <a:tailEnd type="none" w="med" len="med"/>
+                    </a:lnL>
+                    <a:lnR w="12700" cap="flat" cmpd="sng" algn="ctr">
+                      <a:solidFill>
+                        <a:schemeClr val="tx1"/>
+                      </a:solidFill>
+                      <a:prstDash val="solid"/>
+                      <a:round/>
+                      <a:headEnd type="none" w="med" len="med"/>
+                      <a:tailEnd type="none" w="med" len="med"/>
+                    </a:lnR>
+                    <a:lnT w="12700" cap="flat" cmpd="sng" algn="ctr">
+                      <a:solidFill>
+                        <a:schemeClr val="tx1"/>
+                      </a:solidFill>
+                      <a:prstDash val="solid"/>
+                      <a:round/>
+                      <a:headEnd type="none" w="med" len="med"/>
+                      <a:tailEnd type="none" w="med" len="med"/>
+                    </a:lnT>
+                    <a:lnB w="12700" cap="flat" cmpd="sng" algn="ctr">
+                      <a:solidFill>
+                        <a:schemeClr val="tx1"/>
+                      </a:solidFill>
+                      <a:prstDash val="solid"/>
+                      <a:round/>
+                      <a:headEnd type="none" w="med" len="med"/>
+                      <a:tailEnd type="none" w="med" len="med"/>
+                    </a:lnB>
+                  </a:tcPr>
+                </a:tc>
+                <a:tc>
+                  <a:txBody>
+                    <a:bodyPr/>
+                    <a:lstStyle/>
+                    <a:p>
+                      <a:pPr algn="ctr"/>
+                      <a:r>
+                        <a:rPr lang="zh-CN" altLang="en-US" b="0" dirty="0" smtClean="0">
+                          <a:latin typeface="宋体" panose="02010600030101010101" pitchFamily="2" charset="-122"/>
+                          <a:ea typeface="宋体" panose="02010600030101010101" pitchFamily="2" charset="-122"/>
+                        </a:rPr>
+                        <a:t>秘钥长度默认值</a:t>
+                      </a:r>
+                      <a:endParaRPr lang="zh-CN" altLang="en-US" b="0" dirty="0">
+                        <a:latin typeface="宋体" panose="02010600030101010101" pitchFamily="2" charset="-122"/>
+                        <a:ea typeface="宋体" panose="02010600030101010101" pitchFamily="2" charset="-122"/>
+                      </a:endParaRPr>
+                    </a:p>
+                  </a:txBody>
+                  <a:tcPr anchor="ctr">
+                    <a:lnL w="12700" cap="flat" cmpd="sng" algn="ctr">
+                      <a:solidFill>
+                        <a:schemeClr val="tx1"/>
+                      </a:solidFill>
+                      <a:prstDash val="solid"/>
+                      <a:round/>
+                      <a:headEnd type="none" w="med" len="med"/>
+                      <a:tailEnd type="none" w="med" len="med"/>
+                    </a:lnL>
+                    <a:lnR w="12700" cap="flat" cmpd="sng" algn="ctr">
+                      <a:solidFill>
+                        <a:schemeClr val="tx1"/>
+                      </a:solidFill>
+                      <a:prstDash val="solid"/>
+                      <a:round/>
+                      <a:headEnd type="none" w="med" len="med"/>
+                      <a:tailEnd type="none" w="med" len="med"/>
+                    </a:lnR>
+                    <a:lnT w="12700" cap="flat" cmpd="sng" algn="ctr">
+                      <a:solidFill>
+                        <a:schemeClr val="tx1"/>
+                      </a:solidFill>
+                      <a:prstDash val="solid"/>
+                      <a:round/>
+                      <a:headEnd type="none" w="med" len="med"/>
+                      <a:tailEnd type="none" w="med" len="med"/>
+                    </a:lnT>
+                    <a:lnB w="12700" cap="flat" cmpd="sng" algn="ctr">
+                      <a:solidFill>
+                        <a:schemeClr val="tx1"/>
+                      </a:solidFill>
+                      <a:prstDash val="solid"/>
+                      <a:round/>
+                      <a:headEnd type="none" w="med" len="med"/>
+                      <a:tailEnd type="none" w="med" len="med"/>
+                    </a:lnB>
+                  </a:tcPr>
+                </a:tc>
+                <a:tc>
+                  <a:txBody>
+                    <a:bodyPr/>
+                    <a:lstStyle/>
+                    <a:p>
+                      <a:pPr algn="ctr"/>
+                      <a:r>
+                        <a:rPr lang="zh-CN" altLang="en-US" b="0" dirty="0" smtClean="0">
+                          <a:latin typeface="宋体" panose="02010600030101010101" pitchFamily="2" charset="-122"/>
+                          <a:ea typeface="宋体" panose="02010600030101010101" pitchFamily="2" charset="-122"/>
+                        </a:rPr>
+                        <a:t>工作模式</a:t>
+                      </a:r>
+                      <a:endParaRPr lang="zh-CN" altLang="en-US" b="0" dirty="0">
+                        <a:latin typeface="宋体" panose="02010600030101010101" pitchFamily="2" charset="-122"/>
+                        <a:ea typeface="宋体" panose="02010600030101010101" pitchFamily="2" charset="-122"/>
+                      </a:endParaRPr>
+                    </a:p>
+                  </a:txBody>
+                  <a:tcPr anchor="ctr">
+                    <a:lnL w="12700" cap="flat" cmpd="sng" algn="ctr">
+                      <a:solidFill>
+                        <a:schemeClr val="tx1"/>
+                      </a:solidFill>
+                      <a:prstDash val="solid"/>
+                      <a:round/>
+                      <a:headEnd type="none" w="med" len="med"/>
+                      <a:tailEnd type="none" w="med" len="med"/>
+                    </a:lnL>
+                    <a:lnR w="12700" cap="flat" cmpd="sng" algn="ctr">
+                      <a:solidFill>
+                        <a:schemeClr val="tx1"/>
+                      </a:solidFill>
+                      <a:prstDash val="solid"/>
+                      <a:round/>
+                      <a:headEnd type="none" w="med" len="med"/>
+                      <a:tailEnd type="none" w="med" len="med"/>
+                    </a:lnR>
+                    <a:lnT w="12700" cap="flat" cmpd="sng" algn="ctr">
+                      <a:solidFill>
+                        <a:schemeClr val="tx1"/>
+                      </a:solidFill>
+                      <a:prstDash val="solid"/>
+                      <a:round/>
+                      <a:headEnd type="none" w="med" len="med"/>
+                      <a:tailEnd type="none" w="med" len="med"/>
+                    </a:lnT>
+                    <a:lnB w="12700" cap="flat" cmpd="sng" algn="ctr">
+                      <a:solidFill>
+                        <a:schemeClr val="tx1"/>
+                      </a:solidFill>
+                      <a:prstDash val="solid"/>
+                      <a:round/>
+                      <a:headEnd type="none" w="med" len="med"/>
+                      <a:tailEnd type="none" w="med" len="med"/>
+                    </a:lnB>
+                  </a:tcPr>
+                </a:tc>
+                <a:tc>
+                  <a:txBody>
+                    <a:bodyPr/>
+                    <a:lstStyle/>
+                    <a:p>
+                      <a:pPr algn="ctr"/>
+                      <a:r>
+                        <a:rPr lang="zh-CN" altLang="en-US" b="0" dirty="0" smtClean="0">
+                          <a:latin typeface="宋体" panose="02010600030101010101" pitchFamily="2" charset="-122"/>
+                          <a:ea typeface="宋体" panose="02010600030101010101" pitchFamily="2" charset="-122"/>
+                        </a:rPr>
+                        <a:t>填充方式</a:t>
+                      </a:r>
+                      <a:endParaRPr lang="zh-CN" altLang="en-US" b="0" dirty="0">
+                        <a:latin typeface="宋体" panose="02010600030101010101" pitchFamily="2" charset="-122"/>
+                        <a:ea typeface="宋体" panose="02010600030101010101" pitchFamily="2" charset="-122"/>
+                      </a:endParaRPr>
+                    </a:p>
+                  </a:txBody>
+                  <a:tcPr anchor="ctr">
+                    <a:lnL w="12700" cap="flat" cmpd="sng" algn="ctr">
+                      <a:solidFill>
+                        <a:schemeClr val="tx1"/>
+                      </a:solidFill>
+                      <a:prstDash val="solid"/>
+                      <a:round/>
+                      <a:headEnd type="none" w="med" len="med"/>
+                      <a:tailEnd type="none" w="med" len="med"/>
+                    </a:lnL>
+                    <a:lnR w="12700" cap="flat" cmpd="sng" algn="ctr">
+                      <a:solidFill>
+                        <a:schemeClr val="tx1"/>
+                      </a:solidFill>
+                      <a:prstDash val="solid"/>
+                      <a:round/>
+                      <a:headEnd type="none" w="med" len="med"/>
+                      <a:tailEnd type="none" w="med" len="med"/>
+                    </a:lnR>
+                    <a:lnT w="12700" cap="flat" cmpd="sng" algn="ctr">
+                      <a:solidFill>
+                        <a:schemeClr val="tx1"/>
+                      </a:solidFill>
+                      <a:prstDash val="solid"/>
+                      <a:round/>
+                      <a:headEnd type="none" w="med" len="med"/>
+                      <a:tailEnd type="none" w="med" len="med"/>
+                    </a:lnT>
+                    <a:lnB w="12700" cap="flat" cmpd="sng" algn="ctr">
+                      <a:solidFill>
+                        <a:schemeClr val="tx1"/>
+                      </a:solidFill>
+                      <a:prstDash val="solid"/>
+                      <a:round/>
+                      <a:headEnd type="none" w="med" len="med"/>
+                      <a:tailEnd type="none" w="med" len="med"/>
+                    </a:lnB>
+                  </a:tcPr>
+                </a:tc>
+                <a:extLst>
+                  <a:ext uri="{0D108BD9-81ED-4DB2-BD59-A6C34878D82A}">
+                    <a16:rowId xmlns:a16="http://schemas.microsoft.com/office/drawing/2014/main" val="222512411"/>
+                  </a:ext>
+                </a:extLst>
+              </a:tr>
+              <a:tr h="1167544">
+                <a:tc>
+                  <a:txBody>
+                    <a:bodyPr/>
+                    <a:lstStyle/>
+                    <a:p>
+                      <a:pPr algn="ctr"/>
+                      <a:r>
+                        <a:rPr lang="en-US" altLang="zh-CN" dirty="0" smtClean="0">
+                          <a:latin typeface="宋体" panose="02010600030101010101" pitchFamily="2" charset="-122"/>
+                          <a:ea typeface="宋体" panose="02010600030101010101" pitchFamily="2" charset="-122"/>
+                        </a:rPr>
+                        <a:t>JDK</a:t>
+                      </a:r>
+                      <a:endParaRPr lang="zh-CN" altLang="en-US" dirty="0">
+                        <a:latin typeface="宋体" panose="02010600030101010101" pitchFamily="2" charset="-122"/>
+                        <a:ea typeface="宋体" panose="02010600030101010101" pitchFamily="2" charset="-122"/>
+                      </a:endParaRPr>
+                    </a:p>
+                  </a:txBody>
+                  <a:tcPr anchor="ctr">
+                    <a:lnL w="12700" cap="flat" cmpd="sng" algn="ctr">
+                      <a:solidFill>
+                        <a:schemeClr val="tx1"/>
+                      </a:solidFill>
+                      <a:prstDash val="solid"/>
+                      <a:round/>
+                      <a:headEnd type="none" w="med" len="med"/>
+                      <a:tailEnd type="none" w="med" len="med"/>
+                    </a:lnL>
+                    <a:lnR w="12700" cap="flat" cmpd="sng" algn="ctr">
+                      <a:solidFill>
+                        <a:schemeClr val="tx1"/>
+                      </a:solidFill>
+                      <a:prstDash val="solid"/>
+                      <a:round/>
+                      <a:headEnd type="none" w="med" len="med"/>
+                      <a:tailEnd type="none" w="med" len="med"/>
+                    </a:lnR>
+                    <a:lnT w="12700" cap="flat" cmpd="sng" algn="ctr">
+                      <a:solidFill>
+                        <a:schemeClr val="tx1"/>
+                      </a:solidFill>
+                      <a:prstDash val="solid"/>
+                      <a:round/>
+                      <a:headEnd type="none" w="med" len="med"/>
+                      <a:tailEnd type="none" w="med" len="med"/>
+                    </a:lnT>
+                    <a:lnB w="12700" cap="flat" cmpd="sng" algn="ctr">
+                      <a:solidFill>
+                        <a:schemeClr val="tx1"/>
+                      </a:solidFill>
+                      <a:prstDash val="solid"/>
+                      <a:round/>
+                      <a:headEnd type="none" w="med" len="med"/>
+                      <a:tailEnd type="none" w="med" len="med"/>
+                    </a:lnB>
+                  </a:tcPr>
+                </a:tc>
+                <a:tc>
+                  <a:txBody>
+                    <a:bodyPr/>
+                    <a:lstStyle/>
+                    <a:p>
+                      <a:pPr algn="ctr"/>
+                      <a:r>
+                        <a:rPr lang="en-US" altLang="zh-CN" dirty="0" smtClean="0">
+                          <a:latin typeface="宋体" panose="02010600030101010101" pitchFamily="2" charset="-122"/>
+                          <a:ea typeface="宋体" panose="02010600030101010101" pitchFamily="2" charset="-122"/>
+                        </a:rPr>
+                        <a:t>128</a:t>
+                      </a:r>
+                      <a:r>
+                        <a:rPr lang="zh-CN" altLang="en-US" dirty="0" smtClean="0">
+                          <a:latin typeface="宋体" panose="02010600030101010101" pitchFamily="2" charset="-122"/>
+                          <a:ea typeface="宋体" panose="02010600030101010101" pitchFamily="2" charset="-122"/>
+                        </a:rPr>
+                        <a:t>、</a:t>
+                      </a:r>
+                      <a:r>
+                        <a:rPr lang="en-US" altLang="zh-CN" dirty="0" smtClean="0">
+                          <a:solidFill>
+                            <a:srgbClr val="C00000"/>
+                          </a:solidFill>
+                          <a:latin typeface="宋体" panose="02010600030101010101" pitchFamily="2" charset="-122"/>
+                          <a:ea typeface="宋体" panose="02010600030101010101" pitchFamily="2" charset="-122"/>
+                        </a:rPr>
+                        <a:t>192</a:t>
+                      </a:r>
+                      <a:r>
+                        <a:rPr lang="zh-CN" altLang="en-US" dirty="0" smtClean="0">
+                          <a:latin typeface="宋体" panose="02010600030101010101" pitchFamily="2" charset="-122"/>
+                          <a:ea typeface="宋体" panose="02010600030101010101" pitchFamily="2" charset="-122"/>
+                        </a:rPr>
+                        <a:t>、</a:t>
+                      </a:r>
+                      <a:r>
+                        <a:rPr lang="en-US" altLang="zh-CN" dirty="0" smtClean="0">
+                          <a:solidFill>
+                            <a:srgbClr val="C00000"/>
+                          </a:solidFill>
+                          <a:latin typeface="宋体" panose="02010600030101010101" pitchFamily="2" charset="-122"/>
+                          <a:ea typeface="宋体" panose="02010600030101010101" pitchFamily="2" charset="-122"/>
+                        </a:rPr>
+                        <a:t>256</a:t>
+                      </a:r>
+                      <a:endParaRPr lang="zh-CN" altLang="en-US" dirty="0">
+                        <a:solidFill>
+                          <a:srgbClr val="C00000"/>
+                        </a:solidFill>
+                        <a:latin typeface="宋体" panose="02010600030101010101" pitchFamily="2" charset="-122"/>
+                        <a:ea typeface="宋体" panose="02010600030101010101" pitchFamily="2" charset="-122"/>
+                      </a:endParaRPr>
+                    </a:p>
+                  </a:txBody>
+                  <a:tcPr anchor="ctr">
+                    <a:lnL w="12700" cap="flat" cmpd="sng" algn="ctr">
+                      <a:solidFill>
+                        <a:schemeClr val="tx1"/>
+                      </a:solidFill>
+                      <a:prstDash val="solid"/>
+                      <a:round/>
+                      <a:headEnd type="none" w="med" len="med"/>
+                      <a:tailEnd type="none" w="med" len="med"/>
+                    </a:lnL>
+                    <a:lnR w="12700" cap="flat" cmpd="sng" algn="ctr">
+                      <a:solidFill>
+                        <a:schemeClr val="tx1"/>
+                      </a:solidFill>
+                      <a:prstDash val="solid"/>
+                      <a:round/>
+                      <a:headEnd type="none" w="med" len="med"/>
+                      <a:tailEnd type="none" w="med" len="med"/>
+                    </a:lnR>
+                    <a:lnT w="12700" cap="flat" cmpd="sng" algn="ctr">
+                      <a:solidFill>
+                        <a:schemeClr val="tx1"/>
+                      </a:solidFill>
+                      <a:prstDash val="solid"/>
+                      <a:round/>
+                      <a:headEnd type="none" w="med" len="med"/>
+                      <a:tailEnd type="none" w="med" len="med"/>
+                    </a:lnT>
+                    <a:lnB w="12700" cap="flat" cmpd="sng" algn="ctr">
+                      <a:solidFill>
+                        <a:schemeClr val="tx1"/>
+                      </a:solidFill>
+                      <a:prstDash val="solid"/>
+                      <a:round/>
+                      <a:headEnd type="none" w="med" len="med"/>
+                      <a:tailEnd type="none" w="med" len="med"/>
+                    </a:lnB>
+                  </a:tcPr>
+                </a:tc>
+                <a:tc>
+                  <a:txBody>
+                    <a:bodyPr/>
+                    <a:lstStyle/>
+                    <a:p>
+                      <a:pPr algn="ctr"/>
+                      <a:r>
+                        <a:rPr lang="en-US" altLang="zh-CN" dirty="0" smtClean="0">
+                          <a:latin typeface="宋体" panose="02010600030101010101" pitchFamily="2" charset="-122"/>
+                          <a:ea typeface="宋体" panose="02010600030101010101" pitchFamily="2" charset="-122"/>
+                        </a:rPr>
+                        <a:t>128</a:t>
+                      </a:r>
+                      <a:endParaRPr lang="zh-CN" altLang="en-US" dirty="0">
+                        <a:latin typeface="宋体" panose="02010600030101010101" pitchFamily="2" charset="-122"/>
+                        <a:ea typeface="宋体" panose="02010600030101010101" pitchFamily="2" charset="-122"/>
+                      </a:endParaRPr>
+                    </a:p>
+                  </a:txBody>
+                  <a:tcPr anchor="ctr">
+                    <a:lnL w="12700" cap="flat" cmpd="sng" algn="ctr">
+                      <a:solidFill>
+                        <a:schemeClr val="tx1"/>
+                      </a:solidFill>
+                      <a:prstDash val="solid"/>
+                      <a:round/>
+                      <a:headEnd type="none" w="med" len="med"/>
+                      <a:tailEnd type="none" w="med" len="med"/>
+                    </a:lnL>
+                    <a:lnR w="12700" cap="flat" cmpd="sng" algn="ctr">
+                      <a:solidFill>
+                        <a:schemeClr val="tx1"/>
+                      </a:solidFill>
+                      <a:prstDash val="solid"/>
+                      <a:round/>
+                      <a:headEnd type="none" w="med" len="med"/>
+                      <a:tailEnd type="none" w="med" len="med"/>
+                    </a:lnR>
+                    <a:lnT w="12700" cap="flat" cmpd="sng" algn="ctr">
+                      <a:solidFill>
+                        <a:schemeClr val="tx1"/>
+                      </a:solidFill>
+                      <a:prstDash val="solid"/>
+                      <a:round/>
+                      <a:headEnd type="none" w="med" len="med"/>
+                      <a:tailEnd type="none" w="med" len="med"/>
+                    </a:lnT>
+                    <a:lnB w="12700" cap="flat" cmpd="sng" algn="ctr">
+                      <a:solidFill>
+                        <a:schemeClr val="tx1"/>
+                      </a:solidFill>
+                      <a:prstDash val="solid"/>
+                      <a:round/>
+                      <a:headEnd type="none" w="med" len="med"/>
+                      <a:tailEnd type="none" w="med" len="med"/>
+                    </a:lnB>
+                  </a:tcPr>
+                </a:tc>
+                <a:tc>
+                  <a:txBody>
+                    <a:bodyPr/>
+                    <a:lstStyle/>
+                    <a:p>
+                      <a:pPr algn="ctr"/>
+                      <a:r>
+                        <a:rPr lang="en-US" altLang="zh-CN" dirty="0" smtClean="0">
+                          <a:latin typeface="宋体" panose="02010600030101010101" pitchFamily="2" charset="-122"/>
+                          <a:ea typeface="宋体" panose="02010600030101010101" pitchFamily="2" charset="-122"/>
+                        </a:rPr>
+                        <a:t>ECB</a:t>
+                      </a:r>
+                      <a:r>
+                        <a:rPr lang="zh-CN" altLang="en-US" dirty="0" smtClean="0">
+                          <a:latin typeface="宋体" panose="02010600030101010101" pitchFamily="2" charset="-122"/>
+                          <a:ea typeface="宋体" panose="02010600030101010101" pitchFamily="2" charset="-122"/>
+                        </a:rPr>
+                        <a:t>、</a:t>
+                      </a:r>
+                      <a:r>
+                        <a:rPr lang="en-US" altLang="zh-CN" dirty="0" smtClean="0">
+                          <a:latin typeface="宋体" panose="02010600030101010101" pitchFamily="2" charset="-122"/>
+                          <a:ea typeface="宋体" panose="02010600030101010101" pitchFamily="2" charset="-122"/>
+                        </a:rPr>
+                        <a:t>CBC</a:t>
+                      </a:r>
+                      <a:r>
+                        <a:rPr lang="zh-CN" altLang="en-US" dirty="0" smtClean="0">
+                          <a:latin typeface="宋体" panose="02010600030101010101" pitchFamily="2" charset="-122"/>
+                          <a:ea typeface="宋体" panose="02010600030101010101" pitchFamily="2" charset="-122"/>
+                        </a:rPr>
+                        <a:t>、</a:t>
+                      </a:r>
+                      <a:r>
+                        <a:rPr lang="en-US" altLang="zh-CN" dirty="0" smtClean="0">
+                          <a:latin typeface="宋体" panose="02010600030101010101" pitchFamily="2" charset="-122"/>
+                          <a:ea typeface="宋体" panose="02010600030101010101" pitchFamily="2" charset="-122"/>
+                        </a:rPr>
+                        <a:t>PCBC</a:t>
+                      </a:r>
+                      <a:r>
+                        <a:rPr lang="zh-CN" altLang="en-US" dirty="0" smtClean="0">
+                          <a:latin typeface="宋体" panose="02010600030101010101" pitchFamily="2" charset="-122"/>
+                          <a:ea typeface="宋体" panose="02010600030101010101" pitchFamily="2" charset="-122"/>
+                        </a:rPr>
+                        <a:t>、</a:t>
+                      </a:r>
+                      <a:r>
+                        <a:rPr lang="en-US" altLang="zh-CN" dirty="0" smtClean="0">
+                          <a:latin typeface="宋体" panose="02010600030101010101" pitchFamily="2" charset="-122"/>
+                          <a:ea typeface="宋体" panose="02010600030101010101" pitchFamily="2" charset="-122"/>
+                        </a:rPr>
+                        <a:t>CTR</a:t>
+                      </a:r>
+                      <a:r>
+                        <a:rPr lang="zh-CN" altLang="en-US" dirty="0" smtClean="0">
+                          <a:latin typeface="宋体" panose="02010600030101010101" pitchFamily="2" charset="-122"/>
+                          <a:ea typeface="宋体" panose="02010600030101010101" pitchFamily="2" charset="-122"/>
+                        </a:rPr>
+                        <a:t>、</a:t>
+                      </a:r>
+                      <a:r>
+                        <a:rPr lang="en-US" altLang="zh-CN" dirty="0" smtClean="0">
+                          <a:latin typeface="宋体" panose="02010600030101010101" pitchFamily="2" charset="-122"/>
+                          <a:ea typeface="宋体" panose="02010600030101010101" pitchFamily="2" charset="-122"/>
+                        </a:rPr>
+                        <a:t>CTS</a:t>
+                      </a:r>
+                      <a:r>
+                        <a:rPr lang="zh-CN" altLang="en-US" dirty="0" smtClean="0">
+                          <a:latin typeface="宋体" panose="02010600030101010101" pitchFamily="2" charset="-122"/>
+                          <a:ea typeface="宋体" panose="02010600030101010101" pitchFamily="2" charset="-122"/>
+                        </a:rPr>
+                        <a:t>、</a:t>
+                      </a:r>
+                      <a:r>
+                        <a:rPr lang="en-US" altLang="zh-CN" dirty="0" smtClean="0">
+                          <a:latin typeface="宋体" panose="02010600030101010101" pitchFamily="2" charset="-122"/>
+                          <a:ea typeface="宋体" panose="02010600030101010101" pitchFamily="2" charset="-122"/>
+                        </a:rPr>
+                        <a:t>CFB</a:t>
+                      </a:r>
+                      <a:r>
+                        <a:rPr lang="zh-CN" altLang="en-US" dirty="0" smtClean="0">
+                          <a:latin typeface="宋体" panose="02010600030101010101" pitchFamily="2" charset="-122"/>
+                          <a:ea typeface="宋体" panose="02010600030101010101" pitchFamily="2" charset="-122"/>
+                        </a:rPr>
+                        <a:t>、</a:t>
+                      </a:r>
+                      <a:r>
+                        <a:rPr lang="en-US" altLang="zh-CN" dirty="0" smtClean="0">
+                          <a:latin typeface="宋体" panose="02010600030101010101" pitchFamily="2" charset="-122"/>
+                          <a:ea typeface="宋体" panose="02010600030101010101" pitchFamily="2" charset="-122"/>
+                        </a:rPr>
+                        <a:t>CFB8-CFB128</a:t>
+                      </a:r>
+                      <a:r>
+                        <a:rPr lang="zh-CN" altLang="en-US" dirty="0" smtClean="0">
+                          <a:latin typeface="宋体" panose="02010600030101010101" pitchFamily="2" charset="-122"/>
+                          <a:ea typeface="宋体" panose="02010600030101010101" pitchFamily="2" charset="-122"/>
+                        </a:rPr>
+                        <a:t>、</a:t>
+                      </a:r>
+                      <a:r>
+                        <a:rPr lang="en-US" altLang="zh-CN" dirty="0" smtClean="0">
+                          <a:latin typeface="宋体" panose="02010600030101010101" pitchFamily="2" charset="-122"/>
+                          <a:ea typeface="宋体" panose="02010600030101010101" pitchFamily="2" charset="-122"/>
+                        </a:rPr>
+                        <a:t>OFB</a:t>
+                      </a:r>
+                      <a:r>
+                        <a:rPr lang="zh-CN" altLang="en-US" dirty="0" smtClean="0">
+                          <a:latin typeface="宋体" panose="02010600030101010101" pitchFamily="2" charset="-122"/>
+                          <a:ea typeface="宋体" panose="02010600030101010101" pitchFamily="2" charset="-122"/>
+                        </a:rPr>
+                        <a:t>、</a:t>
+                      </a:r>
+                      <a:r>
+                        <a:rPr lang="en-US" altLang="zh-CN" dirty="0" smtClean="0">
+                          <a:latin typeface="宋体" panose="02010600030101010101" pitchFamily="2" charset="-122"/>
+                          <a:ea typeface="宋体" panose="02010600030101010101" pitchFamily="2" charset="-122"/>
+                        </a:rPr>
+                        <a:t>OFB8-OFB128</a:t>
+                      </a:r>
+                      <a:endParaRPr lang="zh-CN" altLang="en-US" dirty="0">
+                        <a:latin typeface="宋体" panose="02010600030101010101" pitchFamily="2" charset="-122"/>
+                        <a:ea typeface="宋体" panose="02010600030101010101" pitchFamily="2" charset="-122"/>
+                      </a:endParaRPr>
+                    </a:p>
+                  </a:txBody>
+                  <a:tcPr anchor="ctr">
+                    <a:lnL w="12700" cap="flat" cmpd="sng" algn="ctr">
+                      <a:solidFill>
+                        <a:schemeClr val="tx1"/>
+                      </a:solidFill>
+                      <a:prstDash val="solid"/>
+                      <a:round/>
+                      <a:headEnd type="none" w="med" len="med"/>
+                      <a:tailEnd type="none" w="med" len="med"/>
+                    </a:lnL>
+                    <a:lnR w="12700" cap="flat" cmpd="sng" algn="ctr">
+                      <a:solidFill>
+                        <a:schemeClr val="tx1"/>
+                      </a:solidFill>
+                      <a:prstDash val="solid"/>
+                      <a:round/>
+                      <a:headEnd type="none" w="med" len="med"/>
+                      <a:tailEnd type="none" w="med" len="med"/>
+                    </a:lnR>
+                    <a:lnT w="12700" cap="flat" cmpd="sng" algn="ctr">
+                      <a:solidFill>
+                        <a:schemeClr val="tx1"/>
+                      </a:solidFill>
+                      <a:prstDash val="solid"/>
+                      <a:round/>
+                      <a:headEnd type="none" w="med" len="med"/>
+                      <a:tailEnd type="none" w="med" len="med"/>
+                    </a:lnT>
+                    <a:lnB w="12700" cap="flat" cmpd="sng" algn="ctr">
+                      <a:solidFill>
+                        <a:schemeClr val="tx1"/>
+                      </a:solidFill>
+                      <a:prstDash val="solid"/>
+                      <a:round/>
+                      <a:headEnd type="none" w="med" len="med"/>
+                      <a:tailEnd type="none" w="med" len="med"/>
+                    </a:lnB>
+                  </a:tcPr>
+                </a:tc>
+                <a:tc>
+                  <a:txBody>
+                    <a:bodyPr/>
+                    <a:lstStyle/>
+                    <a:p>
+                      <a:pPr algn="ctr"/>
+                      <a:r>
+                        <a:rPr lang="en-US" altLang="zh-CN" dirty="0" smtClean="0">
+                          <a:latin typeface="宋体" panose="02010600030101010101" pitchFamily="2" charset="-122"/>
+                          <a:ea typeface="宋体" panose="02010600030101010101" pitchFamily="2" charset="-122"/>
+                        </a:rPr>
+                        <a:t>NoPadding</a:t>
+                      </a:r>
+                      <a:r>
+                        <a:rPr lang="zh-CN" altLang="en-US" dirty="0" smtClean="0">
+                          <a:latin typeface="宋体" panose="02010600030101010101" pitchFamily="2" charset="-122"/>
+                          <a:ea typeface="宋体" panose="02010600030101010101" pitchFamily="2" charset="-122"/>
+                        </a:rPr>
+                        <a:t>、</a:t>
+                      </a:r>
+                      <a:r>
+                        <a:rPr lang="en-US" altLang="zh-CN" dirty="0" smtClean="0">
+                          <a:latin typeface="宋体" panose="02010600030101010101" pitchFamily="2" charset="-122"/>
+                          <a:ea typeface="宋体" panose="02010600030101010101" pitchFamily="2" charset="-122"/>
+                        </a:rPr>
+                        <a:t>PKCS5Padding</a:t>
+                      </a:r>
+                      <a:r>
+                        <a:rPr lang="zh-CN" altLang="en-US" dirty="0" smtClean="0">
+                          <a:latin typeface="宋体" panose="02010600030101010101" pitchFamily="2" charset="-122"/>
+                          <a:ea typeface="宋体" panose="02010600030101010101" pitchFamily="2" charset="-122"/>
+                        </a:rPr>
+                        <a:t>、</a:t>
+                      </a:r>
+                      <a:r>
+                        <a:rPr lang="en-US" altLang="zh-CN" dirty="0" smtClean="0">
+                          <a:latin typeface="宋体" panose="02010600030101010101" pitchFamily="2" charset="-122"/>
+                          <a:ea typeface="宋体" panose="02010600030101010101" pitchFamily="2" charset="-122"/>
+                        </a:rPr>
+                        <a:t>ISO10126Padding</a:t>
+                      </a:r>
+                      <a:endParaRPr lang="zh-CN" altLang="en-US" dirty="0">
+                        <a:latin typeface="宋体" panose="02010600030101010101" pitchFamily="2" charset="-122"/>
+                        <a:ea typeface="宋体" panose="02010600030101010101" pitchFamily="2" charset="-122"/>
+                      </a:endParaRPr>
+                    </a:p>
+                  </a:txBody>
+                  <a:tcPr anchor="ctr">
+                    <a:lnL w="12700" cap="flat" cmpd="sng" algn="ctr">
+                      <a:solidFill>
+                        <a:schemeClr val="tx1"/>
+                      </a:solidFill>
+                      <a:prstDash val="solid"/>
+                      <a:round/>
+                      <a:headEnd type="none" w="med" len="med"/>
+                      <a:tailEnd type="none" w="med" len="med"/>
+                    </a:lnL>
+                    <a:lnR w="12700" cap="flat" cmpd="sng" algn="ctr">
+                      <a:solidFill>
+                        <a:schemeClr val="tx1"/>
+                      </a:solidFill>
+                      <a:prstDash val="solid"/>
+                      <a:round/>
+                      <a:headEnd type="none" w="med" len="med"/>
+                      <a:tailEnd type="none" w="med" len="med"/>
+                    </a:lnR>
+                    <a:lnT w="12700" cap="flat" cmpd="sng" algn="ctr">
+                      <a:solidFill>
+                        <a:schemeClr val="tx1"/>
+                      </a:solidFill>
+                      <a:prstDash val="solid"/>
+                      <a:round/>
+                      <a:headEnd type="none" w="med" len="med"/>
+                      <a:tailEnd type="none" w="med" len="med"/>
+                    </a:lnT>
+                    <a:lnB w="12700" cap="flat" cmpd="sng" algn="ctr">
+                      <a:solidFill>
+                        <a:schemeClr val="tx1"/>
+                      </a:solidFill>
+                      <a:prstDash val="solid"/>
+                      <a:round/>
+                      <a:headEnd type="none" w="med" len="med"/>
+                      <a:tailEnd type="none" w="med" len="med"/>
+                    </a:lnB>
+                  </a:tcPr>
+                </a:tc>
+                <a:extLst>
+                  <a:ext uri="{0D108BD9-81ED-4DB2-BD59-A6C34878D82A}">
+                    <a16:rowId xmlns:a16="http://schemas.microsoft.com/office/drawing/2014/main" val="2478292743"/>
+                  </a:ext>
+                </a:extLst>
+              </a:tr>
+              <a:tr h="1436978">
+                <a:tc>
+                  <a:txBody>
+                    <a:bodyPr/>
+                    <a:lstStyle/>
+                    <a:p>
+                      <a:pPr algn="ctr"/>
+                      <a:r>
+                        <a:rPr lang="en-US" altLang="zh-CN" dirty="0" smtClean="0">
+                          <a:latin typeface="宋体" panose="02010600030101010101" pitchFamily="2" charset="-122"/>
+                          <a:ea typeface="宋体" panose="02010600030101010101" pitchFamily="2" charset="-122"/>
+                        </a:rPr>
+                        <a:t>Bouncy Castle</a:t>
+                      </a:r>
+                      <a:endParaRPr lang="zh-CN" altLang="en-US" dirty="0">
+                        <a:latin typeface="宋体" panose="02010600030101010101" pitchFamily="2" charset="-122"/>
+                        <a:ea typeface="宋体" panose="02010600030101010101" pitchFamily="2" charset="-122"/>
+                      </a:endParaRPr>
+                    </a:p>
+                  </a:txBody>
+                  <a:tcPr anchor="ctr">
+                    <a:lnL w="12700" cap="flat" cmpd="sng" algn="ctr">
+                      <a:solidFill>
+                        <a:schemeClr val="tx1"/>
+                      </a:solidFill>
+                      <a:prstDash val="solid"/>
+                      <a:round/>
+                      <a:headEnd type="none" w="med" len="med"/>
+                      <a:tailEnd type="none" w="med" len="med"/>
+                    </a:lnL>
+                    <a:lnR w="12700" cap="flat" cmpd="sng" algn="ctr">
+                      <a:solidFill>
+                        <a:schemeClr val="tx1"/>
+                      </a:solidFill>
+                      <a:prstDash val="solid"/>
+                      <a:round/>
+                      <a:headEnd type="none" w="med" len="med"/>
+                      <a:tailEnd type="none" w="med" len="med"/>
+                    </a:lnR>
+                    <a:lnT w="12700" cap="flat" cmpd="sng" algn="ctr">
+                      <a:solidFill>
+                        <a:schemeClr val="tx1"/>
+                      </a:solidFill>
+                      <a:prstDash val="solid"/>
+                      <a:round/>
+                      <a:headEnd type="none" w="med" len="med"/>
+                      <a:tailEnd type="none" w="med" len="med"/>
+                    </a:lnT>
+                    <a:lnB w="12700" cap="flat" cmpd="sng" algn="ctr">
+                      <a:solidFill>
+                        <a:schemeClr val="tx1"/>
+                      </a:solidFill>
+                      <a:prstDash val="solid"/>
+                      <a:round/>
+                      <a:headEnd type="none" w="med" len="med"/>
+                      <a:tailEnd type="none" w="med" len="med"/>
+                    </a:lnB>
+                  </a:tcPr>
+                </a:tc>
+                <a:tc>
+                  <a:txBody>
+                    <a:bodyPr/>
+                    <a:lstStyle/>
+                    <a:p>
+                      <a:pPr algn="ctr"/>
+                      <a:r>
+                        <a:rPr lang="en-US" altLang="zh-CN" dirty="0" smtClean="0">
+                          <a:latin typeface="宋体" panose="02010600030101010101" pitchFamily="2" charset="-122"/>
+                          <a:ea typeface="宋体" panose="02010600030101010101" pitchFamily="2" charset="-122"/>
+                        </a:rPr>
+                        <a:t>128</a:t>
+                      </a:r>
+                      <a:r>
+                        <a:rPr lang="zh-CN" altLang="en-US" dirty="0" smtClean="0">
+                          <a:latin typeface="宋体" panose="02010600030101010101" pitchFamily="2" charset="-122"/>
+                          <a:ea typeface="宋体" panose="02010600030101010101" pitchFamily="2" charset="-122"/>
+                        </a:rPr>
+                        <a:t>、</a:t>
+                      </a:r>
+                      <a:r>
+                        <a:rPr lang="en-US" altLang="zh-CN" dirty="0" smtClean="0">
+                          <a:latin typeface="宋体" panose="02010600030101010101" pitchFamily="2" charset="-122"/>
+                          <a:ea typeface="宋体" panose="02010600030101010101" pitchFamily="2" charset="-122"/>
+                        </a:rPr>
+                        <a:t>192</a:t>
+                      </a:r>
+                      <a:r>
+                        <a:rPr lang="zh-CN" altLang="en-US" dirty="0" smtClean="0">
+                          <a:latin typeface="宋体" panose="02010600030101010101" pitchFamily="2" charset="-122"/>
+                          <a:ea typeface="宋体" panose="02010600030101010101" pitchFamily="2" charset="-122"/>
+                        </a:rPr>
+                        <a:t>、</a:t>
+                      </a:r>
+                      <a:r>
+                        <a:rPr lang="en-US" altLang="zh-CN" dirty="0" smtClean="0">
+                          <a:latin typeface="宋体" panose="02010600030101010101" pitchFamily="2" charset="-122"/>
+                          <a:ea typeface="宋体" panose="02010600030101010101" pitchFamily="2" charset="-122"/>
+                        </a:rPr>
+                        <a:t>256</a:t>
+                      </a:r>
+                      <a:endParaRPr lang="zh-CN" altLang="en-US" dirty="0">
+                        <a:latin typeface="宋体" panose="02010600030101010101" pitchFamily="2" charset="-122"/>
+                        <a:ea typeface="宋体" panose="02010600030101010101" pitchFamily="2" charset="-122"/>
+                      </a:endParaRPr>
+                    </a:p>
+                  </a:txBody>
+                  <a:tcPr anchor="ctr">
+                    <a:lnL w="12700" cap="flat" cmpd="sng" algn="ctr">
+                      <a:solidFill>
+                        <a:schemeClr val="tx1"/>
+                      </a:solidFill>
+                      <a:prstDash val="solid"/>
+                      <a:round/>
+                      <a:headEnd type="none" w="med" len="med"/>
+                      <a:tailEnd type="none" w="med" len="med"/>
+                    </a:lnL>
+                    <a:lnR w="12700" cap="flat" cmpd="sng" algn="ctr">
+                      <a:solidFill>
+                        <a:schemeClr val="tx1"/>
+                      </a:solidFill>
+                      <a:prstDash val="solid"/>
+                      <a:round/>
+                      <a:headEnd type="none" w="med" len="med"/>
+                      <a:tailEnd type="none" w="med" len="med"/>
+                    </a:lnR>
+                    <a:lnT w="12700" cap="flat" cmpd="sng" algn="ctr">
+                      <a:solidFill>
+                        <a:schemeClr val="tx1"/>
+                      </a:solidFill>
+                      <a:prstDash val="solid"/>
+                      <a:round/>
+                      <a:headEnd type="none" w="med" len="med"/>
+                      <a:tailEnd type="none" w="med" len="med"/>
+                    </a:lnT>
+                    <a:lnB w="12700" cap="flat" cmpd="sng" algn="ctr">
+                      <a:solidFill>
+                        <a:schemeClr val="tx1"/>
+                      </a:solidFill>
+                      <a:prstDash val="solid"/>
+                      <a:round/>
+                      <a:headEnd type="none" w="med" len="med"/>
+                      <a:tailEnd type="none" w="med" len="med"/>
+                    </a:lnB>
+                  </a:tcPr>
+                </a:tc>
+                <a:tc>
+                  <a:txBody>
+                    <a:bodyPr/>
+                    <a:lstStyle/>
+                    <a:p>
+                      <a:pPr algn="ctr"/>
+                      <a:r>
+                        <a:rPr lang="en-US" altLang="zh-CN" dirty="0" smtClean="0">
+                          <a:latin typeface="宋体" panose="02010600030101010101" pitchFamily="2" charset="-122"/>
+                          <a:ea typeface="宋体" panose="02010600030101010101" pitchFamily="2" charset="-122"/>
+                        </a:rPr>
+                        <a:t>128</a:t>
+                      </a:r>
+                      <a:endParaRPr lang="zh-CN" altLang="en-US" dirty="0">
+                        <a:latin typeface="宋体" panose="02010600030101010101" pitchFamily="2" charset="-122"/>
+                        <a:ea typeface="宋体" panose="02010600030101010101" pitchFamily="2" charset="-122"/>
+                      </a:endParaRPr>
+                    </a:p>
+                  </a:txBody>
+                  <a:tcPr anchor="ctr">
+                    <a:lnL w="12700" cap="flat" cmpd="sng" algn="ctr">
+                      <a:solidFill>
+                        <a:schemeClr val="tx1"/>
+                      </a:solidFill>
+                      <a:prstDash val="solid"/>
+                      <a:round/>
+                      <a:headEnd type="none" w="med" len="med"/>
+                      <a:tailEnd type="none" w="med" len="med"/>
+                    </a:lnL>
+                    <a:lnR w="12700" cap="flat" cmpd="sng" algn="ctr">
+                      <a:solidFill>
+                        <a:schemeClr val="tx1"/>
+                      </a:solidFill>
+                      <a:prstDash val="solid"/>
+                      <a:round/>
+                      <a:headEnd type="none" w="med" len="med"/>
+                      <a:tailEnd type="none" w="med" len="med"/>
+                    </a:lnR>
+                    <a:lnT w="12700" cap="flat" cmpd="sng" algn="ctr">
+                      <a:solidFill>
+                        <a:schemeClr val="tx1"/>
+                      </a:solidFill>
+                      <a:prstDash val="solid"/>
+                      <a:round/>
+                      <a:headEnd type="none" w="med" len="med"/>
+                      <a:tailEnd type="none" w="med" len="med"/>
+                    </a:lnT>
+                    <a:lnB w="12700" cap="flat" cmpd="sng" algn="ctr">
+                      <a:solidFill>
+                        <a:schemeClr val="tx1"/>
+                      </a:solidFill>
+                      <a:prstDash val="solid"/>
+                      <a:round/>
+                      <a:headEnd type="none" w="med" len="med"/>
+                      <a:tailEnd type="none" w="med" len="med"/>
+                    </a:lnB>
+                  </a:tcPr>
+                </a:tc>
+                <a:tc>
+                  <a:txBody>
+                    <a:bodyPr/>
+                    <a:lstStyle/>
+                    <a:p>
+                      <a:pPr algn="ctr"/>
+                      <a:r>
+                        <a:rPr lang="zh-CN" altLang="en-US" dirty="0" smtClean="0">
+                          <a:latin typeface="宋体" panose="02010600030101010101" pitchFamily="2" charset="-122"/>
+                          <a:ea typeface="宋体" panose="02010600030101010101" pitchFamily="2" charset="-122"/>
+                        </a:rPr>
+                        <a:t>同上</a:t>
+                      </a:r>
+                      <a:endParaRPr lang="zh-CN" altLang="en-US" dirty="0">
+                        <a:latin typeface="宋体" panose="02010600030101010101" pitchFamily="2" charset="-122"/>
+                        <a:ea typeface="宋体" panose="02010600030101010101" pitchFamily="2" charset="-122"/>
+                      </a:endParaRPr>
+                    </a:p>
+                  </a:txBody>
+                  <a:tcPr anchor="ctr">
+                    <a:lnL w="12700" cap="flat" cmpd="sng" algn="ctr">
+                      <a:solidFill>
+                        <a:schemeClr val="tx1"/>
+                      </a:solidFill>
+                      <a:prstDash val="solid"/>
+                      <a:round/>
+                      <a:headEnd type="none" w="med" len="med"/>
+                      <a:tailEnd type="none" w="med" len="med"/>
+                    </a:lnL>
+                    <a:lnR w="12700" cap="flat" cmpd="sng" algn="ctr">
+                      <a:solidFill>
+                        <a:schemeClr val="tx1"/>
+                      </a:solidFill>
+                      <a:prstDash val="solid"/>
+                      <a:round/>
+                      <a:headEnd type="none" w="med" len="med"/>
+                      <a:tailEnd type="none" w="med" len="med"/>
+                    </a:lnR>
+                    <a:lnT w="12700" cap="flat" cmpd="sng" algn="ctr">
+                      <a:solidFill>
+                        <a:schemeClr val="tx1"/>
+                      </a:solidFill>
+                      <a:prstDash val="solid"/>
+                      <a:round/>
+                      <a:headEnd type="none" w="med" len="med"/>
+                      <a:tailEnd type="none" w="med" len="med"/>
+                    </a:lnT>
+                    <a:lnB w="12700" cap="flat" cmpd="sng" algn="ctr">
+                      <a:solidFill>
+                        <a:schemeClr val="tx1"/>
+                      </a:solidFill>
+                      <a:prstDash val="solid"/>
+                      <a:round/>
+                      <a:headEnd type="none" w="med" len="med"/>
+                      <a:tailEnd type="none" w="med" len="med"/>
+                    </a:lnB>
+                  </a:tcPr>
+                </a:tc>
+                <a:tc>
+                  <a:txBody>
+                    <a:bodyPr/>
+                    <a:lstStyle/>
+                    <a:p>
+                      <a:pPr algn="ctr"/>
+                      <a:r>
+                        <a:rPr lang="en-US" altLang="zh-CN" dirty="0" smtClean="0">
+                          <a:latin typeface="宋体" panose="02010600030101010101" pitchFamily="2" charset="-122"/>
+                          <a:ea typeface="宋体" panose="02010600030101010101" pitchFamily="2" charset="-122"/>
+                        </a:rPr>
+                        <a:t>PKCS7Padding</a:t>
+                      </a:r>
+                      <a:r>
+                        <a:rPr lang="zh-CN" altLang="en-US" dirty="0" smtClean="0">
+                          <a:latin typeface="宋体" panose="02010600030101010101" pitchFamily="2" charset="-122"/>
+                          <a:ea typeface="宋体" panose="02010600030101010101" pitchFamily="2" charset="-122"/>
+                        </a:rPr>
+                        <a:t>、</a:t>
+                      </a:r>
+                      <a:r>
+                        <a:rPr lang="en-US" altLang="zh-CN" dirty="0" smtClean="0">
+                          <a:latin typeface="宋体" panose="02010600030101010101" pitchFamily="2" charset="-122"/>
+                          <a:ea typeface="宋体" panose="02010600030101010101" pitchFamily="2" charset="-122"/>
+                        </a:rPr>
+                        <a:t/>
+                      </a:r>
+                      <a:br>
+                        <a:rPr lang="en-US" altLang="zh-CN" dirty="0" smtClean="0">
+                          <a:latin typeface="宋体" panose="02010600030101010101" pitchFamily="2" charset="-122"/>
+                          <a:ea typeface="宋体" panose="02010600030101010101" pitchFamily="2" charset="-122"/>
+                        </a:rPr>
+                      </a:br>
+                      <a:r>
+                        <a:rPr lang="en-US" altLang="zh-CN" dirty="0" smtClean="0">
+                          <a:latin typeface="宋体" panose="02010600030101010101" pitchFamily="2" charset="-122"/>
+                          <a:ea typeface="宋体" panose="02010600030101010101" pitchFamily="2" charset="-122"/>
+                        </a:rPr>
+                        <a:t>ZeroBytePadding</a:t>
+                      </a:r>
+                      <a:endParaRPr lang="zh-CN" altLang="en-US" dirty="0">
+                        <a:latin typeface="宋体" panose="02010600030101010101" pitchFamily="2" charset="-122"/>
+                        <a:ea typeface="宋体" panose="02010600030101010101" pitchFamily="2" charset="-122"/>
+                      </a:endParaRPr>
+                    </a:p>
+                  </a:txBody>
+                  <a:tcPr anchor="ctr">
+                    <a:lnL w="12700" cap="flat" cmpd="sng" algn="ctr">
+                      <a:solidFill>
+                        <a:schemeClr val="tx1"/>
+                      </a:solidFill>
+                      <a:prstDash val="solid"/>
+                      <a:round/>
+                      <a:headEnd type="none" w="med" len="med"/>
+                      <a:tailEnd type="none" w="med" len="med"/>
+                    </a:lnL>
+                    <a:lnR w="12700" cap="flat" cmpd="sng" algn="ctr">
+                      <a:solidFill>
+                        <a:schemeClr val="tx1"/>
+                      </a:solidFill>
+                      <a:prstDash val="solid"/>
+                      <a:round/>
+                      <a:headEnd type="none" w="med" len="med"/>
+                      <a:tailEnd type="none" w="med" len="med"/>
+                    </a:lnR>
+                    <a:lnT w="12700" cap="flat" cmpd="sng" algn="ctr">
+                      <a:solidFill>
+                        <a:schemeClr val="tx1"/>
+                      </a:solidFill>
+                      <a:prstDash val="solid"/>
+                      <a:round/>
+                      <a:headEnd type="none" w="med" len="med"/>
+                      <a:tailEnd type="none" w="med" len="med"/>
+                    </a:lnT>
+                    <a:lnB w="12700" cap="flat" cmpd="sng" algn="ctr">
+                      <a:solidFill>
+                        <a:schemeClr val="tx1"/>
+                      </a:solidFill>
+                      <a:prstDash val="solid"/>
+                      <a:round/>
+                      <a:headEnd type="none" w="med" len="med"/>
+                      <a:tailEnd type="none" w="med" len="med"/>
+                    </a:lnB>
+                  </a:tcPr>
+                </a:tc>
+                <a:extLst>
+                  <a:ext uri="{0D108BD9-81ED-4DB2-BD59-A6C34878D82A}">
+                    <a16:rowId xmlns:a16="http://schemas.microsoft.com/office/drawing/2014/main" val="3999082340"/>
+                  </a:ext>
+                </a:extLst>
+              </a:tr>
+            </a:tbl>
+          </a:graphicData>
+        </a:graphic>
+      </p:graphicFrame>
+      <p:sp>
+        <p:nvSpPr>
+          <p:cNvPr id="3" name="文本框 2"/>
+          <p:cNvSpPr txBox="1"/>
+          <p:nvPr/>
+        </p:nvSpPr>
+        <p:spPr>
+          <a:xfrm>
+            <a:off x="1341614" y="5448341"/>
+            <a:ext cx="9982875" cy="830997"/>
+          </a:xfrm>
+          <a:prstGeom prst="rect">
+            <a:avLst/>
+          </a:prstGeom>
+          <a:noFill/>
+        </p:spPr>
+        <p:txBody>
+          <a:bodyPr wrap="square" rtlCol="0">
+            <a:spAutoFit/>
+          </a:bodyPr>
+          <a:lstStyle/>
+          <a:p>
+            <a:pPr>
+              <a:lnSpc>
+                <a:spcPct val="150000"/>
+              </a:lnSpc>
+            </a:pPr>
+            <a:r>
+              <a:rPr lang="en-US" altLang="zh-CN" sz="1600" dirty="0" smtClean="0">
+                <a:solidFill>
+                  <a:srgbClr val="C00000"/>
+                </a:solidFill>
+                <a:latin typeface="微软雅黑" panose="020B0503020204020204" pitchFamily="34" charset="-122"/>
+                <a:ea typeface="微软雅黑" panose="020B0503020204020204" pitchFamily="34" charset="-122"/>
+              </a:rPr>
+              <a:t>JDK</a:t>
+            </a:r>
+            <a:r>
+              <a:rPr lang="zh-CN" altLang="en-US" sz="1600" dirty="0" smtClean="0">
+                <a:solidFill>
+                  <a:srgbClr val="C00000"/>
+                </a:solidFill>
+                <a:latin typeface="微软雅黑" panose="020B0503020204020204" pitchFamily="34" charset="-122"/>
+                <a:ea typeface="微软雅黑" panose="020B0503020204020204" pitchFamily="34" charset="-122"/>
+              </a:rPr>
+              <a:t>中支持</a:t>
+            </a:r>
+            <a:r>
+              <a:rPr lang="en-US" altLang="zh-CN" sz="1600" dirty="0" smtClean="0">
+                <a:solidFill>
+                  <a:srgbClr val="C00000"/>
+                </a:solidFill>
+                <a:latin typeface="微软雅黑" panose="020B0503020204020204" pitchFamily="34" charset="-122"/>
+                <a:ea typeface="微软雅黑" panose="020B0503020204020204" pitchFamily="34" charset="-122"/>
+              </a:rPr>
+              <a:t>192</a:t>
+            </a:r>
+            <a:r>
+              <a:rPr lang="zh-CN" altLang="en-US" sz="1600" smtClean="0">
+                <a:solidFill>
+                  <a:srgbClr val="C00000"/>
+                </a:solidFill>
+                <a:latin typeface="微软雅黑" panose="020B0503020204020204" pitchFamily="34" charset="-122"/>
+                <a:ea typeface="微软雅黑" panose="020B0503020204020204" pitchFamily="34" charset="-122"/>
+              </a:rPr>
+              <a:t>、</a:t>
+            </a:r>
+            <a:r>
+              <a:rPr lang="en-US" altLang="zh-CN" sz="1600" smtClean="0">
+                <a:solidFill>
+                  <a:srgbClr val="C00000"/>
+                </a:solidFill>
+                <a:latin typeface="微软雅黑" panose="020B0503020204020204" pitchFamily="34" charset="-122"/>
+                <a:ea typeface="微软雅黑" panose="020B0503020204020204" pitchFamily="34" charset="-122"/>
+              </a:rPr>
+              <a:t>256</a:t>
+            </a:r>
+            <a:r>
+              <a:rPr lang="zh-CN" altLang="en-US" sz="1600" dirty="0" smtClean="0">
+                <a:solidFill>
+                  <a:srgbClr val="C00000"/>
+                </a:solidFill>
+                <a:latin typeface="微软雅黑" panose="020B0503020204020204" pitchFamily="34" charset="-122"/>
+                <a:ea typeface="微软雅黑" panose="020B0503020204020204" pitchFamily="34" charset="-122"/>
+              </a:rPr>
+              <a:t>位秘钥需要获得</a:t>
+            </a:r>
+            <a:r>
+              <a:rPr lang="zh-CN" altLang="en-US" sz="1600" b="1" i="1" dirty="0" smtClean="0">
+                <a:solidFill>
+                  <a:srgbClr val="C00000"/>
+                </a:solidFill>
+                <a:latin typeface="微软雅黑" panose="020B0503020204020204" pitchFamily="34" charset="-122"/>
+                <a:ea typeface="微软雅黑" panose="020B0503020204020204" pitchFamily="34" charset="-122"/>
+              </a:rPr>
+              <a:t>无政策限制权限文件</a:t>
+            </a:r>
+            <a:endParaRPr lang="en-US" altLang="zh-CN" sz="1600" b="1" i="1" dirty="0" smtClean="0">
+              <a:solidFill>
+                <a:srgbClr val="C00000"/>
+              </a:solidFill>
+              <a:latin typeface="微软雅黑" panose="020B0503020204020204" pitchFamily="34" charset="-122"/>
+              <a:ea typeface="微软雅黑" panose="020B0503020204020204" pitchFamily="34" charset="-122"/>
+            </a:endParaRPr>
+          </a:p>
+          <a:p>
+            <a:pPr>
+              <a:lnSpc>
+                <a:spcPct val="150000"/>
+              </a:lnSpc>
+            </a:pPr>
+            <a:r>
+              <a:rPr lang="en-US" altLang="zh-CN" sz="1600" dirty="0">
+                <a:solidFill>
+                  <a:srgbClr val="C00000"/>
+                </a:solidFill>
+                <a:latin typeface="微软雅黑" panose="020B0503020204020204" pitchFamily="34" charset="-122"/>
+                <a:ea typeface="微软雅黑" panose="020B0503020204020204" pitchFamily="34" charset="-122"/>
+              </a:rPr>
+              <a:t>local_policy.jar        US_export_policy.jar</a:t>
+            </a:r>
+            <a:endParaRPr lang="zh-CN" altLang="en-US" sz="1600" dirty="0">
+              <a:solidFill>
+                <a:srgbClr val="C00000"/>
+              </a:solidFill>
+              <a:latin typeface="微软雅黑" panose="020B0503020204020204" pitchFamily="34" charset="-122"/>
+              <a:ea typeface="微软雅黑" panose="020B0503020204020204" pitchFamily="34" charset="-122"/>
+            </a:endParaRPr>
+          </a:p>
+        </p:txBody>
+      </p:sp>
+    </p:spTree>
+    <p:extLst>
+      <p:ext uri="{BB962C8B-B14F-4D97-AF65-F5344CB8AC3E}">
+        <p14:creationId xmlns:p14="http://schemas.microsoft.com/office/powerpoint/2010/main" val="1995769924"/>
+      </p:ext>
+    </p:extLst>
+  </p:cSld>
+  <p:clrMapOvr>
+    <a:masterClrMapping/>
+  </p:clrMapOvr>
+  <mc:AlternateContent xmlns:mc="http://schemas.openxmlformats.org/markup-compatibility/2006" xmlns:p14="http://schemas.microsoft.com/office/powerpoint/2010/main">
+    <mc:Choice Requires="p14">
+      <p:transition spd="med" p14:dur="700">
+        <p:fade/>
+      </p:transition>
+    </mc:Choice>
+    <mc:Fallback xmlns="">
+      <p:transition spd="med">
+        <p:fade/>
+      </p:transition>
+    </mc:Fallback>
+  </mc:AlternateContent>
+  <p:timing>
+    <p:tnLst>
+      <p:par>
+        <p:cTn id="1" dur="indefinite" restart="never" nodeType="tmRoot"/>
+      </p:par>
+    </p:tnLst>
+  </p:timing>
+</p:sld>
+</file>
+
+<file path=ppt/slides/slide13.xml><?xml version="1.0" encoding="utf-8"?>
+<p:sld xmlns:a="http://schemas.openxmlformats.org/drawingml/2006/main" xmlns:r="http://schemas.openxmlformats.org/officeDocument/2006/relationships" xmlns:p="http://schemas.openxmlformats.org/presentationml/2006/main">
+  <p:cSld>
+    <p:spTree>
+      <p:nvGrpSpPr>
+        <p:cNvPr id="1" name=""/>
+        <p:cNvGrpSpPr/>
+        <p:nvPr/>
+      </p:nvGrpSpPr>
+      <p:grpSpPr>
+        <a:xfrm>
+          <a:off x="0" y="0"/>
+          <a:ext cx="0" cy="0"/>
+          <a:chOff x="0" y="0"/>
+          <a:chExt cx="0" cy="0"/>
+        </a:xfrm>
+      </p:grpSpPr>
+      <p:sp>
+        <p:nvSpPr>
+          <p:cNvPr id="2" name="标题 1"/>
+          <p:cNvSpPr>
+            <a:spLocks noGrp="1"/>
+          </p:cNvSpPr>
+          <p:nvPr>
+            <p:ph type="title"/>
+          </p:nvPr>
+        </p:nvSpPr>
+        <p:spPr/>
+        <p:txBody>
+          <a:bodyPr/>
+          <a:lstStyle/>
+          <a:p>
+            <a:r>
+              <a:rPr lang="zh-CN" altLang="en-US" dirty="0" smtClean="0"/>
+              <a:t>对称加密算法比较</a:t>
+            </a:r>
+            <a:endParaRPr lang="zh-CN" altLang="en-US" dirty="0"/>
+          </a:p>
+        </p:txBody>
+      </p:sp>
+      <p:graphicFrame>
+        <p:nvGraphicFramePr>
+          <p:cNvPr id="4" name="内容占位符 3"/>
+          <p:cNvGraphicFramePr>
+            <a:graphicFrameLocks noGrp="1"/>
+          </p:cNvGraphicFramePr>
+          <p:nvPr>
+            <p:ph idx="1"/>
+            <p:extLst>
+              <p:ext uri="{D42A27DB-BD31-4B8C-83A1-F6EECF244321}">
+                <p14:modId xmlns:p14="http://schemas.microsoft.com/office/powerpoint/2010/main" val="3121736469"/>
+              </p:ext>
+            </p:extLst>
+          </p:nvPr>
+        </p:nvGraphicFramePr>
+        <p:xfrm>
+          <a:off x="1341438" y="2529813"/>
+          <a:ext cx="9510710" cy="2066214"/>
+        </p:xfrm>
+        <a:graphic>
+          <a:graphicData uri="http://schemas.openxmlformats.org/drawingml/2006/table">
+            <a:tbl>
+              <a:tblPr firstRow="1" bandRow="1">
+                <a:tableStyleId>{08FB837D-C827-4EFA-A057-4D05807E0F7C}</a:tableStyleId>
+              </a:tblPr>
+              <a:tblGrid>
+                <a:gridCol w="1902142">
+                  <a:extLst>
+                    <a:ext uri="{9D8B030D-6E8A-4147-A177-3AD203B41FA5}">
+                      <a16:colId xmlns:a16="http://schemas.microsoft.com/office/drawing/2014/main" val="1270668206"/>
+                    </a:ext>
+                  </a:extLst>
+                </a:gridCol>
+                <a:gridCol w="1902142">
+                  <a:extLst>
+                    <a:ext uri="{9D8B030D-6E8A-4147-A177-3AD203B41FA5}">
+                      <a16:colId xmlns:a16="http://schemas.microsoft.com/office/drawing/2014/main" val="1083689566"/>
+                    </a:ext>
+                  </a:extLst>
+                </a:gridCol>
+                <a:gridCol w="1902142">
+                  <a:extLst>
+                    <a:ext uri="{9D8B030D-6E8A-4147-A177-3AD203B41FA5}">
+                      <a16:colId xmlns:a16="http://schemas.microsoft.com/office/drawing/2014/main" val="491322313"/>
+                    </a:ext>
+                  </a:extLst>
+                </a:gridCol>
+                <a:gridCol w="1902142">
+                  <a:extLst>
+                    <a:ext uri="{9D8B030D-6E8A-4147-A177-3AD203B41FA5}">
+                      <a16:colId xmlns:a16="http://schemas.microsoft.com/office/drawing/2014/main" val="2519024925"/>
+                    </a:ext>
+                  </a:extLst>
+                </a:gridCol>
+                <a:gridCol w="1902142">
+                  <a:extLst>
+                    <a:ext uri="{9D8B030D-6E8A-4147-A177-3AD203B41FA5}">
+                      <a16:colId xmlns:a16="http://schemas.microsoft.com/office/drawing/2014/main" val="4198837936"/>
+                    </a:ext>
+                  </a:extLst>
+                </a:gridCol>
+              </a:tblGrid>
+              <a:tr h="475378">
+                <a:tc>
+                  <a:txBody>
+                    <a:bodyPr/>
+                    <a:lstStyle/>
+                    <a:p>
+                      <a:pPr algn="ctr"/>
+                      <a:r>
+                        <a:rPr lang="zh-CN" altLang="en-US" dirty="0" smtClean="0">
+                          <a:latin typeface="微软雅黑" panose="020B0503020204020204" pitchFamily="34" charset="-122"/>
+                          <a:ea typeface="微软雅黑" panose="020B0503020204020204" pitchFamily="34" charset="-122"/>
+                        </a:rPr>
+                        <a:t>名称</a:t>
+                      </a:r>
+                      <a:endParaRPr lang="zh-CN" altLang="en-US" dirty="0">
+                        <a:latin typeface="微软雅黑" panose="020B0503020204020204" pitchFamily="34" charset="-122"/>
+                        <a:ea typeface="微软雅黑" panose="020B0503020204020204" pitchFamily="34" charset="-122"/>
+                      </a:endParaRPr>
+                    </a:p>
+                  </a:txBody>
+                  <a:tcPr anchor="ctr"/>
+                </a:tc>
+                <a:tc>
+                  <a:txBody>
+                    <a:bodyPr/>
+                    <a:lstStyle/>
+                    <a:p>
+                      <a:pPr algn="ctr"/>
+                      <a:r>
+                        <a:rPr lang="zh-CN" altLang="en-US" dirty="0" smtClean="0">
+                          <a:latin typeface="微软雅黑" panose="020B0503020204020204" pitchFamily="34" charset="-122"/>
+                          <a:ea typeface="微软雅黑" panose="020B0503020204020204" pitchFamily="34" charset="-122"/>
+                        </a:rPr>
+                        <a:t>秘钥长度</a:t>
+                      </a:r>
+                      <a:endParaRPr lang="zh-CN" altLang="en-US" dirty="0">
+                        <a:latin typeface="微软雅黑" panose="020B0503020204020204" pitchFamily="34" charset="-122"/>
+                        <a:ea typeface="微软雅黑" panose="020B0503020204020204" pitchFamily="34" charset="-122"/>
+                      </a:endParaRPr>
+                    </a:p>
+                  </a:txBody>
+                  <a:tcPr anchor="ctr"/>
+                </a:tc>
+                <a:tc>
+                  <a:txBody>
+                    <a:bodyPr/>
+                    <a:lstStyle/>
+                    <a:p>
+                      <a:pPr algn="ctr"/>
+                      <a:r>
+                        <a:rPr lang="zh-CN" altLang="en-US" dirty="0" smtClean="0">
+                          <a:latin typeface="微软雅黑" panose="020B0503020204020204" pitchFamily="34" charset="-122"/>
+                          <a:ea typeface="微软雅黑" panose="020B0503020204020204" pitchFamily="34" charset="-122"/>
+                        </a:rPr>
+                        <a:t>运算速度</a:t>
+                      </a:r>
+                      <a:endParaRPr lang="zh-CN" altLang="en-US" dirty="0">
+                        <a:latin typeface="微软雅黑" panose="020B0503020204020204" pitchFamily="34" charset="-122"/>
+                        <a:ea typeface="微软雅黑" panose="020B0503020204020204" pitchFamily="34" charset="-122"/>
+                      </a:endParaRPr>
+                    </a:p>
+                  </a:txBody>
+                  <a:tcPr anchor="ctr"/>
+                </a:tc>
+                <a:tc>
+                  <a:txBody>
+                    <a:bodyPr/>
+                    <a:lstStyle/>
+                    <a:p>
+                      <a:pPr algn="ctr"/>
+                      <a:r>
+                        <a:rPr lang="zh-CN" altLang="en-US" dirty="0" smtClean="0">
+                          <a:latin typeface="微软雅黑" panose="020B0503020204020204" pitchFamily="34" charset="-122"/>
+                          <a:ea typeface="微软雅黑" panose="020B0503020204020204" pitchFamily="34" charset="-122"/>
+                        </a:rPr>
+                        <a:t>安全性</a:t>
+                      </a:r>
+                      <a:endParaRPr lang="zh-CN" altLang="en-US" dirty="0">
+                        <a:latin typeface="微软雅黑" panose="020B0503020204020204" pitchFamily="34" charset="-122"/>
+                        <a:ea typeface="微软雅黑" panose="020B0503020204020204" pitchFamily="34" charset="-122"/>
+                      </a:endParaRPr>
+                    </a:p>
+                  </a:txBody>
+                  <a:tcPr anchor="ctr"/>
+                </a:tc>
+                <a:tc>
+                  <a:txBody>
+                    <a:bodyPr/>
+                    <a:lstStyle/>
+                    <a:p>
+                      <a:pPr algn="ctr"/>
+                      <a:r>
+                        <a:rPr lang="zh-CN" altLang="en-US" dirty="0" smtClean="0">
+                          <a:latin typeface="微软雅黑" panose="020B0503020204020204" pitchFamily="34" charset="-122"/>
+                          <a:ea typeface="微软雅黑" panose="020B0503020204020204" pitchFamily="34" charset="-122"/>
+                        </a:rPr>
+                        <a:t>资源消耗</a:t>
+                      </a:r>
+                      <a:endParaRPr lang="zh-CN" altLang="en-US" dirty="0">
+                        <a:latin typeface="微软雅黑" panose="020B0503020204020204" pitchFamily="34" charset="-122"/>
+                        <a:ea typeface="微软雅黑" panose="020B0503020204020204" pitchFamily="34" charset="-122"/>
+                      </a:endParaRPr>
+                    </a:p>
+                  </a:txBody>
+                  <a:tcPr anchor="ctr"/>
+                </a:tc>
+                <a:extLst>
+                  <a:ext uri="{0D108BD9-81ED-4DB2-BD59-A6C34878D82A}">
+                    <a16:rowId xmlns:a16="http://schemas.microsoft.com/office/drawing/2014/main" val="54892672"/>
+                  </a:ext>
+                </a:extLst>
+              </a:tr>
+              <a:tr h="475378">
+                <a:tc>
+                  <a:txBody>
+                    <a:bodyPr/>
+                    <a:lstStyle/>
+                    <a:p>
+                      <a:pPr algn="ctr"/>
+                      <a:r>
+                        <a:rPr lang="en-US" altLang="zh-CN" dirty="0" smtClean="0">
+                          <a:latin typeface="微软雅黑" panose="020B0503020204020204" pitchFamily="34" charset="-122"/>
+                          <a:ea typeface="微软雅黑" panose="020B0503020204020204" pitchFamily="34" charset="-122"/>
+                        </a:rPr>
+                        <a:t>DES</a:t>
+                      </a:r>
+                      <a:endParaRPr lang="zh-CN" altLang="en-US" dirty="0">
+                        <a:latin typeface="微软雅黑" panose="020B0503020204020204" pitchFamily="34" charset="-122"/>
+                        <a:ea typeface="微软雅黑" panose="020B0503020204020204" pitchFamily="34" charset="-122"/>
+                      </a:endParaRPr>
+                    </a:p>
+                  </a:txBody>
+                  <a:tcPr anchor="ctr"/>
+                </a:tc>
+                <a:tc>
+                  <a:txBody>
+                    <a:bodyPr/>
+                    <a:lstStyle/>
+                    <a:p>
+                      <a:pPr algn="ctr"/>
+                      <a:r>
+                        <a:rPr lang="en-US" altLang="zh-CN" dirty="0" smtClean="0">
+                          <a:latin typeface="微软雅黑" panose="020B0503020204020204" pitchFamily="34" charset="-122"/>
+                          <a:ea typeface="微软雅黑" panose="020B0503020204020204" pitchFamily="34" charset="-122"/>
+                        </a:rPr>
+                        <a:t>56</a:t>
+                      </a:r>
+                      <a:r>
+                        <a:rPr lang="zh-CN" altLang="en-US" dirty="0" smtClean="0">
+                          <a:latin typeface="微软雅黑" panose="020B0503020204020204" pitchFamily="34" charset="-122"/>
+                          <a:ea typeface="微软雅黑" panose="020B0503020204020204" pitchFamily="34" charset="-122"/>
+                        </a:rPr>
+                        <a:t>、</a:t>
+                      </a:r>
+                      <a:r>
+                        <a:rPr lang="en-US" altLang="zh-CN" dirty="0" smtClean="0">
+                          <a:latin typeface="微软雅黑" panose="020B0503020204020204" pitchFamily="34" charset="-122"/>
+                          <a:ea typeface="微软雅黑" panose="020B0503020204020204" pitchFamily="34" charset="-122"/>
+                        </a:rPr>
+                        <a:t>64</a:t>
+                      </a:r>
+                      <a:endParaRPr lang="zh-CN" altLang="en-US" dirty="0">
+                        <a:latin typeface="微软雅黑" panose="020B0503020204020204" pitchFamily="34" charset="-122"/>
+                        <a:ea typeface="微软雅黑" panose="020B0503020204020204" pitchFamily="34" charset="-122"/>
+                      </a:endParaRPr>
+                    </a:p>
+                  </a:txBody>
+                  <a:tcPr anchor="ctr"/>
+                </a:tc>
+                <a:tc>
+                  <a:txBody>
+                    <a:bodyPr/>
+                    <a:lstStyle/>
+                    <a:p>
+                      <a:pPr algn="ctr"/>
+                      <a:r>
+                        <a:rPr lang="zh-CN" altLang="en-US" dirty="0" smtClean="0">
+                          <a:latin typeface="微软雅黑" panose="020B0503020204020204" pitchFamily="34" charset="-122"/>
+                          <a:ea typeface="微软雅黑" panose="020B0503020204020204" pitchFamily="34" charset="-122"/>
+                        </a:rPr>
+                        <a:t>较快</a:t>
+                      </a:r>
+                      <a:endParaRPr lang="zh-CN" altLang="en-US" dirty="0">
+                        <a:latin typeface="微软雅黑" panose="020B0503020204020204" pitchFamily="34" charset="-122"/>
+                        <a:ea typeface="微软雅黑" panose="020B0503020204020204" pitchFamily="34" charset="-122"/>
+                      </a:endParaRPr>
+                    </a:p>
+                  </a:txBody>
+                  <a:tcPr anchor="ctr"/>
+                </a:tc>
+                <a:tc>
+                  <a:txBody>
+                    <a:bodyPr/>
+                    <a:lstStyle/>
+                    <a:p>
+                      <a:pPr algn="ctr"/>
+                      <a:r>
+                        <a:rPr lang="zh-CN" altLang="en-US" dirty="0" smtClean="0">
+                          <a:latin typeface="微软雅黑" panose="020B0503020204020204" pitchFamily="34" charset="-122"/>
+                          <a:ea typeface="微软雅黑" panose="020B0503020204020204" pitchFamily="34" charset="-122"/>
+                        </a:rPr>
+                        <a:t>低</a:t>
+                      </a:r>
+                      <a:endParaRPr lang="zh-CN" altLang="en-US" dirty="0">
+                        <a:latin typeface="微软雅黑" panose="020B0503020204020204" pitchFamily="34" charset="-122"/>
+                        <a:ea typeface="微软雅黑" panose="020B0503020204020204" pitchFamily="34" charset="-122"/>
+                      </a:endParaRPr>
+                    </a:p>
+                  </a:txBody>
+                  <a:tcPr anchor="ctr"/>
+                </a:tc>
+                <a:tc>
+                  <a:txBody>
+                    <a:bodyPr/>
+                    <a:lstStyle/>
+                    <a:p>
+                      <a:pPr algn="ctr"/>
+                      <a:r>
+                        <a:rPr lang="zh-CN" altLang="en-US" dirty="0" smtClean="0">
+                          <a:latin typeface="微软雅黑" panose="020B0503020204020204" pitchFamily="34" charset="-122"/>
+                          <a:ea typeface="微软雅黑" panose="020B0503020204020204" pitchFamily="34" charset="-122"/>
+                        </a:rPr>
+                        <a:t>中</a:t>
+                      </a:r>
+                      <a:endParaRPr lang="zh-CN" altLang="en-US" dirty="0">
+                        <a:latin typeface="微软雅黑" panose="020B0503020204020204" pitchFamily="34" charset="-122"/>
+                        <a:ea typeface="微软雅黑" panose="020B0503020204020204" pitchFamily="34" charset="-122"/>
+                      </a:endParaRPr>
+                    </a:p>
+                  </a:txBody>
+                  <a:tcPr anchor="ctr"/>
+                </a:tc>
+                <a:extLst>
+                  <a:ext uri="{0D108BD9-81ED-4DB2-BD59-A6C34878D82A}">
+                    <a16:rowId xmlns:a16="http://schemas.microsoft.com/office/drawing/2014/main" val="644525124"/>
+                  </a:ext>
+                </a:extLst>
+              </a:tr>
+              <a:tr h="475378">
+                <a:tc>
+                  <a:txBody>
+                    <a:bodyPr/>
+                    <a:lstStyle/>
+                    <a:p>
+                      <a:pPr algn="ctr"/>
+                      <a:r>
+                        <a:rPr lang="en-US" altLang="zh-CN" dirty="0" smtClean="0">
+                          <a:latin typeface="微软雅黑" panose="020B0503020204020204" pitchFamily="34" charset="-122"/>
+                          <a:ea typeface="微软雅黑" panose="020B0503020204020204" pitchFamily="34" charset="-122"/>
+                        </a:rPr>
+                        <a:t>3DES</a:t>
+                      </a:r>
+                      <a:endParaRPr lang="zh-CN" altLang="en-US" dirty="0">
+                        <a:latin typeface="微软雅黑" panose="020B0503020204020204" pitchFamily="34" charset="-122"/>
+                        <a:ea typeface="微软雅黑" panose="020B0503020204020204" pitchFamily="34" charset="-122"/>
+                      </a:endParaRPr>
+                    </a:p>
+                  </a:txBody>
+                  <a:tcPr anchor="ctr"/>
+                </a:tc>
+                <a:tc>
+                  <a:txBody>
+                    <a:bodyPr/>
+                    <a:lstStyle/>
+                    <a:p>
+                      <a:pPr algn="ctr"/>
+                      <a:r>
+                        <a:rPr lang="en-US" altLang="zh-CN" dirty="0" smtClean="0">
+                          <a:latin typeface="微软雅黑" panose="020B0503020204020204" pitchFamily="34" charset="-122"/>
+                          <a:ea typeface="微软雅黑" panose="020B0503020204020204" pitchFamily="34" charset="-122"/>
+                        </a:rPr>
+                        <a:t>112</a:t>
+                      </a:r>
+                      <a:r>
+                        <a:rPr lang="zh-CN" altLang="en-US" dirty="0" smtClean="0">
+                          <a:latin typeface="微软雅黑" panose="020B0503020204020204" pitchFamily="34" charset="-122"/>
+                          <a:ea typeface="微软雅黑" panose="020B0503020204020204" pitchFamily="34" charset="-122"/>
+                        </a:rPr>
+                        <a:t>、</a:t>
+                      </a:r>
+                      <a:r>
+                        <a:rPr lang="en-US" altLang="zh-CN" dirty="0" smtClean="0">
+                          <a:latin typeface="微软雅黑" panose="020B0503020204020204" pitchFamily="34" charset="-122"/>
+                          <a:ea typeface="微软雅黑" panose="020B0503020204020204" pitchFamily="34" charset="-122"/>
+                        </a:rPr>
+                        <a:t>168</a:t>
+                      </a:r>
+                      <a:r>
+                        <a:rPr lang="zh-CN" altLang="en-US" dirty="0" smtClean="0">
+                          <a:latin typeface="微软雅黑" panose="020B0503020204020204" pitchFamily="34" charset="-122"/>
+                          <a:ea typeface="微软雅黑" panose="020B0503020204020204" pitchFamily="34" charset="-122"/>
+                        </a:rPr>
+                        <a:t>、</a:t>
+                      </a:r>
+                      <a:r>
+                        <a:rPr lang="en-US" altLang="zh-CN" dirty="0" smtClean="0">
+                          <a:latin typeface="微软雅黑" panose="020B0503020204020204" pitchFamily="34" charset="-122"/>
+                          <a:ea typeface="微软雅黑" panose="020B0503020204020204" pitchFamily="34" charset="-122"/>
+                        </a:rPr>
+                        <a:t>128</a:t>
+                      </a:r>
+                      <a:r>
+                        <a:rPr lang="zh-CN" altLang="en-US" dirty="0" smtClean="0">
+                          <a:latin typeface="微软雅黑" panose="020B0503020204020204" pitchFamily="34" charset="-122"/>
+                          <a:ea typeface="微软雅黑" panose="020B0503020204020204" pitchFamily="34" charset="-122"/>
+                        </a:rPr>
+                        <a:t>、</a:t>
+                      </a:r>
+                      <a:r>
+                        <a:rPr lang="en-US" altLang="zh-CN" dirty="0" smtClean="0">
+                          <a:latin typeface="微软雅黑" panose="020B0503020204020204" pitchFamily="34" charset="-122"/>
+                          <a:ea typeface="微软雅黑" panose="020B0503020204020204" pitchFamily="34" charset="-122"/>
+                        </a:rPr>
+                        <a:t>192 </a:t>
+                      </a:r>
+                      <a:endParaRPr lang="zh-CN" altLang="en-US" dirty="0">
+                        <a:latin typeface="微软雅黑" panose="020B0503020204020204" pitchFamily="34" charset="-122"/>
+                        <a:ea typeface="微软雅黑" panose="020B0503020204020204" pitchFamily="34" charset="-122"/>
+                      </a:endParaRPr>
+                    </a:p>
+                  </a:txBody>
+                  <a:tcPr anchor="ctr"/>
+                </a:tc>
+                <a:tc>
+                  <a:txBody>
+                    <a:bodyPr/>
+                    <a:lstStyle/>
+                    <a:p>
+                      <a:pPr algn="ctr"/>
+                      <a:r>
+                        <a:rPr lang="zh-CN" altLang="en-US" dirty="0" smtClean="0">
+                          <a:latin typeface="微软雅黑" panose="020B0503020204020204" pitchFamily="34" charset="-122"/>
+                          <a:ea typeface="微软雅黑" panose="020B0503020204020204" pitchFamily="34" charset="-122"/>
+                        </a:rPr>
+                        <a:t>慢</a:t>
+                      </a:r>
+                      <a:endParaRPr lang="zh-CN" altLang="en-US" dirty="0">
+                        <a:latin typeface="微软雅黑" panose="020B0503020204020204" pitchFamily="34" charset="-122"/>
+                        <a:ea typeface="微软雅黑" panose="020B0503020204020204" pitchFamily="34" charset="-122"/>
+                      </a:endParaRPr>
+                    </a:p>
+                  </a:txBody>
+                  <a:tcPr anchor="ctr"/>
+                </a:tc>
+                <a:tc>
+                  <a:txBody>
+                    <a:bodyPr/>
+                    <a:lstStyle/>
+                    <a:p>
+                      <a:pPr algn="ctr"/>
+                      <a:r>
+                        <a:rPr lang="zh-CN" altLang="en-US" dirty="0" smtClean="0">
+                          <a:latin typeface="微软雅黑" panose="020B0503020204020204" pitchFamily="34" charset="-122"/>
+                          <a:ea typeface="微软雅黑" panose="020B0503020204020204" pitchFamily="34" charset="-122"/>
+                        </a:rPr>
+                        <a:t>中</a:t>
+                      </a:r>
+                      <a:endParaRPr lang="zh-CN" altLang="en-US" dirty="0">
+                        <a:latin typeface="微软雅黑" panose="020B0503020204020204" pitchFamily="34" charset="-122"/>
+                        <a:ea typeface="微软雅黑" panose="020B0503020204020204" pitchFamily="34" charset="-122"/>
+                      </a:endParaRPr>
+                    </a:p>
+                  </a:txBody>
+                  <a:tcPr anchor="ctr"/>
+                </a:tc>
+                <a:tc>
+                  <a:txBody>
+                    <a:bodyPr/>
+                    <a:lstStyle/>
+                    <a:p>
+                      <a:pPr algn="ctr"/>
+                      <a:r>
+                        <a:rPr lang="zh-CN" altLang="en-US" dirty="0" smtClean="0">
+                          <a:latin typeface="微软雅黑" panose="020B0503020204020204" pitchFamily="34" charset="-122"/>
+                          <a:ea typeface="微软雅黑" panose="020B0503020204020204" pitchFamily="34" charset="-122"/>
+                        </a:rPr>
+                        <a:t>高</a:t>
+                      </a:r>
+                      <a:endParaRPr lang="zh-CN" altLang="en-US" dirty="0">
+                        <a:latin typeface="微软雅黑" panose="020B0503020204020204" pitchFamily="34" charset="-122"/>
+                        <a:ea typeface="微软雅黑" panose="020B0503020204020204" pitchFamily="34" charset="-122"/>
+                      </a:endParaRPr>
+                    </a:p>
+                  </a:txBody>
+                  <a:tcPr anchor="ctr"/>
+                </a:tc>
+                <a:extLst>
+                  <a:ext uri="{0D108BD9-81ED-4DB2-BD59-A6C34878D82A}">
+                    <a16:rowId xmlns:a16="http://schemas.microsoft.com/office/drawing/2014/main" val="1441979899"/>
+                  </a:ext>
+                </a:extLst>
+              </a:tr>
+              <a:tr h="475378">
+                <a:tc>
+                  <a:txBody>
+                    <a:bodyPr/>
+                    <a:lstStyle/>
+                    <a:p>
+                      <a:pPr algn="ctr"/>
+                      <a:r>
+                        <a:rPr lang="en-US" altLang="zh-CN" dirty="0" smtClean="0">
+                          <a:latin typeface="微软雅黑" panose="020B0503020204020204" pitchFamily="34" charset="-122"/>
+                          <a:ea typeface="微软雅黑" panose="020B0503020204020204" pitchFamily="34" charset="-122"/>
+                        </a:rPr>
+                        <a:t>AES</a:t>
+                      </a:r>
+                      <a:endParaRPr lang="zh-CN" altLang="en-US" dirty="0">
+                        <a:latin typeface="微软雅黑" panose="020B0503020204020204" pitchFamily="34" charset="-122"/>
+                        <a:ea typeface="微软雅黑" panose="020B0503020204020204" pitchFamily="34" charset="-122"/>
+                      </a:endParaRPr>
+                    </a:p>
+                  </a:txBody>
+                  <a:tcPr anchor="ctr"/>
+                </a:tc>
+                <a:tc>
+                  <a:txBody>
+                    <a:bodyPr/>
+                    <a:lstStyle/>
+                    <a:p>
+                      <a:pPr algn="ctr"/>
+                      <a:r>
+                        <a:rPr lang="en-US" altLang="zh-CN" dirty="0" smtClean="0">
+                          <a:latin typeface="微软雅黑" panose="020B0503020204020204" pitchFamily="34" charset="-122"/>
+                          <a:ea typeface="微软雅黑" panose="020B0503020204020204" pitchFamily="34" charset="-122"/>
+                        </a:rPr>
+                        <a:t>128</a:t>
+                      </a:r>
+                      <a:r>
+                        <a:rPr lang="zh-CN" altLang="en-US" dirty="0" smtClean="0">
+                          <a:latin typeface="微软雅黑" panose="020B0503020204020204" pitchFamily="34" charset="-122"/>
+                          <a:ea typeface="微软雅黑" panose="020B0503020204020204" pitchFamily="34" charset="-122"/>
+                        </a:rPr>
+                        <a:t>、</a:t>
+                      </a:r>
+                      <a:r>
+                        <a:rPr lang="en-US" altLang="zh-CN" dirty="0" smtClean="0">
+                          <a:latin typeface="微软雅黑" panose="020B0503020204020204" pitchFamily="34" charset="-122"/>
+                          <a:ea typeface="微软雅黑" panose="020B0503020204020204" pitchFamily="34" charset="-122"/>
+                        </a:rPr>
+                        <a:t>192</a:t>
+                      </a:r>
+                      <a:r>
+                        <a:rPr lang="zh-CN" altLang="en-US" dirty="0" smtClean="0">
+                          <a:latin typeface="微软雅黑" panose="020B0503020204020204" pitchFamily="34" charset="-122"/>
+                          <a:ea typeface="微软雅黑" panose="020B0503020204020204" pitchFamily="34" charset="-122"/>
+                        </a:rPr>
+                        <a:t>、</a:t>
+                      </a:r>
+                      <a:r>
+                        <a:rPr lang="en-US" altLang="zh-CN" dirty="0" smtClean="0">
+                          <a:latin typeface="微软雅黑" panose="020B0503020204020204" pitchFamily="34" charset="-122"/>
+                          <a:ea typeface="微软雅黑" panose="020B0503020204020204" pitchFamily="34" charset="-122"/>
+                        </a:rPr>
+                        <a:t>256</a:t>
+                      </a:r>
+                      <a:endParaRPr lang="zh-CN" altLang="en-US" dirty="0">
+                        <a:latin typeface="微软雅黑" panose="020B0503020204020204" pitchFamily="34" charset="-122"/>
+                        <a:ea typeface="微软雅黑" panose="020B0503020204020204" pitchFamily="34" charset="-122"/>
+                      </a:endParaRPr>
+                    </a:p>
+                  </a:txBody>
+                  <a:tcPr anchor="ctr"/>
+                </a:tc>
+                <a:tc>
+                  <a:txBody>
+                    <a:bodyPr/>
+                    <a:lstStyle/>
+                    <a:p>
+                      <a:pPr algn="ctr"/>
+                      <a:r>
+                        <a:rPr lang="zh-CN" altLang="en-US" dirty="0" smtClean="0">
+                          <a:latin typeface="微软雅黑" panose="020B0503020204020204" pitchFamily="34" charset="-122"/>
+                          <a:ea typeface="微软雅黑" panose="020B0503020204020204" pitchFamily="34" charset="-122"/>
+                        </a:rPr>
+                        <a:t>快</a:t>
+                      </a:r>
+                      <a:endParaRPr lang="zh-CN" altLang="en-US" dirty="0">
+                        <a:latin typeface="微软雅黑" panose="020B0503020204020204" pitchFamily="34" charset="-122"/>
+                        <a:ea typeface="微软雅黑" panose="020B0503020204020204" pitchFamily="34" charset="-122"/>
+                      </a:endParaRPr>
+                    </a:p>
+                  </a:txBody>
+                  <a:tcPr anchor="ctr"/>
+                </a:tc>
+                <a:tc>
+                  <a:txBody>
+                    <a:bodyPr/>
+                    <a:lstStyle/>
+                    <a:p>
+                      <a:pPr algn="ctr"/>
+                      <a:r>
+                        <a:rPr lang="zh-CN" altLang="en-US" dirty="0" smtClean="0">
+                          <a:latin typeface="微软雅黑" panose="020B0503020204020204" pitchFamily="34" charset="-122"/>
+                          <a:ea typeface="微软雅黑" panose="020B0503020204020204" pitchFamily="34" charset="-122"/>
+                        </a:rPr>
+                        <a:t>高</a:t>
+                      </a:r>
+                      <a:endParaRPr lang="zh-CN" altLang="en-US" dirty="0">
+                        <a:latin typeface="微软雅黑" panose="020B0503020204020204" pitchFamily="34" charset="-122"/>
+                        <a:ea typeface="微软雅黑" panose="020B0503020204020204" pitchFamily="34" charset="-122"/>
+                      </a:endParaRPr>
+                    </a:p>
+                  </a:txBody>
+                  <a:tcPr anchor="ctr"/>
+                </a:tc>
+                <a:tc>
+                  <a:txBody>
+                    <a:bodyPr/>
+                    <a:lstStyle/>
+                    <a:p>
+                      <a:pPr algn="ctr"/>
+                      <a:r>
+                        <a:rPr lang="zh-CN" altLang="en-US" dirty="0" smtClean="0">
+                          <a:latin typeface="微软雅黑" panose="020B0503020204020204" pitchFamily="34" charset="-122"/>
+                          <a:ea typeface="微软雅黑" panose="020B0503020204020204" pitchFamily="34" charset="-122"/>
+                        </a:rPr>
+                        <a:t>低</a:t>
+                      </a:r>
+                      <a:endParaRPr lang="zh-CN" altLang="en-US" dirty="0">
+                        <a:latin typeface="微软雅黑" panose="020B0503020204020204" pitchFamily="34" charset="-122"/>
+                        <a:ea typeface="微软雅黑" panose="020B0503020204020204" pitchFamily="34" charset="-122"/>
+                      </a:endParaRPr>
+                    </a:p>
+                  </a:txBody>
+                  <a:tcPr anchor="ctr"/>
+                </a:tc>
+                <a:extLst>
+                  <a:ext uri="{0D108BD9-81ED-4DB2-BD59-A6C34878D82A}">
+                    <a16:rowId xmlns:a16="http://schemas.microsoft.com/office/drawing/2014/main" val="2067020072"/>
+                  </a:ext>
+                </a:extLst>
+              </a:tr>
+            </a:tbl>
+          </a:graphicData>
+        </a:graphic>
+      </p:graphicFrame>
+    </p:spTree>
+    <p:extLst>
+      <p:ext uri="{BB962C8B-B14F-4D97-AF65-F5344CB8AC3E}">
+        <p14:creationId xmlns:p14="http://schemas.microsoft.com/office/powerpoint/2010/main" val="3037097726"/>
+      </p:ext>
+    </p:extLst>
+  </p:cSld>
+  <p:clrMapOvr>
+    <a:masterClrMapping/>
+  </p:clrMapOvr>
+  <mc:AlternateContent xmlns:mc="http://schemas.openxmlformats.org/markup-compatibility/2006" xmlns:p14="http://schemas.microsoft.com/office/powerpoint/2010/main">
+    <mc:Choice Requires="p14">
+      <p:transition spd="med" p14:dur="700">
+        <p:fade/>
+      </p:transition>
+    </mc:Choice>
+    <mc:Fallback xmlns="">
+      <p:transition spd="med">
+        <p:fade/>
+      </p:transition>
+    </mc:Fallback>
+  </mc:AlternateContent>
+  <p:timing>
+    <p:tnLst>
+      <p:par>
+        <p:cTn id="1" dur="indefinite" restart="never" nodeType="tmRoot"/>
+      </p:par>
+    </p:tnLst>
+  </p:timing>
+</p:sld>
+</file>
+
+<file path=ppt/slides/slide14.xml><?xml version="1.0" encoding="utf-8"?>
+<p:sld xmlns:a="http://schemas.openxmlformats.org/drawingml/2006/main" xmlns:r="http://schemas.openxmlformats.org/officeDocument/2006/relationships" xmlns:p="http://schemas.openxmlformats.org/presentationml/2006/main">
+  <p:cSld>
+    <p:spTree>
+      <p:nvGrpSpPr>
+        <p:cNvPr id="1" name=""/>
+        <p:cNvGrpSpPr/>
+        <p:nvPr/>
+      </p:nvGrpSpPr>
+      <p:grpSpPr>
+        <a:xfrm>
+          <a:off x="0" y="0"/>
+          <a:ext cx="0" cy="0"/>
+          <a:chOff x="0" y="0"/>
+          <a:chExt cx="0" cy="0"/>
+        </a:xfrm>
+      </p:grpSpPr>
+      <p:sp>
+        <p:nvSpPr>
+          <p:cNvPr id="2" name="标题 1"/>
+          <p:cNvSpPr>
+            <a:spLocks noGrp="1"/>
+          </p:cNvSpPr>
+          <p:nvPr>
+            <p:ph type="title"/>
+          </p:nvPr>
+        </p:nvSpPr>
+        <p:spPr/>
+        <p:txBody>
+          <a:bodyPr/>
+          <a:lstStyle/>
+          <a:p>
+            <a:r>
+              <a:rPr lang="zh-CN"/>
+              <a:t>标题和内容版式与图表</a:t>
+            </a:r>
+          </a:p>
+        </p:txBody>
+      </p:sp>
+      <p:graphicFrame>
+        <p:nvGraphicFramePr>
+          <p:cNvPr id="6" name="内容占位符 5"/>
+          <p:cNvGraphicFramePr>
+            <a:graphicFrameLocks noGrp="1"/>
+          </p:cNvGraphicFramePr>
+          <p:nvPr>
+            <p:ph idx="1"/>
+            <p:extLst>
+              <p:ext uri="{D42A27DB-BD31-4B8C-83A1-F6EECF244321}">
+                <p14:modId xmlns:p14="http://schemas.microsoft.com/office/powerpoint/2010/main" val="1698860746"/>
+              </p:ext>
+            </p:extLst>
+          </p:nvPr>
+        </p:nvGraphicFramePr>
+        <p:xfrm>
+          <a:off x="1341438" y="1573213"/>
+          <a:ext cx="9510712" cy="4141787"/>
+        </p:xfrm>
+        <a:graphic>
+          <a:graphicData uri="http://schemas.openxmlformats.org/drawingml/2006/chart">
+            <c:chart xmlns:c="http://schemas.openxmlformats.org/drawingml/2006/chart" xmlns:r="http://schemas.openxmlformats.org/officeDocument/2006/relationships" r:id="rId2"/>
+          </a:graphicData>
+        </a:graphic>
+      </p:graphicFrame>
+    </p:spTree>
+    <p:extLst>
+      <p:ext uri="{BB962C8B-B14F-4D97-AF65-F5344CB8AC3E}">
+        <p14:creationId xmlns:p14="http://schemas.microsoft.com/office/powerpoint/2010/main" val="2578687163"/>
+      </p:ext>
+    </p:extLst>
+  </p:cSld>
+  <p:clrMapOvr>
+    <a:masterClrMapping/>
+  </p:clrMapOvr>
+  <mc:AlternateContent xmlns:mc="http://schemas.openxmlformats.org/markup-compatibility/2006" xmlns:p14="http://schemas.microsoft.com/office/powerpoint/2010/main">
+    <mc:Choice Requires="p14">
+      <p:transition spd="med" p14:dur="700">
+        <p:fade/>
+      </p:transition>
+    </mc:Choice>
+    <mc:Fallback xmlns="">
+      <p:transition spd="med">
+        <p:fade/>
+      </p:transition>
+    </mc:Fallback>
+  </mc:AlternateContent>
+  <p:timing>
+    <p:tnLst>
+      <p:par>
+        <p:cTn id="1" dur="indefinite" restart="never" nodeType="tmRoot"/>
+      </p:par>
+    </p:tnLst>
+  </p:timing>
+</p:sld>
+</file>
+
+<file path=ppt/slides/slide15.xml><?xml version="1.0" encoding="utf-8"?>
+<p:sld xmlns:a="http://schemas.openxmlformats.org/drawingml/2006/main" xmlns:r="http://schemas.openxmlformats.org/officeDocument/2006/relationships" xmlns:p="http://schemas.openxmlformats.org/presentationml/2006/main">
+  <p:cSld>
+    <p:spTree>
+      <p:nvGrpSpPr>
+        <p:cNvPr id="1" name=""/>
+        <p:cNvGrpSpPr/>
+        <p:nvPr/>
+      </p:nvGrpSpPr>
+      <p:grpSpPr>
+        <a:xfrm>
+          <a:off x="0" y="0"/>
+          <a:ext cx="0" cy="0"/>
+          <a:chOff x="0" y="0"/>
+          <a:chExt cx="0" cy="0"/>
+        </a:xfrm>
+      </p:grpSpPr>
+      <p:sp>
+        <p:nvSpPr>
+          <p:cNvPr id="2" name="标题 1"/>
+          <p:cNvSpPr>
+            <a:spLocks noGrp="1"/>
+          </p:cNvSpPr>
+          <p:nvPr>
+            <p:ph type="title"/>
+          </p:nvPr>
+        </p:nvSpPr>
+        <p:spPr/>
+        <p:txBody>
+          <a:bodyPr/>
+          <a:lstStyle/>
+          <a:p>
+            <a:r>
               <a:rPr lang="zh-CN"/>
               <a:t>图片与标题版式</a:t>
             </a:r>
@@ -9279,7 +13986,7 @@
 </p:sld>
 </file>
 
-<file path=ppt/slides/slide11.xml><?xml version="1.0" encoding="utf-8"?>
+<file path=ppt/slides/slide16.xml><?xml version="1.0" encoding="utf-8"?>
 <p:sld xmlns:a="http://schemas.openxmlformats.org/drawingml/2006/main" xmlns:r="http://schemas.openxmlformats.org/officeDocument/2006/relationships" xmlns:p="http://schemas.openxmlformats.org/presentationml/2006/main">
   <p:cSld>
     <p:spTree>
@@ -9381,21 +14088,21 @@
                 <a:gridCol w="1524000">
                   <a:extLst>
                     <a:ext uri="{9D8B030D-6E8A-4147-A177-3AD203B41FA5}">
-                      <a16:colId xmlns:a16="http://schemas.microsoft.com/office/drawing/2014/main" xmlns="" val="20000"/>
+                      <a16:colId xmlns:a16="http://schemas.microsoft.com/office/drawing/2014/main" val="20000"/>
                     </a:ext>
                   </a:extLst>
                 </a:gridCol>
                 <a:gridCol w="1524000">
                   <a:extLst>
                     <a:ext uri="{9D8B030D-6E8A-4147-A177-3AD203B41FA5}">
-                      <a16:colId xmlns:a16="http://schemas.microsoft.com/office/drawing/2014/main" xmlns="" val="20001"/>
+                      <a16:colId xmlns:a16="http://schemas.microsoft.com/office/drawing/2014/main" val="20001"/>
                     </a:ext>
                   </a:extLst>
                 </a:gridCol>
                 <a:gridCol w="1524000">
                   <a:extLst>
                     <a:ext uri="{9D8B030D-6E8A-4147-A177-3AD203B41FA5}">
-                      <a16:colId xmlns:a16="http://schemas.microsoft.com/office/drawing/2014/main" xmlns="" val="20002"/>
+                      <a16:colId xmlns:a16="http://schemas.microsoft.com/office/drawing/2014/main" val="20002"/>
                     </a:ext>
                   </a:extLst>
                 </a:gridCol>
@@ -9450,7 +14157,7 @@
                 </a:tc>
                 <a:extLst>
                   <a:ext uri="{0D108BD9-81ED-4DB2-BD59-A6C34878D82A}">
-                    <a16:rowId xmlns:a16="http://schemas.microsoft.com/office/drawing/2014/main" xmlns="" val="10000"/>
+                    <a16:rowId xmlns:a16="http://schemas.microsoft.com/office/drawing/2014/main" val="10000"/>
                   </a:ext>
                 </a:extLst>
               </a:tr>
@@ -9507,7 +14214,7 @@
                 </a:tc>
                 <a:extLst>
                   <a:ext uri="{0D108BD9-81ED-4DB2-BD59-A6C34878D82A}">
-                    <a16:rowId xmlns:a16="http://schemas.microsoft.com/office/drawing/2014/main" xmlns="" val="10001"/>
+                    <a16:rowId xmlns:a16="http://schemas.microsoft.com/office/drawing/2014/main" val="10001"/>
                   </a:ext>
                 </a:extLst>
               </a:tr>
@@ -9564,7 +14271,7 @@
                 </a:tc>
                 <a:extLst>
                   <a:ext uri="{0D108BD9-81ED-4DB2-BD59-A6C34878D82A}">
-                    <a16:rowId xmlns:a16="http://schemas.microsoft.com/office/drawing/2014/main" xmlns="" val="10002"/>
+                    <a16:rowId xmlns:a16="http://schemas.microsoft.com/office/drawing/2014/main" val="10002"/>
                   </a:ext>
                 </a:extLst>
               </a:tr>
@@ -9621,7 +14328,7 @@
                 </a:tc>
                 <a:extLst>
                   <a:ext uri="{0D108BD9-81ED-4DB2-BD59-A6C34878D82A}">
-                    <a16:rowId xmlns:a16="http://schemas.microsoft.com/office/drawing/2014/main" xmlns="" val="10003"/>
+                    <a16:rowId xmlns:a16="http://schemas.microsoft.com/office/drawing/2014/main" val="10003"/>
                   </a:ext>
                 </a:extLst>
               </a:tr>
@@ -9661,7 +14368,7 @@
 </p:sld>
 </file>
 
-<file path=ppt/slides/slide12.xml><?xml version="1.0" encoding="utf-8"?>
+<file path=ppt/slides/slide17.xml><?xml version="1.0" encoding="utf-8"?>
 <p:sld xmlns:a="http://schemas.openxmlformats.org/drawingml/2006/main" xmlns:r="http://schemas.openxmlformats.org/officeDocument/2006/relationships" xmlns:p="http://schemas.openxmlformats.org/presentationml/2006/main">
   <p:cSld>
     <p:spTree>
@@ -9791,7 +14498,7 @@
 </p:sld>
 </file>
 
-<file path=ppt/slides/slide13.xml><?xml version="1.0" encoding="utf-8"?>
+<file path=ppt/slides/slide18.xml><?xml version="1.0" encoding="utf-8"?>
 <p:sld xmlns:a="http://schemas.openxmlformats.org/drawingml/2006/main" xmlns:r="http://schemas.openxmlformats.org/officeDocument/2006/relationships" xmlns:p="http://schemas.openxmlformats.org/presentationml/2006/main">
   <p:cSld>
     <p:spTree>
@@ -9878,7 +14585,7 @@
 </p:sld>
 </file>
 
-<file path=ppt/slides/slide14.xml><?xml version="1.0" encoding="utf-8"?>
+<file path=ppt/slides/slide19.xml><?xml version="1.0" encoding="utf-8"?>
 <p:sld xmlns:a="http://schemas.openxmlformats.org/drawingml/2006/main" xmlns:r="http://schemas.openxmlformats.org/officeDocument/2006/relationships" xmlns:p="http://schemas.openxmlformats.org/presentationml/2006/main">
   <p:cSld>
     <p:spTree>
@@ -9994,229 +14701,6 @@
     <p:extLst>
       <p:ext uri="{BB962C8B-B14F-4D97-AF65-F5344CB8AC3E}">
         <p14:creationId xmlns:p14="http://schemas.microsoft.com/office/powerpoint/2010/main" val="212726890"/>
-      </p:ext>
-    </p:extLst>
-  </p:cSld>
-  <p:clrMapOvr>
-    <a:masterClrMapping/>
-  </p:clrMapOvr>
-  <mc:AlternateContent xmlns:mc="http://schemas.openxmlformats.org/markup-compatibility/2006" xmlns:p14="http://schemas.microsoft.com/office/powerpoint/2010/main">
-    <mc:Choice Requires="p14">
-      <p:transition spd="med" p14:dur="700">
-        <p:fade/>
-      </p:transition>
-    </mc:Choice>
-    <mc:Fallback xmlns="">
-      <p:transition spd="med">
-        <p:fade/>
-      </p:transition>
-    </mc:Fallback>
-  </mc:AlternateContent>
-  <p:timing>
-    <p:tnLst>
-      <p:par>
-        <p:cTn id="1" dur="indefinite" restart="never" nodeType="tmRoot"/>
-      </p:par>
-    </p:tnLst>
-  </p:timing>
-</p:sld>
-</file>
-
-<file path=ppt/slides/slide15.xml><?xml version="1.0" encoding="utf-8"?>
-<p:sld xmlns:a="http://schemas.openxmlformats.org/drawingml/2006/main" xmlns:r="http://schemas.openxmlformats.org/officeDocument/2006/relationships" xmlns:p="http://schemas.openxmlformats.org/presentationml/2006/main">
-  <p:cSld>
-    <p:spTree>
-      <p:nvGrpSpPr>
-        <p:cNvPr id="1" name=""/>
-        <p:cNvGrpSpPr/>
-        <p:nvPr/>
-      </p:nvGrpSpPr>
-      <p:grpSpPr>
-        <a:xfrm>
-          <a:off x="0" y="0"/>
-          <a:ext cx="0" cy="0"/>
-          <a:chOff x="0" y="0"/>
-          <a:chExt cx="0" cy="0"/>
-        </a:xfrm>
-      </p:grpSpPr>
-      <p:sp>
-        <p:nvSpPr>
-          <p:cNvPr id="2" name="标题 1"/>
-          <p:cNvSpPr>
-            <a:spLocks noGrp="1"/>
-          </p:cNvSpPr>
-          <p:nvPr>
-            <p:ph type="title"/>
-          </p:nvPr>
-        </p:nvSpPr>
-        <p:spPr/>
-        <p:txBody>
-          <a:bodyPr/>
-          <a:lstStyle/>
-          <a:p>
-            <a:endParaRPr lang="zh-CN" dirty="0"/>
-          </a:p>
-        </p:txBody>
-      </p:sp>
-    </p:spTree>
-    <p:extLst>
-      <p:ext uri="{BB962C8B-B14F-4D97-AF65-F5344CB8AC3E}">
-        <p14:creationId xmlns:p14="http://schemas.microsoft.com/office/powerpoint/2010/main" val="1689357796"/>
-      </p:ext>
-    </p:extLst>
-  </p:cSld>
-  <p:clrMapOvr>
-    <a:masterClrMapping/>
-  </p:clrMapOvr>
-  <mc:AlternateContent xmlns:mc="http://schemas.openxmlformats.org/markup-compatibility/2006" xmlns:p14="http://schemas.microsoft.com/office/powerpoint/2010/main">
-    <mc:Choice Requires="p14">
-      <p:transition spd="med" p14:dur="700">
-        <p:fade/>
-      </p:transition>
-    </mc:Choice>
-    <mc:Fallback xmlns="">
-      <p:transition spd="med">
-        <p:fade/>
-      </p:transition>
-    </mc:Fallback>
-  </mc:AlternateContent>
-  <p:timing>
-    <p:tnLst>
-      <p:par>
-        <p:cTn id="1" dur="indefinite" restart="never" nodeType="tmRoot"/>
-      </p:par>
-    </p:tnLst>
-  </p:timing>
-</p:sld>
-</file>
-
-<file path=ppt/slides/slide16.xml><?xml version="1.0" encoding="utf-8"?>
-<p:sld xmlns:a="http://schemas.openxmlformats.org/drawingml/2006/main" xmlns:r="http://schemas.openxmlformats.org/officeDocument/2006/relationships" xmlns:p="http://schemas.openxmlformats.org/presentationml/2006/main">
-  <p:cSld>
-    <p:spTree>
-      <p:nvGrpSpPr>
-        <p:cNvPr id="1" name=""/>
-        <p:cNvGrpSpPr/>
-        <p:nvPr/>
-      </p:nvGrpSpPr>
-      <p:grpSpPr>
-        <a:xfrm>
-          <a:off x="0" y="0"/>
-          <a:ext cx="0" cy="0"/>
-          <a:chOff x="0" y="0"/>
-          <a:chExt cx="0" cy="0"/>
-        </a:xfrm>
-      </p:grpSpPr>
-    </p:spTree>
-    <p:extLst>
-      <p:ext uri="{BB962C8B-B14F-4D97-AF65-F5344CB8AC3E}">
-        <p14:creationId xmlns:p14="http://schemas.microsoft.com/office/powerpoint/2010/main" val="428241947"/>
-      </p:ext>
-    </p:extLst>
-  </p:cSld>
-  <p:clrMapOvr>
-    <a:masterClrMapping/>
-  </p:clrMapOvr>
-  <mc:AlternateContent xmlns:mc="http://schemas.openxmlformats.org/markup-compatibility/2006" xmlns:p14="http://schemas.microsoft.com/office/powerpoint/2010/main">
-    <mc:Choice Requires="p14">
-      <p:transition spd="med" p14:dur="700">
-        <p:fade/>
-      </p:transition>
-    </mc:Choice>
-    <mc:Fallback xmlns="">
-      <p:transition spd="med">
-        <p:fade/>
-      </p:transition>
-    </mc:Fallback>
-  </mc:AlternateContent>
-  <p:timing>
-    <p:tnLst>
-      <p:par>
-        <p:cTn id="1" dur="indefinite" restart="never" nodeType="tmRoot"/>
-      </p:par>
-    </p:tnLst>
-  </p:timing>
-</p:sld>
-</file>
-
-<file path=ppt/slides/slide17.xml><?xml version="1.0" encoding="utf-8"?>
-<p:sld xmlns:a="http://schemas.openxmlformats.org/drawingml/2006/main" xmlns:r="http://schemas.openxmlformats.org/officeDocument/2006/relationships" xmlns:p="http://schemas.openxmlformats.org/presentationml/2006/main">
-  <p:cSld>
-    <p:spTree>
-      <p:nvGrpSpPr>
-        <p:cNvPr id="1" name=""/>
-        <p:cNvGrpSpPr/>
-        <p:nvPr/>
-      </p:nvGrpSpPr>
-      <p:grpSpPr>
-        <a:xfrm>
-          <a:off x="0" y="0"/>
-          <a:ext cx="0" cy="0"/>
-          <a:chOff x="0" y="0"/>
-          <a:chExt cx="0" cy="0"/>
-        </a:xfrm>
-      </p:grpSpPr>
-      <p:sp>
-        <p:nvSpPr>
-          <p:cNvPr id="2" name="标题 1"/>
-          <p:cNvSpPr>
-            <a:spLocks noGrp="1"/>
-          </p:cNvSpPr>
-          <p:nvPr>
-            <p:ph type="title"/>
-          </p:nvPr>
-        </p:nvSpPr>
-        <p:spPr/>
-        <p:txBody>
-          <a:bodyPr/>
-          <a:lstStyle/>
-          <a:p>
-            <a:endParaRPr lang="zh-CN" dirty="0"/>
-          </a:p>
-        </p:txBody>
-      </p:sp>
-      <p:sp>
-        <p:nvSpPr>
-          <p:cNvPr id="3" name="内容占位符 2"/>
-          <p:cNvSpPr>
-            <a:spLocks noGrp="1"/>
-          </p:cNvSpPr>
-          <p:nvPr>
-            <p:ph idx="1"/>
-          </p:nvPr>
-        </p:nvSpPr>
-        <p:spPr/>
-        <p:txBody>
-          <a:bodyPr/>
-          <a:lstStyle/>
-          <a:p>
-            <a:endParaRPr lang="zh-CN"/>
-          </a:p>
-        </p:txBody>
-      </p:sp>
-      <p:sp>
-        <p:nvSpPr>
-          <p:cNvPr id="4" name="文本占位符 3"/>
-          <p:cNvSpPr>
-            <a:spLocks noGrp="1"/>
-          </p:cNvSpPr>
-          <p:nvPr>
-            <p:ph type="body" sz="half" idx="2"/>
-          </p:nvPr>
-        </p:nvSpPr>
-        <p:spPr/>
-        <p:txBody>
-          <a:bodyPr/>
-          <a:lstStyle/>
-          <a:p>
-            <a:endParaRPr lang="zh-CN"/>
-          </a:p>
-        </p:txBody>
-      </p:sp>
-    </p:spTree>
-    <p:extLst>
-      <p:ext uri="{BB962C8B-B14F-4D97-AF65-F5344CB8AC3E}">
-        <p14:creationId xmlns:p14="http://schemas.microsoft.com/office/powerpoint/2010/main" val="161801657"/>
       </p:ext>
     </p:extLst>
   </p:cSld>
@@ -10380,6 +14864,229 @@
     <p:extLst>
       <p:ext uri="{BB962C8B-B14F-4D97-AF65-F5344CB8AC3E}">
         <p14:creationId xmlns:p14="http://schemas.microsoft.com/office/powerpoint/2010/main" val="3327456264"/>
+      </p:ext>
+    </p:extLst>
+  </p:cSld>
+  <p:clrMapOvr>
+    <a:masterClrMapping/>
+  </p:clrMapOvr>
+  <mc:AlternateContent xmlns:mc="http://schemas.openxmlformats.org/markup-compatibility/2006" xmlns:p14="http://schemas.microsoft.com/office/powerpoint/2010/main">
+    <mc:Choice Requires="p14">
+      <p:transition spd="med" p14:dur="700">
+        <p:fade/>
+      </p:transition>
+    </mc:Choice>
+    <mc:Fallback xmlns="">
+      <p:transition spd="med">
+        <p:fade/>
+      </p:transition>
+    </mc:Fallback>
+  </mc:AlternateContent>
+  <p:timing>
+    <p:tnLst>
+      <p:par>
+        <p:cTn id="1" dur="indefinite" restart="never" nodeType="tmRoot"/>
+      </p:par>
+    </p:tnLst>
+  </p:timing>
+</p:sld>
+</file>
+
+<file path=ppt/slides/slide20.xml><?xml version="1.0" encoding="utf-8"?>
+<p:sld xmlns:a="http://schemas.openxmlformats.org/drawingml/2006/main" xmlns:r="http://schemas.openxmlformats.org/officeDocument/2006/relationships" xmlns:p="http://schemas.openxmlformats.org/presentationml/2006/main">
+  <p:cSld>
+    <p:spTree>
+      <p:nvGrpSpPr>
+        <p:cNvPr id="1" name=""/>
+        <p:cNvGrpSpPr/>
+        <p:nvPr/>
+      </p:nvGrpSpPr>
+      <p:grpSpPr>
+        <a:xfrm>
+          <a:off x="0" y="0"/>
+          <a:ext cx="0" cy="0"/>
+          <a:chOff x="0" y="0"/>
+          <a:chExt cx="0" cy="0"/>
+        </a:xfrm>
+      </p:grpSpPr>
+      <p:sp>
+        <p:nvSpPr>
+          <p:cNvPr id="2" name="标题 1"/>
+          <p:cNvSpPr>
+            <a:spLocks noGrp="1"/>
+          </p:cNvSpPr>
+          <p:nvPr>
+            <p:ph type="title"/>
+          </p:nvPr>
+        </p:nvSpPr>
+        <p:spPr/>
+        <p:txBody>
+          <a:bodyPr/>
+          <a:lstStyle/>
+          <a:p>
+            <a:endParaRPr lang="zh-CN" dirty="0"/>
+          </a:p>
+        </p:txBody>
+      </p:sp>
+    </p:spTree>
+    <p:extLst>
+      <p:ext uri="{BB962C8B-B14F-4D97-AF65-F5344CB8AC3E}">
+        <p14:creationId xmlns:p14="http://schemas.microsoft.com/office/powerpoint/2010/main" val="1689357796"/>
+      </p:ext>
+    </p:extLst>
+  </p:cSld>
+  <p:clrMapOvr>
+    <a:masterClrMapping/>
+  </p:clrMapOvr>
+  <mc:AlternateContent xmlns:mc="http://schemas.openxmlformats.org/markup-compatibility/2006" xmlns:p14="http://schemas.microsoft.com/office/powerpoint/2010/main">
+    <mc:Choice Requires="p14">
+      <p:transition spd="med" p14:dur="700">
+        <p:fade/>
+      </p:transition>
+    </mc:Choice>
+    <mc:Fallback xmlns="">
+      <p:transition spd="med">
+        <p:fade/>
+      </p:transition>
+    </mc:Fallback>
+  </mc:AlternateContent>
+  <p:timing>
+    <p:tnLst>
+      <p:par>
+        <p:cTn id="1" dur="indefinite" restart="never" nodeType="tmRoot"/>
+      </p:par>
+    </p:tnLst>
+  </p:timing>
+</p:sld>
+</file>
+
+<file path=ppt/slides/slide21.xml><?xml version="1.0" encoding="utf-8"?>
+<p:sld xmlns:a="http://schemas.openxmlformats.org/drawingml/2006/main" xmlns:r="http://schemas.openxmlformats.org/officeDocument/2006/relationships" xmlns:p="http://schemas.openxmlformats.org/presentationml/2006/main">
+  <p:cSld>
+    <p:spTree>
+      <p:nvGrpSpPr>
+        <p:cNvPr id="1" name=""/>
+        <p:cNvGrpSpPr/>
+        <p:nvPr/>
+      </p:nvGrpSpPr>
+      <p:grpSpPr>
+        <a:xfrm>
+          <a:off x="0" y="0"/>
+          <a:ext cx="0" cy="0"/>
+          <a:chOff x="0" y="0"/>
+          <a:chExt cx="0" cy="0"/>
+        </a:xfrm>
+      </p:grpSpPr>
+    </p:spTree>
+    <p:extLst>
+      <p:ext uri="{BB962C8B-B14F-4D97-AF65-F5344CB8AC3E}">
+        <p14:creationId xmlns:p14="http://schemas.microsoft.com/office/powerpoint/2010/main" val="428241947"/>
+      </p:ext>
+    </p:extLst>
+  </p:cSld>
+  <p:clrMapOvr>
+    <a:masterClrMapping/>
+  </p:clrMapOvr>
+  <mc:AlternateContent xmlns:mc="http://schemas.openxmlformats.org/markup-compatibility/2006" xmlns:p14="http://schemas.microsoft.com/office/powerpoint/2010/main">
+    <mc:Choice Requires="p14">
+      <p:transition spd="med" p14:dur="700">
+        <p:fade/>
+      </p:transition>
+    </mc:Choice>
+    <mc:Fallback xmlns="">
+      <p:transition spd="med">
+        <p:fade/>
+      </p:transition>
+    </mc:Fallback>
+  </mc:AlternateContent>
+  <p:timing>
+    <p:tnLst>
+      <p:par>
+        <p:cTn id="1" dur="indefinite" restart="never" nodeType="tmRoot"/>
+      </p:par>
+    </p:tnLst>
+  </p:timing>
+</p:sld>
+</file>
+
+<file path=ppt/slides/slide22.xml><?xml version="1.0" encoding="utf-8"?>
+<p:sld xmlns:a="http://schemas.openxmlformats.org/drawingml/2006/main" xmlns:r="http://schemas.openxmlformats.org/officeDocument/2006/relationships" xmlns:p="http://schemas.openxmlformats.org/presentationml/2006/main">
+  <p:cSld>
+    <p:spTree>
+      <p:nvGrpSpPr>
+        <p:cNvPr id="1" name=""/>
+        <p:cNvGrpSpPr/>
+        <p:nvPr/>
+      </p:nvGrpSpPr>
+      <p:grpSpPr>
+        <a:xfrm>
+          <a:off x="0" y="0"/>
+          <a:ext cx="0" cy="0"/>
+          <a:chOff x="0" y="0"/>
+          <a:chExt cx="0" cy="0"/>
+        </a:xfrm>
+      </p:grpSpPr>
+      <p:sp>
+        <p:nvSpPr>
+          <p:cNvPr id="2" name="标题 1"/>
+          <p:cNvSpPr>
+            <a:spLocks noGrp="1"/>
+          </p:cNvSpPr>
+          <p:nvPr>
+            <p:ph type="title"/>
+          </p:nvPr>
+        </p:nvSpPr>
+        <p:spPr/>
+        <p:txBody>
+          <a:bodyPr/>
+          <a:lstStyle/>
+          <a:p>
+            <a:endParaRPr lang="zh-CN" dirty="0"/>
+          </a:p>
+        </p:txBody>
+      </p:sp>
+      <p:sp>
+        <p:nvSpPr>
+          <p:cNvPr id="3" name="内容占位符 2"/>
+          <p:cNvSpPr>
+            <a:spLocks noGrp="1"/>
+          </p:cNvSpPr>
+          <p:nvPr>
+            <p:ph idx="1"/>
+          </p:nvPr>
+        </p:nvSpPr>
+        <p:spPr/>
+        <p:txBody>
+          <a:bodyPr/>
+          <a:lstStyle/>
+          <a:p>
+            <a:endParaRPr lang="zh-CN"/>
+          </a:p>
+        </p:txBody>
+      </p:sp>
+      <p:sp>
+        <p:nvSpPr>
+          <p:cNvPr id="4" name="文本占位符 3"/>
+          <p:cNvSpPr>
+            <a:spLocks noGrp="1"/>
+          </p:cNvSpPr>
+          <p:nvPr>
+            <p:ph type="body" sz="half" idx="2"/>
+          </p:nvPr>
+        </p:nvSpPr>
+        <p:spPr/>
+        <p:txBody>
+          <a:bodyPr/>
+          <a:lstStyle/>
+          <a:p>
+            <a:endParaRPr lang="zh-CN"/>
+          </a:p>
+        </p:txBody>
+      </p:sp>
+    </p:spTree>
+    <p:extLst>
+      <p:ext uri="{BB962C8B-B14F-4D97-AF65-F5344CB8AC3E}">
+        <p14:creationId xmlns:p14="http://schemas.microsoft.com/office/powerpoint/2010/main" val="161801657"/>
       </p:ext>
     </p:extLst>
   </p:cSld>
@@ -11799,6 +16506,13 @@
       </p:transition>
     </mc:Fallback>
   </mc:AlternateContent>
+  <p:timing>
+    <p:tnLst>
+      <p:par>
+        <p:cTn id="1" dur="indefinite" restart="never" nodeType="tmRoot"/>
+      </p:par>
+    </p:tnLst>
+  </p:timing>
 </p:sld>
 </file>
 
@@ -11854,10 +16568,229 @@
         </p:nvSpPr>
         <p:spPr/>
         <p:txBody>
-          <a:bodyPr/>
+          <a:bodyPr>
+            <a:normAutofit/>
+          </a:bodyPr>
           <a:lstStyle/>
           <a:p>
-            <a:endParaRPr lang="zh-CN" altLang="en-US"/>
+            <a:r>
+              <a:rPr lang="zh-CN" altLang="en-US" dirty="0" smtClean="0"/>
+              <a:t>特点</a:t>
+            </a:r>
+            <a:endParaRPr lang="en-US" altLang="zh-CN" dirty="0" smtClean="0"/>
+          </a:p>
+          <a:p>
+            <a:pPr marL="45720" indent="0">
+              <a:buNone/>
+            </a:pPr>
+            <a:r>
+              <a:rPr lang="zh-CN" altLang="en-US" dirty="0" smtClean="0"/>
+              <a:t>   </a:t>
+            </a:r>
+            <a:r>
+              <a:rPr lang="zh-CN" altLang="en-US" sz="1600" dirty="0" smtClean="0">
+                <a:solidFill>
+                  <a:srgbClr val="0070C0"/>
+                </a:solidFill>
+              </a:rPr>
+              <a:t>加密</a:t>
+            </a:r>
+            <a:r>
+              <a:rPr lang="zh-CN" altLang="en-US" sz="1600" dirty="0">
+                <a:solidFill>
+                  <a:srgbClr val="0070C0"/>
+                </a:solidFill>
+              </a:rPr>
+              <a:t>秘钥 </a:t>
+            </a:r>
+            <a:r>
+              <a:rPr lang="en-US" altLang="zh-CN" sz="1600" dirty="0">
+                <a:solidFill>
+                  <a:srgbClr val="0070C0"/>
+                </a:solidFill>
+              </a:rPr>
+              <a:t>= </a:t>
+            </a:r>
+            <a:r>
+              <a:rPr lang="zh-CN" altLang="en-US" sz="1600" dirty="0">
+                <a:solidFill>
+                  <a:srgbClr val="0070C0"/>
+                </a:solidFill>
+              </a:rPr>
+              <a:t>解密秘钥</a:t>
+            </a:r>
+            <a:endParaRPr lang="en-US" altLang="zh-CN" sz="1600" dirty="0">
+              <a:solidFill>
+                <a:srgbClr val="0070C0"/>
+              </a:solidFill>
+            </a:endParaRPr>
+          </a:p>
+          <a:p>
+            <a:r>
+              <a:rPr lang="zh-CN" altLang="en-US" dirty="0" smtClean="0"/>
+              <a:t>常用对称加密算法</a:t>
+            </a:r>
+            <a:endParaRPr lang="en-US" altLang="zh-CN" dirty="0" smtClean="0"/>
+          </a:p>
+          <a:p>
+            <a:pPr marL="45720" indent="0">
+              <a:buNone/>
+            </a:pPr>
+            <a:r>
+              <a:rPr lang="en-US" altLang="zh-CN" dirty="0" smtClean="0"/>
+              <a:t>   </a:t>
+            </a:r>
+            <a:r>
+              <a:rPr lang="en-US" altLang="zh-CN" sz="1600" dirty="0" smtClean="0">
+                <a:solidFill>
+                  <a:srgbClr val="0070C0"/>
+                </a:solidFill>
+              </a:rPr>
+              <a:t>DES</a:t>
+            </a:r>
+            <a:r>
+              <a:rPr lang="zh-CN" altLang="en-US" sz="1600" dirty="0" smtClean="0">
+                <a:solidFill>
+                  <a:srgbClr val="0070C0"/>
+                </a:solidFill>
+              </a:rPr>
+              <a:t>、</a:t>
+            </a:r>
+            <a:r>
+              <a:rPr lang="en-US" altLang="zh-CN" sz="1600" dirty="0" smtClean="0">
+                <a:solidFill>
+                  <a:srgbClr val="0070C0"/>
+                </a:solidFill>
+              </a:rPr>
+              <a:t>3DES</a:t>
+            </a:r>
+            <a:r>
+              <a:rPr lang="zh-CN" altLang="en-US" sz="1600" dirty="0" smtClean="0">
+                <a:solidFill>
+                  <a:srgbClr val="0070C0"/>
+                </a:solidFill>
+              </a:rPr>
+              <a:t>、</a:t>
+            </a:r>
+            <a:r>
+              <a:rPr lang="en-US" altLang="zh-CN" sz="1600" dirty="0" smtClean="0">
+                <a:solidFill>
+                  <a:srgbClr val="0070C0"/>
+                </a:solidFill>
+              </a:rPr>
+              <a:t>AES</a:t>
+            </a:r>
+            <a:r>
+              <a:rPr lang="zh-CN" altLang="en-US" sz="1600" dirty="0" smtClean="0">
+                <a:solidFill>
+                  <a:srgbClr val="0070C0"/>
+                </a:solidFill>
+              </a:rPr>
+              <a:t>、</a:t>
+            </a:r>
+            <a:r>
+              <a:rPr lang="en-US" altLang="zh-CN" sz="1600" dirty="0" smtClean="0">
+                <a:solidFill>
+                  <a:srgbClr val="0070C0"/>
+                </a:solidFill>
+              </a:rPr>
+              <a:t>IDEA</a:t>
+            </a:r>
+            <a:endParaRPr lang="en-US" altLang="zh-CN" sz="1600" dirty="0">
+              <a:solidFill>
+                <a:srgbClr val="0070C0"/>
+              </a:solidFill>
+            </a:endParaRPr>
+          </a:p>
+          <a:p>
+            <a:r>
+              <a:rPr lang="zh-CN" altLang="en-US" dirty="0" smtClean="0"/>
+              <a:t>用途</a:t>
+            </a:r>
+            <a:endParaRPr lang="en-US" altLang="zh-CN" dirty="0" smtClean="0"/>
+          </a:p>
+          <a:p>
+            <a:pPr marL="45720" indent="0">
+              <a:buNone/>
+            </a:pPr>
+            <a:r>
+              <a:rPr lang="en-US" altLang="zh-CN" sz="1600" dirty="0">
+                <a:solidFill>
+                  <a:srgbClr val="0070C0"/>
+                </a:solidFill>
+              </a:rPr>
+              <a:t> </a:t>
+            </a:r>
+            <a:r>
+              <a:rPr lang="en-US" altLang="zh-CN" sz="1600" dirty="0">
+                <a:solidFill>
+                  <a:srgbClr val="0070C0"/>
+                </a:solidFill>
+              </a:rPr>
+              <a:t>  </a:t>
+            </a:r>
+            <a:r>
+              <a:rPr lang="en-US" altLang="zh-CN" sz="1600" dirty="0" smtClean="0">
+                <a:solidFill>
+                  <a:srgbClr val="0070C0"/>
+                </a:solidFill>
+              </a:rPr>
+              <a:t> </a:t>
+            </a:r>
+            <a:r>
+              <a:rPr lang="zh-CN" altLang="en-US" sz="1600" dirty="0" smtClean="0">
+                <a:solidFill>
+                  <a:srgbClr val="0070C0"/>
+                </a:solidFill>
+              </a:rPr>
+              <a:t>加密</a:t>
+            </a:r>
+            <a:endParaRPr lang="en-US" altLang="zh-CN" sz="1600" dirty="0">
+              <a:solidFill>
+                <a:srgbClr val="0070C0"/>
+              </a:solidFill>
+            </a:endParaRPr>
+          </a:p>
+          <a:p>
+            <a:r>
+              <a:rPr lang="zh-CN" altLang="en-US" dirty="0" smtClean="0"/>
+              <a:t>缺点</a:t>
+            </a:r>
+            <a:endParaRPr lang="en-US" altLang="zh-CN" dirty="0" smtClean="0"/>
+          </a:p>
+          <a:p>
+            <a:pPr marL="45720" indent="0">
+              <a:buNone/>
+            </a:pPr>
+            <a:r>
+              <a:rPr lang="en-US" altLang="zh-CN" sz="1600" dirty="0">
+                <a:solidFill>
+                  <a:srgbClr val="0070C0"/>
+                </a:solidFill>
+              </a:rPr>
+              <a:t> </a:t>
+            </a:r>
+            <a:r>
+              <a:rPr lang="en-US" altLang="zh-CN" sz="1600" dirty="0">
+                <a:solidFill>
+                  <a:srgbClr val="0070C0"/>
+                </a:solidFill>
+              </a:rPr>
+              <a:t>  </a:t>
+            </a:r>
+            <a:r>
+              <a:rPr lang="zh-CN" altLang="en-US" sz="1600" dirty="0">
+                <a:solidFill>
+                  <a:srgbClr val="0070C0"/>
+                </a:solidFill>
+              </a:rPr>
+              <a:t>不能保证秘钥交换安全</a:t>
+            </a:r>
+            <a:endParaRPr lang="en-US" altLang="zh-CN" sz="1600" dirty="0">
+              <a:solidFill>
+                <a:srgbClr val="0070C0"/>
+              </a:solidFill>
+            </a:endParaRPr>
           </a:p>
         </p:txBody>
       </p:sp>
@@ -11883,6 +16816,13 @@
       </p:transition>
     </mc:Fallback>
   </mc:AlternateContent>
+  <p:timing>
+    <p:tnLst>
+      <p:par>
+        <p:cTn id="1" dur="indefinite" restart="never" nodeType="tmRoot"/>
+      </p:par>
+    </p:tnLst>
+  </p:timing>
 </p:sld>
 </file>
 
@@ -11919,41 +16859,41 @@
           <a:lstStyle/>
           <a:p>
             <a:r>
-              <a:rPr lang="zh-CN"/>
-              <a:t>标题和内容版式与图表</a:t>
-            </a:r>
+              <a:rPr lang="zh-CN" altLang="en-US" dirty="0" smtClean="0"/>
+              <a:t>对称加密模型</a:t>
+            </a:r>
+            <a:endParaRPr lang="zh-CN" altLang="en-US" dirty="0"/>
           </a:p>
         </p:txBody>
       </p:sp>
-      <p:graphicFrame>
-        <p:nvGraphicFramePr>
-          <p:cNvPr id="6" name="内容占位符 5"/>
-          <p:cNvGraphicFramePr>
-            <a:graphicFrameLocks noGrp="1"/>
-          </p:cNvGraphicFramePr>
-          <p:nvPr>
-            <p:ph idx="1"/>
-            <p:extLst>
-              <p:ext uri="{D42A27DB-BD31-4B8C-83A1-F6EECF244321}">
-                <p14:modId xmlns:p14="http://schemas.microsoft.com/office/powerpoint/2010/main" val="1698860746"/>
-              </p:ext>
-            </p:extLst>
-          </p:nvPr>
-        </p:nvGraphicFramePr>
-        <p:xfrm>
-          <a:off x="1341438" y="1573213"/>
-          <a:ext cx="9510712" cy="4141787"/>
-        </p:xfrm>
-        <a:graphic>
-          <a:graphicData uri="http://schemas.openxmlformats.org/drawingml/2006/chart">
-            <c:chart xmlns:c="http://schemas.openxmlformats.org/drawingml/2006/chart" xmlns:r="http://schemas.openxmlformats.org/officeDocument/2006/relationships" r:id="rId2"/>
-          </a:graphicData>
-        </a:graphic>
-      </p:graphicFrame>
+      <p:pic>
+        <p:nvPicPr>
+          <p:cNvPr id="6" name="图片 5"/>
+          <p:cNvPicPr>
+            <a:picLocks noChangeAspect="1"/>
+          </p:cNvPicPr>
+          <p:nvPr/>
+        </p:nvPicPr>
+        <p:blipFill>
+          <a:blip r:embed="rId2"/>
+          <a:stretch>
+            <a:fillRect/>
+          </a:stretch>
+        </p:blipFill>
+        <p:spPr>
+          <a:xfrm>
+            <a:off x="1021083" y="2247808"/>
+            <a:ext cx="9478794" cy="2663826"/>
+          </a:xfrm>
+          <a:prstGeom prst="rect">
+            <a:avLst/>
+          </a:prstGeom>
+        </p:spPr>
+      </p:pic>
     </p:spTree>
     <p:extLst>
       <p:ext uri="{BB962C8B-B14F-4D97-AF65-F5344CB8AC3E}">
-        <p14:creationId xmlns:p14="http://schemas.microsoft.com/office/powerpoint/2010/main" val="2578687163"/>
+        <p14:creationId xmlns:p14="http://schemas.microsoft.com/office/powerpoint/2010/main" val="3451816626"/>
       </p:ext>
     </p:extLst>
   </p:cSld>

--- a/Java安全架构.pptx
+++ b/Java安全架构.pptx
@@ -5,10 +5,10 @@
     <p:sldMasterId id="2147483840" r:id="rId2"/>
   </p:sldMasterIdLst>
   <p:notesMasterIdLst>
-    <p:notesMasterId r:id="rId25"/>
+    <p:notesMasterId r:id="rId30"/>
   </p:notesMasterIdLst>
   <p:handoutMasterIdLst>
-    <p:handoutMasterId r:id="rId26"/>
+    <p:handoutMasterId r:id="rId31"/>
   </p:handoutMasterIdLst>
   <p:sldIdLst>
     <p:sldId id="256" r:id="rId3"/>
@@ -19,20 +19,25 @@
     <p:sldId id="269" r:id="rId8"/>
     <p:sldId id="271" r:id="rId9"/>
     <p:sldId id="272" r:id="rId10"/>
-    <p:sldId id="273" r:id="rId11"/>
-    <p:sldId id="274" r:id="rId12"/>
-    <p:sldId id="275" r:id="rId13"/>
-    <p:sldId id="276" r:id="rId14"/>
-    <p:sldId id="277" r:id="rId15"/>
-    <p:sldId id="258" r:id="rId16"/>
-    <p:sldId id="266" r:id="rId17"/>
-    <p:sldId id="260" r:id="rId18"/>
-    <p:sldId id="259" r:id="rId19"/>
-    <p:sldId id="261" r:id="rId20"/>
-    <p:sldId id="262" r:id="rId21"/>
-    <p:sldId id="263" r:id="rId22"/>
-    <p:sldId id="264" r:id="rId23"/>
-    <p:sldId id="265" r:id="rId24"/>
+    <p:sldId id="279" r:id="rId11"/>
+    <p:sldId id="280" r:id="rId12"/>
+    <p:sldId id="282" r:id="rId13"/>
+    <p:sldId id="281" r:id="rId14"/>
+    <p:sldId id="278" r:id="rId15"/>
+    <p:sldId id="273" r:id="rId16"/>
+    <p:sldId id="274" r:id="rId17"/>
+    <p:sldId id="275" r:id="rId18"/>
+    <p:sldId id="276" r:id="rId19"/>
+    <p:sldId id="277" r:id="rId20"/>
+    <p:sldId id="258" r:id="rId21"/>
+    <p:sldId id="266" r:id="rId22"/>
+    <p:sldId id="260" r:id="rId23"/>
+    <p:sldId id="259" r:id="rId24"/>
+    <p:sldId id="261" r:id="rId25"/>
+    <p:sldId id="262" r:id="rId26"/>
+    <p:sldId id="263" r:id="rId27"/>
+    <p:sldId id="264" r:id="rId28"/>
+    <p:sldId id="265" r:id="rId29"/>
   </p:sldIdLst>
   <p:sldSz cx="12192000" cy="6858000"/>
   <p:notesSz cx="6858000" cy="9144000"/>
@@ -9124,6 +9129,2239 @@
           <a:p>
             <a:r>
               <a:rPr lang="en-US" altLang="zh-CN" dirty="0"/>
+              <a:t>SHA</a:t>
+            </a:r>
+            <a:r>
+              <a:rPr lang="zh-CN" altLang="en-US" dirty="0" smtClean="0"/>
+              <a:t>系列</a:t>
+            </a:r>
+            <a:endParaRPr lang="zh-CN" altLang="en-US" dirty="0"/>
+          </a:p>
+        </p:txBody>
+      </p:sp>
+      <p:graphicFrame>
+        <p:nvGraphicFramePr>
+          <p:cNvPr id="4" name="内容占位符 3"/>
+          <p:cNvGraphicFramePr>
+            <a:graphicFrameLocks noGrp="1"/>
+          </p:cNvGraphicFramePr>
+          <p:nvPr>
+            <p:ph idx="1"/>
+            <p:extLst>
+              <p:ext uri="{D42A27DB-BD31-4B8C-83A1-F6EECF244321}">
+                <p14:modId xmlns:p14="http://schemas.microsoft.com/office/powerpoint/2010/main" val="2476527157"/>
+              </p:ext>
+            </p:extLst>
+          </p:nvPr>
+        </p:nvGraphicFramePr>
+        <p:xfrm>
+          <a:off x="1341438" y="2220324"/>
+          <a:ext cx="9510711" cy="3105480"/>
+        </p:xfrm>
+        <a:graphic>
+          <a:graphicData uri="http://schemas.openxmlformats.org/drawingml/2006/table">
+            <a:tbl>
+              <a:tblPr firstRow="1" bandRow="1">
+                <a:tableStyleId>{08FB837D-C827-4EFA-A057-4D05807E0F7C}</a:tableStyleId>
+              </a:tblPr>
+              <a:tblGrid>
+                <a:gridCol w="3170237">
+                  <a:extLst>
+                    <a:ext uri="{9D8B030D-6E8A-4147-A177-3AD203B41FA5}">
+                      <a16:colId xmlns:a16="http://schemas.microsoft.com/office/drawing/2014/main" val="1262576194"/>
+                    </a:ext>
+                  </a:extLst>
+                </a:gridCol>
+                <a:gridCol w="3170237">
+                  <a:extLst>
+                    <a:ext uri="{9D8B030D-6E8A-4147-A177-3AD203B41FA5}">
+                      <a16:colId xmlns:a16="http://schemas.microsoft.com/office/drawing/2014/main" val="1627258925"/>
+                    </a:ext>
+                  </a:extLst>
+                </a:gridCol>
+                <a:gridCol w="3170237">
+                  <a:extLst>
+                    <a:ext uri="{9D8B030D-6E8A-4147-A177-3AD203B41FA5}">
+                      <a16:colId xmlns:a16="http://schemas.microsoft.com/office/drawing/2014/main" val="279132191"/>
+                    </a:ext>
+                  </a:extLst>
+                </a:gridCol>
+              </a:tblGrid>
+              <a:tr h="517580">
+                <a:tc>
+                  <a:txBody>
+                    <a:bodyPr/>
+                    <a:lstStyle/>
+                    <a:p>
+                      <a:pPr algn="ctr"/>
+                      <a:r>
+                        <a:rPr lang="zh-CN" altLang="en-US" dirty="0" smtClean="0">
+                          <a:latin typeface="宋体" panose="02010600030101010101" pitchFamily="2" charset="-122"/>
+                          <a:ea typeface="宋体" panose="02010600030101010101" pitchFamily="2" charset="-122"/>
+                        </a:rPr>
+                        <a:t>算法</a:t>
+                      </a:r>
+                      <a:endParaRPr lang="zh-CN" altLang="en-US" dirty="0">
+                        <a:latin typeface="宋体" panose="02010600030101010101" pitchFamily="2" charset="-122"/>
+                        <a:ea typeface="宋体" panose="02010600030101010101" pitchFamily="2" charset="-122"/>
+                      </a:endParaRPr>
+                    </a:p>
+                  </a:txBody>
+                  <a:tcPr anchor="ctr"/>
+                </a:tc>
+                <a:tc>
+                  <a:txBody>
+                    <a:bodyPr/>
+                    <a:lstStyle/>
+                    <a:p>
+                      <a:pPr algn="ctr"/>
+                      <a:r>
+                        <a:rPr lang="zh-CN" altLang="en-US" dirty="0" smtClean="0">
+                          <a:latin typeface="宋体" panose="02010600030101010101" pitchFamily="2" charset="-122"/>
+                          <a:ea typeface="宋体" panose="02010600030101010101" pitchFamily="2" charset="-122"/>
+                        </a:rPr>
+                        <a:t>摘要长度</a:t>
+                      </a:r>
+                      <a:endParaRPr lang="zh-CN" altLang="en-US" dirty="0">
+                        <a:latin typeface="宋体" panose="02010600030101010101" pitchFamily="2" charset="-122"/>
+                        <a:ea typeface="宋体" panose="02010600030101010101" pitchFamily="2" charset="-122"/>
+                      </a:endParaRPr>
+                    </a:p>
+                  </a:txBody>
+                  <a:tcPr anchor="ctr"/>
+                </a:tc>
+                <a:tc>
+                  <a:txBody>
+                    <a:bodyPr/>
+                    <a:lstStyle/>
+                    <a:p>
+                      <a:pPr algn="ctr"/>
+                      <a:r>
+                        <a:rPr lang="zh-CN" altLang="en-US" dirty="0" smtClean="0">
+                          <a:latin typeface="宋体" panose="02010600030101010101" pitchFamily="2" charset="-122"/>
+                          <a:ea typeface="宋体" panose="02010600030101010101" pitchFamily="2" charset="-122"/>
+                        </a:rPr>
+                        <a:t>提供者</a:t>
+                      </a:r>
+                      <a:endParaRPr lang="zh-CN" altLang="en-US" dirty="0">
+                        <a:latin typeface="宋体" panose="02010600030101010101" pitchFamily="2" charset="-122"/>
+                        <a:ea typeface="宋体" panose="02010600030101010101" pitchFamily="2" charset="-122"/>
+                      </a:endParaRPr>
+                    </a:p>
+                  </a:txBody>
+                  <a:tcPr anchor="ctr"/>
+                </a:tc>
+                <a:extLst>
+                  <a:ext uri="{0D108BD9-81ED-4DB2-BD59-A6C34878D82A}">
+                    <a16:rowId xmlns:a16="http://schemas.microsoft.com/office/drawing/2014/main" val="3704071744"/>
+                  </a:ext>
+                </a:extLst>
+              </a:tr>
+              <a:tr h="517580">
+                <a:tc>
+                  <a:txBody>
+                    <a:bodyPr/>
+                    <a:lstStyle/>
+                    <a:p>
+                      <a:pPr algn="ctr"/>
+                      <a:r>
+                        <a:rPr lang="en-US" altLang="zh-CN" dirty="0" smtClean="0">
+                          <a:latin typeface="宋体" panose="02010600030101010101" pitchFamily="2" charset="-122"/>
+                          <a:ea typeface="宋体" panose="02010600030101010101" pitchFamily="2" charset="-122"/>
+                        </a:rPr>
+                        <a:t>SHA-1</a:t>
+                      </a:r>
+                      <a:endParaRPr lang="zh-CN" altLang="en-US" dirty="0">
+                        <a:latin typeface="宋体" panose="02010600030101010101" pitchFamily="2" charset="-122"/>
+                        <a:ea typeface="宋体" panose="02010600030101010101" pitchFamily="2" charset="-122"/>
+                      </a:endParaRPr>
+                    </a:p>
+                  </a:txBody>
+                  <a:tcPr anchor="ctr"/>
+                </a:tc>
+                <a:tc>
+                  <a:txBody>
+                    <a:bodyPr/>
+                    <a:lstStyle/>
+                    <a:p>
+                      <a:pPr algn="ctr"/>
+                      <a:r>
+                        <a:rPr lang="en-US" altLang="zh-CN" dirty="0" smtClean="0">
+                          <a:latin typeface="宋体" panose="02010600030101010101" pitchFamily="2" charset="-122"/>
+                          <a:ea typeface="宋体" panose="02010600030101010101" pitchFamily="2" charset="-122"/>
+                        </a:rPr>
+                        <a:t>160</a:t>
+                      </a:r>
+                      <a:endParaRPr lang="zh-CN" altLang="en-US" dirty="0">
+                        <a:latin typeface="宋体" panose="02010600030101010101" pitchFamily="2" charset="-122"/>
+                        <a:ea typeface="宋体" panose="02010600030101010101" pitchFamily="2" charset="-122"/>
+                      </a:endParaRPr>
+                    </a:p>
+                  </a:txBody>
+                  <a:tcPr anchor="ctr"/>
+                </a:tc>
+                <a:tc>
+                  <a:txBody>
+                    <a:bodyPr/>
+                    <a:lstStyle/>
+                    <a:p>
+                      <a:pPr algn="ctr"/>
+                      <a:r>
+                        <a:rPr lang="en-US" altLang="zh-CN" dirty="0" smtClean="0">
+                          <a:latin typeface="宋体" panose="02010600030101010101" pitchFamily="2" charset="-122"/>
+                          <a:ea typeface="宋体" panose="02010600030101010101" pitchFamily="2" charset="-122"/>
+                        </a:rPr>
+                        <a:t>JDK</a:t>
+                      </a:r>
+                      <a:endParaRPr lang="zh-CN" altLang="en-US" dirty="0">
+                        <a:latin typeface="宋体" panose="02010600030101010101" pitchFamily="2" charset="-122"/>
+                        <a:ea typeface="宋体" panose="02010600030101010101" pitchFamily="2" charset="-122"/>
+                      </a:endParaRPr>
+                    </a:p>
+                  </a:txBody>
+                  <a:tcPr anchor="ctr"/>
+                </a:tc>
+                <a:extLst>
+                  <a:ext uri="{0D108BD9-81ED-4DB2-BD59-A6C34878D82A}">
+                    <a16:rowId xmlns:a16="http://schemas.microsoft.com/office/drawing/2014/main" val="3056097180"/>
+                  </a:ext>
+                </a:extLst>
+              </a:tr>
+              <a:tr h="517580">
+                <a:tc>
+                  <a:txBody>
+                    <a:bodyPr/>
+                    <a:lstStyle/>
+                    <a:p>
+                      <a:pPr algn="ctr"/>
+                      <a:r>
+                        <a:rPr lang="en-US" altLang="zh-CN" dirty="0" smtClean="0">
+                          <a:latin typeface="宋体" panose="02010600030101010101" pitchFamily="2" charset="-122"/>
+                          <a:ea typeface="宋体" panose="02010600030101010101" pitchFamily="2" charset="-122"/>
+                        </a:rPr>
+                        <a:t>SHA-256</a:t>
+                      </a:r>
+                      <a:endParaRPr lang="zh-CN" altLang="en-US" dirty="0">
+                        <a:latin typeface="宋体" panose="02010600030101010101" pitchFamily="2" charset="-122"/>
+                        <a:ea typeface="宋体" panose="02010600030101010101" pitchFamily="2" charset="-122"/>
+                      </a:endParaRPr>
+                    </a:p>
+                  </a:txBody>
+                  <a:tcPr anchor="ctr"/>
+                </a:tc>
+                <a:tc>
+                  <a:txBody>
+                    <a:bodyPr/>
+                    <a:lstStyle/>
+                    <a:p>
+                      <a:pPr algn="ctr"/>
+                      <a:r>
+                        <a:rPr lang="en-US" altLang="zh-CN" dirty="0" smtClean="0">
+                          <a:latin typeface="宋体" panose="02010600030101010101" pitchFamily="2" charset="-122"/>
+                          <a:ea typeface="宋体" panose="02010600030101010101" pitchFamily="2" charset="-122"/>
+                        </a:rPr>
+                        <a:t>256</a:t>
+                      </a:r>
+                      <a:endParaRPr lang="zh-CN" altLang="en-US" dirty="0">
+                        <a:latin typeface="宋体" panose="02010600030101010101" pitchFamily="2" charset="-122"/>
+                        <a:ea typeface="宋体" panose="02010600030101010101" pitchFamily="2" charset="-122"/>
+                      </a:endParaRPr>
+                    </a:p>
+                  </a:txBody>
+                  <a:tcPr anchor="ctr"/>
+                </a:tc>
+                <a:tc>
+                  <a:txBody>
+                    <a:bodyPr/>
+                    <a:lstStyle/>
+                    <a:p>
+                      <a:pPr algn="ctr"/>
+                      <a:r>
+                        <a:rPr lang="en-US" altLang="zh-CN" dirty="0" smtClean="0">
+                          <a:latin typeface="宋体" panose="02010600030101010101" pitchFamily="2" charset="-122"/>
+                          <a:ea typeface="宋体" panose="02010600030101010101" pitchFamily="2" charset="-122"/>
+                        </a:rPr>
+                        <a:t>JDK</a:t>
+                      </a:r>
+                      <a:endParaRPr lang="zh-CN" altLang="en-US" dirty="0">
+                        <a:latin typeface="宋体" panose="02010600030101010101" pitchFamily="2" charset="-122"/>
+                        <a:ea typeface="宋体" panose="02010600030101010101" pitchFamily="2" charset="-122"/>
+                      </a:endParaRPr>
+                    </a:p>
+                  </a:txBody>
+                  <a:tcPr anchor="ctr"/>
+                </a:tc>
+                <a:extLst>
+                  <a:ext uri="{0D108BD9-81ED-4DB2-BD59-A6C34878D82A}">
+                    <a16:rowId xmlns:a16="http://schemas.microsoft.com/office/drawing/2014/main" val="3398222936"/>
+                  </a:ext>
+                </a:extLst>
+              </a:tr>
+              <a:tr h="517580">
+                <a:tc>
+                  <a:txBody>
+                    <a:bodyPr/>
+                    <a:lstStyle/>
+                    <a:p>
+                      <a:pPr marL="0" marR="0" lvl="0" indent="0" algn="ctr" defTabSz="914400" rtl="0" eaLnBrk="1" fontAlgn="auto" latinLnBrk="0" hangingPunct="1">
+                        <a:lnSpc>
+                          <a:spcPct val="100000"/>
+                        </a:lnSpc>
+                        <a:spcBef>
+                          <a:spcPts val="0"/>
+                        </a:spcBef>
+                        <a:spcAft>
+                          <a:spcPts val="0"/>
+                        </a:spcAft>
+                        <a:buClrTx/>
+                        <a:buSzTx/>
+                        <a:buFontTx/>
+                        <a:buNone/>
+                        <a:tabLst/>
+                        <a:defRPr/>
+                      </a:pPr>
+                      <a:r>
+                        <a:rPr lang="en-US" altLang="zh-CN" dirty="0" smtClean="0">
+                          <a:latin typeface="宋体" panose="02010600030101010101" pitchFamily="2" charset="-122"/>
+                          <a:ea typeface="宋体" panose="02010600030101010101" pitchFamily="2" charset="-122"/>
+                        </a:rPr>
+                        <a:t>SHA-384</a:t>
+                      </a:r>
+                      <a:endParaRPr lang="zh-CN" altLang="en-US" dirty="0" smtClean="0">
+                        <a:latin typeface="宋体" panose="02010600030101010101" pitchFamily="2" charset="-122"/>
+                        <a:ea typeface="宋体" panose="02010600030101010101" pitchFamily="2" charset="-122"/>
+                      </a:endParaRPr>
+                    </a:p>
+                  </a:txBody>
+                  <a:tcPr anchor="ctr"/>
+                </a:tc>
+                <a:tc>
+                  <a:txBody>
+                    <a:bodyPr/>
+                    <a:lstStyle/>
+                    <a:p>
+                      <a:pPr algn="ctr"/>
+                      <a:r>
+                        <a:rPr lang="en-US" altLang="zh-CN" dirty="0" smtClean="0">
+                          <a:latin typeface="宋体" panose="02010600030101010101" pitchFamily="2" charset="-122"/>
+                          <a:ea typeface="宋体" panose="02010600030101010101" pitchFamily="2" charset="-122"/>
+                        </a:rPr>
+                        <a:t>384</a:t>
+                      </a:r>
+                      <a:endParaRPr lang="zh-CN" altLang="en-US" dirty="0">
+                        <a:latin typeface="宋体" panose="02010600030101010101" pitchFamily="2" charset="-122"/>
+                        <a:ea typeface="宋体" panose="02010600030101010101" pitchFamily="2" charset="-122"/>
+                      </a:endParaRPr>
+                    </a:p>
+                  </a:txBody>
+                  <a:tcPr anchor="ctr"/>
+                </a:tc>
+                <a:tc>
+                  <a:txBody>
+                    <a:bodyPr/>
+                    <a:lstStyle/>
+                    <a:p>
+                      <a:pPr algn="ctr"/>
+                      <a:r>
+                        <a:rPr lang="en-US" altLang="zh-CN" dirty="0" smtClean="0">
+                          <a:latin typeface="宋体" panose="02010600030101010101" pitchFamily="2" charset="-122"/>
+                          <a:ea typeface="宋体" panose="02010600030101010101" pitchFamily="2" charset="-122"/>
+                        </a:rPr>
+                        <a:t>JDK</a:t>
+                      </a:r>
+                      <a:endParaRPr lang="zh-CN" altLang="en-US" dirty="0">
+                        <a:latin typeface="宋体" panose="02010600030101010101" pitchFamily="2" charset="-122"/>
+                        <a:ea typeface="宋体" panose="02010600030101010101" pitchFamily="2" charset="-122"/>
+                      </a:endParaRPr>
+                    </a:p>
+                  </a:txBody>
+                  <a:tcPr anchor="ctr"/>
+                </a:tc>
+                <a:extLst>
+                  <a:ext uri="{0D108BD9-81ED-4DB2-BD59-A6C34878D82A}">
+                    <a16:rowId xmlns:a16="http://schemas.microsoft.com/office/drawing/2014/main" val="3661055458"/>
+                  </a:ext>
+                </a:extLst>
+              </a:tr>
+              <a:tr h="517580">
+                <a:tc>
+                  <a:txBody>
+                    <a:bodyPr/>
+                    <a:lstStyle/>
+                    <a:p>
+                      <a:pPr marL="0" marR="0" lvl="0" indent="0" algn="ctr" defTabSz="914400" rtl="0" eaLnBrk="1" fontAlgn="auto" latinLnBrk="0" hangingPunct="1">
+                        <a:lnSpc>
+                          <a:spcPct val="100000"/>
+                        </a:lnSpc>
+                        <a:spcBef>
+                          <a:spcPts val="0"/>
+                        </a:spcBef>
+                        <a:spcAft>
+                          <a:spcPts val="0"/>
+                        </a:spcAft>
+                        <a:buClrTx/>
+                        <a:buSzTx/>
+                        <a:buFontTx/>
+                        <a:buNone/>
+                        <a:tabLst/>
+                        <a:defRPr/>
+                      </a:pPr>
+                      <a:r>
+                        <a:rPr lang="en-US" altLang="zh-CN" dirty="0" smtClean="0">
+                          <a:latin typeface="宋体" panose="02010600030101010101" pitchFamily="2" charset="-122"/>
+                          <a:ea typeface="宋体" panose="02010600030101010101" pitchFamily="2" charset="-122"/>
+                        </a:rPr>
+                        <a:t>SHA-512</a:t>
+                      </a:r>
+                      <a:endParaRPr lang="zh-CN" altLang="en-US" dirty="0" smtClean="0">
+                        <a:latin typeface="宋体" panose="02010600030101010101" pitchFamily="2" charset="-122"/>
+                        <a:ea typeface="宋体" panose="02010600030101010101" pitchFamily="2" charset="-122"/>
+                      </a:endParaRPr>
+                    </a:p>
+                  </a:txBody>
+                  <a:tcPr anchor="ctr"/>
+                </a:tc>
+                <a:tc>
+                  <a:txBody>
+                    <a:bodyPr/>
+                    <a:lstStyle/>
+                    <a:p>
+                      <a:pPr algn="ctr"/>
+                      <a:r>
+                        <a:rPr lang="en-US" altLang="zh-CN" dirty="0" smtClean="0">
+                          <a:latin typeface="宋体" panose="02010600030101010101" pitchFamily="2" charset="-122"/>
+                          <a:ea typeface="宋体" panose="02010600030101010101" pitchFamily="2" charset="-122"/>
+                        </a:rPr>
+                        <a:t>512</a:t>
+                      </a:r>
+                      <a:endParaRPr lang="zh-CN" altLang="en-US" dirty="0">
+                        <a:latin typeface="宋体" panose="02010600030101010101" pitchFamily="2" charset="-122"/>
+                        <a:ea typeface="宋体" panose="02010600030101010101" pitchFamily="2" charset="-122"/>
+                      </a:endParaRPr>
+                    </a:p>
+                  </a:txBody>
+                  <a:tcPr anchor="ctr"/>
+                </a:tc>
+                <a:tc>
+                  <a:txBody>
+                    <a:bodyPr/>
+                    <a:lstStyle/>
+                    <a:p>
+                      <a:pPr marL="0" marR="0" lvl="0" indent="0" algn="ctr" defTabSz="914400" rtl="0" eaLnBrk="1" fontAlgn="auto" latinLnBrk="0" hangingPunct="1">
+                        <a:lnSpc>
+                          <a:spcPct val="100000"/>
+                        </a:lnSpc>
+                        <a:spcBef>
+                          <a:spcPts val="0"/>
+                        </a:spcBef>
+                        <a:spcAft>
+                          <a:spcPts val="0"/>
+                        </a:spcAft>
+                        <a:buClrTx/>
+                        <a:buSzTx/>
+                        <a:buFontTx/>
+                        <a:buNone/>
+                        <a:tabLst/>
+                        <a:defRPr/>
+                      </a:pPr>
+                      <a:r>
+                        <a:rPr lang="en-US" altLang="zh-CN" dirty="0" smtClean="0">
+                          <a:latin typeface="宋体" panose="02010600030101010101" pitchFamily="2" charset="-122"/>
+                          <a:ea typeface="宋体" panose="02010600030101010101" pitchFamily="2" charset="-122"/>
+                        </a:rPr>
+                        <a:t>JDK</a:t>
+                      </a:r>
+                      <a:endParaRPr lang="zh-CN" altLang="en-US" dirty="0" smtClean="0">
+                        <a:latin typeface="宋体" panose="02010600030101010101" pitchFamily="2" charset="-122"/>
+                        <a:ea typeface="宋体" panose="02010600030101010101" pitchFamily="2" charset="-122"/>
+                      </a:endParaRPr>
+                    </a:p>
+                  </a:txBody>
+                  <a:tcPr anchor="ctr"/>
+                </a:tc>
+                <a:extLst>
+                  <a:ext uri="{0D108BD9-81ED-4DB2-BD59-A6C34878D82A}">
+                    <a16:rowId xmlns:a16="http://schemas.microsoft.com/office/drawing/2014/main" val="1792707014"/>
+                  </a:ext>
+                </a:extLst>
+              </a:tr>
+              <a:tr h="517580">
+                <a:tc>
+                  <a:txBody>
+                    <a:bodyPr/>
+                    <a:lstStyle/>
+                    <a:p>
+                      <a:pPr marL="0" marR="0" lvl="0" indent="0" algn="ctr" defTabSz="914400" rtl="0" eaLnBrk="1" fontAlgn="auto" latinLnBrk="0" hangingPunct="1">
+                        <a:lnSpc>
+                          <a:spcPct val="100000"/>
+                        </a:lnSpc>
+                        <a:spcBef>
+                          <a:spcPts val="0"/>
+                        </a:spcBef>
+                        <a:spcAft>
+                          <a:spcPts val="0"/>
+                        </a:spcAft>
+                        <a:buClrTx/>
+                        <a:buSzTx/>
+                        <a:buFontTx/>
+                        <a:buNone/>
+                        <a:tabLst/>
+                        <a:defRPr/>
+                      </a:pPr>
+                      <a:r>
+                        <a:rPr lang="en-US" altLang="zh-CN" dirty="0" smtClean="0">
+                          <a:solidFill>
+                            <a:schemeClr val="tx1"/>
+                          </a:solidFill>
+                          <a:latin typeface="宋体" panose="02010600030101010101" pitchFamily="2" charset="-122"/>
+                          <a:ea typeface="宋体" panose="02010600030101010101" pitchFamily="2" charset="-122"/>
+                        </a:rPr>
+                        <a:t>SHA-224</a:t>
+                      </a:r>
+                      <a:endParaRPr lang="zh-CN" altLang="en-US" dirty="0" smtClean="0">
+                        <a:solidFill>
+                          <a:schemeClr val="tx1"/>
+                        </a:solidFill>
+                        <a:latin typeface="宋体" panose="02010600030101010101" pitchFamily="2" charset="-122"/>
+                        <a:ea typeface="宋体" panose="02010600030101010101" pitchFamily="2" charset="-122"/>
+                      </a:endParaRPr>
+                    </a:p>
+                  </a:txBody>
+                  <a:tcPr anchor="ctr"/>
+                </a:tc>
+                <a:tc>
+                  <a:txBody>
+                    <a:bodyPr/>
+                    <a:lstStyle/>
+                    <a:p>
+                      <a:pPr algn="ctr"/>
+                      <a:r>
+                        <a:rPr lang="en-US" altLang="zh-CN" dirty="0" smtClean="0">
+                          <a:solidFill>
+                            <a:schemeClr val="tx1"/>
+                          </a:solidFill>
+                          <a:latin typeface="宋体" panose="02010600030101010101" pitchFamily="2" charset="-122"/>
+                          <a:ea typeface="宋体" panose="02010600030101010101" pitchFamily="2" charset="-122"/>
+                        </a:rPr>
+                        <a:t>224</a:t>
+                      </a:r>
+                      <a:endParaRPr lang="zh-CN" altLang="en-US" dirty="0">
+                        <a:solidFill>
+                          <a:schemeClr val="tx1"/>
+                        </a:solidFill>
+                        <a:latin typeface="宋体" panose="02010600030101010101" pitchFamily="2" charset="-122"/>
+                        <a:ea typeface="宋体" panose="02010600030101010101" pitchFamily="2" charset="-122"/>
+                      </a:endParaRPr>
+                    </a:p>
+                  </a:txBody>
+                  <a:tcPr anchor="ctr"/>
+                </a:tc>
+                <a:tc>
+                  <a:txBody>
+                    <a:bodyPr/>
+                    <a:lstStyle/>
+                    <a:p>
+                      <a:pPr marL="0" marR="0" lvl="0" indent="0" algn="ctr" defTabSz="914400" rtl="0" eaLnBrk="1" fontAlgn="auto" latinLnBrk="0" hangingPunct="1">
+                        <a:lnSpc>
+                          <a:spcPct val="100000"/>
+                        </a:lnSpc>
+                        <a:spcBef>
+                          <a:spcPts val="0"/>
+                        </a:spcBef>
+                        <a:spcAft>
+                          <a:spcPts val="0"/>
+                        </a:spcAft>
+                        <a:buClrTx/>
+                        <a:buSzTx/>
+                        <a:buFontTx/>
+                        <a:buNone/>
+                        <a:tabLst/>
+                        <a:defRPr/>
+                      </a:pPr>
+                      <a:r>
+                        <a:rPr lang="en-US" altLang="zh-CN" dirty="0" smtClean="0">
+                          <a:solidFill>
+                            <a:srgbClr val="0070C0"/>
+                          </a:solidFill>
+                          <a:latin typeface="宋体" panose="02010600030101010101" pitchFamily="2" charset="-122"/>
+                          <a:ea typeface="宋体" panose="02010600030101010101" pitchFamily="2" charset="-122"/>
+                        </a:rPr>
+                        <a:t>JDK8</a:t>
+                      </a:r>
+                      <a:endParaRPr lang="zh-CN" altLang="en-US" dirty="0" smtClean="0">
+                        <a:solidFill>
+                          <a:srgbClr val="0070C0"/>
+                        </a:solidFill>
+                        <a:latin typeface="宋体" panose="02010600030101010101" pitchFamily="2" charset="-122"/>
+                        <a:ea typeface="宋体" panose="02010600030101010101" pitchFamily="2" charset="-122"/>
+                      </a:endParaRPr>
+                    </a:p>
+                  </a:txBody>
+                  <a:tcPr anchor="ctr"/>
+                </a:tc>
+                <a:extLst>
+                  <a:ext uri="{0D108BD9-81ED-4DB2-BD59-A6C34878D82A}">
+                    <a16:rowId xmlns:a16="http://schemas.microsoft.com/office/drawing/2014/main" val="583217582"/>
+                  </a:ext>
+                </a:extLst>
+              </a:tr>
+            </a:tbl>
+          </a:graphicData>
+        </a:graphic>
+      </p:graphicFrame>
+    </p:spTree>
+    <p:extLst>
+      <p:ext uri="{BB962C8B-B14F-4D97-AF65-F5344CB8AC3E}">
+        <p14:creationId xmlns:p14="http://schemas.microsoft.com/office/powerpoint/2010/main" val="4055604195"/>
+      </p:ext>
+    </p:extLst>
+  </p:cSld>
+  <p:clrMapOvr>
+    <a:masterClrMapping/>
+  </p:clrMapOvr>
+  <mc:AlternateContent xmlns:mc="http://schemas.openxmlformats.org/markup-compatibility/2006" xmlns:p14="http://schemas.microsoft.com/office/powerpoint/2010/main">
+    <mc:Choice Requires="p14">
+      <p:transition spd="med" p14:dur="700">
+        <p:fade/>
+      </p:transition>
+    </mc:Choice>
+    <mc:Fallback xmlns="">
+      <p:transition spd="med">
+        <p:fade/>
+      </p:transition>
+    </mc:Fallback>
+  </mc:AlternateContent>
+  <p:timing>
+    <p:tnLst>
+      <p:par>
+        <p:cTn id="1" dur="indefinite" restart="never" nodeType="tmRoot"/>
+      </p:par>
+    </p:tnLst>
+  </p:timing>
+</p:sld>
+</file>
+
+<file path=ppt/slides/slide11.xml><?xml version="1.0" encoding="utf-8"?>
+<p:sld xmlns:a="http://schemas.openxmlformats.org/drawingml/2006/main" xmlns:r="http://schemas.openxmlformats.org/officeDocument/2006/relationships" xmlns:p="http://schemas.openxmlformats.org/presentationml/2006/main">
+  <p:cSld>
+    <p:spTree>
+      <p:nvGrpSpPr>
+        <p:cNvPr id="1" name=""/>
+        <p:cNvGrpSpPr/>
+        <p:nvPr/>
+      </p:nvGrpSpPr>
+      <p:grpSpPr>
+        <a:xfrm>
+          <a:off x="0" y="0"/>
+          <a:ext cx="0" cy="0"/>
+          <a:chOff x="0" y="0"/>
+          <a:chExt cx="0" cy="0"/>
+        </a:xfrm>
+      </p:grpSpPr>
+      <p:sp>
+        <p:nvSpPr>
+          <p:cNvPr id="2" name="标题 1"/>
+          <p:cNvSpPr>
+            <a:spLocks noGrp="1"/>
+          </p:cNvSpPr>
+          <p:nvPr>
+            <p:ph type="title"/>
+          </p:nvPr>
+        </p:nvSpPr>
+        <p:spPr/>
+        <p:txBody>
+          <a:bodyPr/>
+          <a:lstStyle/>
+          <a:p>
+            <a:r>
+              <a:rPr lang="en-US" altLang="zh-CN" dirty="0" smtClean="0"/>
+              <a:t>MAC</a:t>
+            </a:r>
+            <a:r>
+              <a:rPr lang="zh-CN" altLang="en-US" dirty="0" smtClean="0"/>
+              <a:t>系列</a:t>
+            </a:r>
+            <a:endParaRPr lang="zh-CN" altLang="en-US" dirty="0"/>
+          </a:p>
+        </p:txBody>
+      </p:sp>
+      <p:sp>
+        <p:nvSpPr>
+          <p:cNvPr id="3" name="内容占位符 2"/>
+          <p:cNvSpPr>
+            <a:spLocks noGrp="1"/>
+          </p:cNvSpPr>
+          <p:nvPr>
+            <p:ph idx="1"/>
+          </p:nvPr>
+        </p:nvSpPr>
+        <p:spPr/>
+        <p:txBody>
+          <a:bodyPr/>
+          <a:lstStyle/>
+          <a:p>
+            <a:r>
+              <a:rPr lang="zh-CN" altLang="en-US" dirty="0" smtClean="0"/>
+              <a:t>问题：如果消息和消息摘要同时被篡改了怎么办？</a:t>
+            </a:r>
+            <a:endParaRPr lang="en-US" altLang="zh-CN" dirty="0" smtClean="0"/>
+          </a:p>
+          <a:p>
+            <a:r>
+              <a:rPr lang="zh-CN" altLang="en-US" dirty="0" smtClean="0"/>
+              <a:t>解决：带秘钥</a:t>
+            </a:r>
+            <a:endParaRPr lang="zh-CN" altLang="en-US" dirty="0"/>
+          </a:p>
+        </p:txBody>
+      </p:sp>
+      <p:pic>
+        <p:nvPicPr>
+          <p:cNvPr id="6" name="图片 5"/>
+          <p:cNvPicPr>
+            <a:picLocks noChangeAspect="1"/>
+          </p:cNvPicPr>
+          <p:nvPr/>
+        </p:nvPicPr>
+        <p:blipFill>
+          <a:blip r:embed="rId2"/>
+          <a:stretch>
+            <a:fillRect/>
+          </a:stretch>
+        </p:blipFill>
+        <p:spPr>
+          <a:xfrm>
+            <a:off x="1547282" y="2474456"/>
+            <a:ext cx="8243832" cy="3600677"/>
+          </a:xfrm>
+          <a:prstGeom prst="rect">
+            <a:avLst/>
+          </a:prstGeom>
+        </p:spPr>
+      </p:pic>
+    </p:spTree>
+    <p:extLst>
+      <p:ext uri="{BB962C8B-B14F-4D97-AF65-F5344CB8AC3E}">
+        <p14:creationId xmlns:p14="http://schemas.microsoft.com/office/powerpoint/2010/main" val="697433235"/>
+      </p:ext>
+    </p:extLst>
+  </p:cSld>
+  <p:clrMapOvr>
+    <a:masterClrMapping/>
+  </p:clrMapOvr>
+  <mc:AlternateContent xmlns:mc="http://schemas.openxmlformats.org/markup-compatibility/2006" xmlns:p14="http://schemas.microsoft.com/office/powerpoint/2010/main">
+    <mc:Choice Requires="p14">
+      <p:transition spd="med" p14:dur="700">
+        <p:fade/>
+      </p:transition>
+    </mc:Choice>
+    <mc:Fallback xmlns="">
+      <p:transition spd="med">
+        <p:fade/>
+      </p:transition>
+    </mc:Fallback>
+  </mc:AlternateContent>
+  <p:timing>
+    <p:tnLst>
+      <p:par>
+        <p:cTn id="1" dur="indefinite" restart="never" nodeType="tmRoot">
+          <p:childTnLst>
+            <p:seq concurrent="1" nextAc="seek">
+              <p:cTn id="2" dur="indefinite" nodeType="mainSeq">
+                <p:childTnLst>
+                  <p:par>
+                    <p:cTn id="3" fill="hold">
+                      <p:stCondLst>
+                        <p:cond delay="indefinite"/>
+                      </p:stCondLst>
+                      <p:childTnLst>
+                        <p:par>
+                          <p:cTn id="4" fill="hold">
+                            <p:stCondLst>
+                              <p:cond delay="0"/>
+                            </p:stCondLst>
+                            <p:childTnLst>
+                              <p:par>
+                                <p:cTn id="5" presetID="10" presetClass="entr" presetSubtype="0" fill="hold" grpId="0" nodeType="clickEffect">
+                                  <p:stCondLst>
+                                    <p:cond delay="0"/>
+                                  </p:stCondLst>
+                                  <p:childTnLst>
+                                    <p:set>
+                                      <p:cBhvr>
+                                        <p:cTn id="6" dur="1" fill="hold">
+                                          <p:stCondLst>
+                                            <p:cond delay="0"/>
+                                          </p:stCondLst>
+                                        </p:cTn>
+                                        <p:tgtEl>
+                                          <p:spTgt spid="3">
+                                            <p:txEl>
+                                              <p:pRg st="1" end="1"/>
+                                            </p:txEl>
+                                          </p:spTgt>
+                                        </p:tgtEl>
+                                        <p:attrNameLst>
+                                          <p:attrName>style.visibility</p:attrName>
+                                        </p:attrNameLst>
+                                      </p:cBhvr>
+                                      <p:to>
+                                        <p:strVal val="visible"/>
+                                      </p:to>
+                                    </p:set>
+                                    <p:animEffect transition="in" filter="fade">
+                                      <p:cBhvr>
+                                        <p:cTn id="7" dur="500"/>
+                                        <p:tgtEl>
+                                          <p:spTgt spid="3">
+                                            <p:txEl>
+                                              <p:pRg st="1" end="1"/>
+                                            </p:txEl>
+                                          </p:spTgt>
+                                        </p:tgtEl>
+                                      </p:cBhvr>
+                                    </p:animEffect>
+                                  </p:childTnLst>
+                                </p:cTn>
+                              </p:par>
+                            </p:childTnLst>
+                          </p:cTn>
+                        </p:par>
+                      </p:childTnLst>
+                    </p:cTn>
+                  </p:par>
+                </p:childTnLst>
+              </p:cTn>
+              <p:prevCondLst>
+                <p:cond evt="onPrev" delay="0">
+                  <p:tgtEl>
+                    <p:sldTgt/>
+                  </p:tgtEl>
+                </p:cond>
+              </p:prevCondLst>
+              <p:nextCondLst>
+                <p:cond evt="onNext" delay="0">
+                  <p:tgtEl>
+                    <p:sldTgt/>
+                  </p:tgtEl>
+                </p:cond>
+              </p:nextCondLst>
+            </p:seq>
+          </p:childTnLst>
+        </p:cTn>
+      </p:par>
+    </p:tnLst>
+    <p:bldLst>
+      <p:bldP spid="3" grpId="0" uiExpand="1" build="p"/>
+    </p:bldLst>
+  </p:timing>
+</p:sld>
+</file>
+
+<file path=ppt/slides/slide12.xml><?xml version="1.0" encoding="utf-8"?>
+<p:sld xmlns:a="http://schemas.openxmlformats.org/drawingml/2006/main" xmlns:r="http://schemas.openxmlformats.org/officeDocument/2006/relationships" xmlns:p="http://schemas.openxmlformats.org/presentationml/2006/main">
+  <p:cSld>
+    <p:spTree>
+      <p:nvGrpSpPr>
+        <p:cNvPr id="1" name=""/>
+        <p:cNvGrpSpPr/>
+        <p:nvPr/>
+      </p:nvGrpSpPr>
+      <p:grpSpPr>
+        <a:xfrm>
+          <a:off x="0" y="0"/>
+          <a:ext cx="0" cy="0"/>
+          <a:chOff x="0" y="0"/>
+          <a:chExt cx="0" cy="0"/>
+        </a:xfrm>
+      </p:grpSpPr>
+      <p:sp>
+        <p:nvSpPr>
+          <p:cNvPr id="2" name="标题 1"/>
+          <p:cNvSpPr>
+            <a:spLocks noGrp="1"/>
+          </p:cNvSpPr>
+          <p:nvPr>
+            <p:ph type="title"/>
+          </p:nvPr>
+        </p:nvSpPr>
+        <p:spPr/>
+        <p:txBody>
+          <a:bodyPr/>
+          <a:lstStyle/>
+          <a:p>
+            <a:r>
+              <a:rPr lang="en-US" altLang="zh-CN" dirty="0"/>
+              <a:t>MAC</a:t>
+            </a:r>
+            <a:r>
+              <a:rPr lang="zh-CN" altLang="en-US" dirty="0" smtClean="0"/>
+              <a:t>系列</a:t>
+            </a:r>
+            <a:endParaRPr lang="zh-CN" altLang="en-US" dirty="0"/>
+          </a:p>
+        </p:txBody>
+      </p:sp>
+      <p:graphicFrame>
+        <p:nvGraphicFramePr>
+          <p:cNvPr id="4" name="内容占位符 3"/>
+          <p:cNvGraphicFramePr>
+            <a:graphicFrameLocks noGrp="1"/>
+          </p:cNvGraphicFramePr>
+          <p:nvPr>
+            <p:ph idx="1"/>
+            <p:extLst>
+              <p:ext uri="{D42A27DB-BD31-4B8C-83A1-F6EECF244321}">
+                <p14:modId xmlns:p14="http://schemas.microsoft.com/office/powerpoint/2010/main" val="1865174207"/>
+              </p:ext>
+            </p:extLst>
+          </p:nvPr>
+        </p:nvGraphicFramePr>
+        <p:xfrm>
+          <a:off x="1341438" y="2135916"/>
+          <a:ext cx="9510711" cy="4658220"/>
+        </p:xfrm>
+        <a:graphic>
+          <a:graphicData uri="http://schemas.openxmlformats.org/drawingml/2006/table">
+            <a:tbl>
+              <a:tblPr firstRow="1" bandRow="1">
+                <a:tableStyleId>{08FB837D-C827-4EFA-A057-4D05807E0F7C}</a:tableStyleId>
+              </a:tblPr>
+              <a:tblGrid>
+                <a:gridCol w="3170237">
+                  <a:extLst>
+                    <a:ext uri="{9D8B030D-6E8A-4147-A177-3AD203B41FA5}">
+                      <a16:colId xmlns:a16="http://schemas.microsoft.com/office/drawing/2014/main" val="1262576194"/>
+                    </a:ext>
+                  </a:extLst>
+                </a:gridCol>
+                <a:gridCol w="3170237">
+                  <a:extLst>
+                    <a:ext uri="{9D8B030D-6E8A-4147-A177-3AD203B41FA5}">
+                      <a16:colId xmlns:a16="http://schemas.microsoft.com/office/drawing/2014/main" val="1627258925"/>
+                    </a:ext>
+                  </a:extLst>
+                </a:gridCol>
+                <a:gridCol w="3170237">
+                  <a:extLst>
+                    <a:ext uri="{9D8B030D-6E8A-4147-A177-3AD203B41FA5}">
+                      <a16:colId xmlns:a16="http://schemas.microsoft.com/office/drawing/2014/main" val="279132191"/>
+                    </a:ext>
+                  </a:extLst>
+                </a:gridCol>
+              </a:tblGrid>
+              <a:tr h="517580">
+                <a:tc>
+                  <a:txBody>
+                    <a:bodyPr/>
+                    <a:lstStyle/>
+                    <a:p>
+                      <a:pPr algn="ctr"/>
+                      <a:r>
+                        <a:rPr lang="zh-CN" altLang="en-US" dirty="0" smtClean="0">
+                          <a:latin typeface="宋体" panose="02010600030101010101" pitchFamily="2" charset="-122"/>
+                          <a:ea typeface="宋体" panose="02010600030101010101" pitchFamily="2" charset="-122"/>
+                        </a:rPr>
+                        <a:t>算法</a:t>
+                      </a:r>
+                      <a:endParaRPr lang="zh-CN" altLang="en-US" dirty="0">
+                        <a:latin typeface="宋体" panose="02010600030101010101" pitchFamily="2" charset="-122"/>
+                        <a:ea typeface="宋体" panose="02010600030101010101" pitchFamily="2" charset="-122"/>
+                      </a:endParaRPr>
+                    </a:p>
+                  </a:txBody>
+                  <a:tcPr anchor="ctr"/>
+                </a:tc>
+                <a:tc>
+                  <a:txBody>
+                    <a:bodyPr/>
+                    <a:lstStyle/>
+                    <a:p>
+                      <a:pPr algn="ctr"/>
+                      <a:r>
+                        <a:rPr lang="zh-CN" altLang="en-US" dirty="0" smtClean="0">
+                          <a:latin typeface="宋体" panose="02010600030101010101" pitchFamily="2" charset="-122"/>
+                          <a:ea typeface="宋体" panose="02010600030101010101" pitchFamily="2" charset="-122"/>
+                        </a:rPr>
+                        <a:t>摘要长度</a:t>
+                      </a:r>
+                      <a:endParaRPr lang="zh-CN" altLang="en-US" dirty="0">
+                        <a:latin typeface="宋体" panose="02010600030101010101" pitchFamily="2" charset="-122"/>
+                        <a:ea typeface="宋体" panose="02010600030101010101" pitchFamily="2" charset="-122"/>
+                      </a:endParaRPr>
+                    </a:p>
+                  </a:txBody>
+                  <a:tcPr anchor="ctr"/>
+                </a:tc>
+                <a:tc>
+                  <a:txBody>
+                    <a:bodyPr/>
+                    <a:lstStyle/>
+                    <a:p>
+                      <a:pPr algn="ctr"/>
+                      <a:r>
+                        <a:rPr lang="zh-CN" altLang="en-US" dirty="0" smtClean="0">
+                          <a:latin typeface="宋体" panose="02010600030101010101" pitchFamily="2" charset="-122"/>
+                          <a:ea typeface="宋体" panose="02010600030101010101" pitchFamily="2" charset="-122"/>
+                        </a:rPr>
+                        <a:t>提供者</a:t>
+                      </a:r>
+                      <a:endParaRPr lang="zh-CN" altLang="en-US" dirty="0">
+                        <a:latin typeface="宋体" panose="02010600030101010101" pitchFamily="2" charset="-122"/>
+                        <a:ea typeface="宋体" panose="02010600030101010101" pitchFamily="2" charset="-122"/>
+                      </a:endParaRPr>
+                    </a:p>
+                  </a:txBody>
+                  <a:tcPr anchor="ctr"/>
+                </a:tc>
+                <a:extLst>
+                  <a:ext uri="{0D108BD9-81ED-4DB2-BD59-A6C34878D82A}">
+                    <a16:rowId xmlns:a16="http://schemas.microsoft.com/office/drawing/2014/main" val="3704071744"/>
+                  </a:ext>
+                </a:extLst>
+              </a:tr>
+              <a:tr h="517580">
+                <a:tc>
+                  <a:txBody>
+                    <a:bodyPr/>
+                    <a:lstStyle/>
+                    <a:p>
+                      <a:pPr algn="ctr"/>
+                      <a:r>
+                        <a:rPr lang="en-US" altLang="zh-CN" dirty="0" smtClean="0">
+                          <a:latin typeface="宋体" panose="02010600030101010101" pitchFamily="2" charset="-122"/>
+                          <a:ea typeface="宋体" panose="02010600030101010101" pitchFamily="2" charset="-122"/>
+                        </a:rPr>
+                        <a:t>HmacMD5</a:t>
+                      </a:r>
+                      <a:endParaRPr lang="zh-CN" altLang="en-US" dirty="0">
+                        <a:latin typeface="宋体" panose="02010600030101010101" pitchFamily="2" charset="-122"/>
+                        <a:ea typeface="宋体" panose="02010600030101010101" pitchFamily="2" charset="-122"/>
+                      </a:endParaRPr>
+                    </a:p>
+                  </a:txBody>
+                  <a:tcPr anchor="ctr"/>
+                </a:tc>
+                <a:tc>
+                  <a:txBody>
+                    <a:bodyPr/>
+                    <a:lstStyle/>
+                    <a:p>
+                      <a:pPr algn="ctr"/>
+                      <a:r>
+                        <a:rPr lang="en-US" altLang="zh-CN" dirty="0" smtClean="0">
+                          <a:latin typeface="宋体" panose="02010600030101010101" pitchFamily="2" charset="-122"/>
+                          <a:ea typeface="宋体" panose="02010600030101010101" pitchFamily="2" charset="-122"/>
+                        </a:rPr>
+                        <a:t>128</a:t>
+                      </a:r>
+                      <a:endParaRPr lang="zh-CN" altLang="en-US" dirty="0">
+                        <a:latin typeface="宋体" panose="02010600030101010101" pitchFamily="2" charset="-122"/>
+                        <a:ea typeface="宋体" panose="02010600030101010101" pitchFamily="2" charset="-122"/>
+                      </a:endParaRPr>
+                    </a:p>
+                  </a:txBody>
+                  <a:tcPr anchor="ctr"/>
+                </a:tc>
+                <a:tc>
+                  <a:txBody>
+                    <a:bodyPr/>
+                    <a:lstStyle/>
+                    <a:p>
+                      <a:pPr algn="ctr"/>
+                      <a:r>
+                        <a:rPr lang="en-US" altLang="zh-CN" dirty="0" smtClean="0">
+                          <a:latin typeface="宋体" panose="02010600030101010101" pitchFamily="2" charset="-122"/>
+                          <a:ea typeface="宋体" panose="02010600030101010101" pitchFamily="2" charset="-122"/>
+                        </a:rPr>
+                        <a:t>JDK</a:t>
+                      </a:r>
+                      <a:endParaRPr lang="zh-CN" altLang="en-US" dirty="0">
+                        <a:latin typeface="宋体" panose="02010600030101010101" pitchFamily="2" charset="-122"/>
+                        <a:ea typeface="宋体" panose="02010600030101010101" pitchFamily="2" charset="-122"/>
+                      </a:endParaRPr>
+                    </a:p>
+                  </a:txBody>
+                  <a:tcPr anchor="ctr"/>
+                </a:tc>
+                <a:extLst>
+                  <a:ext uri="{0D108BD9-81ED-4DB2-BD59-A6C34878D82A}">
+                    <a16:rowId xmlns:a16="http://schemas.microsoft.com/office/drawing/2014/main" val="1026023813"/>
+                  </a:ext>
+                </a:extLst>
+              </a:tr>
+              <a:tr h="517580">
+                <a:tc>
+                  <a:txBody>
+                    <a:bodyPr/>
+                    <a:lstStyle/>
+                    <a:p>
+                      <a:pPr algn="ctr"/>
+                      <a:r>
+                        <a:rPr lang="en-US" altLang="zh-CN" dirty="0" smtClean="0">
+                          <a:latin typeface="宋体" panose="02010600030101010101" pitchFamily="2" charset="-122"/>
+                          <a:ea typeface="宋体" panose="02010600030101010101" pitchFamily="2" charset="-122"/>
+                        </a:rPr>
+                        <a:t>Hmac</a:t>
+                      </a:r>
+                      <a:r>
+                        <a:rPr lang="en-US" altLang="zh-CN" dirty="0" smtClean="0">
+                          <a:latin typeface="宋体" panose="02010600030101010101" pitchFamily="2" charset="-122"/>
+                          <a:ea typeface="宋体" panose="02010600030101010101" pitchFamily="2" charset="-122"/>
+                        </a:rPr>
+                        <a:t>SHA-1</a:t>
+                      </a:r>
+                      <a:endParaRPr lang="zh-CN" altLang="en-US" dirty="0">
+                        <a:latin typeface="宋体" panose="02010600030101010101" pitchFamily="2" charset="-122"/>
+                        <a:ea typeface="宋体" panose="02010600030101010101" pitchFamily="2" charset="-122"/>
+                      </a:endParaRPr>
+                    </a:p>
+                  </a:txBody>
+                  <a:tcPr anchor="ctr"/>
+                </a:tc>
+                <a:tc>
+                  <a:txBody>
+                    <a:bodyPr/>
+                    <a:lstStyle/>
+                    <a:p>
+                      <a:pPr algn="ctr"/>
+                      <a:r>
+                        <a:rPr lang="en-US" altLang="zh-CN" dirty="0" smtClean="0">
+                          <a:latin typeface="宋体" panose="02010600030101010101" pitchFamily="2" charset="-122"/>
+                          <a:ea typeface="宋体" panose="02010600030101010101" pitchFamily="2" charset="-122"/>
+                        </a:rPr>
+                        <a:t>160</a:t>
+                      </a:r>
+                      <a:endParaRPr lang="zh-CN" altLang="en-US" dirty="0">
+                        <a:latin typeface="宋体" panose="02010600030101010101" pitchFamily="2" charset="-122"/>
+                        <a:ea typeface="宋体" panose="02010600030101010101" pitchFamily="2" charset="-122"/>
+                      </a:endParaRPr>
+                    </a:p>
+                  </a:txBody>
+                  <a:tcPr anchor="ctr"/>
+                </a:tc>
+                <a:tc>
+                  <a:txBody>
+                    <a:bodyPr/>
+                    <a:lstStyle/>
+                    <a:p>
+                      <a:pPr algn="ctr"/>
+                      <a:r>
+                        <a:rPr lang="en-US" altLang="zh-CN" dirty="0" smtClean="0">
+                          <a:latin typeface="宋体" panose="02010600030101010101" pitchFamily="2" charset="-122"/>
+                          <a:ea typeface="宋体" panose="02010600030101010101" pitchFamily="2" charset="-122"/>
+                        </a:rPr>
+                        <a:t>JDK</a:t>
+                      </a:r>
+                      <a:endParaRPr lang="zh-CN" altLang="en-US" dirty="0">
+                        <a:latin typeface="宋体" panose="02010600030101010101" pitchFamily="2" charset="-122"/>
+                        <a:ea typeface="宋体" panose="02010600030101010101" pitchFamily="2" charset="-122"/>
+                      </a:endParaRPr>
+                    </a:p>
+                  </a:txBody>
+                  <a:tcPr anchor="ctr"/>
+                </a:tc>
+                <a:extLst>
+                  <a:ext uri="{0D108BD9-81ED-4DB2-BD59-A6C34878D82A}">
+                    <a16:rowId xmlns:a16="http://schemas.microsoft.com/office/drawing/2014/main" val="3056097180"/>
+                  </a:ext>
+                </a:extLst>
+              </a:tr>
+              <a:tr h="517580">
+                <a:tc>
+                  <a:txBody>
+                    <a:bodyPr/>
+                    <a:lstStyle/>
+                    <a:p>
+                      <a:pPr algn="ctr"/>
+                      <a:r>
+                        <a:rPr lang="en-US" altLang="zh-CN" dirty="0" smtClean="0">
+                          <a:latin typeface="宋体" panose="02010600030101010101" pitchFamily="2" charset="-122"/>
+                          <a:ea typeface="宋体" panose="02010600030101010101" pitchFamily="2" charset="-122"/>
+                        </a:rPr>
+                        <a:t>Hmac</a:t>
+                      </a:r>
+                      <a:r>
+                        <a:rPr lang="en-US" altLang="zh-CN" dirty="0" smtClean="0">
+                          <a:latin typeface="宋体" panose="02010600030101010101" pitchFamily="2" charset="-122"/>
+                          <a:ea typeface="宋体" panose="02010600030101010101" pitchFamily="2" charset="-122"/>
+                        </a:rPr>
+                        <a:t>SHA-256</a:t>
+                      </a:r>
+                      <a:endParaRPr lang="zh-CN" altLang="en-US" dirty="0">
+                        <a:latin typeface="宋体" panose="02010600030101010101" pitchFamily="2" charset="-122"/>
+                        <a:ea typeface="宋体" panose="02010600030101010101" pitchFamily="2" charset="-122"/>
+                      </a:endParaRPr>
+                    </a:p>
+                  </a:txBody>
+                  <a:tcPr anchor="ctr"/>
+                </a:tc>
+                <a:tc>
+                  <a:txBody>
+                    <a:bodyPr/>
+                    <a:lstStyle/>
+                    <a:p>
+                      <a:pPr algn="ctr"/>
+                      <a:r>
+                        <a:rPr lang="en-US" altLang="zh-CN" dirty="0" smtClean="0">
+                          <a:latin typeface="宋体" panose="02010600030101010101" pitchFamily="2" charset="-122"/>
+                          <a:ea typeface="宋体" panose="02010600030101010101" pitchFamily="2" charset="-122"/>
+                        </a:rPr>
+                        <a:t>256</a:t>
+                      </a:r>
+                      <a:endParaRPr lang="zh-CN" altLang="en-US" dirty="0">
+                        <a:latin typeface="宋体" panose="02010600030101010101" pitchFamily="2" charset="-122"/>
+                        <a:ea typeface="宋体" panose="02010600030101010101" pitchFamily="2" charset="-122"/>
+                      </a:endParaRPr>
+                    </a:p>
+                  </a:txBody>
+                  <a:tcPr anchor="ctr"/>
+                </a:tc>
+                <a:tc>
+                  <a:txBody>
+                    <a:bodyPr/>
+                    <a:lstStyle/>
+                    <a:p>
+                      <a:pPr algn="ctr"/>
+                      <a:r>
+                        <a:rPr lang="en-US" altLang="zh-CN" dirty="0" smtClean="0">
+                          <a:latin typeface="宋体" panose="02010600030101010101" pitchFamily="2" charset="-122"/>
+                          <a:ea typeface="宋体" panose="02010600030101010101" pitchFamily="2" charset="-122"/>
+                        </a:rPr>
+                        <a:t>JDK</a:t>
+                      </a:r>
+                      <a:endParaRPr lang="zh-CN" altLang="en-US" dirty="0">
+                        <a:latin typeface="宋体" panose="02010600030101010101" pitchFamily="2" charset="-122"/>
+                        <a:ea typeface="宋体" panose="02010600030101010101" pitchFamily="2" charset="-122"/>
+                      </a:endParaRPr>
+                    </a:p>
+                  </a:txBody>
+                  <a:tcPr anchor="ctr"/>
+                </a:tc>
+                <a:extLst>
+                  <a:ext uri="{0D108BD9-81ED-4DB2-BD59-A6C34878D82A}">
+                    <a16:rowId xmlns:a16="http://schemas.microsoft.com/office/drawing/2014/main" val="3398222936"/>
+                  </a:ext>
+                </a:extLst>
+              </a:tr>
+              <a:tr h="517580">
+                <a:tc>
+                  <a:txBody>
+                    <a:bodyPr/>
+                    <a:lstStyle/>
+                    <a:p>
+                      <a:pPr marL="0" marR="0" lvl="0" indent="0" algn="ctr" defTabSz="914400" rtl="0" eaLnBrk="1" fontAlgn="auto" latinLnBrk="0" hangingPunct="1">
+                        <a:lnSpc>
+                          <a:spcPct val="100000"/>
+                        </a:lnSpc>
+                        <a:spcBef>
+                          <a:spcPts val="0"/>
+                        </a:spcBef>
+                        <a:spcAft>
+                          <a:spcPts val="0"/>
+                        </a:spcAft>
+                        <a:buClrTx/>
+                        <a:buSzTx/>
+                        <a:buFontTx/>
+                        <a:buNone/>
+                        <a:tabLst/>
+                        <a:defRPr/>
+                      </a:pPr>
+                      <a:r>
+                        <a:rPr lang="en-US" altLang="zh-CN" dirty="0" smtClean="0">
+                          <a:latin typeface="宋体" panose="02010600030101010101" pitchFamily="2" charset="-122"/>
+                          <a:ea typeface="宋体" panose="02010600030101010101" pitchFamily="2" charset="-122"/>
+                        </a:rPr>
+                        <a:t>HmacSHA-384</a:t>
+                      </a:r>
+                      <a:endParaRPr lang="zh-CN" altLang="en-US" dirty="0" smtClean="0">
+                        <a:latin typeface="宋体" panose="02010600030101010101" pitchFamily="2" charset="-122"/>
+                        <a:ea typeface="宋体" panose="02010600030101010101" pitchFamily="2" charset="-122"/>
+                      </a:endParaRPr>
+                    </a:p>
+                  </a:txBody>
+                  <a:tcPr anchor="ctr"/>
+                </a:tc>
+                <a:tc>
+                  <a:txBody>
+                    <a:bodyPr/>
+                    <a:lstStyle/>
+                    <a:p>
+                      <a:pPr algn="ctr"/>
+                      <a:r>
+                        <a:rPr lang="en-US" altLang="zh-CN" dirty="0" smtClean="0">
+                          <a:latin typeface="宋体" panose="02010600030101010101" pitchFamily="2" charset="-122"/>
+                          <a:ea typeface="宋体" panose="02010600030101010101" pitchFamily="2" charset="-122"/>
+                        </a:rPr>
+                        <a:t>384</a:t>
+                      </a:r>
+                      <a:endParaRPr lang="zh-CN" altLang="en-US" dirty="0">
+                        <a:latin typeface="宋体" panose="02010600030101010101" pitchFamily="2" charset="-122"/>
+                        <a:ea typeface="宋体" panose="02010600030101010101" pitchFamily="2" charset="-122"/>
+                      </a:endParaRPr>
+                    </a:p>
+                  </a:txBody>
+                  <a:tcPr anchor="ctr"/>
+                </a:tc>
+                <a:tc>
+                  <a:txBody>
+                    <a:bodyPr/>
+                    <a:lstStyle/>
+                    <a:p>
+                      <a:pPr algn="ctr"/>
+                      <a:r>
+                        <a:rPr lang="en-US" altLang="zh-CN" dirty="0" smtClean="0">
+                          <a:latin typeface="宋体" panose="02010600030101010101" pitchFamily="2" charset="-122"/>
+                          <a:ea typeface="宋体" panose="02010600030101010101" pitchFamily="2" charset="-122"/>
+                        </a:rPr>
+                        <a:t>JDK</a:t>
+                      </a:r>
+                      <a:endParaRPr lang="zh-CN" altLang="en-US" dirty="0">
+                        <a:latin typeface="宋体" panose="02010600030101010101" pitchFamily="2" charset="-122"/>
+                        <a:ea typeface="宋体" panose="02010600030101010101" pitchFamily="2" charset="-122"/>
+                      </a:endParaRPr>
+                    </a:p>
+                  </a:txBody>
+                  <a:tcPr anchor="ctr"/>
+                </a:tc>
+                <a:extLst>
+                  <a:ext uri="{0D108BD9-81ED-4DB2-BD59-A6C34878D82A}">
+                    <a16:rowId xmlns:a16="http://schemas.microsoft.com/office/drawing/2014/main" val="3661055458"/>
+                  </a:ext>
+                </a:extLst>
+              </a:tr>
+              <a:tr h="517580">
+                <a:tc>
+                  <a:txBody>
+                    <a:bodyPr/>
+                    <a:lstStyle/>
+                    <a:p>
+                      <a:pPr marL="0" marR="0" lvl="0" indent="0" algn="ctr" defTabSz="914400" rtl="0" eaLnBrk="1" fontAlgn="auto" latinLnBrk="0" hangingPunct="1">
+                        <a:lnSpc>
+                          <a:spcPct val="100000"/>
+                        </a:lnSpc>
+                        <a:spcBef>
+                          <a:spcPts val="0"/>
+                        </a:spcBef>
+                        <a:spcAft>
+                          <a:spcPts val="0"/>
+                        </a:spcAft>
+                        <a:buClrTx/>
+                        <a:buSzTx/>
+                        <a:buFontTx/>
+                        <a:buNone/>
+                        <a:tabLst/>
+                        <a:defRPr/>
+                      </a:pPr>
+                      <a:r>
+                        <a:rPr lang="en-US" altLang="zh-CN" dirty="0" smtClean="0">
+                          <a:latin typeface="宋体" panose="02010600030101010101" pitchFamily="2" charset="-122"/>
+                          <a:ea typeface="宋体" panose="02010600030101010101" pitchFamily="2" charset="-122"/>
+                        </a:rPr>
+                        <a:t>HmacSHA-512</a:t>
+                      </a:r>
+                      <a:endParaRPr lang="zh-CN" altLang="en-US" dirty="0" smtClean="0">
+                        <a:latin typeface="宋体" panose="02010600030101010101" pitchFamily="2" charset="-122"/>
+                        <a:ea typeface="宋体" panose="02010600030101010101" pitchFamily="2" charset="-122"/>
+                      </a:endParaRPr>
+                    </a:p>
+                  </a:txBody>
+                  <a:tcPr anchor="ctr"/>
+                </a:tc>
+                <a:tc>
+                  <a:txBody>
+                    <a:bodyPr/>
+                    <a:lstStyle/>
+                    <a:p>
+                      <a:pPr algn="ctr"/>
+                      <a:r>
+                        <a:rPr lang="en-US" altLang="zh-CN" dirty="0" smtClean="0">
+                          <a:latin typeface="宋体" panose="02010600030101010101" pitchFamily="2" charset="-122"/>
+                          <a:ea typeface="宋体" panose="02010600030101010101" pitchFamily="2" charset="-122"/>
+                        </a:rPr>
+                        <a:t>512</a:t>
+                      </a:r>
+                      <a:endParaRPr lang="zh-CN" altLang="en-US" dirty="0">
+                        <a:latin typeface="宋体" panose="02010600030101010101" pitchFamily="2" charset="-122"/>
+                        <a:ea typeface="宋体" panose="02010600030101010101" pitchFamily="2" charset="-122"/>
+                      </a:endParaRPr>
+                    </a:p>
+                  </a:txBody>
+                  <a:tcPr anchor="ctr"/>
+                </a:tc>
+                <a:tc>
+                  <a:txBody>
+                    <a:bodyPr/>
+                    <a:lstStyle/>
+                    <a:p>
+                      <a:pPr marL="0" marR="0" lvl="0" indent="0" algn="ctr" defTabSz="914400" rtl="0" eaLnBrk="1" fontAlgn="auto" latinLnBrk="0" hangingPunct="1">
+                        <a:lnSpc>
+                          <a:spcPct val="100000"/>
+                        </a:lnSpc>
+                        <a:spcBef>
+                          <a:spcPts val="0"/>
+                        </a:spcBef>
+                        <a:spcAft>
+                          <a:spcPts val="0"/>
+                        </a:spcAft>
+                        <a:buClrTx/>
+                        <a:buSzTx/>
+                        <a:buFontTx/>
+                        <a:buNone/>
+                        <a:tabLst/>
+                        <a:defRPr/>
+                      </a:pPr>
+                      <a:r>
+                        <a:rPr lang="en-US" altLang="zh-CN" dirty="0" smtClean="0">
+                          <a:latin typeface="宋体" panose="02010600030101010101" pitchFamily="2" charset="-122"/>
+                          <a:ea typeface="宋体" panose="02010600030101010101" pitchFamily="2" charset="-122"/>
+                        </a:rPr>
+                        <a:t>JDK</a:t>
+                      </a:r>
+                      <a:endParaRPr lang="zh-CN" altLang="en-US" dirty="0" smtClean="0">
+                        <a:latin typeface="宋体" panose="02010600030101010101" pitchFamily="2" charset="-122"/>
+                        <a:ea typeface="宋体" panose="02010600030101010101" pitchFamily="2" charset="-122"/>
+                      </a:endParaRPr>
+                    </a:p>
+                  </a:txBody>
+                  <a:tcPr anchor="ctr"/>
+                </a:tc>
+                <a:extLst>
+                  <a:ext uri="{0D108BD9-81ED-4DB2-BD59-A6C34878D82A}">
+                    <a16:rowId xmlns:a16="http://schemas.microsoft.com/office/drawing/2014/main" val="1792707014"/>
+                  </a:ext>
+                </a:extLst>
+              </a:tr>
+              <a:tr h="517580">
+                <a:tc>
+                  <a:txBody>
+                    <a:bodyPr/>
+                    <a:lstStyle/>
+                    <a:p>
+                      <a:pPr marL="0" marR="0" lvl="0" indent="0" algn="ctr" defTabSz="914400" rtl="0" eaLnBrk="1" fontAlgn="auto" latinLnBrk="0" hangingPunct="1">
+                        <a:lnSpc>
+                          <a:spcPct val="100000"/>
+                        </a:lnSpc>
+                        <a:spcBef>
+                          <a:spcPts val="0"/>
+                        </a:spcBef>
+                        <a:spcAft>
+                          <a:spcPts val="0"/>
+                        </a:spcAft>
+                        <a:buClrTx/>
+                        <a:buSzTx/>
+                        <a:buFontTx/>
+                        <a:buNone/>
+                        <a:tabLst/>
+                        <a:defRPr/>
+                      </a:pPr>
+                      <a:r>
+                        <a:rPr lang="en-US" altLang="zh-CN" dirty="0" smtClean="0">
+                          <a:solidFill>
+                            <a:schemeClr val="tx1"/>
+                          </a:solidFill>
+                          <a:latin typeface="宋体" panose="02010600030101010101" pitchFamily="2" charset="-122"/>
+                          <a:ea typeface="宋体" panose="02010600030101010101" pitchFamily="2" charset="-122"/>
+                        </a:rPr>
+                        <a:t>HmacSHA-224</a:t>
+                      </a:r>
+                      <a:endParaRPr lang="zh-CN" altLang="en-US" dirty="0" smtClean="0">
+                        <a:solidFill>
+                          <a:schemeClr val="tx1"/>
+                        </a:solidFill>
+                        <a:latin typeface="宋体" panose="02010600030101010101" pitchFamily="2" charset="-122"/>
+                        <a:ea typeface="宋体" panose="02010600030101010101" pitchFamily="2" charset="-122"/>
+                      </a:endParaRPr>
+                    </a:p>
+                  </a:txBody>
+                  <a:tcPr anchor="ctr"/>
+                </a:tc>
+                <a:tc>
+                  <a:txBody>
+                    <a:bodyPr/>
+                    <a:lstStyle/>
+                    <a:p>
+                      <a:pPr algn="ctr"/>
+                      <a:r>
+                        <a:rPr lang="en-US" altLang="zh-CN" dirty="0" smtClean="0">
+                          <a:latin typeface="宋体" panose="02010600030101010101" pitchFamily="2" charset="-122"/>
+                          <a:ea typeface="宋体" panose="02010600030101010101" pitchFamily="2" charset="-122"/>
+                        </a:rPr>
+                        <a:t>224</a:t>
+                      </a:r>
+                      <a:endParaRPr lang="zh-CN" altLang="en-US" dirty="0">
+                        <a:latin typeface="宋体" panose="02010600030101010101" pitchFamily="2" charset="-122"/>
+                        <a:ea typeface="宋体" panose="02010600030101010101" pitchFamily="2" charset="-122"/>
+                      </a:endParaRPr>
+                    </a:p>
+                  </a:txBody>
+                  <a:tcPr anchor="ctr"/>
+                </a:tc>
+                <a:tc>
+                  <a:txBody>
+                    <a:bodyPr/>
+                    <a:lstStyle/>
+                    <a:p>
+                      <a:pPr marL="0" marR="0" lvl="0" indent="0" algn="ctr" defTabSz="914400" rtl="0" eaLnBrk="1" fontAlgn="auto" latinLnBrk="0" hangingPunct="1">
+                        <a:lnSpc>
+                          <a:spcPct val="100000"/>
+                        </a:lnSpc>
+                        <a:spcBef>
+                          <a:spcPts val="0"/>
+                        </a:spcBef>
+                        <a:spcAft>
+                          <a:spcPts val="0"/>
+                        </a:spcAft>
+                        <a:buClrTx/>
+                        <a:buSzTx/>
+                        <a:buFontTx/>
+                        <a:buNone/>
+                        <a:tabLst/>
+                        <a:defRPr/>
+                      </a:pPr>
+                      <a:r>
+                        <a:rPr lang="en-US" altLang="zh-CN" dirty="0" smtClean="0">
+                          <a:solidFill>
+                            <a:srgbClr val="0070C0"/>
+                          </a:solidFill>
+                          <a:latin typeface="宋体" panose="02010600030101010101" pitchFamily="2" charset="-122"/>
+                          <a:ea typeface="宋体" panose="02010600030101010101" pitchFamily="2" charset="-122"/>
+                        </a:rPr>
+                        <a:t>JDK8</a:t>
+                      </a:r>
+                      <a:endParaRPr lang="zh-CN" altLang="en-US" dirty="0" smtClean="0">
+                        <a:solidFill>
+                          <a:srgbClr val="0070C0"/>
+                        </a:solidFill>
+                        <a:latin typeface="宋体" panose="02010600030101010101" pitchFamily="2" charset="-122"/>
+                        <a:ea typeface="宋体" panose="02010600030101010101" pitchFamily="2" charset="-122"/>
+                      </a:endParaRPr>
+                    </a:p>
+                  </a:txBody>
+                  <a:tcPr anchor="ctr"/>
+                </a:tc>
+                <a:extLst>
+                  <a:ext uri="{0D108BD9-81ED-4DB2-BD59-A6C34878D82A}">
+                    <a16:rowId xmlns:a16="http://schemas.microsoft.com/office/drawing/2014/main" val="1883377276"/>
+                  </a:ext>
+                </a:extLst>
+              </a:tr>
+              <a:tr h="517580">
+                <a:tc>
+                  <a:txBody>
+                    <a:bodyPr/>
+                    <a:lstStyle/>
+                    <a:p>
+                      <a:pPr marL="0" marR="0" lvl="0" indent="0" algn="ctr" defTabSz="914400" rtl="0" eaLnBrk="1" fontAlgn="auto" latinLnBrk="0" hangingPunct="1">
+                        <a:lnSpc>
+                          <a:spcPct val="100000"/>
+                        </a:lnSpc>
+                        <a:spcBef>
+                          <a:spcPts val="0"/>
+                        </a:spcBef>
+                        <a:spcAft>
+                          <a:spcPts val="0"/>
+                        </a:spcAft>
+                        <a:buClrTx/>
+                        <a:buSzTx/>
+                        <a:buFontTx/>
+                        <a:buNone/>
+                        <a:tabLst/>
+                        <a:defRPr/>
+                      </a:pPr>
+                      <a:r>
+                        <a:rPr lang="en-US" altLang="zh-CN" dirty="0" smtClean="0">
+                          <a:solidFill>
+                            <a:srgbClr val="0070C0"/>
+                          </a:solidFill>
+                          <a:latin typeface="宋体" panose="02010600030101010101" pitchFamily="2" charset="-122"/>
+                          <a:ea typeface="宋体" panose="02010600030101010101" pitchFamily="2" charset="-122"/>
+                        </a:rPr>
+                        <a:t>HmacMD2</a:t>
+                      </a:r>
+                      <a:endParaRPr lang="zh-CN" altLang="en-US" dirty="0" smtClean="0">
+                        <a:solidFill>
+                          <a:srgbClr val="0070C0"/>
+                        </a:solidFill>
+                        <a:latin typeface="宋体" panose="02010600030101010101" pitchFamily="2" charset="-122"/>
+                        <a:ea typeface="宋体" panose="02010600030101010101" pitchFamily="2" charset="-122"/>
+                      </a:endParaRPr>
+                    </a:p>
+                  </a:txBody>
+                  <a:tcPr anchor="ctr"/>
+                </a:tc>
+                <a:tc>
+                  <a:txBody>
+                    <a:bodyPr/>
+                    <a:lstStyle/>
+                    <a:p>
+                      <a:pPr algn="ctr"/>
+                      <a:r>
+                        <a:rPr lang="en-US" altLang="zh-CN" dirty="0" smtClean="0">
+                          <a:solidFill>
+                            <a:srgbClr val="0070C0"/>
+                          </a:solidFill>
+                          <a:latin typeface="宋体" panose="02010600030101010101" pitchFamily="2" charset="-122"/>
+                          <a:ea typeface="宋体" panose="02010600030101010101" pitchFamily="2" charset="-122"/>
+                        </a:rPr>
+                        <a:t>128</a:t>
+                      </a:r>
+                      <a:endParaRPr lang="zh-CN" altLang="en-US" dirty="0">
+                        <a:solidFill>
+                          <a:srgbClr val="0070C0"/>
+                        </a:solidFill>
+                        <a:latin typeface="宋体" panose="02010600030101010101" pitchFamily="2" charset="-122"/>
+                        <a:ea typeface="宋体" panose="02010600030101010101" pitchFamily="2" charset="-122"/>
+                      </a:endParaRPr>
+                    </a:p>
+                  </a:txBody>
+                  <a:tcPr anchor="ctr"/>
+                </a:tc>
+                <a:tc>
+                  <a:txBody>
+                    <a:bodyPr/>
+                    <a:lstStyle/>
+                    <a:p>
+                      <a:pPr marL="0" marR="0" lvl="0" indent="0" algn="ctr" defTabSz="914400" rtl="0" eaLnBrk="1" fontAlgn="auto" latinLnBrk="0" hangingPunct="1">
+                        <a:lnSpc>
+                          <a:spcPct val="100000"/>
+                        </a:lnSpc>
+                        <a:spcBef>
+                          <a:spcPts val="0"/>
+                        </a:spcBef>
+                        <a:spcAft>
+                          <a:spcPts val="0"/>
+                        </a:spcAft>
+                        <a:buClrTx/>
+                        <a:buSzTx/>
+                        <a:buFontTx/>
+                        <a:buNone/>
+                        <a:tabLst/>
+                        <a:defRPr/>
+                      </a:pPr>
+                      <a:r>
+                        <a:rPr lang="en-US" altLang="zh-CN" dirty="0" smtClean="0">
+                          <a:solidFill>
+                            <a:srgbClr val="0070C0"/>
+                          </a:solidFill>
+                          <a:latin typeface="宋体" panose="02010600030101010101" pitchFamily="2" charset="-122"/>
+                          <a:ea typeface="宋体" panose="02010600030101010101" pitchFamily="2" charset="-122"/>
+                        </a:rPr>
+                        <a:t>Bouncy Castle</a:t>
+                      </a:r>
+                      <a:endParaRPr lang="zh-CN" altLang="en-US" dirty="0" smtClean="0">
+                        <a:solidFill>
+                          <a:srgbClr val="0070C0"/>
+                        </a:solidFill>
+                        <a:latin typeface="宋体" panose="02010600030101010101" pitchFamily="2" charset="-122"/>
+                        <a:ea typeface="宋体" panose="02010600030101010101" pitchFamily="2" charset="-122"/>
+                      </a:endParaRPr>
+                    </a:p>
+                  </a:txBody>
+                  <a:tcPr anchor="ctr"/>
+                </a:tc>
+                <a:extLst>
+                  <a:ext uri="{0D108BD9-81ED-4DB2-BD59-A6C34878D82A}">
+                    <a16:rowId xmlns:a16="http://schemas.microsoft.com/office/drawing/2014/main" val="4018932841"/>
+                  </a:ext>
+                </a:extLst>
+              </a:tr>
+              <a:tr h="517580">
+                <a:tc>
+                  <a:txBody>
+                    <a:bodyPr/>
+                    <a:lstStyle/>
+                    <a:p>
+                      <a:pPr marL="0" marR="0" lvl="0" indent="0" algn="ctr" defTabSz="914400" rtl="0" eaLnBrk="1" fontAlgn="auto" latinLnBrk="0" hangingPunct="1">
+                        <a:lnSpc>
+                          <a:spcPct val="100000"/>
+                        </a:lnSpc>
+                        <a:spcBef>
+                          <a:spcPts val="0"/>
+                        </a:spcBef>
+                        <a:spcAft>
+                          <a:spcPts val="0"/>
+                        </a:spcAft>
+                        <a:buClrTx/>
+                        <a:buSzTx/>
+                        <a:buFontTx/>
+                        <a:buNone/>
+                        <a:tabLst/>
+                        <a:defRPr/>
+                      </a:pPr>
+                      <a:r>
+                        <a:rPr lang="en-US" altLang="zh-CN" dirty="0" smtClean="0">
+                          <a:solidFill>
+                            <a:srgbClr val="0070C0"/>
+                          </a:solidFill>
+                          <a:latin typeface="宋体" panose="02010600030101010101" pitchFamily="2" charset="-122"/>
+                          <a:ea typeface="宋体" panose="02010600030101010101" pitchFamily="2" charset="-122"/>
+                        </a:rPr>
+                        <a:t>HmacMD4</a:t>
+                      </a:r>
+                      <a:endParaRPr lang="zh-CN" altLang="en-US" dirty="0" smtClean="0">
+                        <a:solidFill>
+                          <a:srgbClr val="0070C0"/>
+                        </a:solidFill>
+                        <a:latin typeface="宋体" panose="02010600030101010101" pitchFamily="2" charset="-122"/>
+                        <a:ea typeface="宋体" panose="02010600030101010101" pitchFamily="2" charset="-122"/>
+                      </a:endParaRPr>
+                    </a:p>
+                  </a:txBody>
+                  <a:tcPr anchor="ctr"/>
+                </a:tc>
+                <a:tc>
+                  <a:txBody>
+                    <a:bodyPr/>
+                    <a:lstStyle/>
+                    <a:p>
+                      <a:pPr algn="ctr"/>
+                      <a:r>
+                        <a:rPr lang="en-US" altLang="zh-CN" dirty="0" smtClean="0">
+                          <a:solidFill>
+                            <a:srgbClr val="0070C0"/>
+                          </a:solidFill>
+                          <a:latin typeface="宋体" panose="02010600030101010101" pitchFamily="2" charset="-122"/>
+                          <a:ea typeface="宋体" panose="02010600030101010101" pitchFamily="2" charset="-122"/>
+                        </a:rPr>
+                        <a:t>128</a:t>
+                      </a:r>
+                      <a:endParaRPr lang="zh-CN" altLang="en-US" dirty="0">
+                        <a:solidFill>
+                          <a:srgbClr val="0070C0"/>
+                        </a:solidFill>
+                        <a:latin typeface="宋体" panose="02010600030101010101" pitchFamily="2" charset="-122"/>
+                        <a:ea typeface="宋体" panose="02010600030101010101" pitchFamily="2" charset="-122"/>
+                      </a:endParaRPr>
+                    </a:p>
+                  </a:txBody>
+                  <a:tcPr anchor="ctr"/>
+                </a:tc>
+                <a:tc>
+                  <a:txBody>
+                    <a:bodyPr/>
+                    <a:lstStyle/>
+                    <a:p>
+                      <a:pPr marL="0" marR="0" lvl="0" indent="0" algn="ctr" defTabSz="914400" rtl="0" eaLnBrk="1" fontAlgn="auto" latinLnBrk="0" hangingPunct="1">
+                        <a:lnSpc>
+                          <a:spcPct val="100000"/>
+                        </a:lnSpc>
+                        <a:spcBef>
+                          <a:spcPts val="0"/>
+                        </a:spcBef>
+                        <a:spcAft>
+                          <a:spcPts val="0"/>
+                        </a:spcAft>
+                        <a:buClrTx/>
+                        <a:buSzTx/>
+                        <a:buFontTx/>
+                        <a:buNone/>
+                        <a:tabLst/>
+                        <a:defRPr/>
+                      </a:pPr>
+                      <a:r>
+                        <a:rPr lang="en-US" altLang="zh-CN" dirty="0" smtClean="0">
+                          <a:solidFill>
+                            <a:srgbClr val="0070C0"/>
+                          </a:solidFill>
+                          <a:latin typeface="宋体" panose="02010600030101010101" pitchFamily="2" charset="-122"/>
+                          <a:ea typeface="宋体" panose="02010600030101010101" pitchFamily="2" charset="-122"/>
+                        </a:rPr>
+                        <a:t>Bouncy Castle</a:t>
+                      </a:r>
+                      <a:endParaRPr lang="zh-CN" altLang="en-US" dirty="0" smtClean="0">
+                        <a:solidFill>
+                          <a:srgbClr val="0070C0"/>
+                        </a:solidFill>
+                        <a:latin typeface="宋体" panose="02010600030101010101" pitchFamily="2" charset="-122"/>
+                        <a:ea typeface="宋体" panose="02010600030101010101" pitchFamily="2" charset="-122"/>
+                      </a:endParaRPr>
+                    </a:p>
+                  </a:txBody>
+                  <a:tcPr anchor="ctr"/>
+                </a:tc>
+                <a:extLst>
+                  <a:ext uri="{0D108BD9-81ED-4DB2-BD59-A6C34878D82A}">
+                    <a16:rowId xmlns:a16="http://schemas.microsoft.com/office/drawing/2014/main" val="2814549111"/>
+                  </a:ext>
+                </a:extLst>
+              </a:tr>
+            </a:tbl>
+          </a:graphicData>
+        </a:graphic>
+      </p:graphicFrame>
+    </p:spTree>
+    <p:extLst>
+      <p:ext uri="{BB962C8B-B14F-4D97-AF65-F5344CB8AC3E}">
+        <p14:creationId xmlns:p14="http://schemas.microsoft.com/office/powerpoint/2010/main" val="3298819146"/>
+      </p:ext>
+    </p:extLst>
+  </p:cSld>
+  <p:clrMapOvr>
+    <a:masterClrMapping/>
+  </p:clrMapOvr>
+  <mc:AlternateContent xmlns:mc="http://schemas.openxmlformats.org/markup-compatibility/2006" xmlns:p14="http://schemas.microsoft.com/office/powerpoint/2010/main">
+    <mc:Choice Requires="p14">
+      <p:transition spd="med" p14:dur="700">
+        <p:fade/>
+      </p:transition>
+    </mc:Choice>
+    <mc:Fallback xmlns="">
+      <p:transition spd="med">
+        <p:fade/>
+      </p:transition>
+    </mc:Fallback>
+  </mc:AlternateContent>
+  <p:timing>
+    <p:tnLst>
+      <p:par>
+        <p:cTn id="1" dur="indefinite" restart="never" nodeType="tmRoot"/>
+      </p:par>
+    </p:tnLst>
+  </p:timing>
+</p:sld>
+</file>
+
+<file path=ppt/slides/slide13.xml><?xml version="1.0" encoding="utf-8"?>
+<p:sld xmlns:a="http://schemas.openxmlformats.org/drawingml/2006/main" xmlns:r="http://schemas.openxmlformats.org/officeDocument/2006/relationships" xmlns:p="http://schemas.openxmlformats.org/presentationml/2006/main">
+  <p:cSld>
+    <p:spTree>
+      <p:nvGrpSpPr>
+        <p:cNvPr id="1" name=""/>
+        <p:cNvGrpSpPr/>
+        <p:nvPr/>
+      </p:nvGrpSpPr>
+      <p:grpSpPr>
+        <a:xfrm>
+          <a:off x="0" y="0"/>
+          <a:ext cx="0" cy="0"/>
+          <a:chOff x="0" y="0"/>
+          <a:chExt cx="0" cy="0"/>
+        </a:xfrm>
+      </p:grpSpPr>
+      <p:sp>
+        <p:nvSpPr>
+          <p:cNvPr id="2" name="标题 1"/>
+          <p:cNvSpPr>
+            <a:spLocks noGrp="1"/>
+          </p:cNvSpPr>
+          <p:nvPr>
+            <p:ph type="title"/>
+          </p:nvPr>
+        </p:nvSpPr>
+        <p:spPr/>
+        <p:txBody>
+          <a:bodyPr/>
+          <a:lstStyle/>
+          <a:p>
+            <a:r>
+              <a:rPr lang="zh-CN" altLang="en-US" dirty="0" smtClean="0"/>
+              <a:t>对称加密</a:t>
+            </a:r>
+            <a:endParaRPr lang="zh-CN" altLang="en-US" dirty="0"/>
+          </a:p>
+        </p:txBody>
+      </p:sp>
+      <p:sp>
+        <p:nvSpPr>
+          <p:cNvPr id="3" name="内容占位符 2"/>
+          <p:cNvSpPr>
+            <a:spLocks noGrp="1"/>
+          </p:cNvSpPr>
+          <p:nvPr>
+            <p:ph idx="1"/>
+          </p:nvPr>
+        </p:nvSpPr>
+        <p:spPr/>
+        <p:txBody>
+          <a:bodyPr>
+            <a:normAutofit/>
+          </a:bodyPr>
+          <a:lstStyle/>
+          <a:p>
+            <a:r>
+              <a:rPr lang="zh-CN" altLang="en-US" dirty="0" smtClean="0"/>
+              <a:t>特点</a:t>
+            </a:r>
+            <a:endParaRPr lang="en-US" altLang="zh-CN" dirty="0" smtClean="0"/>
+          </a:p>
+          <a:p>
+            <a:pPr marL="45720" indent="0">
+              <a:buNone/>
+            </a:pPr>
+            <a:r>
+              <a:rPr lang="zh-CN" altLang="en-US" dirty="0" smtClean="0"/>
+              <a:t>   </a:t>
+            </a:r>
+            <a:r>
+              <a:rPr lang="zh-CN" altLang="en-US" sz="1600" dirty="0" smtClean="0">
+                <a:solidFill>
+                  <a:srgbClr val="0070C0"/>
+                </a:solidFill>
+              </a:rPr>
+              <a:t>加密</a:t>
+            </a:r>
+            <a:r>
+              <a:rPr lang="zh-CN" altLang="en-US" sz="1600" dirty="0">
+                <a:solidFill>
+                  <a:srgbClr val="0070C0"/>
+                </a:solidFill>
+              </a:rPr>
+              <a:t>秘钥 </a:t>
+            </a:r>
+            <a:r>
+              <a:rPr lang="en-US" altLang="zh-CN" sz="1600" dirty="0">
+                <a:solidFill>
+                  <a:srgbClr val="0070C0"/>
+                </a:solidFill>
+              </a:rPr>
+              <a:t>= </a:t>
+            </a:r>
+            <a:r>
+              <a:rPr lang="zh-CN" altLang="en-US" sz="1600" dirty="0">
+                <a:solidFill>
+                  <a:srgbClr val="0070C0"/>
+                </a:solidFill>
+              </a:rPr>
+              <a:t>解密秘钥</a:t>
+            </a:r>
+            <a:endParaRPr lang="en-US" altLang="zh-CN" sz="1600" dirty="0">
+              <a:solidFill>
+                <a:srgbClr val="0070C0"/>
+              </a:solidFill>
+            </a:endParaRPr>
+          </a:p>
+          <a:p>
+            <a:r>
+              <a:rPr lang="zh-CN" altLang="en-US" dirty="0" smtClean="0"/>
+              <a:t>常用对称加密算法</a:t>
+            </a:r>
+            <a:endParaRPr lang="en-US" altLang="zh-CN" dirty="0" smtClean="0"/>
+          </a:p>
+          <a:p>
+            <a:pPr marL="45720" indent="0">
+              <a:buNone/>
+            </a:pPr>
+            <a:r>
+              <a:rPr lang="en-US" altLang="zh-CN" dirty="0" smtClean="0"/>
+              <a:t>   </a:t>
+            </a:r>
+            <a:r>
+              <a:rPr lang="en-US" altLang="zh-CN" sz="1600" dirty="0" smtClean="0">
+                <a:solidFill>
+                  <a:srgbClr val="0070C0"/>
+                </a:solidFill>
+              </a:rPr>
+              <a:t>DES</a:t>
+            </a:r>
+            <a:r>
+              <a:rPr lang="zh-CN" altLang="en-US" sz="1600" dirty="0" smtClean="0">
+                <a:solidFill>
+                  <a:srgbClr val="0070C0"/>
+                </a:solidFill>
+              </a:rPr>
+              <a:t>、</a:t>
+            </a:r>
+            <a:r>
+              <a:rPr lang="en-US" altLang="zh-CN" sz="1600" dirty="0" smtClean="0">
+                <a:solidFill>
+                  <a:srgbClr val="0070C0"/>
+                </a:solidFill>
+              </a:rPr>
+              <a:t>3DES</a:t>
+            </a:r>
+            <a:r>
+              <a:rPr lang="zh-CN" altLang="en-US" sz="1600" dirty="0" smtClean="0">
+                <a:solidFill>
+                  <a:srgbClr val="0070C0"/>
+                </a:solidFill>
+              </a:rPr>
+              <a:t>、</a:t>
+            </a:r>
+            <a:r>
+              <a:rPr lang="en-US" altLang="zh-CN" sz="1600" dirty="0" smtClean="0">
+                <a:solidFill>
+                  <a:srgbClr val="0070C0"/>
+                </a:solidFill>
+              </a:rPr>
+              <a:t>AES</a:t>
+            </a:r>
+            <a:r>
+              <a:rPr lang="zh-CN" altLang="en-US" sz="1600" dirty="0" smtClean="0">
+                <a:solidFill>
+                  <a:srgbClr val="0070C0"/>
+                </a:solidFill>
+              </a:rPr>
+              <a:t>、</a:t>
+            </a:r>
+            <a:r>
+              <a:rPr lang="en-US" altLang="zh-CN" sz="1600" dirty="0" smtClean="0">
+                <a:solidFill>
+                  <a:srgbClr val="0070C0"/>
+                </a:solidFill>
+              </a:rPr>
+              <a:t>IDEA</a:t>
+            </a:r>
+            <a:endParaRPr lang="en-US" altLang="zh-CN" sz="1600" dirty="0">
+              <a:solidFill>
+                <a:srgbClr val="0070C0"/>
+              </a:solidFill>
+            </a:endParaRPr>
+          </a:p>
+          <a:p>
+            <a:r>
+              <a:rPr lang="zh-CN" altLang="en-US" dirty="0" smtClean="0"/>
+              <a:t>用途</a:t>
+            </a:r>
+            <a:endParaRPr lang="en-US" altLang="zh-CN" dirty="0" smtClean="0"/>
+          </a:p>
+          <a:p>
+            <a:pPr marL="45720" indent="0">
+              <a:buNone/>
+            </a:pPr>
+            <a:r>
+              <a:rPr lang="en-US" altLang="zh-CN" sz="1600" dirty="0">
+                <a:solidFill>
+                  <a:srgbClr val="0070C0"/>
+                </a:solidFill>
+              </a:rPr>
+              <a:t> </a:t>
+            </a:r>
+            <a:r>
+              <a:rPr lang="en-US" altLang="zh-CN" sz="1600" dirty="0">
+                <a:solidFill>
+                  <a:srgbClr val="0070C0"/>
+                </a:solidFill>
+              </a:rPr>
+              <a:t>  </a:t>
+            </a:r>
+            <a:r>
+              <a:rPr lang="en-US" altLang="zh-CN" sz="1600" dirty="0" smtClean="0">
+                <a:solidFill>
+                  <a:srgbClr val="0070C0"/>
+                </a:solidFill>
+              </a:rPr>
+              <a:t> </a:t>
+            </a:r>
+            <a:r>
+              <a:rPr lang="zh-CN" altLang="en-US" sz="1600" dirty="0" smtClean="0">
+                <a:solidFill>
+                  <a:srgbClr val="0070C0"/>
+                </a:solidFill>
+              </a:rPr>
+              <a:t>加密</a:t>
+            </a:r>
+            <a:endParaRPr lang="en-US" altLang="zh-CN" sz="1600" dirty="0">
+              <a:solidFill>
+                <a:srgbClr val="0070C0"/>
+              </a:solidFill>
+            </a:endParaRPr>
+          </a:p>
+          <a:p>
+            <a:r>
+              <a:rPr lang="zh-CN" altLang="en-US" dirty="0" smtClean="0"/>
+              <a:t>缺点</a:t>
+            </a:r>
+            <a:endParaRPr lang="en-US" altLang="zh-CN" dirty="0" smtClean="0"/>
+          </a:p>
+          <a:p>
+            <a:pPr marL="45720" indent="0">
+              <a:buNone/>
+            </a:pPr>
+            <a:r>
+              <a:rPr lang="en-US" altLang="zh-CN" sz="1600" dirty="0">
+                <a:solidFill>
+                  <a:srgbClr val="0070C0"/>
+                </a:solidFill>
+              </a:rPr>
+              <a:t> </a:t>
+            </a:r>
+            <a:r>
+              <a:rPr lang="en-US" altLang="zh-CN" sz="1600" dirty="0">
+                <a:solidFill>
+                  <a:srgbClr val="0070C0"/>
+                </a:solidFill>
+              </a:rPr>
+              <a:t>  </a:t>
+            </a:r>
+            <a:r>
+              <a:rPr lang="zh-CN" altLang="en-US" sz="1600" dirty="0">
+                <a:solidFill>
+                  <a:srgbClr val="0070C0"/>
+                </a:solidFill>
+              </a:rPr>
+              <a:t>不能保证秘钥交换安全</a:t>
+            </a:r>
+            <a:endParaRPr lang="en-US" altLang="zh-CN" sz="1600" dirty="0">
+              <a:solidFill>
+                <a:srgbClr val="0070C0"/>
+              </a:solidFill>
+            </a:endParaRPr>
+          </a:p>
+        </p:txBody>
+      </p:sp>
+    </p:spTree>
+    <p:extLst>
+      <p:ext uri="{BB962C8B-B14F-4D97-AF65-F5344CB8AC3E}">
+        <p14:creationId xmlns:p14="http://schemas.microsoft.com/office/powerpoint/2010/main" val="3767609656"/>
+      </p:ext>
+    </p:extLst>
+  </p:cSld>
+  <p:clrMapOvr>
+    <a:masterClrMapping/>
+  </p:clrMapOvr>
+  <mc:AlternateContent xmlns:mc="http://schemas.openxmlformats.org/markup-compatibility/2006" xmlns:p14="http://schemas.microsoft.com/office/powerpoint/2010/main">
+    <mc:Choice Requires="p14">
+      <p:transition spd="med" p14:dur="700">
+        <p:fade/>
+      </p:transition>
+    </mc:Choice>
+    <mc:Fallback xmlns="">
+      <p:transition spd="med">
+        <p:fade/>
+      </p:transition>
+    </mc:Fallback>
+  </mc:AlternateContent>
+  <p:timing>
+    <p:tnLst>
+      <p:par>
+        <p:cTn id="1" dur="indefinite" restart="never" nodeType="tmRoot"/>
+      </p:par>
+    </p:tnLst>
+  </p:timing>
+</p:sld>
+</file>
+
+<file path=ppt/slides/slide14.xml><?xml version="1.0" encoding="utf-8"?>
+<p:sld xmlns:a="http://schemas.openxmlformats.org/drawingml/2006/main" xmlns:r="http://schemas.openxmlformats.org/officeDocument/2006/relationships" xmlns:p="http://schemas.openxmlformats.org/presentationml/2006/main">
+  <p:cSld>
+    <p:spTree>
+      <p:nvGrpSpPr>
+        <p:cNvPr id="1" name=""/>
+        <p:cNvGrpSpPr/>
+        <p:nvPr/>
+      </p:nvGrpSpPr>
+      <p:grpSpPr>
+        <a:xfrm>
+          <a:off x="0" y="0"/>
+          <a:ext cx="0" cy="0"/>
+          <a:chOff x="0" y="0"/>
+          <a:chExt cx="0" cy="0"/>
+        </a:xfrm>
+      </p:grpSpPr>
+      <p:sp>
+        <p:nvSpPr>
+          <p:cNvPr id="2" name="标题 1"/>
+          <p:cNvSpPr>
+            <a:spLocks noGrp="1"/>
+          </p:cNvSpPr>
+          <p:nvPr>
+            <p:ph type="title"/>
+          </p:nvPr>
+        </p:nvSpPr>
+        <p:spPr/>
+        <p:txBody>
+          <a:bodyPr/>
+          <a:lstStyle/>
+          <a:p>
+            <a:r>
+              <a:rPr lang="zh-CN" altLang="en-US" dirty="0" smtClean="0"/>
+              <a:t>对称加密模型</a:t>
+            </a:r>
+            <a:endParaRPr lang="zh-CN" altLang="en-US" dirty="0"/>
+          </a:p>
+        </p:txBody>
+      </p:sp>
+      <p:pic>
+        <p:nvPicPr>
+          <p:cNvPr id="6" name="图片 5"/>
+          <p:cNvPicPr>
+            <a:picLocks noChangeAspect="1"/>
+          </p:cNvPicPr>
+          <p:nvPr/>
+        </p:nvPicPr>
+        <p:blipFill>
+          <a:blip r:embed="rId2"/>
+          <a:stretch>
+            <a:fillRect/>
+          </a:stretch>
+        </p:blipFill>
+        <p:spPr>
+          <a:xfrm>
+            <a:off x="1021083" y="2247808"/>
+            <a:ext cx="9478794" cy="2663826"/>
+          </a:xfrm>
+          <a:prstGeom prst="rect">
+            <a:avLst/>
+          </a:prstGeom>
+        </p:spPr>
+      </p:pic>
+    </p:spTree>
+    <p:extLst>
+      <p:ext uri="{BB962C8B-B14F-4D97-AF65-F5344CB8AC3E}">
+        <p14:creationId xmlns:p14="http://schemas.microsoft.com/office/powerpoint/2010/main" val="3451816626"/>
+      </p:ext>
+    </p:extLst>
+  </p:cSld>
+  <p:clrMapOvr>
+    <a:masterClrMapping/>
+  </p:clrMapOvr>
+  <mc:AlternateContent xmlns:mc="http://schemas.openxmlformats.org/markup-compatibility/2006" xmlns:p14="http://schemas.microsoft.com/office/powerpoint/2010/main">
+    <mc:Choice Requires="p14">
+      <p:transition spd="med" p14:dur="700">
+        <p:fade/>
+      </p:transition>
+    </mc:Choice>
+    <mc:Fallback xmlns="">
+      <p:transition spd="med">
+        <p:fade/>
+      </p:transition>
+    </mc:Fallback>
+  </mc:AlternateContent>
+  <p:timing>
+    <p:tnLst>
+      <p:par>
+        <p:cTn id="1" dur="indefinite" restart="never" nodeType="tmRoot"/>
+      </p:par>
+    </p:tnLst>
+  </p:timing>
+</p:sld>
+</file>
+
+<file path=ppt/slides/slide15.xml><?xml version="1.0" encoding="utf-8"?>
+<p:sld xmlns:a="http://schemas.openxmlformats.org/drawingml/2006/main" xmlns:r="http://schemas.openxmlformats.org/officeDocument/2006/relationships" xmlns:p="http://schemas.openxmlformats.org/presentationml/2006/main">
+  <p:cSld>
+    <p:spTree>
+      <p:nvGrpSpPr>
+        <p:cNvPr id="1" name=""/>
+        <p:cNvGrpSpPr/>
+        <p:nvPr/>
+      </p:nvGrpSpPr>
+      <p:grpSpPr>
+        <a:xfrm>
+          <a:off x="0" y="0"/>
+          <a:ext cx="0" cy="0"/>
+          <a:chOff x="0" y="0"/>
+          <a:chExt cx="0" cy="0"/>
+        </a:xfrm>
+      </p:grpSpPr>
+      <p:sp>
+        <p:nvSpPr>
+          <p:cNvPr id="2" name="标题 1"/>
+          <p:cNvSpPr>
+            <a:spLocks noGrp="1"/>
+          </p:cNvSpPr>
+          <p:nvPr>
+            <p:ph type="title"/>
+          </p:nvPr>
+        </p:nvSpPr>
+        <p:spPr/>
+        <p:txBody>
+          <a:bodyPr/>
+          <a:lstStyle/>
+          <a:p>
+            <a:r>
+              <a:rPr lang="en-US" altLang="zh-CN" dirty="0"/>
               <a:t>D</a:t>
             </a:r>
             <a:r>
@@ -10367,7 +12605,7 @@
 </p:sld>
 </file>
 
-<file path=ppt/slides/slide11.xml><?xml version="1.0" encoding="utf-8"?>
+<file path=ppt/slides/slide16.xml><?xml version="1.0" encoding="utf-8"?>
 <p:sld xmlns:a="http://schemas.openxmlformats.org/drawingml/2006/main" xmlns:r="http://schemas.openxmlformats.org/officeDocument/2006/relationships" xmlns:p="http://schemas.openxmlformats.org/presentationml/2006/main">
   <p:cSld>
     <p:spTree>
@@ -11688,7 +13926,7 @@
 </p:sld>
 </file>
 
-<file path=ppt/slides/slide12.xml><?xml version="1.0" encoding="utf-8"?>
+<file path=ppt/slides/slide17.xml><?xml version="1.0" encoding="utf-8"?>
 <p:sld xmlns:a="http://schemas.openxmlformats.org/drawingml/2006/main" xmlns:r="http://schemas.openxmlformats.org/officeDocument/2006/relationships" xmlns:p="http://schemas.openxmlformats.org/presentationml/2006/main">
   <p:cSld>
     <p:spTree>
@@ -11738,7 +13976,7 @@
             <p:ph idx="1"/>
             <p:extLst>
               <p:ext uri="{D42A27DB-BD31-4B8C-83A1-F6EECF244321}">
-                <p14:modId xmlns:p14="http://schemas.microsoft.com/office/powerpoint/2010/main" val="2169984749"/>
+                <p14:modId xmlns:p14="http://schemas.microsoft.com/office/powerpoint/2010/main" val="3955284241"/>
               </p:ext>
             </p:extLst>
           </p:nvPr>
@@ -12664,6 +14902,9 @@
                       </a:r>
                       <a:r>
                         <a:rPr lang="en-US" altLang="zh-CN" dirty="0" smtClean="0">
+                          <a:solidFill>
+                            <a:srgbClr val="C00000"/>
+                          </a:solidFill>
                           <a:latin typeface="宋体" panose="02010600030101010101" pitchFamily="2" charset="-122"/>
                           <a:ea typeface="宋体" panose="02010600030101010101" pitchFamily="2" charset="-122"/>
                         </a:rPr>
@@ -12678,12 +14919,18 @@
                       </a:r>
                       <a:r>
                         <a:rPr lang="en-US" altLang="zh-CN" dirty="0" smtClean="0">
+                          <a:solidFill>
+                            <a:srgbClr val="C00000"/>
+                          </a:solidFill>
                           <a:latin typeface="宋体" panose="02010600030101010101" pitchFamily="2" charset="-122"/>
                           <a:ea typeface="宋体" panose="02010600030101010101" pitchFamily="2" charset="-122"/>
                         </a:rPr>
                         <a:t>256</a:t>
                       </a:r>
                       <a:endParaRPr lang="zh-CN" altLang="en-US" dirty="0">
+                        <a:solidFill>
+                          <a:srgbClr val="C00000"/>
+                        </a:solidFill>
                         <a:latin typeface="宋体" panose="02010600030101010101" pitchFamily="2" charset="-122"/>
                         <a:ea typeface="宋体" panose="02010600030101010101" pitchFamily="2" charset="-122"/>
                       </a:endParaRPr>
@@ -12997,7 +15244,7 @@
               <a:t>192</a:t>
             </a:r>
             <a:r>
-              <a:rPr lang="zh-CN" altLang="en-US" sz="1600" smtClean="0">
+              <a:rPr lang="zh-CN" altLang="en-US" sz="1600" dirty="0" smtClean="0">
                 <a:solidFill>
                   <a:srgbClr val="C00000"/>
                 </a:solidFill>
@@ -13007,7 +15254,7 @@
               <a:t>、</a:t>
             </a:r>
             <a:r>
-              <a:rPr lang="en-US" altLang="zh-CN" sz="1600" smtClean="0">
+              <a:rPr lang="en-US" altLang="zh-CN" sz="1600" dirty="0" smtClean="0">
                 <a:solidFill>
                   <a:srgbClr val="C00000"/>
                 </a:solidFill>
@@ -13102,7 +15349,7 @@
 </p:sld>
 </file>
 
-<file path=ppt/slides/slide13.xml><?xml version="1.0" encoding="utf-8"?>
+<file path=ppt/slides/slide18.xml><?xml version="1.0" encoding="utf-8"?>
 <p:sld xmlns:a="http://schemas.openxmlformats.org/drawingml/2006/main" xmlns:r="http://schemas.openxmlformats.org/officeDocument/2006/relationships" xmlns:p="http://schemas.openxmlformats.org/presentationml/2006/main">
   <p:cSld>
     <p:spTree>
@@ -13772,7 +16019,7 @@
 </p:sld>
 </file>
 
-<file path=ppt/slides/slide14.xml><?xml version="1.0" encoding="utf-8"?>
+<file path=ppt/slides/slide19.xml><?xml version="1.0" encoding="utf-8"?>
 <p:sld xmlns:a="http://schemas.openxmlformats.org/drawingml/2006/main" xmlns:r="http://schemas.openxmlformats.org/officeDocument/2006/relationships" xmlns:p="http://schemas.openxmlformats.org/presentationml/2006/main">
   <p:cSld>
     <p:spTree>
@@ -13868,7 +16115,170 @@
 </p:sld>
 </file>
 
-<file path=ppt/slides/slide15.xml><?xml version="1.0" encoding="utf-8"?>
+<file path=ppt/slides/slide2.xml><?xml version="1.0" encoding="utf-8"?>
+<p:sld xmlns:a="http://schemas.openxmlformats.org/drawingml/2006/main" xmlns:r="http://schemas.openxmlformats.org/officeDocument/2006/relationships" xmlns:p="http://schemas.openxmlformats.org/presentationml/2006/main">
+  <p:cSld>
+    <p:spTree>
+      <p:nvGrpSpPr>
+        <p:cNvPr id="1" name=""/>
+        <p:cNvGrpSpPr/>
+        <p:nvPr/>
+      </p:nvGrpSpPr>
+      <p:grpSpPr>
+        <a:xfrm>
+          <a:off x="0" y="0"/>
+          <a:ext cx="0" cy="0"/>
+          <a:chOff x="0" y="0"/>
+          <a:chExt cx="0" cy="0"/>
+        </a:xfrm>
+      </p:grpSpPr>
+      <p:sp>
+        <p:nvSpPr>
+          <p:cNvPr id="2" name="标题 1"/>
+          <p:cNvSpPr>
+            <a:spLocks noGrp="1"/>
+          </p:cNvSpPr>
+          <p:nvPr>
+            <p:ph type="title"/>
+          </p:nvPr>
+        </p:nvSpPr>
+        <p:spPr/>
+        <p:txBody>
+          <a:bodyPr/>
+          <a:lstStyle/>
+          <a:p>
+            <a:r>
+              <a:rPr lang="zh-CN" altLang="en-US" dirty="0" smtClean="0"/>
+              <a:t>安全需要解决的问题</a:t>
+            </a:r>
+            <a:endParaRPr lang="zh-CN" dirty="0"/>
+          </a:p>
+        </p:txBody>
+      </p:sp>
+      <p:sp>
+        <p:nvSpPr>
+          <p:cNvPr id="3" name="内容占位符 2"/>
+          <p:cNvSpPr>
+            <a:spLocks noGrp="1"/>
+          </p:cNvSpPr>
+          <p:nvPr>
+            <p:ph idx="1"/>
+          </p:nvPr>
+        </p:nvSpPr>
+        <p:spPr/>
+        <p:txBody>
+          <a:bodyPr/>
+          <a:lstStyle/>
+          <a:p>
+            <a:r>
+              <a:rPr lang="zh-CN" altLang="en-US" dirty="0" smtClean="0"/>
+              <a:t>保密性（</a:t>
+            </a:r>
+            <a:r>
+              <a:rPr lang="en-US" altLang="zh-CN" dirty="0" smtClean="0"/>
+              <a:t>Confidentiality</a:t>
+            </a:r>
+            <a:r>
+              <a:rPr lang="zh-CN" altLang="en-US" dirty="0" smtClean="0"/>
+              <a:t>）</a:t>
+            </a:r>
+            <a:endParaRPr lang="zh-CN" dirty="0"/>
+          </a:p>
+          <a:p>
+            <a:r>
+              <a:rPr lang="zh-CN" altLang="en-US" dirty="0" smtClean="0"/>
+              <a:t>完整性（</a:t>
+            </a:r>
+            <a:r>
+              <a:rPr lang="en-US" altLang="zh-CN" dirty="0" smtClean="0"/>
+              <a:t>Integrity</a:t>
+            </a:r>
+            <a:r>
+              <a:rPr lang="zh-CN" altLang="en-US" dirty="0" smtClean="0"/>
+              <a:t>）</a:t>
+            </a:r>
+            <a:endParaRPr lang="en-US" altLang="zh-CN" dirty="0" smtClean="0"/>
+          </a:p>
+          <a:p>
+            <a:r>
+              <a:rPr lang="zh-CN" altLang="en-US" dirty="0" smtClean="0"/>
+              <a:t>不可否认性（</a:t>
+            </a:r>
+            <a:r>
+              <a:rPr lang="en-US" altLang="zh-CN" dirty="0" smtClean="0"/>
+              <a:t>Non-Repudiation</a:t>
+            </a:r>
+            <a:r>
+              <a:rPr lang="zh-CN" altLang="en-US" dirty="0" smtClean="0"/>
+              <a:t>）</a:t>
+            </a:r>
+            <a:endParaRPr lang="en-US" altLang="zh-CN" dirty="0" smtClean="0"/>
+          </a:p>
+          <a:p>
+            <a:r>
+              <a:rPr lang="zh-CN" altLang="en-US" dirty="0"/>
+              <a:t>鉴</a:t>
+            </a:r>
+            <a:r>
+              <a:rPr lang="zh-CN" altLang="en-US" dirty="0" smtClean="0"/>
+              <a:t>权</a:t>
+            </a:r>
+            <a:r>
+              <a:rPr lang="en-US" altLang="zh-CN" dirty="0" smtClean="0"/>
+              <a:t>/</a:t>
+            </a:r>
+            <a:r>
+              <a:rPr lang="zh-CN" altLang="en-US" dirty="0" smtClean="0"/>
+              <a:t>认证（</a:t>
+            </a:r>
+            <a:r>
+              <a:rPr lang="en-US" altLang="zh-CN" dirty="0" smtClean="0"/>
+              <a:t>Authentication</a:t>
+            </a:r>
+            <a:r>
+              <a:rPr lang="zh-CN" altLang="en-US" dirty="0" smtClean="0"/>
+              <a:t>）</a:t>
+            </a:r>
+            <a:endParaRPr lang="en-US" altLang="zh-CN" dirty="0" smtClean="0"/>
+          </a:p>
+          <a:p>
+            <a:endParaRPr lang="zh-CN" dirty="0"/>
+          </a:p>
+        </p:txBody>
+      </p:sp>
+    </p:spTree>
+    <p:extLst>
+      <p:ext uri="{BB962C8B-B14F-4D97-AF65-F5344CB8AC3E}">
+        <p14:creationId xmlns:p14="http://schemas.microsoft.com/office/powerpoint/2010/main" val="3327456264"/>
+      </p:ext>
+    </p:extLst>
+  </p:cSld>
+  <p:clrMapOvr>
+    <a:masterClrMapping/>
+  </p:clrMapOvr>
+  <mc:AlternateContent xmlns:mc="http://schemas.openxmlformats.org/markup-compatibility/2006" xmlns:p14="http://schemas.microsoft.com/office/powerpoint/2010/main">
+    <mc:Choice Requires="p14">
+      <p:transition spd="med" p14:dur="700">
+        <p:fade/>
+      </p:transition>
+    </mc:Choice>
+    <mc:Fallback xmlns="">
+      <p:transition spd="med">
+        <p:fade/>
+      </p:transition>
+    </mc:Fallback>
+  </mc:AlternateContent>
+  <p:timing>
+    <p:tnLst>
+      <p:par>
+        <p:cTn id="1" dur="indefinite" restart="never" nodeType="tmRoot"/>
+      </p:par>
+    </p:tnLst>
+  </p:timing>
+</p:sld>
+</file>
+
+<file path=ppt/slides/slide20.xml><?xml version="1.0" encoding="utf-8"?>
 <p:sld xmlns:a="http://schemas.openxmlformats.org/drawingml/2006/main" xmlns:r="http://schemas.openxmlformats.org/officeDocument/2006/relationships" xmlns:p="http://schemas.openxmlformats.org/presentationml/2006/main">
   <p:cSld>
     <p:spTree>
@@ -13986,7 +16396,7 @@
 </p:sld>
 </file>
 
-<file path=ppt/slides/slide16.xml><?xml version="1.0" encoding="utf-8"?>
+<file path=ppt/slides/slide21.xml><?xml version="1.0" encoding="utf-8"?>
 <p:sld xmlns:a="http://schemas.openxmlformats.org/drawingml/2006/main" xmlns:r="http://schemas.openxmlformats.org/officeDocument/2006/relationships" xmlns:p="http://schemas.openxmlformats.org/presentationml/2006/main">
   <p:cSld>
     <p:spTree>
@@ -14368,7 +16778,7 @@
 </p:sld>
 </file>
 
-<file path=ppt/slides/slide17.xml><?xml version="1.0" encoding="utf-8"?>
+<file path=ppt/slides/slide22.xml><?xml version="1.0" encoding="utf-8"?>
 <p:sld xmlns:a="http://schemas.openxmlformats.org/drawingml/2006/main" xmlns:r="http://schemas.openxmlformats.org/officeDocument/2006/relationships" xmlns:p="http://schemas.openxmlformats.org/presentationml/2006/main">
   <p:cSld>
     <p:spTree>
@@ -14498,7 +16908,7 @@
 </p:sld>
 </file>
 
-<file path=ppt/slides/slide18.xml><?xml version="1.0" encoding="utf-8"?>
+<file path=ppt/slides/slide23.xml><?xml version="1.0" encoding="utf-8"?>
 <p:sld xmlns:a="http://schemas.openxmlformats.org/drawingml/2006/main" xmlns:r="http://schemas.openxmlformats.org/officeDocument/2006/relationships" xmlns:p="http://schemas.openxmlformats.org/presentationml/2006/main">
   <p:cSld>
     <p:spTree>
@@ -14585,7 +16995,7 @@
 </p:sld>
 </file>
 
-<file path=ppt/slides/slide19.xml><?xml version="1.0" encoding="utf-8"?>
+<file path=ppt/slides/slide24.xml><?xml version="1.0" encoding="utf-8"?>
 <p:sld xmlns:a="http://schemas.openxmlformats.org/drawingml/2006/main" xmlns:r="http://schemas.openxmlformats.org/officeDocument/2006/relationships" xmlns:p="http://schemas.openxmlformats.org/presentationml/2006/main">
   <p:cSld>
     <p:spTree>
@@ -14729,170 +17139,7 @@
 </p:sld>
 </file>
 
-<file path=ppt/slides/slide2.xml><?xml version="1.0" encoding="utf-8"?>
-<p:sld xmlns:a="http://schemas.openxmlformats.org/drawingml/2006/main" xmlns:r="http://schemas.openxmlformats.org/officeDocument/2006/relationships" xmlns:p="http://schemas.openxmlformats.org/presentationml/2006/main">
-  <p:cSld>
-    <p:spTree>
-      <p:nvGrpSpPr>
-        <p:cNvPr id="1" name=""/>
-        <p:cNvGrpSpPr/>
-        <p:nvPr/>
-      </p:nvGrpSpPr>
-      <p:grpSpPr>
-        <a:xfrm>
-          <a:off x="0" y="0"/>
-          <a:ext cx="0" cy="0"/>
-          <a:chOff x="0" y="0"/>
-          <a:chExt cx="0" cy="0"/>
-        </a:xfrm>
-      </p:grpSpPr>
-      <p:sp>
-        <p:nvSpPr>
-          <p:cNvPr id="2" name="标题 1"/>
-          <p:cNvSpPr>
-            <a:spLocks noGrp="1"/>
-          </p:cNvSpPr>
-          <p:nvPr>
-            <p:ph type="title"/>
-          </p:nvPr>
-        </p:nvSpPr>
-        <p:spPr/>
-        <p:txBody>
-          <a:bodyPr/>
-          <a:lstStyle/>
-          <a:p>
-            <a:r>
-              <a:rPr lang="zh-CN" altLang="en-US" dirty="0" smtClean="0"/>
-              <a:t>安全需要解决的问题</a:t>
-            </a:r>
-            <a:endParaRPr lang="zh-CN" dirty="0"/>
-          </a:p>
-        </p:txBody>
-      </p:sp>
-      <p:sp>
-        <p:nvSpPr>
-          <p:cNvPr id="3" name="内容占位符 2"/>
-          <p:cNvSpPr>
-            <a:spLocks noGrp="1"/>
-          </p:cNvSpPr>
-          <p:nvPr>
-            <p:ph idx="1"/>
-          </p:nvPr>
-        </p:nvSpPr>
-        <p:spPr/>
-        <p:txBody>
-          <a:bodyPr/>
-          <a:lstStyle/>
-          <a:p>
-            <a:r>
-              <a:rPr lang="zh-CN" altLang="en-US" dirty="0" smtClean="0"/>
-              <a:t>保密性（</a:t>
-            </a:r>
-            <a:r>
-              <a:rPr lang="en-US" altLang="zh-CN" dirty="0" smtClean="0"/>
-              <a:t>Confidentiality</a:t>
-            </a:r>
-            <a:r>
-              <a:rPr lang="zh-CN" altLang="en-US" dirty="0" smtClean="0"/>
-              <a:t>）</a:t>
-            </a:r>
-            <a:endParaRPr lang="zh-CN" dirty="0"/>
-          </a:p>
-          <a:p>
-            <a:r>
-              <a:rPr lang="zh-CN" altLang="en-US" dirty="0" smtClean="0"/>
-              <a:t>完整性（</a:t>
-            </a:r>
-            <a:r>
-              <a:rPr lang="en-US" altLang="zh-CN" dirty="0" smtClean="0"/>
-              <a:t>Integrity</a:t>
-            </a:r>
-            <a:r>
-              <a:rPr lang="zh-CN" altLang="en-US" dirty="0" smtClean="0"/>
-              <a:t>）</a:t>
-            </a:r>
-            <a:endParaRPr lang="en-US" altLang="zh-CN" dirty="0" smtClean="0"/>
-          </a:p>
-          <a:p>
-            <a:r>
-              <a:rPr lang="zh-CN" altLang="en-US" dirty="0" smtClean="0"/>
-              <a:t>不可否认性（</a:t>
-            </a:r>
-            <a:r>
-              <a:rPr lang="en-US" altLang="zh-CN" dirty="0" smtClean="0"/>
-              <a:t>Non-Repudiation</a:t>
-            </a:r>
-            <a:r>
-              <a:rPr lang="zh-CN" altLang="en-US" dirty="0" smtClean="0"/>
-              <a:t>）</a:t>
-            </a:r>
-            <a:endParaRPr lang="en-US" altLang="zh-CN" dirty="0" smtClean="0"/>
-          </a:p>
-          <a:p>
-            <a:r>
-              <a:rPr lang="zh-CN" altLang="en-US" dirty="0"/>
-              <a:t>鉴</a:t>
-            </a:r>
-            <a:r>
-              <a:rPr lang="zh-CN" altLang="en-US" dirty="0" smtClean="0"/>
-              <a:t>权</a:t>
-            </a:r>
-            <a:r>
-              <a:rPr lang="en-US" altLang="zh-CN" dirty="0" smtClean="0"/>
-              <a:t>/</a:t>
-            </a:r>
-            <a:r>
-              <a:rPr lang="zh-CN" altLang="en-US" dirty="0" smtClean="0"/>
-              <a:t>认证（</a:t>
-            </a:r>
-            <a:r>
-              <a:rPr lang="en-US" altLang="zh-CN" dirty="0" smtClean="0"/>
-              <a:t>Authentication</a:t>
-            </a:r>
-            <a:r>
-              <a:rPr lang="zh-CN" altLang="en-US" dirty="0" smtClean="0"/>
-              <a:t>）</a:t>
-            </a:r>
-            <a:endParaRPr lang="en-US" altLang="zh-CN" dirty="0" smtClean="0"/>
-          </a:p>
-          <a:p>
-            <a:endParaRPr lang="zh-CN" dirty="0"/>
-          </a:p>
-        </p:txBody>
-      </p:sp>
-    </p:spTree>
-    <p:extLst>
-      <p:ext uri="{BB962C8B-B14F-4D97-AF65-F5344CB8AC3E}">
-        <p14:creationId xmlns:p14="http://schemas.microsoft.com/office/powerpoint/2010/main" val="3327456264"/>
-      </p:ext>
-    </p:extLst>
-  </p:cSld>
-  <p:clrMapOvr>
-    <a:masterClrMapping/>
-  </p:clrMapOvr>
-  <mc:AlternateContent xmlns:mc="http://schemas.openxmlformats.org/markup-compatibility/2006" xmlns:p14="http://schemas.microsoft.com/office/powerpoint/2010/main">
-    <mc:Choice Requires="p14">
-      <p:transition spd="med" p14:dur="700">
-        <p:fade/>
-      </p:transition>
-    </mc:Choice>
-    <mc:Fallback xmlns="">
-      <p:transition spd="med">
-        <p:fade/>
-      </p:transition>
-    </mc:Fallback>
-  </mc:AlternateContent>
-  <p:timing>
-    <p:tnLst>
-      <p:par>
-        <p:cTn id="1" dur="indefinite" restart="never" nodeType="tmRoot"/>
-      </p:par>
-    </p:tnLst>
-  </p:timing>
-</p:sld>
-</file>
-
-<file path=ppt/slides/slide20.xml><?xml version="1.0" encoding="utf-8"?>
+<file path=ppt/slides/slide25.xml><?xml version="1.0" encoding="utf-8"?>
 <p:sld xmlns:a="http://schemas.openxmlformats.org/drawingml/2006/main" xmlns:r="http://schemas.openxmlformats.org/officeDocument/2006/relationships" xmlns:p="http://schemas.openxmlformats.org/presentationml/2006/main">
   <p:cSld>
     <p:spTree>
@@ -14960,7 +17207,7 @@
 </p:sld>
 </file>
 
-<file path=ppt/slides/slide21.xml><?xml version="1.0" encoding="utf-8"?>
+<file path=ppt/slides/slide26.xml><?xml version="1.0" encoding="utf-8"?>
 <p:sld xmlns:a="http://schemas.openxmlformats.org/drawingml/2006/main" xmlns:r="http://schemas.openxmlformats.org/officeDocument/2006/relationships" xmlns:p="http://schemas.openxmlformats.org/presentationml/2006/main">
   <p:cSld>
     <p:spTree>
@@ -15009,7 +17256,7 @@
 </p:sld>
 </file>
 
-<file path=ppt/slides/slide22.xml><?xml version="1.0" encoding="utf-8"?>
+<file path=ppt/slides/slide27.xml><?xml version="1.0" encoding="utf-8"?>
 <p:sld xmlns:a="http://schemas.openxmlformats.org/drawingml/2006/main" xmlns:r="http://schemas.openxmlformats.org/officeDocument/2006/relationships" xmlns:p="http://schemas.openxmlformats.org/presentationml/2006/main">
   <p:cSld>
     <p:spTree>
@@ -16550,7 +18797,7 @@
           <a:p>
             <a:r>
               <a:rPr lang="zh-CN" altLang="en-US" dirty="0" smtClean="0"/>
-              <a:t>对称加密</a:t>
+              <a:t>消息摘要</a:t>
             </a:r>
             <a:endParaRPr lang="zh-CN" altLang="en-US" dirty="0"/>
           </a:p>
@@ -16566,23 +18813,28 @@
             <p:ph idx="1"/>
           </p:nvPr>
         </p:nvSpPr>
-        <p:spPr/>
+        <p:spPr>
+          <a:xfrm>
+            <a:off x="1341616" y="3837667"/>
+            <a:ext cx="4580882" cy="2366185"/>
+          </a:xfrm>
+        </p:spPr>
         <p:txBody>
           <a:bodyPr>
             <a:normAutofit/>
           </a:bodyPr>
           <a:lstStyle/>
           <a:p>
-            <a:r>
-              <a:rPr lang="zh-CN" altLang="en-US" dirty="0" smtClean="0"/>
-              <a:t>特点</a:t>
-            </a:r>
-            <a:endParaRPr lang="en-US" altLang="zh-CN" dirty="0" smtClean="0"/>
-          </a:p>
-          <a:p>
             <a:pPr marL="45720" indent="0">
               <a:buNone/>
             </a:pPr>
+            <a:r>
+              <a:rPr lang="zh-CN" altLang="en-US" dirty="0" smtClean="0"/>
+              <a:t>   特点：</a:t>
+            </a:r>
+            <a:endParaRPr lang="en-US" altLang="zh-CN" dirty="0" smtClean="0"/>
+          </a:p>
+          <a:p>
             <a:r>
               <a:rPr lang="zh-CN" altLang="en-US" dirty="0" smtClean="0"/>
               <a:t>   </a:t>
@@ -16593,126 +18845,15 @@
                   <a:srgbClr val="0070C0"/>
                 </a:solidFill>
               </a:rPr>
-              <a:t>加密</a:t>
-            </a:r>
-            <a:r>
-              <a:rPr lang="zh-CN" altLang="en-US" sz="1600" dirty="0">
-                <a:solidFill>
-                  <a:srgbClr val="0070C0"/>
-                </a:solidFill>
-              </a:rPr>
-              <a:t>秘钥 </a:t>
-            </a:r>
-            <a:r>
-              <a:rPr lang="en-US" altLang="zh-CN" sz="1600" dirty="0">
-                <a:solidFill>
-                  <a:srgbClr val="0070C0"/>
-                </a:solidFill>
-              </a:rPr>
-              <a:t>= </a:t>
-            </a:r>
-            <a:r>
-              <a:rPr lang="zh-CN" altLang="en-US" sz="1600" dirty="0">
-                <a:solidFill>
-                  <a:srgbClr val="0070C0"/>
-                </a:solidFill>
-              </a:rPr>
-              <a:t>解密秘钥</a:t>
-            </a:r>
-            <a:endParaRPr lang="en-US" altLang="zh-CN" sz="1600" dirty="0">
+              <a:t>抗碰撞性，不同消息的散列值一定不同</a:t>
+            </a:r>
+            <a:endParaRPr lang="en-US" altLang="zh-CN" sz="1600" dirty="0" smtClean="0">
               <a:solidFill>
                 <a:srgbClr val="0070C0"/>
               </a:solidFill>
             </a:endParaRPr>
           </a:p>
           <a:p>
-            <a:r>
-              <a:rPr lang="zh-CN" altLang="en-US" dirty="0" smtClean="0"/>
-              <a:t>常用对称加密算法</a:t>
-            </a:r>
-            <a:endParaRPr lang="en-US" altLang="zh-CN" dirty="0" smtClean="0"/>
-          </a:p>
-          <a:p>
-            <a:pPr marL="45720" indent="0">
-              <a:buNone/>
-            </a:pPr>
-            <a:r>
-              <a:rPr lang="en-US" altLang="zh-CN" dirty="0" smtClean="0"/>
-              <a:t>   </a:t>
-            </a:r>
-            <a:r>
-              <a:rPr lang="en-US" altLang="zh-CN" sz="1600" dirty="0" smtClean="0">
-                <a:solidFill>
-                  <a:srgbClr val="0070C0"/>
-                </a:solidFill>
-              </a:rPr>
-              <a:t>DES</a:t>
-            </a:r>
-            <a:r>
-              <a:rPr lang="zh-CN" altLang="en-US" sz="1600" dirty="0" smtClean="0">
-                <a:solidFill>
-                  <a:srgbClr val="0070C0"/>
-                </a:solidFill>
-              </a:rPr>
-              <a:t>、</a:t>
-            </a:r>
-            <a:r>
-              <a:rPr lang="en-US" altLang="zh-CN" sz="1600" dirty="0" smtClean="0">
-                <a:solidFill>
-                  <a:srgbClr val="0070C0"/>
-                </a:solidFill>
-              </a:rPr>
-              <a:t>3DES</a:t>
-            </a:r>
-            <a:r>
-              <a:rPr lang="zh-CN" altLang="en-US" sz="1600" dirty="0" smtClean="0">
-                <a:solidFill>
-                  <a:srgbClr val="0070C0"/>
-                </a:solidFill>
-              </a:rPr>
-              <a:t>、</a:t>
-            </a:r>
-            <a:r>
-              <a:rPr lang="en-US" altLang="zh-CN" sz="1600" dirty="0" smtClean="0">
-                <a:solidFill>
-                  <a:srgbClr val="0070C0"/>
-                </a:solidFill>
-              </a:rPr>
-              <a:t>AES</a:t>
-            </a:r>
-            <a:r>
-              <a:rPr lang="zh-CN" altLang="en-US" sz="1600" dirty="0" smtClean="0">
-                <a:solidFill>
-                  <a:srgbClr val="0070C0"/>
-                </a:solidFill>
-              </a:rPr>
-              <a:t>、</a:t>
-            </a:r>
-            <a:r>
-              <a:rPr lang="en-US" altLang="zh-CN" sz="1600" dirty="0" smtClean="0">
-                <a:solidFill>
-                  <a:srgbClr val="0070C0"/>
-                </a:solidFill>
-              </a:rPr>
-              <a:t>IDEA</a:t>
-            </a:r>
-            <a:endParaRPr lang="en-US" altLang="zh-CN" sz="1600" dirty="0">
-              <a:solidFill>
-                <a:srgbClr val="0070C0"/>
-              </a:solidFill>
-            </a:endParaRPr>
-          </a:p>
-          <a:p>
-            <a:r>
-              <a:rPr lang="zh-CN" altLang="en-US" dirty="0" smtClean="0"/>
-              <a:t>用途</a:t>
-            </a:r>
-            <a:endParaRPr lang="en-US" altLang="zh-CN" dirty="0" smtClean="0"/>
-          </a:p>
-          <a:p>
-            <a:pPr marL="45720" indent="0">
-              <a:buNone/>
-            </a:pPr>
             <a:r>
               <a:rPr lang="en-US" altLang="zh-CN" sz="1600" dirty="0">
                 <a:solidFill>
@@ -16722,20 +18863,12 @@
               <a:t> </a:t>
             </a:r>
             <a:r>
-              <a:rPr lang="en-US" altLang="zh-CN" sz="1600" dirty="0">
-                <a:solidFill>
-                  <a:srgbClr val="0070C0"/>
-                </a:solidFill>
-              </a:rPr>
-              <a:t>  </a:t>
-            </a:r>
-            <a:r>
               <a:rPr lang="en-US" altLang="zh-CN" sz="1600" dirty="0" smtClean="0">
                 <a:solidFill>
                   <a:srgbClr val="0070C0"/>
                 </a:solidFill>
               </a:rPr>
-              <a:t> </a:t>
+              <a:t>   </a:t>
             </a:r>
             <a:r>
               <a:rPr lang="zh-CN" altLang="en-US" sz="1600" dirty="0" smtClean="0">
@@ -16743,9 +18876,9 @@
                   <a:srgbClr val="0070C0"/>
                 </a:solidFill>
               </a:rPr>
-              <a:t>加密</a:t>
-            </a:r>
-            <a:endParaRPr lang="en-US" altLang="zh-CN" sz="1600" dirty="0">
+              <a:t>不可逆性，无法根据散列值推出原消息内容</a:t>
+            </a:r>
+            <a:endParaRPr lang="en-US" altLang="zh-CN" sz="1600" dirty="0" smtClean="0">
               <a:solidFill>
                 <a:srgbClr val="0070C0"/>
               </a:solidFill>
@@ -16753,15 +18886,20 @@
           </a:p>
           <a:p>
             <a:r>
-              <a:rPr lang="zh-CN" altLang="en-US" dirty="0" smtClean="0"/>
-              <a:t>缺点</a:t>
-            </a:r>
-            <a:endParaRPr lang="en-US" altLang="zh-CN" dirty="0" smtClean="0"/>
-          </a:p>
-          <a:p>
-            <a:pPr marL="45720" indent="0">
-              <a:buNone/>
-            </a:pPr>
+              <a:rPr lang="zh-CN" altLang="en-US" sz="1600" dirty="0" smtClean="0">
+                <a:solidFill>
+                  <a:srgbClr val="0070C0"/>
+                </a:solidFill>
+              </a:rPr>
+              <a:t>    消息长度不受限制</a:t>
+            </a:r>
+            <a:endParaRPr lang="en-US" altLang="zh-CN" sz="1600" dirty="0" smtClean="0">
+              <a:solidFill>
+                <a:srgbClr val="0070C0"/>
+              </a:solidFill>
+            </a:endParaRPr>
+          </a:p>
+          <a:p>
             <a:r>
               <a:rPr lang="en-US" altLang="zh-CN" sz="1600" dirty="0">
                 <a:solidFill>
@@ -16771,26 +18909,325 @@
               <a:t> </a:t>
             </a:r>
             <a:r>
-              <a:rPr lang="en-US" altLang="zh-CN" sz="1600" dirty="0">
+              <a:rPr lang="en-US" altLang="zh-CN" sz="1600" dirty="0" smtClean="0">
                 <a:solidFill>
                   <a:srgbClr val="0070C0"/>
                 </a:solidFill>
               </a:rPr>
-              <a:t>  </a:t>
-            </a:r>
+              <a:t>   </a:t>
+            </a:r>
+            <a:r>
+              <a:rPr lang="zh-CN" altLang="en-US" sz="1600" dirty="0" smtClean="0">
+                <a:solidFill>
+                  <a:srgbClr val="0070C0"/>
+                </a:solidFill>
+              </a:rPr>
+              <a:t>摘要长度固定</a:t>
+            </a:r>
+            <a:endParaRPr lang="en-US" altLang="zh-CN" sz="1600" dirty="0">
+              <a:solidFill>
+                <a:srgbClr val="0070C0"/>
+              </a:solidFill>
+            </a:endParaRPr>
+          </a:p>
+        </p:txBody>
+      </p:sp>
+      <p:pic>
+        <p:nvPicPr>
+          <p:cNvPr id="7" name="图片 6"/>
+          <p:cNvPicPr>
+            <a:picLocks noChangeAspect="1"/>
+          </p:cNvPicPr>
+          <p:nvPr/>
+        </p:nvPicPr>
+        <p:blipFill>
+          <a:blip r:embed="rId2"/>
+          <a:stretch>
+            <a:fillRect/>
+          </a:stretch>
+        </p:blipFill>
+        <p:spPr>
+          <a:xfrm>
+            <a:off x="1341616" y="1778704"/>
+            <a:ext cx="5906794" cy="1443656"/>
+          </a:xfrm>
+          <a:prstGeom prst="rect">
+            <a:avLst/>
+          </a:prstGeom>
+        </p:spPr>
+      </p:pic>
+      <p:sp>
+        <p:nvSpPr>
+          <p:cNvPr id="8" name="内容占位符 2"/>
+          <p:cNvSpPr txBox="1">
+            <a:spLocks/>
+          </p:cNvSpPr>
+          <p:nvPr/>
+        </p:nvSpPr>
+        <p:spPr>
+          <a:xfrm>
+            <a:off x="7571259" y="3837667"/>
+            <a:ext cx="4580882" cy="2366185"/>
+          </a:xfrm>
+          <a:prstGeom prst="rect">
+            <a:avLst/>
+          </a:prstGeom>
+        </p:spPr>
+        <p:txBody>
+          <a:bodyPr vert="horz" lIns="91440" tIns="45720" rIns="91440" bIns="45720" rtlCol="0">
+            <a:normAutofit/>
+          </a:bodyPr>
+          <a:lstStyle>
+            <a:lvl1pPr marL="274320" indent="-228600" algn="l" defTabSz="914400" rtl="0" eaLnBrk="1" latinLnBrk="0" hangingPunct="1">
+              <a:lnSpc>
+                <a:spcPct val="90000"/>
+              </a:lnSpc>
+              <a:spcBef>
+                <a:spcPts val="1800"/>
+              </a:spcBef>
+              <a:buSzPct val="100000"/>
+              <a:buFont typeface="Arial" pitchFamily="34" charset="0"/>
+              <a:buChar char="•"/>
+              <a:defRPr lang="zh-CN" sz="2000" kern="1200">
+                <a:solidFill>
+                  <a:schemeClr val="accent2">
+                    <a:lumMod val="75000"/>
+                  </a:schemeClr>
+                </a:solidFill>
+                <a:latin typeface="微软雅黑" panose="020B0503020204020204" pitchFamily="34" charset="-122"/>
+                <a:ea typeface="微软雅黑" panose="020B0503020204020204" pitchFamily="34" charset="-122"/>
+                <a:cs typeface="+mn-cs"/>
+              </a:defRPr>
+            </a:lvl1pPr>
+            <a:lvl2pPr marL="548640" indent="-228600" algn="l" defTabSz="914400" rtl="0" eaLnBrk="1" latinLnBrk="0" hangingPunct="1">
+              <a:lnSpc>
+                <a:spcPct val="90000"/>
+              </a:lnSpc>
+              <a:spcBef>
+                <a:spcPts val="1000"/>
+              </a:spcBef>
+              <a:buSzPct val="100000"/>
+              <a:buFont typeface="Arial" pitchFamily="34" charset="0"/>
+              <a:buChar char="•"/>
+              <a:defRPr lang="zh-CN" sz="1800" kern="1200">
+                <a:solidFill>
+                  <a:schemeClr val="accent2">
+                    <a:lumMod val="75000"/>
+                  </a:schemeClr>
+                </a:solidFill>
+                <a:latin typeface="微软雅黑" panose="020B0503020204020204" pitchFamily="34" charset="-122"/>
+                <a:ea typeface="微软雅黑" panose="020B0503020204020204" pitchFamily="34" charset="-122"/>
+                <a:cs typeface="+mn-cs"/>
+              </a:defRPr>
+            </a:lvl2pPr>
+            <a:lvl3pPr marL="822960" indent="-228600" algn="l" defTabSz="914400" rtl="0" eaLnBrk="1" latinLnBrk="0" hangingPunct="1">
+              <a:lnSpc>
+                <a:spcPct val="90000"/>
+              </a:lnSpc>
+              <a:spcBef>
+                <a:spcPts val="800"/>
+              </a:spcBef>
+              <a:buSzPct val="100000"/>
+              <a:buFont typeface="Arial" pitchFamily="34" charset="0"/>
+              <a:buChar char="•"/>
+              <a:defRPr lang="zh-CN" sz="1600" kern="1200">
+                <a:solidFill>
+                  <a:schemeClr val="accent2">
+                    <a:lumMod val="75000"/>
+                  </a:schemeClr>
+                </a:solidFill>
+                <a:latin typeface="微软雅黑" panose="020B0503020204020204" pitchFamily="34" charset="-122"/>
+                <a:ea typeface="微软雅黑" panose="020B0503020204020204" pitchFamily="34" charset="-122"/>
+                <a:cs typeface="+mn-cs"/>
+              </a:defRPr>
+            </a:lvl3pPr>
+            <a:lvl4pPr marL="1097280" indent="-228600" algn="l" defTabSz="914400" rtl="0" eaLnBrk="1" latinLnBrk="0" hangingPunct="1">
+              <a:lnSpc>
+                <a:spcPct val="90000"/>
+              </a:lnSpc>
+              <a:spcBef>
+                <a:spcPts val="800"/>
+              </a:spcBef>
+              <a:buSzPct val="100000"/>
+              <a:buFont typeface="Arial" pitchFamily="34" charset="0"/>
+              <a:buChar char="•"/>
+              <a:defRPr lang="zh-CN" sz="1400" kern="1200">
+                <a:solidFill>
+                  <a:schemeClr val="accent2">
+                    <a:lumMod val="75000"/>
+                  </a:schemeClr>
+                </a:solidFill>
+                <a:latin typeface="微软雅黑" panose="020B0503020204020204" pitchFamily="34" charset="-122"/>
+                <a:ea typeface="微软雅黑" panose="020B0503020204020204" pitchFamily="34" charset="-122"/>
+                <a:cs typeface="+mn-cs"/>
+              </a:defRPr>
+            </a:lvl4pPr>
+            <a:lvl5pPr marL="1371600" indent="-228600" algn="l" defTabSz="914400" rtl="0" eaLnBrk="1" latinLnBrk="0" hangingPunct="1">
+              <a:lnSpc>
+                <a:spcPct val="90000"/>
+              </a:lnSpc>
+              <a:spcBef>
+                <a:spcPts val="800"/>
+              </a:spcBef>
+              <a:buSzPct val="100000"/>
+              <a:buFont typeface="Arial" pitchFamily="34" charset="0"/>
+              <a:buChar char="•"/>
+              <a:defRPr lang="zh-CN" sz="1400" kern="1200">
+                <a:solidFill>
+                  <a:schemeClr val="accent2">
+                    <a:lumMod val="75000"/>
+                  </a:schemeClr>
+                </a:solidFill>
+                <a:latin typeface="微软雅黑" panose="020B0503020204020204" pitchFamily="34" charset="-122"/>
+                <a:ea typeface="微软雅黑" panose="020B0503020204020204" pitchFamily="34" charset="-122"/>
+                <a:cs typeface="+mn-cs"/>
+              </a:defRPr>
+            </a:lvl5pPr>
+            <a:lvl6pPr marL="1645920" indent="-228600" algn="l" defTabSz="914400" rtl="0" eaLnBrk="1" latinLnBrk="0" hangingPunct="1">
+              <a:lnSpc>
+                <a:spcPct val="90000"/>
+              </a:lnSpc>
+              <a:spcBef>
+                <a:spcPts val="800"/>
+              </a:spcBef>
+              <a:buSzPct val="100000"/>
+              <a:buFont typeface="Arial" pitchFamily="34" charset="0"/>
+              <a:buChar char="•"/>
+              <a:defRPr lang="zh-CN" sz="1400" kern="1200">
+                <a:solidFill>
+                  <a:schemeClr val="accent2">
+                    <a:lumMod val="75000"/>
+                  </a:schemeClr>
+                </a:solidFill>
+                <a:latin typeface="+mn-lt"/>
+                <a:ea typeface="+mn-ea"/>
+                <a:cs typeface="+mn-cs"/>
+              </a:defRPr>
+            </a:lvl6pPr>
+            <a:lvl7pPr marL="1920240" indent="-228600" algn="l" defTabSz="914400" rtl="0" eaLnBrk="1" latinLnBrk="0" hangingPunct="1">
+              <a:lnSpc>
+                <a:spcPct val="90000"/>
+              </a:lnSpc>
+              <a:spcBef>
+                <a:spcPts val="800"/>
+              </a:spcBef>
+              <a:buSzPct val="100000"/>
+              <a:buFont typeface="Arial" pitchFamily="34" charset="0"/>
+              <a:buChar char="•"/>
+              <a:defRPr lang="zh-CN" sz="1400" kern="1200">
+                <a:solidFill>
+                  <a:schemeClr val="accent2">
+                    <a:lumMod val="75000"/>
+                  </a:schemeClr>
+                </a:solidFill>
+                <a:latin typeface="+mn-lt"/>
+                <a:ea typeface="+mn-ea"/>
+                <a:cs typeface="+mn-cs"/>
+              </a:defRPr>
+            </a:lvl7pPr>
+            <a:lvl8pPr marL="2194560" indent="-228600" algn="l" defTabSz="914400" rtl="0" eaLnBrk="1" latinLnBrk="0" hangingPunct="1">
+              <a:lnSpc>
+                <a:spcPct val="90000"/>
+              </a:lnSpc>
+              <a:spcBef>
+                <a:spcPts val="800"/>
+              </a:spcBef>
+              <a:buSzPct val="100000"/>
+              <a:buFont typeface="Arial" pitchFamily="34" charset="0"/>
+              <a:buChar char="•"/>
+              <a:defRPr lang="zh-CN" sz="1400" kern="1200">
+                <a:solidFill>
+                  <a:schemeClr val="accent2">
+                    <a:lumMod val="75000"/>
+                  </a:schemeClr>
+                </a:solidFill>
+                <a:latin typeface="+mn-lt"/>
+                <a:ea typeface="+mn-ea"/>
+                <a:cs typeface="+mn-cs"/>
+              </a:defRPr>
+            </a:lvl8pPr>
+            <a:lvl9pPr marL="2468880" indent="-228600" algn="l" defTabSz="914400" rtl="0" eaLnBrk="1" latinLnBrk="0" hangingPunct="1">
+              <a:lnSpc>
+                <a:spcPct val="90000"/>
+              </a:lnSpc>
+              <a:spcBef>
+                <a:spcPts val="800"/>
+              </a:spcBef>
+              <a:buSzPct val="100000"/>
+              <a:buFont typeface="Arial" pitchFamily="34" charset="0"/>
+              <a:buChar char="•"/>
+              <a:defRPr lang="zh-CN" sz="1400" kern="1200">
+                <a:solidFill>
+                  <a:schemeClr val="accent2">
+                    <a:lumMod val="75000"/>
+                  </a:schemeClr>
+                </a:solidFill>
+                <a:latin typeface="+mn-lt"/>
+                <a:ea typeface="+mn-ea"/>
+                <a:cs typeface="+mn-cs"/>
+              </a:defRPr>
+            </a:lvl9pPr>
+          </a:lstStyle>
+          <a:p>
+            <a:pPr marL="45720" indent="0">
+              <a:buFont typeface="Arial" pitchFamily="34" charset="0"/>
+              <a:buNone/>
+            </a:pPr>
+            <a:r>
+              <a:rPr lang="zh-CN" altLang="en-US" dirty="0" smtClean="0"/>
+              <a:t>   用途：</a:t>
+            </a:r>
+          </a:p>
+          <a:p>
             <a:r>
               <a:rPr lang="zh-CN" altLang="en-US" sz="1600" dirty="0">
                 <a:solidFill>
                   <a:srgbClr val="0070C0"/>
                 </a:solidFill>
               </a:rPr>
-              <a:t>不能保证秘钥交换安全</a:t>
+              <a:t>   </a:t>
+            </a:r>
+            <a:r>
+              <a:rPr lang="zh-CN" altLang="en-US" sz="1600" dirty="0" smtClean="0">
+                <a:solidFill>
+                  <a:srgbClr val="0070C0"/>
+                </a:solidFill>
+              </a:rPr>
+              <a:t> 防</a:t>
+            </a:r>
+            <a:r>
+              <a:rPr lang="zh-CN" altLang="en-US" sz="1600" dirty="0">
+                <a:solidFill>
+                  <a:srgbClr val="0070C0"/>
+                </a:solidFill>
+              </a:rPr>
+              <a:t>篡改</a:t>
             </a:r>
             <a:endParaRPr lang="en-US" altLang="zh-CN" sz="1600" dirty="0">
               <a:solidFill>
                 <a:srgbClr val="0070C0"/>
               </a:solidFill>
             </a:endParaRPr>
+          </a:p>
+          <a:p>
+            <a:r>
+              <a:rPr lang="zh-CN" altLang="en-US" sz="1600" dirty="0" smtClean="0">
+                <a:solidFill>
+                  <a:srgbClr val="0070C0"/>
+                </a:solidFill>
+              </a:rPr>
+              <a:t>    防损坏</a:t>
+            </a:r>
+          </a:p>
+          <a:p>
+            <a:r>
+              <a:rPr lang="zh-CN" altLang="en-US" sz="1600" dirty="0" smtClean="0">
+                <a:solidFill>
+                  <a:srgbClr val="0070C0"/>
+                </a:solidFill>
+              </a:rPr>
+              <a:t>    密码存储</a:t>
+            </a:r>
           </a:p>
         </p:txBody>
       </p:sp>
@@ -16859,41 +19296,371 @@
           <a:lstStyle/>
           <a:p>
             <a:r>
+              <a:rPr lang="en-US" altLang="zh-CN" dirty="0" smtClean="0"/>
+              <a:t>MD</a:t>
+            </a:r>
+            <a:r>
               <a:rPr lang="zh-CN" altLang="en-US" dirty="0" smtClean="0"/>
-              <a:t>对称加密模型</a:t>
+              <a:t>系列</a:t>
             </a:r>
             <a:endParaRPr lang="zh-CN" altLang="en-US" dirty="0"/>
           </a:p>
         </p:txBody>
       </p:sp>
-      <p:pic>
-        <p:nvPicPr>
-          <p:cNvPr id="6" name="图片 5"/>
-          <p:cNvPicPr>
-            <a:picLocks noChangeAspect="1"/>
-          </p:cNvPicPr>
-          <p:nvPr/>
-        </p:nvPicPr>
-        <p:blipFill>
-          <a:blip r:embed="rId2"/>
-          <a:stretch>
-            <a:fillRect/>
-          </a:stretch>
-        </p:blipFill>
-        <p:spPr>
-          <a:xfrm>
-            <a:off x="1021083" y="2247808"/>
-            <a:ext cx="9478794" cy="2663826"/>
-          </a:xfrm>
-          <a:prstGeom prst="rect">
-            <a:avLst/>
-          </a:prstGeom>
-        </p:spPr>
-      </p:pic>
+      <p:graphicFrame>
+        <p:nvGraphicFramePr>
+          <p:cNvPr id="4" name="内容占位符 3"/>
+          <p:cNvGraphicFramePr>
+            <a:graphicFrameLocks noGrp="1"/>
+          </p:cNvGraphicFramePr>
+          <p:nvPr>
+            <p:ph idx="1"/>
+            <p:extLst>
+              <p:ext uri="{D42A27DB-BD31-4B8C-83A1-F6EECF244321}">
+                <p14:modId xmlns:p14="http://schemas.microsoft.com/office/powerpoint/2010/main" val="928510871"/>
+              </p:ext>
+            </p:extLst>
+          </p:nvPr>
+        </p:nvGraphicFramePr>
+        <p:xfrm>
+          <a:off x="1341438" y="2220324"/>
+          <a:ext cx="9510711" cy="2070320"/>
+        </p:xfrm>
+        <a:graphic>
+          <a:graphicData uri="http://schemas.openxmlformats.org/drawingml/2006/table">
+            <a:tbl>
+              <a:tblPr firstRow="1" bandRow="1">
+                <a:tableStyleId>{08FB837D-C827-4EFA-A057-4D05807E0F7C}</a:tableStyleId>
+              </a:tblPr>
+              <a:tblGrid>
+                <a:gridCol w="3170237">
+                  <a:extLst>
+                    <a:ext uri="{9D8B030D-6E8A-4147-A177-3AD203B41FA5}">
+                      <a16:colId xmlns:a16="http://schemas.microsoft.com/office/drawing/2014/main" val="1262576194"/>
+                    </a:ext>
+                  </a:extLst>
+                </a:gridCol>
+                <a:gridCol w="3170237">
+                  <a:extLst>
+                    <a:ext uri="{9D8B030D-6E8A-4147-A177-3AD203B41FA5}">
+                      <a16:colId xmlns:a16="http://schemas.microsoft.com/office/drawing/2014/main" val="1627258925"/>
+                    </a:ext>
+                  </a:extLst>
+                </a:gridCol>
+                <a:gridCol w="3170237">
+                  <a:extLst>
+                    <a:ext uri="{9D8B030D-6E8A-4147-A177-3AD203B41FA5}">
+                      <a16:colId xmlns:a16="http://schemas.microsoft.com/office/drawing/2014/main" val="279132191"/>
+                    </a:ext>
+                  </a:extLst>
+                </a:gridCol>
+              </a:tblGrid>
+              <a:tr h="517580">
+                <a:tc>
+                  <a:txBody>
+                    <a:bodyPr/>
+                    <a:lstStyle/>
+                    <a:p>
+                      <a:pPr algn="ctr"/>
+                      <a:r>
+                        <a:rPr lang="zh-CN" altLang="en-US" dirty="0" smtClean="0">
+                          <a:latin typeface="宋体" panose="02010600030101010101" pitchFamily="2" charset="-122"/>
+                          <a:ea typeface="宋体" panose="02010600030101010101" pitchFamily="2" charset="-122"/>
+                        </a:rPr>
+                        <a:t>算法</a:t>
+                      </a:r>
+                      <a:endParaRPr lang="zh-CN" altLang="en-US" dirty="0">
+                        <a:latin typeface="宋体" panose="02010600030101010101" pitchFamily="2" charset="-122"/>
+                        <a:ea typeface="宋体" panose="02010600030101010101" pitchFamily="2" charset="-122"/>
+                      </a:endParaRPr>
+                    </a:p>
+                  </a:txBody>
+                  <a:tcPr anchor="ctr"/>
+                </a:tc>
+                <a:tc>
+                  <a:txBody>
+                    <a:bodyPr/>
+                    <a:lstStyle/>
+                    <a:p>
+                      <a:pPr algn="ctr"/>
+                      <a:r>
+                        <a:rPr lang="zh-CN" altLang="en-US" dirty="0" smtClean="0">
+                          <a:latin typeface="宋体" panose="02010600030101010101" pitchFamily="2" charset="-122"/>
+                          <a:ea typeface="宋体" panose="02010600030101010101" pitchFamily="2" charset="-122"/>
+                        </a:rPr>
+                        <a:t>摘要长度</a:t>
+                      </a:r>
+                      <a:endParaRPr lang="zh-CN" altLang="en-US" dirty="0">
+                        <a:latin typeface="宋体" panose="02010600030101010101" pitchFamily="2" charset="-122"/>
+                        <a:ea typeface="宋体" panose="02010600030101010101" pitchFamily="2" charset="-122"/>
+                      </a:endParaRPr>
+                    </a:p>
+                  </a:txBody>
+                  <a:tcPr anchor="ctr"/>
+                </a:tc>
+                <a:tc>
+                  <a:txBody>
+                    <a:bodyPr/>
+                    <a:lstStyle/>
+                    <a:p>
+                      <a:pPr algn="ctr"/>
+                      <a:r>
+                        <a:rPr lang="zh-CN" altLang="en-US" dirty="0" smtClean="0">
+                          <a:latin typeface="宋体" panose="02010600030101010101" pitchFamily="2" charset="-122"/>
+                          <a:ea typeface="宋体" panose="02010600030101010101" pitchFamily="2" charset="-122"/>
+                        </a:rPr>
+                        <a:t>提供者</a:t>
+                      </a:r>
+                      <a:endParaRPr lang="zh-CN" altLang="en-US" dirty="0">
+                        <a:latin typeface="宋体" panose="02010600030101010101" pitchFamily="2" charset="-122"/>
+                        <a:ea typeface="宋体" panose="02010600030101010101" pitchFamily="2" charset="-122"/>
+                      </a:endParaRPr>
+                    </a:p>
+                  </a:txBody>
+                  <a:tcPr anchor="ctr"/>
+                </a:tc>
+                <a:extLst>
+                  <a:ext uri="{0D108BD9-81ED-4DB2-BD59-A6C34878D82A}">
+                    <a16:rowId xmlns:a16="http://schemas.microsoft.com/office/drawing/2014/main" val="3704071744"/>
+                  </a:ext>
+                </a:extLst>
+              </a:tr>
+              <a:tr h="517580">
+                <a:tc>
+                  <a:txBody>
+                    <a:bodyPr/>
+                    <a:lstStyle/>
+                    <a:p>
+                      <a:pPr algn="ctr"/>
+                      <a:r>
+                        <a:rPr lang="en-US" altLang="zh-CN" dirty="0" smtClean="0">
+                          <a:latin typeface="宋体" panose="02010600030101010101" pitchFamily="2" charset="-122"/>
+                          <a:ea typeface="宋体" panose="02010600030101010101" pitchFamily="2" charset="-122"/>
+                        </a:rPr>
+                        <a:t>MD2</a:t>
+                      </a:r>
+                      <a:endParaRPr lang="zh-CN" altLang="en-US" dirty="0">
+                        <a:latin typeface="宋体" panose="02010600030101010101" pitchFamily="2" charset="-122"/>
+                        <a:ea typeface="宋体" panose="02010600030101010101" pitchFamily="2" charset="-122"/>
+                      </a:endParaRPr>
+                    </a:p>
+                  </a:txBody>
+                  <a:tcPr anchor="ctr"/>
+                </a:tc>
+                <a:tc>
+                  <a:txBody>
+                    <a:bodyPr/>
+                    <a:lstStyle/>
+                    <a:p>
+                      <a:pPr algn="ctr"/>
+                      <a:r>
+                        <a:rPr lang="en-US" altLang="zh-CN" dirty="0" smtClean="0">
+                          <a:latin typeface="宋体" panose="02010600030101010101" pitchFamily="2" charset="-122"/>
+                          <a:ea typeface="宋体" panose="02010600030101010101" pitchFamily="2" charset="-122"/>
+                        </a:rPr>
+                        <a:t>128</a:t>
+                      </a:r>
+                      <a:endParaRPr lang="zh-CN" altLang="en-US" dirty="0">
+                        <a:latin typeface="宋体" panose="02010600030101010101" pitchFamily="2" charset="-122"/>
+                        <a:ea typeface="宋体" panose="02010600030101010101" pitchFamily="2" charset="-122"/>
+                      </a:endParaRPr>
+                    </a:p>
+                  </a:txBody>
+                  <a:tcPr anchor="ctr"/>
+                </a:tc>
+                <a:tc>
+                  <a:txBody>
+                    <a:bodyPr/>
+                    <a:lstStyle/>
+                    <a:p>
+                      <a:pPr algn="ctr"/>
+                      <a:r>
+                        <a:rPr lang="en-US" altLang="zh-CN" dirty="0" smtClean="0">
+                          <a:latin typeface="宋体" panose="02010600030101010101" pitchFamily="2" charset="-122"/>
+                          <a:ea typeface="宋体" panose="02010600030101010101" pitchFamily="2" charset="-122"/>
+                        </a:rPr>
+                        <a:t>JDK</a:t>
+                      </a:r>
+                      <a:endParaRPr lang="zh-CN" altLang="en-US" dirty="0">
+                        <a:latin typeface="宋体" panose="02010600030101010101" pitchFamily="2" charset="-122"/>
+                        <a:ea typeface="宋体" panose="02010600030101010101" pitchFamily="2" charset="-122"/>
+                      </a:endParaRPr>
+                    </a:p>
+                  </a:txBody>
+                  <a:tcPr anchor="ctr"/>
+                </a:tc>
+                <a:extLst>
+                  <a:ext uri="{0D108BD9-81ED-4DB2-BD59-A6C34878D82A}">
+                    <a16:rowId xmlns:a16="http://schemas.microsoft.com/office/drawing/2014/main" val="3056097180"/>
+                  </a:ext>
+                </a:extLst>
+              </a:tr>
+              <a:tr h="517580">
+                <a:tc>
+                  <a:txBody>
+                    <a:bodyPr/>
+                    <a:lstStyle/>
+                    <a:p>
+                      <a:pPr algn="ctr"/>
+                      <a:r>
+                        <a:rPr lang="en-US" altLang="zh-CN" dirty="0" smtClean="0">
+                          <a:solidFill>
+                            <a:srgbClr val="0070C0"/>
+                          </a:solidFill>
+                          <a:latin typeface="宋体" panose="02010600030101010101" pitchFamily="2" charset="-122"/>
+                          <a:ea typeface="宋体" panose="02010600030101010101" pitchFamily="2" charset="-122"/>
+                        </a:rPr>
+                        <a:t>MD4</a:t>
+                      </a:r>
+                      <a:endParaRPr lang="zh-CN" altLang="en-US" dirty="0">
+                        <a:solidFill>
+                          <a:srgbClr val="0070C0"/>
+                        </a:solidFill>
+                        <a:latin typeface="宋体" panose="02010600030101010101" pitchFamily="2" charset="-122"/>
+                        <a:ea typeface="宋体" panose="02010600030101010101" pitchFamily="2" charset="-122"/>
+                      </a:endParaRPr>
+                    </a:p>
+                  </a:txBody>
+                  <a:tcPr anchor="ctr"/>
+                </a:tc>
+                <a:tc>
+                  <a:txBody>
+                    <a:bodyPr/>
+                    <a:lstStyle/>
+                    <a:p>
+                      <a:pPr algn="ctr"/>
+                      <a:r>
+                        <a:rPr lang="en-US" altLang="zh-CN" dirty="0" smtClean="0">
+                          <a:solidFill>
+                            <a:srgbClr val="0070C0"/>
+                          </a:solidFill>
+                          <a:latin typeface="宋体" panose="02010600030101010101" pitchFamily="2" charset="-122"/>
+                          <a:ea typeface="宋体" panose="02010600030101010101" pitchFamily="2" charset="-122"/>
+                        </a:rPr>
+                        <a:t>128</a:t>
+                      </a:r>
+                      <a:endParaRPr lang="zh-CN" altLang="en-US" dirty="0">
+                        <a:solidFill>
+                          <a:srgbClr val="0070C0"/>
+                        </a:solidFill>
+                        <a:latin typeface="宋体" panose="02010600030101010101" pitchFamily="2" charset="-122"/>
+                        <a:ea typeface="宋体" panose="02010600030101010101" pitchFamily="2" charset="-122"/>
+                      </a:endParaRPr>
+                    </a:p>
+                  </a:txBody>
+                  <a:tcPr anchor="ctr"/>
+                </a:tc>
+                <a:tc>
+                  <a:txBody>
+                    <a:bodyPr/>
+                    <a:lstStyle/>
+                    <a:p>
+                      <a:pPr algn="ctr"/>
+                      <a:r>
+                        <a:rPr lang="en-US" altLang="zh-CN" dirty="0" smtClean="0">
+                          <a:solidFill>
+                            <a:srgbClr val="0070C0"/>
+                          </a:solidFill>
+                          <a:latin typeface="宋体" panose="02010600030101010101" pitchFamily="2" charset="-122"/>
+                          <a:ea typeface="宋体" panose="02010600030101010101" pitchFamily="2" charset="-122"/>
+                        </a:rPr>
+                        <a:t>Bouncy Castle</a:t>
+                      </a:r>
+                      <a:endParaRPr lang="zh-CN" altLang="en-US" dirty="0">
+                        <a:solidFill>
+                          <a:srgbClr val="0070C0"/>
+                        </a:solidFill>
+                        <a:latin typeface="宋体" panose="02010600030101010101" pitchFamily="2" charset="-122"/>
+                        <a:ea typeface="宋体" panose="02010600030101010101" pitchFamily="2" charset="-122"/>
+                      </a:endParaRPr>
+                    </a:p>
+                  </a:txBody>
+                  <a:tcPr anchor="ctr"/>
+                </a:tc>
+                <a:extLst>
+                  <a:ext uri="{0D108BD9-81ED-4DB2-BD59-A6C34878D82A}">
+                    <a16:rowId xmlns:a16="http://schemas.microsoft.com/office/drawing/2014/main" val="3398222936"/>
+                  </a:ext>
+                </a:extLst>
+              </a:tr>
+              <a:tr h="517580">
+                <a:tc>
+                  <a:txBody>
+                    <a:bodyPr/>
+                    <a:lstStyle/>
+                    <a:p>
+                      <a:pPr algn="ctr"/>
+                      <a:r>
+                        <a:rPr lang="en-US" altLang="zh-CN" dirty="0" smtClean="0">
+                          <a:latin typeface="宋体" panose="02010600030101010101" pitchFamily="2" charset="-122"/>
+                          <a:ea typeface="宋体" panose="02010600030101010101" pitchFamily="2" charset="-122"/>
+                        </a:rPr>
+                        <a:t>MD5</a:t>
+                      </a:r>
+                      <a:endParaRPr lang="zh-CN" altLang="en-US" dirty="0">
+                        <a:latin typeface="宋体" panose="02010600030101010101" pitchFamily="2" charset="-122"/>
+                        <a:ea typeface="宋体" panose="02010600030101010101" pitchFamily="2" charset="-122"/>
+                      </a:endParaRPr>
+                    </a:p>
+                  </a:txBody>
+                  <a:tcPr anchor="ctr"/>
+                </a:tc>
+                <a:tc>
+                  <a:txBody>
+                    <a:bodyPr/>
+                    <a:lstStyle/>
+                    <a:p>
+                      <a:pPr algn="ctr"/>
+                      <a:r>
+                        <a:rPr lang="en-US" altLang="zh-CN" dirty="0" smtClean="0">
+                          <a:latin typeface="宋体" panose="02010600030101010101" pitchFamily="2" charset="-122"/>
+                          <a:ea typeface="宋体" panose="02010600030101010101" pitchFamily="2" charset="-122"/>
+                        </a:rPr>
+                        <a:t>128</a:t>
+                      </a:r>
+                      <a:endParaRPr lang="zh-CN" altLang="en-US" dirty="0">
+                        <a:latin typeface="宋体" panose="02010600030101010101" pitchFamily="2" charset="-122"/>
+                        <a:ea typeface="宋体" panose="02010600030101010101" pitchFamily="2" charset="-122"/>
+                      </a:endParaRPr>
+                    </a:p>
+                  </a:txBody>
+                  <a:tcPr anchor="ctr"/>
+                </a:tc>
+                <a:tc>
+                  <a:txBody>
+                    <a:bodyPr/>
+                    <a:lstStyle/>
+                    <a:p>
+                      <a:pPr algn="ctr"/>
+                      <a:r>
+                        <a:rPr lang="en-US" altLang="zh-CN" dirty="0" smtClean="0">
+                          <a:latin typeface="宋体" panose="02010600030101010101" pitchFamily="2" charset="-122"/>
+                          <a:ea typeface="宋体" panose="02010600030101010101" pitchFamily="2" charset="-122"/>
+                        </a:rPr>
+                        <a:t>JDK</a:t>
+                      </a:r>
+                      <a:endParaRPr lang="zh-CN" altLang="en-US" dirty="0">
+                        <a:latin typeface="宋体" panose="02010600030101010101" pitchFamily="2" charset="-122"/>
+                        <a:ea typeface="宋体" panose="02010600030101010101" pitchFamily="2" charset="-122"/>
+                      </a:endParaRPr>
+                    </a:p>
+                  </a:txBody>
+                  <a:tcPr anchor="ctr"/>
+                </a:tc>
+                <a:extLst>
+                  <a:ext uri="{0D108BD9-81ED-4DB2-BD59-A6C34878D82A}">
+                    <a16:rowId xmlns:a16="http://schemas.microsoft.com/office/drawing/2014/main" val="3661055458"/>
+                  </a:ext>
+                </a:extLst>
+              </a:tr>
+            </a:tbl>
+          </a:graphicData>
+        </a:graphic>
+      </p:graphicFrame>
     </p:spTree>
     <p:extLst>
       <p:ext uri="{BB962C8B-B14F-4D97-AF65-F5344CB8AC3E}">
-        <p14:creationId xmlns:p14="http://schemas.microsoft.com/office/powerpoint/2010/main" val="3451816626"/>
+        <p14:creationId xmlns:p14="http://schemas.microsoft.com/office/powerpoint/2010/main" val="2477429243"/>
       </p:ext>
     </p:extLst>
   </p:cSld>

--- a/Java安全架构.pptx
+++ b/Java安全架构.pptx
@@ -5,10 +5,10 @@
     <p:sldMasterId id="2147483840" r:id="rId2"/>
   </p:sldMasterIdLst>
   <p:notesMasterIdLst>
-    <p:notesMasterId r:id="rId30"/>
+    <p:notesMasterId r:id="rId33"/>
   </p:notesMasterIdLst>
   <p:handoutMasterIdLst>
-    <p:handoutMasterId r:id="rId31"/>
+    <p:handoutMasterId r:id="rId34"/>
   </p:handoutMasterIdLst>
   <p:sldIdLst>
     <p:sldId id="256" r:id="rId3"/>
@@ -29,15 +29,18 @@
     <p:sldId id="275" r:id="rId18"/>
     <p:sldId id="276" r:id="rId19"/>
     <p:sldId id="277" r:id="rId20"/>
-    <p:sldId id="258" r:id="rId21"/>
-    <p:sldId id="266" r:id="rId22"/>
-    <p:sldId id="260" r:id="rId23"/>
-    <p:sldId id="259" r:id="rId24"/>
-    <p:sldId id="261" r:id="rId25"/>
-    <p:sldId id="262" r:id="rId26"/>
-    <p:sldId id="263" r:id="rId27"/>
-    <p:sldId id="264" r:id="rId28"/>
-    <p:sldId id="265" r:id="rId29"/>
+    <p:sldId id="283" r:id="rId21"/>
+    <p:sldId id="284" r:id="rId22"/>
+    <p:sldId id="285" r:id="rId23"/>
+    <p:sldId id="258" r:id="rId24"/>
+    <p:sldId id="266" r:id="rId25"/>
+    <p:sldId id="260" r:id="rId26"/>
+    <p:sldId id="259" r:id="rId27"/>
+    <p:sldId id="261" r:id="rId28"/>
+    <p:sldId id="262" r:id="rId29"/>
+    <p:sldId id="263" r:id="rId30"/>
+    <p:sldId id="264" r:id="rId31"/>
+    <p:sldId id="265" r:id="rId32"/>
   </p:sldIdLst>
   <p:sldSz cx="12192000" cy="6858000"/>
   <p:notesSz cx="6858000" cy="9144000"/>
@@ -16052,41 +16055,295 @@
           <a:lstStyle/>
           <a:p>
             <a:r>
-              <a:rPr lang="zh-CN"/>
-              <a:t>标题和内容版式与图表</a:t>
-            </a:r>
+              <a:rPr lang="zh-CN" altLang="en-US" dirty="0" smtClean="0"/>
+              <a:t>非对称</a:t>
+            </a:r>
+            <a:r>
+              <a:rPr lang="zh-CN" altLang="en-US" dirty="0" smtClean="0"/>
+              <a:t>加密</a:t>
+            </a:r>
+            <a:endParaRPr lang="zh-CN" altLang="en-US" dirty="0"/>
           </a:p>
         </p:txBody>
       </p:sp>
-      <p:graphicFrame>
-        <p:nvGraphicFramePr>
-          <p:cNvPr id="6" name="内容占位符 5"/>
-          <p:cNvGraphicFramePr>
-            <a:graphicFrameLocks noGrp="1"/>
-          </p:cNvGraphicFramePr>
+      <p:sp>
+        <p:nvSpPr>
+          <p:cNvPr id="3" name="内容占位符 2"/>
+          <p:cNvSpPr>
+            <a:spLocks noGrp="1"/>
+          </p:cNvSpPr>
           <p:nvPr>
             <p:ph idx="1"/>
-            <p:extLst>
-              <p:ext uri="{D42A27DB-BD31-4B8C-83A1-F6EECF244321}">
-                <p14:modId xmlns:p14="http://schemas.microsoft.com/office/powerpoint/2010/main" val="1698860746"/>
-              </p:ext>
-            </p:extLst>
           </p:nvPr>
-        </p:nvGraphicFramePr>
-        <p:xfrm>
-          <a:off x="1341438" y="1573213"/>
-          <a:ext cx="9510712" cy="4141787"/>
-        </p:xfrm>
-        <a:graphic>
-          <a:graphicData uri="http://schemas.openxmlformats.org/drawingml/2006/chart">
-            <c:chart xmlns:c="http://schemas.openxmlformats.org/drawingml/2006/chart" xmlns:r="http://schemas.openxmlformats.org/officeDocument/2006/relationships" r:id="rId2"/>
-          </a:graphicData>
-        </a:graphic>
-      </p:graphicFrame>
+        </p:nvSpPr>
+        <p:spPr>
+          <a:xfrm>
+            <a:off x="1341616" y="1572769"/>
+            <a:ext cx="9509760" cy="5067182"/>
+          </a:xfrm>
+        </p:spPr>
+        <p:txBody>
+          <a:bodyPr>
+            <a:normAutofit/>
+          </a:bodyPr>
+          <a:lstStyle/>
+          <a:p>
+            <a:r>
+              <a:rPr lang="zh-CN" altLang="en-US" dirty="0" smtClean="0"/>
+              <a:t>特点</a:t>
+            </a:r>
+            <a:endParaRPr lang="en-US" altLang="zh-CN" dirty="0" smtClean="0"/>
+          </a:p>
+          <a:p>
+            <a:pPr marL="45720" indent="0">
+              <a:buNone/>
+            </a:pPr>
+            <a:r>
+              <a:rPr lang="zh-CN" altLang="en-US" dirty="0" smtClean="0"/>
+              <a:t>   </a:t>
+            </a:r>
+            <a:r>
+              <a:rPr lang="zh-CN" altLang="en-US" sz="1600" dirty="0" smtClean="0">
+                <a:solidFill>
+                  <a:srgbClr val="0070C0"/>
+                </a:solidFill>
+              </a:rPr>
+              <a:t>加密</a:t>
+            </a:r>
+            <a:r>
+              <a:rPr lang="zh-CN" altLang="en-US" sz="1600" dirty="0">
+                <a:solidFill>
+                  <a:srgbClr val="0070C0"/>
+                </a:solidFill>
+              </a:rPr>
+              <a:t>秘钥 </a:t>
+            </a:r>
+            <a:r>
+              <a:rPr lang="zh-CN" altLang="en-US" sz="1600" dirty="0" smtClean="0">
+                <a:solidFill>
+                  <a:srgbClr val="0070C0"/>
+                </a:solidFill>
+              </a:rPr>
+              <a:t>！</a:t>
+            </a:r>
+            <a:r>
+              <a:rPr lang="en-US" altLang="zh-CN" sz="1600" dirty="0" smtClean="0">
+                <a:solidFill>
+                  <a:srgbClr val="0070C0"/>
+                </a:solidFill>
+              </a:rPr>
+              <a:t>= </a:t>
+            </a:r>
+            <a:r>
+              <a:rPr lang="zh-CN" altLang="en-US" sz="1600" dirty="0">
+                <a:solidFill>
+                  <a:srgbClr val="0070C0"/>
+                </a:solidFill>
+              </a:rPr>
+              <a:t>解密秘</a:t>
+            </a:r>
+            <a:r>
+              <a:rPr lang="zh-CN" altLang="en-US" sz="1600" dirty="0" smtClean="0">
+                <a:solidFill>
+                  <a:srgbClr val="0070C0"/>
+                </a:solidFill>
+              </a:rPr>
+              <a:t>钥        公钥加密私钥解密，私钥加密公钥解密</a:t>
+            </a:r>
+            <a:endParaRPr lang="en-US" altLang="zh-CN" sz="1600" dirty="0">
+              <a:solidFill>
+                <a:srgbClr val="0070C0"/>
+              </a:solidFill>
+            </a:endParaRPr>
+          </a:p>
+          <a:p>
+            <a:r>
+              <a:rPr lang="zh-CN" altLang="en-US" dirty="0" smtClean="0"/>
+              <a:t>常用非对称加密算法</a:t>
+            </a:r>
+            <a:endParaRPr lang="en-US" altLang="zh-CN" dirty="0" smtClean="0"/>
+          </a:p>
+          <a:p>
+            <a:pPr marL="45720" indent="0">
+              <a:buNone/>
+            </a:pPr>
+            <a:r>
+              <a:rPr lang="en-US" altLang="zh-CN" dirty="0" smtClean="0"/>
+              <a:t>   </a:t>
+            </a:r>
+            <a:r>
+              <a:rPr lang="en-US" altLang="zh-CN" sz="1600" dirty="0" smtClean="0">
+                <a:solidFill>
+                  <a:srgbClr val="0070C0"/>
+                </a:solidFill>
+              </a:rPr>
+              <a:t>RSA</a:t>
+            </a:r>
+            <a:r>
+              <a:rPr lang="zh-CN" altLang="en-US" sz="1600" dirty="0" smtClean="0">
+                <a:solidFill>
+                  <a:srgbClr val="0070C0"/>
+                </a:solidFill>
+              </a:rPr>
+              <a:t>、</a:t>
+            </a:r>
+            <a:r>
+              <a:rPr lang="en-US" altLang="zh-CN" sz="1600" dirty="0" smtClean="0">
+                <a:solidFill>
+                  <a:srgbClr val="0070C0"/>
+                </a:solidFill>
+              </a:rPr>
+              <a:t>DH</a:t>
+            </a:r>
+          </a:p>
+          <a:p>
+            <a:r>
+              <a:rPr lang="zh-CN" altLang="en-US" dirty="0" smtClean="0"/>
+              <a:t>用途</a:t>
+            </a:r>
+            <a:endParaRPr lang="en-US" altLang="zh-CN" dirty="0" smtClean="0"/>
+          </a:p>
+          <a:p>
+            <a:pPr marL="45720" indent="0">
+              <a:buNone/>
+            </a:pPr>
+            <a:r>
+              <a:rPr lang="en-US" altLang="zh-CN" sz="1600" dirty="0" smtClean="0">
+                <a:solidFill>
+                  <a:srgbClr val="0070C0"/>
+                </a:solidFill>
+              </a:rPr>
+              <a:t>    </a:t>
+            </a:r>
+            <a:r>
+              <a:rPr lang="zh-CN" altLang="en-US" sz="1600" dirty="0" smtClean="0">
+                <a:solidFill>
+                  <a:srgbClr val="0070C0"/>
+                </a:solidFill>
+              </a:rPr>
+              <a:t>加密</a:t>
+            </a:r>
+            <a:endParaRPr lang="en-US" altLang="zh-CN" sz="1600" dirty="0" smtClean="0">
+              <a:solidFill>
+                <a:srgbClr val="0070C0"/>
+              </a:solidFill>
+            </a:endParaRPr>
+          </a:p>
+          <a:p>
+            <a:pPr marL="45720" indent="0">
+              <a:buNone/>
+            </a:pPr>
+            <a:r>
+              <a:rPr lang="en-US" altLang="zh-CN" sz="1600" dirty="0">
+                <a:solidFill>
+                  <a:srgbClr val="0070C0"/>
+                </a:solidFill>
+              </a:rPr>
+              <a:t> </a:t>
+            </a:r>
+            <a:r>
+              <a:rPr lang="en-US" altLang="zh-CN" sz="1600" dirty="0" smtClean="0">
+                <a:solidFill>
+                  <a:srgbClr val="0070C0"/>
+                </a:solidFill>
+              </a:rPr>
+              <a:t>   </a:t>
+            </a:r>
+            <a:r>
+              <a:rPr lang="zh-CN" altLang="en-US" sz="1600" dirty="0" smtClean="0">
+                <a:solidFill>
+                  <a:srgbClr val="0070C0"/>
+                </a:solidFill>
+              </a:rPr>
+              <a:t>秘钥交换</a:t>
+            </a:r>
+            <a:endParaRPr lang="en-US" altLang="zh-CN" sz="1600" dirty="0" smtClean="0">
+              <a:solidFill>
+                <a:srgbClr val="0070C0"/>
+              </a:solidFill>
+            </a:endParaRPr>
+          </a:p>
+          <a:p>
+            <a:pPr marL="45720" indent="0">
+              <a:buNone/>
+            </a:pPr>
+            <a:r>
+              <a:rPr lang="en-US" altLang="zh-CN" sz="1600" dirty="0">
+                <a:solidFill>
+                  <a:srgbClr val="0070C0"/>
+                </a:solidFill>
+              </a:rPr>
+              <a:t> </a:t>
+            </a:r>
+            <a:r>
+              <a:rPr lang="en-US" altLang="zh-CN" sz="1600" dirty="0" smtClean="0">
+                <a:solidFill>
+                  <a:srgbClr val="0070C0"/>
+                </a:solidFill>
+              </a:rPr>
+              <a:t>   </a:t>
+            </a:r>
+            <a:r>
+              <a:rPr lang="zh-CN" altLang="en-US" sz="1600" dirty="0" smtClean="0">
+                <a:solidFill>
+                  <a:srgbClr val="0070C0"/>
+                </a:solidFill>
+              </a:rPr>
+              <a:t>数字签名</a:t>
+            </a:r>
+            <a:endParaRPr lang="en-US" altLang="zh-CN" sz="1600" dirty="0">
+              <a:solidFill>
+                <a:srgbClr val="0070C0"/>
+              </a:solidFill>
+            </a:endParaRPr>
+          </a:p>
+          <a:p>
+            <a:r>
+              <a:rPr lang="zh-CN" altLang="en-US" dirty="0" smtClean="0"/>
+              <a:t>缺点</a:t>
+            </a:r>
+            <a:endParaRPr lang="en-US" altLang="zh-CN" dirty="0" smtClean="0"/>
+          </a:p>
+          <a:p>
+            <a:pPr marL="45720" indent="0">
+              <a:buNone/>
+            </a:pPr>
+            <a:r>
+              <a:rPr lang="en-US" altLang="zh-CN" sz="1600" dirty="0">
+                <a:solidFill>
+                  <a:srgbClr val="0070C0"/>
+                </a:solidFill>
+              </a:rPr>
+              <a:t> </a:t>
+            </a:r>
+            <a:r>
+              <a:rPr lang="en-US" altLang="zh-CN" sz="1600" dirty="0">
+                <a:solidFill>
+                  <a:srgbClr val="0070C0"/>
+                </a:solidFill>
+              </a:rPr>
+              <a:t>  </a:t>
+            </a:r>
+            <a:r>
+              <a:rPr lang="zh-CN" altLang="en-US" sz="1600" dirty="0" smtClean="0">
+                <a:solidFill>
+                  <a:srgbClr val="0070C0"/>
+                </a:solidFill>
+              </a:rPr>
+              <a:t>速度慢</a:t>
+            </a:r>
+            <a:endParaRPr lang="en-US" altLang="zh-CN" sz="1600" dirty="0">
+              <a:solidFill>
+                <a:srgbClr val="0070C0"/>
+              </a:solidFill>
+            </a:endParaRPr>
+          </a:p>
+        </p:txBody>
+      </p:sp>
     </p:spTree>
     <p:extLst>
       <p:ext uri="{BB962C8B-B14F-4D97-AF65-F5344CB8AC3E}">
-        <p14:creationId xmlns:p14="http://schemas.microsoft.com/office/powerpoint/2010/main" val="2578687163"/>
+        <p14:creationId xmlns:p14="http://schemas.microsoft.com/office/powerpoint/2010/main" val="3044863891"/>
       </p:ext>
     </p:extLst>
   </p:cSld>
@@ -16311,6 +16568,1343 @@
           <a:lstStyle/>
           <a:p>
             <a:r>
+              <a:rPr lang="zh-CN" altLang="en-US" dirty="0" smtClean="0"/>
+              <a:t>非对称加密模型</a:t>
+            </a:r>
+            <a:endParaRPr lang="zh-CN" altLang="en-US" dirty="0"/>
+          </a:p>
+        </p:txBody>
+      </p:sp>
+      <p:pic>
+        <p:nvPicPr>
+          <p:cNvPr id="4" name="图片 3"/>
+          <p:cNvPicPr>
+            <a:picLocks noChangeAspect="1"/>
+          </p:cNvPicPr>
+          <p:nvPr/>
+        </p:nvPicPr>
+        <p:blipFill>
+          <a:blip r:embed="rId2"/>
+          <a:stretch>
+            <a:fillRect/>
+          </a:stretch>
+        </p:blipFill>
+        <p:spPr>
+          <a:xfrm>
+            <a:off x="1341616" y="2262879"/>
+            <a:ext cx="10469225" cy="2942167"/>
+          </a:xfrm>
+          <a:prstGeom prst="rect">
+            <a:avLst/>
+          </a:prstGeom>
+        </p:spPr>
+      </p:pic>
+    </p:spTree>
+    <p:extLst>
+      <p:ext uri="{BB962C8B-B14F-4D97-AF65-F5344CB8AC3E}">
+        <p14:creationId xmlns:p14="http://schemas.microsoft.com/office/powerpoint/2010/main" val="1509698195"/>
+      </p:ext>
+    </p:extLst>
+  </p:cSld>
+  <p:clrMapOvr>
+    <a:masterClrMapping/>
+  </p:clrMapOvr>
+  <mc:AlternateContent xmlns:mc="http://schemas.openxmlformats.org/markup-compatibility/2006" xmlns:p14="http://schemas.microsoft.com/office/powerpoint/2010/main">
+    <mc:Choice Requires="p14">
+      <p:transition spd="med" p14:dur="700">
+        <p:fade/>
+      </p:transition>
+    </mc:Choice>
+    <mc:Fallback xmlns="">
+      <p:transition spd="med">
+        <p:fade/>
+      </p:transition>
+    </mc:Fallback>
+  </mc:AlternateContent>
+  <p:timing>
+    <p:tnLst>
+      <p:par>
+        <p:cTn id="1" dur="indefinite" restart="never" nodeType="tmRoot"/>
+      </p:par>
+    </p:tnLst>
+  </p:timing>
+</p:sld>
+</file>
+
+<file path=ppt/slides/slide21.xml><?xml version="1.0" encoding="utf-8"?>
+<p:sld xmlns:a="http://schemas.openxmlformats.org/drawingml/2006/main" xmlns:r="http://schemas.openxmlformats.org/officeDocument/2006/relationships" xmlns:p="http://schemas.openxmlformats.org/presentationml/2006/main">
+  <p:cSld>
+    <p:spTree>
+      <p:nvGrpSpPr>
+        <p:cNvPr id="1" name=""/>
+        <p:cNvGrpSpPr/>
+        <p:nvPr/>
+      </p:nvGrpSpPr>
+      <p:grpSpPr>
+        <a:xfrm>
+          <a:off x="0" y="0"/>
+          <a:ext cx="0" cy="0"/>
+          <a:chOff x="0" y="0"/>
+          <a:chExt cx="0" cy="0"/>
+        </a:xfrm>
+      </p:grpSpPr>
+      <p:sp>
+        <p:nvSpPr>
+          <p:cNvPr id="2" name="标题 1"/>
+          <p:cNvSpPr>
+            <a:spLocks noGrp="1"/>
+          </p:cNvSpPr>
+          <p:nvPr>
+            <p:ph type="title"/>
+          </p:nvPr>
+        </p:nvSpPr>
+        <p:spPr/>
+        <p:txBody>
+          <a:bodyPr/>
+          <a:lstStyle/>
+          <a:p>
+            <a:r>
+              <a:rPr lang="en-US" altLang="zh-CN" dirty="0"/>
+              <a:t>RSA</a:t>
+            </a:r>
+            <a:endParaRPr lang="zh-CN" altLang="en-US" dirty="0"/>
+          </a:p>
+        </p:txBody>
+      </p:sp>
+      <p:graphicFrame>
+        <p:nvGraphicFramePr>
+          <p:cNvPr id="6" name="内容占位符 5"/>
+          <p:cNvGraphicFramePr>
+            <a:graphicFrameLocks noGrp="1"/>
+          </p:cNvGraphicFramePr>
+          <p:nvPr>
+            <p:ph idx="1"/>
+            <p:extLst>
+              <p:ext uri="{D42A27DB-BD31-4B8C-83A1-F6EECF244321}">
+                <p14:modId xmlns:p14="http://schemas.microsoft.com/office/powerpoint/2010/main" val="4202002154"/>
+              </p:ext>
+            </p:extLst>
+          </p:nvPr>
+        </p:nvGraphicFramePr>
+        <p:xfrm>
+          <a:off x="1341615" y="1758458"/>
+          <a:ext cx="10404909" cy="3814418"/>
+        </p:xfrm>
+        <a:graphic>
+          <a:graphicData uri="http://schemas.openxmlformats.org/drawingml/2006/table">
+            <a:tbl>
+              <a:tblPr firstRow="1" bandRow="1">
+                <a:tableStyleId>{3C2FFA5D-87B4-456A-9821-1D502468CF0F}</a:tableStyleId>
+              </a:tblPr>
+              <a:tblGrid>
+                <a:gridCol w="2080982">
+                  <a:extLst>
+                    <a:ext uri="{9D8B030D-6E8A-4147-A177-3AD203B41FA5}">
+                      <a16:colId xmlns:a16="http://schemas.microsoft.com/office/drawing/2014/main" val="1393900185"/>
+                    </a:ext>
+                  </a:extLst>
+                </a:gridCol>
+                <a:gridCol w="1238699">
+                  <a:extLst>
+                    <a:ext uri="{9D8B030D-6E8A-4147-A177-3AD203B41FA5}">
+                      <a16:colId xmlns:a16="http://schemas.microsoft.com/office/drawing/2014/main" val="3389078971"/>
+                    </a:ext>
+                  </a:extLst>
+                </a:gridCol>
+                <a:gridCol w="1231228">
+                  <a:extLst>
+                    <a:ext uri="{9D8B030D-6E8A-4147-A177-3AD203B41FA5}">
+                      <a16:colId xmlns:a16="http://schemas.microsoft.com/office/drawing/2014/main" val="655618677"/>
+                    </a:ext>
+                  </a:extLst>
+                </a:gridCol>
+                <a:gridCol w="1337979">
+                  <a:extLst>
+                    <a:ext uri="{9D8B030D-6E8A-4147-A177-3AD203B41FA5}">
+                      <a16:colId xmlns:a16="http://schemas.microsoft.com/office/drawing/2014/main" val="502106572"/>
+                    </a:ext>
+                  </a:extLst>
+                </a:gridCol>
+                <a:gridCol w="4516021">
+                  <a:extLst>
+                    <a:ext uri="{9D8B030D-6E8A-4147-A177-3AD203B41FA5}">
+                      <a16:colId xmlns:a16="http://schemas.microsoft.com/office/drawing/2014/main" val="2796583417"/>
+                    </a:ext>
+                  </a:extLst>
+                </a:gridCol>
+              </a:tblGrid>
+              <a:tr h="628678">
+                <a:tc>
+                  <a:txBody>
+                    <a:bodyPr/>
+                    <a:lstStyle/>
+                    <a:p>
+                      <a:pPr algn="r"/>
+                      <a:r>
+                        <a:rPr lang="zh-CN" altLang="en-US" b="0" dirty="0" smtClean="0">
+                          <a:latin typeface="宋体" panose="02010600030101010101" pitchFamily="2" charset="-122"/>
+                          <a:ea typeface="宋体" panose="02010600030101010101" pitchFamily="2" charset="-122"/>
+                        </a:rPr>
+                        <a:t>特点</a:t>
+                      </a:r>
+                      <a:endParaRPr lang="en-US" altLang="zh-CN" b="0" dirty="0" smtClean="0">
+                        <a:latin typeface="宋体" panose="02010600030101010101" pitchFamily="2" charset="-122"/>
+                        <a:ea typeface="宋体" panose="02010600030101010101" pitchFamily="2" charset="-122"/>
+                      </a:endParaRPr>
+                    </a:p>
+                    <a:p>
+                      <a:r>
+                        <a:rPr lang="zh-CN" altLang="en-US" b="0" dirty="0" smtClean="0">
+                          <a:latin typeface="宋体" panose="02010600030101010101" pitchFamily="2" charset="-122"/>
+                          <a:ea typeface="宋体" panose="02010600030101010101" pitchFamily="2" charset="-122"/>
+                        </a:rPr>
+                        <a:t>实现</a:t>
+                      </a:r>
+                      <a:endParaRPr lang="zh-CN" altLang="en-US" b="0" dirty="0">
+                        <a:latin typeface="宋体" panose="02010600030101010101" pitchFamily="2" charset="-122"/>
+                        <a:ea typeface="宋体" panose="02010600030101010101" pitchFamily="2" charset="-122"/>
+                      </a:endParaRPr>
+                    </a:p>
+                  </a:txBody>
+                  <a:tcPr anchor="ctr">
+                    <a:lnL w="12700" cap="flat" cmpd="sng" algn="ctr">
+                      <a:solidFill>
+                        <a:schemeClr val="tx1"/>
+                      </a:solidFill>
+                      <a:prstDash val="solid"/>
+                      <a:round/>
+                      <a:headEnd type="none" w="med" len="med"/>
+                      <a:tailEnd type="none" w="med" len="med"/>
+                    </a:lnL>
+                    <a:lnR w="12700" cap="flat" cmpd="sng" algn="ctr">
+                      <a:solidFill>
+                        <a:schemeClr val="tx1"/>
+                      </a:solidFill>
+                      <a:prstDash val="solid"/>
+                      <a:round/>
+                      <a:headEnd type="none" w="med" len="med"/>
+                      <a:tailEnd type="none" w="med" len="med"/>
+                    </a:lnR>
+                    <a:lnT w="12700" cap="flat" cmpd="sng" algn="ctr">
+                      <a:solidFill>
+                        <a:schemeClr val="tx1"/>
+                      </a:solidFill>
+                      <a:prstDash val="solid"/>
+                      <a:round/>
+                      <a:headEnd type="none" w="med" len="med"/>
+                      <a:tailEnd type="none" w="med" len="med"/>
+                    </a:lnT>
+                    <a:lnB w="12700" cap="flat" cmpd="sng" algn="ctr">
+                      <a:solidFill>
+                        <a:schemeClr val="tx1"/>
+                      </a:solidFill>
+                      <a:prstDash val="solid"/>
+                      <a:round/>
+                      <a:headEnd type="none" w="med" len="med"/>
+                      <a:tailEnd type="none" w="med" len="med"/>
+                    </a:lnB>
+                    <a:lnTlToBr w="12700" cap="flat" cmpd="sng" algn="ctr">
+                      <a:solidFill>
+                        <a:schemeClr val="tx1"/>
+                      </a:solidFill>
+                      <a:prstDash val="solid"/>
+                      <a:round/>
+                      <a:headEnd type="none" w="med" len="med"/>
+                      <a:tailEnd type="none" w="med" len="med"/>
+                    </a:lnTlToBr>
+                  </a:tcPr>
+                </a:tc>
+                <a:tc>
+                  <a:txBody>
+                    <a:bodyPr/>
+                    <a:lstStyle/>
+                    <a:p>
+                      <a:pPr algn="ctr"/>
+                      <a:r>
+                        <a:rPr lang="zh-CN" altLang="en-US" b="0" dirty="0" smtClean="0">
+                          <a:latin typeface="宋体" panose="02010600030101010101" pitchFamily="2" charset="-122"/>
+                          <a:ea typeface="宋体" panose="02010600030101010101" pitchFamily="2" charset="-122"/>
+                        </a:rPr>
+                        <a:t>秘钥长度</a:t>
+                      </a:r>
+                      <a:endParaRPr lang="zh-CN" altLang="en-US" b="0" dirty="0">
+                        <a:latin typeface="宋体" panose="02010600030101010101" pitchFamily="2" charset="-122"/>
+                        <a:ea typeface="宋体" panose="02010600030101010101" pitchFamily="2" charset="-122"/>
+                      </a:endParaRPr>
+                    </a:p>
+                  </a:txBody>
+                  <a:tcPr anchor="ctr">
+                    <a:lnL w="12700" cap="flat" cmpd="sng" algn="ctr">
+                      <a:solidFill>
+                        <a:schemeClr val="tx1"/>
+                      </a:solidFill>
+                      <a:prstDash val="solid"/>
+                      <a:round/>
+                      <a:headEnd type="none" w="med" len="med"/>
+                      <a:tailEnd type="none" w="med" len="med"/>
+                    </a:lnL>
+                    <a:lnR w="12700" cap="flat" cmpd="sng" algn="ctr">
+                      <a:solidFill>
+                        <a:schemeClr val="tx1"/>
+                      </a:solidFill>
+                      <a:prstDash val="solid"/>
+                      <a:round/>
+                      <a:headEnd type="none" w="med" len="med"/>
+                      <a:tailEnd type="none" w="med" len="med"/>
+                    </a:lnR>
+                    <a:lnT w="12700" cap="flat" cmpd="sng" algn="ctr">
+                      <a:solidFill>
+                        <a:schemeClr val="tx1"/>
+                      </a:solidFill>
+                      <a:prstDash val="solid"/>
+                      <a:round/>
+                      <a:headEnd type="none" w="med" len="med"/>
+                      <a:tailEnd type="none" w="med" len="med"/>
+                    </a:lnT>
+                    <a:lnB w="12700" cap="flat" cmpd="sng" algn="ctr">
+                      <a:solidFill>
+                        <a:schemeClr val="tx1"/>
+                      </a:solidFill>
+                      <a:prstDash val="solid"/>
+                      <a:round/>
+                      <a:headEnd type="none" w="med" len="med"/>
+                      <a:tailEnd type="none" w="med" len="med"/>
+                    </a:lnB>
+                  </a:tcPr>
+                </a:tc>
+                <a:tc>
+                  <a:txBody>
+                    <a:bodyPr/>
+                    <a:lstStyle/>
+                    <a:p>
+                      <a:pPr algn="ctr"/>
+                      <a:r>
+                        <a:rPr lang="zh-CN" altLang="en-US" b="0" dirty="0" smtClean="0">
+                          <a:latin typeface="宋体" panose="02010600030101010101" pitchFamily="2" charset="-122"/>
+                          <a:ea typeface="宋体" panose="02010600030101010101" pitchFamily="2" charset="-122"/>
+                        </a:rPr>
+                        <a:t>秘钥长度默认值</a:t>
+                      </a:r>
+                      <a:endParaRPr lang="zh-CN" altLang="en-US" b="0" dirty="0">
+                        <a:latin typeface="宋体" panose="02010600030101010101" pitchFamily="2" charset="-122"/>
+                        <a:ea typeface="宋体" panose="02010600030101010101" pitchFamily="2" charset="-122"/>
+                      </a:endParaRPr>
+                    </a:p>
+                  </a:txBody>
+                  <a:tcPr anchor="ctr">
+                    <a:lnL w="12700" cap="flat" cmpd="sng" algn="ctr">
+                      <a:solidFill>
+                        <a:schemeClr val="tx1"/>
+                      </a:solidFill>
+                      <a:prstDash val="solid"/>
+                      <a:round/>
+                      <a:headEnd type="none" w="med" len="med"/>
+                      <a:tailEnd type="none" w="med" len="med"/>
+                    </a:lnL>
+                    <a:lnR w="12700" cap="flat" cmpd="sng" algn="ctr">
+                      <a:solidFill>
+                        <a:schemeClr val="tx1"/>
+                      </a:solidFill>
+                      <a:prstDash val="solid"/>
+                      <a:round/>
+                      <a:headEnd type="none" w="med" len="med"/>
+                      <a:tailEnd type="none" w="med" len="med"/>
+                    </a:lnR>
+                    <a:lnT w="12700" cap="flat" cmpd="sng" algn="ctr">
+                      <a:solidFill>
+                        <a:schemeClr val="tx1"/>
+                      </a:solidFill>
+                      <a:prstDash val="solid"/>
+                      <a:round/>
+                      <a:headEnd type="none" w="med" len="med"/>
+                      <a:tailEnd type="none" w="med" len="med"/>
+                    </a:lnT>
+                    <a:lnB w="12700" cap="flat" cmpd="sng" algn="ctr">
+                      <a:solidFill>
+                        <a:schemeClr val="tx1"/>
+                      </a:solidFill>
+                      <a:prstDash val="solid"/>
+                      <a:round/>
+                      <a:headEnd type="none" w="med" len="med"/>
+                      <a:tailEnd type="none" w="med" len="med"/>
+                    </a:lnB>
+                  </a:tcPr>
+                </a:tc>
+                <a:tc>
+                  <a:txBody>
+                    <a:bodyPr/>
+                    <a:lstStyle/>
+                    <a:p>
+                      <a:pPr algn="ctr"/>
+                      <a:r>
+                        <a:rPr lang="zh-CN" altLang="en-US" b="0" dirty="0" smtClean="0">
+                          <a:latin typeface="宋体" panose="02010600030101010101" pitchFamily="2" charset="-122"/>
+                          <a:ea typeface="宋体" panose="02010600030101010101" pitchFamily="2" charset="-122"/>
+                        </a:rPr>
+                        <a:t>工作模式</a:t>
+                      </a:r>
+                      <a:endParaRPr lang="zh-CN" altLang="en-US" b="0" dirty="0">
+                        <a:latin typeface="宋体" panose="02010600030101010101" pitchFamily="2" charset="-122"/>
+                        <a:ea typeface="宋体" panose="02010600030101010101" pitchFamily="2" charset="-122"/>
+                      </a:endParaRPr>
+                    </a:p>
+                  </a:txBody>
+                  <a:tcPr anchor="ctr">
+                    <a:lnL w="12700" cap="flat" cmpd="sng" algn="ctr">
+                      <a:solidFill>
+                        <a:schemeClr val="tx1"/>
+                      </a:solidFill>
+                      <a:prstDash val="solid"/>
+                      <a:round/>
+                      <a:headEnd type="none" w="med" len="med"/>
+                      <a:tailEnd type="none" w="med" len="med"/>
+                    </a:lnL>
+                    <a:lnR w="12700" cap="flat" cmpd="sng" algn="ctr">
+                      <a:solidFill>
+                        <a:schemeClr val="tx1"/>
+                      </a:solidFill>
+                      <a:prstDash val="solid"/>
+                      <a:round/>
+                      <a:headEnd type="none" w="med" len="med"/>
+                      <a:tailEnd type="none" w="med" len="med"/>
+                    </a:lnR>
+                    <a:lnT w="12700" cap="flat" cmpd="sng" algn="ctr">
+                      <a:solidFill>
+                        <a:schemeClr val="tx1"/>
+                      </a:solidFill>
+                      <a:prstDash val="solid"/>
+                      <a:round/>
+                      <a:headEnd type="none" w="med" len="med"/>
+                      <a:tailEnd type="none" w="med" len="med"/>
+                    </a:lnT>
+                    <a:lnB w="12700" cap="flat" cmpd="sng" algn="ctr">
+                      <a:solidFill>
+                        <a:schemeClr val="tx1"/>
+                      </a:solidFill>
+                      <a:prstDash val="solid"/>
+                      <a:round/>
+                      <a:headEnd type="none" w="med" len="med"/>
+                      <a:tailEnd type="none" w="med" len="med"/>
+                    </a:lnB>
+                  </a:tcPr>
+                </a:tc>
+                <a:tc>
+                  <a:txBody>
+                    <a:bodyPr/>
+                    <a:lstStyle/>
+                    <a:p>
+                      <a:pPr algn="ctr"/>
+                      <a:r>
+                        <a:rPr lang="zh-CN" altLang="en-US" b="0" dirty="0" smtClean="0">
+                          <a:latin typeface="宋体" panose="02010600030101010101" pitchFamily="2" charset="-122"/>
+                          <a:ea typeface="宋体" panose="02010600030101010101" pitchFamily="2" charset="-122"/>
+                        </a:rPr>
+                        <a:t>填充方式</a:t>
+                      </a:r>
+                      <a:endParaRPr lang="zh-CN" altLang="en-US" b="0" dirty="0">
+                        <a:latin typeface="宋体" panose="02010600030101010101" pitchFamily="2" charset="-122"/>
+                        <a:ea typeface="宋体" panose="02010600030101010101" pitchFamily="2" charset="-122"/>
+                      </a:endParaRPr>
+                    </a:p>
+                  </a:txBody>
+                  <a:tcPr anchor="ctr">
+                    <a:lnL w="12700" cap="flat" cmpd="sng" algn="ctr">
+                      <a:solidFill>
+                        <a:schemeClr val="tx1"/>
+                      </a:solidFill>
+                      <a:prstDash val="solid"/>
+                      <a:round/>
+                      <a:headEnd type="none" w="med" len="med"/>
+                      <a:tailEnd type="none" w="med" len="med"/>
+                    </a:lnL>
+                    <a:lnR w="12700" cap="flat" cmpd="sng" algn="ctr">
+                      <a:solidFill>
+                        <a:schemeClr val="tx1"/>
+                      </a:solidFill>
+                      <a:prstDash val="solid"/>
+                      <a:round/>
+                      <a:headEnd type="none" w="med" len="med"/>
+                      <a:tailEnd type="none" w="med" len="med"/>
+                    </a:lnR>
+                    <a:lnT w="12700" cap="flat" cmpd="sng" algn="ctr">
+                      <a:solidFill>
+                        <a:schemeClr val="tx1"/>
+                      </a:solidFill>
+                      <a:prstDash val="solid"/>
+                      <a:round/>
+                      <a:headEnd type="none" w="med" len="med"/>
+                      <a:tailEnd type="none" w="med" len="med"/>
+                    </a:lnT>
+                    <a:lnB w="12700" cap="flat" cmpd="sng" algn="ctr">
+                      <a:solidFill>
+                        <a:schemeClr val="tx1"/>
+                      </a:solidFill>
+                      <a:prstDash val="solid"/>
+                      <a:round/>
+                      <a:headEnd type="none" w="med" len="med"/>
+                      <a:tailEnd type="none" w="med" len="med"/>
+                    </a:lnB>
+                  </a:tcPr>
+                </a:tc>
+                <a:extLst>
+                  <a:ext uri="{0D108BD9-81ED-4DB2-BD59-A6C34878D82A}">
+                    <a16:rowId xmlns:a16="http://schemas.microsoft.com/office/drawing/2014/main" val="222512411"/>
+                  </a:ext>
+                </a:extLst>
+              </a:tr>
+              <a:tr h="1167544">
+                <a:tc>
+                  <a:txBody>
+                    <a:bodyPr/>
+                    <a:lstStyle/>
+                    <a:p>
+                      <a:pPr algn="ctr"/>
+                      <a:r>
+                        <a:rPr lang="en-US" altLang="zh-CN" dirty="0" smtClean="0">
+                          <a:latin typeface="宋体" panose="02010600030101010101" pitchFamily="2" charset="-122"/>
+                          <a:ea typeface="宋体" panose="02010600030101010101" pitchFamily="2" charset="-122"/>
+                        </a:rPr>
+                        <a:t>JDK</a:t>
+                      </a:r>
+                      <a:endParaRPr lang="zh-CN" altLang="en-US" dirty="0">
+                        <a:latin typeface="宋体" panose="02010600030101010101" pitchFamily="2" charset="-122"/>
+                        <a:ea typeface="宋体" panose="02010600030101010101" pitchFamily="2" charset="-122"/>
+                      </a:endParaRPr>
+                    </a:p>
+                  </a:txBody>
+                  <a:tcPr anchor="ctr">
+                    <a:lnL w="12700" cap="flat" cmpd="sng" algn="ctr">
+                      <a:solidFill>
+                        <a:schemeClr val="tx1"/>
+                      </a:solidFill>
+                      <a:prstDash val="solid"/>
+                      <a:round/>
+                      <a:headEnd type="none" w="med" len="med"/>
+                      <a:tailEnd type="none" w="med" len="med"/>
+                    </a:lnL>
+                    <a:lnR w="12700" cap="flat" cmpd="sng" algn="ctr">
+                      <a:solidFill>
+                        <a:schemeClr val="tx1"/>
+                      </a:solidFill>
+                      <a:prstDash val="solid"/>
+                      <a:round/>
+                      <a:headEnd type="none" w="med" len="med"/>
+                      <a:tailEnd type="none" w="med" len="med"/>
+                    </a:lnR>
+                    <a:lnT w="12700" cap="flat" cmpd="sng" algn="ctr">
+                      <a:solidFill>
+                        <a:schemeClr val="tx1"/>
+                      </a:solidFill>
+                      <a:prstDash val="solid"/>
+                      <a:round/>
+                      <a:headEnd type="none" w="med" len="med"/>
+                      <a:tailEnd type="none" w="med" len="med"/>
+                    </a:lnT>
+                    <a:lnB w="12700" cap="flat" cmpd="sng" algn="ctr">
+                      <a:solidFill>
+                        <a:schemeClr val="tx1"/>
+                      </a:solidFill>
+                      <a:prstDash val="solid"/>
+                      <a:round/>
+                      <a:headEnd type="none" w="med" len="med"/>
+                      <a:tailEnd type="none" w="med" len="med"/>
+                    </a:lnB>
+                  </a:tcPr>
+                </a:tc>
+                <a:tc>
+                  <a:txBody>
+                    <a:bodyPr/>
+                    <a:lstStyle/>
+                    <a:p>
+                      <a:pPr algn="ctr"/>
+                      <a:r>
+                        <a:rPr lang="en-US" altLang="zh-CN" dirty="0" smtClean="0">
+                          <a:solidFill>
+                            <a:schemeClr val="dk1"/>
+                          </a:solidFill>
+                          <a:latin typeface="宋体" panose="02010600030101010101" pitchFamily="2" charset="-122"/>
+                          <a:ea typeface="宋体" panose="02010600030101010101" pitchFamily="2" charset="-122"/>
+                        </a:rPr>
+                        <a:t>512-65536</a:t>
+                      </a:r>
+                    </a:p>
+                    <a:p>
+                      <a:pPr algn="ctr"/>
+                      <a:r>
+                        <a:rPr lang="zh-CN" altLang="en-US" dirty="0" smtClean="0">
+                          <a:solidFill>
+                            <a:schemeClr val="dk1"/>
+                          </a:solidFill>
+                          <a:latin typeface="宋体" panose="02010600030101010101" pitchFamily="2" charset="-122"/>
+                          <a:ea typeface="宋体" panose="02010600030101010101" pitchFamily="2" charset="-122"/>
+                        </a:rPr>
+                        <a:t>秘钥必须为</a:t>
+                      </a:r>
+                      <a:r>
+                        <a:rPr lang="en-US" altLang="zh-CN" dirty="0" smtClean="0">
+                          <a:solidFill>
+                            <a:schemeClr val="dk1"/>
+                          </a:solidFill>
+                          <a:latin typeface="宋体" panose="02010600030101010101" pitchFamily="2" charset="-122"/>
+                          <a:ea typeface="宋体" panose="02010600030101010101" pitchFamily="2" charset="-122"/>
+                        </a:rPr>
+                        <a:t>64</a:t>
+                      </a:r>
+                      <a:r>
+                        <a:rPr lang="zh-CN" altLang="en-US" dirty="0" smtClean="0">
+                          <a:solidFill>
+                            <a:schemeClr val="dk1"/>
+                          </a:solidFill>
+                          <a:latin typeface="宋体" panose="02010600030101010101" pitchFamily="2" charset="-122"/>
+                          <a:ea typeface="宋体" panose="02010600030101010101" pitchFamily="2" charset="-122"/>
+                        </a:rPr>
+                        <a:t>的倍数</a:t>
+                      </a:r>
+                      <a:endParaRPr lang="zh-CN" altLang="en-US" dirty="0">
+                        <a:solidFill>
+                          <a:srgbClr val="C00000"/>
+                        </a:solidFill>
+                        <a:latin typeface="宋体" panose="02010600030101010101" pitchFamily="2" charset="-122"/>
+                        <a:ea typeface="宋体" panose="02010600030101010101" pitchFamily="2" charset="-122"/>
+                      </a:endParaRPr>
+                    </a:p>
+                  </a:txBody>
+                  <a:tcPr anchor="ctr">
+                    <a:lnL w="12700" cap="flat" cmpd="sng" algn="ctr">
+                      <a:solidFill>
+                        <a:schemeClr val="tx1"/>
+                      </a:solidFill>
+                      <a:prstDash val="solid"/>
+                      <a:round/>
+                      <a:headEnd type="none" w="med" len="med"/>
+                      <a:tailEnd type="none" w="med" len="med"/>
+                    </a:lnL>
+                    <a:lnR w="12700" cap="flat" cmpd="sng" algn="ctr">
+                      <a:solidFill>
+                        <a:schemeClr val="tx1"/>
+                      </a:solidFill>
+                      <a:prstDash val="solid"/>
+                      <a:round/>
+                      <a:headEnd type="none" w="med" len="med"/>
+                      <a:tailEnd type="none" w="med" len="med"/>
+                    </a:lnR>
+                    <a:lnT w="12700" cap="flat" cmpd="sng" algn="ctr">
+                      <a:solidFill>
+                        <a:schemeClr val="tx1"/>
+                      </a:solidFill>
+                      <a:prstDash val="solid"/>
+                      <a:round/>
+                      <a:headEnd type="none" w="med" len="med"/>
+                      <a:tailEnd type="none" w="med" len="med"/>
+                    </a:lnT>
+                    <a:lnB w="12700" cap="flat" cmpd="sng" algn="ctr">
+                      <a:solidFill>
+                        <a:schemeClr val="tx1"/>
+                      </a:solidFill>
+                      <a:prstDash val="solid"/>
+                      <a:round/>
+                      <a:headEnd type="none" w="med" len="med"/>
+                      <a:tailEnd type="none" w="med" len="med"/>
+                    </a:lnB>
+                  </a:tcPr>
+                </a:tc>
+                <a:tc>
+                  <a:txBody>
+                    <a:bodyPr/>
+                    <a:lstStyle/>
+                    <a:p>
+                      <a:pPr algn="ctr"/>
+                      <a:r>
+                        <a:rPr lang="en-US" altLang="zh-CN" dirty="0" smtClean="0">
+                          <a:latin typeface="宋体" panose="02010600030101010101" pitchFamily="2" charset="-122"/>
+                          <a:ea typeface="宋体" panose="02010600030101010101" pitchFamily="2" charset="-122"/>
+                        </a:rPr>
+                        <a:t>1024</a:t>
+                      </a:r>
+                      <a:endParaRPr lang="zh-CN" altLang="en-US" dirty="0">
+                        <a:latin typeface="宋体" panose="02010600030101010101" pitchFamily="2" charset="-122"/>
+                        <a:ea typeface="宋体" panose="02010600030101010101" pitchFamily="2" charset="-122"/>
+                      </a:endParaRPr>
+                    </a:p>
+                  </a:txBody>
+                  <a:tcPr anchor="ctr">
+                    <a:lnL w="12700" cap="flat" cmpd="sng" algn="ctr">
+                      <a:solidFill>
+                        <a:schemeClr val="tx1"/>
+                      </a:solidFill>
+                      <a:prstDash val="solid"/>
+                      <a:round/>
+                      <a:headEnd type="none" w="med" len="med"/>
+                      <a:tailEnd type="none" w="med" len="med"/>
+                    </a:lnL>
+                    <a:lnR w="12700" cap="flat" cmpd="sng" algn="ctr">
+                      <a:solidFill>
+                        <a:schemeClr val="tx1"/>
+                      </a:solidFill>
+                      <a:prstDash val="solid"/>
+                      <a:round/>
+                      <a:headEnd type="none" w="med" len="med"/>
+                      <a:tailEnd type="none" w="med" len="med"/>
+                    </a:lnR>
+                    <a:lnT w="12700" cap="flat" cmpd="sng" algn="ctr">
+                      <a:solidFill>
+                        <a:schemeClr val="tx1"/>
+                      </a:solidFill>
+                      <a:prstDash val="solid"/>
+                      <a:round/>
+                      <a:headEnd type="none" w="med" len="med"/>
+                      <a:tailEnd type="none" w="med" len="med"/>
+                    </a:lnT>
+                    <a:lnB w="12700" cap="flat" cmpd="sng" algn="ctr">
+                      <a:solidFill>
+                        <a:schemeClr val="tx1"/>
+                      </a:solidFill>
+                      <a:prstDash val="solid"/>
+                      <a:round/>
+                      <a:headEnd type="none" w="med" len="med"/>
+                      <a:tailEnd type="none" w="med" len="med"/>
+                    </a:lnB>
+                  </a:tcPr>
+                </a:tc>
+                <a:tc>
+                  <a:txBody>
+                    <a:bodyPr/>
+                    <a:lstStyle/>
+                    <a:p>
+                      <a:pPr algn="ctr"/>
+                      <a:r>
+                        <a:rPr lang="en-US" altLang="zh-CN" dirty="0" smtClean="0">
+                          <a:latin typeface="宋体" panose="02010600030101010101" pitchFamily="2" charset="-122"/>
+                          <a:ea typeface="宋体" panose="02010600030101010101" pitchFamily="2" charset="-122"/>
+                        </a:rPr>
+                        <a:t>ECB</a:t>
+                      </a:r>
+                      <a:endParaRPr lang="zh-CN" altLang="en-US" dirty="0">
+                        <a:latin typeface="宋体" panose="02010600030101010101" pitchFamily="2" charset="-122"/>
+                        <a:ea typeface="宋体" panose="02010600030101010101" pitchFamily="2" charset="-122"/>
+                      </a:endParaRPr>
+                    </a:p>
+                  </a:txBody>
+                  <a:tcPr anchor="ctr">
+                    <a:lnL w="12700" cap="flat" cmpd="sng" algn="ctr">
+                      <a:solidFill>
+                        <a:schemeClr val="tx1"/>
+                      </a:solidFill>
+                      <a:prstDash val="solid"/>
+                      <a:round/>
+                      <a:headEnd type="none" w="med" len="med"/>
+                      <a:tailEnd type="none" w="med" len="med"/>
+                    </a:lnL>
+                    <a:lnR w="12700" cap="flat" cmpd="sng" algn="ctr">
+                      <a:solidFill>
+                        <a:schemeClr val="tx1"/>
+                      </a:solidFill>
+                      <a:prstDash val="solid"/>
+                      <a:round/>
+                      <a:headEnd type="none" w="med" len="med"/>
+                      <a:tailEnd type="none" w="med" len="med"/>
+                    </a:lnR>
+                    <a:lnT w="12700" cap="flat" cmpd="sng" algn="ctr">
+                      <a:solidFill>
+                        <a:schemeClr val="tx1"/>
+                      </a:solidFill>
+                      <a:prstDash val="solid"/>
+                      <a:round/>
+                      <a:headEnd type="none" w="med" len="med"/>
+                      <a:tailEnd type="none" w="med" len="med"/>
+                    </a:lnT>
+                    <a:lnB w="12700" cap="flat" cmpd="sng" algn="ctr">
+                      <a:solidFill>
+                        <a:schemeClr val="tx1"/>
+                      </a:solidFill>
+                      <a:prstDash val="solid"/>
+                      <a:round/>
+                      <a:headEnd type="none" w="med" len="med"/>
+                      <a:tailEnd type="none" w="med" len="med"/>
+                    </a:lnB>
+                  </a:tcPr>
+                </a:tc>
+                <a:tc>
+                  <a:txBody>
+                    <a:bodyPr/>
+                    <a:lstStyle/>
+                    <a:p>
+                      <a:pPr algn="ctr"/>
+                      <a:r>
+                        <a:rPr lang="en-US" altLang="zh-CN" dirty="0" smtClean="0"/>
+                        <a:t>NoPadding</a:t>
+                      </a:r>
+                      <a:r>
+                        <a:rPr lang="zh-CN" altLang="en-US" dirty="0" smtClean="0"/>
+                        <a:t>、 </a:t>
+                      </a:r>
+                      <a:r>
+                        <a:rPr lang="en-US" altLang="zh-CN" dirty="0" smtClean="0"/>
+                        <a:t>PKCS1Padding</a:t>
+                      </a:r>
+                      <a:r>
+                        <a:rPr lang="zh-CN" altLang="en-US" dirty="0" smtClean="0"/>
+                        <a:t>、 </a:t>
+                      </a:r>
+                      <a:r>
+                        <a:rPr lang="en-US" altLang="zh-CN" dirty="0" smtClean="0"/>
+                        <a:t>OAEPWITHMD5AndMGF1Padding</a:t>
+                      </a:r>
+                      <a:r>
+                        <a:rPr lang="zh-CN" altLang="en-US" dirty="0" smtClean="0"/>
+                        <a:t>、 </a:t>
+                      </a:r>
+                      <a:r>
+                        <a:rPr lang="en-US" altLang="zh-CN" dirty="0" smtClean="0"/>
+                        <a:t>OAEPWITHSHA1AndMGF1Padding</a:t>
+                      </a:r>
+                      <a:r>
+                        <a:rPr lang="zh-CN" altLang="en-US" dirty="0" smtClean="0"/>
+                        <a:t>、 </a:t>
+                      </a:r>
+                      <a:r>
+                        <a:rPr lang="en-US" altLang="zh-CN" dirty="0" smtClean="0"/>
+                        <a:t>OAEPWITHSHA256AndMGF1Padding</a:t>
+                      </a:r>
+                      <a:r>
+                        <a:rPr lang="zh-CN" altLang="en-US" dirty="0" smtClean="0"/>
+                        <a:t>、 </a:t>
+                      </a:r>
+                      <a:r>
+                        <a:rPr lang="en-US" altLang="zh-CN" dirty="0" smtClean="0"/>
+                        <a:t>OAEPWITHSHA384AndMGF1Padding</a:t>
+                      </a:r>
+                      <a:r>
+                        <a:rPr lang="zh-CN" altLang="en-US" dirty="0" smtClean="0"/>
+                        <a:t>、 </a:t>
+                      </a:r>
+                      <a:r>
+                        <a:rPr lang="en-US" altLang="zh-CN" dirty="0" smtClean="0"/>
+                        <a:t>OAEPWITHSHA512AndMGF1Padding</a:t>
+                      </a:r>
+                      <a:r>
+                        <a:rPr lang="zh-CN" altLang="en-US" dirty="0" smtClean="0"/>
+                        <a:t>、</a:t>
+                      </a:r>
+                      <a:endParaRPr lang="zh-CN" altLang="en-US" dirty="0">
+                        <a:latin typeface="宋体" panose="02010600030101010101" pitchFamily="2" charset="-122"/>
+                        <a:ea typeface="宋体" panose="02010600030101010101" pitchFamily="2" charset="-122"/>
+                      </a:endParaRPr>
+                    </a:p>
+                  </a:txBody>
+                  <a:tcPr anchor="ctr">
+                    <a:lnL w="12700" cap="flat" cmpd="sng" algn="ctr">
+                      <a:solidFill>
+                        <a:schemeClr val="tx1"/>
+                      </a:solidFill>
+                      <a:prstDash val="solid"/>
+                      <a:round/>
+                      <a:headEnd type="none" w="med" len="med"/>
+                      <a:tailEnd type="none" w="med" len="med"/>
+                    </a:lnL>
+                    <a:lnR w="12700" cap="flat" cmpd="sng" algn="ctr">
+                      <a:solidFill>
+                        <a:schemeClr val="tx1"/>
+                      </a:solidFill>
+                      <a:prstDash val="solid"/>
+                      <a:round/>
+                      <a:headEnd type="none" w="med" len="med"/>
+                      <a:tailEnd type="none" w="med" len="med"/>
+                    </a:lnR>
+                    <a:lnT w="12700" cap="flat" cmpd="sng" algn="ctr">
+                      <a:solidFill>
+                        <a:schemeClr val="tx1"/>
+                      </a:solidFill>
+                      <a:prstDash val="solid"/>
+                      <a:round/>
+                      <a:headEnd type="none" w="med" len="med"/>
+                      <a:tailEnd type="none" w="med" len="med"/>
+                    </a:lnT>
+                    <a:lnB w="12700" cap="flat" cmpd="sng" algn="ctr">
+                      <a:solidFill>
+                        <a:schemeClr val="tx1"/>
+                      </a:solidFill>
+                      <a:prstDash val="solid"/>
+                      <a:round/>
+                      <a:headEnd type="none" w="med" len="med"/>
+                      <a:tailEnd type="none" w="med" len="med"/>
+                    </a:lnB>
+                  </a:tcPr>
+                </a:tc>
+                <a:extLst>
+                  <a:ext uri="{0D108BD9-81ED-4DB2-BD59-A6C34878D82A}">
+                    <a16:rowId xmlns:a16="http://schemas.microsoft.com/office/drawing/2014/main" val="2478292743"/>
+                  </a:ext>
+                </a:extLst>
+              </a:tr>
+              <a:tr h="1436978">
+                <a:tc>
+                  <a:txBody>
+                    <a:bodyPr/>
+                    <a:lstStyle/>
+                    <a:p>
+                      <a:pPr algn="ctr"/>
+                      <a:r>
+                        <a:rPr lang="en-US" altLang="zh-CN" dirty="0" smtClean="0">
+                          <a:latin typeface="宋体" panose="02010600030101010101" pitchFamily="2" charset="-122"/>
+                          <a:ea typeface="宋体" panose="02010600030101010101" pitchFamily="2" charset="-122"/>
+                        </a:rPr>
+                        <a:t>Bouncy Castle</a:t>
+                      </a:r>
+                      <a:endParaRPr lang="zh-CN" altLang="en-US" dirty="0">
+                        <a:latin typeface="宋体" panose="02010600030101010101" pitchFamily="2" charset="-122"/>
+                        <a:ea typeface="宋体" panose="02010600030101010101" pitchFamily="2" charset="-122"/>
+                      </a:endParaRPr>
+                    </a:p>
+                  </a:txBody>
+                  <a:tcPr anchor="ctr">
+                    <a:lnL w="12700" cap="flat" cmpd="sng" algn="ctr">
+                      <a:solidFill>
+                        <a:schemeClr val="tx1"/>
+                      </a:solidFill>
+                      <a:prstDash val="solid"/>
+                      <a:round/>
+                      <a:headEnd type="none" w="med" len="med"/>
+                      <a:tailEnd type="none" w="med" len="med"/>
+                    </a:lnL>
+                    <a:lnR w="12700" cap="flat" cmpd="sng" algn="ctr">
+                      <a:solidFill>
+                        <a:schemeClr val="tx1"/>
+                      </a:solidFill>
+                      <a:prstDash val="solid"/>
+                      <a:round/>
+                      <a:headEnd type="none" w="med" len="med"/>
+                      <a:tailEnd type="none" w="med" len="med"/>
+                    </a:lnR>
+                    <a:lnT w="12700" cap="flat" cmpd="sng" algn="ctr">
+                      <a:solidFill>
+                        <a:schemeClr val="tx1"/>
+                      </a:solidFill>
+                      <a:prstDash val="solid"/>
+                      <a:round/>
+                      <a:headEnd type="none" w="med" len="med"/>
+                      <a:tailEnd type="none" w="med" len="med"/>
+                    </a:lnT>
+                    <a:lnB w="12700" cap="flat" cmpd="sng" algn="ctr">
+                      <a:solidFill>
+                        <a:schemeClr val="tx1"/>
+                      </a:solidFill>
+                      <a:prstDash val="solid"/>
+                      <a:round/>
+                      <a:headEnd type="none" w="med" len="med"/>
+                      <a:tailEnd type="none" w="med" len="med"/>
+                    </a:lnB>
+                  </a:tcPr>
+                </a:tc>
+                <a:tc>
+                  <a:txBody>
+                    <a:bodyPr/>
+                    <a:lstStyle/>
+                    <a:p>
+                      <a:pPr algn="ctr"/>
+                      <a:r>
+                        <a:rPr lang="zh-CN" altLang="en-US" dirty="0" smtClean="0">
+                          <a:solidFill>
+                            <a:schemeClr val="dk1"/>
+                          </a:solidFill>
+                          <a:latin typeface="宋体" panose="02010600030101010101" pitchFamily="2" charset="-122"/>
+                          <a:ea typeface="宋体" panose="02010600030101010101" pitchFamily="2" charset="-122"/>
+                        </a:rPr>
+                        <a:t>同上</a:t>
+                      </a:r>
+                      <a:endParaRPr lang="zh-CN" altLang="en-US" dirty="0">
+                        <a:solidFill>
+                          <a:srgbClr val="C00000"/>
+                        </a:solidFill>
+                        <a:latin typeface="宋体" panose="02010600030101010101" pitchFamily="2" charset="-122"/>
+                        <a:ea typeface="宋体" panose="02010600030101010101" pitchFamily="2" charset="-122"/>
+                      </a:endParaRPr>
+                    </a:p>
+                  </a:txBody>
+                  <a:tcPr anchor="ctr">
+                    <a:lnL w="12700" cap="flat" cmpd="sng" algn="ctr">
+                      <a:solidFill>
+                        <a:schemeClr val="tx1"/>
+                      </a:solidFill>
+                      <a:prstDash val="solid"/>
+                      <a:round/>
+                      <a:headEnd type="none" w="med" len="med"/>
+                      <a:tailEnd type="none" w="med" len="med"/>
+                    </a:lnL>
+                    <a:lnR w="12700" cap="flat" cmpd="sng" algn="ctr">
+                      <a:solidFill>
+                        <a:schemeClr val="tx1"/>
+                      </a:solidFill>
+                      <a:prstDash val="solid"/>
+                      <a:round/>
+                      <a:headEnd type="none" w="med" len="med"/>
+                      <a:tailEnd type="none" w="med" len="med"/>
+                    </a:lnR>
+                    <a:lnT w="12700" cap="flat" cmpd="sng" algn="ctr">
+                      <a:solidFill>
+                        <a:schemeClr val="tx1"/>
+                      </a:solidFill>
+                      <a:prstDash val="solid"/>
+                      <a:round/>
+                      <a:headEnd type="none" w="med" len="med"/>
+                      <a:tailEnd type="none" w="med" len="med"/>
+                    </a:lnT>
+                    <a:lnB w="12700" cap="flat" cmpd="sng" algn="ctr">
+                      <a:solidFill>
+                        <a:schemeClr val="tx1"/>
+                      </a:solidFill>
+                      <a:prstDash val="solid"/>
+                      <a:round/>
+                      <a:headEnd type="none" w="med" len="med"/>
+                      <a:tailEnd type="none" w="med" len="med"/>
+                    </a:lnB>
+                  </a:tcPr>
+                </a:tc>
+                <a:tc>
+                  <a:txBody>
+                    <a:bodyPr/>
+                    <a:lstStyle/>
+                    <a:p>
+                      <a:pPr algn="ctr"/>
+                      <a:r>
+                        <a:rPr lang="en-US" altLang="zh-CN" dirty="0" smtClean="0">
+                          <a:latin typeface="宋体" panose="02010600030101010101" pitchFamily="2" charset="-122"/>
+                          <a:ea typeface="宋体" panose="02010600030101010101" pitchFamily="2" charset="-122"/>
+                        </a:rPr>
+                        <a:t>2048</a:t>
+                      </a:r>
+                      <a:endParaRPr lang="zh-CN" altLang="en-US" dirty="0">
+                        <a:latin typeface="宋体" panose="02010600030101010101" pitchFamily="2" charset="-122"/>
+                        <a:ea typeface="宋体" panose="02010600030101010101" pitchFamily="2" charset="-122"/>
+                      </a:endParaRPr>
+                    </a:p>
+                  </a:txBody>
+                  <a:tcPr anchor="ctr">
+                    <a:lnL w="12700" cap="flat" cmpd="sng" algn="ctr">
+                      <a:solidFill>
+                        <a:schemeClr val="tx1"/>
+                      </a:solidFill>
+                      <a:prstDash val="solid"/>
+                      <a:round/>
+                      <a:headEnd type="none" w="med" len="med"/>
+                      <a:tailEnd type="none" w="med" len="med"/>
+                    </a:lnL>
+                    <a:lnR w="12700" cap="flat" cmpd="sng" algn="ctr">
+                      <a:solidFill>
+                        <a:schemeClr val="tx1"/>
+                      </a:solidFill>
+                      <a:prstDash val="solid"/>
+                      <a:round/>
+                      <a:headEnd type="none" w="med" len="med"/>
+                      <a:tailEnd type="none" w="med" len="med"/>
+                    </a:lnR>
+                    <a:lnT w="12700" cap="flat" cmpd="sng" algn="ctr">
+                      <a:solidFill>
+                        <a:schemeClr val="tx1"/>
+                      </a:solidFill>
+                      <a:prstDash val="solid"/>
+                      <a:round/>
+                      <a:headEnd type="none" w="med" len="med"/>
+                      <a:tailEnd type="none" w="med" len="med"/>
+                    </a:lnT>
+                    <a:lnB w="12700" cap="flat" cmpd="sng" algn="ctr">
+                      <a:solidFill>
+                        <a:schemeClr val="tx1"/>
+                      </a:solidFill>
+                      <a:prstDash val="solid"/>
+                      <a:round/>
+                      <a:headEnd type="none" w="med" len="med"/>
+                      <a:tailEnd type="none" w="med" len="med"/>
+                    </a:lnB>
+                  </a:tcPr>
+                </a:tc>
+                <a:tc>
+                  <a:txBody>
+                    <a:bodyPr/>
+                    <a:lstStyle/>
+                    <a:p>
+                      <a:pPr algn="ctr"/>
+                      <a:r>
+                        <a:rPr lang="zh-CN" altLang="en-US" dirty="0" smtClean="0">
+                          <a:latin typeface="宋体" panose="02010600030101010101" pitchFamily="2" charset="-122"/>
+                          <a:ea typeface="宋体" panose="02010600030101010101" pitchFamily="2" charset="-122"/>
+                        </a:rPr>
+                        <a:t>无</a:t>
+                      </a:r>
+                      <a:endParaRPr lang="zh-CN" altLang="en-US" dirty="0">
+                        <a:latin typeface="宋体" panose="02010600030101010101" pitchFamily="2" charset="-122"/>
+                        <a:ea typeface="宋体" panose="02010600030101010101" pitchFamily="2" charset="-122"/>
+                      </a:endParaRPr>
+                    </a:p>
+                  </a:txBody>
+                  <a:tcPr anchor="ctr">
+                    <a:lnL w="12700" cap="flat" cmpd="sng" algn="ctr">
+                      <a:solidFill>
+                        <a:schemeClr val="tx1"/>
+                      </a:solidFill>
+                      <a:prstDash val="solid"/>
+                      <a:round/>
+                      <a:headEnd type="none" w="med" len="med"/>
+                      <a:tailEnd type="none" w="med" len="med"/>
+                    </a:lnL>
+                    <a:lnR w="12700" cap="flat" cmpd="sng" algn="ctr">
+                      <a:solidFill>
+                        <a:schemeClr val="tx1"/>
+                      </a:solidFill>
+                      <a:prstDash val="solid"/>
+                      <a:round/>
+                      <a:headEnd type="none" w="med" len="med"/>
+                      <a:tailEnd type="none" w="med" len="med"/>
+                    </a:lnR>
+                    <a:lnT w="12700" cap="flat" cmpd="sng" algn="ctr">
+                      <a:solidFill>
+                        <a:schemeClr val="tx1"/>
+                      </a:solidFill>
+                      <a:prstDash val="solid"/>
+                      <a:round/>
+                      <a:headEnd type="none" w="med" len="med"/>
+                      <a:tailEnd type="none" w="med" len="med"/>
+                    </a:lnT>
+                    <a:lnB w="12700" cap="flat" cmpd="sng" algn="ctr">
+                      <a:solidFill>
+                        <a:schemeClr val="tx1"/>
+                      </a:solidFill>
+                      <a:prstDash val="solid"/>
+                      <a:round/>
+                      <a:headEnd type="none" w="med" len="med"/>
+                      <a:tailEnd type="none" w="med" len="med"/>
+                    </a:lnB>
+                  </a:tcPr>
+                </a:tc>
+                <a:tc>
+                  <a:txBody>
+                    <a:bodyPr/>
+                    <a:lstStyle/>
+                    <a:p>
+                      <a:pPr algn="ctr"/>
+                      <a:r>
+                        <a:rPr lang="en-US" altLang="zh-CN" dirty="0" smtClean="0">
+                          <a:latin typeface="宋体" panose="02010600030101010101" pitchFamily="2" charset="-122"/>
+                          <a:ea typeface="宋体" panose="02010600030101010101" pitchFamily="2" charset="-122"/>
+                        </a:rPr>
+                        <a:t>ISO9796-1Padding</a:t>
+                      </a:r>
+                      <a:endParaRPr lang="zh-CN" altLang="en-US" dirty="0">
+                        <a:latin typeface="宋体" panose="02010600030101010101" pitchFamily="2" charset="-122"/>
+                        <a:ea typeface="宋体" panose="02010600030101010101" pitchFamily="2" charset="-122"/>
+                      </a:endParaRPr>
+                    </a:p>
+                  </a:txBody>
+                  <a:tcPr anchor="ctr">
+                    <a:lnL w="12700" cap="flat" cmpd="sng" algn="ctr">
+                      <a:solidFill>
+                        <a:schemeClr val="tx1"/>
+                      </a:solidFill>
+                      <a:prstDash val="solid"/>
+                      <a:round/>
+                      <a:headEnd type="none" w="med" len="med"/>
+                      <a:tailEnd type="none" w="med" len="med"/>
+                    </a:lnL>
+                    <a:lnR w="12700" cap="flat" cmpd="sng" algn="ctr">
+                      <a:solidFill>
+                        <a:schemeClr val="tx1"/>
+                      </a:solidFill>
+                      <a:prstDash val="solid"/>
+                      <a:round/>
+                      <a:headEnd type="none" w="med" len="med"/>
+                      <a:tailEnd type="none" w="med" len="med"/>
+                    </a:lnR>
+                    <a:lnT w="12700" cap="flat" cmpd="sng" algn="ctr">
+                      <a:solidFill>
+                        <a:schemeClr val="tx1"/>
+                      </a:solidFill>
+                      <a:prstDash val="solid"/>
+                      <a:round/>
+                      <a:headEnd type="none" w="med" len="med"/>
+                      <a:tailEnd type="none" w="med" len="med"/>
+                    </a:lnT>
+                    <a:lnB w="12700" cap="flat" cmpd="sng" algn="ctr">
+                      <a:solidFill>
+                        <a:schemeClr val="tx1"/>
+                      </a:solidFill>
+                      <a:prstDash val="solid"/>
+                      <a:round/>
+                      <a:headEnd type="none" w="med" len="med"/>
+                      <a:tailEnd type="none" w="med" len="med"/>
+                    </a:lnB>
+                  </a:tcPr>
+                </a:tc>
+                <a:extLst>
+                  <a:ext uri="{0D108BD9-81ED-4DB2-BD59-A6C34878D82A}">
+                    <a16:rowId xmlns:a16="http://schemas.microsoft.com/office/drawing/2014/main" val="3999082340"/>
+                  </a:ext>
+                </a:extLst>
+              </a:tr>
+            </a:tbl>
+          </a:graphicData>
+        </a:graphic>
+      </p:graphicFrame>
+    </p:spTree>
+    <p:extLst>
+      <p:ext uri="{BB962C8B-B14F-4D97-AF65-F5344CB8AC3E}">
+        <p14:creationId xmlns:p14="http://schemas.microsoft.com/office/powerpoint/2010/main" val="2678592082"/>
+      </p:ext>
+    </p:extLst>
+  </p:cSld>
+  <p:clrMapOvr>
+    <a:masterClrMapping/>
+  </p:clrMapOvr>
+  <mc:AlternateContent xmlns:mc="http://schemas.openxmlformats.org/markup-compatibility/2006" xmlns:p14="http://schemas.microsoft.com/office/powerpoint/2010/main">
+    <mc:Choice Requires="p14">
+      <p:transition spd="med" p14:dur="700">
+        <p:fade/>
+      </p:transition>
+    </mc:Choice>
+    <mc:Fallback xmlns="">
+      <p:transition spd="med">
+        <p:fade/>
+      </p:transition>
+    </mc:Fallback>
+  </mc:AlternateContent>
+  <p:timing>
+    <p:tnLst>
+      <p:par>
+        <p:cTn id="1" dur="indefinite" restart="never" nodeType="tmRoot"/>
+      </p:par>
+    </p:tnLst>
+  </p:timing>
+</p:sld>
+</file>
+
+<file path=ppt/slides/slide22.xml><?xml version="1.0" encoding="utf-8"?>
+<p:sld xmlns:a="http://schemas.openxmlformats.org/drawingml/2006/main" xmlns:r="http://schemas.openxmlformats.org/officeDocument/2006/relationships" xmlns:p="http://schemas.openxmlformats.org/presentationml/2006/main">
+  <p:cSld>
+    <p:spTree>
+      <p:nvGrpSpPr>
+        <p:cNvPr id="1" name=""/>
+        <p:cNvGrpSpPr/>
+        <p:nvPr/>
+      </p:nvGrpSpPr>
+      <p:grpSpPr>
+        <a:xfrm>
+          <a:off x="0" y="0"/>
+          <a:ext cx="0" cy="0"/>
+          <a:chOff x="0" y="0"/>
+          <a:chExt cx="0" cy="0"/>
+        </a:xfrm>
+      </p:grpSpPr>
+      <p:sp>
+        <p:nvSpPr>
+          <p:cNvPr id="2" name="标题 1"/>
+          <p:cNvSpPr>
+            <a:spLocks noGrp="1"/>
+          </p:cNvSpPr>
+          <p:nvPr>
+            <p:ph type="title"/>
+          </p:nvPr>
+        </p:nvSpPr>
+        <p:spPr/>
+        <p:txBody>
+          <a:bodyPr/>
+          <a:lstStyle/>
+          <a:p>
+            <a:r>
+              <a:rPr lang="zh-CN"/>
+              <a:t>标题和内容版式与图表</a:t>
+            </a:r>
+          </a:p>
+        </p:txBody>
+      </p:sp>
+      <p:graphicFrame>
+        <p:nvGraphicFramePr>
+          <p:cNvPr id="6" name="内容占位符 5"/>
+          <p:cNvGraphicFramePr>
+            <a:graphicFrameLocks noGrp="1"/>
+          </p:cNvGraphicFramePr>
+          <p:nvPr>
+            <p:ph idx="1"/>
+            <p:extLst>
+              <p:ext uri="{D42A27DB-BD31-4B8C-83A1-F6EECF244321}">
+                <p14:modId xmlns:p14="http://schemas.microsoft.com/office/powerpoint/2010/main" val="1698860746"/>
+              </p:ext>
+            </p:extLst>
+          </p:nvPr>
+        </p:nvGraphicFramePr>
+        <p:xfrm>
+          <a:off x="1341438" y="1573213"/>
+          <a:ext cx="9510712" cy="4141787"/>
+        </p:xfrm>
+        <a:graphic>
+          <a:graphicData uri="http://schemas.openxmlformats.org/drawingml/2006/chart">
+            <c:chart xmlns:c="http://schemas.openxmlformats.org/drawingml/2006/chart" xmlns:r="http://schemas.openxmlformats.org/officeDocument/2006/relationships" r:id="rId2"/>
+          </a:graphicData>
+        </a:graphic>
+      </p:graphicFrame>
+    </p:spTree>
+    <p:extLst>
+      <p:ext uri="{BB962C8B-B14F-4D97-AF65-F5344CB8AC3E}">
+        <p14:creationId xmlns:p14="http://schemas.microsoft.com/office/powerpoint/2010/main" val="2578687163"/>
+      </p:ext>
+    </p:extLst>
+  </p:cSld>
+  <p:clrMapOvr>
+    <a:masterClrMapping/>
+  </p:clrMapOvr>
+  <mc:AlternateContent xmlns:mc="http://schemas.openxmlformats.org/markup-compatibility/2006" xmlns:p14="http://schemas.microsoft.com/office/powerpoint/2010/main">
+    <mc:Choice Requires="p14">
+      <p:transition spd="med" p14:dur="700">
+        <p:fade/>
+      </p:transition>
+    </mc:Choice>
+    <mc:Fallback xmlns="">
+      <p:transition spd="med">
+        <p:fade/>
+      </p:transition>
+    </mc:Fallback>
+  </mc:AlternateContent>
+  <p:timing>
+    <p:tnLst>
+      <p:par>
+        <p:cTn id="1" dur="indefinite" restart="never" nodeType="tmRoot"/>
+      </p:par>
+    </p:tnLst>
+  </p:timing>
+</p:sld>
+</file>
+
+<file path=ppt/slides/slide23.xml><?xml version="1.0" encoding="utf-8"?>
+<p:sld xmlns:a="http://schemas.openxmlformats.org/drawingml/2006/main" xmlns:r="http://schemas.openxmlformats.org/officeDocument/2006/relationships" xmlns:p="http://schemas.openxmlformats.org/presentationml/2006/main">
+  <p:cSld>
+    <p:spTree>
+      <p:nvGrpSpPr>
+        <p:cNvPr id="1" name=""/>
+        <p:cNvGrpSpPr/>
+        <p:nvPr/>
+      </p:nvGrpSpPr>
+      <p:grpSpPr>
+        <a:xfrm>
+          <a:off x="0" y="0"/>
+          <a:ext cx="0" cy="0"/>
+          <a:chOff x="0" y="0"/>
+          <a:chExt cx="0" cy="0"/>
+        </a:xfrm>
+      </p:grpSpPr>
+      <p:sp>
+        <p:nvSpPr>
+          <p:cNvPr id="2" name="标题 1"/>
+          <p:cNvSpPr>
+            <a:spLocks noGrp="1"/>
+          </p:cNvSpPr>
+          <p:nvPr>
+            <p:ph type="title"/>
+          </p:nvPr>
+        </p:nvSpPr>
+        <p:spPr/>
+        <p:txBody>
+          <a:bodyPr/>
+          <a:lstStyle/>
+          <a:p>
+            <a:r>
               <a:rPr lang="zh-CN"/>
               <a:t>图片与标题版式</a:t>
             </a:r>
@@ -16396,7 +17990,7 @@
 </p:sld>
 </file>
 
-<file path=ppt/slides/slide21.xml><?xml version="1.0" encoding="utf-8"?>
+<file path=ppt/slides/slide24.xml><?xml version="1.0" encoding="utf-8"?>
 <p:sld xmlns:a="http://schemas.openxmlformats.org/drawingml/2006/main" xmlns:r="http://schemas.openxmlformats.org/officeDocument/2006/relationships" xmlns:p="http://schemas.openxmlformats.org/presentationml/2006/main">
   <p:cSld>
     <p:spTree>
@@ -16778,7 +18372,7 @@
 </p:sld>
 </file>
 
-<file path=ppt/slides/slide22.xml><?xml version="1.0" encoding="utf-8"?>
+<file path=ppt/slides/slide25.xml><?xml version="1.0" encoding="utf-8"?>
 <p:sld xmlns:a="http://schemas.openxmlformats.org/drawingml/2006/main" xmlns:r="http://schemas.openxmlformats.org/officeDocument/2006/relationships" xmlns:p="http://schemas.openxmlformats.org/presentationml/2006/main">
   <p:cSld>
     <p:spTree>
@@ -16908,7 +18502,7 @@
 </p:sld>
 </file>
 
-<file path=ppt/slides/slide23.xml><?xml version="1.0" encoding="utf-8"?>
+<file path=ppt/slides/slide26.xml><?xml version="1.0" encoding="utf-8"?>
 <p:sld xmlns:a="http://schemas.openxmlformats.org/drawingml/2006/main" xmlns:r="http://schemas.openxmlformats.org/officeDocument/2006/relationships" xmlns:p="http://schemas.openxmlformats.org/presentationml/2006/main">
   <p:cSld>
     <p:spTree>
@@ -16967,267 +18561,6 @@
     <p:extLst>
       <p:ext uri="{BB962C8B-B14F-4D97-AF65-F5344CB8AC3E}">
         <p14:creationId xmlns:p14="http://schemas.microsoft.com/office/powerpoint/2010/main" val="2255057593"/>
-      </p:ext>
-    </p:extLst>
-  </p:cSld>
-  <p:clrMapOvr>
-    <a:masterClrMapping/>
-  </p:clrMapOvr>
-  <mc:AlternateContent xmlns:mc="http://schemas.openxmlformats.org/markup-compatibility/2006" xmlns:p14="http://schemas.microsoft.com/office/powerpoint/2010/main">
-    <mc:Choice Requires="p14">
-      <p:transition spd="med" p14:dur="700">
-        <p:fade/>
-      </p:transition>
-    </mc:Choice>
-    <mc:Fallback xmlns="">
-      <p:transition spd="med">
-        <p:fade/>
-      </p:transition>
-    </mc:Fallback>
-  </mc:AlternateContent>
-  <p:timing>
-    <p:tnLst>
-      <p:par>
-        <p:cTn id="1" dur="indefinite" restart="never" nodeType="tmRoot"/>
-      </p:par>
-    </p:tnLst>
-  </p:timing>
-</p:sld>
-</file>
-
-<file path=ppt/slides/slide24.xml><?xml version="1.0" encoding="utf-8"?>
-<p:sld xmlns:a="http://schemas.openxmlformats.org/drawingml/2006/main" xmlns:r="http://schemas.openxmlformats.org/officeDocument/2006/relationships" xmlns:p="http://schemas.openxmlformats.org/presentationml/2006/main">
-  <p:cSld>
-    <p:spTree>
-      <p:nvGrpSpPr>
-        <p:cNvPr id="1" name=""/>
-        <p:cNvGrpSpPr/>
-        <p:nvPr/>
-      </p:nvGrpSpPr>
-      <p:grpSpPr>
-        <a:xfrm>
-          <a:off x="0" y="0"/>
-          <a:ext cx="0" cy="0"/>
-          <a:chOff x="0" y="0"/>
-          <a:chExt cx="0" cy="0"/>
-        </a:xfrm>
-      </p:grpSpPr>
-      <p:sp>
-        <p:nvSpPr>
-          <p:cNvPr id="2" name="文本占位符 1"/>
-          <p:cNvSpPr>
-            <a:spLocks noGrp="1"/>
-          </p:cNvSpPr>
-          <p:nvPr>
-            <p:ph type="body" idx="1"/>
-          </p:nvPr>
-        </p:nvSpPr>
-        <p:spPr/>
-        <p:txBody>
-          <a:bodyPr/>
-          <a:lstStyle/>
-          <a:p>
-            <a:endParaRPr lang="zh-CN"/>
-          </a:p>
-        </p:txBody>
-      </p:sp>
-      <p:sp>
-        <p:nvSpPr>
-          <p:cNvPr id="3" name="内容占位符 2"/>
-          <p:cNvSpPr>
-            <a:spLocks noGrp="1"/>
-          </p:cNvSpPr>
-          <p:nvPr>
-            <p:ph sz="half" idx="2"/>
-          </p:nvPr>
-        </p:nvSpPr>
-        <p:spPr/>
-        <p:txBody>
-          <a:bodyPr/>
-          <a:lstStyle/>
-          <a:p>
-            <a:endParaRPr lang="zh-CN"/>
-          </a:p>
-        </p:txBody>
-      </p:sp>
-      <p:sp>
-        <p:nvSpPr>
-          <p:cNvPr id="4" name="文本占位符 3"/>
-          <p:cNvSpPr>
-            <a:spLocks noGrp="1"/>
-          </p:cNvSpPr>
-          <p:nvPr>
-            <p:ph type="body" sz="quarter" idx="3"/>
-          </p:nvPr>
-        </p:nvSpPr>
-        <p:spPr/>
-        <p:txBody>
-          <a:bodyPr/>
-          <a:lstStyle/>
-          <a:p>
-            <a:endParaRPr lang="zh-CN"/>
-          </a:p>
-        </p:txBody>
-      </p:sp>
-      <p:sp>
-        <p:nvSpPr>
-          <p:cNvPr id="5" name="内容占位符 4"/>
-          <p:cNvSpPr>
-            <a:spLocks noGrp="1"/>
-          </p:cNvSpPr>
-          <p:nvPr>
-            <p:ph sz="quarter" idx="4"/>
-          </p:nvPr>
-        </p:nvSpPr>
-        <p:spPr/>
-        <p:txBody>
-          <a:bodyPr/>
-          <a:lstStyle/>
-          <a:p>
-            <a:endParaRPr lang="zh-CN"/>
-          </a:p>
-        </p:txBody>
-      </p:sp>
-      <p:sp>
-        <p:nvSpPr>
-          <p:cNvPr id="6" name="标题 5"/>
-          <p:cNvSpPr>
-            <a:spLocks noGrp="1"/>
-          </p:cNvSpPr>
-          <p:nvPr>
-            <p:ph type="title"/>
-          </p:nvPr>
-        </p:nvSpPr>
-        <p:spPr/>
-        <p:txBody>
-          <a:bodyPr/>
-          <a:lstStyle/>
-          <a:p>
-            <a:endParaRPr lang="zh-CN" dirty="0"/>
-          </a:p>
-        </p:txBody>
-      </p:sp>
-    </p:spTree>
-    <p:extLst>
-      <p:ext uri="{BB962C8B-B14F-4D97-AF65-F5344CB8AC3E}">
-        <p14:creationId xmlns:p14="http://schemas.microsoft.com/office/powerpoint/2010/main" val="212726890"/>
-      </p:ext>
-    </p:extLst>
-  </p:cSld>
-  <p:clrMapOvr>
-    <a:masterClrMapping/>
-  </p:clrMapOvr>
-  <mc:AlternateContent xmlns:mc="http://schemas.openxmlformats.org/markup-compatibility/2006" xmlns:p14="http://schemas.microsoft.com/office/powerpoint/2010/main">
-    <mc:Choice Requires="p14">
-      <p:transition spd="med" p14:dur="700">
-        <p:fade/>
-      </p:transition>
-    </mc:Choice>
-    <mc:Fallback xmlns="">
-      <p:transition spd="med">
-        <p:fade/>
-      </p:transition>
-    </mc:Fallback>
-  </mc:AlternateContent>
-  <p:timing>
-    <p:tnLst>
-      <p:par>
-        <p:cTn id="1" dur="indefinite" restart="never" nodeType="tmRoot"/>
-      </p:par>
-    </p:tnLst>
-  </p:timing>
-</p:sld>
-</file>
-
-<file path=ppt/slides/slide25.xml><?xml version="1.0" encoding="utf-8"?>
-<p:sld xmlns:a="http://schemas.openxmlformats.org/drawingml/2006/main" xmlns:r="http://schemas.openxmlformats.org/officeDocument/2006/relationships" xmlns:p="http://schemas.openxmlformats.org/presentationml/2006/main">
-  <p:cSld>
-    <p:spTree>
-      <p:nvGrpSpPr>
-        <p:cNvPr id="1" name=""/>
-        <p:cNvGrpSpPr/>
-        <p:nvPr/>
-      </p:nvGrpSpPr>
-      <p:grpSpPr>
-        <a:xfrm>
-          <a:off x="0" y="0"/>
-          <a:ext cx="0" cy="0"/>
-          <a:chOff x="0" y="0"/>
-          <a:chExt cx="0" cy="0"/>
-        </a:xfrm>
-      </p:grpSpPr>
-      <p:sp>
-        <p:nvSpPr>
-          <p:cNvPr id="2" name="标题 1"/>
-          <p:cNvSpPr>
-            <a:spLocks noGrp="1"/>
-          </p:cNvSpPr>
-          <p:nvPr>
-            <p:ph type="title"/>
-          </p:nvPr>
-        </p:nvSpPr>
-        <p:spPr/>
-        <p:txBody>
-          <a:bodyPr/>
-          <a:lstStyle/>
-          <a:p>
-            <a:endParaRPr lang="zh-CN" dirty="0"/>
-          </a:p>
-        </p:txBody>
-      </p:sp>
-    </p:spTree>
-    <p:extLst>
-      <p:ext uri="{BB962C8B-B14F-4D97-AF65-F5344CB8AC3E}">
-        <p14:creationId xmlns:p14="http://schemas.microsoft.com/office/powerpoint/2010/main" val="1689357796"/>
-      </p:ext>
-    </p:extLst>
-  </p:cSld>
-  <p:clrMapOvr>
-    <a:masterClrMapping/>
-  </p:clrMapOvr>
-  <mc:AlternateContent xmlns:mc="http://schemas.openxmlformats.org/markup-compatibility/2006" xmlns:p14="http://schemas.microsoft.com/office/powerpoint/2010/main">
-    <mc:Choice Requires="p14">
-      <p:transition spd="med" p14:dur="700">
-        <p:fade/>
-      </p:transition>
-    </mc:Choice>
-    <mc:Fallback xmlns="">
-      <p:transition spd="med">
-        <p:fade/>
-      </p:transition>
-    </mc:Fallback>
-  </mc:AlternateContent>
-  <p:timing>
-    <p:tnLst>
-      <p:par>
-        <p:cTn id="1" dur="indefinite" restart="never" nodeType="tmRoot"/>
-      </p:par>
-    </p:tnLst>
-  </p:timing>
-</p:sld>
-</file>
-
-<file path=ppt/slides/slide26.xml><?xml version="1.0" encoding="utf-8"?>
-<p:sld xmlns:a="http://schemas.openxmlformats.org/drawingml/2006/main" xmlns:r="http://schemas.openxmlformats.org/officeDocument/2006/relationships" xmlns:p="http://schemas.openxmlformats.org/presentationml/2006/main">
-  <p:cSld>
-    <p:spTree>
-      <p:nvGrpSpPr>
-        <p:cNvPr id="1" name=""/>
-        <p:cNvGrpSpPr/>
-        <p:nvPr/>
-      </p:nvGrpSpPr>
-      <p:grpSpPr>
-        <a:xfrm>
-          <a:off x="0" y="0"/>
-          <a:ext cx="0" cy="0"/>
-          <a:chOff x="0" y="0"/>
-          <a:chExt cx="0" cy="0"/>
-        </a:xfrm>
-      </p:grpSpPr>
-    </p:spTree>
-    <p:extLst>
-      <p:ext uri="{BB962C8B-B14F-4D97-AF65-F5344CB8AC3E}">
-        <p14:creationId xmlns:p14="http://schemas.microsoft.com/office/powerpoint/2010/main" val="428241947"/>
       </p:ext>
     </p:extLst>
   </p:cSld>
@@ -17275,6 +18608,150 @@
       </p:grpSpPr>
       <p:sp>
         <p:nvSpPr>
+          <p:cNvPr id="2" name="文本占位符 1"/>
+          <p:cNvSpPr>
+            <a:spLocks noGrp="1"/>
+          </p:cNvSpPr>
+          <p:nvPr>
+            <p:ph type="body" idx="1"/>
+          </p:nvPr>
+        </p:nvSpPr>
+        <p:spPr/>
+        <p:txBody>
+          <a:bodyPr/>
+          <a:lstStyle/>
+          <a:p>
+            <a:endParaRPr lang="zh-CN"/>
+          </a:p>
+        </p:txBody>
+      </p:sp>
+      <p:sp>
+        <p:nvSpPr>
+          <p:cNvPr id="3" name="内容占位符 2"/>
+          <p:cNvSpPr>
+            <a:spLocks noGrp="1"/>
+          </p:cNvSpPr>
+          <p:nvPr>
+            <p:ph sz="half" idx="2"/>
+          </p:nvPr>
+        </p:nvSpPr>
+        <p:spPr/>
+        <p:txBody>
+          <a:bodyPr/>
+          <a:lstStyle/>
+          <a:p>
+            <a:endParaRPr lang="zh-CN"/>
+          </a:p>
+        </p:txBody>
+      </p:sp>
+      <p:sp>
+        <p:nvSpPr>
+          <p:cNvPr id="4" name="文本占位符 3"/>
+          <p:cNvSpPr>
+            <a:spLocks noGrp="1"/>
+          </p:cNvSpPr>
+          <p:nvPr>
+            <p:ph type="body" sz="quarter" idx="3"/>
+          </p:nvPr>
+        </p:nvSpPr>
+        <p:spPr/>
+        <p:txBody>
+          <a:bodyPr/>
+          <a:lstStyle/>
+          <a:p>
+            <a:endParaRPr lang="zh-CN"/>
+          </a:p>
+        </p:txBody>
+      </p:sp>
+      <p:sp>
+        <p:nvSpPr>
+          <p:cNvPr id="5" name="内容占位符 4"/>
+          <p:cNvSpPr>
+            <a:spLocks noGrp="1"/>
+          </p:cNvSpPr>
+          <p:nvPr>
+            <p:ph sz="quarter" idx="4"/>
+          </p:nvPr>
+        </p:nvSpPr>
+        <p:spPr/>
+        <p:txBody>
+          <a:bodyPr/>
+          <a:lstStyle/>
+          <a:p>
+            <a:endParaRPr lang="zh-CN"/>
+          </a:p>
+        </p:txBody>
+      </p:sp>
+      <p:sp>
+        <p:nvSpPr>
+          <p:cNvPr id="6" name="标题 5"/>
+          <p:cNvSpPr>
+            <a:spLocks noGrp="1"/>
+          </p:cNvSpPr>
+          <p:nvPr>
+            <p:ph type="title"/>
+          </p:nvPr>
+        </p:nvSpPr>
+        <p:spPr/>
+        <p:txBody>
+          <a:bodyPr/>
+          <a:lstStyle/>
+          <a:p>
+            <a:endParaRPr lang="zh-CN" dirty="0"/>
+          </a:p>
+        </p:txBody>
+      </p:sp>
+    </p:spTree>
+    <p:extLst>
+      <p:ext uri="{BB962C8B-B14F-4D97-AF65-F5344CB8AC3E}">
+        <p14:creationId xmlns:p14="http://schemas.microsoft.com/office/powerpoint/2010/main" val="212726890"/>
+      </p:ext>
+    </p:extLst>
+  </p:cSld>
+  <p:clrMapOvr>
+    <a:masterClrMapping/>
+  </p:clrMapOvr>
+  <mc:AlternateContent xmlns:mc="http://schemas.openxmlformats.org/markup-compatibility/2006" xmlns:p14="http://schemas.microsoft.com/office/powerpoint/2010/main">
+    <mc:Choice Requires="p14">
+      <p:transition spd="med" p14:dur="700">
+        <p:fade/>
+      </p:transition>
+    </mc:Choice>
+    <mc:Fallback xmlns="">
+      <p:transition spd="med">
+        <p:fade/>
+      </p:transition>
+    </mc:Fallback>
+  </mc:AlternateContent>
+  <p:timing>
+    <p:tnLst>
+      <p:par>
+        <p:cTn id="1" dur="indefinite" restart="never" nodeType="tmRoot"/>
+      </p:par>
+    </p:tnLst>
+  </p:timing>
+</p:sld>
+</file>
+
+<file path=ppt/slides/slide28.xml><?xml version="1.0" encoding="utf-8"?>
+<p:sld xmlns:a="http://schemas.openxmlformats.org/drawingml/2006/main" xmlns:r="http://schemas.openxmlformats.org/officeDocument/2006/relationships" xmlns:p="http://schemas.openxmlformats.org/presentationml/2006/main">
+  <p:cSld>
+    <p:spTree>
+      <p:nvGrpSpPr>
+        <p:cNvPr id="1" name=""/>
+        <p:cNvGrpSpPr/>
+        <p:nvPr/>
+      </p:nvGrpSpPr>
+      <p:grpSpPr>
+        <a:xfrm>
+          <a:off x="0" y="0"/>
+          <a:ext cx="0" cy="0"/>
+          <a:chOff x="0" y="0"/>
+          <a:chExt cx="0" cy="0"/>
+        </a:xfrm>
+      </p:grpSpPr>
+      <p:sp>
+        <p:nvSpPr>
           <p:cNvPr id="2" name="标题 1"/>
           <p:cNvSpPr>
             <a:spLocks noGrp="1"/>
@@ -17292,48 +18769,59 @@
           </a:p>
         </p:txBody>
       </p:sp>
-      <p:sp>
-        <p:nvSpPr>
-          <p:cNvPr id="3" name="内容占位符 2"/>
-          <p:cNvSpPr>
-            <a:spLocks noGrp="1"/>
-          </p:cNvSpPr>
-          <p:nvPr>
-            <p:ph idx="1"/>
-          </p:nvPr>
-        </p:nvSpPr>
-        <p:spPr/>
-        <p:txBody>
-          <a:bodyPr/>
-          <a:lstStyle/>
-          <a:p>
-            <a:endParaRPr lang="zh-CN"/>
-          </a:p>
-        </p:txBody>
-      </p:sp>
-      <p:sp>
-        <p:nvSpPr>
-          <p:cNvPr id="4" name="文本占位符 3"/>
-          <p:cNvSpPr>
-            <a:spLocks noGrp="1"/>
-          </p:cNvSpPr>
-          <p:nvPr>
-            <p:ph type="body" sz="half" idx="2"/>
-          </p:nvPr>
-        </p:nvSpPr>
-        <p:spPr/>
-        <p:txBody>
-          <a:bodyPr/>
-          <a:lstStyle/>
-          <a:p>
-            <a:endParaRPr lang="zh-CN"/>
-          </a:p>
-        </p:txBody>
-      </p:sp>
     </p:spTree>
     <p:extLst>
       <p:ext uri="{BB962C8B-B14F-4D97-AF65-F5344CB8AC3E}">
-        <p14:creationId xmlns:p14="http://schemas.microsoft.com/office/powerpoint/2010/main" val="161801657"/>
+        <p14:creationId xmlns:p14="http://schemas.microsoft.com/office/powerpoint/2010/main" val="1689357796"/>
+      </p:ext>
+    </p:extLst>
+  </p:cSld>
+  <p:clrMapOvr>
+    <a:masterClrMapping/>
+  </p:clrMapOvr>
+  <mc:AlternateContent xmlns:mc="http://schemas.openxmlformats.org/markup-compatibility/2006" xmlns:p14="http://schemas.microsoft.com/office/powerpoint/2010/main">
+    <mc:Choice Requires="p14">
+      <p:transition spd="med" p14:dur="700">
+        <p:fade/>
+      </p:transition>
+    </mc:Choice>
+    <mc:Fallback xmlns="">
+      <p:transition spd="med">
+        <p:fade/>
+      </p:transition>
+    </mc:Fallback>
+  </mc:AlternateContent>
+  <p:timing>
+    <p:tnLst>
+      <p:par>
+        <p:cTn id="1" dur="indefinite" restart="never" nodeType="tmRoot"/>
+      </p:par>
+    </p:tnLst>
+  </p:timing>
+</p:sld>
+</file>
+
+<file path=ppt/slides/slide29.xml><?xml version="1.0" encoding="utf-8"?>
+<p:sld xmlns:a="http://schemas.openxmlformats.org/drawingml/2006/main" xmlns:r="http://schemas.openxmlformats.org/officeDocument/2006/relationships" xmlns:p="http://schemas.openxmlformats.org/presentationml/2006/main">
+  <p:cSld>
+    <p:spTree>
+      <p:nvGrpSpPr>
+        <p:cNvPr id="1" name=""/>
+        <p:cNvGrpSpPr/>
+        <p:nvPr/>
+      </p:nvGrpSpPr>
+      <p:grpSpPr>
+        <a:xfrm>
+          <a:off x="0" y="0"/>
+          <a:ext cx="0" cy="0"/>
+          <a:chOff x="0" y="0"/>
+          <a:chExt cx="0" cy="0"/>
+        </a:xfrm>
+      </p:grpSpPr>
+    </p:spTree>
+    <p:extLst>
+      <p:ext uri="{BB962C8B-B14F-4D97-AF65-F5344CB8AC3E}">
+        <p14:creationId xmlns:p14="http://schemas.microsoft.com/office/powerpoint/2010/main" val="428241947"/>
       </p:ext>
     </p:extLst>
   </p:cSld>
@@ -17581,6 +19069,112 @@
     <p:extLst>
       <p:ext uri="{BB962C8B-B14F-4D97-AF65-F5344CB8AC3E}">
         <p14:creationId xmlns:p14="http://schemas.microsoft.com/office/powerpoint/2010/main" val="2479606371"/>
+      </p:ext>
+    </p:extLst>
+  </p:cSld>
+  <p:clrMapOvr>
+    <a:masterClrMapping/>
+  </p:clrMapOvr>
+  <mc:AlternateContent xmlns:mc="http://schemas.openxmlformats.org/markup-compatibility/2006" xmlns:p14="http://schemas.microsoft.com/office/powerpoint/2010/main">
+    <mc:Choice Requires="p14">
+      <p:transition spd="med" p14:dur="700">
+        <p:fade/>
+      </p:transition>
+    </mc:Choice>
+    <mc:Fallback xmlns="">
+      <p:transition spd="med">
+        <p:fade/>
+      </p:transition>
+    </mc:Fallback>
+  </mc:AlternateContent>
+  <p:timing>
+    <p:tnLst>
+      <p:par>
+        <p:cTn id="1" dur="indefinite" restart="never" nodeType="tmRoot"/>
+      </p:par>
+    </p:tnLst>
+  </p:timing>
+</p:sld>
+</file>
+
+<file path=ppt/slides/slide30.xml><?xml version="1.0" encoding="utf-8"?>
+<p:sld xmlns:a="http://schemas.openxmlformats.org/drawingml/2006/main" xmlns:r="http://schemas.openxmlformats.org/officeDocument/2006/relationships" xmlns:p="http://schemas.openxmlformats.org/presentationml/2006/main">
+  <p:cSld>
+    <p:spTree>
+      <p:nvGrpSpPr>
+        <p:cNvPr id="1" name=""/>
+        <p:cNvGrpSpPr/>
+        <p:nvPr/>
+      </p:nvGrpSpPr>
+      <p:grpSpPr>
+        <a:xfrm>
+          <a:off x="0" y="0"/>
+          <a:ext cx="0" cy="0"/>
+          <a:chOff x="0" y="0"/>
+          <a:chExt cx="0" cy="0"/>
+        </a:xfrm>
+      </p:grpSpPr>
+      <p:sp>
+        <p:nvSpPr>
+          <p:cNvPr id="2" name="标题 1"/>
+          <p:cNvSpPr>
+            <a:spLocks noGrp="1"/>
+          </p:cNvSpPr>
+          <p:nvPr>
+            <p:ph type="title"/>
+          </p:nvPr>
+        </p:nvSpPr>
+        <p:spPr/>
+        <p:txBody>
+          <a:bodyPr/>
+          <a:lstStyle/>
+          <a:p>
+            <a:endParaRPr lang="zh-CN" dirty="0"/>
+          </a:p>
+        </p:txBody>
+      </p:sp>
+      <p:sp>
+        <p:nvSpPr>
+          <p:cNvPr id="3" name="内容占位符 2"/>
+          <p:cNvSpPr>
+            <a:spLocks noGrp="1"/>
+          </p:cNvSpPr>
+          <p:nvPr>
+            <p:ph idx="1"/>
+          </p:nvPr>
+        </p:nvSpPr>
+        <p:spPr/>
+        <p:txBody>
+          <a:bodyPr/>
+          <a:lstStyle/>
+          <a:p>
+            <a:endParaRPr lang="zh-CN"/>
+          </a:p>
+        </p:txBody>
+      </p:sp>
+      <p:sp>
+        <p:nvSpPr>
+          <p:cNvPr id="4" name="文本占位符 3"/>
+          <p:cNvSpPr>
+            <a:spLocks noGrp="1"/>
+          </p:cNvSpPr>
+          <p:nvPr>
+            <p:ph type="body" sz="half" idx="2"/>
+          </p:nvPr>
+        </p:nvSpPr>
+        <p:spPr/>
+        <p:txBody>
+          <a:bodyPr/>
+          <a:lstStyle/>
+          <a:p>
+            <a:endParaRPr lang="zh-CN"/>
+          </a:p>
+        </p:txBody>
+      </p:sp>
+    </p:spTree>
+    <p:extLst>
+      <p:ext uri="{BB962C8B-B14F-4D97-AF65-F5344CB8AC3E}">
+        <p14:creationId xmlns:p14="http://schemas.microsoft.com/office/powerpoint/2010/main" val="161801657"/>
       </p:ext>
     </p:extLst>
   </p:cSld>

--- a/Java安全架构.pptx
+++ b/Java安全架构.pptx
@@ -5,10 +5,10 @@
     <p:sldMasterId id="2147483840" r:id="rId2"/>
   </p:sldMasterIdLst>
   <p:notesMasterIdLst>
-    <p:notesMasterId r:id="rId33"/>
+    <p:notesMasterId r:id="rId36"/>
   </p:notesMasterIdLst>
   <p:handoutMasterIdLst>
-    <p:handoutMasterId r:id="rId34"/>
+    <p:handoutMasterId r:id="rId37"/>
   </p:handoutMasterIdLst>
   <p:sldIdLst>
     <p:sldId id="256" r:id="rId3"/>
@@ -32,15 +32,18 @@
     <p:sldId id="283" r:id="rId21"/>
     <p:sldId id="284" r:id="rId22"/>
     <p:sldId id="285" r:id="rId23"/>
-    <p:sldId id="258" r:id="rId24"/>
-    <p:sldId id="266" r:id="rId25"/>
-    <p:sldId id="260" r:id="rId26"/>
-    <p:sldId id="259" r:id="rId27"/>
-    <p:sldId id="261" r:id="rId28"/>
-    <p:sldId id="262" r:id="rId29"/>
-    <p:sldId id="263" r:id="rId30"/>
-    <p:sldId id="264" r:id="rId31"/>
-    <p:sldId id="265" r:id="rId32"/>
+    <p:sldId id="286" r:id="rId24"/>
+    <p:sldId id="287" r:id="rId25"/>
+    <p:sldId id="289" r:id="rId26"/>
+    <p:sldId id="258" r:id="rId27"/>
+    <p:sldId id="266" r:id="rId28"/>
+    <p:sldId id="260" r:id="rId29"/>
+    <p:sldId id="259" r:id="rId30"/>
+    <p:sldId id="261" r:id="rId31"/>
+    <p:sldId id="262" r:id="rId32"/>
+    <p:sldId id="263" r:id="rId33"/>
+    <p:sldId id="264" r:id="rId34"/>
+    <p:sldId id="265" r:id="rId35"/>
   </p:sldIdLst>
   <p:sldSz cx="12192000" cy="6858000"/>
   <p:notesSz cx="6858000" cy="9144000"/>
@@ -141,7 +144,7 @@
   </p:defaultTextStyle>
   <p:extLst>
     <p:ext uri="{EFAFB233-063F-42B5-8137-9DF3F51BA10A}">
-      <p15:sldGuideLst xmlns:p15="http://schemas.microsoft.com/office/powerpoint/2012/main">
+      <p15:sldGuideLst xmlns:p15="http://schemas.microsoft.com/office/powerpoint/2012/main" xmlns="">
         <p15:guide id="1" orient="horz" pos="2160">
           <p15:clr>
             <a:srgbClr val="A4A3A4"/>
@@ -155,14 +158,14 @@
       </p15:sldGuideLst>
     </p:ext>
     <p:ext uri="{2D200454-40CA-4A62-9FC3-DE9A4176ACB9}">
-      <p15:notesGuideLst xmlns:p15="http://schemas.microsoft.com/office/powerpoint/2012/main"/>
+      <p15:notesGuideLst xmlns:p15="http://schemas.microsoft.com/office/powerpoint/2012/main" xmlns=""/>
     </p:ext>
   </p:extLst>
 </p:presentation>
 </file>
 
 <file path=ppt/charts/chart1.xml><?xml version="1.0" encoding="utf-8"?>
-<c:chartSpace xmlns:c="http://schemas.openxmlformats.org/drawingml/2006/chart" xmlns:a="http://schemas.openxmlformats.org/drawingml/2006/main" xmlns:r="http://schemas.openxmlformats.org/officeDocument/2006/relationships" xmlns:c16r2="http://schemas.microsoft.com/office/drawing/2015/06/chart">
+<c:chartSpace xmlns:c="http://schemas.openxmlformats.org/drawingml/2006/chart" xmlns:a="http://schemas.openxmlformats.org/drawingml/2006/main" xmlns:r="http://schemas.openxmlformats.org/officeDocument/2006/relationships">
   <c:date1904 val="0"/>
   <c:lang val="zh-CN"/>
   <c:roundedCorners val="0"/>
@@ -270,7 +273,7 @@
               </c:numCache>
             </c:numRef>
           </c:val>
-          <c:extLst>
+          <c:extLst xmlns:c16r2="http://schemas.microsoft.com/office/drawing/2015/06/chart">
             <c:ext xmlns:c16="http://schemas.microsoft.com/office/drawing/2014/chart" uri="{C3380CC4-5D6E-409C-BE32-E72D297353CC}">
               <c16:uniqueId val="{00000000-66A3-48EC-BF15-F5D7A2B6F1B2}"/>
             </c:ext>
@@ -364,7 +367,7 @@
               </c:numCache>
             </c:numRef>
           </c:val>
-          <c:extLst>
+          <c:extLst xmlns:c16r2="http://schemas.microsoft.com/office/drawing/2015/06/chart">
             <c:ext xmlns:c16="http://schemas.microsoft.com/office/drawing/2014/chart" uri="{C3380CC4-5D6E-409C-BE32-E72D297353CC}">
               <c16:uniqueId val="{00000001-66A3-48EC-BF15-F5D7A2B6F1B2}"/>
             </c:ext>
@@ -458,7 +461,7 @@
               </c:numCache>
             </c:numRef>
           </c:val>
-          <c:extLst>
+          <c:extLst xmlns:c16r2="http://schemas.microsoft.com/office/drawing/2015/06/chart">
             <c:ext xmlns:c16="http://schemas.microsoft.com/office/drawing/2014/chart" uri="{C3380CC4-5D6E-409C-BE32-E72D297353CC}">
               <c16:uniqueId val="{00000002-66A3-48EC-BF15-F5D7A2B6F1B2}"/>
             </c:ext>
@@ -474,11 +477,11 @@
         </c:dLbls>
         <c:gapWidth val="355"/>
         <c:overlap val="-70"/>
-        <c:axId val="45512576"/>
-        <c:axId val="45514112"/>
+        <c:axId val="118889856"/>
+        <c:axId val="202212480"/>
       </c:barChart>
       <c:catAx>
-        <c:axId val="45512576"/>
+        <c:axId val="118889856"/>
         <c:scaling>
           <c:orientation val="minMax"/>
         </c:scaling>
@@ -521,7 +524,7 @@
             <a:endParaRPr lang="zh-CN"/>
           </a:p>
         </c:txPr>
-        <c:crossAx val="45514112"/>
+        <c:crossAx val="202212480"/>
         <c:crosses val="autoZero"/>
         <c:auto val="1"/>
         <c:lblAlgn val="ctr"/>
@@ -529,7 +532,7 @@
         <c:noMultiLvlLbl val="0"/>
       </c:catAx>
       <c:valAx>
-        <c:axId val="45514112"/>
+        <c:axId val="202212480"/>
         <c:scaling>
           <c:orientation val="minMax"/>
         </c:scaling>
@@ -566,7 +569,7 @@
             <a:endParaRPr lang="zh-CN"/>
           </a:p>
         </c:txPr>
-        <c:crossAx val="45512576"/>
+        <c:crossAx val="118889856"/>
         <c:crosses val="autoZero"/>
         <c:crossBetween val="between"/>
       </c:valAx>
@@ -634,7 +637,7 @@
       <a:endParaRPr lang="zh-CN"/>
     </a:p>
   </c:txPr>
-  <c:externalData r:id="rId3">
+  <c:externalData r:id="rId1">
     <c:autoUpdate val="0"/>
   </c:externalData>
 </c:chartSpace>
@@ -4410,7 +4413,7 @@
           <a:p>
             <a:fld id="{DE71268B-8AC2-4239-8FAF-7C144C210720}" type="datetimeFigureOut">
               <a:rPr lang="en-US" altLang="zh-CN"/>
-              <a:t>4/29/2017</a:t>
+              <a:t>5/2/2017</a:t>
             </a:fld>
             <a:endParaRPr lang="zh-CN"/>
           </a:p>
@@ -4574,7 +4577,7 @@
           </a:lstStyle>
           <a:p>
             <a:fld id="{F5AD8362-6D63-40AC-BAA9-90C3AE6D5875}" type="datetimeFigureOut">
-              <a:t>2017/4/29</a:t>
+              <a:t>2017/5/2</a:t>
             </a:fld>
             <a:endParaRPr lang="zh-CN"/>
           </a:p>
@@ -5702,7 +5705,7 @@
           <a:lstStyle/>
           <a:p>
             <a:fld id="{5F4E5243-F52A-4D37-9694-EB26C6C31910}" type="datetime1">
-              <a:t>2017/4/29</a:t>
+              <a:t>2017/5/2</a:t>
             </a:fld>
             <a:endParaRPr lang="zh-CN"/>
           </a:p>
@@ -5899,7 +5902,7 @@
           <a:lstStyle/>
           <a:p>
             <a:fld id="{3A77B6E1-634A-48DC-9E8B-D894023267EF}" type="datetime1">
-              <a:t>2017/4/29</a:t>
+              <a:t>2017/5/2</a:t>
             </a:fld>
             <a:endParaRPr lang="zh-CN"/>
           </a:p>
@@ -6090,7 +6093,7 @@
           <a:lstStyle/>
           <a:p>
             <a:fld id="{7B2D3E9E-A95C-48F2-B4BF-A71542E0BE9A}" type="datetime1">
-              <a:t>2017/4/29</a:t>
+              <a:t>2017/5/2</a:t>
             </a:fld>
             <a:endParaRPr lang="zh-CN"/>
           </a:p>
@@ -6422,7 +6425,7 @@
           <a:lstStyle/>
           <a:p>
             <a:fld id="{A50F84E2-2D7A-43CF-AC90-352A289A783A}" type="datetime1">
-              <a:t>2017/4/29</a:t>
+              <a:t>2017/5/2</a:t>
             </a:fld>
             <a:endParaRPr lang="zh-CN"/>
           </a:p>
@@ -6731,7 +6734,7 @@
           <a:lstStyle/>
           <a:p>
             <a:fld id="{F12952B5-7A2F-4CC8-B7CE-9234E21C2837}" type="datetime1">
-              <a:t>2017/4/29</a:t>
+              <a:t>2017/5/2</a:t>
             </a:fld>
             <a:endParaRPr lang="zh-CN"/>
           </a:p>
@@ -7157,7 +7160,7 @@
           <a:lstStyle/>
           <a:p>
             <a:fld id="{CE1DA07A-9201-4B4B-BAF2-015AFA30F520}" type="datetime1">
-              <a:t>2017/4/29</a:t>
+              <a:t>2017/5/2</a:t>
             </a:fld>
             <a:endParaRPr lang="zh-CN"/>
           </a:p>
@@ -7292,7 +7295,7 @@
           <a:lstStyle/>
           <a:p>
             <a:fld id="{73D7E00A-486F-4252-8B1D-E32645521F49}" type="datetime1">
-              <a:t>2017/4/29</a:t>
+              <a:t>2017/5/2</a:t>
             </a:fld>
             <a:endParaRPr lang="zh-CN"/>
           </a:p>
@@ -7489,7 +7492,7 @@
           <a:lstStyle/>
           <a:p>
             <a:fld id="{8DDF5F92-E675-4B36-9A60-69A962A68675}" type="datetime1">
-              <a:t>2017/4/29</a:t>
+              <a:t>2017/5/2</a:t>
             </a:fld>
             <a:endParaRPr lang="zh-CN"/>
           </a:p>
@@ -7795,7 +7798,7 @@
           <a:lstStyle/>
           <a:p>
             <a:fld id="{AF6E2C9B-5FA2-460D-9BE7-B0812FC2A6FF}" type="datetime1">
-              <a:t>2017/4/29</a:t>
+              <a:t>2017/5/2</a:t>
             </a:fld>
             <a:endParaRPr lang="zh-CN"/>
           </a:p>
@@ -8086,7 +8089,7 @@
           <a:lstStyle/>
           <a:p>
             <a:fld id="{1D374940-A916-4C8B-9648-02A2D3898F9E}" type="datetime1">
-              <a:t>2017/4/29</a:t>
+              <a:t>2017/5/2</a:t>
             </a:fld>
             <a:endParaRPr lang="zh-CN"/>
           </a:p>
@@ -8525,7 +8528,7 @@
             <a:fld id="{5586B75A-687E-405C-8A0B-8D00578BA2C3}" type="datetime1">
               <a:rPr lang="en-US" altLang="zh-CN" smtClean="0"/>
               <a:pPr/>
-              <a:t>4/29/2017</a:t>
+              <a:t>5/2/2017</a:t>
             </a:fld>
             <a:endParaRPr lang="zh-CN" altLang="en-US"/>
           </a:p>
@@ -8962,7 +8965,7 @@
   </p:txStyles>
   <p:extLst mod="1">
     <p:ext uri="{27BBF7A9-308A-43DC-89C8-2F10F3537804}">
-      <p15:sldGuideLst xmlns:p15="http://schemas.microsoft.com/office/powerpoint/2012/main">
+      <p15:sldGuideLst xmlns:p15="http://schemas.microsoft.com/office/powerpoint/2012/main" xmlns="">
         <p15:guide id="1" orient="horz" pos="2160">
           <p15:clr>
             <a:srgbClr val="F26B43"/>
@@ -9171,21 +9174,21 @@
                 <a:gridCol w="3170237">
                   <a:extLst>
                     <a:ext uri="{9D8B030D-6E8A-4147-A177-3AD203B41FA5}">
-                      <a16:colId xmlns:a16="http://schemas.microsoft.com/office/drawing/2014/main" val="1262576194"/>
+                      <a16:colId xmlns:a16="http://schemas.microsoft.com/office/drawing/2014/main" xmlns="" val="1262576194"/>
                     </a:ext>
                   </a:extLst>
                 </a:gridCol>
                 <a:gridCol w="3170237">
                   <a:extLst>
                     <a:ext uri="{9D8B030D-6E8A-4147-A177-3AD203B41FA5}">
-                      <a16:colId xmlns:a16="http://schemas.microsoft.com/office/drawing/2014/main" val="1627258925"/>
+                      <a16:colId xmlns:a16="http://schemas.microsoft.com/office/drawing/2014/main" xmlns="" val="1627258925"/>
                     </a:ext>
                   </a:extLst>
                 </a:gridCol>
                 <a:gridCol w="3170237">
                   <a:extLst>
                     <a:ext uri="{9D8B030D-6E8A-4147-A177-3AD203B41FA5}">
-                      <a16:colId xmlns:a16="http://schemas.microsoft.com/office/drawing/2014/main" val="279132191"/>
+                      <a16:colId xmlns:a16="http://schemas.microsoft.com/office/drawing/2014/main" xmlns="" val="279132191"/>
                     </a:ext>
                   </a:extLst>
                 </a:gridCol>
@@ -9256,7 +9259,7 @@
                 </a:tc>
                 <a:extLst>
                   <a:ext uri="{0D108BD9-81ED-4DB2-BD59-A6C34878D82A}">
-                    <a16:rowId xmlns:a16="http://schemas.microsoft.com/office/drawing/2014/main" val="3704071744"/>
+                    <a16:rowId xmlns:a16="http://schemas.microsoft.com/office/drawing/2014/main" xmlns="" val="3704071744"/>
                   </a:ext>
                 </a:extLst>
               </a:tr>
@@ -9326,7 +9329,7 @@
                 </a:tc>
                 <a:extLst>
                   <a:ext uri="{0D108BD9-81ED-4DB2-BD59-A6C34878D82A}">
-                    <a16:rowId xmlns:a16="http://schemas.microsoft.com/office/drawing/2014/main" val="3056097180"/>
+                    <a16:rowId xmlns:a16="http://schemas.microsoft.com/office/drawing/2014/main" xmlns="" val="3056097180"/>
                   </a:ext>
                 </a:extLst>
               </a:tr>
@@ -9396,7 +9399,7 @@
                 </a:tc>
                 <a:extLst>
                   <a:ext uri="{0D108BD9-81ED-4DB2-BD59-A6C34878D82A}">
-                    <a16:rowId xmlns:a16="http://schemas.microsoft.com/office/drawing/2014/main" val="3398222936"/>
+                    <a16:rowId xmlns:a16="http://schemas.microsoft.com/office/drawing/2014/main" xmlns="" val="3398222936"/>
                   </a:ext>
                 </a:extLst>
               </a:tr>
@@ -9482,7 +9485,7 @@
                 </a:tc>
                 <a:extLst>
                   <a:ext uri="{0D108BD9-81ED-4DB2-BD59-A6C34878D82A}">
-                    <a16:rowId xmlns:a16="http://schemas.microsoft.com/office/drawing/2014/main" val="3661055458"/>
+                    <a16:rowId xmlns:a16="http://schemas.microsoft.com/office/drawing/2014/main" xmlns="" val="3661055458"/>
                   </a:ext>
                 </a:extLst>
               </a:tr>
@@ -9584,7 +9587,7 @@
                 </a:tc>
                 <a:extLst>
                   <a:ext uri="{0D108BD9-81ED-4DB2-BD59-A6C34878D82A}">
-                    <a16:rowId xmlns:a16="http://schemas.microsoft.com/office/drawing/2014/main" val="1792707014"/>
+                    <a16:rowId xmlns:a16="http://schemas.microsoft.com/office/drawing/2014/main" xmlns="" val="1792707014"/>
                   </a:ext>
                 </a:extLst>
               </a:tr>
@@ -9704,7 +9707,7 @@
                 </a:tc>
                 <a:extLst>
                   <a:ext uri="{0D108BD9-81ED-4DB2-BD59-A6C34878D82A}">
-                    <a16:rowId xmlns:a16="http://schemas.microsoft.com/office/drawing/2014/main" val="583217582"/>
+                    <a16:rowId xmlns:a16="http://schemas.microsoft.com/office/drawing/2014/main" xmlns="" val="583217582"/>
                   </a:ext>
                 </a:extLst>
               </a:tr>
@@ -10034,21 +10037,21 @@
                 <a:gridCol w="3170237">
                   <a:extLst>
                     <a:ext uri="{9D8B030D-6E8A-4147-A177-3AD203B41FA5}">
-                      <a16:colId xmlns:a16="http://schemas.microsoft.com/office/drawing/2014/main" val="1262576194"/>
+                      <a16:colId xmlns:a16="http://schemas.microsoft.com/office/drawing/2014/main" xmlns="" val="1262576194"/>
                     </a:ext>
                   </a:extLst>
                 </a:gridCol>
                 <a:gridCol w="3170237">
                   <a:extLst>
                     <a:ext uri="{9D8B030D-6E8A-4147-A177-3AD203B41FA5}">
-                      <a16:colId xmlns:a16="http://schemas.microsoft.com/office/drawing/2014/main" val="1627258925"/>
+                      <a16:colId xmlns:a16="http://schemas.microsoft.com/office/drawing/2014/main" xmlns="" val="1627258925"/>
                     </a:ext>
                   </a:extLst>
                 </a:gridCol>
                 <a:gridCol w="3170237">
                   <a:extLst>
                     <a:ext uri="{9D8B030D-6E8A-4147-A177-3AD203B41FA5}">
-                      <a16:colId xmlns:a16="http://schemas.microsoft.com/office/drawing/2014/main" val="279132191"/>
+                      <a16:colId xmlns:a16="http://schemas.microsoft.com/office/drawing/2014/main" xmlns="" val="279132191"/>
                     </a:ext>
                   </a:extLst>
                 </a:gridCol>
@@ -10119,7 +10122,7 @@
                 </a:tc>
                 <a:extLst>
                   <a:ext uri="{0D108BD9-81ED-4DB2-BD59-A6C34878D82A}">
-                    <a16:rowId xmlns:a16="http://schemas.microsoft.com/office/drawing/2014/main" val="3704071744"/>
+                    <a16:rowId xmlns:a16="http://schemas.microsoft.com/office/drawing/2014/main" xmlns="" val="3704071744"/>
                   </a:ext>
                 </a:extLst>
               </a:tr>
@@ -10189,7 +10192,7 @@
                 </a:tc>
                 <a:extLst>
                   <a:ext uri="{0D108BD9-81ED-4DB2-BD59-A6C34878D82A}">
-                    <a16:rowId xmlns:a16="http://schemas.microsoft.com/office/drawing/2014/main" val="1026023813"/>
+                    <a16:rowId xmlns:a16="http://schemas.microsoft.com/office/drawing/2014/main" xmlns="" val="1026023813"/>
                   </a:ext>
                 </a:extLst>
               </a:tr>
@@ -10205,14 +10208,7 @@
                           <a:latin typeface="宋体" panose="02010600030101010101" pitchFamily="2" charset="-122"/>
                           <a:ea typeface="宋体" panose="02010600030101010101" pitchFamily="2" charset="-122"/>
                         </a:rPr>
-                        <a:t>Hmac</a:t>
-                      </a:r>
-                      <a:r>
-                        <a:rPr lang="en-US" altLang="zh-CN" dirty="0" smtClean="0">
-                          <a:latin typeface="宋体" panose="02010600030101010101" pitchFamily="2" charset="-122"/>
-                          <a:ea typeface="宋体" panose="02010600030101010101" pitchFamily="2" charset="-122"/>
-                        </a:rPr>
-                        <a:t>SHA-1</a:t>
+                        <a:t>HmacSHA-1</a:t>
                       </a:r>
                       <a:endParaRPr lang="zh-CN" altLang="en-US" dirty="0">
                         <a:latin typeface="宋体" panose="02010600030101010101" pitchFamily="2" charset="-122"/>
@@ -10266,7 +10262,7 @@
                 </a:tc>
                 <a:extLst>
                   <a:ext uri="{0D108BD9-81ED-4DB2-BD59-A6C34878D82A}">
-                    <a16:rowId xmlns:a16="http://schemas.microsoft.com/office/drawing/2014/main" val="3056097180"/>
+                    <a16:rowId xmlns:a16="http://schemas.microsoft.com/office/drawing/2014/main" xmlns="" val="3056097180"/>
                   </a:ext>
                 </a:extLst>
               </a:tr>
@@ -10282,14 +10278,7 @@
                           <a:latin typeface="宋体" panose="02010600030101010101" pitchFamily="2" charset="-122"/>
                           <a:ea typeface="宋体" panose="02010600030101010101" pitchFamily="2" charset="-122"/>
                         </a:rPr>
-                        <a:t>Hmac</a:t>
-                      </a:r>
-                      <a:r>
-                        <a:rPr lang="en-US" altLang="zh-CN" dirty="0" smtClean="0">
-                          <a:latin typeface="宋体" panose="02010600030101010101" pitchFamily="2" charset="-122"/>
-                          <a:ea typeface="宋体" panose="02010600030101010101" pitchFamily="2" charset="-122"/>
-                        </a:rPr>
-                        <a:t>SHA-256</a:t>
+                        <a:t>HmacSHA-256</a:t>
                       </a:r>
                       <a:endParaRPr lang="zh-CN" altLang="en-US" dirty="0">
                         <a:latin typeface="宋体" panose="02010600030101010101" pitchFamily="2" charset="-122"/>
@@ -10343,7 +10332,7 @@
                 </a:tc>
                 <a:extLst>
                   <a:ext uri="{0D108BD9-81ED-4DB2-BD59-A6C34878D82A}">
-                    <a16:rowId xmlns:a16="http://schemas.microsoft.com/office/drawing/2014/main" val="3398222936"/>
+                    <a16:rowId xmlns:a16="http://schemas.microsoft.com/office/drawing/2014/main" xmlns="" val="3398222936"/>
                   </a:ext>
                 </a:extLst>
               </a:tr>
@@ -10429,7 +10418,7 @@
                 </a:tc>
                 <a:extLst>
                   <a:ext uri="{0D108BD9-81ED-4DB2-BD59-A6C34878D82A}">
-                    <a16:rowId xmlns:a16="http://schemas.microsoft.com/office/drawing/2014/main" val="3661055458"/>
+                    <a16:rowId xmlns:a16="http://schemas.microsoft.com/office/drawing/2014/main" xmlns="" val="3661055458"/>
                   </a:ext>
                 </a:extLst>
               </a:tr>
@@ -10531,7 +10520,7 @@
                 </a:tc>
                 <a:extLst>
                   <a:ext uri="{0D108BD9-81ED-4DB2-BD59-A6C34878D82A}">
-                    <a16:rowId xmlns:a16="http://schemas.microsoft.com/office/drawing/2014/main" val="1792707014"/>
+                    <a16:rowId xmlns:a16="http://schemas.microsoft.com/office/drawing/2014/main" xmlns="" val="1792707014"/>
                   </a:ext>
                 </a:extLst>
               </a:tr>
@@ -10645,7 +10634,7 @@
                 </a:tc>
                 <a:extLst>
                   <a:ext uri="{0D108BD9-81ED-4DB2-BD59-A6C34878D82A}">
-                    <a16:rowId xmlns:a16="http://schemas.microsoft.com/office/drawing/2014/main" val="1883377276"/>
+                    <a16:rowId xmlns:a16="http://schemas.microsoft.com/office/drawing/2014/main" xmlns="" val="1883377276"/>
                   </a:ext>
                 </a:extLst>
               </a:tr>
@@ -10765,7 +10754,7 @@
                 </a:tc>
                 <a:extLst>
                   <a:ext uri="{0D108BD9-81ED-4DB2-BD59-A6C34878D82A}">
-                    <a16:rowId xmlns:a16="http://schemas.microsoft.com/office/drawing/2014/main" val="4018932841"/>
+                    <a16:rowId xmlns:a16="http://schemas.microsoft.com/office/drawing/2014/main" xmlns="" val="4018932841"/>
                   </a:ext>
                 </a:extLst>
               </a:tr>
@@ -10885,7 +10874,7 @@
                 </a:tc>
                 <a:extLst>
                   <a:ext uri="{0D108BD9-81ED-4DB2-BD59-A6C34878D82A}">
-                    <a16:rowId xmlns:a16="http://schemas.microsoft.com/office/drawing/2014/main" val="2814549111"/>
+                    <a16:rowId xmlns:a16="http://schemas.microsoft.com/office/drawing/2014/main" xmlns="" val="2814549111"/>
                   </a:ext>
                 </a:extLst>
               </a:tr>
@@ -11128,15 +11117,7 @@
                   <a:srgbClr val="0070C0"/>
                 </a:solidFill>
               </a:rPr>
-              <a:t> </a:t>
-            </a:r>
-            <a:r>
-              <a:rPr lang="en-US" altLang="zh-CN" sz="1600" dirty="0">
-                <a:solidFill>
-                  <a:srgbClr val="0070C0"/>
-                </a:solidFill>
-              </a:rPr>
-              <a:t>  </a:t>
+              <a:t>   </a:t>
             </a:r>
             <a:r>
               <a:rPr lang="en-US" altLang="zh-CN" sz="1600" dirty="0" smtClean="0">
@@ -11177,15 +11158,7 @@
                   <a:srgbClr val="0070C0"/>
                 </a:solidFill>
               </a:rPr>
-              <a:t> </a:t>
-            </a:r>
-            <a:r>
-              <a:rPr lang="en-US" altLang="zh-CN" sz="1600" dirty="0">
-                <a:solidFill>
-                  <a:srgbClr val="0070C0"/>
-                </a:solidFill>
-              </a:rPr>
-              <a:t>  </a:t>
+              <a:t>   </a:t>
             </a:r>
             <a:r>
               <a:rPr lang="zh-CN" altLang="en-US" sz="1600" dirty="0">
@@ -11404,35 +11377,35 @@
                 <a:gridCol w="1996575">
                   <a:extLst>
                     <a:ext uri="{9D8B030D-6E8A-4147-A177-3AD203B41FA5}">
-                      <a16:colId xmlns:a16="http://schemas.microsoft.com/office/drawing/2014/main" val="1393900185"/>
+                      <a16:colId xmlns:a16="http://schemas.microsoft.com/office/drawing/2014/main" xmlns="" val="1393900185"/>
                     </a:ext>
                   </a:extLst>
                 </a:gridCol>
                 <a:gridCol w="1188456">
                   <a:extLst>
                     <a:ext uri="{9D8B030D-6E8A-4147-A177-3AD203B41FA5}">
-                      <a16:colId xmlns:a16="http://schemas.microsoft.com/office/drawing/2014/main" val="3389078971"/>
+                      <a16:colId xmlns:a16="http://schemas.microsoft.com/office/drawing/2014/main" xmlns="" val="3389078971"/>
                     </a:ext>
                   </a:extLst>
                 </a:gridCol>
                 <a:gridCol w="1181288">
                   <a:extLst>
                     <a:ext uri="{9D8B030D-6E8A-4147-A177-3AD203B41FA5}">
-                      <a16:colId xmlns:a16="http://schemas.microsoft.com/office/drawing/2014/main" val="655618677"/>
+                      <a16:colId xmlns:a16="http://schemas.microsoft.com/office/drawing/2014/main" xmlns="" val="655618677"/>
                     </a:ext>
                   </a:extLst>
                 </a:gridCol>
                 <a:gridCol w="2831419">
                   <a:extLst>
                     <a:ext uri="{9D8B030D-6E8A-4147-A177-3AD203B41FA5}">
-                      <a16:colId xmlns:a16="http://schemas.microsoft.com/office/drawing/2014/main" val="502106572"/>
+                      <a16:colId xmlns:a16="http://schemas.microsoft.com/office/drawing/2014/main" xmlns="" val="502106572"/>
                     </a:ext>
                   </a:extLst>
                 </a:gridCol>
                 <a:gridCol w="2785137">
                   <a:extLst>
                     <a:ext uri="{9D8B030D-6E8A-4147-A177-3AD203B41FA5}">
-                      <a16:colId xmlns:a16="http://schemas.microsoft.com/office/drawing/2014/main" val="2796583417"/>
+                      <a16:colId xmlns:a16="http://schemas.microsoft.com/office/drawing/2014/main" xmlns="" val="2796583417"/>
                     </a:ext>
                   </a:extLst>
                 </a:gridCol>
@@ -11752,7 +11725,7 @@
                 </a:tc>
                 <a:extLst>
                   <a:ext uri="{0D108BD9-81ED-4DB2-BD59-A6C34878D82A}">
-                    <a16:rowId xmlns:a16="http://schemas.microsoft.com/office/drawing/2014/main" val="222512411"/>
+                    <a16:rowId xmlns:a16="http://schemas.microsoft.com/office/drawing/2014/main" xmlns="" val="222512411"/>
                   </a:ext>
                 </a:extLst>
               </a:tr>
@@ -12189,7 +12162,7 @@
                 </a:tc>
                 <a:extLst>
                   <a:ext uri="{0D108BD9-81ED-4DB2-BD59-A6C34878D82A}">
-                    <a16:rowId xmlns:a16="http://schemas.microsoft.com/office/drawing/2014/main" val="2478292743"/>
+                    <a16:rowId xmlns:a16="http://schemas.microsoft.com/office/drawing/2014/main" xmlns="" val="2478292743"/>
                   </a:ext>
                 </a:extLst>
               </a:tr>
@@ -12568,7 +12541,7 @@
                 </a:tc>
                 <a:extLst>
                   <a:ext uri="{0D108BD9-81ED-4DB2-BD59-A6C34878D82A}">
-                    <a16:rowId xmlns:a16="http://schemas.microsoft.com/office/drawing/2014/main" val="3999082340"/>
+                    <a16:rowId xmlns:a16="http://schemas.microsoft.com/office/drawing/2014/main" xmlns="" val="3999082340"/>
                   </a:ext>
                 </a:extLst>
               </a:tr>
@@ -12697,35 +12670,35 @@
                 <a:gridCol w="1996575">
                   <a:extLst>
                     <a:ext uri="{9D8B030D-6E8A-4147-A177-3AD203B41FA5}">
-                      <a16:colId xmlns:a16="http://schemas.microsoft.com/office/drawing/2014/main" val="1393900185"/>
+                      <a16:colId xmlns:a16="http://schemas.microsoft.com/office/drawing/2014/main" xmlns="" val="1393900185"/>
                     </a:ext>
                   </a:extLst>
                 </a:gridCol>
                 <a:gridCol w="1188456">
                   <a:extLst>
                     <a:ext uri="{9D8B030D-6E8A-4147-A177-3AD203B41FA5}">
-                      <a16:colId xmlns:a16="http://schemas.microsoft.com/office/drawing/2014/main" val="3389078971"/>
+                      <a16:colId xmlns:a16="http://schemas.microsoft.com/office/drawing/2014/main" xmlns="" val="3389078971"/>
                     </a:ext>
                   </a:extLst>
                 </a:gridCol>
                 <a:gridCol w="1181288">
                   <a:extLst>
                     <a:ext uri="{9D8B030D-6E8A-4147-A177-3AD203B41FA5}">
-                      <a16:colId xmlns:a16="http://schemas.microsoft.com/office/drawing/2014/main" val="655618677"/>
+                      <a16:colId xmlns:a16="http://schemas.microsoft.com/office/drawing/2014/main" xmlns="" val="655618677"/>
                     </a:ext>
                   </a:extLst>
                 </a:gridCol>
                 <a:gridCol w="2831419">
                   <a:extLst>
                     <a:ext uri="{9D8B030D-6E8A-4147-A177-3AD203B41FA5}">
-                      <a16:colId xmlns:a16="http://schemas.microsoft.com/office/drawing/2014/main" val="502106572"/>
+                      <a16:colId xmlns:a16="http://schemas.microsoft.com/office/drawing/2014/main" xmlns="" val="502106572"/>
                     </a:ext>
                   </a:extLst>
                 </a:gridCol>
                 <a:gridCol w="2785137">
                   <a:extLst>
                     <a:ext uri="{9D8B030D-6E8A-4147-A177-3AD203B41FA5}">
-                      <a16:colId xmlns:a16="http://schemas.microsoft.com/office/drawing/2014/main" val="2796583417"/>
+                      <a16:colId xmlns:a16="http://schemas.microsoft.com/office/drawing/2014/main" xmlns="" val="2796583417"/>
                     </a:ext>
                   </a:extLst>
                 </a:gridCol>
@@ -13045,7 +13018,7 @@
                 </a:tc>
                 <a:extLst>
                   <a:ext uri="{0D108BD9-81ED-4DB2-BD59-A6C34878D82A}">
-                    <a16:rowId xmlns:a16="http://schemas.microsoft.com/office/drawing/2014/main" val="222512411"/>
+                    <a16:rowId xmlns:a16="http://schemas.microsoft.com/office/drawing/2014/main" xmlns="" val="222512411"/>
                   </a:ext>
                 </a:extLst>
               </a:tr>
@@ -13496,7 +13469,7 @@
                 </a:tc>
                 <a:extLst>
                   <a:ext uri="{0D108BD9-81ED-4DB2-BD59-A6C34878D82A}">
-                    <a16:rowId xmlns:a16="http://schemas.microsoft.com/office/drawing/2014/main" val="2478292743"/>
+                    <a16:rowId xmlns:a16="http://schemas.microsoft.com/office/drawing/2014/main" xmlns="" val="2478292743"/>
                   </a:ext>
                 </a:extLst>
               </a:tr>
@@ -13889,7 +13862,7 @@
                 </a:tc>
                 <a:extLst>
                   <a:ext uri="{0D108BD9-81ED-4DB2-BD59-A6C34878D82A}">
-                    <a16:rowId xmlns:a16="http://schemas.microsoft.com/office/drawing/2014/main" val="3999082340"/>
+                    <a16:rowId xmlns:a16="http://schemas.microsoft.com/office/drawing/2014/main" xmlns="" val="3999082340"/>
                   </a:ext>
                 </a:extLst>
               </a:tr>
@@ -13998,35 +13971,35 @@
                 <a:gridCol w="1996575">
                   <a:extLst>
                     <a:ext uri="{9D8B030D-6E8A-4147-A177-3AD203B41FA5}">
-                      <a16:colId xmlns:a16="http://schemas.microsoft.com/office/drawing/2014/main" val="1393900185"/>
+                      <a16:colId xmlns:a16="http://schemas.microsoft.com/office/drawing/2014/main" xmlns="" val="1393900185"/>
                     </a:ext>
                   </a:extLst>
                 </a:gridCol>
                 <a:gridCol w="1188456">
                   <a:extLst>
                     <a:ext uri="{9D8B030D-6E8A-4147-A177-3AD203B41FA5}">
-                      <a16:colId xmlns:a16="http://schemas.microsoft.com/office/drawing/2014/main" val="3389078971"/>
+                      <a16:colId xmlns:a16="http://schemas.microsoft.com/office/drawing/2014/main" xmlns="" val="3389078971"/>
                     </a:ext>
                   </a:extLst>
                 </a:gridCol>
                 <a:gridCol w="1181288">
                   <a:extLst>
                     <a:ext uri="{9D8B030D-6E8A-4147-A177-3AD203B41FA5}">
-                      <a16:colId xmlns:a16="http://schemas.microsoft.com/office/drawing/2014/main" val="655618677"/>
+                      <a16:colId xmlns:a16="http://schemas.microsoft.com/office/drawing/2014/main" xmlns="" val="655618677"/>
                     </a:ext>
                   </a:extLst>
                 </a:gridCol>
                 <a:gridCol w="2831419">
                   <a:extLst>
                     <a:ext uri="{9D8B030D-6E8A-4147-A177-3AD203B41FA5}">
-                      <a16:colId xmlns:a16="http://schemas.microsoft.com/office/drawing/2014/main" val="502106572"/>
+                      <a16:colId xmlns:a16="http://schemas.microsoft.com/office/drawing/2014/main" xmlns="" val="502106572"/>
                     </a:ext>
                   </a:extLst>
                 </a:gridCol>
                 <a:gridCol w="2785137">
                   <a:extLst>
                     <a:ext uri="{9D8B030D-6E8A-4147-A177-3AD203B41FA5}">
-                      <a16:colId xmlns:a16="http://schemas.microsoft.com/office/drawing/2014/main" val="2796583417"/>
+                      <a16:colId xmlns:a16="http://schemas.microsoft.com/office/drawing/2014/main" xmlns="" val="2796583417"/>
                     </a:ext>
                   </a:extLst>
                 </a:gridCol>
@@ -14346,7 +14319,7 @@
                 </a:tc>
                 <a:extLst>
                   <a:ext uri="{0D108BD9-81ED-4DB2-BD59-A6C34878D82A}">
-                    <a16:rowId xmlns:a16="http://schemas.microsoft.com/office/drawing/2014/main" val="222512411"/>
+                    <a16:rowId xmlns:a16="http://schemas.microsoft.com/office/drawing/2014/main" xmlns="" val="222512411"/>
                   </a:ext>
                 </a:extLst>
               </a:tr>
@@ -14820,7 +14793,7 @@
                 </a:tc>
                 <a:extLst>
                   <a:ext uri="{0D108BD9-81ED-4DB2-BD59-A6C34878D82A}">
-                    <a16:rowId xmlns:a16="http://schemas.microsoft.com/office/drawing/2014/main" val="2478292743"/>
+                    <a16:rowId xmlns:a16="http://schemas.microsoft.com/office/drawing/2014/main" xmlns="" val="2478292743"/>
                   </a:ext>
                 </a:extLst>
               </a:tr>
@@ -15181,7 +15154,7 @@
                 </a:tc>
                 <a:extLst>
                   <a:ext uri="{0D108BD9-81ED-4DB2-BD59-A6C34878D82A}">
-                    <a16:rowId xmlns:a16="http://schemas.microsoft.com/office/drawing/2014/main" val="3999082340"/>
+                    <a16:rowId xmlns:a16="http://schemas.microsoft.com/office/drawing/2014/main" xmlns="" val="3999082340"/>
                   </a:ext>
                 </a:extLst>
               </a:tr>
@@ -15421,35 +15394,35 @@
                 <a:gridCol w="1902142">
                   <a:extLst>
                     <a:ext uri="{9D8B030D-6E8A-4147-A177-3AD203B41FA5}">
-                      <a16:colId xmlns:a16="http://schemas.microsoft.com/office/drawing/2014/main" val="1270668206"/>
+                      <a16:colId xmlns:a16="http://schemas.microsoft.com/office/drawing/2014/main" xmlns="" val="1270668206"/>
                     </a:ext>
                   </a:extLst>
                 </a:gridCol>
                 <a:gridCol w="1902142">
                   <a:extLst>
                     <a:ext uri="{9D8B030D-6E8A-4147-A177-3AD203B41FA5}">
-                      <a16:colId xmlns:a16="http://schemas.microsoft.com/office/drawing/2014/main" val="1083689566"/>
+                      <a16:colId xmlns:a16="http://schemas.microsoft.com/office/drawing/2014/main" xmlns="" val="1083689566"/>
                     </a:ext>
                   </a:extLst>
                 </a:gridCol>
                 <a:gridCol w="1902142">
                   <a:extLst>
                     <a:ext uri="{9D8B030D-6E8A-4147-A177-3AD203B41FA5}">
-                      <a16:colId xmlns:a16="http://schemas.microsoft.com/office/drawing/2014/main" val="491322313"/>
+                      <a16:colId xmlns:a16="http://schemas.microsoft.com/office/drawing/2014/main" xmlns="" val="491322313"/>
                     </a:ext>
                   </a:extLst>
                 </a:gridCol>
                 <a:gridCol w="1902142">
                   <a:extLst>
                     <a:ext uri="{9D8B030D-6E8A-4147-A177-3AD203B41FA5}">
-                      <a16:colId xmlns:a16="http://schemas.microsoft.com/office/drawing/2014/main" val="2519024925"/>
+                      <a16:colId xmlns:a16="http://schemas.microsoft.com/office/drawing/2014/main" xmlns="" val="2519024925"/>
                     </a:ext>
                   </a:extLst>
                 </a:gridCol>
                 <a:gridCol w="1902142">
                   <a:extLst>
                     <a:ext uri="{9D8B030D-6E8A-4147-A177-3AD203B41FA5}">
-                      <a16:colId xmlns:a16="http://schemas.microsoft.com/office/drawing/2014/main" val="4198837936"/>
+                      <a16:colId xmlns:a16="http://schemas.microsoft.com/office/drawing/2014/main" xmlns="" val="4198837936"/>
                     </a:ext>
                   </a:extLst>
                 </a:gridCol>
@@ -15562,7 +15535,7 @@
                 </a:tc>
                 <a:extLst>
                   <a:ext uri="{0D108BD9-81ED-4DB2-BD59-A6C34878D82A}">
-                    <a16:rowId xmlns:a16="http://schemas.microsoft.com/office/drawing/2014/main" val="54892672"/>
+                    <a16:rowId xmlns:a16="http://schemas.microsoft.com/office/drawing/2014/main" xmlns="" val="54892672"/>
                   </a:ext>
                 </a:extLst>
               </a:tr>
@@ -15688,7 +15661,7 @@
                 </a:tc>
                 <a:extLst>
                   <a:ext uri="{0D108BD9-81ED-4DB2-BD59-A6C34878D82A}">
-                    <a16:rowId xmlns:a16="http://schemas.microsoft.com/office/drawing/2014/main" val="644525124"/>
+                    <a16:rowId xmlns:a16="http://schemas.microsoft.com/office/drawing/2014/main" xmlns="" val="644525124"/>
                   </a:ext>
                 </a:extLst>
               </a:tr>
@@ -15842,7 +15815,7 @@
                 </a:tc>
                 <a:extLst>
                   <a:ext uri="{0D108BD9-81ED-4DB2-BD59-A6C34878D82A}">
-                    <a16:rowId xmlns:a16="http://schemas.microsoft.com/office/drawing/2014/main" val="1441979899"/>
+                    <a16:rowId xmlns:a16="http://schemas.microsoft.com/office/drawing/2014/main" xmlns="" val="1441979899"/>
                   </a:ext>
                 </a:extLst>
               </a:tr>
@@ -15982,7 +15955,7 @@
                 </a:tc>
                 <a:extLst>
                   <a:ext uri="{0D108BD9-81ED-4DB2-BD59-A6C34878D82A}">
-                    <a16:rowId xmlns:a16="http://schemas.microsoft.com/office/drawing/2014/main" val="2067020072"/>
+                    <a16:rowId xmlns:a16="http://schemas.microsoft.com/office/drawing/2014/main" xmlns="" val="2067020072"/>
                   </a:ext>
                 </a:extLst>
               </a:tr>
@@ -16056,11 +16029,7 @@
           <a:p>
             <a:r>
               <a:rPr lang="zh-CN" altLang="en-US" dirty="0" smtClean="0"/>
-              <a:t>非对称</a:t>
-            </a:r>
-            <a:r>
-              <a:rPr lang="zh-CN" altLang="en-US" dirty="0" smtClean="0"/>
-              <a:t>加密</a:t>
+              <a:t>非对称加密</a:t>
             </a:r>
             <a:endParaRPr lang="zh-CN" altLang="en-US" dirty="0"/>
           </a:p>
@@ -16314,15 +16283,7 @@
                   <a:srgbClr val="0070C0"/>
                 </a:solidFill>
               </a:rPr>
-              <a:t> </a:t>
-            </a:r>
-            <a:r>
-              <a:rPr lang="en-US" altLang="zh-CN" sz="1600" dirty="0">
-                <a:solidFill>
-                  <a:srgbClr val="0070C0"/>
-                </a:solidFill>
-              </a:rPr>
-              <a:t>  </a:t>
+              <a:t>   </a:t>
             </a:r>
             <a:r>
               <a:rPr lang="zh-CN" altLang="en-US" sz="1600" dirty="0" smtClean="0">
@@ -16700,35 +16661,35 @@
                 <a:gridCol w="2080982">
                   <a:extLst>
                     <a:ext uri="{9D8B030D-6E8A-4147-A177-3AD203B41FA5}">
-                      <a16:colId xmlns:a16="http://schemas.microsoft.com/office/drawing/2014/main" val="1393900185"/>
+                      <a16:colId xmlns:a16="http://schemas.microsoft.com/office/drawing/2014/main" xmlns="" val="1393900185"/>
                     </a:ext>
                   </a:extLst>
                 </a:gridCol>
                 <a:gridCol w="1238699">
                   <a:extLst>
                     <a:ext uri="{9D8B030D-6E8A-4147-A177-3AD203B41FA5}">
-                      <a16:colId xmlns:a16="http://schemas.microsoft.com/office/drawing/2014/main" val="3389078971"/>
+                      <a16:colId xmlns:a16="http://schemas.microsoft.com/office/drawing/2014/main" xmlns="" val="3389078971"/>
                     </a:ext>
                   </a:extLst>
                 </a:gridCol>
                 <a:gridCol w="1231228">
                   <a:extLst>
                     <a:ext uri="{9D8B030D-6E8A-4147-A177-3AD203B41FA5}">
-                      <a16:colId xmlns:a16="http://schemas.microsoft.com/office/drawing/2014/main" val="655618677"/>
+                      <a16:colId xmlns:a16="http://schemas.microsoft.com/office/drawing/2014/main" xmlns="" val="655618677"/>
                     </a:ext>
                   </a:extLst>
                 </a:gridCol>
                 <a:gridCol w="1337979">
                   <a:extLst>
                     <a:ext uri="{9D8B030D-6E8A-4147-A177-3AD203B41FA5}">
-                      <a16:colId xmlns:a16="http://schemas.microsoft.com/office/drawing/2014/main" val="502106572"/>
+                      <a16:colId xmlns:a16="http://schemas.microsoft.com/office/drawing/2014/main" xmlns="" val="502106572"/>
                     </a:ext>
                   </a:extLst>
                 </a:gridCol>
                 <a:gridCol w="4516021">
                   <a:extLst>
                     <a:ext uri="{9D8B030D-6E8A-4147-A177-3AD203B41FA5}">
-                      <a16:colId xmlns:a16="http://schemas.microsoft.com/office/drawing/2014/main" val="2796583417"/>
+                      <a16:colId xmlns:a16="http://schemas.microsoft.com/office/drawing/2014/main" xmlns="" val="2796583417"/>
                     </a:ext>
                   </a:extLst>
                 </a:gridCol>
@@ -17048,7 +17009,7 @@
                 </a:tc>
                 <a:extLst>
                   <a:ext uri="{0D108BD9-81ED-4DB2-BD59-A6C34878D82A}">
-                    <a16:rowId xmlns:a16="http://schemas.microsoft.com/office/drawing/2014/main" val="222512411"/>
+                    <a16:rowId xmlns:a16="http://schemas.microsoft.com/office/drawing/2014/main" xmlns="" val="222512411"/>
                   </a:ext>
                 </a:extLst>
               </a:tr>
@@ -17433,7 +17394,7 @@
                 </a:tc>
                 <a:extLst>
                   <a:ext uri="{0D108BD9-81ED-4DB2-BD59-A6C34878D82A}">
-                    <a16:rowId xmlns:a16="http://schemas.microsoft.com/office/drawing/2014/main" val="2478292743"/>
+                    <a16:rowId xmlns:a16="http://schemas.microsoft.com/office/drawing/2014/main" xmlns="" val="2478292743"/>
                   </a:ext>
                 </a:extLst>
               </a:tr>
@@ -17736,7 +17697,7 @@
                 </a:tc>
                 <a:extLst>
                   <a:ext uri="{0D108BD9-81ED-4DB2-BD59-A6C34878D82A}">
-                    <a16:rowId xmlns:a16="http://schemas.microsoft.com/office/drawing/2014/main" val="3999082340"/>
+                    <a16:rowId xmlns:a16="http://schemas.microsoft.com/office/drawing/2014/main" xmlns="" val="3999082340"/>
                   </a:ext>
                 </a:extLst>
               </a:tr>
@@ -17809,6 +17770,1400 @@
           <a:lstStyle/>
           <a:p>
             <a:r>
+              <a:rPr lang="zh-CN" altLang="en-US" dirty="0"/>
+              <a:t>密</a:t>
+            </a:r>
+            <a:r>
+              <a:rPr lang="zh-CN" altLang="en-US" dirty="0" smtClean="0"/>
+              <a:t>钥协商</a:t>
+            </a:r>
+            <a:endParaRPr lang="zh-CN" altLang="en-US" dirty="0"/>
+          </a:p>
+        </p:txBody>
+      </p:sp>
+      <p:pic>
+        <p:nvPicPr>
+          <p:cNvPr id="1028" name="Picture 4"/>
+          <p:cNvPicPr>
+            <a:picLocks noGrp="1" noChangeAspect="1" noChangeArrowheads="1"/>
+          </p:cNvPicPr>
+          <p:nvPr>
+            <p:ph idx="1"/>
+          </p:nvPr>
+        </p:nvPicPr>
+        <p:blipFill>
+          <a:blip r:embed="rId2">
+            <a:extLst>
+              <a:ext uri="{28A0092B-C50C-407E-A947-70E740481C1C}">
+                <a14:useLocalDpi xmlns:a14="http://schemas.microsoft.com/office/drawing/2010/main" val="0"/>
+              </a:ext>
+            </a:extLst>
+          </a:blip>
+          <a:srcRect/>
+          <a:stretch>
+            <a:fillRect/>
+          </a:stretch>
+        </p:blipFill>
+        <p:spPr bwMode="auto">
+          <a:xfrm>
+            <a:off x="4376025" y="1573213"/>
+            <a:ext cx="3643849" cy="4494830"/>
+          </a:xfrm>
+          <a:prstGeom prst="rect">
+            <a:avLst/>
+          </a:prstGeom>
+          <a:noFill/>
+          <a:ln>
+            <a:noFill/>
+          </a:ln>
+          <a:effectLst/>
+          <a:extLst>
+            <a:ext uri="{909E8E84-426E-40DD-AFC4-6F175D3DCCD1}">
+              <a14:hiddenFill xmlns:a14="http://schemas.microsoft.com/office/drawing/2010/main">
+                <a:solidFill>
+                  <a:schemeClr val="accent1"/>
+                </a:solidFill>
+              </a14:hiddenFill>
+            </a:ext>
+            <a:ext uri="{91240B29-F687-4F45-9708-019B960494DF}">
+              <a14:hiddenLine xmlns:a14="http://schemas.microsoft.com/office/drawing/2010/main" w="9525">
+                <a:solidFill>
+                  <a:schemeClr val="tx1"/>
+                </a:solidFill>
+                <a:miter lim="800000"/>
+                <a:headEnd/>
+                <a:tailEnd/>
+              </a14:hiddenLine>
+            </a:ext>
+            <a:ext uri="{AF507438-7753-43E0-B8FC-AC1667EBCBE1}">
+              <a14:hiddenEffects xmlns:a14="http://schemas.microsoft.com/office/drawing/2010/main">
+                <a:effectLst>
+                  <a:outerShdw dist="35921" dir="2700000" algn="ctr" rotWithShape="0">
+                    <a:schemeClr val="bg2"/>
+                  </a:outerShdw>
+                </a:effectLst>
+              </a14:hiddenEffects>
+            </a:ext>
+          </a:extLst>
+        </p:spPr>
+      </p:pic>
+    </p:spTree>
+    <p:extLst>
+      <p:ext uri="{BB962C8B-B14F-4D97-AF65-F5344CB8AC3E}">
+        <p14:creationId xmlns:p14="http://schemas.microsoft.com/office/powerpoint/2010/main" val="3323402878"/>
+      </p:ext>
+    </p:extLst>
+  </p:cSld>
+  <p:clrMapOvr>
+    <a:masterClrMapping/>
+  </p:clrMapOvr>
+  <mc:AlternateContent xmlns:mc="http://schemas.openxmlformats.org/markup-compatibility/2006" xmlns:p14="http://schemas.microsoft.com/office/powerpoint/2010/main">
+    <mc:Choice Requires="p14">
+      <p:transition spd="med" p14:dur="700">
+        <p:fade/>
+      </p:transition>
+    </mc:Choice>
+    <mc:Fallback xmlns="">
+      <p:transition spd="med">
+        <p:fade/>
+      </p:transition>
+    </mc:Fallback>
+  </mc:AlternateContent>
+  <p:timing>
+    <p:tnLst>
+      <p:par>
+        <p:cTn id="1" dur="indefinite" restart="never" nodeType="tmRoot"/>
+      </p:par>
+    </p:tnLst>
+  </p:timing>
+</p:sld>
+</file>
+
+<file path=ppt/slides/slide23.xml><?xml version="1.0" encoding="utf-8"?>
+<p:sld xmlns:a="http://schemas.openxmlformats.org/drawingml/2006/main" xmlns:r="http://schemas.openxmlformats.org/officeDocument/2006/relationships" xmlns:p="http://schemas.openxmlformats.org/presentationml/2006/main">
+  <p:cSld>
+    <p:spTree>
+      <p:nvGrpSpPr>
+        <p:cNvPr id="1" name=""/>
+        <p:cNvGrpSpPr/>
+        <p:nvPr/>
+      </p:nvGrpSpPr>
+      <p:grpSpPr>
+        <a:xfrm>
+          <a:off x="0" y="0"/>
+          <a:ext cx="0" cy="0"/>
+          <a:chOff x="0" y="0"/>
+          <a:chExt cx="0" cy="0"/>
+        </a:xfrm>
+      </p:grpSpPr>
+      <p:sp>
+        <p:nvSpPr>
+          <p:cNvPr id="2" name="标题 1"/>
+          <p:cNvSpPr>
+            <a:spLocks noGrp="1"/>
+          </p:cNvSpPr>
+          <p:nvPr>
+            <p:ph type="title"/>
+          </p:nvPr>
+        </p:nvSpPr>
+        <p:spPr/>
+        <p:txBody>
+          <a:bodyPr/>
+          <a:lstStyle/>
+          <a:p>
+            <a:r>
+              <a:rPr lang="zh-CN" altLang="en-US" dirty="0" smtClean="0"/>
+              <a:t>数字签名</a:t>
+            </a:r>
+            <a:endParaRPr lang="zh-CN" altLang="en-US" dirty="0"/>
+          </a:p>
+        </p:txBody>
+      </p:sp>
+      <p:sp>
+        <p:nvSpPr>
+          <p:cNvPr id="3" name="内容占位符 2"/>
+          <p:cNvSpPr>
+            <a:spLocks noGrp="1"/>
+          </p:cNvSpPr>
+          <p:nvPr>
+            <p:ph idx="1"/>
+          </p:nvPr>
+        </p:nvSpPr>
+        <p:spPr/>
+        <p:txBody>
+          <a:bodyPr/>
+          <a:lstStyle/>
+          <a:p>
+            <a:endParaRPr lang="zh-CN" altLang="en-US" dirty="0"/>
+          </a:p>
+        </p:txBody>
+      </p:sp>
+    </p:spTree>
+    <p:extLst>
+      <p:ext uri="{BB962C8B-B14F-4D97-AF65-F5344CB8AC3E}">
+        <p14:creationId xmlns:p14="http://schemas.microsoft.com/office/powerpoint/2010/main" val="622412209"/>
+      </p:ext>
+    </p:extLst>
+  </p:cSld>
+  <p:clrMapOvr>
+    <a:masterClrMapping/>
+  </p:clrMapOvr>
+  <mc:AlternateContent xmlns:mc="http://schemas.openxmlformats.org/markup-compatibility/2006" xmlns:p14="http://schemas.microsoft.com/office/powerpoint/2010/main">
+    <mc:Choice Requires="p14">
+      <p:transition spd="med" p14:dur="700">
+        <p:fade/>
+      </p:transition>
+    </mc:Choice>
+    <mc:Fallback xmlns="">
+      <p:transition spd="med">
+        <p:fade/>
+      </p:transition>
+    </mc:Fallback>
+  </mc:AlternateContent>
+</p:sld>
+</file>
+
+<file path=ppt/slides/slide24.xml><?xml version="1.0" encoding="utf-8"?>
+<p:sld xmlns:a="http://schemas.openxmlformats.org/drawingml/2006/main" xmlns:r="http://schemas.openxmlformats.org/officeDocument/2006/relationships" xmlns:p="http://schemas.openxmlformats.org/presentationml/2006/main">
+  <p:cSld>
+    <p:spTree>
+      <p:nvGrpSpPr>
+        <p:cNvPr id="1" name=""/>
+        <p:cNvGrpSpPr/>
+        <p:nvPr/>
+      </p:nvGrpSpPr>
+      <p:grpSpPr>
+        <a:xfrm>
+          <a:off x="0" y="0"/>
+          <a:ext cx="0" cy="0"/>
+          <a:chOff x="0" y="0"/>
+          <a:chExt cx="0" cy="0"/>
+        </a:xfrm>
+      </p:grpSpPr>
+      <p:sp>
+        <p:nvSpPr>
+          <p:cNvPr id="2" name="标题 1"/>
+          <p:cNvSpPr>
+            <a:spLocks noGrp="1"/>
+          </p:cNvSpPr>
+          <p:nvPr>
+            <p:ph type="title"/>
+          </p:nvPr>
+        </p:nvSpPr>
+        <p:spPr/>
+        <p:txBody>
+          <a:bodyPr/>
+          <a:lstStyle/>
+          <a:p>
+            <a:r>
+              <a:rPr lang="en-US" altLang="zh-CN" dirty="0"/>
+              <a:t>RSA</a:t>
+            </a:r>
+            <a:r>
+              <a:rPr lang="zh-CN" altLang="en-US" dirty="0" smtClean="0"/>
+              <a:t>系</a:t>
+            </a:r>
+            <a:r>
+              <a:rPr lang="zh-CN" altLang="en-US" dirty="0" smtClean="0"/>
+              <a:t>列</a:t>
+            </a:r>
+            <a:endParaRPr lang="zh-CN" altLang="en-US" dirty="0"/>
+          </a:p>
+        </p:txBody>
+      </p:sp>
+      <p:graphicFrame>
+        <p:nvGraphicFramePr>
+          <p:cNvPr id="4" name="内容占位符 3"/>
+          <p:cNvGraphicFramePr>
+            <a:graphicFrameLocks noGrp="1"/>
+          </p:cNvGraphicFramePr>
+          <p:nvPr>
+            <p:ph idx="1"/>
+            <p:extLst>
+              <p:ext uri="{D42A27DB-BD31-4B8C-83A1-F6EECF244321}">
+                <p14:modId xmlns:p14="http://schemas.microsoft.com/office/powerpoint/2010/main" val="2403102614"/>
+              </p:ext>
+            </p:extLst>
+          </p:nvPr>
+        </p:nvGraphicFramePr>
+        <p:xfrm>
+          <a:off x="1341438" y="1448018"/>
+          <a:ext cx="9510710" cy="4140640"/>
+        </p:xfrm>
+        <a:graphic>
+          <a:graphicData uri="http://schemas.openxmlformats.org/drawingml/2006/table">
+            <a:tbl>
+              <a:tblPr firstRow="1" bandRow="1">
+                <a:tableStyleId>{08FB837D-C827-4EFA-A057-4D05807E0F7C}</a:tableStyleId>
+              </a:tblPr>
+              <a:tblGrid>
+                <a:gridCol w="2056103">
+                  <a:extLst>
+                    <a:ext uri="{9D8B030D-6E8A-4147-A177-3AD203B41FA5}">
+                      <a16:colId xmlns:a16="http://schemas.microsoft.com/office/drawing/2014/main" xmlns="" val="1262576194"/>
+                    </a:ext>
+                  </a:extLst>
+                </a:gridCol>
+                <a:gridCol w="1182848"/>
+                <a:gridCol w="1820411"/>
+                <a:gridCol w="1350628">
+                  <a:extLst>
+                    <a:ext uri="{9D8B030D-6E8A-4147-A177-3AD203B41FA5}">
+                      <a16:colId xmlns:a16="http://schemas.microsoft.com/office/drawing/2014/main" xmlns="" val="1627258925"/>
+                    </a:ext>
+                  </a:extLst>
+                </a:gridCol>
+                <a:gridCol w="3100720">
+                  <a:extLst>
+                    <a:ext uri="{9D8B030D-6E8A-4147-A177-3AD203B41FA5}">
+                      <a16:colId xmlns:a16="http://schemas.microsoft.com/office/drawing/2014/main" xmlns="" val="279132191"/>
+                    </a:ext>
+                  </a:extLst>
+                </a:gridCol>
+              </a:tblGrid>
+              <a:tr h="517580">
+                <a:tc>
+                  <a:txBody>
+                    <a:bodyPr/>
+                    <a:lstStyle/>
+                    <a:p>
+                      <a:pPr algn="ctr"/>
+                      <a:r>
+                        <a:rPr lang="zh-CN" altLang="en-US" dirty="0" smtClean="0">
+                          <a:latin typeface="宋体" panose="02010600030101010101" pitchFamily="2" charset="-122"/>
+                          <a:ea typeface="宋体" panose="02010600030101010101" pitchFamily="2" charset="-122"/>
+                        </a:rPr>
+                        <a:t>算法</a:t>
+                      </a:r>
+                      <a:endParaRPr lang="zh-CN" altLang="en-US" dirty="0">
+                        <a:latin typeface="宋体" panose="02010600030101010101" pitchFamily="2" charset="-122"/>
+                        <a:ea typeface="宋体" panose="02010600030101010101" pitchFamily="2" charset="-122"/>
+                      </a:endParaRPr>
+                    </a:p>
+                  </a:txBody>
+                  <a:tcPr anchor="ctr"/>
+                </a:tc>
+                <a:tc>
+                  <a:txBody>
+                    <a:bodyPr/>
+                    <a:lstStyle/>
+                    <a:p>
+                      <a:pPr algn="ctr"/>
+                      <a:r>
+                        <a:rPr lang="zh-CN" altLang="en-US" dirty="0" smtClean="0">
+                          <a:latin typeface="宋体" panose="02010600030101010101" pitchFamily="2" charset="-122"/>
+                          <a:ea typeface="宋体" panose="02010600030101010101" pitchFamily="2" charset="-122"/>
+                        </a:rPr>
+                        <a:t>密钥长度</a:t>
+                      </a:r>
+                      <a:endParaRPr lang="zh-CN" altLang="en-US" dirty="0">
+                        <a:latin typeface="宋体" panose="02010600030101010101" pitchFamily="2" charset="-122"/>
+                        <a:ea typeface="宋体" panose="02010600030101010101" pitchFamily="2" charset="-122"/>
+                      </a:endParaRPr>
+                    </a:p>
+                  </a:txBody>
+                  <a:tcPr anchor="ctr"/>
+                </a:tc>
+                <a:tc>
+                  <a:txBody>
+                    <a:bodyPr/>
+                    <a:lstStyle/>
+                    <a:p>
+                      <a:pPr algn="ctr"/>
+                      <a:r>
+                        <a:rPr lang="zh-CN" altLang="en-US" dirty="0" smtClean="0">
+                          <a:latin typeface="宋体" panose="02010600030101010101" pitchFamily="2" charset="-122"/>
+                          <a:ea typeface="宋体" panose="02010600030101010101" pitchFamily="2" charset="-122"/>
+                        </a:rPr>
+                        <a:t>密钥长度默认值</a:t>
+                      </a:r>
+                      <a:endParaRPr lang="zh-CN" altLang="en-US" dirty="0">
+                        <a:latin typeface="宋体" panose="02010600030101010101" pitchFamily="2" charset="-122"/>
+                        <a:ea typeface="宋体" panose="02010600030101010101" pitchFamily="2" charset="-122"/>
+                      </a:endParaRPr>
+                    </a:p>
+                  </a:txBody>
+                  <a:tcPr anchor="ctr"/>
+                </a:tc>
+                <a:tc>
+                  <a:txBody>
+                    <a:bodyPr/>
+                    <a:lstStyle/>
+                    <a:p>
+                      <a:pPr algn="ctr"/>
+                      <a:r>
+                        <a:rPr lang="zh-CN" altLang="en-US" dirty="0" smtClean="0">
+                          <a:latin typeface="宋体" panose="02010600030101010101" pitchFamily="2" charset="-122"/>
+                          <a:ea typeface="宋体" panose="02010600030101010101" pitchFamily="2" charset="-122"/>
+                        </a:rPr>
+                        <a:t>签名长度</a:t>
+                      </a:r>
+                      <a:endParaRPr lang="zh-CN" altLang="en-US" dirty="0">
+                        <a:latin typeface="宋体" panose="02010600030101010101" pitchFamily="2" charset="-122"/>
+                        <a:ea typeface="宋体" panose="02010600030101010101" pitchFamily="2" charset="-122"/>
+                      </a:endParaRPr>
+                    </a:p>
+                  </a:txBody>
+                  <a:tcPr anchor="ctr"/>
+                </a:tc>
+                <a:tc>
+                  <a:txBody>
+                    <a:bodyPr/>
+                    <a:lstStyle/>
+                    <a:p>
+                      <a:pPr algn="ctr"/>
+                      <a:r>
+                        <a:rPr lang="zh-CN" altLang="en-US" dirty="0" smtClean="0">
+                          <a:latin typeface="宋体" panose="02010600030101010101" pitchFamily="2" charset="-122"/>
+                          <a:ea typeface="宋体" panose="02010600030101010101" pitchFamily="2" charset="-122"/>
+                        </a:rPr>
+                        <a:t>提供者</a:t>
+                      </a:r>
+                      <a:endParaRPr lang="zh-CN" altLang="en-US" dirty="0">
+                        <a:latin typeface="宋体" panose="02010600030101010101" pitchFamily="2" charset="-122"/>
+                        <a:ea typeface="宋体" panose="02010600030101010101" pitchFamily="2" charset="-122"/>
+                      </a:endParaRPr>
+                    </a:p>
+                  </a:txBody>
+                  <a:tcPr anchor="ctr"/>
+                </a:tc>
+                <a:extLst>
+                  <a:ext uri="{0D108BD9-81ED-4DB2-BD59-A6C34878D82A}">
+                    <a16:rowId xmlns:a16="http://schemas.microsoft.com/office/drawing/2014/main" xmlns="" val="3704071744"/>
+                  </a:ext>
+                </a:extLst>
+              </a:tr>
+              <a:tr h="517580">
+                <a:tc>
+                  <a:txBody>
+                    <a:bodyPr/>
+                    <a:lstStyle/>
+                    <a:p>
+                      <a:pPr algn="ctr"/>
+                      <a:r>
+                        <a:rPr lang="en-US" altLang="zh-CN" dirty="0" smtClean="0">
+                          <a:latin typeface="宋体" panose="02010600030101010101" pitchFamily="2" charset="-122"/>
+                          <a:ea typeface="宋体" panose="02010600030101010101" pitchFamily="2" charset="-122"/>
+                        </a:rPr>
+                        <a:t>MD2WithRSA</a:t>
+                      </a:r>
+                      <a:endParaRPr lang="zh-CN" altLang="en-US" dirty="0">
+                        <a:latin typeface="宋体" panose="02010600030101010101" pitchFamily="2" charset="-122"/>
+                        <a:ea typeface="宋体" panose="02010600030101010101" pitchFamily="2" charset="-122"/>
+                      </a:endParaRPr>
+                    </a:p>
+                  </a:txBody>
+                  <a:tcPr anchor="ctr"/>
+                </a:tc>
+                <a:tc rowSpan="7">
+                  <a:txBody>
+                    <a:bodyPr/>
+                    <a:lstStyle/>
+                    <a:p>
+                      <a:pPr algn="ctr"/>
+                      <a:r>
+                        <a:rPr lang="en-US" altLang="zh-CN" dirty="0" smtClean="0">
+                          <a:solidFill>
+                            <a:schemeClr val="dk1"/>
+                          </a:solidFill>
+                          <a:latin typeface="宋体" panose="02010600030101010101" pitchFamily="2" charset="-122"/>
+                          <a:ea typeface="宋体" panose="02010600030101010101" pitchFamily="2" charset="-122"/>
+                        </a:rPr>
+                        <a:t>512-65536</a:t>
+                      </a:r>
+                    </a:p>
+                    <a:p>
+                      <a:pPr algn="ctr"/>
+                      <a:r>
+                        <a:rPr lang="zh-CN" altLang="en-US" dirty="0" smtClean="0">
+                          <a:solidFill>
+                            <a:schemeClr val="dk1"/>
+                          </a:solidFill>
+                          <a:latin typeface="宋体" panose="02010600030101010101" pitchFamily="2" charset="-122"/>
+                          <a:ea typeface="宋体" panose="02010600030101010101" pitchFamily="2" charset="-122"/>
+                        </a:rPr>
+                        <a:t>秘钥必须为</a:t>
+                      </a:r>
+                      <a:r>
+                        <a:rPr lang="en-US" altLang="zh-CN" dirty="0" smtClean="0">
+                          <a:solidFill>
+                            <a:schemeClr val="dk1"/>
+                          </a:solidFill>
+                          <a:latin typeface="宋体" panose="02010600030101010101" pitchFamily="2" charset="-122"/>
+                          <a:ea typeface="宋体" panose="02010600030101010101" pitchFamily="2" charset="-122"/>
+                        </a:rPr>
+                        <a:t>64</a:t>
+                      </a:r>
+                      <a:r>
+                        <a:rPr lang="zh-CN" altLang="en-US" dirty="0" smtClean="0">
+                          <a:solidFill>
+                            <a:schemeClr val="dk1"/>
+                          </a:solidFill>
+                          <a:latin typeface="宋体" panose="02010600030101010101" pitchFamily="2" charset="-122"/>
+                          <a:ea typeface="宋体" panose="02010600030101010101" pitchFamily="2" charset="-122"/>
+                        </a:rPr>
+                        <a:t>的倍数</a:t>
+                      </a:r>
+                      <a:endParaRPr lang="zh-CN" altLang="en-US" dirty="0" smtClean="0">
+                        <a:solidFill>
+                          <a:srgbClr val="C00000"/>
+                        </a:solidFill>
+                        <a:latin typeface="宋体" panose="02010600030101010101" pitchFamily="2" charset="-122"/>
+                        <a:ea typeface="宋体" panose="02010600030101010101" pitchFamily="2" charset="-122"/>
+                      </a:endParaRPr>
+                    </a:p>
+                    <a:p>
+                      <a:pPr algn="ctr"/>
+                      <a:endParaRPr lang="zh-CN" altLang="en-US" dirty="0">
+                        <a:latin typeface="宋体" panose="02010600030101010101" pitchFamily="2" charset="-122"/>
+                        <a:ea typeface="宋体" panose="02010600030101010101" pitchFamily="2" charset="-122"/>
+                      </a:endParaRPr>
+                    </a:p>
+                  </a:txBody>
+                  <a:tcPr anchor="ctr"/>
+                </a:tc>
+                <a:tc>
+                  <a:txBody>
+                    <a:bodyPr/>
+                    <a:lstStyle/>
+                    <a:p>
+                      <a:pPr algn="ctr"/>
+                      <a:endParaRPr lang="zh-CN" altLang="en-US" dirty="0">
+                        <a:latin typeface="宋体" panose="02010600030101010101" pitchFamily="2" charset="-122"/>
+                        <a:ea typeface="宋体" panose="02010600030101010101" pitchFamily="2" charset="-122"/>
+                      </a:endParaRPr>
+                    </a:p>
+                  </a:txBody>
+                  <a:tcPr anchor="ctr"/>
+                </a:tc>
+                <a:tc rowSpan="7">
+                  <a:txBody>
+                    <a:bodyPr/>
+                    <a:lstStyle/>
+                    <a:p>
+                      <a:pPr algn="ctr"/>
+                      <a:r>
+                        <a:rPr lang="zh-CN" altLang="en-US" dirty="0" smtClean="0">
+                          <a:solidFill>
+                            <a:schemeClr val="tx1"/>
+                          </a:solidFill>
+                          <a:latin typeface="宋体" panose="02010600030101010101" pitchFamily="2" charset="-122"/>
+                          <a:ea typeface="宋体" panose="02010600030101010101" pitchFamily="2" charset="-122"/>
+                        </a:rPr>
+                        <a:t>与密钥</a:t>
+                      </a:r>
+                      <a:r>
+                        <a:rPr lang="zh-CN" altLang="en-US" baseline="0" dirty="0" smtClean="0">
+                          <a:solidFill>
+                            <a:schemeClr val="tx1"/>
+                          </a:solidFill>
+                          <a:latin typeface="宋体" panose="02010600030101010101" pitchFamily="2" charset="-122"/>
+                          <a:ea typeface="宋体" panose="02010600030101010101" pitchFamily="2" charset="-122"/>
+                        </a:rPr>
+                        <a:t>长度相同</a:t>
+                      </a:r>
+                      <a:endParaRPr lang="zh-CN" altLang="en-US" dirty="0">
+                        <a:solidFill>
+                          <a:schemeClr val="tx1"/>
+                        </a:solidFill>
+                        <a:latin typeface="宋体" panose="02010600030101010101" pitchFamily="2" charset="-122"/>
+                        <a:ea typeface="宋体" panose="02010600030101010101" pitchFamily="2" charset="-122"/>
+                      </a:endParaRPr>
+                    </a:p>
+                  </a:txBody>
+                  <a:tcPr anchor="ctr"/>
+                </a:tc>
+                <a:tc>
+                  <a:txBody>
+                    <a:bodyPr/>
+                    <a:lstStyle/>
+                    <a:p>
+                      <a:pPr algn="ctr"/>
+                      <a:r>
+                        <a:rPr lang="en-US" altLang="zh-CN" dirty="0" smtClean="0">
+                          <a:latin typeface="宋体" panose="02010600030101010101" pitchFamily="2" charset="-122"/>
+                          <a:ea typeface="宋体" panose="02010600030101010101" pitchFamily="2" charset="-122"/>
+                        </a:rPr>
+                        <a:t>JDK</a:t>
+                      </a:r>
+                      <a:endParaRPr lang="zh-CN" altLang="en-US" dirty="0">
+                        <a:latin typeface="宋体" panose="02010600030101010101" pitchFamily="2" charset="-122"/>
+                        <a:ea typeface="宋体" panose="02010600030101010101" pitchFamily="2" charset="-122"/>
+                      </a:endParaRPr>
+                    </a:p>
+                  </a:txBody>
+                  <a:tcPr anchor="ctr"/>
+                </a:tc>
+                <a:extLst>
+                  <a:ext uri="{0D108BD9-81ED-4DB2-BD59-A6C34878D82A}">
+                    <a16:rowId xmlns:a16="http://schemas.microsoft.com/office/drawing/2014/main" xmlns="" val="1026023813"/>
+                  </a:ext>
+                </a:extLst>
+              </a:tr>
+              <a:tr h="517580">
+                <a:tc>
+                  <a:txBody>
+                    <a:bodyPr/>
+                    <a:lstStyle/>
+                    <a:p>
+                      <a:pPr algn="ctr"/>
+                      <a:r>
+                        <a:rPr lang="en-US" altLang="zh-CN" dirty="0" smtClean="0">
+                          <a:latin typeface="宋体" panose="02010600030101010101" pitchFamily="2" charset="-122"/>
+                          <a:ea typeface="宋体" panose="02010600030101010101" pitchFamily="2" charset="-122"/>
+                        </a:rPr>
+                        <a:t>MD5WithRSA</a:t>
+                      </a:r>
+                      <a:endParaRPr lang="zh-CN" altLang="en-US" dirty="0">
+                        <a:latin typeface="宋体" panose="02010600030101010101" pitchFamily="2" charset="-122"/>
+                        <a:ea typeface="宋体" panose="02010600030101010101" pitchFamily="2" charset="-122"/>
+                      </a:endParaRPr>
+                    </a:p>
+                  </a:txBody>
+                  <a:tcPr anchor="ctr"/>
+                </a:tc>
+                <a:tc vMerge="1">
+                  <a:txBody>
+                    <a:bodyPr/>
+                    <a:lstStyle/>
+                    <a:p>
+                      <a:pPr algn="ctr"/>
+                      <a:endParaRPr lang="zh-CN" altLang="en-US" dirty="0">
+                        <a:latin typeface="宋体" panose="02010600030101010101" pitchFamily="2" charset="-122"/>
+                        <a:ea typeface="宋体" panose="02010600030101010101" pitchFamily="2" charset="-122"/>
+                      </a:endParaRPr>
+                    </a:p>
+                  </a:txBody>
+                  <a:tcPr anchor="ctr"/>
+                </a:tc>
+                <a:tc>
+                  <a:txBody>
+                    <a:bodyPr/>
+                    <a:lstStyle/>
+                    <a:p>
+                      <a:pPr algn="ctr"/>
+                      <a:endParaRPr lang="zh-CN" altLang="en-US" dirty="0">
+                        <a:latin typeface="宋体" panose="02010600030101010101" pitchFamily="2" charset="-122"/>
+                        <a:ea typeface="宋体" panose="02010600030101010101" pitchFamily="2" charset="-122"/>
+                      </a:endParaRPr>
+                    </a:p>
+                  </a:txBody>
+                  <a:tcPr anchor="ctr"/>
+                </a:tc>
+                <a:tc vMerge="1">
+                  <a:txBody>
+                    <a:bodyPr/>
+                    <a:lstStyle/>
+                    <a:p>
+                      <a:pPr algn="ctr"/>
+                      <a:endParaRPr lang="zh-CN" altLang="en-US" dirty="0">
+                        <a:latin typeface="宋体" panose="02010600030101010101" pitchFamily="2" charset="-122"/>
+                        <a:ea typeface="宋体" panose="02010600030101010101" pitchFamily="2" charset="-122"/>
+                      </a:endParaRPr>
+                    </a:p>
+                  </a:txBody>
+                  <a:tcPr anchor="ctr"/>
+                </a:tc>
+                <a:tc>
+                  <a:txBody>
+                    <a:bodyPr/>
+                    <a:lstStyle/>
+                    <a:p>
+                      <a:pPr algn="ctr"/>
+                      <a:r>
+                        <a:rPr lang="en-US" altLang="zh-CN" dirty="0" smtClean="0">
+                          <a:latin typeface="宋体" panose="02010600030101010101" pitchFamily="2" charset="-122"/>
+                          <a:ea typeface="宋体" panose="02010600030101010101" pitchFamily="2" charset="-122"/>
+                        </a:rPr>
+                        <a:t>JDK</a:t>
+                      </a:r>
+                      <a:endParaRPr lang="zh-CN" altLang="en-US" dirty="0">
+                        <a:latin typeface="宋体" panose="02010600030101010101" pitchFamily="2" charset="-122"/>
+                        <a:ea typeface="宋体" panose="02010600030101010101" pitchFamily="2" charset="-122"/>
+                      </a:endParaRPr>
+                    </a:p>
+                  </a:txBody>
+                  <a:tcPr anchor="ctr"/>
+                </a:tc>
+                <a:extLst>
+                  <a:ext uri="{0D108BD9-81ED-4DB2-BD59-A6C34878D82A}">
+                    <a16:rowId xmlns:a16="http://schemas.microsoft.com/office/drawing/2014/main" xmlns="" val="3056097180"/>
+                  </a:ext>
+                </a:extLst>
+              </a:tr>
+              <a:tr h="517580">
+                <a:tc>
+                  <a:txBody>
+                    <a:bodyPr/>
+                    <a:lstStyle/>
+                    <a:p>
+                      <a:pPr algn="ctr"/>
+                      <a:r>
+                        <a:rPr lang="en-US" altLang="zh-CN" dirty="0" smtClean="0">
+                          <a:latin typeface="宋体" panose="02010600030101010101" pitchFamily="2" charset="-122"/>
+                          <a:ea typeface="宋体" panose="02010600030101010101" pitchFamily="2" charset="-122"/>
+                        </a:rPr>
+                        <a:t>SHA1WithRSA</a:t>
+                      </a:r>
+                      <a:endParaRPr lang="zh-CN" altLang="en-US" dirty="0">
+                        <a:latin typeface="宋体" panose="02010600030101010101" pitchFamily="2" charset="-122"/>
+                        <a:ea typeface="宋体" panose="02010600030101010101" pitchFamily="2" charset="-122"/>
+                      </a:endParaRPr>
+                    </a:p>
+                  </a:txBody>
+                  <a:tcPr anchor="ctr"/>
+                </a:tc>
+                <a:tc vMerge="1">
+                  <a:txBody>
+                    <a:bodyPr/>
+                    <a:lstStyle/>
+                    <a:p>
+                      <a:pPr algn="ctr"/>
+                      <a:endParaRPr lang="zh-CN" altLang="en-US" dirty="0">
+                        <a:latin typeface="宋体" panose="02010600030101010101" pitchFamily="2" charset="-122"/>
+                        <a:ea typeface="宋体" panose="02010600030101010101" pitchFamily="2" charset="-122"/>
+                      </a:endParaRPr>
+                    </a:p>
+                  </a:txBody>
+                  <a:tcPr anchor="ctr"/>
+                </a:tc>
+                <a:tc>
+                  <a:txBody>
+                    <a:bodyPr/>
+                    <a:lstStyle/>
+                    <a:p>
+                      <a:pPr algn="ctr"/>
+                      <a:endParaRPr lang="zh-CN" altLang="en-US" dirty="0">
+                        <a:latin typeface="宋体" panose="02010600030101010101" pitchFamily="2" charset="-122"/>
+                        <a:ea typeface="宋体" panose="02010600030101010101" pitchFamily="2" charset="-122"/>
+                      </a:endParaRPr>
+                    </a:p>
+                  </a:txBody>
+                  <a:tcPr anchor="ctr"/>
+                </a:tc>
+                <a:tc vMerge="1">
+                  <a:txBody>
+                    <a:bodyPr/>
+                    <a:lstStyle/>
+                    <a:p>
+                      <a:pPr algn="ctr"/>
+                      <a:endParaRPr lang="zh-CN" altLang="en-US" dirty="0">
+                        <a:latin typeface="宋体" panose="02010600030101010101" pitchFamily="2" charset="-122"/>
+                        <a:ea typeface="宋体" panose="02010600030101010101" pitchFamily="2" charset="-122"/>
+                      </a:endParaRPr>
+                    </a:p>
+                  </a:txBody>
+                  <a:tcPr anchor="ctr"/>
+                </a:tc>
+                <a:tc>
+                  <a:txBody>
+                    <a:bodyPr/>
+                    <a:lstStyle/>
+                    <a:p>
+                      <a:pPr algn="ctr"/>
+                      <a:r>
+                        <a:rPr lang="en-US" altLang="zh-CN" dirty="0" smtClean="0">
+                          <a:latin typeface="宋体" panose="02010600030101010101" pitchFamily="2" charset="-122"/>
+                          <a:ea typeface="宋体" panose="02010600030101010101" pitchFamily="2" charset="-122"/>
+                        </a:rPr>
+                        <a:t>JDK</a:t>
+                      </a:r>
+                      <a:endParaRPr lang="zh-CN" altLang="en-US" dirty="0">
+                        <a:latin typeface="宋体" panose="02010600030101010101" pitchFamily="2" charset="-122"/>
+                        <a:ea typeface="宋体" panose="02010600030101010101" pitchFamily="2" charset="-122"/>
+                      </a:endParaRPr>
+                    </a:p>
+                  </a:txBody>
+                  <a:tcPr anchor="ctr"/>
+                </a:tc>
+                <a:extLst>
+                  <a:ext uri="{0D108BD9-81ED-4DB2-BD59-A6C34878D82A}">
+                    <a16:rowId xmlns:a16="http://schemas.microsoft.com/office/drawing/2014/main" xmlns="" val="3398222936"/>
+                  </a:ext>
+                </a:extLst>
+              </a:tr>
+              <a:tr h="517580">
+                <a:tc>
+                  <a:txBody>
+                    <a:bodyPr/>
+                    <a:lstStyle/>
+                    <a:p>
+                      <a:pPr algn="ctr"/>
+                      <a:r>
+                        <a:rPr lang="en-US" altLang="zh-CN" dirty="0" smtClean="0">
+                          <a:latin typeface="宋体" panose="02010600030101010101" pitchFamily="2" charset="-122"/>
+                          <a:ea typeface="宋体" panose="02010600030101010101" pitchFamily="2" charset="-122"/>
+                        </a:rPr>
+                        <a:t>SHA224WithRSA</a:t>
+                      </a:r>
+                      <a:endParaRPr lang="zh-CN" altLang="en-US" dirty="0">
+                        <a:latin typeface="宋体" panose="02010600030101010101" pitchFamily="2" charset="-122"/>
+                        <a:ea typeface="宋体" panose="02010600030101010101" pitchFamily="2" charset="-122"/>
+                      </a:endParaRPr>
+                    </a:p>
+                  </a:txBody>
+                  <a:tcPr anchor="ctr"/>
+                </a:tc>
+                <a:tc vMerge="1">
+                  <a:txBody>
+                    <a:bodyPr/>
+                    <a:lstStyle/>
+                    <a:p>
+                      <a:pPr marL="0" marR="0" lvl="0" indent="0" algn="ctr" defTabSz="914400" rtl="0" eaLnBrk="1" fontAlgn="auto" latinLnBrk="0" hangingPunct="1">
+                        <a:lnSpc>
+                          <a:spcPct val="100000"/>
+                        </a:lnSpc>
+                        <a:spcBef>
+                          <a:spcPts val="0"/>
+                        </a:spcBef>
+                        <a:spcAft>
+                          <a:spcPts val="0"/>
+                        </a:spcAft>
+                        <a:buClrTx/>
+                        <a:buSzTx/>
+                        <a:buFontTx/>
+                        <a:buNone/>
+                        <a:tabLst/>
+                        <a:defRPr/>
+                      </a:pPr>
+                      <a:endParaRPr lang="zh-CN" altLang="en-US" dirty="0" smtClean="0">
+                        <a:latin typeface="宋体" panose="02010600030101010101" pitchFamily="2" charset="-122"/>
+                        <a:ea typeface="宋体" panose="02010600030101010101" pitchFamily="2" charset="-122"/>
+                      </a:endParaRPr>
+                    </a:p>
+                  </a:txBody>
+                  <a:tcPr anchor="ctr"/>
+                </a:tc>
+                <a:tc>
+                  <a:txBody>
+                    <a:bodyPr/>
+                    <a:lstStyle/>
+                    <a:p>
+                      <a:pPr marL="0" marR="0" lvl="0" indent="0" algn="ctr" defTabSz="914400" rtl="0" eaLnBrk="1" fontAlgn="auto" latinLnBrk="0" hangingPunct="1">
+                        <a:lnSpc>
+                          <a:spcPct val="100000"/>
+                        </a:lnSpc>
+                        <a:spcBef>
+                          <a:spcPts val="0"/>
+                        </a:spcBef>
+                        <a:spcAft>
+                          <a:spcPts val="0"/>
+                        </a:spcAft>
+                        <a:buClrTx/>
+                        <a:buSzTx/>
+                        <a:buFontTx/>
+                        <a:buNone/>
+                        <a:tabLst/>
+                        <a:defRPr/>
+                      </a:pPr>
+                      <a:endParaRPr lang="zh-CN" altLang="en-US" dirty="0" smtClean="0">
+                        <a:latin typeface="宋体" panose="02010600030101010101" pitchFamily="2" charset="-122"/>
+                        <a:ea typeface="宋体" panose="02010600030101010101" pitchFamily="2" charset="-122"/>
+                      </a:endParaRPr>
+                    </a:p>
+                  </a:txBody>
+                  <a:tcPr anchor="ctr"/>
+                </a:tc>
+                <a:tc vMerge="1">
+                  <a:txBody>
+                    <a:bodyPr/>
+                    <a:lstStyle/>
+                    <a:p>
+                      <a:pPr algn="ctr"/>
+                      <a:endParaRPr lang="zh-CN" altLang="en-US" dirty="0">
+                        <a:latin typeface="宋体" panose="02010600030101010101" pitchFamily="2" charset="-122"/>
+                        <a:ea typeface="宋体" panose="02010600030101010101" pitchFamily="2" charset="-122"/>
+                      </a:endParaRPr>
+                    </a:p>
+                  </a:txBody>
+                  <a:tcPr anchor="ctr"/>
+                </a:tc>
+                <a:tc>
+                  <a:txBody>
+                    <a:bodyPr/>
+                    <a:lstStyle/>
+                    <a:p>
+                      <a:pPr algn="ctr"/>
+                      <a:r>
+                        <a:rPr lang="en-US" altLang="zh-CN" dirty="0" smtClean="0">
+                          <a:latin typeface="宋体" panose="02010600030101010101" pitchFamily="2" charset="-122"/>
+                          <a:ea typeface="宋体" panose="02010600030101010101" pitchFamily="2" charset="-122"/>
+                        </a:rPr>
+                        <a:t>JDK8</a:t>
+                      </a:r>
+                      <a:endParaRPr lang="zh-CN" altLang="en-US" dirty="0">
+                        <a:latin typeface="宋体" panose="02010600030101010101" pitchFamily="2" charset="-122"/>
+                        <a:ea typeface="宋体" panose="02010600030101010101" pitchFamily="2" charset="-122"/>
+                      </a:endParaRPr>
+                    </a:p>
+                  </a:txBody>
+                  <a:tcPr anchor="ctr"/>
+                </a:tc>
+                <a:extLst>
+                  <a:ext uri="{0D108BD9-81ED-4DB2-BD59-A6C34878D82A}">
+                    <a16:rowId xmlns:a16="http://schemas.microsoft.com/office/drawing/2014/main" xmlns="" val="3661055458"/>
+                  </a:ext>
+                </a:extLst>
+              </a:tr>
+              <a:tr h="517580">
+                <a:tc>
+                  <a:txBody>
+                    <a:bodyPr/>
+                    <a:lstStyle/>
+                    <a:p>
+                      <a:pPr algn="ctr"/>
+                      <a:r>
+                        <a:rPr lang="en-US" altLang="zh-CN" dirty="0" smtClean="0">
+                          <a:latin typeface="宋体" panose="02010600030101010101" pitchFamily="2" charset="-122"/>
+                          <a:ea typeface="宋体" panose="02010600030101010101" pitchFamily="2" charset="-122"/>
+                        </a:rPr>
+                        <a:t>SHA256WithRSA</a:t>
+                      </a:r>
+                      <a:endParaRPr lang="zh-CN" altLang="en-US" dirty="0">
+                        <a:latin typeface="宋体" panose="02010600030101010101" pitchFamily="2" charset="-122"/>
+                        <a:ea typeface="宋体" panose="02010600030101010101" pitchFamily="2" charset="-122"/>
+                      </a:endParaRPr>
+                    </a:p>
+                  </a:txBody>
+                  <a:tcPr anchor="ctr"/>
+                </a:tc>
+                <a:tc vMerge="1">
+                  <a:txBody>
+                    <a:bodyPr/>
+                    <a:lstStyle/>
+                    <a:p>
+                      <a:pPr marL="0" marR="0" lvl="0" indent="0" algn="ctr" defTabSz="914400" rtl="0" eaLnBrk="1" fontAlgn="auto" latinLnBrk="0" hangingPunct="1">
+                        <a:lnSpc>
+                          <a:spcPct val="100000"/>
+                        </a:lnSpc>
+                        <a:spcBef>
+                          <a:spcPts val="0"/>
+                        </a:spcBef>
+                        <a:spcAft>
+                          <a:spcPts val="0"/>
+                        </a:spcAft>
+                        <a:buClrTx/>
+                        <a:buSzTx/>
+                        <a:buFontTx/>
+                        <a:buNone/>
+                        <a:tabLst/>
+                        <a:defRPr/>
+                      </a:pPr>
+                      <a:endParaRPr lang="zh-CN" altLang="en-US" dirty="0" smtClean="0">
+                        <a:latin typeface="宋体" panose="02010600030101010101" pitchFamily="2" charset="-122"/>
+                        <a:ea typeface="宋体" panose="02010600030101010101" pitchFamily="2" charset="-122"/>
+                      </a:endParaRPr>
+                    </a:p>
+                  </a:txBody>
+                  <a:tcPr anchor="ctr"/>
+                </a:tc>
+                <a:tc>
+                  <a:txBody>
+                    <a:bodyPr/>
+                    <a:lstStyle/>
+                    <a:p>
+                      <a:pPr marL="0" marR="0" lvl="0" indent="0" algn="ctr" defTabSz="914400" rtl="0" eaLnBrk="1" fontAlgn="auto" latinLnBrk="0" hangingPunct="1">
+                        <a:lnSpc>
+                          <a:spcPct val="100000"/>
+                        </a:lnSpc>
+                        <a:spcBef>
+                          <a:spcPts val="0"/>
+                        </a:spcBef>
+                        <a:spcAft>
+                          <a:spcPts val="0"/>
+                        </a:spcAft>
+                        <a:buClrTx/>
+                        <a:buSzTx/>
+                        <a:buFontTx/>
+                        <a:buNone/>
+                        <a:tabLst/>
+                        <a:defRPr/>
+                      </a:pPr>
+                      <a:endParaRPr lang="zh-CN" altLang="en-US" dirty="0" smtClean="0">
+                        <a:latin typeface="宋体" panose="02010600030101010101" pitchFamily="2" charset="-122"/>
+                        <a:ea typeface="宋体" panose="02010600030101010101" pitchFamily="2" charset="-122"/>
+                      </a:endParaRPr>
+                    </a:p>
+                  </a:txBody>
+                  <a:tcPr anchor="ctr"/>
+                </a:tc>
+                <a:tc vMerge="1">
+                  <a:txBody>
+                    <a:bodyPr/>
+                    <a:lstStyle/>
+                    <a:p>
+                      <a:pPr algn="ctr"/>
+                      <a:endParaRPr lang="zh-CN" altLang="en-US" dirty="0">
+                        <a:latin typeface="宋体" panose="02010600030101010101" pitchFamily="2" charset="-122"/>
+                        <a:ea typeface="宋体" panose="02010600030101010101" pitchFamily="2" charset="-122"/>
+                      </a:endParaRPr>
+                    </a:p>
+                  </a:txBody>
+                  <a:tcPr anchor="ctr"/>
+                </a:tc>
+                <a:tc>
+                  <a:txBody>
+                    <a:bodyPr/>
+                    <a:lstStyle/>
+                    <a:p>
+                      <a:pPr marL="0" marR="0" lvl="0" indent="0" algn="ctr" defTabSz="914400" rtl="0" eaLnBrk="1" fontAlgn="auto" latinLnBrk="0" hangingPunct="1">
+                        <a:lnSpc>
+                          <a:spcPct val="100000"/>
+                        </a:lnSpc>
+                        <a:spcBef>
+                          <a:spcPts val="0"/>
+                        </a:spcBef>
+                        <a:spcAft>
+                          <a:spcPts val="0"/>
+                        </a:spcAft>
+                        <a:buClrTx/>
+                        <a:buSzTx/>
+                        <a:buFontTx/>
+                        <a:buNone/>
+                        <a:tabLst/>
+                        <a:defRPr/>
+                      </a:pPr>
+                      <a:r>
+                        <a:rPr lang="en-US" altLang="zh-CN" dirty="0" smtClean="0">
+                          <a:solidFill>
+                            <a:srgbClr val="0070C0"/>
+                          </a:solidFill>
+                          <a:latin typeface="宋体" panose="02010600030101010101" pitchFamily="2" charset="-122"/>
+                          <a:ea typeface="宋体" panose="02010600030101010101" pitchFamily="2" charset="-122"/>
+                        </a:rPr>
+                        <a:t>Bouncy Castle</a:t>
+                      </a:r>
+                      <a:endParaRPr lang="zh-CN" altLang="en-US" dirty="0" smtClean="0">
+                        <a:solidFill>
+                          <a:srgbClr val="0070C0"/>
+                        </a:solidFill>
+                        <a:latin typeface="宋体" panose="02010600030101010101" pitchFamily="2" charset="-122"/>
+                        <a:ea typeface="宋体" panose="02010600030101010101" pitchFamily="2" charset="-122"/>
+                      </a:endParaRPr>
+                    </a:p>
+                  </a:txBody>
+                  <a:tcPr anchor="ctr"/>
+                </a:tc>
+                <a:extLst>
+                  <a:ext uri="{0D108BD9-81ED-4DB2-BD59-A6C34878D82A}">
+                    <a16:rowId xmlns:a16="http://schemas.microsoft.com/office/drawing/2014/main" xmlns="" val="1792707014"/>
+                  </a:ext>
+                </a:extLst>
+              </a:tr>
+              <a:tr h="517580">
+                <a:tc>
+                  <a:txBody>
+                    <a:bodyPr/>
+                    <a:lstStyle/>
+                    <a:p>
+                      <a:pPr algn="ctr"/>
+                      <a:r>
+                        <a:rPr lang="en-US" altLang="zh-CN" dirty="0" smtClean="0">
+                          <a:latin typeface="宋体" panose="02010600030101010101" pitchFamily="2" charset="-122"/>
+                          <a:ea typeface="宋体" panose="02010600030101010101" pitchFamily="2" charset="-122"/>
+                        </a:rPr>
+                        <a:t>SHA384WithRSA</a:t>
+                      </a:r>
+                      <a:endParaRPr lang="zh-CN" altLang="en-US" dirty="0">
+                        <a:latin typeface="宋体" panose="02010600030101010101" pitchFamily="2" charset="-122"/>
+                        <a:ea typeface="宋体" panose="02010600030101010101" pitchFamily="2" charset="-122"/>
+                      </a:endParaRPr>
+                    </a:p>
+                  </a:txBody>
+                  <a:tcPr anchor="ctr"/>
+                </a:tc>
+                <a:tc vMerge="1">
+                  <a:txBody>
+                    <a:bodyPr/>
+                    <a:lstStyle/>
+                    <a:p>
+                      <a:pPr marL="0" marR="0" lvl="0" indent="0" algn="ctr" defTabSz="914400" rtl="0" eaLnBrk="1" fontAlgn="auto" latinLnBrk="0" hangingPunct="1">
+                        <a:lnSpc>
+                          <a:spcPct val="100000"/>
+                        </a:lnSpc>
+                        <a:spcBef>
+                          <a:spcPts val="0"/>
+                        </a:spcBef>
+                        <a:spcAft>
+                          <a:spcPts val="0"/>
+                        </a:spcAft>
+                        <a:buClrTx/>
+                        <a:buSzTx/>
+                        <a:buFontTx/>
+                        <a:buNone/>
+                        <a:tabLst/>
+                        <a:defRPr/>
+                      </a:pPr>
+                      <a:endParaRPr lang="zh-CN" altLang="en-US" dirty="0" smtClean="0">
+                        <a:solidFill>
+                          <a:schemeClr val="tx1"/>
+                        </a:solidFill>
+                        <a:latin typeface="宋体" panose="02010600030101010101" pitchFamily="2" charset="-122"/>
+                        <a:ea typeface="宋体" panose="02010600030101010101" pitchFamily="2" charset="-122"/>
+                      </a:endParaRPr>
+                    </a:p>
+                  </a:txBody>
+                  <a:tcPr anchor="ctr"/>
+                </a:tc>
+                <a:tc>
+                  <a:txBody>
+                    <a:bodyPr/>
+                    <a:lstStyle/>
+                    <a:p>
+                      <a:pPr marL="0" marR="0" lvl="0" indent="0" algn="ctr" defTabSz="914400" rtl="0" eaLnBrk="1" fontAlgn="auto" latinLnBrk="0" hangingPunct="1">
+                        <a:lnSpc>
+                          <a:spcPct val="100000"/>
+                        </a:lnSpc>
+                        <a:spcBef>
+                          <a:spcPts val="0"/>
+                        </a:spcBef>
+                        <a:spcAft>
+                          <a:spcPts val="0"/>
+                        </a:spcAft>
+                        <a:buClrTx/>
+                        <a:buSzTx/>
+                        <a:buFontTx/>
+                        <a:buNone/>
+                        <a:tabLst/>
+                        <a:defRPr/>
+                      </a:pPr>
+                      <a:endParaRPr lang="zh-CN" altLang="en-US" dirty="0" smtClean="0">
+                        <a:solidFill>
+                          <a:schemeClr val="tx1"/>
+                        </a:solidFill>
+                        <a:latin typeface="宋体" panose="02010600030101010101" pitchFamily="2" charset="-122"/>
+                        <a:ea typeface="宋体" panose="02010600030101010101" pitchFamily="2" charset="-122"/>
+                      </a:endParaRPr>
+                    </a:p>
+                  </a:txBody>
+                  <a:tcPr anchor="ctr"/>
+                </a:tc>
+                <a:tc vMerge="1">
+                  <a:txBody>
+                    <a:bodyPr/>
+                    <a:lstStyle/>
+                    <a:p>
+                      <a:pPr algn="ctr"/>
+                      <a:endParaRPr lang="zh-CN" altLang="en-US" dirty="0">
+                        <a:latin typeface="宋体" panose="02010600030101010101" pitchFamily="2" charset="-122"/>
+                        <a:ea typeface="宋体" panose="02010600030101010101" pitchFamily="2" charset="-122"/>
+                      </a:endParaRPr>
+                    </a:p>
+                  </a:txBody>
+                  <a:tcPr anchor="ctr"/>
+                </a:tc>
+                <a:tc>
+                  <a:txBody>
+                    <a:bodyPr/>
+                    <a:lstStyle/>
+                    <a:p>
+                      <a:pPr marL="0" marR="0" lvl="0" indent="0" algn="ctr" defTabSz="914400" rtl="0" eaLnBrk="1" fontAlgn="auto" latinLnBrk="0" hangingPunct="1">
+                        <a:lnSpc>
+                          <a:spcPct val="100000"/>
+                        </a:lnSpc>
+                        <a:spcBef>
+                          <a:spcPts val="0"/>
+                        </a:spcBef>
+                        <a:spcAft>
+                          <a:spcPts val="0"/>
+                        </a:spcAft>
+                        <a:buClrTx/>
+                        <a:buSzTx/>
+                        <a:buFontTx/>
+                        <a:buNone/>
+                        <a:tabLst/>
+                        <a:defRPr/>
+                      </a:pPr>
+                      <a:r>
+                        <a:rPr lang="en-US" altLang="zh-CN" dirty="0" smtClean="0">
+                          <a:solidFill>
+                            <a:srgbClr val="0070C0"/>
+                          </a:solidFill>
+                          <a:latin typeface="宋体" panose="02010600030101010101" pitchFamily="2" charset="-122"/>
+                          <a:ea typeface="宋体" panose="02010600030101010101" pitchFamily="2" charset="-122"/>
+                        </a:rPr>
+                        <a:t>Bouncy Castle</a:t>
+                      </a:r>
+                      <a:endParaRPr lang="zh-CN" altLang="en-US" dirty="0" smtClean="0">
+                        <a:solidFill>
+                          <a:srgbClr val="0070C0"/>
+                        </a:solidFill>
+                        <a:latin typeface="宋体" panose="02010600030101010101" pitchFamily="2" charset="-122"/>
+                        <a:ea typeface="宋体" panose="02010600030101010101" pitchFamily="2" charset="-122"/>
+                      </a:endParaRPr>
+                    </a:p>
+                  </a:txBody>
+                  <a:tcPr anchor="ctr"/>
+                </a:tc>
+                <a:extLst>
+                  <a:ext uri="{0D108BD9-81ED-4DB2-BD59-A6C34878D82A}">
+                    <a16:rowId xmlns:a16="http://schemas.microsoft.com/office/drawing/2014/main" xmlns="" val="1883377276"/>
+                  </a:ext>
+                </a:extLst>
+              </a:tr>
+              <a:tr h="517580">
+                <a:tc>
+                  <a:txBody>
+                    <a:bodyPr/>
+                    <a:lstStyle/>
+                    <a:p>
+                      <a:pPr algn="ctr"/>
+                      <a:r>
+                        <a:rPr lang="en-US" altLang="zh-CN" dirty="0" smtClean="0">
+                          <a:latin typeface="宋体" panose="02010600030101010101" pitchFamily="2" charset="-122"/>
+                          <a:ea typeface="宋体" panose="02010600030101010101" pitchFamily="2" charset="-122"/>
+                        </a:rPr>
+                        <a:t>SHA512WithRSA</a:t>
+                      </a:r>
+                      <a:endParaRPr lang="zh-CN" altLang="en-US" dirty="0">
+                        <a:latin typeface="宋体" panose="02010600030101010101" pitchFamily="2" charset="-122"/>
+                        <a:ea typeface="宋体" panose="02010600030101010101" pitchFamily="2" charset="-122"/>
+                      </a:endParaRPr>
+                    </a:p>
+                  </a:txBody>
+                  <a:tcPr anchor="ctr"/>
+                </a:tc>
+                <a:tc vMerge="1">
+                  <a:txBody>
+                    <a:bodyPr/>
+                    <a:lstStyle/>
+                    <a:p>
+                      <a:pPr marL="0" marR="0" lvl="0" indent="0" algn="ctr" defTabSz="914400" rtl="0" eaLnBrk="1" fontAlgn="auto" latinLnBrk="0" hangingPunct="1">
+                        <a:lnSpc>
+                          <a:spcPct val="100000"/>
+                        </a:lnSpc>
+                        <a:spcBef>
+                          <a:spcPts val="0"/>
+                        </a:spcBef>
+                        <a:spcAft>
+                          <a:spcPts val="0"/>
+                        </a:spcAft>
+                        <a:buClrTx/>
+                        <a:buSzTx/>
+                        <a:buFontTx/>
+                        <a:buNone/>
+                        <a:tabLst/>
+                        <a:defRPr/>
+                      </a:pPr>
+                      <a:endParaRPr lang="zh-CN" altLang="en-US" dirty="0" smtClean="0">
+                        <a:solidFill>
+                          <a:srgbClr val="0070C0"/>
+                        </a:solidFill>
+                        <a:latin typeface="宋体" panose="02010600030101010101" pitchFamily="2" charset="-122"/>
+                        <a:ea typeface="宋体" panose="02010600030101010101" pitchFamily="2" charset="-122"/>
+                      </a:endParaRPr>
+                    </a:p>
+                  </a:txBody>
+                  <a:tcPr anchor="ctr"/>
+                </a:tc>
+                <a:tc>
+                  <a:txBody>
+                    <a:bodyPr/>
+                    <a:lstStyle/>
+                    <a:p>
+                      <a:pPr marL="0" marR="0" lvl="0" indent="0" algn="ctr" defTabSz="914400" rtl="0" eaLnBrk="1" fontAlgn="auto" latinLnBrk="0" hangingPunct="1">
+                        <a:lnSpc>
+                          <a:spcPct val="100000"/>
+                        </a:lnSpc>
+                        <a:spcBef>
+                          <a:spcPts val="0"/>
+                        </a:spcBef>
+                        <a:spcAft>
+                          <a:spcPts val="0"/>
+                        </a:spcAft>
+                        <a:buClrTx/>
+                        <a:buSzTx/>
+                        <a:buFontTx/>
+                        <a:buNone/>
+                        <a:tabLst/>
+                        <a:defRPr/>
+                      </a:pPr>
+                      <a:endParaRPr lang="zh-CN" altLang="en-US" dirty="0" smtClean="0">
+                        <a:solidFill>
+                          <a:srgbClr val="0070C0"/>
+                        </a:solidFill>
+                        <a:latin typeface="宋体" panose="02010600030101010101" pitchFamily="2" charset="-122"/>
+                        <a:ea typeface="宋体" panose="02010600030101010101" pitchFamily="2" charset="-122"/>
+                      </a:endParaRPr>
+                    </a:p>
+                  </a:txBody>
+                  <a:tcPr anchor="ctr"/>
+                </a:tc>
+                <a:tc vMerge="1">
+                  <a:txBody>
+                    <a:bodyPr/>
+                    <a:lstStyle/>
+                    <a:p>
+                      <a:pPr algn="ctr"/>
+                      <a:endParaRPr lang="zh-CN" altLang="en-US" dirty="0">
+                        <a:solidFill>
+                          <a:srgbClr val="0070C0"/>
+                        </a:solidFill>
+                        <a:latin typeface="宋体" panose="02010600030101010101" pitchFamily="2" charset="-122"/>
+                        <a:ea typeface="宋体" panose="02010600030101010101" pitchFamily="2" charset="-122"/>
+                      </a:endParaRPr>
+                    </a:p>
+                  </a:txBody>
+                  <a:tcPr anchor="ctr"/>
+                </a:tc>
+                <a:tc>
+                  <a:txBody>
+                    <a:bodyPr/>
+                    <a:lstStyle/>
+                    <a:p>
+                      <a:pPr marL="0" marR="0" lvl="0" indent="0" algn="ctr" defTabSz="914400" rtl="0" eaLnBrk="1" fontAlgn="auto" latinLnBrk="0" hangingPunct="1">
+                        <a:lnSpc>
+                          <a:spcPct val="100000"/>
+                        </a:lnSpc>
+                        <a:spcBef>
+                          <a:spcPts val="0"/>
+                        </a:spcBef>
+                        <a:spcAft>
+                          <a:spcPts val="0"/>
+                        </a:spcAft>
+                        <a:buClrTx/>
+                        <a:buSzTx/>
+                        <a:buFontTx/>
+                        <a:buNone/>
+                        <a:tabLst/>
+                        <a:defRPr/>
+                      </a:pPr>
+                      <a:r>
+                        <a:rPr lang="en-US" altLang="zh-CN" dirty="0" smtClean="0">
+                          <a:solidFill>
+                            <a:srgbClr val="0070C0"/>
+                          </a:solidFill>
+                          <a:latin typeface="宋体" panose="02010600030101010101" pitchFamily="2" charset="-122"/>
+                          <a:ea typeface="宋体" panose="02010600030101010101" pitchFamily="2" charset="-122"/>
+                        </a:rPr>
+                        <a:t>Bouncy Castle</a:t>
+                      </a:r>
+                      <a:endParaRPr lang="zh-CN" altLang="en-US" dirty="0" smtClean="0">
+                        <a:solidFill>
+                          <a:srgbClr val="0070C0"/>
+                        </a:solidFill>
+                        <a:latin typeface="宋体" panose="02010600030101010101" pitchFamily="2" charset="-122"/>
+                        <a:ea typeface="宋体" panose="02010600030101010101" pitchFamily="2" charset="-122"/>
+                      </a:endParaRPr>
+                    </a:p>
+                  </a:txBody>
+                  <a:tcPr anchor="ctr"/>
+                </a:tc>
+                <a:extLst>
+                  <a:ext uri="{0D108BD9-81ED-4DB2-BD59-A6C34878D82A}">
+                    <a16:rowId xmlns:a16="http://schemas.microsoft.com/office/drawing/2014/main" xmlns="" val="4018932841"/>
+                  </a:ext>
+                </a:extLst>
+              </a:tr>
+            </a:tbl>
+          </a:graphicData>
+        </a:graphic>
+      </p:graphicFrame>
+    </p:spTree>
+    <p:extLst>
+      <p:ext uri="{BB962C8B-B14F-4D97-AF65-F5344CB8AC3E}">
+        <p14:creationId xmlns:p14="http://schemas.microsoft.com/office/powerpoint/2010/main" val="1170769410"/>
+      </p:ext>
+    </p:extLst>
+  </p:cSld>
+  <p:clrMapOvr>
+    <a:masterClrMapping/>
+  </p:clrMapOvr>
+  <mc:AlternateContent xmlns:mc="http://schemas.openxmlformats.org/markup-compatibility/2006" xmlns:p14="http://schemas.microsoft.com/office/powerpoint/2010/main">
+    <mc:Choice Requires="p14">
+      <p:transition spd="med" p14:dur="700">
+        <p:fade/>
+      </p:transition>
+    </mc:Choice>
+    <mc:Fallback xmlns="">
+      <p:transition spd="med">
+        <p:fade/>
+      </p:transition>
+    </mc:Fallback>
+  </mc:AlternateContent>
+  <p:timing>
+    <p:tnLst>
+      <p:par>
+        <p:cTn id="1" dur="indefinite" restart="never" nodeType="tmRoot"/>
+      </p:par>
+    </p:tnLst>
+  </p:timing>
+</p:sld>
+</file>
+
+<file path=ppt/slides/slide25.xml><?xml version="1.0" encoding="utf-8"?>
+<p:sld xmlns:a="http://schemas.openxmlformats.org/drawingml/2006/main" xmlns:r="http://schemas.openxmlformats.org/officeDocument/2006/relationships" xmlns:p="http://schemas.openxmlformats.org/presentationml/2006/main">
+  <p:cSld>
+    <p:spTree>
+      <p:nvGrpSpPr>
+        <p:cNvPr id="1" name=""/>
+        <p:cNvGrpSpPr/>
+        <p:nvPr/>
+      </p:nvGrpSpPr>
+      <p:grpSpPr>
+        <a:xfrm>
+          <a:off x="0" y="0"/>
+          <a:ext cx="0" cy="0"/>
+          <a:chOff x="0" y="0"/>
+          <a:chExt cx="0" cy="0"/>
+        </a:xfrm>
+      </p:grpSpPr>
+      <p:sp>
+        <p:nvSpPr>
+          <p:cNvPr id="2" name="标题 1"/>
+          <p:cNvSpPr>
+            <a:spLocks noGrp="1"/>
+          </p:cNvSpPr>
+          <p:nvPr>
+            <p:ph type="title"/>
+          </p:nvPr>
+        </p:nvSpPr>
+        <p:spPr/>
+        <p:txBody>
+          <a:bodyPr/>
+          <a:lstStyle/>
+          <a:p>
+            <a:r>
               <a:rPr lang="zh-CN"/>
               <a:t>标题和内容版式与图表</a:t>
             </a:r>
@@ -17872,7 +19227,7 @@
 </p:sld>
 </file>
 
-<file path=ppt/slides/slide23.xml><?xml version="1.0" encoding="utf-8"?>
+<file path=ppt/slides/slide26.xml><?xml version="1.0" encoding="utf-8"?>
 <p:sld xmlns:a="http://schemas.openxmlformats.org/drawingml/2006/main" xmlns:r="http://schemas.openxmlformats.org/officeDocument/2006/relationships" xmlns:p="http://schemas.openxmlformats.org/presentationml/2006/main">
   <p:cSld>
     <p:spTree>
@@ -17990,7 +19345,7 @@
 </p:sld>
 </file>
 
-<file path=ppt/slides/slide24.xml><?xml version="1.0" encoding="utf-8"?>
+<file path=ppt/slides/slide27.xml><?xml version="1.0" encoding="utf-8"?>
 <p:sld xmlns:a="http://schemas.openxmlformats.org/drawingml/2006/main" xmlns:r="http://schemas.openxmlformats.org/officeDocument/2006/relationships" xmlns:p="http://schemas.openxmlformats.org/presentationml/2006/main">
   <p:cSld>
     <p:spTree>
@@ -18092,21 +19447,21 @@
                 <a:gridCol w="1524000">
                   <a:extLst>
                     <a:ext uri="{9D8B030D-6E8A-4147-A177-3AD203B41FA5}">
-                      <a16:colId xmlns:a16="http://schemas.microsoft.com/office/drawing/2014/main" val="20000"/>
+                      <a16:colId xmlns:a16="http://schemas.microsoft.com/office/drawing/2014/main" xmlns="" val="20000"/>
                     </a:ext>
                   </a:extLst>
                 </a:gridCol>
                 <a:gridCol w="1524000">
                   <a:extLst>
                     <a:ext uri="{9D8B030D-6E8A-4147-A177-3AD203B41FA5}">
-                      <a16:colId xmlns:a16="http://schemas.microsoft.com/office/drawing/2014/main" val="20001"/>
+                      <a16:colId xmlns:a16="http://schemas.microsoft.com/office/drawing/2014/main" xmlns="" val="20001"/>
                     </a:ext>
                   </a:extLst>
                 </a:gridCol>
                 <a:gridCol w="1524000">
                   <a:extLst>
                     <a:ext uri="{9D8B030D-6E8A-4147-A177-3AD203B41FA5}">
-                      <a16:colId xmlns:a16="http://schemas.microsoft.com/office/drawing/2014/main" val="20002"/>
+                      <a16:colId xmlns:a16="http://schemas.microsoft.com/office/drawing/2014/main" xmlns="" val="20002"/>
                     </a:ext>
                   </a:extLst>
                 </a:gridCol>
@@ -18161,7 +19516,7 @@
                 </a:tc>
                 <a:extLst>
                   <a:ext uri="{0D108BD9-81ED-4DB2-BD59-A6C34878D82A}">
-                    <a16:rowId xmlns:a16="http://schemas.microsoft.com/office/drawing/2014/main" val="10000"/>
+                    <a16:rowId xmlns:a16="http://schemas.microsoft.com/office/drawing/2014/main" xmlns="" val="10000"/>
                   </a:ext>
                 </a:extLst>
               </a:tr>
@@ -18218,7 +19573,7 @@
                 </a:tc>
                 <a:extLst>
                   <a:ext uri="{0D108BD9-81ED-4DB2-BD59-A6C34878D82A}">
-                    <a16:rowId xmlns:a16="http://schemas.microsoft.com/office/drawing/2014/main" val="10001"/>
+                    <a16:rowId xmlns:a16="http://schemas.microsoft.com/office/drawing/2014/main" xmlns="" val="10001"/>
                   </a:ext>
                 </a:extLst>
               </a:tr>
@@ -18275,7 +19630,7 @@
                 </a:tc>
                 <a:extLst>
                   <a:ext uri="{0D108BD9-81ED-4DB2-BD59-A6C34878D82A}">
-                    <a16:rowId xmlns:a16="http://schemas.microsoft.com/office/drawing/2014/main" val="10002"/>
+                    <a16:rowId xmlns:a16="http://schemas.microsoft.com/office/drawing/2014/main" xmlns="" val="10002"/>
                   </a:ext>
                 </a:extLst>
               </a:tr>
@@ -18332,7 +19687,7 @@
                 </a:tc>
                 <a:extLst>
                   <a:ext uri="{0D108BD9-81ED-4DB2-BD59-A6C34878D82A}">
-                    <a16:rowId xmlns:a16="http://schemas.microsoft.com/office/drawing/2014/main" val="10003"/>
+                    <a16:rowId xmlns:a16="http://schemas.microsoft.com/office/drawing/2014/main" xmlns="" val="10003"/>
                   </a:ext>
                 </a:extLst>
               </a:tr>
@@ -18372,7 +19727,7 @@
 </p:sld>
 </file>
 
-<file path=ppt/slides/slide25.xml><?xml version="1.0" encoding="utf-8"?>
+<file path=ppt/slides/slide28.xml><?xml version="1.0" encoding="utf-8"?>
 <p:sld xmlns:a="http://schemas.openxmlformats.org/drawingml/2006/main" xmlns:r="http://schemas.openxmlformats.org/officeDocument/2006/relationships" xmlns:p="http://schemas.openxmlformats.org/presentationml/2006/main">
   <p:cSld>
     <p:spTree>
@@ -18502,7 +19857,7 @@
 </p:sld>
 </file>
 
-<file path=ppt/slides/slide26.xml><?xml version="1.0" encoding="utf-8"?>
+<file path=ppt/slides/slide29.xml><?xml version="1.0" encoding="utf-8"?>
 <p:sld xmlns:a="http://schemas.openxmlformats.org/drawingml/2006/main" xmlns:r="http://schemas.openxmlformats.org/officeDocument/2006/relationships" xmlns:p="http://schemas.openxmlformats.org/presentationml/2006/main">
   <p:cSld>
     <p:spTree>
@@ -18589,7 +19944,254 @@
 </p:sld>
 </file>
 
-<file path=ppt/slides/slide27.xml><?xml version="1.0" encoding="utf-8"?>
+<file path=ppt/slides/slide3.xml><?xml version="1.0" encoding="utf-8"?>
+<p:sld xmlns:a="http://schemas.openxmlformats.org/drawingml/2006/main" xmlns:r="http://schemas.openxmlformats.org/officeDocument/2006/relationships" xmlns:p="http://schemas.openxmlformats.org/presentationml/2006/main">
+  <p:cSld>
+    <p:spTree>
+      <p:nvGrpSpPr>
+        <p:cNvPr id="1" name=""/>
+        <p:cNvGrpSpPr/>
+        <p:nvPr/>
+      </p:nvGrpSpPr>
+      <p:grpSpPr>
+        <a:xfrm>
+          <a:off x="0" y="0"/>
+          <a:ext cx="0" cy="0"/>
+          <a:chOff x="0" y="0"/>
+          <a:chExt cx="0" cy="0"/>
+        </a:xfrm>
+      </p:grpSpPr>
+      <p:sp>
+        <p:nvSpPr>
+          <p:cNvPr id="2" name="标题 1"/>
+          <p:cNvSpPr>
+            <a:spLocks noGrp="1"/>
+          </p:cNvSpPr>
+          <p:nvPr>
+            <p:ph type="title"/>
+          </p:nvPr>
+        </p:nvSpPr>
+        <p:spPr/>
+        <p:txBody>
+          <a:bodyPr/>
+          <a:lstStyle/>
+          <a:p>
+            <a:r>
+              <a:rPr lang="en-US" altLang="zh-CN" dirty="0" smtClean="0"/>
+              <a:t>Java</a:t>
+            </a:r>
+            <a:r>
+              <a:rPr lang="zh-CN" altLang="en-US" dirty="0" smtClean="0"/>
+              <a:t>安全框架设计模式</a:t>
+            </a:r>
+            <a:endParaRPr lang="zh-CN" dirty="0"/>
+          </a:p>
+        </p:txBody>
+      </p:sp>
+      <p:sp>
+        <p:nvSpPr>
+          <p:cNvPr id="3" name="内容占位符 2"/>
+          <p:cNvSpPr>
+            <a:spLocks noGrp="1"/>
+          </p:cNvSpPr>
+          <p:nvPr>
+            <p:ph idx="1"/>
+          </p:nvPr>
+        </p:nvSpPr>
+        <p:spPr/>
+        <p:txBody>
+          <a:bodyPr/>
+          <a:lstStyle/>
+          <a:p>
+            <a:r>
+              <a:rPr lang="zh-CN" altLang="en-US" dirty="0" smtClean="0"/>
+              <a:t>服务提供者模式（</a:t>
+            </a:r>
+            <a:r>
+              <a:rPr lang="en-US" altLang="zh-CN" dirty="0" smtClean="0"/>
+              <a:t>Service Provider Framework</a:t>
+            </a:r>
+            <a:r>
+              <a:rPr lang="zh-CN" altLang="en-US" dirty="0" smtClean="0"/>
+              <a:t>）</a:t>
+            </a:r>
+            <a:endParaRPr lang="en-US" altLang="zh-CN" dirty="0" smtClean="0"/>
+          </a:p>
+          <a:p>
+            <a:pPr marL="45720" indent="0">
+              <a:buNone/>
+            </a:pPr>
+            <a:r>
+              <a:rPr lang="en-US" altLang="zh-CN" sz="1600" dirty="0" smtClean="0">
+                <a:solidFill>
+                  <a:schemeClr val="tx1"/>
+                </a:solidFill>
+              </a:rPr>
+              <a:t>    </a:t>
+            </a:r>
+            <a:r>
+              <a:rPr lang="en-US" altLang="zh-CN" sz="1600" dirty="0" smtClean="0">
+                <a:solidFill>
+                  <a:srgbClr val="0070C0"/>
+                </a:solidFill>
+              </a:rPr>
+              <a:t>API</a:t>
+            </a:r>
+            <a:r>
+              <a:rPr lang="zh-CN" altLang="en-US" sz="1600" dirty="0" smtClean="0">
+                <a:solidFill>
+                  <a:srgbClr val="0070C0"/>
+                </a:solidFill>
+              </a:rPr>
+              <a:t>接口与实现的分离</a:t>
+            </a:r>
+            <a:endParaRPr lang="zh-CN" sz="1600" dirty="0">
+              <a:solidFill>
+                <a:srgbClr val="0070C0"/>
+              </a:solidFill>
+            </a:endParaRPr>
+          </a:p>
+          <a:p>
+            <a:r>
+              <a:rPr lang="en-US" altLang="zh-CN" dirty="0" smtClean="0"/>
+              <a:t>SPI</a:t>
+            </a:r>
+            <a:r>
+              <a:rPr lang="zh-CN" altLang="en-US" dirty="0" smtClean="0"/>
+              <a:t>（</a:t>
+            </a:r>
+            <a:r>
+              <a:rPr lang="en-US" altLang="zh-CN" dirty="0"/>
+              <a:t>Service Provider </a:t>
+            </a:r>
+            <a:r>
+              <a:rPr lang="en-US" altLang="zh-CN" dirty="0" smtClean="0"/>
+              <a:t>Interface</a:t>
+            </a:r>
+            <a:r>
+              <a:rPr lang="zh-CN" altLang="en-US" dirty="0" smtClean="0"/>
+              <a:t>）</a:t>
+            </a:r>
+            <a:endParaRPr lang="en-US" altLang="zh-CN" dirty="0" smtClean="0"/>
+          </a:p>
+          <a:p>
+            <a:pPr marL="45720" indent="0">
+              <a:buNone/>
+            </a:pPr>
+            <a:r>
+              <a:rPr lang="en-US" altLang="zh-CN" sz="1600" dirty="0" smtClean="0"/>
+              <a:t>    </a:t>
+            </a:r>
+            <a:r>
+              <a:rPr lang="en-US" altLang="zh-CN" sz="1600" dirty="0" smtClean="0">
+                <a:solidFill>
+                  <a:srgbClr val="0070C0"/>
+                </a:solidFill>
+              </a:rPr>
+              <a:t>MessageDigestSpi</a:t>
+            </a:r>
+            <a:r>
+              <a:rPr lang="zh-CN" altLang="en-US" sz="1600" dirty="0" smtClean="0">
+                <a:solidFill>
+                  <a:srgbClr val="0070C0"/>
+                </a:solidFill>
+              </a:rPr>
+              <a:t>，</a:t>
+            </a:r>
+            <a:r>
+              <a:rPr lang="en-US" altLang="zh-CN" sz="1600" dirty="0" smtClean="0">
+                <a:solidFill>
+                  <a:srgbClr val="0070C0"/>
+                </a:solidFill>
+              </a:rPr>
+              <a:t>CipherSpi</a:t>
+            </a:r>
+            <a:r>
+              <a:rPr lang="zh-CN" altLang="en-US" sz="1600" dirty="0" smtClean="0">
+                <a:solidFill>
+                  <a:srgbClr val="0070C0"/>
+                </a:solidFill>
+              </a:rPr>
+              <a:t>等</a:t>
+            </a:r>
+            <a:endParaRPr lang="en-US" altLang="zh-CN" sz="1600" dirty="0" smtClean="0">
+              <a:solidFill>
+                <a:srgbClr val="0070C0"/>
+              </a:solidFill>
+            </a:endParaRPr>
+          </a:p>
+          <a:p>
+            <a:r>
+              <a:rPr lang="en-US" altLang="zh-CN" dirty="0" smtClean="0"/>
+              <a:t>Provider</a:t>
+            </a:r>
+            <a:endParaRPr lang="en-US" altLang="zh-CN" dirty="0"/>
+          </a:p>
+          <a:p>
+            <a:pPr marL="45720" indent="0">
+              <a:buNone/>
+            </a:pPr>
+            <a:r>
+              <a:rPr lang="en-US" altLang="zh-CN" dirty="0"/>
+              <a:t>   </a:t>
+            </a:r>
+            <a:r>
+              <a:rPr lang="zh-CN" altLang="en-US" sz="1600" dirty="0">
+                <a:solidFill>
+                  <a:srgbClr val="0070C0"/>
+                </a:solidFill>
+              </a:rPr>
+              <a:t>第三方库：</a:t>
+            </a:r>
+            <a:r>
+              <a:rPr lang="en-US" altLang="zh-CN" sz="1600" dirty="0" smtClean="0">
+                <a:solidFill>
+                  <a:srgbClr val="0070C0"/>
+                </a:solidFill>
+              </a:rPr>
+              <a:t>Bouncy Castle</a:t>
+            </a:r>
+            <a:endParaRPr lang="en-US" altLang="zh-CN" sz="1600" dirty="0">
+              <a:solidFill>
+                <a:srgbClr val="0070C0"/>
+              </a:solidFill>
+            </a:endParaRPr>
+          </a:p>
+        </p:txBody>
+      </p:sp>
+    </p:spTree>
+    <p:extLst>
+      <p:ext uri="{BB962C8B-B14F-4D97-AF65-F5344CB8AC3E}">
+        <p14:creationId xmlns:p14="http://schemas.microsoft.com/office/powerpoint/2010/main" val="2479606371"/>
+      </p:ext>
+    </p:extLst>
+  </p:cSld>
+  <p:clrMapOvr>
+    <a:masterClrMapping/>
+  </p:clrMapOvr>
+  <mc:AlternateContent xmlns:mc="http://schemas.openxmlformats.org/markup-compatibility/2006" xmlns:p14="http://schemas.microsoft.com/office/powerpoint/2010/main">
+    <mc:Choice Requires="p14">
+      <p:transition spd="med" p14:dur="700">
+        <p:fade/>
+      </p:transition>
+    </mc:Choice>
+    <mc:Fallback xmlns="">
+      <p:transition spd="med">
+        <p:fade/>
+      </p:transition>
+    </mc:Fallback>
+  </mc:AlternateContent>
+  <p:timing>
+    <p:tnLst>
+      <p:par>
+        <p:cTn id="1" dur="indefinite" restart="never" nodeType="tmRoot"/>
+      </p:par>
+    </p:tnLst>
+  </p:timing>
+</p:sld>
+</file>
+
+<file path=ppt/slides/slide30.xml><?xml version="1.0" encoding="utf-8"?>
 <p:sld xmlns:a="http://schemas.openxmlformats.org/drawingml/2006/main" xmlns:r="http://schemas.openxmlformats.org/officeDocument/2006/relationships" xmlns:p="http://schemas.openxmlformats.org/presentationml/2006/main">
   <p:cSld>
     <p:spTree>
@@ -18733,7 +20335,7 @@
 </p:sld>
 </file>
 
-<file path=ppt/slides/slide28.xml><?xml version="1.0" encoding="utf-8"?>
+<file path=ppt/slides/slide31.xml><?xml version="1.0" encoding="utf-8"?>
 <p:sld xmlns:a="http://schemas.openxmlformats.org/drawingml/2006/main" xmlns:r="http://schemas.openxmlformats.org/officeDocument/2006/relationships" xmlns:p="http://schemas.openxmlformats.org/presentationml/2006/main">
   <p:cSld>
     <p:spTree>
@@ -18801,7 +20403,7 @@
 </p:sld>
 </file>
 
-<file path=ppt/slides/slide29.xml><?xml version="1.0" encoding="utf-8"?>
+<file path=ppt/slides/slide32.xml><?xml version="1.0" encoding="utf-8"?>
 <p:sld xmlns:a="http://schemas.openxmlformats.org/drawingml/2006/main" xmlns:r="http://schemas.openxmlformats.org/officeDocument/2006/relationships" xmlns:p="http://schemas.openxmlformats.org/presentationml/2006/main">
   <p:cSld>
     <p:spTree>
@@ -18850,254 +20452,7 @@
 </p:sld>
 </file>
 
-<file path=ppt/slides/slide3.xml><?xml version="1.0" encoding="utf-8"?>
-<p:sld xmlns:a="http://schemas.openxmlformats.org/drawingml/2006/main" xmlns:r="http://schemas.openxmlformats.org/officeDocument/2006/relationships" xmlns:p="http://schemas.openxmlformats.org/presentationml/2006/main">
-  <p:cSld>
-    <p:spTree>
-      <p:nvGrpSpPr>
-        <p:cNvPr id="1" name=""/>
-        <p:cNvGrpSpPr/>
-        <p:nvPr/>
-      </p:nvGrpSpPr>
-      <p:grpSpPr>
-        <a:xfrm>
-          <a:off x="0" y="0"/>
-          <a:ext cx="0" cy="0"/>
-          <a:chOff x="0" y="0"/>
-          <a:chExt cx="0" cy="0"/>
-        </a:xfrm>
-      </p:grpSpPr>
-      <p:sp>
-        <p:nvSpPr>
-          <p:cNvPr id="2" name="标题 1"/>
-          <p:cNvSpPr>
-            <a:spLocks noGrp="1"/>
-          </p:cNvSpPr>
-          <p:nvPr>
-            <p:ph type="title"/>
-          </p:nvPr>
-        </p:nvSpPr>
-        <p:spPr/>
-        <p:txBody>
-          <a:bodyPr/>
-          <a:lstStyle/>
-          <a:p>
-            <a:r>
-              <a:rPr lang="en-US" altLang="zh-CN" dirty="0" smtClean="0"/>
-              <a:t>Java</a:t>
-            </a:r>
-            <a:r>
-              <a:rPr lang="zh-CN" altLang="en-US" dirty="0" smtClean="0"/>
-              <a:t>安全框架设计模式</a:t>
-            </a:r>
-            <a:endParaRPr lang="zh-CN" dirty="0"/>
-          </a:p>
-        </p:txBody>
-      </p:sp>
-      <p:sp>
-        <p:nvSpPr>
-          <p:cNvPr id="3" name="内容占位符 2"/>
-          <p:cNvSpPr>
-            <a:spLocks noGrp="1"/>
-          </p:cNvSpPr>
-          <p:nvPr>
-            <p:ph idx="1"/>
-          </p:nvPr>
-        </p:nvSpPr>
-        <p:spPr/>
-        <p:txBody>
-          <a:bodyPr/>
-          <a:lstStyle/>
-          <a:p>
-            <a:r>
-              <a:rPr lang="zh-CN" altLang="en-US" dirty="0" smtClean="0"/>
-              <a:t>服务提供者模式（</a:t>
-            </a:r>
-            <a:r>
-              <a:rPr lang="en-US" altLang="zh-CN" dirty="0" smtClean="0"/>
-              <a:t>Service Provider Framework</a:t>
-            </a:r>
-            <a:r>
-              <a:rPr lang="zh-CN" altLang="en-US" dirty="0" smtClean="0"/>
-              <a:t>）</a:t>
-            </a:r>
-            <a:endParaRPr lang="en-US" altLang="zh-CN" dirty="0" smtClean="0"/>
-          </a:p>
-          <a:p>
-            <a:pPr marL="45720" indent="0">
-              <a:buNone/>
-            </a:pPr>
-            <a:r>
-              <a:rPr lang="en-US" altLang="zh-CN" sz="1600" dirty="0" smtClean="0">
-                <a:solidFill>
-                  <a:schemeClr val="tx1"/>
-                </a:solidFill>
-              </a:rPr>
-              <a:t>    </a:t>
-            </a:r>
-            <a:r>
-              <a:rPr lang="en-US" altLang="zh-CN" sz="1600" dirty="0" smtClean="0">
-                <a:solidFill>
-                  <a:srgbClr val="0070C0"/>
-                </a:solidFill>
-              </a:rPr>
-              <a:t>API</a:t>
-            </a:r>
-            <a:r>
-              <a:rPr lang="zh-CN" altLang="en-US" sz="1600" dirty="0" smtClean="0">
-                <a:solidFill>
-                  <a:srgbClr val="0070C0"/>
-                </a:solidFill>
-              </a:rPr>
-              <a:t>接口与实现的分离</a:t>
-            </a:r>
-            <a:endParaRPr lang="zh-CN" sz="1600" dirty="0">
-              <a:solidFill>
-                <a:srgbClr val="0070C0"/>
-              </a:solidFill>
-            </a:endParaRPr>
-          </a:p>
-          <a:p>
-            <a:r>
-              <a:rPr lang="en-US" altLang="zh-CN" dirty="0" smtClean="0"/>
-              <a:t>SPI</a:t>
-            </a:r>
-            <a:r>
-              <a:rPr lang="zh-CN" altLang="en-US" dirty="0" smtClean="0"/>
-              <a:t>（</a:t>
-            </a:r>
-            <a:r>
-              <a:rPr lang="en-US" altLang="zh-CN" dirty="0"/>
-              <a:t>Service Provider </a:t>
-            </a:r>
-            <a:r>
-              <a:rPr lang="en-US" altLang="zh-CN" dirty="0" smtClean="0"/>
-              <a:t>Interface</a:t>
-            </a:r>
-            <a:r>
-              <a:rPr lang="zh-CN" altLang="en-US" dirty="0" smtClean="0"/>
-              <a:t>）</a:t>
-            </a:r>
-            <a:endParaRPr lang="en-US" altLang="zh-CN" dirty="0" smtClean="0"/>
-          </a:p>
-          <a:p>
-            <a:pPr marL="45720" indent="0">
-              <a:buNone/>
-            </a:pPr>
-            <a:r>
-              <a:rPr lang="en-US" altLang="zh-CN" sz="1600" dirty="0" smtClean="0"/>
-              <a:t>    </a:t>
-            </a:r>
-            <a:r>
-              <a:rPr lang="en-US" altLang="zh-CN" sz="1600" dirty="0" smtClean="0">
-                <a:solidFill>
-                  <a:srgbClr val="0070C0"/>
-                </a:solidFill>
-              </a:rPr>
-              <a:t>MessageDigestSpi</a:t>
-            </a:r>
-            <a:r>
-              <a:rPr lang="zh-CN" altLang="en-US" sz="1600" dirty="0" smtClean="0">
-                <a:solidFill>
-                  <a:srgbClr val="0070C0"/>
-                </a:solidFill>
-              </a:rPr>
-              <a:t>，</a:t>
-            </a:r>
-            <a:r>
-              <a:rPr lang="en-US" altLang="zh-CN" sz="1600" dirty="0" smtClean="0">
-                <a:solidFill>
-                  <a:srgbClr val="0070C0"/>
-                </a:solidFill>
-              </a:rPr>
-              <a:t>CipherSpi</a:t>
-            </a:r>
-            <a:r>
-              <a:rPr lang="zh-CN" altLang="en-US" sz="1600" dirty="0" smtClean="0">
-                <a:solidFill>
-                  <a:srgbClr val="0070C0"/>
-                </a:solidFill>
-              </a:rPr>
-              <a:t>等</a:t>
-            </a:r>
-            <a:endParaRPr lang="en-US" altLang="zh-CN" sz="1600" dirty="0" smtClean="0">
-              <a:solidFill>
-                <a:srgbClr val="0070C0"/>
-              </a:solidFill>
-            </a:endParaRPr>
-          </a:p>
-          <a:p>
-            <a:r>
-              <a:rPr lang="en-US" altLang="zh-CN" dirty="0" smtClean="0"/>
-              <a:t>Provider</a:t>
-            </a:r>
-            <a:endParaRPr lang="en-US" altLang="zh-CN" dirty="0"/>
-          </a:p>
-          <a:p>
-            <a:pPr marL="45720" indent="0">
-              <a:buNone/>
-            </a:pPr>
-            <a:r>
-              <a:rPr lang="en-US" altLang="zh-CN" dirty="0"/>
-              <a:t>   </a:t>
-            </a:r>
-            <a:r>
-              <a:rPr lang="zh-CN" altLang="en-US" sz="1600" dirty="0">
-                <a:solidFill>
-                  <a:srgbClr val="0070C0"/>
-                </a:solidFill>
-              </a:rPr>
-              <a:t>第三方库：</a:t>
-            </a:r>
-            <a:r>
-              <a:rPr lang="en-US" altLang="zh-CN" sz="1600" dirty="0" smtClean="0">
-                <a:solidFill>
-                  <a:srgbClr val="0070C0"/>
-                </a:solidFill>
-              </a:rPr>
-              <a:t>Bouncy Castle</a:t>
-            </a:r>
-            <a:endParaRPr lang="en-US" altLang="zh-CN" sz="1600" dirty="0">
-              <a:solidFill>
-                <a:srgbClr val="0070C0"/>
-              </a:solidFill>
-            </a:endParaRPr>
-          </a:p>
-        </p:txBody>
-      </p:sp>
-    </p:spTree>
-    <p:extLst>
-      <p:ext uri="{BB962C8B-B14F-4D97-AF65-F5344CB8AC3E}">
-        <p14:creationId xmlns:p14="http://schemas.microsoft.com/office/powerpoint/2010/main" val="2479606371"/>
-      </p:ext>
-    </p:extLst>
-  </p:cSld>
-  <p:clrMapOvr>
-    <a:masterClrMapping/>
-  </p:clrMapOvr>
-  <mc:AlternateContent xmlns:mc="http://schemas.openxmlformats.org/markup-compatibility/2006" xmlns:p14="http://schemas.microsoft.com/office/powerpoint/2010/main">
-    <mc:Choice Requires="p14">
-      <p:transition spd="med" p14:dur="700">
-        <p:fade/>
-      </p:transition>
-    </mc:Choice>
-    <mc:Fallback xmlns="">
-      <p:transition spd="med">
-        <p:fade/>
-      </p:transition>
-    </mc:Fallback>
-  </mc:AlternateContent>
-  <p:timing>
-    <p:tnLst>
-      <p:par>
-        <p:cTn id="1" dur="indefinite" restart="never" nodeType="tmRoot"/>
-      </p:par>
-    </p:tnLst>
-  </p:timing>
-</p:sld>
-</file>
-
-<file path=ppt/slides/slide30.xml><?xml version="1.0" encoding="utf-8"?>
+<file path=ppt/slides/slide33.xml><?xml version="1.0" encoding="utf-8"?>
 <p:sld xmlns:a="http://schemas.openxmlformats.org/drawingml/2006/main" xmlns:r="http://schemas.openxmlformats.org/officeDocument/2006/relationships" xmlns:p="http://schemas.openxmlformats.org/presentationml/2006/main">
   <p:cSld>
     <p:spTree>
@@ -20930,21 +22285,21 @@
                 <a:gridCol w="3170237">
                   <a:extLst>
                     <a:ext uri="{9D8B030D-6E8A-4147-A177-3AD203B41FA5}">
-                      <a16:colId xmlns:a16="http://schemas.microsoft.com/office/drawing/2014/main" val="1262576194"/>
+                      <a16:colId xmlns:a16="http://schemas.microsoft.com/office/drawing/2014/main" xmlns="" val="1262576194"/>
                     </a:ext>
                   </a:extLst>
                 </a:gridCol>
                 <a:gridCol w="3170237">
                   <a:extLst>
                     <a:ext uri="{9D8B030D-6E8A-4147-A177-3AD203B41FA5}">
-                      <a16:colId xmlns:a16="http://schemas.microsoft.com/office/drawing/2014/main" val="1627258925"/>
+                      <a16:colId xmlns:a16="http://schemas.microsoft.com/office/drawing/2014/main" xmlns="" val="1627258925"/>
                     </a:ext>
                   </a:extLst>
                 </a:gridCol>
                 <a:gridCol w="3170237">
                   <a:extLst>
                     <a:ext uri="{9D8B030D-6E8A-4147-A177-3AD203B41FA5}">
-                      <a16:colId xmlns:a16="http://schemas.microsoft.com/office/drawing/2014/main" val="279132191"/>
+                      <a16:colId xmlns:a16="http://schemas.microsoft.com/office/drawing/2014/main" xmlns="" val="279132191"/>
                     </a:ext>
                   </a:extLst>
                 </a:gridCol>
@@ -21015,7 +22370,7 @@
                 </a:tc>
                 <a:extLst>
                   <a:ext uri="{0D108BD9-81ED-4DB2-BD59-A6C34878D82A}">
-                    <a16:rowId xmlns:a16="http://schemas.microsoft.com/office/drawing/2014/main" val="3704071744"/>
+                    <a16:rowId xmlns:a16="http://schemas.microsoft.com/office/drawing/2014/main" xmlns="" val="3704071744"/>
                   </a:ext>
                 </a:extLst>
               </a:tr>
@@ -21085,7 +22440,7 @@
                 </a:tc>
                 <a:extLst>
                   <a:ext uri="{0D108BD9-81ED-4DB2-BD59-A6C34878D82A}">
-                    <a16:rowId xmlns:a16="http://schemas.microsoft.com/office/drawing/2014/main" val="3056097180"/>
+                    <a16:rowId xmlns:a16="http://schemas.microsoft.com/office/drawing/2014/main" xmlns="" val="3056097180"/>
                   </a:ext>
                 </a:extLst>
               </a:tr>
@@ -21173,7 +22528,7 @@
                 </a:tc>
                 <a:extLst>
                   <a:ext uri="{0D108BD9-81ED-4DB2-BD59-A6C34878D82A}">
-                    <a16:rowId xmlns:a16="http://schemas.microsoft.com/office/drawing/2014/main" val="3398222936"/>
+                    <a16:rowId xmlns:a16="http://schemas.microsoft.com/office/drawing/2014/main" xmlns="" val="3398222936"/>
                   </a:ext>
                 </a:extLst>
               </a:tr>
@@ -21243,7 +22598,7 @@
                 </a:tc>
                 <a:extLst>
                   <a:ext uri="{0D108BD9-81ED-4DB2-BD59-A6C34878D82A}">
-                    <a16:rowId xmlns:a16="http://schemas.microsoft.com/office/drawing/2014/main" val="3661055458"/>
+                    <a16:rowId xmlns:a16="http://schemas.microsoft.com/office/drawing/2014/main" xmlns="" val="3661055458"/>
                   </a:ext>
                 </a:extLst>
               </a:tr>

--- a/Java安全架构.pptx
+++ b/Java安全架构.pptx
@@ -5,10 +5,10 @@
     <p:sldMasterId id="2147483840" r:id="rId2"/>
   </p:sldMasterIdLst>
   <p:notesMasterIdLst>
-    <p:notesMasterId r:id="rId36"/>
+    <p:notesMasterId r:id="rId37"/>
   </p:notesMasterIdLst>
   <p:handoutMasterIdLst>
-    <p:handoutMasterId r:id="rId37"/>
+    <p:handoutMasterId r:id="rId38"/>
   </p:handoutMasterIdLst>
   <p:sldIdLst>
     <p:sldId id="256" r:id="rId3"/>
@@ -35,15 +35,16 @@
     <p:sldId id="286" r:id="rId24"/>
     <p:sldId id="287" r:id="rId25"/>
     <p:sldId id="289" r:id="rId26"/>
-    <p:sldId id="258" r:id="rId27"/>
-    <p:sldId id="266" r:id="rId28"/>
-    <p:sldId id="260" r:id="rId29"/>
-    <p:sldId id="259" r:id="rId30"/>
-    <p:sldId id="261" r:id="rId31"/>
-    <p:sldId id="262" r:id="rId32"/>
-    <p:sldId id="263" r:id="rId33"/>
-    <p:sldId id="264" r:id="rId34"/>
-    <p:sldId id="265" r:id="rId35"/>
+    <p:sldId id="290" r:id="rId27"/>
+    <p:sldId id="258" r:id="rId28"/>
+    <p:sldId id="266" r:id="rId29"/>
+    <p:sldId id="260" r:id="rId30"/>
+    <p:sldId id="259" r:id="rId31"/>
+    <p:sldId id="261" r:id="rId32"/>
+    <p:sldId id="262" r:id="rId33"/>
+    <p:sldId id="263" r:id="rId34"/>
+    <p:sldId id="264" r:id="rId35"/>
+    <p:sldId id="265" r:id="rId36"/>
   </p:sldIdLst>
   <p:sldSz cx="12192000" cy="6858000"/>
   <p:notesSz cx="6858000" cy="9144000"/>
@@ -144,7 +145,7 @@
   </p:defaultTextStyle>
   <p:extLst>
     <p:ext uri="{EFAFB233-063F-42B5-8137-9DF3F51BA10A}">
-      <p15:sldGuideLst xmlns:p15="http://schemas.microsoft.com/office/powerpoint/2012/main" xmlns="">
+      <p15:sldGuideLst xmlns="" xmlns:p15="http://schemas.microsoft.com/office/powerpoint/2012/main">
         <p15:guide id="1" orient="horz" pos="2160">
           <p15:clr>
             <a:srgbClr val="A4A3A4"/>
@@ -158,7 +159,7 @@
       </p15:sldGuideLst>
     </p:ext>
     <p:ext uri="{2D200454-40CA-4A62-9FC3-DE9A4176ACB9}">
-      <p15:notesGuideLst xmlns:p15="http://schemas.microsoft.com/office/powerpoint/2012/main" xmlns=""/>
+      <p15:notesGuideLst xmlns="" xmlns:p15="http://schemas.microsoft.com/office/powerpoint/2012/main"/>
     </p:ext>
   </p:extLst>
 </p:presentation>
@@ -477,11 +478,11 @@
         </c:dLbls>
         <c:gapWidth val="355"/>
         <c:overlap val="-70"/>
-        <c:axId val="118889856"/>
-        <c:axId val="202212480"/>
+        <c:axId val="240675456"/>
+        <c:axId val="240693632"/>
       </c:barChart>
       <c:catAx>
-        <c:axId val="118889856"/>
+        <c:axId val="240675456"/>
         <c:scaling>
           <c:orientation val="minMax"/>
         </c:scaling>
@@ -524,7 +525,7 @@
             <a:endParaRPr lang="zh-CN"/>
           </a:p>
         </c:txPr>
-        <c:crossAx val="202212480"/>
+        <c:crossAx val="240693632"/>
         <c:crosses val="autoZero"/>
         <c:auto val="1"/>
         <c:lblAlgn val="ctr"/>
@@ -532,7 +533,7 @@
         <c:noMultiLvlLbl val="0"/>
       </c:catAx>
       <c:valAx>
-        <c:axId val="202212480"/>
+        <c:axId val="240693632"/>
         <c:scaling>
           <c:orientation val="minMax"/>
         </c:scaling>
@@ -569,7 +570,7 @@
             <a:endParaRPr lang="zh-CN"/>
           </a:p>
         </c:txPr>
-        <c:crossAx val="118889856"/>
+        <c:crossAx val="240675456"/>
         <c:crosses val="autoZero"/>
         <c:crossBetween val="between"/>
       </c:valAx>
@@ -4413,7 +4414,7 @@
           <a:p>
             <a:fld id="{DE71268B-8AC2-4239-8FAF-7C144C210720}" type="datetimeFigureOut">
               <a:rPr lang="en-US" altLang="zh-CN"/>
-              <a:t>5/2/2017</a:t>
+              <a:t>5/3/2017</a:t>
             </a:fld>
             <a:endParaRPr lang="zh-CN"/>
           </a:p>
@@ -4577,7 +4578,7 @@
           </a:lstStyle>
           <a:p>
             <a:fld id="{F5AD8362-6D63-40AC-BAA9-90C3AE6D5875}" type="datetimeFigureOut">
-              <a:t>2017/5/2</a:t>
+              <a:t>2017/5/3</a:t>
             </a:fld>
             <a:endParaRPr lang="zh-CN"/>
           </a:p>
@@ -5705,7 +5706,7 @@
           <a:lstStyle/>
           <a:p>
             <a:fld id="{5F4E5243-F52A-4D37-9694-EB26C6C31910}" type="datetime1">
-              <a:t>2017/5/2</a:t>
+              <a:t>2017/5/3</a:t>
             </a:fld>
             <a:endParaRPr lang="zh-CN"/>
           </a:p>
@@ -5902,7 +5903,7 @@
           <a:lstStyle/>
           <a:p>
             <a:fld id="{3A77B6E1-634A-48DC-9E8B-D894023267EF}" type="datetime1">
-              <a:t>2017/5/2</a:t>
+              <a:t>2017/5/3</a:t>
             </a:fld>
             <a:endParaRPr lang="zh-CN"/>
           </a:p>
@@ -6093,7 +6094,7 @@
           <a:lstStyle/>
           <a:p>
             <a:fld id="{7B2D3E9E-A95C-48F2-B4BF-A71542E0BE9A}" type="datetime1">
-              <a:t>2017/5/2</a:t>
+              <a:t>2017/5/3</a:t>
             </a:fld>
             <a:endParaRPr lang="zh-CN"/>
           </a:p>
@@ -6425,7 +6426,7 @@
           <a:lstStyle/>
           <a:p>
             <a:fld id="{A50F84E2-2D7A-43CF-AC90-352A289A783A}" type="datetime1">
-              <a:t>2017/5/2</a:t>
+              <a:t>2017/5/3</a:t>
             </a:fld>
             <a:endParaRPr lang="zh-CN"/>
           </a:p>
@@ -6734,7 +6735,7 @@
           <a:lstStyle/>
           <a:p>
             <a:fld id="{F12952B5-7A2F-4CC8-B7CE-9234E21C2837}" type="datetime1">
-              <a:t>2017/5/2</a:t>
+              <a:t>2017/5/3</a:t>
             </a:fld>
             <a:endParaRPr lang="zh-CN"/>
           </a:p>
@@ -7160,7 +7161,7 @@
           <a:lstStyle/>
           <a:p>
             <a:fld id="{CE1DA07A-9201-4B4B-BAF2-015AFA30F520}" type="datetime1">
-              <a:t>2017/5/2</a:t>
+              <a:t>2017/5/3</a:t>
             </a:fld>
             <a:endParaRPr lang="zh-CN"/>
           </a:p>
@@ -7295,7 +7296,7 @@
           <a:lstStyle/>
           <a:p>
             <a:fld id="{73D7E00A-486F-4252-8B1D-E32645521F49}" type="datetime1">
-              <a:t>2017/5/2</a:t>
+              <a:t>2017/5/3</a:t>
             </a:fld>
             <a:endParaRPr lang="zh-CN"/>
           </a:p>
@@ -7492,7 +7493,7 @@
           <a:lstStyle/>
           <a:p>
             <a:fld id="{8DDF5F92-E675-4B36-9A60-69A962A68675}" type="datetime1">
-              <a:t>2017/5/2</a:t>
+              <a:t>2017/5/3</a:t>
             </a:fld>
             <a:endParaRPr lang="zh-CN"/>
           </a:p>
@@ -7798,7 +7799,7 @@
           <a:lstStyle/>
           <a:p>
             <a:fld id="{AF6E2C9B-5FA2-460D-9BE7-B0812FC2A6FF}" type="datetime1">
-              <a:t>2017/5/2</a:t>
+              <a:t>2017/5/3</a:t>
             </a:fld>
             <a:endParaRPr lang="zh-CN"/>
           </a:p>
@@ -8089,7 +8090,7 @@
           <a:lstStyle/>
           <a:p>
             <a:fld id="{1D374940-A916-4C8B-9648-02A2D3898F9E}" type="datetime1">
-              <a:t>2017/5/2</a:t>
+              <a:t>2017/5/3</a:t>
             </a:fld>
             <a:endParaRPr lang="zh-CN"/>
           </a:p>
@@ -8528,7 +8529,7 @@
             <a:fld id="{5586B75A-687E-405C-8A0B-8D00578BA2C3}" type="datetime1">
               <a:rPr lang="en-US" altLang="zh-CN" smtClean="0"/>
               <a:pPr/>
-              <a:t>5/2/2017</a:t>
+              <a:t>5/3/2017</a:t>
             </a:fld>
             <a:endParaRPr lang="zh-CN" altLang="en-US"/>
           </a:p>
@@ -8965,7 +8966,7 @@
   </p:txStyles>
   <p:extLst mod="1">
     <p:ext uri="{27BBF7A9-308A-43DC-89C8-2F10F3537804}">
-      <p15:sldGuideLst xmlns:p15="http://schemas.microsoft.com/office/powerpoint/2012/main" xmlns="">
+      <p15:sldGuideLst xmlns="" xmlns:p15="http://schemas.microsoft.com/office/powerpoint/2012/main">
         <p15:guide id="1" orient="horz" pos="2160">
           <p15:clr>
             <a:srgbClr val="F26B43"/>
@@ -9174,21 +9175,21 @@
                 <a:gridCol w="3170237">
                   <a:extLst>
                     <a:ext uri="{9D8B030D-6E8A-4147-A177-3AD203B41FA5}">
-                      <a16:colId xmlns:a16="http://schemas.microsoft.com/office/drawing/2014/main" xmlns="" val="1262576194"/>
+                      <a16:colId xmlns="" xmlns:a16="http://schemas.microsoft.com/office/drawing/2014/main" val="1262576194"/>
                     </a:ext>
                   </a:extLst>
                 </a:gridCol>
                 <a:gridCol w="3170237">
                   <a:extLst>
                     <a:ext uri="{9D8B030D-6E8A-4147-A177-3AD203B41FA5}">
-                      <a16:colId xmlns:a16="http://schemas.microsoft.com/office/drawing/2014/main" xmlns="" val="1627258925"/>
+                      <a16:colId xmlns="" xmlns:a16="http://schemas.microsoft.com/office/drawing/2014/main" val="1627258925"/>
                     </a:ext>
                   </a:extLst>
                 </a:gridCol>
                 <a:gridCol w="3170237">
                   <a:extLst>
                     <a:ext uri="{9D8B030D-6E8A-4147-A177-3AD203B41FA5}">
-                      <a16:colId xmlns:a16="http://schemas.microsoft.com/office/drawing/2014/main" xmlns="" val="279132191"/>
+                      <a16:colId xmlns="" xmlns:a16="http://schemas.microsoft.com/office/drawing/2014/main" val="279132191"/>
                     </a:ext>
                   </a:extLst>
                 </a:gridCol>
@@ -9259,7 +9260,7 @@
                 </a:tc>
                 <a:extLst>
                   <a:ext uri="{0D108BD9-81ED-4DB2-BD59-A6C34878D82A}">
-                    <a16:rowId xmlns:a16="http://schemas.microsoft.com/office/drawing/2014/main" xmlns="" val="3704071744"/>
+                    <a16:rowId xmlns="" xmlns:a16="http://schemas.microsoft.com/office/drawing/2014/main" val="3704071744"/>
                   </a:ext>
                 </a:extLst>
               </a:tr>
@@ -9329,7 +9330,7 @@
                 </a:tc>
                 <a:extLst>
                   <a:ext uri="{0D108BD9-81ED-4DB2-BD59-A6C34878D82A}">
-                    <a16:rowId xmlns:a16="http://schemas.microsoft.com/office/drawing/2014/main" xmlns="" val="3056097180"/>
+                    <a16:rowId xmlns="" xmlns:a16="http://schemas.microsoft.com/office/drawing/2014/main" val="3056097180"/>
                   </a:ext>
                 </a:extLst>
               </a:tr>
@@ -9399,7 +9400,7 @@
                 </a:tc>
                 <a:extLst>
                   <a:ext uri="{0D108BD9-81ED-4DB2-BD59-A6C34878D82A}">
-                    <a16:rowId xmlns:a16="http://schemas.microsoft.com/office/drawing/2014/main" xmlns="" val="3398222936"/>
+                    <a16:rowId xmlns="" xmlns:a16="http://schemas.microsoft.com/office/drawing/2014/main" val="3398222936"/>
                   </a:ext>
                 </a:extLst>
               </a:tr>
@@ -9485,7 +9486,7 @@
                 </a:tc>
                 <a:extLst>
                   <a:ext uri="{0D108BD9-81ED-4DB2-BD59-A6C34878D82A}">
-                    <a16:rowId xmlns:a16="http://schemas.microsoft.com/office/drawing/2014/main" xmlns="" val="3661055458"/>
+                    <a16:rowId xmlns="" xmlns:a16="http://schemas.microsoft.com/office/drawing/2014/main" val="3661055458"/>
                   </a:ext>
                 </a:extLst>
               </a:tr>
@@ -9587,7 +9588,7 @@
                 </a:tc>
                 <a:extLst>
                   <a:ext uri="{0D108BD9-81ED-4DB2-BD59-A6C34878D82A}">
-                    <a16:rowId xmlns:a16="http://schemas.microsoft.com/office/drawing/2014/main" xmlns="" val="1792707014"/>
+                    <a16:rowId xmlns="" xmlns:a16="http://schemas.microsoft.com/office/drawing/2014/main" val="1792707014"/>
                   </a:ext>
                 </a:extLst>
               </a:tr>
@@ -9707,7 +9708,7 @@
                 </a:tc>
                 <a:extLst>
                   <a:ext uri="{0D108BD9-81ED-4DB2-BD59-A6C34878D82A}">
-                    <a16:rowId xmlns:a16="http://schemas.microsoft.com/office/drawing/2014/main" xmlns="" val="583217582"/>
+                    <a16:rowId xmlns="" xmlns:a16="http://schemas.microsoft.com/office/drawing/2014/main" val="583217582"/>
                   </a:ext>
                 </a:extLst>
               </a:tr>
@@ -10037,21 +10038,21 @@
                 <a:gridCol w="3170237">
                   <a:extLst>
                     <a:ext uri="{9D8B030D-6E8A-4147-A177-3AD203B41FA5}">
-                      <a16:colId xmlns:a16="http://schemas.microsoft.com/office/drawing/2014/main" xmlns="" val="1262576194"/>
+                      <a16:colId xmlns="" xmlns:a16="http://schemas.microsoft.com/office/drawing/2014/main" val="1262576194"/>
                     </a:ext>
                   </a:extLst>
                 </a:gridCol>
                 <a:gridCol w="3170237">
                   <a:extLst>
                     <a:ext uri="{9D8B030D-6E8A-4147-A177-3AD203B41FA5}">
-                      <a16:colId xmlns:a16="http://schemas.microsoft.com/office/drawing/2014/main" xmlns="" val="1627258925"/>
+                      <a16:colId xmlns="" xmlns:a16="http://schemas.microsoft.com/office/drawing/2014/main" val="1627258925"/>
                     </a:ext>
                   </a:extLst>
                 </a:gridCol>
                 <a:gridCol w="3170237">
                   <a:extLst>
                     <a:ext uri="{9D8B030D-6E8A-4147-A177-3AD203B41FA5}">
-                      <a16:colId xmlns:a16="http://schemas.microsoft.com/office/drawing/2014/main" xmlns="" val="279132191"/>
+                      <a16:colId xmlns="" xmlns:a16="http://schemas.microsoft.com/office/drawing/2014/main" val="279132191"/>
                     </a:ext>
                   </a:extLst>
                 </a:gridCol>
@@ -10122,7 +10123,7 @@
                 </a:tc>
                 <a:extLst>
                   <a:ext uri="{0D108BD9-81ED-4DB2-BD59-A6C34878D82A}">
-                    <a16:rowId xmlns:a16="http://schemas.microsoft.com/office/drawing/2014/main" xmlns="" val="3704071744"/>
+                    <a16:rowId xmlns="" xmlns:a16="http://schemas.microsoft.com/office/drawing/2014/main" val="3704071744"/>
                   </a:ext>
                 </a:extLst>
               </a:tr>
@@ -10192,7 +10193,7 @@
                 </a:tc>
                 <a:extLst>
                   <a:ext uri="{0D108BD9-81ED-4DB2-BD59-A6C34878D82A}">
-                    <a16:rowId xmlns:a16="http://schemas.microsoft.com/office/drawing/2014/main" xmlns="" val="1026023813"/>
+                    <a16:rowId xmlns="" xmlns:a16="http://schemas.microsoft.com/office/drawing/2014/main" val="1026023813"/>
                   </a:ext>
                 </a:extLst>
               </a:tr>
@@ -10262,7 +10263,7 @@
                 </a:tc>
                 <a:extLst>
                   <a:ext uri="{0D108BD9-81ED-4DB2-BD59-A6C34878D82A}">
-                    <a16:rowId xmlns:a16="http://schemas.microsoft.com/office/drawing/2014/main" xmlns="" val="3056097180"/>
+                    <a16:rowId xmlns="" xmlns:a16="http://schemas.microsoft.com/office/drawing/2014/main" val="3056097180"/>
                   </a:ext>
                 </a:extLst>
               </a:tr>
@@ -10332,7 +10333,7 @@
                 </a:tc>
                 <a:extLst>
                   <a:ext uri="{0D108BD9-81ED-4DB2-BD59-A6C34878D82A}">
-                    <a16:rowId xmlns:a16="http://schemas.microsoft.com/office/drawing/2014/main" xmlns="" val="3398222936"/>
+                    <a16:rowId xmlns="" xmlns:a16="http://schemas.microsoft.com/office/drawing/2014/main" val="3398222936"/>
                   </a:ext>
                 </a:extLst>
               </a:tr>
@@ -10418,7 +10419,7 @@
                 </a:tc>
                 <a:extLst>
                   <a:ext uri="{0D108BD9-81ED-4DB2-BD59-A6C34878D82A}">
-                    <a16:rowId xmlns:a16="http://schemas.microsoft.com/office/drawing/2014/main" xmlns="" val="3661055458"/>
+                    <a16:rowId xmlns="" xmlns:a16="http://schemas.microsoft.com/office/drawing/2014/main" val="3661055458"/>
                   </a:ext>
                 </a:extLst>
               </a:tr>
@@ -10520,7 +10521,7 @@
                 </a:tc>
                 <a:extLst>
                   <a:ext uri="{0D108BD9-81ED-4DB2-BD59-A6C34878D82A}">
-                    <a16:rowId xmlns:a16="http://schemas.microsoft.com/office/drawing/2014/main" xmlns="" val="1792707014"/>
+                    <a16:rowId xmlns="" xmlns:a16="http://schemas.microsoft.com/office/drawing/2014/main" val="1792707014"/>
                   </a:ext>
                 </a:extLst>
               </a:tr>
@@ -10634,7 +10635,7 @@
                 </a:tc>
                 <a:extLst>
                   <a:ext uri="{0D108BD9-81ED-4DB2-BD59-A6C34878D82A}">
-                    <a16:rowId xmlns:a16="http://schemas.microsoft.com/office/drawing/2014/main" xmlns="" val="1883377276"/>
+                    <a16:rowId xmlns="" xmlns:a16="http://schemas.microsoft.com/office/drawing/2014/main" val="1883377276"/>
                   </a:ext>
                 </a:extLst>
               </a:tr>
@@ -10754,7 +10755,7 @@
                 </a:tc>
                 <a:extLst>
                   <a:ext uri="{0D108BD9-81ED-4DB2-BD59-A6C34878D82A}">
-                    <a16:rowId xmlns:a16="http://schemas.microsoft.com/office/drawing/2014/main" xmlns="" val="4018932841"/>
+                    <a16:rowId xmlns="" xmlns:a16="http://schemas.microsoft.com/office/drawing/2014/main" val="4018932841"/>
                   </a:ext>
                 </a:extLst>
               </a:tr>
@@ -10874,7 +10875,7 @@
                 </a:tc>
                 <a:extLst>
                   <a:ext uri="{0D108BD9-81ED-4DB2-BD59-A6C34878D82A}">
-                    <a16:rowId xmlns:a16="http://schemas.microsoft.com/office/drawing/2014/main" xmlns="" val="2814549111"/>
+                    <a16:rowId xmlns="" xmlns:a16="http://schemas.microsoft.com/office/drawing/2014/main" val="2814549111"/>
                   </a:ext>
                 </a:extLst>
               </a:tr>
@@ -11377,35 +11378,35 @@
                 <a:gridCol w="1996575">
                   <a:extLst>
                     <a:ext uri="{9D8B030D-6E8A-4147-A177-3AD203B41FA5}">
-                      <a16:colId xmlns:a16="http://schemas.microsoft.com/office/drawing/2014/main" xmlns="" val="1393900185"/>
+                      <a16:colId xmlns="" xmlns:a16="http://schemas.microsoft.com/office/drawing/2014/main" val="1393900185"/>
                     </a:ext>
                   </a:extLst>
                 </a:gridCol>
                 <a:gridCol w="1188456">
                   <a:extLst>
                     <a:ext uri="{9D8B030D-6E8A-4147-A177-3AD203B41FA5}">
-                      <a16:colId xmlns:a16="http://schemas.microsoft.com/office/drawing/2014/main" xmlns="" val="3389078971"/>
+                      <a16:colId xmlns="" xmlns:a16="http://schemas.microsoft.com/office/drawing/2014/main" val="3389078971"/>
                     </a:ext>
                   </a:extLst>
                 </a:gridCol>
                 <a:gridCol w="1181288">
                   <a:extLst>
                     <a:ext uri="{9D8B030D-6E8A-4147-A177-3AD203B41FA5}">
-                      <a16:colId xmlns:a16="http://schemas.microsoft.com/office/drawing/2014/main" xmlns="" val="655618677"/>
+                      <a16:colId xmlns="" xmlns:a16="http://schemas.microsoft.com/office/drawing/2014/main" val="655618677"/>
                     </a:ext>
                   </a:extLst>
                 </a:gridCol>
                 <a:gridCol w="2831419">
                   <a:extLst>
                     <a:ext uri="{9D8B030D-6E8A-4147-A177-3AD203B41FA5}">
-                      <a16:colId xmlns:a16="http://schemas.microsoft.com/office/drawing/2014/main" xmlns="" val="502106572"/>
+                      <a16:colId xmlns="" xmlns:a16="http://schemas.microsoft.com/office/drawing/2014/main" val="502106572"/>
                     </a:ext>
                   </a:extLst>
                 </a:gridCol>
                 <a:gridCol w="2785137">
                   <a:extLst>
                     <a:ext uri="{9D8B030D-6E8A-4147-A177-3AD203B41FA5}">
-                      <a16:colId xmlns:a16="http://schemas.microsoft.com/office/drawing/2014/main" xmlns="" val="2796583417"/>
+                      <a16:colId xmlns="" xmlns:a16="http://schemas.microsoft.com/office/drawing/2014/main" val="2796583417"/>
                     </a:ext>
                   </a:extLst>
                 </a:gridCol>
@@ -11725,7 +11726,7 @@
                 </a:tc>
                 <a:extLst>
                   <a:ext uri="{0D108BD9-81ED-4DB2-BD59-A6C34878D82A}">
-                    <a16:rowId xmlns:a16="http://schemas.microsoft.com/office/drawing/2014/main" xmlns="" val="222512411"/>
+                    <a16:rowId xmlns="" xmlns:a16="http://schemas.microsoft.com/office/drawing/2014/main" val="222512411"/>
                   </a:ext>
                 </a:extLst>
               </a:tr>
@@ -12162,7 +12163,7 @@
                 </a:tc>
                 <a:extLst>
                   <a:ext uri="{0D108BD9-81ED-4DB2-BD59-A6C34878D82A}">
-                    <a16:rowId xmlns:a16="http://schemas.microsoft.com/office/drawing/2014/main" xmlns="" val="2478292743"/>
+                    <a16:rowId xmlns="" xmlns:a16="http://schemas.microsoft.com/office/drawing/2014/main" val="2478292743"/>
                   </a:ext>
                 </a:extLst>
               </a:tr>
@@ -12541,7 +12542,7 @@
                 </a:tc>
                 <a:extLst>
                   <a:ext uri="{0D108BD9-81ED-4DB2-BD59-A6C34878D82A}">
-                    <a16:rowId xmlns:a16="http://schemas.microsoft.com/office/drawing/2014/main" xmlns="" val="3999082340"/>
+                    <a16:rowId xmlns="" xmlns:a16="http://schemas.microsoft.com/office/drawing/2014/main" val="3999082340"/>
                   </a:ext>
                 </a:extLst>
               </a:tr>
@@ -12670,35 +12671,35 @@
                 <a:gridCol w="1996575">
                   <a:extLst>
                     <a:ext uri="{9D8B030D-6E8A-4147-A177-3AD203B41FA5}">
-                      <a16:colId xmlns:a16="http://schemas.microsoft.com/office/drawing/2014/main" xmlns="" val="1393900185"/>
+                      <a16:colId xmlns="" xmlns:a16="http://schemas.microsoft.com/office/drawing/2014/main" val="1393900185"/>
                     </a:ext>
                   </a:extLst>
                 </a:gridCol>
                 <a:gridCol w="1188456">
                   <a:extLst>
                     <a:ext uri="{9D8B030D-6E8A-4147-A177-3AD203B41FA5}">
-                      <a16:colId xmlns:a16="http://schemas.microsoft.com/office/drawing/2014/main" xmlns="" val="3389078971"/>
+                      <a16:colId xmlns="" xmlns:a16="http://schemas.microsoft.com/office/drawing/2014/main" val="3389078971"/>
                     </a:ext>
                   </a:extLst>
                 </a:gridCol>
                 <a:gridCol w="1181288">
                   <a:extLst>
                     <a:ext uri="{9D8B030D-6E8A-4147-A177-3AD203B41FA5}">
-                      <a16:colId xmlns:a16="http://schemas.microsoft.com/office/drawing/2014/main" xmlns="" val="655618677"/>
+                      <a16:colId xmlns="" xmlns:a16="http://schemas.microsoft.com/office/drawing/2014/main" val="655618677"/>
                     </a:ext>
                   </a:extLst>
                 </a:gridCol>
                 <a:gridCol w="2831419">
                   <a:extLst>
                     <a:ext uri="{9D8B030D-6E8A-4147-A177-3AD203B41FA5}">
-                      <a16:colId xmlns:a16="http://schemas.microsoft.com/office/drawing/2014/main" xmlns="" val="502106572"/>
+                      <a16:colId xmlns="" xmlns:a16="http://schemas.microsoft.com/office/drawing/2014/main" val="502106572"/>
                     </a:ext>
                   </a:extLst>
                 </a:gridCol>
                 <a:gridCol w="2785137">
                   <a:extLst>
                     <a:ext uri="{9D8B030D-6E8A-4147-A177-3AD203B41FA5}">
-                      <a16:colId xmlns:a16="http://schemas.microsoft.com/office/drawing/2014/main" xmlns="" val="2796583417"/>
+                      <a16:colId xmlns="" xmlns:a16="http://schemas.microsoft.com/office/drawing/2014/main" val="2796583417"/>
                     </a:ext>
                   </a:extLst>
                 </a:gridCol>
@@ -13018,7 +13019,7 @@
                 </a:tc>
                 <a:extLst>
                   <a:ext uri="{0D108BD9-81ED-4DB2-BD59-A6C34878D82A}">
-                    <a16:rowId xmlns:a16="http://schemas.microsoft.com/office/drawing/2014/main" xmlns="" val="222512411"/>
+                    <a16:rowId xmlns="" xmlns:a16="http://schemas.microsoft.com/office/drawing/2014/main" val="222512411"/>
                   </a:ext>
                 </a:extLst>
               </a:tr>
@@ -13469,7 +13470,7 @@
                 </a:tc>
                 <a:extLst>
                   <a:ext uri="{0D108BD9-81ED-4DB2-BD59-A6C34878D82A}">
-                    <a16:rowId xmlns:a16="http://schemas.microsoft.com/office/drawing/2014/main" xmlns="" val="2478292743"/>
+                    <a16:rowId xmlns="" xmlns:a16="http://schemas.microsoft.com/office/drawing/2014/main" val="2478292743"/>
                   </a:ext>
                 </a:extLst>
               </a:tr>
@@ -13862,7 +13863,7 @@
                 </a:tc>
                 <a:extLst>
                   <a:ext uri="{0D108BD9-81ED-4DB2-BD59-A6C34878D82A}">
-                    <a16:rowId xmlns:a16="http://schemas.microsoft.com/office/drawing/2014/main" xmlns="" val="3999082340"/>
+                    <a16:rowId xmlns="" xmlns:a16="http://schemas.microsoft.com/office/drawing/2014/main" val="3999082340"/>
                   </a:ext>
                 </a:extLst>
               </a:tr>
@@ -13971,35 +13972,35 @@
                 <a:gridCol w="1996575">
                   <a:extLst>
                     <a:ext uri="{9D8B030D-6E8A-4147-A177-3AD203B41FA5}">
-                      <a16:colId xmlns:a16="http://schemas.microsoft.com/office/drawing/2014/main" xmlns="" val="1393900185"/>
+                      <a16:colId xmlns="" xmlns:a16="http://schemas.microsoft.com/office/drawing/2014/main" val="1393900185"/>
                     </a:ext>
                   </a:extLst>
                 </a:gridCol>
                 <a:gridCol w="1188456">
                   <a:extLst>
                     <a:ext uri="{9D8B030D-6E8A-4147-A177-3AD203B41FA5}">
-                      <a16:colId xmlns:a16="http://schemas.microsoft.com/office/drawing/2014/main" xmlns="" val="3389078971"/>
+                      <a16:colId xmlns="" xmlns:a16="http://schemas.microsoft.com/office/drawing/2014/main" val="3389078971"/>
                     </a:ext>
                   </a:extLst>
                 </a:gridCol>
                 <a:gridCol w="1181288">
                   <a:extLst>
                     <a:ext uri="{9D8B030D-6E8A-4147-A177-3AD203B41FA5}">
-                      <a16:colId xmlns:a16="http://schemas.microsoft.com/office/drawing/2014/main" xmlns="" val="655618677"/>
+                      <a16:colId xmlns="" xmlns:a16="http://schemas.microsoft.com/office/drawing/2014/main" val="655618677"/>
                     </a:ext>
                   </a:extLst>
                 </a:gridCol>
                 <a:gridCol w="2831419">
                   <a:extLst>
                     <a:ext uri="{9D8B030D-6E8A-4147-A177-3AD203B41FA5}">
-                      <a16:colId xmlns:a16="http://schemas.microsoft.com/office/drawing/2014/main" xmlns="" val="502106572"/>
+                      <a16:colId xmlns="" xmlns:a16="http://schemas.microsoft.com/office/drawing/2014/main" val="502106572"/>
                     </a:ext>
                   </a:extLst>
                 </a:gridCol>
                 <a:gridCol w="2785137">
                   <a:extLst>
                     <a:ext uri="{9D8B030D-6E8A-4147-A177-3AD203B41FA5}">
-                      <a16:colId xmlns:a16="http://schemas.microsoft.com/office/drawing/2014/main" xmlns="" val="2796583417"/>
+                      <a16:colId xmlns="" xmlns:a16="http://schemas.microsoft.com/office/drawing/2014/main" val="2796583417"/>
                     </a:ext>
                   </a:extLst>
                 </a:gridCol>
@@ -14319,7 +14320,7 @@
                 </a:tc>
                 <a:extLst>
                   <a:ext uri="{0D108BD9-81ED-4DB2-BD59-A6C34878D82A}">
-                    <a16:rowId xmlns:a16="http://schemas.microsoft.com/office/drawing/2014/main" xmlns="" val="222512411"/>
+                    <a16:rowId xmlns="" xmlns:a16="http://schemas.microsoft.com/office/drawing/2014/main" val="222512411"/>
                   </a:ext>
                 </a:extLst>
               </a:tr>
@@ -14793,7 +14794,7 @@
                 </a:tc>
                 <a:extLst>
                   <a:ext uri="{0D108BD9-81ED-4DB2-BD59-A6C34878D82A}">
-                    <a16:rowId xmlns:a16="http://schemas.microsoft.com/office/drawing/2014/main" xmlns="" val="2478292743"/>
+                    <a16:rowId xmlns="" xmlns:a16="http://schemas.microsoft.com/office/drawing/2014/main" val="2478292743"/>
                   </a:ext>
                 </a:extLst>
               </a:tr>
@@ -15154,7 +15155,7 @@
                 </a:tc>
                 <a:extLst>
                   <a:ext uri="{0D108BD9-81ED-4DB2-BD59-A6C34878D82A}">
-                    <a16:rowId xmlns:a16="http://schemas.microsoft.com/office/drawing/2014/main" xmlns="" val="3999082340"/>
+                    <a16:rowId xmlns="" xmlns:a16="http://schemas.microsoft.com/office/drawing/2014/main" val="3999082340"/>
                   </a:ext>
                 </a:extLst>
               </a:tr>
@@ -15394,35 +15395,35 @@
                 <a:gridCol w="1902142">
                   <a:extLst>
                     <a:ext uri="{9D8B030D-6E8A-4147-A177-3AD203B41FA5}">
-                      <a16:colId xmlns:a16="http://schemas.microsoft.com/office/drawing/2014/main" xmlns="" val="1270668206"/>
+                      <a16:colId xmlns="" xmlns:a16="http://schemas.microsoft.com/office/drawing/2014/main" val="1270668206"/>
                     </a:ext>
                   </a:extLst>
                 </a:gridCol>
                 <a:gridCol w="1902142">
                   <a:extLst>
                     <a:ext uri="{9D8B030D-6E8A-4147-A177-3AD203B41FA5}">
-                      <a16:colId xmlns:a16="http://schemas.microsoft.com/office/drawing/2014/main" xmlns="" val="1083689566"/>
+                      <a16:colId xmlns="" xmlns:a16="http://schemas.microsoft.com/office/drawing/2014/main" val="1083689566"/>
                     </a:ext>
                   </a:extLst>
                 </a:gridCol>
                 <a:gridCol w="1902142">
                   <a:extLst>
                     <a:ext uri="{9D8B030D-6E8A-4147-A177-3AD203B41FA5}">
-                      <a16:colId xmlns:a16="http://schemas.microsoft.com/office/drawing/2014/main" xmlns="" val="491322313"/>
+                      <a16:colId xmlns="" xmlns:a16="http://schemas.microsoft.com/office/drawing/2014/main" val="491322313"/>
                     </a:ext>
                   </a:extLst>
                 </a:gridCol>
                 <a:gridCol w="1902142">
                   <a:extLst>
                     <a:ext uri="{9D8B030D-6E8A-4147-A177-3AD203B41FA5}">
-                      <a16:colId xmlns:a16="http://schemas.microsoft.com/office/drawing/2014/main" xmlns="" val="2519024925"/>
+                      <a16:colId xmlns="" xmlns:a16="http://schemas.microsoft.com/office/drawing/2014/main" val="2519024925"/>
                     </a:ext>
                   </a:extLst>
                 </a:gridCol>
                 <a:gridCol w="1902142">
                   <a:extLst>
                     <a:ext uri="{9D8B030D-6E8A-4147-A177-3AD203B41FA5}">
-                      <a16:colId xmlns:a16="http://schemas.microsoft.com/office/drawing/2014/main" xmlns="" val="4198837936"/>
+                      <a16:colId xmlns="" xmlns:a16="http://schemas.microsoft.com/office/drawing/2014/main" val="4198837936"/>
                     </a:ext>
                   </a:extLst>
                 </a:gridCol>
@@ -15535,7 +15536,7 @@
                 </a:tc>
                 <a:extLst>
                   <a:ext uri="{0D108BD9-81ED-4DB2-BD59-A6C34878D82A}">
-                    <a16:rowId xmlns:a16="http://schemas.microsoft.com/office/drawing/2014/main" xmlns="" val="54892672"/>
+                    <a16:rowId xmlns="" xmlns:a16="http://schemas.microsoft.com/office/drawing/2014/main" val="54892672"/>
                   </a:ext>
                 </a:extLst>
               </a:tr>
@@ -15661,7 +15662,7 @@
                 </a:tc>
                 <a:extLst>
                   <a:ext uri="{0D108BD9-81ED-4DB2-BD59-A6C34878D82A}">
-                    <a16:rowId xmlns:a16="http://schemas.microsoft.com/office/drawing/2014/main" xmlns="" val="644525124"/>
+                    <a16:rowId xmlns="" xmlns:a16="http://schemas.microsoft.com/office/drawing/2014/main" val="644525124"/>
                   </a:ext>
                 </a:extLst>
               </a:tr>
@@ -15815,7 +15816,7 @@
                 </a:tc>
                 <a:extLst>
                   <a:ext uri="{0D108BD9-81ED-4DB2-BD59-A6C34878D82A}">
-                    <a16:rowId xmlns:a16="http://schemas.microsoft.com/office/drawing/2014/main" xmlns="" val="1441979899"/>
+                    <a16:rowId xmlns="" xmlns:a16="http://schemas.microsoft.com/office/drawing/2014/main" val="1441979899"/>
                   </a:ext>
                 </a:extLst>
               </a:tr>
@@ -15955,7 +15956,7 @@
                 </a:tc>
                 <a:extLst>
                   <a:ext uri="{0D108BD9-81ED-4DB2-BD59-A6C34878D82A}">
-                    <a16:rowId xmlns:a16="http://schemas.microsoft.com/office/drawing/2014/main" xmlns="" val="2067020072"/>
+                    <a16:rowId xmlns="" xmlns:a16="http://schemas.microsoft.com/office/drawing/2014/main" val="2067020072"/>
                   </a:ext>
                 </a:extLst>
               </a:tr>
@@ -16661,35 +16662,35 @@
                 <a:gridCol w="2080982">
                   <a:extLst>
                     <a:ext uri="{9D8B030D-6E8A-4147-A177-3AD203B41FA5}">
-                      <a16:colId xmlns:a16="http://schemas.microsoft.com/office/drawing/2014/main" xmlns="" val="1393900185"/>
+                      <a16:colId xmlns="" xmlns:a16="http://schemas.microsoft.com/office/drawing/2014/main" val="1393900185"/>
                     </a:ext>
                   </a:extLst>
                 </a:gridCol>
                 <a:gridCol w="1238699">
                   <a:extLst>
                     <a:ext uri="{9D8B030D-6E8A-4147-A177-3AD203B41FA5}">
-                      <a16:colId xmlns:a16="http://schemas.microsoft.com/office/drawing/2014/main" xmlns="" val="3389078971"/>
+                      <a16:colId xmlns="" xmlns:a16="http://schemas.microsoft.com/office/drawing/2014/main" val="3389078971"/>
                     </a:ext>
                   </a:extLst>
                 </a:gridCol>
                 <a:gridCol w="1231228">
                   <a:extLst>
                     <a:ext uri="{9D8B030D-6E8A-4147-A177-3AD203B41FA5}">
-                      <a16:colId xmlns:a16="http://schemas.microsoft.com/office/drawing/2014/main" xmlns="" val="655618677"/>
+                      <a16:colId xmlns="" xmlns:a16="http://schemas.microsoft.com/office/drawing/2014/main" val="655618677"/>
                     </a:ext>
                   </a:extLst>
                 </a:gridCol>
                 <a:gridCol w="1337979">
                   <a:extLst>
                     <a:ext uri="{9D8B030D-6E8A-4147-A177-3AD203B41FA5}">
-                      <a16:colId xmlns:a16="http://schemas.microsoft.com/office/drawing/2014/main" xmlns="" val="502106572"/>
+                      <a16:colId xmlns="" xmlns:a16="http://schemas.microsoft.com/office/drawing/2014/main" val="502106572"/>
                     </a:ext>
                   </a:extLst>
                 </a:gridCol>
                 <a:gridCol w="4516021">
                   <a:extLst>
                     <a:ext uri="{9D8B030D-6E8A-4147-A177-3AD203B41FA5}">
-                      <a16:colId xmlns:a16="http://schemas.microsoft.com/office/drawing/2014/main" xmlns="" val="2796583417"/>
+                      <a16:colId xmlns="" xmlns:a16="http://schemas.microsoft.com/office/drawing/2014/main" val="2796583417"/>
                     </a:ext>
                   </a:extLst>
                 </a:gridCol>
@@ -17009,7 +17010,7 @@
                 </a:tc>
                 <a:extLst>
                   <a:ext uri="{0D108BD9-81ED-4DB2-BD59-A6C34878D82A}">
-                    <a16:rowId xmlns:a16="http://schemas.microsoft.com/office/drawing/2014/main" xmlns="" val="222512411"/>
+                    <a16:rowId xmlns="" xmlns:a16="http://schemas.microsoft.com/office/drawing/2014/main" val="222512411"/>
                   </a:ext>
                 </a:extLst>
               </a:tr>
@@ -17394,7 +17395,7 @@
                 </a:tc>
                 <a:extLst>
                   <a:ext uri="{0D108BD9-81ED-4DB2-BD59-A6C34878D82A}">
-                    <a16:rowId xmlns:a16="http://schemas.microsoft.com/office/drawing/2014/main" xmlns="" val="2478292743"/>
+                    <a16:rowId xmlns="" xmlns:a16="http://schemas.microsoft.com/office/drawing/2014/main" val="2478292743"/>
                   </a:ext>
                 </a:extLst>
               </a:tr>
@@ -17697,7 +17698,7 @@
                 </a:tc>
                 <a:extLst>
                   <a:ext uri="{0D108BD9-81ED-4DB2-BD59-A6C34878D82A}">
-                    <a16:rowId xmlns:a16="http://schemas.microsoft.com/office/drawing/2014/main" xmlns="" val="3999082340"/>
+                    <a16:rowId xmlns="" xmlns:a16="http://schemas.microsoft.com/office/drawing/2014/main" val="3999082340"/>
                   </a:ext>
                 </a:extLst>
               </a:tr>
@@ -18001,11 +18002,7 @@
             </a:r>
             <a:r>
               <a:rPr lang="zh-CN" altLang="en-US" dirty="0" smtClean="0"/>
-              <a:t>系</a:t>
-            </a:r>
-            <a:r>
-              <a:rPr lang="zh-CN" altLang="en-US" dirty="0" smtClean="0"/>
-              <a:t>列</a:t>
+              <a:t>系列</a:t>
             </a:r>
             <a:endParaRPr lang="zh-CN" altLang="en-US" dirty="0"/>
           </a:p>
@@ -18021,7 +18018,7 @@
             <p:ph idx="1"/>
             <p:extLst>
               <p:ext uri="{D42A27DB-BD31-4B8C-83A1-F6EECF244321}">
-                <p14:modId xmlns:p14="http://schemas.microsoft.com/office/powerpoint/2010/main" val="2403102614"/>
+                <p14:modId xmlns:p14="http://schemas.microsoft.com/office/powerpoint/2010/main" val="3014388986"/>
               </p:ext>
             </p:extLst>
           </p:nvPr>
@@ -18040,7 +18037,7 @@
                 <a:gridCol w="2056103">
                   <a:extLst>
                     <a:ext uri="{9D8B030D-6E8A-4147-A177-3AD203B41FA5}">
-                      <a16:colId xmlns:a16="http://schemas.microsoft.com/office/drawing/2014/main" xmlns="" val="1262576194"/>
+                      <a16:colId xmlns="" xmlns:a16="http://schemas.microsoft.com/office/drawing/2014/main" val="1262576194"/>
                     </a:ext>
                   </a:extLst>
                 </a:gridCol>
@@ -18049,14 +18046,14 @@
                 <a:gridCol w="1350628">
                   <a:extLst>
                     <a:ext uri="{9D8B030D-6E8A-4147-A177-3AD203B41FA5}">
-                      <a16:colId xmlns:a16="http://schemas.microsoft.com/office/drawing/2014/main" xmlns="" val="1627258925"/>
+                      <a16:colId xmlns="" xmlns:a16="http://schemas.microsoft.com/office/drawing/2014/main" val="1627258925"/>
                     </a:ext>
                   </a:extLst>
                 </a:gridCol>
                 <a:gridCol w="3100720">
                   <a:extLst>
                     <a:ext uri="{9D8B030D-6E8A-4147-A177-3AD203B41FA5}">
-                      <a16:colId xmlns:a16="http://schemas.microsoft.com/office/drawing/2014/main" xmlns="" val="279132191"/>
+                      <a16:colId xmlns="" xmlns:a16="http://schemas.microsoft.com/office/drawing/2014/main" val="279132191"/>
                     </a:ext>
                   </a:extLst>
                 </a:gridCol>
@@ -18169,7 +18166,7 @@
                 </a:tc>
                 <a:extLst>
                   <a:ext uri="{0D108BD9-81ED-4DB2-BD59-A6C34878D82A}">
-                    <a16:rowId xmlns:a16="http://schemas.microsoft.com/office/drawing/2014/main" xmlns="" val="3704071744"/>
+                    <a16:rowId xmlns="" xmlns:a16="http://schemas.microsoft.com/office/drawing/2014/main" val="3704071744"/>
                   </a:ext>
                 </a:extLst>
               </a:tr>
@@ -18268,6 +18265,13 @@
                     <a:lstStyle/>
                     <a:p>
                       <a:pPr algn="ctr"/>
+                      <a:r>
+                        <a:rPr lang="en-US" altLang="zh-CN" dirty="0" smtClean="0">
+                          <a:latin typeface="宋体" panose="02010600030101010101" pitchFamily="2" charset="-122"/>
+                          <a:ea typeface="宋体" panose="02010600030101010101" pitchFamily="2" charset="-122"/>
+                        </a:rPr>
+                        <a:t>1024</a:t>
+                      </a:r>
                       <a:endParaRPr lang="zh-CN" altLang="en-US" dirty="0">
                         <a:latin typeface="宋体" panose="02010600030101010101" pitchFamily="2" charset="-122"/>
                         <a:ea typeface="宋体" panose="02010600030101010101" pitchFamily="2" charset="-122"/>
@@ -18336,7 +18340,7 @@
                 </a:tc>
                 <a:extLst>
                   <a:ext uri="{0D108BD9-81ED-4DB2-BD59-A6C34878D82A}">
-                    <a16:rowId xmlns:a16="http://schemas.microsoft.com/office/drawing/2014/main" xmlns="" val="1026023813"/>
+                    <a16:rowId xmlns="" xmlns:a16="http://schemas.microsoft.com/office/drawing/2014/main" val="1026023813"/>
                   </a:ext>
                 </a:extLst>
               </a:tr>
@@ -18382,6 +18386,13 @@
                     <a:lstStyle/>
                     <a:p>
                       <a:pPr algn="ctr"/>
+                      <a:r>
+                        <a:rPr lang="en-US" altLang="zh-CN" dirty="0" smtClean="0">
+                          <a:latin typeface="宋体" panose="02010600030101010101" pitchFamily="2" charset="-122"/>
+                          <a:ea typeface="宋体" panose="02010600030101010101" pitchFamily="2" charset="-122"/>
+                        </a:rPr>
+                        <a:t>1024</a:t>
+                      </a:r>
                       <a:endParaRPr lang="zh-CN" altLang="en-US" dirty="0">
                         <a:latin typeface="宋体" panose="02010600030101010101" pitchFamily="2" charset="-122"/>
                         <a:ea typeface="宋体" panose="02010600030101010101" pitchFamily="2" charset="-122"/>
@@ -18427,7 +18438,7 @@
                 </a:tc>
                 <a:extLst>
                   <a:ext uri="{0D108BD9-81ED-4DB2-BD59-A6C34878D82A}">
-                    <a16:rowId xmlns:a16="http://schemas.microsoft.com/office/drawing/2014/main" xmlns="" val="3056097180"/>
+                    <a16:rowId xmlns="" xmlns:a16="http://schemas.microsoft.com/office/drawing/2014/main" val="3056097180"/>
                   </a:ext>
                 </a:extLst>
               </a:tr>
@@ -18473,6 +18484,13 @@
                     <a:lstStyle/>
                     <a:p>
                       <a:pPr algn="ctr"/>
+                      <a:r>
+                        <a:rPr lang="en-US" altLang="zh-CN" dirty="0" smtClean="0">
+                          <a:latin typeface="宋体" panose="02010600030101010101" pitchFamily="2" charset="-122"/>
+                          <a:ea typeface="宋体" panose="02010600030101010101" pitchFamily="2" charset="-122"/>
+                        </a:rPr>
+                        <a:t>1024</a:t>
+                      </a:r>
                       <a:endParaRPr lang="zh-CN" altLang="en-US" dirty="0">
                         <a:latin typeface="宋体" panose="02010600030101010101" pitchFamily="2" charset="-122"/>
                         <a:ea typeface="宋体" panose="02010600030101010101" pitchFamily="2" charset="-122"/>
@@ -18518,7 +18536,7 @@
                 </a:tc>
                 <a:extLst>
                   <a:ext uri="{0D108BD9-81ED-4DB2-BD59-A6C34878D82A}">
-                    <a16:rowId xmlns:a16="http://schemas.microsoft.com/office/drawing/2014/main" xmlns="" val="3398222936"/>
+                    <a16:rowId xmlns="" xmlns:a16="http://schemas.microsoft.com/office/drawing/2014/main" val="3398222936"/>
                   </a:ext>
                 </a:extLst>
               </a:tr>
@@ -18596,6 +18614,13 @@
                         <a:tabLst/>
                         <a:defRPr/>
                       </a:pPr>
+                      <a:r>
+                        <a:rPr lang="en-US" altLang="zh-CN" dirty="0" smtClean="0">
+                          <a:latin typeface="宋体" panose="02010600030101010101" pitchFamily="2" charset="-122"/>
+                          <a:ea typeface="宋体" panose="02010600030101010101" pitchFamily="2" charset="-122"/>
+                        </a:rPr>
+                        <a:t>2048</a:t>
+                      </a:r>
                       <a:endParaRPr lang="zh-CN" altLang="en-US" dirty="0" smtClean="0">
                         <a:latin typeface="宋体" panose="02010600030101010101" pitchFamily="2" charset="-122"/>
                         <a:ea typeface="宋体" panose="02010600030101010101" pitchFamily="2" charset="-122"/>
@@ -18626,10 +18651,727 @@
                       <a:pPr algn="ctr"/>
                       <a:r>
                         <a:rPr lang="en-US" altLang="zh-CN" dirty="0" smtClean="0">
+                          <a:solidFill>
+                            <a:srgbClr val="0070C0"/>
+                          </a:solidFill>
                           <a:latin typeface="宋体" panose="02010600030101010101" pitchFamily="2" charset="-122"/>
                           <a:ea typeface="宋体" panose="02010600030101010101" pitchFamily="2" charset="-122"/>
                         </a:rPr>
                         <a:t>JDK8</a:t>
+                      </a:r>
+                      <a:endParaRPr lang="zh-CN" altLang="en-US" dirty="0">
+                        <a:solidFill>
+                          <a:srgbClr val="0070C0"/>
+                        </a:solidFill>
+                        <a:latin typeface="宋体" panose="02010600030101010101" pitchFamily="2" charset="-122"/>
+                        <a:ea typeface="宋体" panose="02010600030101010101" pitchFamily="2" charset="-122"/>
+                      </a:endParaRPr>
+                    </a:p>
+                  </a:txBody>
+                  <a:tcPr anchor="ctr"/>
+                </a:tc>
+                <a:extLst>
+                  <a:ext uri="{0D108BD9-81ED-4DB2-BD59-A6C34878D82A}">
+                    <a16:rowId xmlns="" xmlns:a16="http://schemas.microsoft.com/office/drawing/2014/main" val="3661055458"/>
+                  </a:ext>
+                </a:extLst>
+              </a:tr>
+              <a:tr h="517580">
+                <a:tc>
+                  <a:txBody>
+                    <a:bodyPr/>
+                    <a:lstStyle/>
+                    <a:p>
+                      <a:pPr algn="ctr"/>
+                      <a:r>
+                        <a:rPr lang="en-US" altLang="zh-CN" dirty="0" smtClean="0">
+                          <a:latin typeface="宋体" panose="02010600030101010101" pitchFamily="2" charset="-122"/>
+                          <a:ea typeface="宋体" panose="02010600030101010101" pitchFamily="2" charset="-122"/>
+                        </a:rPr>
+                        <a:t>SHA256WithRSA</a:t>
+                      </a:r>
+                      <a:endParaRPr lang="zh-CN" altLang="en-US" dirty="0">
+                        <a:latin typeface="宋体" panose="02010600030101010101" pitchFamily="2" charset="-122"/>
+                        <a:ea typeface="宋体" panose="02010600030101010101" pitchFamily="2" charset="-122"/>
+                      </a:endParaRPr>
+                    </a:p>
+                  </a:txBody>
+                  <a:tcPr anchor="ctr"/>
+                </a:tc>
+                <a:tc vMerge="1">
+                  <a:txBody>
+                    <a:bodyPr/>
+                    <a:lstStyle/>
+                    <a:p>
+                      <a:pPr marL="0" marR="0" lvl="0" indent="0" algn="ctr" defTabSz="914400" rtl="0" eaLnBrk="1" fontAlgn="auto" latinLnBrk="0" hangingPunct="1">
+                        <a:lnSpc>
+                          <a:spcPct val="100000"/>
+                        </a:lnSpc>
+                        <a:spcBef>
+                          <a:spcPts val="0"/>
+                        </a:spcBef>
+                        <a:spcAft>
+                          <a:spcPts val="0"/>
+                        </a:spcAft>
+                        <a:buClrTx/>
+                        <a:buSzTx/>
+                        <a:buFontTx/>
+                        <a:buNone/>
+                        <a:tabLst/>
+                        <a:defRPr/>
+                      </a:pPr>
+                      <a:endParaRPr lang="zh-CN" altLang="en-US" dirty="0" smtClean="0">
+                        <a:latin typeface="宋体" panose="02010600030101010101" pitchFamily="2" charset="-122"/>
+                        <a:ea typeface="宋体" panose="02010600030101010101" pitchFamily="2" charset="-122"/>
+                      </a:endParaRPr>
+                    </a:p>
+                  </a:txBody>
+                  <a:tcPr anchor="ctr"/>
+                </a:tc>
+                <a:tc>
+                  <a:txBody>
+                    <a:bodyPr/>
+                    <a:lstStyle/>
+                    <a:p>
+                      <a:pPr marL="0" marR="0" lvl="0" indent="0" algn="ctr" defTabSz="914400" rtl="0" eaLnBrk="1" fontAlgn="auto" latinLnBrk="0" hangingPunct="1">
+                        <a:lnSpc>
+                          <a:spcPct val="100000"/>
+                        </a:lnSpc>
+                        <a:spcBef>
+                          <a:spcPts val="0"/>
+                        </a:spcBef>
+                        <a:spcAft>
+                          <a:spcPts val="0"/>
+                        </a:spcAft>
+                        <a:buClrTx/>
+                        <a:buSzTx/>
+                        <a:buFontTx/>
+                        <a:buNone/>
+                        <a:tabLst/>
+                        <a:defRPr/>
+                      </a:pPr>
+                      <a:r>
+                        <a:rPr lang="en-US" altLang="zh-CN" dirty="0" smtClean="0">
+                          <a:latin typeface="宋体" panose="02010600030101010101" pitchFamily="2" charset="-122"/>
+                          <a:ea typeface="宋体" panose="02010600030101010101" pitchFamily="2" charset="-122"/>
+                        </a:rPr>
+                        <a:t>2048</a:t>
+                      </a:r>
+                      <a:endParaRPr lang="zh-CN" altLang="en-US" dirty="0" smtClean="0">
+                        <a:latin typeface="宋体" panose="02010600030101010101" pitchFamily="2" charset="-122"/>
+                        <a:ea typeface="宋体" panose="02010600030101010101" pitchFamily="2" charset="-122"/>
+                      </a:endParaRPr>
+                    </a:p>
+                  </a:txBody>
+                  <a:tcPr anchor="ctr"/>
+                </a:tc>
+                <a:tc vMerge="1">
+                  <a:txBody>
+                    <a:bodyPr/>
+                    <a:lstStyle/>
+                    <a:p>
+                      <a:pPr algn="ctr"/>
+                      <a:endParaRPr lang="zh-CN" altLang="en-US" dirty="0">
+                        <a:latin typeface="宋体" panose="02010600030101010101" pitchFamily="2" charset="-122"/>
+                        <a:ea typeface="宋体" panose="02010600030101010101" pitchFamily="2" charset="-122"/>
+                      </a:endParaRPr>
+                    </a:p>
+                  </a:txBody>
+                  <a:tcPr anchor="ctr"/>
+                </a:tc>
+                <a:tc>
+                  <a:txBody>
+                    <a:bodyPr/>
+                    <a:lstStyle/>
+                    <a:p>
+                      <a:pPr marL="0" marR="0" lvl="0" indent="0" algn="ctr" defTabSz="914400" rtl="0" eaLnBrk="1" fontAlgn="auto" latinLnBrk="0" hangingPunct="1">
+                        <a:lnSpc>
+                          <a:spcPct val="100000"/>
+                        </a:lnSpc>
+                        <a:spcBef>
+                          <a:spcPts val="0"/>
+                        </a:spcBef>
+                        <a:spcAft>
+                          <a:spcPts val="0"/>
+                        </a:spcAft>
+                        <a:buClrTx/>
+                        <a:buSzTx/>
+                        <a:buFontTx/>
+                        <a:buNone/>
+                        <a:tabLst/>
+                        <a:defRPr/>
+                      </a:pPr>
+                      <a:r>
+                        <a:rPr lang="en-US" altLang="zh-CN" dirty="0" smtClean="0">
+                          <a:solidFill>
+                            <a:srgbClr val="0070C0"/>
+                          </a:solidFill>
+                          <a:latin typeface="宋体" panose="02010600030101010101" pitchFamily="2" charset="-122"/>
+                          <a:ea typeface="宋体" panose="02010600030101010101" pitchFamily="2" charset="-122"/>
+                        </a:rPr>
+                        <a:t>JDK7</a:t>
+                      </a:r>
+                      <a:endParaRPr lang="zh-CN" altLang="en-US" dirty="0" smtClean="0">
+                        <a:solidFill>
+                          <a:srgbClr val="0070C0"/>
+                        </a:solidFill>
+                        <a:latin typeface="宋体" panose="02010600030101010101" pitchFamily="2" charset="-122"/>
+                        <a:ea typeface="宋体" panose="02010600030101010101" pitchFamily="2" charset="-122"/>
+                      </a:endParaRPr>
+                    </a:p>
+                  </a:txBody>
+                  <a:tcPr anchor="ctr"/>
+                </a:tc>
+                <a:extLst>
+                  <a:ext uri="{0D108BD9-81ED-4DB2-BD59-A6C34878D82A}">
+                    <a16:rowId xmlns="" xmlns:a16="http://schemas.microsoft.com/office/drawing/2014/main" val="1792707014"/>
+                  </a:ext>
+                </a:extLst>
+              </a:tr>
+              <a:tr h="517580">
+                <a:tc>
+                  <a:txBody>
+                    <a:bodyPr/>
+                    <a:lstStyle/>
+                    <a:p>
+                      <a:pPr algn="ctr"/>
+                      <a:r>
+                        <a:rPr lang="en-US" altLang="zh-CN" dirty="0" smtClean="0">
+                          <a:latin typeface="宋体" panose="02010600030101010101" pitchFamily="2" charset="-122"/>
+                          <a:ea typeface="宋体" panose="02010600030101010101" pitchFamily="2" charset="-122"/>
+                        </a:rPr>
+                        <a:t>SHA384WithRSA</a:t>
+                      </a:r>
+                      <a:endParaRPr lang="zh-CN" altLang="en-US" dirty="0">
+                        <a:latin typeface="宋体" panose="02010600030101010101" pitchFamily="2" charset="-122"/>
+                        <a:ea typeface="宋体" panose="02010600030101010101" pitchFamily="2" charset="-122"/>
+                      </a:endParaRPr>
+                    </a:p>
+                  </a:txBody>
+                  <a:tcPr anchor="ctr"/>
+                </a:tc>
+                <a:tc vMerge="1">
+                  <a:txBody>
+                    <a:bodyPr/>
+                    <a:lstStyle/>
+                    <a:p>
+                      <a:pPr marL="0" marR="0" lvl="0" indent="0" algn="ctr" defTabSz="914400" rtl="0" eaLnBrk="1" fontAlgn="auto" latinLnBrk="0" hangingPunct="1">
+                        <a:lnSpc>
+                          <a:spcPct val="100000"/>
+                        </a:lnSpc>
+                        <a:spcBef>
+                          <a:spcPts val="0"/>
+                        </a:spcBef>
+                        <a:spcAft>
+                          <a:spcPts val="0"/>
+                        </a:spcAft>
+                        <a:buClrTx/>
+                        <a:buSzTx/>
+                        <a:buFontTx/>
+                        <a:buNone/>
+                        <a:tabLst/>
+                        <a:defRPr/>
+                      </a:pPr>
+                      <a:endParaRPr lang="zh-CN" altLang="en-US" dirty="0" smtClean="0">
+                        <a:solidFill>
+                          <a:schemeClr val="tx1"/>
+                        </a:solidFill>
+                        <a:latin typeface="宋体" panose="02010600030101010101" pitchFamily="2" charset="-122"/>
+                        <a:ea typeface="宋体" panose="02010600030101010101" pitchFamily="2" charset="-122"/>
+                      </a:endParaRPr>
+                    </a:p>
+                  </a:txBody>
+                  <a:tcPr anchor="ctr"/>
+                </a:tc>
+                <a:tc>
+                  <a:txBody>
+                    <a:bodyPr/>
+                    <a:lstStyle/>
+                    <a:p>
+                      <a:pPr marL="0" marR="0" lvl="0" indent="0" algn="ctr" defTabSz="914400" rtl="0" eaLnBrk="1" fontAlgn="auto" latinLnBrk="0" hangingPunct="1">
+                        <a:lnSpc>
+                          <a:spcPct val="100000"/>
+                        </a:lnSpc>
+                        <a:spcBef>
+                          <a:spcPts val="0"/>
+                        </a:spcBef>
+                        <a:spcAft>
+                          <a:spcPts val="0"/>
+                        </a:spcAft>
+                        <a:buClrTx/>
+                        <a:buSzTx/>
+                        <a:buFontTx/>
+                        <a:buNone/>
+                        <a:tabLst/>
+                        <a:defRPr/>
+                      </a:pPr>
+                      <a:r>
+                        <a:rPr lang="en-US" altLang="zh-CN" dirty="0" smtClean="0">
+                          <a:latin typeface="宋体" panose="02010600030101010101" pitchFamily="2" charset="-122"/>
+                          <a:ea typeface="宋体" panose="02010600030101010101" pitchFamily="2" charset="-122"/>
+                        </a:rPr>
+                        <a:t>2048</a:t>
+                      </a:r>
+                      <a:endParaRPr lang="zh-CN" altLang="en-US" dirty="0" smtClean="0">
+                        <a:latin typeface="宋体" panose="02010600030101010101" pitchFamily="2" charset="-122"/>
+                        <a:ea typeface="宋体" panose="02010600030101010101" pitchFamily="2" charset="-122"/>
+                      </a:endParaRPr>
+                    </a:p>
+                  </a:txBody>
+                  <a:tcPr anchor="ctr"/>
+                </a:tc>
+                <a:tc vMerge="1">
+                  <a:txBody>
+                    <a:bodyPr/>
+                    <a:lstStyle/>
+                    <a:p>
+                      <a:pPr algn="ctr"/>
+                      <a:endParaRPr lang="zh-CN" altLang="en-US" dirty="0">
+                        <a:latin typeface="宋体" panose="02010600030101010101" pitchFamily="2" charset="-122"/>
+                        <a:ea typeface="宋体" panose="02010600030101010101" pitchFamily="2" charset="-122"/>
+                      </a:endParaRPr>
+                    </a:p>
+                  </a:txBody>
+                  <a:tcPr anchor="ctr"/>
+                </a:tc>
+                <a:tc>
+                  <a:txBody>
+                    <a:bodyPr/>
+                    <a:lstStyle/>
+                    <a:p>
+                      <a:pPr marL="0" marR="0" lvl="0" indent="0" algn="ctr" defTabSz="914400" rtl="0" eaLnBrk="1" fontAlgn="auto" latinLnBrk="0" hangingPunct="1">
+                        <a:lnSpc>
+                          <a:spcPct val="100000"/>
+                        </a:lnSpc>
+                        <a:spcBef>
+                          <a:spcPts val="0"/>
+                        </a:spcBef>
+                        <a:spcAft>
+                          <a:spcPts val="0"/>
+                        </a:spcAft>
+                        <a:buClrTx/>
+                        <a:buSzTx/>
+                        <a:buFontTx/>
+                        <a:buNone/>
+                        <a:tabLst/>
+                        <a:defRPr/>
+                      </a:pPr>
+                      <a:r>
+                        <a:rPr lang="en-US" altLang="zh-CN" dirty="0" smtClean="0">
+                          <a:solidFill>
+                            <a:srgbClr val="0070C0"/>
+                          </a:solidFill>
+                          <a:latin typeface="宋体" panose="02010600030101010101" pitchFamily="2" charset="-122"/>
+                          <a:ea typeface="宋体" panose="02010600030101010101" pitchFamily="2" charset="-122"/>
+                        </a:rPr>
+                        <a:t>JDK7</a:t>
+                      </a:r>
+                      <a:endParaRPr lang="zh-CN" altLang="en-US" dirty="0" smtClean="0">
+                        <a:solidFill>
+                          <a:srgbClr val="0070C0"/>
+                        </a:solidFill>
+                        <a:latin typeface="宋体" panose="02010600030101010101" pitchFamily="2" charset="-122"/>
+                        <a:ea typeface="宋体" panose="02010600030101010101" pitchFamily="2" charset="-122"/>
+                      </a:endParaRPr>
+                    </a:p>
+                  </a:txBody>
+                  <a:tcPr anchor="ctr"/>
+                </a:tc>
+                <a:extLst>
+                  <a:ext uri="{0D108BD9-81ED-4DB2-BD59-A6C34878D82A}">
+                    <a16:rowId xmlns="" xmlns:a16="http://schemas.microsoft.com/office/drawing/2014/main" val="1883377276"/>
+                  </a:ext>
+                </a:extLst>
+              </a:tr>
+              <a:tr h="517580">
+                <a:tc>
+                  <a:txBody>
+                    <a:bodyPr/>
+                    <a:lstStyle/>
+                    <a:p>
+                      <a:pPr algn="ctr"/>
+                      <a:r>
+                        <a:rPr lang="en-US" altLang="zh-CN" dirty="0" smtClean="0">
+                          <a:latin typeface="宋体" panose="02010600030101010101" pitchFamily="2" charset="-122"/>
+                          <a:ea typeface="宋体" panose="02010600030101010101" pitchFamily="2" charset="-122"/>
+                        </a:rPr>
+                        <a:t>SHA512WithRSA</a:t>
+                      </a:r>
+                      <a:endParaRPr lang="zh-CN" altLang="en-US" dirty="0">
+                        <a:latin typeface="宋体" panose="02010600030101010101" pitchFamily="2" charset="-122"/>
+                        <a:ea typeface="宋体" panose="02010600030101010101" pitchFamily="2" charset="-122"/>
+                      </a:endParaRPr>
+                    </a:p>
+                  </a:txBody>
+                  <a:tcPr anchor="ctr"/>
+                </a:tc>
+                <a:tc vMerge="1">
+                  <a:txBody>
+                    <a:bodyPr/>
+                    <a:lstStyle/>
+                    <a:p>
+                      <a:pPr marL="0" marR="0" lvl="0" indent="0" algn="ctr" defTabSz="914400" rtl="0" eaLnBrk="1" fontAlgn="auto" latinLnBrk="0" hangingPunct="1">
+                        <a:lnSpc>
+                          <a:spcPct val="100000"/>
+                        </a:lnSpc>
+                        <a:spcBef>
+                          <a:spcPts val="0"/>
+                        </a:spcBef>
+                        <a:spcAft>
+                          <a:spcPts val="0"/>
+                        </a:spcAft>
+                        <a:buClrTx/>
+                        <a:buSzTx/>
+                        <a:buFontTx/>
+                        <a:buNone/>
+                        <a:tabLst/>
+                        <a:defRPr/>
+                      </a:pPr>
+                      <a:endParaRPr lang="zh-CN" altLang="en-US" dirty="0" smtClean="0">
+                        <a:solidFill>
+                          <a:srgbClr val="0070C0"/>
+                        </a:solidFill>
+                        <a:latin typeface="宋体" panose="02010600030101010101" pitchFamily="2" charset="-122"/>
+                        <a:ea typeface="宋体" panose="02010600030101010101" pitchFamily="2" charset="-122"/>
+                      </a:endParaRPr>
+                    </a:p>
+                  </a:txBody>
+                  <a:tcPr anchor="ctr"/>
+                </a:tc>
+                <a:tc>
+                  <a:txBody>
+                    <a:bodyPr/>
+                    <a:lstStyle/>
+                    <a:p>
+                      <a:pPr marL="0" marR="0" lvl="0" indent="0" algn="ctr" defTabSz="914400" rtl="0" eaLnBrk="1" fontAlgn="auto" latinLnBrk="0" hangingPunct="1">
+                        <a:lnSpc>
+                          <a:spcPct val="100000"/>
+                        </a:lnSpc>
+                        <a:spcBef>
+                          <a:spcPts val="0"/>
+                        </a:spcBef>
+                        <a:spcAft>
+                          <a:spcPts val="0"/>
+                        </a:spcAft>
+                        <a:buClrTx/>
+                        <a:buSzTx/>
+                        <a:buFontTx/>
+                        <a:buNone/>
+                        <a:tabLst/>
+                        <a:defRPr/>
+                      </a:pPr>
+                      <a:r>
+                        <a:rPr lang="en-US" altLang="zh-CN" dirty="0" smtClean="0">
+                          <a:latin typeface="宋体" panose="02010600030101010101" pitchFamily="2" charset="-122"/>
+                          <a:ea typeface="宋体" panose="02010600030101010101" pitchFamily="2" charset="-122"/>
+                        </a:rPr>
+                        <a:t>2048</a:t>
+                      </a:r>
+                      <a:endParaRPr lang="zh-CN" altLang="en-US" dirty="0" smtClean="0">
+                        <a:latin typeface="宋体" panose="02010600030101010101" pitchFamily="2" charset="-122"/>
+                        <a:ea typeface="宋体" panose="02010600030101010101" pitchFamily="2" charset="-122"/>
+                      </a:endParaRPr>
+                    </a:p>
+                  </a:txBody>
+                  <a:tcPr anchor="ctr"/>
+                </a:tc>
+                <a:tc vMerge="1">
+                  <a:txBody>
+                    <a:bodyPr/>
+                    <a:lstStyle/>
+                    <a:p>
+                      <a:pPr algn="ctr"/>
+                      <a:endParaRPr lang="zh-CN" altLang="en-US" dirty="0">
+                        <a:solidFill>
+                          <a:srgbClr val="0070C0"/>
+                        </a:solidFill>
+                        <a:latin typeface="宋体" panose="02010600030101010101" pitchFamily="2" charset="-122"/>
+                        <a:ea typeface="宋体" panose="02010600030101010101" pitchFamily="2" charset="-122"/>
+                      </a:endParaRPr>
+                    </a:p>
+                  </a:txBody>
+                  <a:tcPr anchor="ctr"/>
+                </a:tc>
+                <a:tc>
+                  <a:txBody>
+                    <a:bodyPr/>
+                    <a:lstStyle/>
+                    <a:p>
+                      <a:pPr marL="0" marR="0" lvl="0" indent="0" algn="ctr" defTabSz="914400" rtl="0" eaLnBrk="1" fontAlgn="auto" latinLnBrk="0" hangingPunct="1">
+                        <a:lnSpc>
+                          <a:spcPct val="100000"/>
+                        </a:lnSpc>
+                        <a:spcBef>
+                          <a:spcPts val="0"/>
+                        </a:spcBef>
+                        <a:spcAft>
+                          <a:spcPts val="0"/>
+                        </a:spcAft>
+                        <a:buClrTx/>
+                        <a:buSzTx/>
+                        <a:buFontTx/>
+                        <a:buNone/>
+                        <a:tabLst/>
+                        <a:defRPr/>
+                      </a:pPr>
+                      <a:r>
+                        <a:rPr lang="en-US" altLang="zh-CN" dirty="0" smtClean="0">
+                          <a:solidFill>
+                            <a:srgbClr val="0070C0"/>
+                          </a:solidFill>
+                          <a:latin typeface="宋体" panose="02010600030101010101" pitchFamily="2" charset="-122"/>
+                          <a:ea typeface="宋体" panose="02010600030101010101" pitchFamily="2" charset="-122"/>
+                        </a:rPr>
+                        <a:t>JDK7</a:t>
+                      </a:r>
+                      <a:endParaRPr lang="zh-CN" altLang="en-US" dirty="0" smtClean="0">
+                        <a:solidFill>
+                          <a:srgbClr val="0070C0"/>
+                        </a:solidFill>
+                        <a:latin typeface="宋体" panose="02010600030101010101" pitchFamily="2" charset="-122"/>
+                        <a:ea typeface="宋体" panose="02010600030101010101" pitchFamily="2" charset="-122"/>
+                      </a:endParaRPr>
+                    </a:p>
+                  </a:txBody>
+                  <a:tcPr anchor="ctr"/>
+                </a:tc>
+                <a:extLst>
+                  <a:ext uri="{0D108BD9-81ED-4DB2-BD59-A6C34878D82A}">
+                    <a16:rowId xmlns="" xmlns:a16="http://schemas.microsoft.com/office/drawing/2014/main" val="4018932841"/>
+                  </a:ext>
+                </a:extLst>
+              </a:tr>
+            </a:tbl>
+          </a:graphicData>
+        </a:graphic>
+      </p:graphicFrame>
+    </p:spTree>
+    <p:extLst>
+      <p:ext uri="{BB962C8B-B14F-4D97-AF65-F5344CB8AC3E}">
+        <p14:creationId xmlns:p14="http://schemas.microsoft.com/office/powerpoint/2010/main" val="1170769410"/>
+      </p:ext>
+    </p:extLst>
+  </p:cSld>
+  <p:clrMapOvr>
+    <a:masterClrMapping/>
+  </p:clrMapOvr>
+  <mc:AlternateContent xmlns:mc="http://schemas.openxmlformats.org/markup-compatibility/2006" xmlns:p14="http://schemas.microsoft.com/office/powerpoint/2010/main">
+    <mc:Choice Requires="p14">
+      <p:transition spd="med" p14:dur="700">
+        <p:fade/>
+      </p:transition>
+    </mc:Choice>
+    <mc:Fallback xmlns="">
+      <p:transition spd="med">
+        <p:fade/>
+      </p:transition>
+    </mc:Fallback>
+  </mc:AlternateContent>
+  <p:timing>
+    <p:tnLst>
+      <p:par>
+        <p:cTn id="1" dur="indefinite" restart="never" nodeType="tmRoot"/>
+      </p:par>
+    </p:tnLst>
+  </p:timing>
+</p:sld>
+</file>
+
+<file path=ppt/slides/slide25.xml><?xml version="1.0" encoding="utf-8"?>
+<p:sld xmlns:a="http://schemas.openxmlformats.org/drawingml/2006/main" xmlns:r="http://schemas.openxmlformats.org/officeDocument/2006/relationships" xmlns:p="http://schemas.openxmlformats.org/presentationml/2006/main">
+  <p:cSld>
+    <p:spTree>
+      <p:nvGrpSpPr>
+        <p:cNvPr id="1" name=""/>
+        <p:cNvGrpSpPr/>
+        <p:nvPr/>
+      </p:nvGrpSpPr>
+      <p:grpSpPr>
+        <a:xfrm>
+          <a:off x="0" y="0"/>
+          <a:ext cx="0" cy="0"/>
+          <a:chOff x="0" y="0"/>
+          <a:chExt cx="0" cy="0"/>
+        </a:xfrm>
+      </p:grpSpPr>
+      <p:sp>
+        <p:nvSpPr>
+          <p:cNvPr id="2" name="标题 1"/>
+          <p:cNvSpPr>
+            <a:spLocks noGrp="1"/>
+          </p:cNvSpPr>
+          <p:nvPr>
+            <p:ph type="title"/>
+          </p:nvPr>
+        </p:nvSpPr>
+        <p:spPr/>
+        <p:txBody>
+          <a:bodyPr/>
+          <a:lstStyle/>
+          <a:p>
+            <a:r>
+              <a:rPr lang="en-US" altLang="zh-CN" dirty="0"/>
+              <a:t>D</a:t>
+            </a:r>
+            <a:r>
+              <a:rPr lang="en-US" altLang="zh-CN" dirty="0" smtClean="0"/>
+              <a:t>SA</a:t>
+            </a:r>
+            <a:r>
+              <a:rPr lang="zh-CN" altLang="en-US" dirty="0" smtClean="0"/>
+              <a:t>系列</a:t>
+            </a:r>
+            <a:endParaRPr lang="zh-CN" altLang="en-US" dirty="0"/>
+          </a:p>
+        </p:txBody>
+      </p:sp>
+      <p:graphicFrame>
+        <p:nvGraphicFramePr>
+          <p:cNvPr id="4" name="内容占位符 3"/>
+          <p:cNvGraphicFramePr>
+            <a:graphicFrameLocks noGrp="1"/>
+          </p:cNvGraphicFramePr>
+          <p:nvPr>
+            <p:ph idx="1"/>
+            <p:extLst>
+              <p:ext uri="{D42A27DB-BD31-4B8C-83A1-F6EECF244321}">
+                <p14:modId xmlns:p14="http://schemas.microsoft.com/office/powerpoint/2010/main" val="3168712238"/>
+              </p:ext>
+            </p:extLst>
+          </p:nvPr>
+        </p:nvGraphicFramePr>
+        <p:xfrm>
+          <a:off x="1341438" y="1448018"/>
+          <a:ext cx="9510710" cy="3105480"/>
+        </p:xfrm>
+        <a:graphic>
+          <a:graphicData uri="http://schemas.openxmlformats.org/drawingml/2006/table">
+            <a:tbl>
+              <a:tblPr firstRow="1" bandRow="1">
+                <a:tableStyleId>{08FB837D-C827-4EFA-A057-4D05807E0F7C}</a:tableStyleId>
+              </a:tblPr>
+              <a:tblGrid>
+                <a:gridCol w="2056103">
+                  <a:extLst>
+                    <a:ext uri="{9D8B030D-6E8A-4147-A177-3AD203B41FA5}">
+                      <a16:colId xmlns="" xmlns:a16="http://schemas.microsoft.com/office/drawing/2014/main" val="1262576194"/>
+                    </a:ext>
+                  </a:extLst>
+                </a:gridCol>
+                <a:gridCol w="1182848"/>
+                <a:gridCol w="1820411"/>
+                <a:gridCol w="1350628">
+                  <a:extLst>
+                    <a:ext uri="{9D8B030D-6E8A-4147-A177-3AD203B41FA5}">
+                      <a16:colId xmlns="" xmlns:a16="http://schemas.microsoft.com/office/drawing/2014/main" val="1627258925"/>
+                    </a:ext>
+                  </a:extLst>
+                </a:gridCol>
+                <a:gridCol w="3100720">
+                  <a:extLst>
+                    <a:ext uri="{9D8B030D-6E8A-4147-A177-3AD203B41FA5}">
+                      <a16:colId xmlns="" xmlns:a16="http://schemas.microsoft.com/office/drawing/2014/main" val="279132191"/>
+                    </a:ext>
+                  </a:extLst>
+                </a:gridCol>
+              </a:tblGrid>
+              <a:tr h="517580">
+                <a:tc>
+                  <a:txBody>
+                    <a:bodyPr/>
+                    <a:lstStyle/>
+                    <a:p>
+                      <a:pPr algn="ctr"/>
+                      <a:r>
+                        <a:rPr lang="zh-CN" altLang="en-US" dirty="0" smtClean="0">
+                          <a:latin typeface="宋体" panose="02010600030101010101" pitchFamily="2" charset="-122"/>
+                          <a:ea typeface="宋体" panose="02010600030101010101" pitchFamily="2" charset="-122"/>
+                        </a:rPr>
+                        <a:t>算法</a:t>
+                      </a:r>
+                      <a:endParaRPr lang="zh-CN" altLang="en-US" dirty="0">
+                        <a:latin typeface="宋体" panose="02010600030101010101" pitchFamily="2" charset="-122"/>
+                        <a:ea typeface="宋体" panose="02010600030101010101" pitchFamily="2" charset="-122"/>
+                      </a:endParaRPr>
+                    </a:p>
+                  </a:txBody>
+                  <a:tcPr anchor="ctr"/>
+                </a:tc>
+                <a:tc>
+                  <a:txBody>
+                    <a:bodyPr/>
+                    <a:lstStyle/>
+                    <a:p>
+                      <a:pPr algn="ctr"/>
+                      <a:r>
+                        <a:rPr lang="zh-CN" altLang="en-US" dirty="0" smtClean="0">
+                          <a:latin typeface="宋体" panose="02010600030101010101" pitchFamily="2" charset="-122"/>
+                          <a:ea typeface="宋体" panose="02010600030101010101" pitchFamily="2" charset="-122"/>
+                        </a:rPr>
+                        <a:t>密钥长度</a:t>
+                      </a:r>
+                      <a:endParaRPr lang="zh-CN" altLang="en-US" dirty="0">
+                        <a:latin typeface="宋体" panose="02010600030101010101" pitchFamily="2" charset="-122"/>
+                        <a:ea typeface="宋体" panose="02010600030101010101" pitchFamily="2" charset="-122"/>
+                      </a:endParaRPr>
+                    </a:p>
+                  </a:txBody>
+                  <a:tcPr anchor="ctr"/>
+                </a:tc>
+                <a:tc>
+                  <a:txBody>
+                    <a:bodyPr/>
+                    <a:lstStyle/>
+                    <a:p>
+                      <a:pPr algn="ctr"/>
+                      <a:r>
+                        <a:rPr lang="zh-CN" altLang="en-US" dirty="0" smtClean="0">
+                          <a:latin typeface="宋体" panose="02010600030101010101" pitchFamily="2" charset="-122"/>
+                          <a:ea typeface="宋体" panose="02010600030101010101" pitchFamily="2" charset="-122"/>
+                        </a:rPr>
+                        <a:t>密钥长度默认值</a:t>
+                      </a:r>
+                      <a:endParaRPr lang="zh-CN" altLang="en-US" dirty="0">
+                        <a:latin typeface="宋体" panose="02010600030101010101" pitchFamily="2" charset="-122"/>
+                        <a:ea typeface="宋体" panose="02010600030101010101" pitchFamily="2" charset="-122"/>
+                      </a:endParaRPr>
+                    </a:p>
+                  </a:txBody>
+                  <a:tcPr anchor="ctr"/>
+                </a:tc>
+                <a:tc>
+                  <a:txBody>
+                    <a:bodyPr/>
+                    <a:lstStyle/>
+                    <a:p>
+                      <a:pPr algn="ctr"/>
+                      <a:r>
+                        <a:rPr lang="zh-CN" altLang="en-US" dirty="0" smtClean="0">
+                          <a:latin typeface="宋体" panose="02010600030101010101" pitchFamily="2" charset="-122"/>
+                          <a:ea typeface="宋体" panose="02010600030101010101" pitchFamily="2" charset="-122"/>
+                        </a:rPr>
+                        <a:t>签名长度</a:t>
+                      </a:r>
+                      <a:endParaRPr lang="zh-CN" altLang="en-US" dirty="0">
+                        <a:latin typeface="宋体" panose="02010600030101010101" pitchFamily="2" charset="-122"/>
+                        <a:ea typeface="宋体" panose="02010600030101010101" pitchFamily="2" charset="-122"/>
+                      </a:endParaRPr>
+                    </a:p>
+                  </a:txBody>
+                  <a:tcPr anchor="ctr"/>
+                </a:tc>
+                <a:tc>
+                  <a:txBody>
+                    <a:bodyPr/>
+                    <a:lstStyle/>
+                    <a:p>
+                      <a:pPr algn="ctr"/>
+                      <a:r>
+                        <a:rPr lang="zh-CN" altLang="en-US" dirty="0" smtClean="0">
+                          <a:latin typeface="宋体" panose="02010600030101010101" pitchFamily="2" charset="-122"/>
+                          <a:ea typeface="宋体" panose="02010600030101010101" pitchFamily="2" charset="-122"/>
+                        </a:rPr>
+                        <a:t>提供者</a:t>
                       </a:r>
                       <a:endParaRPr lang="zh-CN" altLang="en-US" dirty="0">
                         <a:latin typeface="宋体" panose="02010600030101010101" pitchFamily="2" charset="-122"/>
@@ -18641,7 +19383,7 @@
                 </a:tc>
                 <a:extLst>
                   <a:ext uri="{0D108BD9-81ED-4DB2-BD59-A6C34878D82A}">
-                    <a16:rowId xmlns:a16="http://schemas.microsoft.com/office/drawing/2014/main" xmlns="" val="3661055458"/>
+                    <a16:rowId xmlns="" xmlns:a16="http://schemas.microsoft.com/office/drawing/2014/main" val="3704071744"/>
                   </a:ext>
                 </a:extLst>
               </a:tr>
@@ -18657,7 +19399,362 @@
                           <a:latin typeface="宋体" panose="02010600030101010101" pitchFamily="2" charset="-122"/>
                           <a:ea typeface="宋体" panose="02010600030101010101" pitchFamily="2" charset="-122"/>
                         </a:rPr>
-                        <a:t>SHA256WithRSA</a:t>
+                        <a:t>SHA1WithDSA</a:t>
+                      </a:r>
+                      <a:endParaRPr lang="zh-CN" altLang="en-US" dirty="0">
+                        <a:latin typeface="宋体" panose="02010600030101010101" pitchFamily="2" charset="-122"/>
+                        <a:ea typeface="宋体" panose="02010600030101010101" pitchFamily="2" charset="-122"/>
+                      </a:endParaRPr>
+                    </a:p>
+                  </a:txBody>
+                  <a:tcPr anchor="ctr"/>
+                </a:tc>
+                <a:tc rowSpan="5">
+                  <a:txBody>
+                    <a:bodyPr/>
+                    <a:lstStyle/>
+                    <a:p>
+                      <a:pPr algn="ctr"/>
+                      <a:r>
+                        <a:rPr lang="en-US" altLang="zh-CN" dirty="0" smtClean="0">
+                          <a:solidFill>
+                            <a:schemeClr val="dk1"/>
+                          </a:solidFill>
+                          <a:latin typeface="宋体" panose="02010600030101010101" pitchFamily="2" charset="-122"/>
+                          <a:ea typeface="宋体" panose="02010600030101010101" pitchFamily="2" charset="-122"/>
+                        </a:rPr>
+                        <a:t>512-65536</a:t>
+                      </a:r>
+                    </a:p>
+                    <a:p>
+                      <a:pPr algn="ctr"/>
+                      <a:r>
+                        <a:rPr lang="zh-CN" altLang="en-US" dirty="0" smtClean="0">
+                          <a:solidFill>
+                            <a:schemeClr val="dk1"/>
+                          </a:solidFill>
+                          <a:latin typeface="宋体" panose="02010600030101010101" pitchFamily="2" charset="-122"/>
+                          <a:ea typeface="宋体" panose="02010600030101010101" pitchFamily="2" charset="-122"/>
+                        </a:rPr>
+                        <a:t>秘钥必须为</a:t>
+                      </a:r>
+                      <a:r>
+                        <a:rPr lang="en-US" altLang="zh-CN" dirty="0" smtClean="0">
+                          <a:solidFill>
+                            <a:schemeClr val="dk1"/>
+                          </a:solidFill>
+                          <a:latin typeface="宋体" panose="02010600030101010101" pitchFamily="2" charset="-122"/>
+                          <a:ea typeface="宋体" panose="02010600030101010101" pitchFamily="2" charset="-122"/>
+                        </a:rPr>
+                        <a:t>64</a:t>
+                      </a:r>
+                      <a:r>
+                        <a:rPr lang="zh-CN" altLang="en-US" dirty="0" smtClean="0">
+                          <a:solidFill>
+                            <a:schemeClr val="dk1"/>
+                          </a:solidFill>
+                          <a:latin typeface="宋体" panose="02010600030101010101" pitchFamily="2" charset="-122"/>
+                          <a:ea typeface="宋体" panose="02010600030101010101" pitchFamily="2" charset="-122"/>
+                        </a:rPr>
+                        <a:t>的倍数</a:t>
+                      </a:r>
+                      <a:endParaRPr lang="zh-CN" altLang="en-US" dirty="0" smtClean="0">
+                        <a:solidFill>
+                          <a:srgbClr val="C00000"/>
+                        </a:solidFill>
+                        <a:latin typeface="宋体" panose="02010600030101010101" pitchFamily="2" charset="-122"/>
+                        <a:ea typeface="宋体" panose="02010600030101010101" pitchFamily="2" charset="-122"/>
+                      </a:endParaRPr>
+                    </a:p>
+                    <a:p>
+                      <a:pPr algn="ctr"/>
+                      <a:endParaRPr lang="zh-CN" altLang="en-US" dirty="0">
+                        <a:latin typeface="宋体" panose="02010600030101010101" pitchFamily="2" charset="-122"/>
+                        <a:ea typeface="宋体" panose="02010600030101010101" pitchFamily="2" charset="-122"/>
+                      </a:endParaRPr>
+                    </a:p>
+                  </a:txBody>
+                  <a:tcPr anchor="ctr"/>
+                </a:tc>
+                <a:tc>
+                  <a:txBody>
+                    <a:bodyPr/>
+                    <a:lstStyle/>
+                    <a:p>
+                      <a:pPr algn="ctr"/>
+                      <a:endParaRPr lang="zh-CN" altLang="en-US" dirty="0">
+                        <a:latin typeface="宋体" panose="02010600030101010101" pitchFamily="2" charset="-122"/>
+                        <a:ea typeface="宋体" panose="02010600030101010101" pitchFamily="2" charset="-122"/>
+                      </a:endParaRPr>
+                    </a:p>
+                  </a:txBody>
+                  <a:tcPr anchor="ctr"/>
+                </a:tc>
+                <a:tc rowSpan="5">
+                  <a:txBody>
+                    <a:bodyPr/>
+                    <a:lstStyle/>
+                    <a:p>
+                      <a:pPr algn="ctr"/>
+                      <a:r>
+                        <a:rPr lang="zh-CN" altLang="en-US" dirty="0" smtClean="0">
+                          <a:solidFill>
+                            <a:schemeClr val="tx1"/>
+                          </a:solidFill>
+                          <a:latin typeface="宋体" panose="02010600030101010101" pitchFamily="2" charset="-122"/>
+                          <a:ea typeface="宋体" panose="02010600030101010101" pitchFamily="2" charset="-122"/>
+                        </a:rPr>
+                        <a:t>与密钥</a:t>
+                      </a:r>
+                      <a:r>
+                        <a:rPr lang="zh-CN" altLang="en-US" baseline="0" dirty="0" smtClean="0">
+                          <a:solidFill>
+                            <a:schemeClr val="tx1"/>
+                          </a:solidFill>
+                          <a:latin typeface="宋体" panose="02010600030101010101" pitchFamily="2" charset="-122"/>
+                          <a:ea typeface="宋体" panose="02010600030101010101" pitchFamily="2" charset="-122"/>
+                        </a:rPr>
+                        <a:t>长度相同</a:t>
+                      </a:r>
+                      <a:endParaRPr lang="zh-CN" altLang="en-US" dirty="0">
+                        <a:solidFill>
+                          <a:schemeClr val="tx1"/>
+                        </a:solidFill>
+                        <a:latin typeface="宋体" panose="02010600030101010101" pitchFamily="2" charset="-122"/>
+                        <a:ea typeface="宋体" panose="02010600030101010101" pitchFamily="2" charset="-122"/>
+                      </a:endParaRPr>
+                    </a:p>
+                  </a:txBody>
+                  <a:tcPr anchor="ctr"/>
+                </a:tc>
+                <a:tc>
+                  <a:txBody>
+                    <a:bodyPr/>
+                    <a:lstStyle/>
+                    <a:p>
+                      <a:pPr algn="ctr"/>
+                      <a:r>
+                        <a:rPr lang="en-US" altLang="zh-CN" dirty="0" smtClean="0">
+                          <a:latin typeface="宋体" panose="02010600030101010101" pitchFamily="2" charset="-122"/>
+                          <a:ea typeface="宋体" panose="02010600030101010101" pitchFamily="2" charset="-122"/>
+                        </a:rPr>
+                        <a:t>JDK</a:t>
+                      </a:r>
+                      <a:endParaRPr lang="zh-CN" altLang="en-US" dirty="0">
+                        <a:latin typeface="宋体" panose="02010600030101010101" pitchFamily="2" charset="-122"/>
+                        <a:ea typeface="宋体" panose="02010600030101010101" pitchFamily="2" charset="-122"/>
+                      </a:endParaRPr>
+                    </a:p>
+                  </a:txBody>
+                  <a:tcPr anchor="ctr"/>
+                </a:tc>
+                <a:extLst>
+                  <a:ext uri="{0D108BD9-81ED-4DB2-BD59-A6C34878D82A}">
+                    <a16:rowId xmlns="" xmlns:a16="http://schemas.microsoft.com/office/drawing/2014/main" val="1026023813"/>
+                  </a:ext>
+                </a:extLst>
+              </a:tr>
+              <a:tr h="517580">
+                <a:tc>
+                  <a:txBody>
+                    <a:bodyPr/>
+                    <a:lstStyle/>
+                    <a:p>
+                      <a:pPr algn="ctr"/>
+                      <a:r>
+                        <a:rPr lang="en-US" altLang="zh-CN" dirty="0" smtClean="0">
+                          <a:latin typeface="宋体" panose="02010600030101010101" pitchFamily="2" charset="-122"/>
+                          <a:ea typeface="宋体" panose="02010600030101010101" pitchFamily="2" charset="-122"/>
+                        </a:rPr>
+                        <a:t>SHA224WithDSA</a:t>
+                      </a:r>
+                      <a:endParaRPr lang="zh-CN" altLang="en-US" dirty="0">
+                        <a:latin typeface="宋体" panose="02010600030101010101" pitchFamily="2" charset="-122"/>
+                        <a:ea typeface="宋体" panose="02010600030101010101" pitchFamily="2" charset="-122"/>
+                      </a:endParaRPr>
+                    </a:p>
+                  </a:txBody>
+                  <a:tcPr anchor="ctr"/>
+                </a:tc>
+                <a:tc vMerge="1">
+                  <a:txBody>
+                    <a:bodyPr/>
+                    <a:lstStyle/>
+                    <a:p>
+                      <a:pPr algn="ctr"/>
+                      <a:endParaRPr lang="zh-CN" altLang="en-US" dirty="0">
+                        <a:latin typeface="宋体" panose="02010600030101010101" pitchFamily="2" charset="-122"/>
+                        <a:ea typeface="宋体" panose="02010600030101010101" pitchFamily="2" charset="-122"/>
+                      </a:endParaRPr>
+                    </a:p>
+                  </a:txBody>
+                  <a:tcPr anchor="ctr"/>
+                </a:tc>
+                <a:tc>
+                  <a:txBody>
+                    <a:bodyPr/>
+                    <a:lstStyle/>
+                    <a:p>
+                      <a:pPr algn="ctr"/>
+                      <a:endParaRPr lang="zh-CN" altLang="en-US" dirty="0">
+                        <a:latin typeface="宋体" panose="02010600030101010101" pitchFamily="2" charset="-122"/>
+                        <a:ea typeface="宋体" panose="02010600030101010101" pitchFamily="2" charset="-122"/>
+                      </a:endParaRPr>
+                    </a:p>
+                  </a:txBody>
+                  <a:tcPr anchor="ctr"/>
+                </a:tc>
+                <a:tc vMerge="1">
+                  <a:txBody>
+                    <a:bodyPr/>
+                    <a:lstStyle/>
+                    <a:p>
+                      <a:pPr algn="ctr"/>
+                      <a:endParaRPr lang="zh-CN" altLang="en-US" dirty="0">
+                        <a:latin typeface="宋体" panose="02010600030101010101" pitchFamily="2" charset="-122"/>
+                        <a:ea typeface="宋体" panose="02010600030101010101" pitchFamily="2" charset="-122"/>
+                      </a:endParaRPr>
+                    </a:p>
+                  </a:txBody>
+                  <a:tcPr anchor="ctr"/>
+                </a:tc>
+                <a:tc>
+                  <a:txBody>
+                    <a:bodyPr/>
+                    <a:lstStyle/>
+                    <a:p>
+                      <a:pPr algn="ctr"/>
+                      <a:r>
+                        <a:rPr lang="en-US" altLang="zh-CN" dirty="0" smtClean="0">
+                          <a:solidFill>
+                            <a:srgbClr val="0070C0"/>
+                          </a:solidFill>
+                          <a:latin typeface="宋体" panose="02010600030101010101" pitchFamily="2" charset="-122"/>
+                          <a:ea typeface="宋体" panose="02010600030101010101" pitchFamily="2" charset="-122"/>
+                        </a:rPr>
+                        <a:t>JDK8</a:t>
+                      </a:r>
+                      <a:endParaRPr lang="zh-CN" altLang="en-US" dirty="0">
+                        <a:solidFill>
+                          <a:srgbClr val="0070C0"/>
+                        </a:solidFill>
+                        <a:latin typeface="宋体" panose="02010600030101010101" pitchFamily="2" charset="-122"/>
+                        <a:ea typeface="宋体" panose="02010600030101010101" pitchFamily="2" charset="-122"/>
+                      </a:endParaRPr>
+                    </a:p>
+                  </a:txBody>
+                  <a:tcPr anchor="ctr"/>
+                </a:tc>
+                <a:extLst>
+                  <a:ext uri="{0D108BD9-81ED-4DB2-BD59-A6C34878D82A}">
+                    <a16:rowId xmlns="" xmlns:a16="http://schemas.microsoft.com/office/drawing/2014/main" val="3056097180"/>
+                  </a:ext>
+                </a:extLst>
+              </a:tr>
+              <a:tr h="517580">
+                <a:tc>
+                  <a:txBody>
+                    <a:bodyPr/>
+                    <a:lstStyle/>
+                    <a:p>
+                      <a:pPr algn="ctr"/>
+                      <a:r>
+                        <a:rPr lang="en-US" altLang="zh-CN" dirty="0" smtClean="0">
+                          <a:latin typeface="宋体" panose="02010600030101010101" pitchFamily="2" charset="-122"/>
+                          <a:ea typeface="宋体" panose="02010600030101010101" pitchFamily="2" charset="-122"/>
+                        </a:rPr>
+                        <a:t>SHA256WithDSA</a:t>
+                      </a:r>
+                      <a:endParaRPr lang="zh-CN" altLang="en-US" dirty="0">
+                        <a:latin typeface="宋体" panose="02010600030101010101" pitchFamily="2" charset="-122"/>
+                        <a:ea typeface="宋体" panose="02010600030101010101" pitchFamily="2" charset="-122"/>
+                      </a:endParaRPr>
+                    </a:p>
+                  </a:txBody>
+                  <a:tcPr anchor="ctr"/>
+                </a:tc>
+                <a:tc vMerge="1">
+                  <a:txBody>
+                    <a:bodyPr/>
+                    <a:lstStyle/>
+                    <a:p>
+                      <a:pPr algn="ctr"/>
+                      <a:endParaRPr lang="zh-CN" altLang="en-US" dirty="0">
+                        <a:latin typeface="宋体" panose="02010600030101010101" pitchFamily="2" charset="-122"/>
+                        <a:ea typeface="宋体" panose="02010600030101010101" pitchFamily="2" charset="-122"/>
+                      </a:endParaRPr>
+                    </a:p>
+                  </a:txBody>
+                  <a:tcPr anchor="ctr"/>
+                </a:tc>
+                <a:tc>
+                  <a:txBody>
+                    <a:bodyPr/>
+                    <a:lstStyle/>
+                    <a:p>
+                      <a:pPr algn="ctr"/>
+                      <a:endParaRPr lang="zh-CN" altLang="en-US" dirty="0">
+                        <a:latin typeface="宋体" panose="02010600030101010101" pitchFamily="2" charset="-122"/>
+                        <a:ea typeface="宋体" panose="02010600030101010101" pitchFamily="2" charset="-122"/>
+                      </a:endParaRPr>
+                    </a:p>
+                  </a:txBody>
+                  <a:tcPr anchor="ctr"/>
+                </a:tc>
+                <a:tc vMerge="1">
+                  <a:txBody>
+                    <a:bodyPr/>
+                    <a:lstStyle/>
+                    <a:p>
+                      <a:pPr algn="ctr"/>
+                      <a:endParaRPr lang="zh-CN" altLang="en-US" dirty="0">
+                        <a:latin typeface="宋体" panose="02010600030101010101" pitchFamily="2" charset="-122"/>
+                        <a:ea typeface="宋体" panose="02010600030101010101" pitchFamily="2" charset="-122"/>
+                      </a:endParaRPr>
+                    </a:p>
+                  </a:txBody>
+                  <a:tcPr anchor="ctr"/>
+                </a:tc>
+                <a:tc>
+                  <a:txBody>
+                    <a:bodyPr/>
+                    <a:lstStyle/>
+                    <a:p>
+                      <a:pPr algn="ctr"/>
+                      <a:r>
+                        <a:rPr lang="en-US" altLang="zh-CN" dirty="0" smtClean="0">
+                          <a:latin typeface="宋体" panose="02010600030101010101" pitchFamily="2" charset="-122"/>
+                          <a:ea typeface="宋体" panose="02010600030101010101" pitchFamily="2" charset="-122"/>
+                        </a:rPr>
+                        <a:t>JDK</a:t>
+                      </a:r>
+                      <a:endParaRPr lang="zh-CN" altLang="en-US" dirty="0">
+                        <a:latin typeface="宋体" panose="02010600030101010101" pitchFamily="2" charset="-122"/>
+                        <a:ea typeface="宋体" panose="02010600030101010101" pitchFamily="2" charset="-122"/>
+                      </a:endParaRPr>
+                    </a:p>
+                  </a:txBody>
+                  <a:tcPr anchor="ctr"/>
+                </a:tc>
+                <a:extLst>
+                  <a:ext uri="{0D108BD9-81ED-4DB2-BD59-A6C34878D82A}">
+                    <a16:rowId xmlns="" xmlns:a16="http://schemas.microsoft.com/office/drawing/2014/main" val="3398222936"/>
+                  </a:ext>
+                </a:extLst>
+              </a:tr>
+              <a:tr h="517580">
+                <a:tc>
+                  <a:txBody>
+                    <a:bodyPr/>
+                    <a:lstStyle/>
+                    <a:p>
+                      <a:pPr algn="ctr"/>
+                      <a:r>
+                        <a:rPr lang="en-US" altLang="zh-CN" dirty="0" smtClean="0">
+                          <a:latin typeface="宋体" panose="02010600030101010101" pitchFamily="2" charset="-122"/>
+                          <a:ea typeface="宋体" panose="02010600030101010101" pitchFamily="2" charset="-122"/>
+                        </a:rPr>
+                        <a:t>SHA384WithDSA</a:t>
                       </a:r>
                       <a:endParaRPr lang="zh-CN" altLang="en-US" dirty="0">
                         <a:latin typeface="宋体" panose="02010600030101010101" pitchFamily="2" charset="-122"/>
@@ -18786,7 +19883,7 @@
                 </a:tc>
                 <a:extLst>
                   <a:ext uri="{0D108BD9-81ED-4DB2-BD59-A6C34878D82A}">
-                    <a16:rowId xmlns:a16="http://schemas.microsoft.com/office/drawing/2014/main" xmlns="" val="1792707014"/>
+                    <a16:rowId xmlns="" xmlns:a16="http://schemas.microsoft.com/office/drawing/2014/main" val="3661055458"/>
                   </a:ext>
                 </a:extLst>
               </a:tr>
@@ -18802,7 +19899,7 @@
                           <a:latin typeface="宋体" panose="02010600030101010101" pitchFamily="2" charset="-122"/>
                           <a:ea typeface="宋体" panose="02010600030101010101" pitchFamily="2" charset="-122"/>
                         </a:rPr>
-                        <a:t>SHA384WithRSA</a:t>
+                        <a:t>SHA512WithDSA</a:t>
                       </a:r>
                       <a:endParaRPr lang="zh-CN" altLang="en-US" dirty="0">
                         <a:latin typeface="宋体" panose="02010600030101010101" pitchFamily="2" charset="-122"/>
@@ -18835,9 +19932,6 @@
                         <a:defRPr/>
                       </a:pPr>
                       <a:endParaRPr lang="zh-CN" altLang="en-US" dirty="0" smtClean="0">
-                        <a:solidFill>
-                          <a:schemeClr val="tx1"/>
-                        </a:solidFill>
                         <a:latin typeface="宋体" panose="02010600030101010101" pitchFamily="2" charset="-122"/>
                         <a:ea typeface="宋体" panose="02010600030101010101" pitchFamily="2" charset="-122"/>
                       </a:endParaRPr>
@@ -18868,9 +19962,6 @@
                         <a:defRPr/>
                       </a:pPr>
                       <a:endParaRPr lang="zh-CN" altLang="en-US" dirty="0" smtClean="0">
-                        <a:solidFill>
-                          <a:schemeClr val="tx1"/>
-                        </a:solidFill>
                         <a:latin typeface="宋体" panose="02010600030101010101" pitchFamily="2" charset="-122"/>
                         <a:ea typeface="宋体" panose="02010600030101010101" pitchFamily="2" charset="-122"/>
                       </a:endParaRPr>
@@ -18937,161 +20028,7 @@
                 </a:tc>
                 <a:extLst>
                   <a:ext uri="{0D108BD9-81ED-4DB2-BD59-A6C34878D82A}">
-                    <a16:rowId xmlns:a16="http://schemas.microsoft.com/office/drawing/2014/main" xmlns="" val="1883377276"/>
-                  </a:ext>
-                </a:extLst>
-              </a:tr>
-              <a:tr h="517580">
-                <a:tc>
-                  <a:txBody>
-                    <a:bodyPr/>
-                    <a:lstStyle/>
-                    <a:p>
-                      <a:pPr algn="ctr"/>
-                      <a:r>
-                        <a:rPr lang="en-US" altLang="zh-CN" dirty="0" smtClean="0">
-                          <a:latin typeface="宋体" panose="02010600030101010101" pitchFamily="2" charset="-122"/>
-                          <a:ea typeface="宋体" panose="02010600030101010101" pitchFamily="2" charset="-122"/>
-                        </a:rPr>
-                        <a:t>SHA512WithRSA</a:t>
-                      </a:r>
-                      <a:endParaRPr lang="zh-CN" altLang="en-US" dirty="0">
-                        <a:latin typeface="宋体" panose="02010600030101010101" pitchFamily="2" charset="-122"/>
-                        <a:ea typeface="宋体" panose="02010600030101010101" pitchFamily="2" charset="-122"/>
-                      </a:endParaRPr>
-                    </a:p>
-                  </a:txBody>
-                  <a:tcPr anchor="ctr"/>
-                </a:tc>
-                <a:tc vMerge="1">
-                  <a:txBody>
-                    <a:bodyPr/>
-                    <a:lstStyle/>
-                    <a:p>
-                      <a:pPr marL="0" marR="0" lvl="0" indent="0" algn="ctr" defTabSz="914400" rtl="0" eaLnBrk="1" fontAlgn="auto" latinLnBrk="0" hangingPunct="1">
-                        <a:lnSpc>
-                          <a:spcPct val="100000"/>
-                        </a:lnSpc>
-                        <a:spcBef>
-                          <a:spcPts val="0"/>
-                        </a:spcBef>
-                        <a:spcAft>
-                          <a:spcPts val="0"/>
-                        </a:spcAft>
-                        <a:buClrTx/>
-                        <a:buSzTx/>
-                        <a:buFontTx/>
-                        <a:buNone/>
-                        <a:tabLst/>
-                        <a:defRPr/>
-                      </a:pPr>
-                      <a:endParaRPr lang="zh-CN" altLang="en-US" dirty="0" smtClean="0">
-                        <a:solidFill>
-                          <a:srgbClr val="0070C0"/>
-                        </a:solidFill>
-                        <a:latin typeface="宋体" panose="02010600030101010101" pitchFamily="2" charset="-122"/>
-                        <a:ea typeface="宋体" panose="02010600030101010101" pitchFamily="2" charset="-122"/>
-                      </a:endParaRPr>
-                    </a:p>
-                  </a:txBody>
-                  <a:tcPr anchor="ctr"/>
-                </a:tc>
-                <a:tc>
-                  <a:txBody>
-                    <a:bodyPr/>
-                    <a:lstStyle/>
-                    <a:p>
-                      <a:pPr marL="0" marR="0" lvl="0" indent="0" algn="ctr" defTabSz="914400" rtl="0" eaLnBrk="1" fontAlgn="auto" latinLnBrk="0" hangingPunct="1">
-                        <a:lnSpc>
-                          <a:spcPct val="100000"/>
-                        </a:lnSpc>
-                        <a:spcBef>
-                          <a:spcPts val="0"/>
-                        </a:spcBef>
-                        <a:spcAft>
-                          <a:spcPts val="0"/>
-                        </a:spcAft>
-                        <a:buClrTx/>
-                        <a:buSzTx/>
-                        <a:buFontTx/>
-                        <a:buNone/>
-                        <a:tabLst/>
-                        <a:defRPr/>
-                      </a:pPr>
-                      <a:endParaRPr lang="zh-CN" altLang="en-US" dirty="0" smtClean="0">
-                        <a:solidFill>
-                          <a:srgbClr val="0070C0"/>
-                        </a:solidFill>
-                        <a:latin typeface="宋体" panose="02010600030101010101" pitchFamily="2" charset="-122"/>
-                        <a:ea typeface="宋体" panose="02010600030101010101" pitchFamily="2" charset="-122"/>
-                      </a:endParaRPr>
-                    </a:p>
-                  </a:txBody>
-                  <a:tcPr anchor="ctr"/>
-                </a:tc>
-                <a:tc vMerge="1">
-                  <a:txBody>
-                    <a:bodyPr/>
-                    <a:lstStyle/>
-                    <a:p>
-                      <a:pPr algn="ctr"/>
-                      <a:endParaRPr lang="zh-CN" altLang="en-US" dirty="0">
-                        <a:solidFill>
-                          <a:srgbClr val="0070C0"/>
-                        </a:solidFill>
-                        <a:latin typeface="宋体" panose="02010600030101010101" pitchFamily="2" charset="-122"/>
-                        <a:ea typeface="宋体" panose="02010600030101010101" pitchFamily="2" charset="-122"/>
-                      </a:endParaRPr>
-                    </a:p>
-                  </a:txBody>
-                  <a:tcPr anchor="ctr"/>
-                </a:tc>
-                <a:tc>
-                  <a:txBody>
-                    <a:bodyPr/>
-                    <a:lstStyle/>
-                    <a:p>
-                      <a:pPr marL="0" marR="0" lvl="0" indent="0" algn="ctr" defTabSz="914400" rtl="0" eaLnBrk="1" fontAlgn="auto" latinLnBrk="0" hangingPunct="1">
-                        <a:lnSpc>
-                          <a:spcPct val="100000"/>
-                        </a:lnSpc>
-                        <a:spcBef>
-                          <a:spcPts val="0"/>
-                        </a:spcBef>
-                        <a:spcAft>
-                          <a:spcPts val="0"/>
-                        </a:spcAft>
-                        <a:buClrTx/>
-                        <a:buSzTx/>
-                        <a:buFontTx/>
-                        <a:buNone/>
-                        <a:tabLst/>
-                        <a:defRPr/>
-                      </a:pPr>
-                      <a:r>
-                        <a:rPr lang="en-US" altLang="zh-CN" dirty="0" smtClean="0">
-                          <a:solidFill>
-                            <a:srgbClr val="0070C0"/>
-                          </a:solidFill>
-                          <a:latin typeface="宋体" panose="02010600030101010101" pitchFamily="2" charset="-122"/>
-                          <a:ea typeface="宋体" panose="02010600030101010101" pitchFamily="2" charset="-122"/>
-                        </a:rPr>
-                        <a:t>Bouncy Castle</a:t>
-                      </a:r>
-                      <a:endParaRPr lang="zh-CN" altLang="en-US" dirty="0" smtClean="0">
-                        <a:solidFill>
-                          <a:srgbClr val="0070C0"/>
-                        </a:solidFill>
-                        <a:latin typeface="宋体" panose="02010600030101010101" pitchFamily="2" charset="-122"/>
-                        <a:ea typeface="宋体" panose="02010600030101010101" pitchFamily="2" charset="-122"/>
-                      </a:endParaRPr>
-                    </a:p>
-                  </a:txBody>
-                  <a:tcPr anchor="ctr"/>
-                </a:tc>
-                <a:extLst>
-                  <a:ext uri="{0D108BD9-81ED-4DB2-BD59-A6C34878D82A}">
-                    <a16:rowId xmlns:a16="http://schemas.microsoft.com/office/drawing/2014/main" xmlns="" val="4018932841"/>
+                    <a16:rowId xmlns="" xmlns:a16="http://schemas.microsoft.com/office/drawing/2014/main" val="1792707014"/>
                   </a:ext>
                 </a:extLst>
               </a:tr>
@@ -19102,7 +20039,7 @@
     </p:spTree>
     <p:extLst>
       <p:ext uri="{BB962C8B-B14F-4D97-AF65-F5344CB8AC3E}">
-        <p14:creationId xmlns:p14="http://schemas.microsoft.com/office/powerpoint/2010/main" val="1170769410"/>
+        <p14:creationId xmlns:p14="http://schemas.microsoft.com/office/powerpoint/2010/main" val="811907604"/>
       </p:ext>
     </p:extLst>
   </p:cSld>
@@ -19131,7 +20068,7 @@
 </p:sld>
 </file>
 
-<file path=ppt/slides/slide25.xml><?xml version="1.0" encoding="utf-8"?>
+<file path=ppt/slides/slide26.xml><?xml version="1.0" encoding="utf-8"?>
 <p:sld xmlns:a="http://schemas.openxmlformats.org/drawingml/2006/main" xmlns:r="http://schemas.openxmlformats.org/officeDocument/2006/relationships" xmlns:p="http://schemas.openxmlformats.org/presentationml/2006/main">
   <p:cSld>
     <p:spTree>
@@ -19227,7 +20164,7 @@
 </p:sld>
 </file>
 
-<file path=ppt/slides/slide26.xml><?xml version="1.0" encoding="utf-8"?>
+<file path=ppt/slides/slide27.xml><?xml version="1.0" encoding="utf-8"?>
 <p:sld xmlns:a="http://schemas.openxmlformats.org/drawingml/2006/main" xmlns:r="http://schemas.openxmlformats.org/officeDocument/2006/relationships" xmlns:p="http://schemas.openxmlformats.org/presentationml/2006/main">
   <p:cSld>
     <p:spTree>
@@ -19345,7 +20282,7 @@
 </p:sld>
 </file>
 
-<file path=ppt/slides/slide27.xml><?xml version="1.0" encoding="utf-8"?>
+<file path=ppt/slides/slide28.xml><?xml version="1.0" encoding="utf-8"?>
 <p:sld xmlns:a="http://schemas.openxmlformats.org/drawingml/2006/main" xmlns:r="http://schemas.openxmlformats.org/officeDocument/2006/relationships" xmlns:p="http://schemas.openxmlformats.org/presentationml/2006/main">
   <p:cSld>
     <p:spTree>
@@ -19447,21 +20384,21 @@
                 <a:gridCol w="1524000">
                   <a:extLst>
                     <a:ext uri="{9D8B030D-6E8A-4147-A177-3AD203B41FA5}">
-                      <a16:colId xmlns:a16="http://schemas.microsoft.com/office/drawing/2014/main" xmlns="" val="20000"/>
+                      <a16:colId xmlns="" xmlns:a16="http://schemas.microsoft.com/office/drawing/2014/main" val="20000"/>
                     </a:ext>
                   </a:extLst>
                 </a:gridCol>
                 <a:gridCol w="1524000">
                   <a:extLst>
                     <a:ext uri="{9D8B030D-6E8A-4147-A177-3AD203B41FA5}">
-                      <a16:colId xmlns:a16="http://schemas.microsoft.com/office/drawing/2014/main" xmlns="" val="20001"/>
+                      <a16:colId xmlns="" xmlns:a16="http://schemas.microsoft.com/office/drawing/2014/main" val="20001"/>
                     </a:ext>
                   </a:extLst>
                 </a:gridCol>
                 <a:gridCol w="1524000">
                   <a:extLst>
                     <a:ext uri="{9D8B030D-6E8A-4147-A177-3AD203B41FA5}">
-                      <a16:colId xmlns:a16="http://schemas.microsoft.com/office/drawing/2014/main" xmlns="" val="20002"/>
+                      <a16:colId xmlns="" xmlns:a16="http://schemas.microsoft.com/office/drawing/2014/main" val="20002"/>
                     </a:ext>
                   </a:extLst>
                 </a:gridCol>
@@ -19516,7 +20453,7 @@
                 </a:tc>
                 <a:extLst>
                   <a:ext uri="{0D108BD9-81ED-4DB2-BD59-A6C34878D82A}">
-                    <a16:rowId xmlns:a16="http://schemas.microsoft.com/office/drawing/2014/main" xmlns="" val="10000"/>
+                    <a16:rowId xmlns="" xmlns:a16="http://schemas.microsoft.com/office/drawing/2014/main" val="10000"/>
                   </a:ext>
                 </a:extLst>
               </a:tr>
@@ -19573,7 +20510,7 @@
                 </a:tc>
                 <a:extLst>
                   <a:ext uri="{0D108BD9-81ED-4DB2-BD59-A6C34878D82A}">
-                    <a16:rowId xmlns:a16="http://schemas.microsoft.com/office/drawing/2014/main" xmlns="" val="10001"/>
+                    <a16:rowId xmlns="" xmlns:a16="http://schemas.microsoft.com/office/drawing/2014/main" val="10001"/>
                   </a:ext>
                 </a:extLst>
               </a:tr>
@@ -19630,7 +20567,7 @@
                 </a:tc>
                 <a:extLst>
                   <a:ext uri="{0D108BD9-81ED-4DB2-BD59-A6C34878D82A}">
-                    <a16:rowId xmlns:a16="http://schemas.microsoft.com/office/drawing/2014/main" xmlns="" val="10002"/>
+                    <a16:rowId xmlns="" xmlns:a16="http://schemas.microsoft.com/office/drawing/2014/main" val="10002"/>
                   </a:ext>
                 </a:extLst>
               </a:tr>
@@ -19687,7 +20624,7 @@
                 </a:tc>
                 <a:extLst>
                   <a:ext uri="{0D108BD9-81ED-4DB2-BD59-A6C34878D82A}">
-                    <a16:rowId xmlns:a16="http://schemas.microsoft.com/office/drawing/2014/main" xmlns="" val="10003"/>
+                    <a16:rowId xmlns="" xmlns:a16="http://schemas.microsoft.com/office/drawing/2014/main" val="10003"/>
                   </a:ext>
                 </a:extLst>
               </a:tr>
@@ -19727,7 +20664,7 @@
 </p:sld>
 </file>
 
-<file path=ppt/slides/slide28.xml><?xml version="1.0" encoding="utf-8"?>
+<file path=ppt/slides/slide29.xml><?xml version="1.0" encoding="utf-8"?>
 <p:sld xmlns:a="http://schemas.openxmlformats.org/drawingml/2006/main" xmlns:r="http://schemas.openxmlformats.org/officeDocument/2006/relationships" xmlns:p="http://schemas.openxmlformats.org/presentationml/2006/main">
   <p:cSld>
     <p:spTree>
@@ -19857,7 +20794,254 @@
 </p:sld>
 </file>
 
-<file path=ppt/slides/slide29.xml><?xml version="1.0" encoding="utf-8"?>
+<file path=ppt/slides/slide3.xml><?xml version="1.0" encoding="utf-8"?>
+<p:sld xmlns:a="http://schemas.openxmlformats.org/drawingml/2006/main" xmlns:r="http://schemas.openxmlformats.org/officeDocument/2006/relationships" xmlns:p="http://schemas.openxmlformats.org/presentationml/2006/main">
+  <p:cSld>
+    <p:spTree>
+      <p:nvGrpSpPr>
+        <p:cNvPr id="1" name=""/>
+        <p:cNvGrpSpPr/>
+        <p:nvPr/>
+      </p:nvGrpSpPr>
+      <p:grpSpPr>
+        <a:xfrm>
+          <a:off x="0" y="0"/>
+          <a:ext cx="0" cy="0"/>
+          <a:chOff x="0" y="0"/>
+          <a:chExt cx="0" cy="0"/>
+        </a:xfrm>
+      </p:grpSpPr>
+      <p:sp>
+        <p:nvSpPr>
+          <p:cNvPr id="2" name="标题 1"/>
+          <p:cNvSpPr>
+            <a:spLocks noGrp="1"/>
+          </p:cNvSpPr>
+          <p:nvPr>
+            <p:ph type="title"/>
+          </p:nvPr>
+        </p:nvSpPr>
+        <p:spPr/>
+        <p:txBody>
+          <a:bodyPr/>
+          <a:lstStyle/>
+          <a:p>
+            <a:r>
+              <a:rPr lang="en-US" altLang="zh-CN" dirty="0" smtClean="0"/>
+              <a:t>Java</a:t>
+            </a:r>
+            <a:r>
+              <a:rPr lang="zh-CN" altLang="en-US" dirty="0" smtClean="0"/>
+              <a:t>安全框架设计模式</a:t>
+            </a:r>
+            <a:endParaRPr lang="zh-CN" dirty="0"/>
+          </a:p>
+        </p:txBody>
+      </p:sp>
+      <p:sp>
+        <p:nvSpPr>
+          <p:cNvPr id="3" name="内容占位符 2"/>
+          <p:cNvSpPr>
+            <a:spLocks noGrp="1"/>
+          </p:cNvSpPr>
+          <p:nvPr>
+            <p:ph idx="1"/>
+          </p:nvPr>
+        </p:nvSpPr>
+        <p:spPr/>
+        <p:txBody>
+          <a:bodyPr/>
+          <a:lstStyle/>
+          <a:p>
+            <a:r>
+              <a:rPr lang="zh-CN" altLang="en-US" dirty="0" smtClean="0"/>
+              <a:t>服务提供者模式（</a:t>
+            </a:r>
+            <a:r>
+              <a:rPr lang="en-US" altLang="zh-CN" dirty="0" smtClean="0"/>
+              <a:t>Service Provider Framework</a:t>
+            </a:r>
+            <a:r>
+              <a:rPr lang="zh-CN" altLang="en-US" dirty="0" smtClean="0"/>
+              <a:t>）</a:t>
+            </a:r>
+            <a:endParaRPr lang="en-US" altLang="zh-CN" dirty="0" smtClean="0"/>
+          </a:p>
+          <a:p>
+            <a:pPr marL="45720" indent="0">
+              <a:buNone/>
+            </a:pPr>
+            <a:r>
+              <a:rPr lang="en-US" altLang="zh-CN" sz="1600" dirty="0" smtClean="0">
+                <a:solidFill>
+                  <a:schemeClr val="tx1"/>
+                </a:solidFill>
+              </a:rPr>
+              <a:t>    </a:t>
+            </a:r>
+            <a:r>
+              <a:rPr lang="en-US" altLang="zh-CN" sz="1600" dirty="0" smtClean="0">
+                <a:solidFill>
+                  <a:srgbClr val="0070C0"/>
+                </a:solidFill>
+              </a:rPr>
+              <a:t>API</a:t>
+            </a:r>
+            <a:r>
+              <a:rPr lang="zh-CN" altLang="en-US" sz="1600" dirty="0" smtClean="0">
+                <a:solidFill>
+                  <a:srgbClr val="0070C0"/>
+                </a:solidFill>
+              </a:rPr>
+              <a:t>接口与实现的分离</a:t>
+            </a:r>
+            <a:endParaRPr lang="zh-CN" sz="1600" dirty="0">
+              <a:solidFill>
+                <a:srgbClr val="0070C0"/>
+              </a:solidFill>
+            </a:endParaRPr>
+          </a:p>
+          <a:p>
+            <a:r>
+              <a:rPr lang="en-US" altLang="zh-CN" dirty="0" smtClean="0"/>
+              <a:t>SPI</a:t>
+            </a:r>
+            <a:r>
+              <a:rPr lang="zh-CN" altLang="en-US" dirty="0" smtClean="0"/>
+              <a:t>（</a:t>
+            </a:r>
+            <a:r>
+              <a:rPr lang="en-US" altLang="zh-CN" dirty="0"/>
+              <a:t>Service Provider </a:t>
+            </a:r>
+            <a:r>
+              <a:rPr lang="en-US" altLang="zh-CN" dirty="0" smtClean="0"/>
+              <a:t>Interface</a:t>
+            </a:r>
+            <a:r>
+              <a:rPr lang="zh-CN" altLang="en-US" dirty="0" smtClean="0"/>
+              <a:t>）</a:t>
+            </a:r>
+            <a:endParaRPr lang="en-US" altLang="zh-CN" dirty="0" smtClean="0"/>
+          </a:p>
+          <a:p>
+            <a:pPr marL="45720" indent="0">
+              <a:buNone/>
+            </a:pPr>
+            <a:r>
+              <a:rPr lang="en-US" altLang="zh-CN" sz="1600" dirty="0" smtClean="0"/>
+              <a:t>    </a:t>
+            </a:r>
+            <a:r>
+              <a:rPr lang="en-US" altLang="zh-CN" sz="1600" dirty="0" smtClean="0">
+                <a:solidFill>
+                  <a:srgbClr val="0070C0"/>
+                </a:solidFill>
+              </a:rPr>
+              <a:t>MessageDigestSpi</a:t>
+            </a:r>
+            <a:r>
+              <a:rPr lang="zh-CN" altLang="en-US" sz="1600" dirty="0" smtClean="0">
+                <a:solidFill>
+                  <a:srgbClr val="0070C0"/>
+                </a:solidFill>
+              </a:rPr>
+              <a:t>，</a:t>
+            </a:r>
+            <a:r>
+              <a:rPr lang="en-US" altLang="zh-CN" sz="1600" dirty="0" smtClean="0">
+                <a:solidFill>
+                  <a:srgbClr val="0070C0"/>
+                </a:solidFill>
+              </a:rPr>
+              <a:t>CipherSpi</a:t>
+            </a:r>
+            <a:r>
+              <a:rPr lang="zh-CN" altLang="en-US" sz="1600" dirty="0" smtClean="0">
+                <a:solidFill>
+                  <a:srgbClr val="0070C0"/>
+                </a:solidFill>
+              </a:rPr>
+              <a:t>等</a:t>
+            </a:r>
+            <a:endParaRPr lang="en-US" altLang="zh-CN" sz="1600" dirty="0" smtClean="0">
+              <a:solidFill>
+                <a:srgbClr val="0070C0"/>
+              </a:solidFill>
+            </a:endParaRPr>
+          </a:p>
+          <a:p>
+            <a:r>
+              <a:rPr lang="en-US" altLang="zh-CN" dirty="0" smtClean="0"/>
+              <a:t>Provider</a:t>
+            </a:r>
+            <a:endParaRPr lang="en-US" altLang="zh-CN" dirty="0"/>
+          </a:p>
+          <a:p>
+            <a:pPr marL="45720" indent="0">
+              <a:buNone/>
+            </a:pPr>
+            <a:r>
+              <a:rPr lang="en-US" altLang="zh-CN" dirty="0"/>
+              <a:t>   </a:t>
+            </a:r>
+            <a:r>
+              <a:rPr lang="zh-CN" altLang="en-US" sz="1600" dirty="0">
+                <a:solidFill>
+                  <a:srgbClr val="0070C0"/>
+                </a:solidFill>
+              </a:rPr>
+              <a:t>第三方库：</a:t>
+            </a:r>
+            <a:r>
+              <a:rPr lang="en-US" altLang="zh-CN" sz="1600" dirty="0" smtClean="0">
+                <a:solidFill>
+                  <a:srgbClr val="0070C0"/>
+                </a:solidFill>
+              </a:rPr>
+              <a:t>Bouncy Castle</a:t>
+            </a:r>
+            <a:endParaRPr lang="en-US" altLang="zh-CN" sz="1600" dirty="0">
+              <a:solidFill>
+                <a:srgbClr val="0070C0"/>
+              </a:solidFill>
+            </a:endParaRPr>
+          </a:p>
+        </p:txBody>
+      </p:sp>
+    </p:spTree>
+    <p:extLst>
+      <p:ext uri="{BB962C8B-B14F-4D97-AF65-F5344CB8AC3E}">
+        <p14:creationId xmlns:p14="http://schemas.microsoft.com/office/powerpoint/2010/main" val="2479606371"/>
+      </p:ext>
+    </p:extLst>
+  </p:cSld>
+  <p:clrMapOvr>
+    <a:masterClrMapping/>
+  </p:clrMapOvr>
+  <mc:AlternateContent xmlns:mc="http://schemas.openxmlformats.org/markup-compatibility/2006" xmlns:p14="http://schemas.microsoft.com/office/powerpoint/2010/main">
+    <mc:Choice Requires="p14">
+      <p:transition spd="med" p14:dur="700">
+        <p:fade/>
+      </p:transition>
+    </mc:Choice>
+    <mc:Fallback xmlns="">
+      <p:transition spd="med">
+        <p:fade/>
+      </p:transition>
+    </mc:Fallback>
+  </mc:AlternateContent>
+  <p:timing>
+    <p:tnLst>
+      <p:par>
+        <p:cTn id="1" dur="indefinite" restart="never" nodeType="tmRoot"/>
+      </p:par>
+    </p:tnLst>
+  </p:timing>
+</p:sld>
+</file>
+
+<file path=ppt/slides/slide30.xml><?xml version="1.0" encoding="utf-8"?>
 <p:sld xmlns:a="http://schemas.openxmlformats.org/drawingml/2006/main" xmlns:r="http://schemas.openxmlformats.org/officeDocument/2006/relationships" xmlns:p="http://schemas.openxmlformats.org/presentationml/2006/main">
   <p:cSld>
     <p:spTree>
@@ -19944,254 +21128,7 @@
 </p:sld>
 </file>
 
-<file path=ppt/slides/slide3.xml><?xml version="1.0" encoding="utf-8"?>
-<p:sld xmlns:a="http://schemas.openxmlformats.org/drawingml/2006/main" xmlns:r="http://schemas.openxmlformats.org/officeDocument/2006/relationships" xmlns:p="http://schemas.openxmlformats.org/presentationml/2006/main">
-  <p:cSld>
-    <p:spTree>
-      <p:nvGrpSpPr>
-        <p:cNvPr id="1" name=""/>
-        <p:cNvGrpSpPr/>
-        <p:nvPr/>
-      </p:nvGrpSpPr>
-      <p:grpSpPr>
-        <a:xfrm>
-          <a:off x="0" y="0"/>
-          <a:ext cx="0" cy="0"/>
-          <a:chOff x="0" y="0"/>
-          <a:chExt cx="0" cy="0"/>
-        </a:xfrm>
-      </p:grpSpPr>
-      <p:sp>
-        <p:nvSpPr>
-          <p:cNvPr id="2" name="标题 1"/>
-          <p:cNvSpPr>
-            <a:spLocks noGrp="1"/>
-          </p:cNvSpPr>
-          <p:nvPr>
-            <p:ph type="title"/>
-          </p:nvPr>
-        </p:nvSpPr>
-        <p:spPr/>
-        <p:txBody>
-          <a:bodyPr/>
-          <a:lstStyle/>
-          <a:p>
-            <a:r>
-              <a:rPr lang="en-US" altLang="zh-CN" dirty="0" smtClean="0"/>
-              <a:t>Java</a:t>
-            </a:r>
-            <a:r>
-              <a:rPr lang="zh-CN" altLang="en-US" dirty="0" smtClean="0"/>
-              <a:t>安全框架设计模式</a:t>
-            </a:r>
-            <a:endParaRPr lang="zh-CN" dirty="0"/>
-          </a:p>
-        </p:txBody>
-      </p:sp>
-      <p:sp>
-        <p:nvSpPr>
-          <p:cNvPr id="3" name="内容占位符 2"/>
-          <p:cNvSpPr>
-            <a:spLocks noGrp="1"/>
-          </p:cNvSpPr>
-          <p:nvPr>
-            <p:ph idx="1"/>
-          </p:nvPr>
-        </p:nvSpPr>
-        <p:spPr/>
-        <p:txBody>
-          <a:bodyPr/>
-          <a:lstStyle/>
-          <a:p>
-            <a:r>
-              <a:rPr lang="zh-CN" altLang="en-US" dirty="0" smtClean="0"/>
-              <a:t>服务提供者模式（</a:t>
-            </a:r>
-            <a:r>
-              <a:rPr lang="en-US" altLang="zh-CN" dirty="0" smtClean="0"/>
-              <a:t>Service Provider Framework</a:t>
-            </a:r>
-            <a:r>
-              <a:rPr lang="zh-CN" altLang="en-US" dirty="0" smtClean="0"/>
-              <a:t>）</a:t>
-            </a:r>
-            <a:endParaRPr lang="en-US" altLang="zh-CN" dirty="0" smtClean="0"/>
-          </a:p>
-          <a:p>
-            <a:pPr marL="45720" indent="0">
-              <a:buNone/>
-            </a:pPr>
-            <a:r>
-              <a:rPr lang="en-US" altLang="zh-CN" sz="1600" dirty="0" smtClean="0">
-                <a:solidFill>
-                  <a:schemeClr val="tx1"/>
-                </a:solidFill>
-              </a:rPr>
-              <a:t>    </a:t>
-            </a:r>
-            <a:r>
-              <a:rPr lang="en-US" altLang="zh-CN" sz="1600" dirty="0" smtClean="0">
-                <a:solidFill>
-                  <a:srgbClr val="0070C0"/>
-                </a:solidFill>
-              </a:rPr>
-              <a:t>API</a:t>
-            </a:r>
-            <a:r>
-              <a:rPr lang="zh-CN" altLang="en-US" sz="1600" dirty="0" smtClean="0">
-                <a:solidFill>
-                  <a:srgbClr val="0070C0"/>
-                </a:solidFill>
-              </a:rPr>
-              <a:t>接口与实现的分离</a:t>
-            </a:r>
-            <a:endParaRPr lang="zh-CN" sz="1600" dirty="0">
-              <a:solidFill>
-                <a:srgbClr val="0070C0"/>
-              </a:solidFill>
-            </a:endParaRPr>
-          </a:p>
-          <a:p>
-            <a:r>
-              <a:rPr lang="en-US" altLang="zh-CN" dirty="0" smtClean="0"/>
-              <a:t>SPI</a:t>
-            </a:r>
-            <a:r>
-              <a:rPr lang="zh-CN" altLang="en-US" dirty="0" smtClean="0"/>
-              <a:t>（</a:t>
-            </a:r>
-            <a:r>
-              <a:rPr lang="en-US" altLang="zh-CN" dirty="0"/>
-              <a:t>Service Provider </a:t>
-            </a:r>
-            <a:r>
-              <a:rPr lang="en-US" altLang="zh-CN" dirty="0" smtClean="0"/>
-              <a:t>Interface</a:t>
-            </a:r>
-            <a:r>
-              <a:rPr lang="zh-CN" altLang="en-US" dirty="0" smtClean="0"/>
-              <a:t>）</a:t>
-            </a:r>
-            <a:endParaRPr lang="en-US" altLang="zh-CN" dirty="0" smtClean="0"/>
-          </a:p>
-          <a:p>
-            <a:pPr marL="45720" indent="0">
-              <a:buNone/>
-            </a:pPr>
-            <a:r>
-              <a:rPr lang="en-US" altLang="zh-CN" sz="1600" dirty="0" smtClean="0"/>
-              <a:t>    </a:t>
-            </a:r>
-            <a:r>
-              <a:rPr lang="en-US" altLang="zh-CN" sz="1600" dirty="0" smtClean="0">
-                <a:solidFill>
-                  <a:srgbClr val="0070C0"/>
-                </a:solidFill>
-              </a:rPr>
-              <a:t>MessageDigestSpi</a:t>
-            </a:r>
-            <a:r>
-              <a:rPr lang="zh-CN" altLang="en-US" sz="1600" dirty="0" smtClean="0">
-                <a:solidFill>
-                  <a:srgbClr val="0070C0"/>
-                </a:solidFill>
-              </a:rPr>
-              <a:t>，</a:t>
-            </a:r>
-            <a:r>
-              <a:rPr lang="en-US" altLang="zh-CN" sz="1600" dirty="0" smtClean="0">
-                <a:solidFill>
-                  <a:srgbClr val="0070C0"/>
-                </a:solidFill>
-              </a:rPr>
-              <a:t>CipherSpi</a:t>
-            </a:r>
-            <a:r>
-              <a:rPr lang="zh-CN" altLang="en-US" sz="1600" dirty="0" smtClean="0">
-                <a:solidFill>
-                  <a:srgbClr val="0070C0"/>
-                </a:solidFill>
-              </a:rPr>
-              <a:t>等</a:t>
-            </a:r>
-            <a:endParaRPr lang="en-US" altLang="zh-CN" sz="1600" dirty="0" smtClean="0">
-              <a:solidFill>
-                <a:srgbClr val="0070C0"/>
-              </a:solidFill>
-            </a:endParaRPr>
-          </a:p>
-          <a:p>
-            <a:r>
-              <a:rPr lang="en-US" altLang="zh-CN" dirty="0" smtClean="0"/>
-              <a:t>Provider</a:t>
-            </a:r>
-            <a:endParaRPr lang="en-US" altLang="zh-CN" dirty="0"/>
-          </a:p>
-          <a:p>
-            <a:pPr marL="45720" indent="0">
-              <a:buNone/>
-            </a:pPr>
-            <a:r>
-              <a:rPr lang="en-US" altLang="zh-CN" dirty="0"/>
-              <a:t>   </a:t>
-            </a:r>
-            <a:r>
-              <a:rPr lang="zh-CN" altLang="en-US" sz="1600" dirty="0">
-                <a:solidFill>
-                  <a:srgbClr val="0070C0"/>
-                </a:solidFill>
-              </a:rPr>
-              <a:t>第三方库：</a:t>
-            </a:r>
-            <a:r>
-              <a:rPr lang="en-US" altLang="zh-CN" sz="1600" dirty="0" smtClean="0">
-                <a:solidFill>
-                  <a:srgbClr val="0070C0"/>
-                </a:solidFill>
-              </a:rPr>
-              <a:t>Bouncy Castle</a:t>
-            </a:r>
-            <a:endParaRPr lang="en-US" altLang="zh-CN" sz="1600" dirty="0">
-              <a:solidFill>
-                <a:srgbClr val="0070C0"/>
-              </a:solidFill>
-            </a:endParaRPr>
-          </a:p>
-        </p:txBody>
-      </p:sp>
-    </p:spTree>
-    <p:extLst>
-      <p:ext uri="{BB962C8B-B14F-4D97-AF65-F5344CB8AC3E}">
-        <p14:creationId xmlns:p14="http://schemas.microsoft.com/office/powerpoint/2010/main" val="2479606371"/>
-      </p:ext>
-    </p:extLst>
-  </p:cSld>
-  <p:clrMapOvr>
-    <a:masterClrMapping/>
-  </p:clrMapOvr>
-  <mc:AlternateContent xmlns:mc="http://schemas.openxmlformats.org/markup-compatibility/2006" xmlns:p14="http://schemas.microsoft.com/office/powerpoint/2010/main">
-    <mc:Choice Requires="p14">
-      <p:transition spd="med" p14:dur="700">
-        <p:fade/>
-      </p:transition>
-    </mc:Choice>
-    <mc:Fallback xmlns="">
-      <p:transition spd="med">
-        <p:fade/>
-      </p:transition>
-    </mc:Fallback>
-  </mc:AlternateContent>
-  <p:timing>
-    <p:tnLst>
-      <p:par>
-        <p:cTn id="1" dur="indefinite" restart="never" nodeType="tmRoot"/>
-      </p:par>
-    </p:tnLst>
-  </p:timing>
-</p:sld>
-</file>
-
-<file path=ppt/slides/slide30.xml><?xml version="1.0" encoding="utf-8"?>
+<file path=ppt/slides/slide31.xml><?xml version="1.0" encoding="utf-8"?>
 <p:sld xmlns:a="http://schemas.openxmlformats.org/drawingml/2006/main" xmlns:r="http://schemas.openxmlformats.org/officeDocument/2006/relationships" xmlns:p="http://schemas.openxmlformats.org/presentationml/2006/main">
   <p:cSld>
     <p:spTree>
@@ -20335,7 +21272,7 @@
 </p:sld>
 </file>
 
-<file path=ppt/slides/slide31.xml><?xml version="1.0" encoding="utf-8"?>
+<file path=ppt/slides/slide32.xml><?xml version="1.0" encoding="utf-8"?>
 <p:sld xmlns:a="http://schemas.openxmlformats.org/drawingml/2006/main" xmlns:r="http://schemas.openxmlformats.org/officeDocument/2006/relationships" xmlns:p="http://schemas.openxmlformats.org/presentationml/2006/main">
   <p:cSld>
     <p:spTree>
@@ -20403,7 +21340,7 @@
 </p:sld>
 </file>
 
-<file path=ppt/slides/slide32.xml><?xml version="1.0" encoding="utf-8"?>
+<file path=ppt/slides/slide33.xml><?xml version="1.0" encoding="utf-8"?>
 <p:sld xmlns:a="http://schemas.openxmlformats.org/drawingml/2006/main" xmlns:r="http://schemas.openxmlformats.org/officeDocument/2006/relationships" xmlns:p="http://schemas.openxmlformats.org/presentationml/2006/main">
   <p:cSld>
     <p:spTree>
@@ -20452,7 +21389,7 @@
 </p:sld>
 </file>
 
-<file path=ppt/slides/slide33.xml><?xml version="1.0" encoding="utf-8"?>
+<file path=ppt/slides/slide34.xml><?xml version="1.0" encoding="utf-8"?>
 <p:sld xmlns:a="http://schemas.openxmlformats.org/drawingml/2006/main" xmlns:r="http://schemas.openxmlformats.org/officeDocument/2006/relationships" xmlns:p="http://schemas.openxmlformats.org/presentationml/2006/main">
   <p:cSld>
     <p:spTree>
@@ -22285,21 +23222,21 @@
                 <a:gridCol w="3170237">
                   <a:extLst>
                     <a:ext uri="{9D8B030D-6E8A-4147-A177-3AD203B41FA5}">
-                      <a16:colId xmlns:a16="http://schemas.microsoft.com/office/drawing/2014/main" xmlns="" val="1262576194"/>
+                      <a16:colId xmlns="" xmlns:a16="http://schemas.microsoft.com/office/drawing/2014/main" val="1262576194"/>
                     </a:ext>
                   </a:extLst>
                 </a:gridCol>
                 <a:gridCol w="3170237">
                   <a:extLst>
                     <a:ext uri="{9D8B030D-6E8A-4147-A177-3AD203B41FA5}">
-                      <a16:colId xmlns:a16="http://schemas.microsoft.com/office/drawing/2014/main" xmlns="" val="1627258925"/>
+                      <a16:colId xmlns="" xmlns:a16="http://schemas.microsoft.com/office/drawing/2014/main" val="1627258925"/>
                     </a:ext>
                   </a:extLst>
                 </a:gridCol>
                 <a:gridCol w="3170237">
                   <a:extLst>
                     <a:ext uri="{9D8B030D-6E8A-4147-A177-3AD203B41FA5}">
-                      <a16:colId xmlns:a16="http://schemas.microsoft.com/office/drawing/2014/main" xmlns="" val="279132191"/>
+                      <a16:colId xmlns="" xmlns:a16="http://schemas.microsoft.com/office/drawing/2014/main" val="279132191"/>
                     </a:ext>
                   </a:extLst>
                 </a:gridCol>
@@ -22370,7 +23307,7 @@
                 </a:tc>
                 <a:extLst>
                   <a:ext uri="{0D108BD9-81ED-4DB2-BD59-A6C34878D82A}">
-                    <a16:rowId xmlns:a16="http://schemas.microsoft.com/office/drawing/2014/main" xmlns="" val="3704071744"/>
+                    <a16:rowId xmlns="" xmlns:a16="http://schemas.microsoft.com/office/drawing/2014/main" val="3704071744"/>
                   </a:ext>
                 </a:extLst>
               </a:tr>
@@ -22440,7 +23377,7 @@
                 </a:tc>
                 <a:extLst>
                   <a:ext uri="{0D108BD9-81ED-4DB2-BD59-A6C34878D82A}">
-                    <a16:rowId xmlns:a16="http://schemas.microsoft.com/office/drawing/2014/main" xmlns="" val="3056097180"/>
+                    <a16:rowId xmlns="" xmlns:a16="http://schemas.microsoft.com/office/drawing/2014/main" val="3056097180"/>
                   </a:ext>
                 </a:extLst>
               </a:tr>
@@ -22528,7 +23465,7 @@
                 </a:tc>
                 <a:extLst>
                   <a:ext uri="{0D108BD9-81ED-4DB2-BD59-A6C34878D82A}">
-                    <a16:rowId xmlns:a16="http://schemas.microsoft.com/office/drawing/2014/main" xmlns="" val="3398222936"/>
+                    <a16:rowId xmlns="" xmlns:a16="http://schemas.microsoft.com/office/drawing/2014/main" val="3398222936"/>
                   </a:ext>
                 </a:extLst>
               </a:tr>
@@ -22598,7 +23535,7 @@
                 </a:tc>
                 <a:extLst>
                   <a:ext uri="{0D108BD9-81ED-4DB2-BD59-A6C34878D82A}">
-                    <a16:rowId xmlns:a16="http://schemas.microsoft.com/office/drawing/2014/main" xmlns="" val="3661055458"/>
+                    <a16:rowId xmlns="" xmlns:a16="http://schemas.microsoft.com/office/drawing/2014/main" val="3661055458"/>
                   </a:ext>
                 </a:extLst>
               </a:tr>

--- a/Java安全架构.pptx
+++ b/Java安全架构.pptx
@@ -5,10 +5,10 @@
     <p:sldMasterId id="2147483840" r:id="rId2"/>
   </p:sldMasterIdLst>
   <p:notesMasterIdLst>
-    <p:notesMasterId r:id="rId37"/>
+    <p:notesMasterId r:id="rId39"/>
   </p:notesMasterIdLst>
   <p:handoutMasterIdLst>
-    <p:handoutMasterId r:id="rId38"/>
+    <p:handoutMasterId r:id="rId40"/>
   </p:handoutMasterIdLst>
   <p:sldIdLst>
     <p:sldId id="256" r:id="rId3"/>
@@ -34,17 +34,19 @@
     <p:sldId id="285" r:id="rId23"/>
     <p:sldId id="286" r:id="rId24"/>
     <p:sldId id="287" r:id="rId25"/>
-    <p:sldId id="289" r:id="rId26"/>
-    <p:sldId id="290" r:id="rId27"/>
-    <p:sldId id="258" r:id="rId28"/>
-    <p:sldId id="266" r:id="rId29"/>
-    <p:sldId id="260" r:id="rId30"/>
-    <p:sldId id="259" r:id="rId31"/>
-    <p:sldId id="261" r:id="rId32"/>
-    <p:sldId id="262" r:id="rId33"/>
-    <p:sldId id="263" r:id="rId34"/>
-    <p:sldId id="264" r:id="rId35"/>
-    <p:sldId id="265" r:id="rId36"/>
+    <p:sldId id="291" r:id="rId26"/>
+    <p:sldId id="289" r:id="rId27"/>
+    <p:sldId id="290" r:id="rId28"/>
+    <p:sldId id="292" r:id="rId29"/>
+    <p:sldId id="258" r:id="rId30"/>
+    <p:sldId id="266" r:id="rId31"/>
+    <p:sldId id="260" r:id="rId32"/>
+    <p:sldId id="259" r:id="rId33"/>
+    <p:sldId id="261" r:id="rId34"/>
+    <p:sldId id="262" r:id="rId35"/>
+    <p:sldId id="263" r:id="rId36"/>
+    <p:sldId id="264" r:id="rId37"/>
+    <p:sldId id="265" r:id="rId38"/>
   </p:sldIdLst>
   <p:sldSz cx="12192000" cy="6858000"/>
   <p:notesSz cx="6858000" cy="9144000"/>
@@ -145,7 +147,7 @@
   </p:defaultTextStyle>
   <p:extLst>
     <p:ext uri="{EFAFB233-063F-42B5-8137-9DF3F51BA10A}">
-      <p15:sldGuideLst xmlns="" xmlns:p15="http://schemas.microsoft.com/office/powerpoint/2012/main">
+      <p15:sldGuideLst xmlns:p15="http://schemas.microsoft.com/office/powerpoint/2012/main">
         <p15:guide id="1" orient="horz" pos="2160">
           <p15:clr>
             <a:srgbClr val="A4A3A4"/>
@@ -159,14 +161,14 @@
       </p15:sldGuideLst>
     </p:ext>
     <p:ext uri="{2D200454-40CA-4A62-9FC3-DE9A4176ACB9}">
-      <p15:notesGuideLst xmlns="" xmlns:p15="http://schemas.microsoft.com/office/powerpoint/2012/main"/>
+      <p15:notesGuideLst xmlns:p15="http://schemas.microsoft.com/office/powerpoint/2012/main"/>
     </p:ext>
   </p:extLst>
 </p:presentation>
 </file>
 
 <file path=ppt/charts/chart1.xml><?xml version="1.0" encoding="utf-8"?>
-<c:chartSpace xmlns:c="http://schemas.openxmlformats.org/drawingml/2006/chart" xmlns:a="http://schemas.openxmlformats.org/drawingml/2006/main" xmlns:r="http://schemas.openxmlformats.org/officeDocument/2006/relationships">
+<c:chartSpace xmlns:c="http://schemas.openxmlformats.org/drawingml/2006/chart" xmlns:a="http://schemas.openxmlformats.org/drawingml/2006/main" xmlns:r="http://schemas.openxmlformats.org/officeDocument/2006/relationships" xmlns:c16r2="http://schemas.microsoft.com/office/drawing/2015/06/chart">
   <c:date1904 val="0"/>
   <c:lang val="zh-CN"/>
   <c:roundedCorners val="0"/>
@@ -274,7 +276,7 @@
               </c:numCache>
             </c:numRef>
           </c:val>
-          <c:extLst xmlns:c16r2="http://schemas.microsoft.com/office/drawing/2015/06/chart">
+          <c:extLst>
             <c:ext xmlns:c16="http://schemas.microsoft.com/office/drawing/2014/chart" uri="{C3380CC4-5D6E-409C-BE32-E72D297353CC}">
               <c16:uniqueId val="{00000000-66A3-48EC-BF15-F5D7A2B6F1B2}"/>
             </c:ext>
@@ -368,7 +370,7 @@
               </c:numCache>
             </c:numRef>
           </c:val>
-          <c:extLst xmlns:c16r2="http://schemas.microsoft.com/office/drawing/2015/06/chart">
+          <c:extLst>
             <c:ext xmlns:c16="http://schemas.microsoft.com/office/drawing/2014/chart" uri="{C3380CC4-5D6E-409C-BE32-E72D297353CC}">
               <c16:uniqueId val="{00000001-66A3-48EC-BF15-F5D7A2B6F1B2}"/>
             </c:ext>
@@ -462,7 +464,7 @@
               </c:numCache>
             </c:numRef>
           </c:val>
-          <c:extLst xmlns:c16r2="http://schemas.microsoft.com/office/drawing/2015/06/chart">
+          <c:extLst>
             <c:ext xmlns:c16="http://schemas.microsoft.com/office/drawing/2014/chart" uri="{C3380CC4-5D6E-409C-BE32-E72D297353CC}">
               <c16:uniqueId val="{00000002-66A3-48EC-BF15-F5D7A2B6F1B2}"/>
             </c:ext>
@@ -638,7 +640,7 @@
       <a:endParaRPr lang="zh-CN"/>
     </a:p>
   </c:txPr>
-  <c:externalData r:id="rId1">
+  <c:externalData r:id="rId3">
     <c:autoUpdate val="0"/>
   </c:externalData>
 </c:chartSpace>
@@ -4414,7 +4416,7 @@
           <a:p>
             <a:fld id="{DE71268B-8AC2-4239-8FAF-7C144C210720}" type="datetimeFigureOut">
               <a:rPr lang="en-US" altLang="zh-CN"/>
-              <a:t>5/3/2017</a:t>
+              <a:t>5/6/2017</a:t>
             </a:fld>
             <a:endParaRPr lang="zh-CN"/>
           </a:p>
@@ -4578,7 +4580,7 @@
           </a:lstStyle>
           <a:p>
             <a:fld id="{F5AD8362-6D63-40AC-BAA9-90C3AE6D5875}" type="datetimeFigureOut">
-              <a:t>2017/5/3</a:t>
+              <a:t>2017/5/6</a:t>
             </a:fld>
             <a:endParaRPr lang="zh-CN"/>
           </a:p>
@@ -5706,7 +5708,7 @@
           <a:lstStyle/>
           <a:p>
             <a:fld id="{5F4E5243-F52A-4D37-9694-EB26C6C31910}" type="datetime1">
-              <a:t>2017/5/3</a:t>
+              <a:t>2017/5/6</a:t>
             </a:fld>
             <a:endParaRPr lang="zh-CN"/>
           </a:p>
@@ -5903,7 +5905,7 @@
           <a:lstStyle/>
           <a:p>
             <a:fld id="{3A77B6E1-634A-48DC-9E8B-D894023267EF}" type="datetime1">
-              <a:t>2017/5/3</a:t>
+              <a:t>2017/5/6</a:t>
             </a:fld>
             <a:endParaRPr lang="zh-CN"/>
           </a:p>
@@ -6094,7 +6096,7 @@
           <a:lstStyle/>
           <a:p>
             <a:fld id="{7B2D3E9E-A95C-48F2-B4BF-A71542E0BE9A}" type="datetime1">
-              <a:t>2017/5/3</a:t>
+              <a:t>2017/5/6</a:t>
             </a:fld>
             <a:endParaRPr lang="zh-CN"/>
           </a:p>
@@ -6426,7 +6428,7 @@
           <a:lstStyle/>
           <a:p>
             <a:fld id="{A50F84E2-2D7A-43CF-AC90-352A289A783A}" type="datetime1">
-              <a:t>2017/5/3</a:t>
+              <a:t>2017/5/6</a:t>
             </a:fld>
             <a:endParaRPr lang="zh-CN"/>
           </a:p>
@@ -6735,7 +6737,7 @@
           <a:lstStyle/>
           <a:p>
             <a:fld id="{F12952B5-7A2F-4CC8-B7CE-9234E21C2837}" type="datetime1">
-              <a:t>2017/5/3</a:t>
+              <a:t>2017/5/6</a:t>
             </a:fld>
             <a:endParaRPr lang="zh-CN"/>
           </a:p>
@@ -7161,7 +7163,7 @@
           <a:lstStyle/>
           <a:p>
             <a:fld id="{CE1DA07A-9201-4B4B-BAF2-015AFA30F520}" type="datetime1">
-              <a:t>2017/5/3</a:t>
+              <a:t>2017/5/6</a:t>
             </a:fld>
             <a:endParaRPr lang="zh-CN"/>
           </a:p>
@@ -7296,7 +7298,7 @@
           <a:lstStyle/>
           <a:p>
             <a:fld id="{73D7E00A-486F-4252-8B1D-E32645521F49}" type="datetime1">
-              <a:t>2017/5/3</a:t>
+              <a:t>2017/5/6</a:t>
             </a:fld>
             <a:endParaRPr lang="zh-CN"/>
           </a:p>
@@ -7493,7 +7495,7 @@
           <a:lstStyle/>
           <a:p>
             <a:fld id="{8DDF5F92-E675-4B36-9A60-69A962A68675}" type="datetime1">
-              <a:t>2017/5/3</a:t>
+              <a:t>2017/5/6</a:t>
             </a:fld>
             <a:endParaRPr lang="zh-CN"/>
           </a:p>
@@ -7799,7 +7801,7 @@
           <a:lstStyle/>
           <a:p>
             <a:fld id="{AF6E2C9B-5FA2-460D-9BE7-B0812FC2A6FF}" type="datetime1">
-              <a:t>2017/5/3</a:t>
+              <a:t>2017/5/6</a:t>
             </a:fld>
             <a:endParaRPr lang="zh-CN"/>
           </a:p>
@@ -8090,7 +8092,7 @@
           <a:lstStyle/>
           <a:p>
             <a:fld id="{1D374940-A916-4C8B-9648-02A2D3898F9E}" type="datetime1">
-              <a:t>2017/5/3</a:t>
+              <a:t>2017/5/6</a:t>
             </a:fld>
             <a:endParaRPr lang="zh-CN"/>
           </a:p>
@@ -8529,7 +8531,7 @@
             <a:fld id="{5586B75A-687E-405C-8A0B-8D00578BA2C3}" type="datetime1">
               <a:rPr lang="en-US" altLang="zh-CN" smtClean="0"/>
               <a:pPr/>
-              <a:t>5/3/2017</a:t>
+              <a:t>5/6/2017</a:t>
             </a:fld>
             <a:endParaRPr lang="zh-CN" altLang="en-US"/>
           </a:p>
@@ -8966,7 +8968,7 @@
   </p:txStyles>
   <p:extLst mod="1">
     <p:ext uri="{27BBF7A9-308A-43DC-89C8-2F10F3537804}">
-      <p15:sldGuideLst xmlns="" xmlns:p15="http://schemas.microsoft.com/office/powerpoint/2012/main">
+      <p15:sldGuideLst xmlns:p15="http://schemas.microsoft.com/office/powerpoint/2012/main">
         <p15:guide id="1" orient="horz" pos="2160">
           <p15:clr>
             <a:srgbClr val="F26B43"/>
@@ -9175,21 +9177,21 @@
                 <a:gridCol w="3170237">
                   <a:extLst>
                     <a:ext uri="{9D8B030D-6E8A-4147-A177-3AD203B41FA5}">
-                      <a16:colId xmlns="" xmlns:a16="http://schemas.microsoft.com/office/drawing/2014/main" val="1262576194"/>
+                      <a16:colId xmlns:a16="http://schemas.microsoft.com/office/drawing/2014/main" val="1262576194"/>
                     </a:ext>
                   </a:extLst>
                 </a:gridCol>
                 <a:gridCol w="3170237">
                   <a:extLst>
                     <a:ext uri="{9D8B030D-6E8A-4147-A177-3AD203B41FA5}">
-                      <a16:colId xmlns="" xmlns:a16="http://schemas.microsoft.com/office/drawing/2014/main" val="1627258925"/>
+                      <a16:colId xmlns:a16="http://schemas.microsoft.com/office/drawing/2014/main" val="1627258925"/>
                     </a:ext>
                   </a:extLst>
                 </a:gridCol>
                 <a:gridCol w="3170237">
                   <a:extLst>
                     <a:ext uri="{9D8B030D-6E8A-4147-A177-3AD203B41FA5}">
-                      <a16:colId xmlns="" xmlns:a16="http://schemas.microsoft.com/office/drawing/2014/main" val="279132191"/>
+                      <a16:colId xmlns:a16="http://schemas.microsoft.com/office/drawing/2014/main" val="279132191"/>
                     </a:ext>
                   </a:extLst>
                 </a:gridCol>
@@ -9260,7 +9262,7 @@
                 </a:tc>
                 <a:extLst>
                   <a:ext uri="{0D108BD9-81ED-4DB2-BD59-A6C34878D82A}">
-                    <a16:rowId xmlns="" xmlns:a16="http://schemas.microsoft.com/office/drawing/2014/main" val="3704071744"/>
+                    <a16:rowId xmlns:a16="http://schemas.microsoft.com/office/drawing/2014/main" val="3704071744"/>
                   </a:ext>
                 </a:extLst>
               </a:tr>
@@ -9330,7 +9332,7 @@
                 </a:tc>
                 <a:extLst>
                   <a:ext uri="{0D108BD9-81ED-4DB2-BD59-A6C34878D82A}">
-                    <a16:rowId xmlns="" xmlns:a16="http://schemas.microsoft.com/office/drawing/2014/main" val="3056097180"/>
+                    <a16:rowId xmlns:a16="http://schemas.microsoft.com/office/drawing/2014/main" val="3056097180"/>
                   </a:ext>
                 </a:extLst>
               </a:tr>
@@ -9400,7 +9402,7 @@
                 </a:tc>
                 <a:extLst>
                   <a:ext uri="{0D108BD9-81ED-4DB2-BD59-A6C34878D82A}">
-                    <a16:rowId xmlns="" xmlns:a16="http://schemas.microsoft.com/office/drawing/2014/main" val="3398222936"/>
+                    <a16:rowId xmlns:a16="http://schemas.microsoft.com/office/drawing/2014/main" val="3398222936"/>
                   </a:ext>
                 </a:extLst>
               </a:tr>
@@ -9486,7 +9488,7 @@
                 </a:tc>
                 <a:extLst>
                   <a:ext uri="{0D108BD9-81ED-4DB2-BD59-A6C34878D82A}">
-                    <a16:rowId xmlns="" xmlns:a16="http://schemas.microsoft.com/office/drawing/2014/main" val="3661055458"/>
+                    <a16:rowId xmlns:a16="http://schemas.microsoft.com/office/drawing/2014/main" val="3661055458"/>
                   </a:ext>
                 </a:extLst>
               </a:tr>
@@ -9588,7 +9590,7 @@
                 </a:tc>
                 <a:extLst>
                   <a:ext uri="{0D108BD9-81ED-4DB2-BD59-A6C34878D82A}">
-                    <a16:rowId xmlns="" xmlns:a16="http://schemas.microsoft.com/office/drawing/2014/main" val="1792707014"/>
+                    <a16:rowId xmlns:a16="http://schemas.microsoft.com/office/drawing/2014/main" val="1792707014"/>
                   </a:ext>
                 </a:extLst>
               </a:tr>
@@ -9708,7 +9710,7 @@
                 </a:tc>
                 <a:extLst>
                   <a:ext uri="{0D108BD9-81ED-4DB2-BD59-A6C34878D82A}">
-                    <a16:rowId xmlns="" xmlns:a16="http://schemas.microsoft.com/office/drawing/2014/main" val="583217582"/>
+                    <a16:rowId xmlns:a16="http://schemas.microsoft.com/office/drawing/2014/main" val="583217582"/>
                   </a:ext>
                 </a:extLst>
               </a:tr>
@@ -10038,21 +10040,21 @@
                 <a:gridCol w="3170237">
                   <a:extLst>
                     <a:ext uri="{9D8B030D-6E8A-4147-A177-3AD203B41FA5}">
-                      <a16:colId xmlns="" xmlns:a16="http://schemas.microsoft.com/office/drawing/2014/main" val="1262576194"/>
+                      <a16:colId xmlns:a16="http://schemas.microsoft.com/office/drawing/2014/main" val="1262576194"/>
                     </a:ext>
                   </a:extLst>
                 </a:gridCol>
                 <a:gridCol w="3170237">
                   <a:extLst>
                     <a:ext uri="{9D8B030D-6E8A-4147-A177-3AD203B41FA5}">
-                      <a16:colId xmlns="" xmlns:a16="http://schemas.microsoft.com/office/drawing/2014/main" val="1627258925"/>
+                      <a16:colId xmlns:a16="http://schemas.microsoft.com/office/drawing/2014/main" val="1627258925"/>
                     </a:ext>
                   </a:extLst>
                 </a:gridCol>
                 <a:gridCol w="3170237">
                   <a:extLst>
                     <a:ext uri="{9D8B030D-6E8A-4147-A177-3AD203B41FA5}">
-                      <a16:colId xmlns="" xmlns:a16="http://schemas.microsoft.com/office/drawing/2014/main" val="279132191"/>
+                      <a16:colId xmlns:a16="http://schemas.microsoft.com/office/drawing/2014/main" val="279132191"/>
                     </a:ext>
                   </a:extLst>
                 </a:gridCol>
@@ -10123,7 +10125,7 @@
                 </a:tc>
                 <a:extLst>
                   <a:ext uri="{0D108BD9-81ED-4DB2-BD59-A6C34878D82A}">
-                    <a16:rowId xmlns="" xmlns:a16="http://schemas.microsoft.com/office/drawing/2014/main" val="3704071744"/>
+                    <a16:rowId xmlns:a16="http://schemas.microsoft.com/office/drawing/2014/main" val="3704071744"/>
                   </a:ext>
                 </a:extLst>
               </a:tr>
@@ -10193,7 +10195,7 @@
                 </a:tc>
                 <a:extLst>
                   <a:ext uri="{0D108BD9-81ED-4DB2-BD59-A6C34878D82A}">
-                    <a16:rowId xmlns="" xmlns:a16="http://schemas.microsoft.com/office/drawing/2014/main" val="1026023813"/>
+                    <a16:rowId xmlns:a16="http://schemas.microsoft.com/office/drawing/2014/main" val="1026023813"/>
                   </a:ext>
                 </a:extLst>
               </a:tr>
@@ -10263,7 +10265,7 @@
                 </a:tc>
                 <a:extLst>
                   <a:ext uri="{0D108BD9-81ED-4DB2-BD59-A6C34878D82A}">
-                    <a16:rowId xmlns="" xmlns:a16="http://schemas.microsoft.com/office/drawing/2014/main" val="3056097180"/>
+                    <a16:rowId xmlns:a16="http://schemas.microsoft.com/office/drawing/2014/main" val="3056097180"/>
                   </a:ext>
                 </a:extLst>
               </a:tr>
@@ -10333,7 +10335,7 @@
                 </a:tc>
                 <a:extLst>
                   <a:ext uri="{0D108BD9-81ED-4DB2-BD59-A6C34878D82A}">
-                    <a16:rowId xmlns="" xmlns:a16="http://schemas.microsoft.com/office/drawing/2014/main" val="3398222936"/>
+                    <a16:rowId xmlns:a16="http://schemas.microsoft.com/office/drawing/2014/main" val="3398222936"/>
                   </a:ext>
                 </a:extLst>
               </a:tr>
@@ -10419,7 +10421,7 @@
                 </a:tc>
                 <a:extLst>
                   <a:ext uri="{0D108BD9-81ED-4DB2-BD59-A6C34878D82A}">
-                    <a16:rowId xmlns="" xmlns:a16="http://schemas.microsoft.com/office/drawing/2014/main" val="3661055458"/>
+                    <a16:rowId xmlns:a16="http://schemas.microsoft.com/office/drawing/2014/main" val="3661055458"/>
                   </a:ext>
                 </a:extLst>
               </a:tr>
@@ -10521,7 +10523,7 @@
                 </a:tc>
                 <a:extLst>
                   <a:ext uri="{0D108BD9-81ED-4DB2-BD59-A6C34878D82A}">
-                    <a16:rowId xmlns="" xmlns:a16="http://schemas.microsoft.com/office/drawing/2014/main" val="1792707014"/>
+                    <a16:rowId xmlns:a16="http://schemas.microsoft.com/office/drawing/2014/main" val="1792707014"/>
                   </a:ext>
                 </a:extLst>
               </a:tr>
@@ -10635,7 +10637,7 @@
                 </a:tc>
                 <a:extLst>
                   <a:ext uri="{0D108BD9-81ED-4DB2-BD59-A6C34878D82A}">
-                    <a16:rowId xmlns="" xmlns:a16="http://schemas.microsoft.com/office/drawing/2014/main" val="1883377276"/>
+                    <a16:rowId xmlns:a16="http://schemas.microsoft.com/office/drawing/2014/main" val="1883377276"/>
                   </a:ext>
                 </a:extLst>
               </a:tr>
@@ -10755,7 +10757,7 @@
                 </a:tc>
                 <a:extLst>
                   <a:ext uri="{0D108BD9-81ED-4DB2-BD59-A6C34878D82A}">
-                    <a16:rowId xmlns="" xmlns:a16="http://schemas.microsoft.com/office/drawing/2014/main" val="4018932841"/>
+                    <a16:rowId xmlns:a16="http://schemas.microsoft.com/office/drawing/2014/main" val="4018932841"/>
                   </a:ext>
                 </a:extLst>
               </a:tr>
@@ -10875,7 +10877,7 @@
                 </a:tc>
                 <a:extLst>
                   <a:ext uri="{0D108BD9-81ED-4DB2-BD59-A6C34878D82A}">
-                    <a16:rowId xmlns="" xmlns:a16="http://schemas.microsoft.com/office/drawing/2014/main" val="2814549111"/>
+                    <a16:rowId xmlns:a16="http://schemas.microsoft.com/office/drawing/2014/main" val="2814549111"/>
                   </a:ext>
                 </a:extLst>
               </a:tr>
@@ -11378,35 +11380,35 @@
                 <a:gridCol w="1996575">
                   <a:extLst>
                     <a:ext uri="{9D8B030D-6E8A-4147-A177-3AD203B41FA5}">
-                      <a16:colId xmlns="" xmlns:a16="http://schemas.microsoft.com/office/drawing/2014/main" val="1393900185"/>
+                      <a16:colId xmlns:a16="http://schemas.microsoft.com/office/drawing/2014/main" val="1393900185"/>
                     </a:ext>
                   </a:extLst>
                 </a:gridCol>
                 <a:gridCol w="1188456">
                   <a:extLst>
                     <a:ext uri="{9D8B030D-6E8A-4147-A177-3AD203B41FA5}">
-                      <a16:colId xmlns="" xmlns:a16="http://schemas.microsoft.com/office/drawing/2014/main" val="3389078971"/>
+                      <a16:colId xmlns:a16="http://schemas.microsoft.com/office/drawing/2014/main" val="3389078971"/>
                     </a:ext>
                   </a:extLst>
                 </a:gridCol>
                 <a:gridCol w="1181288">
                   <a:extLst>
                     <a:ext uri="{9D8B030D-6E8A-4147-A177-3AD203B41FA5}">
-                      <a16:colId xmlns="" xmlns:a16="http://schemas.microsoft.com/office/drawing/2014/main" val="655618677"/>
+                      <a16:colId xmlns:a16="http://schemas.microsoft.com/office/drawing/2014/main" val="655618677"/>
                     </a:ext>
                   </a:extLst>
                 </a:gridCol>
                 <a:gridCol w="2831419">
                   <a:extLst>
                     <a:ext uri="{9D8B030D-6E8A-4147-A177-3AD203B41FA5}">
-                      <a16:colId xmlns="" xmlns:a16="http://schemas.microsoft.com/office/drawing/2014/main" val="502106572"/>
+                      <a16:colId xmlns:a16="http://schemas.microsoft.com/office/drawing/2014/main" val="502106572"/>
                     </a:ext>
                   </a:extLst>
                 </a:gridCol>
                 <a:gridCol w="2785137">
                   <a:extLst>
                     <a:ext uri="{9D8B030D-6E8A-4147-A177-3AD203B41FA5}">
-                      <a16:colId xmlns="" xmlns:a16="http://schemas.microsoft.com/office/drawing/2014/main" val="2796583417"/>
+                      <a16:colId xmlns:a16="http://schemas.microsoft.com/office/drawing/2014/main" val="2796583417"/>
                     </a:ext>
                   </a:extLst>
                 </a:gridCol>
@@ -11726,7 +11728,7 @@
                 </a:tc>
                 <a:extLst>
                   <a:ext uri="{0D108BD9-81ED-4DB2-BD59-A6C34878D82A}">
-                    <a16:rowId xmlns="" xmlns:a16="http://schemas.microsoft.com/office/drawing/2014/main" val="222512411"/>
+                    <a16:rowId xmlns:a16="http://schemas.microsoft.com/office/drawing/2014/main" val="222512411"/>
                   </a:ext>
                 </a:extLst>
               </a:tr>
@@ -12163,7 +12165,7 @@
                 </a:tc>
                 <a:extLst>
                   <a:ext uri="{0D108BD9-81ED-4DB2-BD59-A6C34878D82A}">
-                    <a16:rowId xmlns="" xmlns:a16="http://schemas.microsoft.com/office/drawing/2014/main" val="2478292743"/>
+                    <a16:rowId xmlns:a16="http://schemas.microsoft.com/office/drawing/2014/main" val="2478292743"/>
                   </a:ext>
                 </a:extLst>
               </a:tr>
@@ -12542,7 +12544,7 @@
                 </a:tc>
                 <a:extLst>
                   <a:ext uri="{0D108BD9-81ED-4DB2-BD59-A6C34878D82A}">
-                    <a16:rowId xmlns="" xmlns:a16="http://schemas.microsoft.com/office/drawing/2014/main" val="3999082340"/>
+                    <a16:rowId xmlns:a16="http://schemas.microsoft.com/office/drawing/2014/main" val="3999082340"/>
                   </a:ext>
                 </a:extLst>
               </a:tr>
@@ -12671,35 +12673,35 @@
                 <a:gridCol w="1996575">
                   <a:extLst>
                     <a:ext uri="{9D8B030D-6E8A-4147-A177-3AD203B41FA5}">
-                      <a16:colId xmlns="" xmlns:a16="http://schemas.microsoft.com/office/drawing/2014/main" val="1393900185"/>
+                      <a16:colId xmlns:a16="http://schemas.microsoft.com/office/drawing/2014/main" val="1393900185"/>
                     </a:ext>
                   </a:extLst>
                 </a:gridCol>
                 <a:gridCol w="1188456">
                   <a:extLst>
                     <a:ext uri="{9D8B030D-6E8A-4147-A177-3AD203B41FA5}">
-                      <a16:colId xmlns="" xmlns:a16="http://schemas.microsoft.com/office/drawing/2014/main" val="3389078971"/>
+                      <a16:colId xmlns:a16="http://schemas.microsoft.com/office/drawing/2014/main" val="3389078971"/>
                     </a:ext>
                   </a:extLst>
                 </a:gridCol>
                 <a:gridCol w="1181288">
                   <a:extLst>
                     <a:ext uri="{9D8B030D-6E8A-4147-A177-3AD203B41FA5}">
-                      <a16:colId xmlns="" xmlns:a16="http://schemas.microsoft.com/office/drawing/2014/main" val="655618677"/>
+                      <a16:colId xmlns:a16="http://schemas.microsoft.com/office/drawing/2014/main" val="655618677"/>
                     </a:ext>
                   </a:extLst>
                 </a:gridCol>
                 <a:gridCol w="2831419">
                   <a:extLst>
                     <a:ext uri="{9D8B030D-6E8A-4147-A177-3AD203B41FA5}">
-                      <a16:colId xmlns="" xmlns:a16="http://schemas.microsoft.com/office/drawing/2014/main" val="502106572"/>
+                      <a16:colId xmlns:a16="http://schemas.microsoft.com/office/drawing/2014/main" val="502106572"/>
                     </a:ext>
                   </a:extLst>
                 </a:gridCol>
                 <a:gridCol w="2785137">
                   <a:extLst>
                     <a:ext uri="{9D8B030D-6E8A-4147-A177-3AD203B41FA5}">
-                      <a16:colId xmlns="" xmlns:a16="http://schemas.microsoft.com/office/drawing/2014/main" val="2796583417"/>
+                      <a16:colId xmlns:a16="http://schemas.microsoft.com/office/drawing/2014/main" val="2796583417"/>
                     </a:ext>
                   </a:extLst>
                 </a:gridCol>
@@ -13019,7 +13021,7 @@
                 </a:tc>
                 <a:extLst>
                   <a:ext uri="{0D108BD9-81ED-4DB2-BD59-A6C34878D82A}">
-                    <a16:rowId xmlns="" xmlns:a16="http://schemas.microsoft.com/office/drawing/2014/main" val="222512411"/>
+                    <a16:rowId xmlns:a16="http://schemas.microsoft.com/office/drawing/2014/main" val="222512411"/>
                   </a:ext>
                 </a:extLst>
               </a:tr>
@@ -13470,7 +13472,7 @@
                 </a:tc>
                 <a:extLst>
                   <a:ext uri="{0D108BD9-81ED-4DB2-BD59-A6C34878D82A}">
-                    <a16:rowId xmlns="" xmlns:a16="http://schemas.microsoft.com/office/drawing/2014/main" val="2478292743"/>
+                    <a16:rowId xmlns:a16="http://schemas.microsoft.com/office/drawing/2014/main" val="2478292743"/>
                   </a:ext>
                 </a:extLst>
               </a:tr>
@@ -13863,7 +13865,7 @@
                 </a:tc>
                 <a:extLst>
                   <a:ext uri="{0D108BD9-81ED-4DB2-BD59-A6C34878D82A}">
-                    <a16:rowId xmlns="" xmlns:a16="http://schemas.microsoft.com/office/drawing/2014/main" val="3999082340"/>
+                    <a16:rowId xmlns:a16="http://schemas.microsoft.com/office/drawing/2014/main" val="3999082340"/>
                   </a:ext>
                 </a:extLst>
               </a:tr>
@@ -13972,35 +13974,35 @@
                 <a:gridCol w="1996575">
                   <a:extLst>
                     <a:ext uri="{9D8B030D-6E8A-4147-A177-3AD203B41FA5}">
-                      <a16:colId xmlns="" xmlns:a16="http://schemas.microsoft.com/office/drawing/2014/main" val="1393900185"/>
+                      <a16:colId xmlns:a16="http://schemas.microsoft.com/office/drawing/2014/main" val="1393900185"/>
                     </a:ext>
                   </a:extLst>
                 </a:gridCol>
                 <a:gridCol w="1188456">
                   <a:extLst>
                     <a:ext uri="{9D8B030D-6E8A-4147-A177-3AD203B41FA5}">
-                      <a16:colId xmlns="" xmlns:a16="http://schemas.microsoft.com/office/drawing/2014/main" val="3389078971"/>
+                      <a16:colId xmlns:a16="http://schemas.microsoft.com/office/drawing/2014/main" val="3389078971"/>
                     </a:ext>
                   </a:extLst>
                 </a:gridCol>
                 <a:gridCol w="1181288">
                   <a:extLst>
                     <a:ext uri="{9D8B030D-6E8A-4147-A177-3AD203B41FA5}">
-                      <a16:colId xmlns="" xmlns:a16="http://schemas.microsoft.com/office/drawing/2014/main" val="655618677"/>
+                      <a16:colId xmlns:a16="http://schemas.microsoft.com/office/drawing/2014/main" val="655618677"/>
                     </a:ext>
                   </a:extLst>
                 </a:gridCol>
                 <a:gridCol w="2831419">
                   <a:extLst>
                     <a:ext uri="{9D8B030D-6E8A-4147-A177-3AD203B41FA5}">
-                      <a16:colId xmlns="" xmlns:a16="http://schemas.microsoft.com/office/drawing/2014/main" val="502106572"/>
+                      <a16:colId xmlns:a16="http://schemas.microsoft.com/office/drawing/2014/main" val="502106572"/>
                     </a:ext>
                   </a:extLst>
                 </a:gridCol>
                 <a:gridCol w="2785137">
                   <a:extLst>
                     <a:ext uri="{9D8B030D-6E8A-4147-A177-3AD203B41FA5}">
-                      <a16:colId xmlns="" xmlns:a16="http://schemas.microsoft.com/office/drawing/2014/main" val="2796583417"/>
+                      <a16:colId xmlns:a16="http://schemas.microsoft.com/office/drawing/2014/main" val="2796583417"/>
                     </a:ext>
                   </a:extLst>
                 </a:gridCol>
@@ -14320,7 +14322,7 @@
                 </a:tc>
                 <a:extLst>
                   <a:ext uri="{0D108BD9-81ED-4DB2-BD59-A6C34878D82A}">
-                    <a16:rowId xmlns="" xmlns:a16="http://schemas.microsoft.com/office/drawing/2014/main" val="222512411"/>
+                    <a16:rowId xmlns:a16="http://schemas.microsoft.com/office/drawing/2014/main" val="222512411"/>
                   </a:ext>
                 </a:extLst>
               </a:tr>
@@ -14794,7 +14796,7 @@
                 </a:tc>
                 <a:extLst>
                   <a:ext uri="{0D108BD9-81ED-4DB2-BD59-A6C34878D82A}">
-                    <a16:rowId xmlns="" xmlns:a16="http://schemas.microsoft.com/office/drawing/2014/main" val="2478292743"/>
+                    <a16:rowId xmlns:a16="http://schemas.microsoft.com/office/drawing/2014/main" val="2478292743"/>
                   </a:ext>
                 </a:extLst>
               </a:tr>
@@ -15155,7 +15157,7 @@
                 </a:tc>
                 <a:extLst>
                   <a:ext uri="{0D108BD9-81ED-4DB2-BD59-A6C34878D82A}">
-                    <a16:rowId xmlns="" xmlns:a16="http://schemas.microsoft.com/office/drawing/2014/main" val="3999082340"/>
+                    <a16:rowId xmlns:a16="http://schemas.microsoft.com/office/drawing/2014/main" val="3999082340"/>
                   </a:ext>
                 </a:extLst>
               </a:tr>
@@ -15395,35 +15397,35 @@
                 <a:gridCol w="1902142">
                   <a:extLst>
                     <a:ext uri="{9D8B030D-6E8A-4147-A177-3AD203B41FA5}">
-                      <a16:colId xmlns="" xmlns:a16="http://schemas.microsoft.com/office/drawing/2014/main" val="1270668206"/>
+                      <a16:colId xmlns:a16="http://schemas.microsoft.com/office/drawing/2014/main" val="1270668206"/>
                     </a:ext>
                   </a:extLst>
                 </a:gridCol>
                 <a:gridCol w="1902142">
                   <a:extLst>
                     <a:ext uri="{9D8B030D-6E8A-4147-A177-3AD203B41FA5}">
-                      <a16:colId xmlns="" xmlns:a16="http://schemas.microsoft.com/office/drawing/2014/main" val="1083689566"/>
+                      <a16:colId xmlns:a16="http://schemas.microsoft.com/office/drawing/2014/main" val="1083689566"/>
                     </a:ext>
                   </a:extLst>
                 </a:gridCol>
                 <a:gridCol w="1902142">
                   <a:extLst>
                     <a:ext uri="{9D8B030D-6E8A-4147-A177-3AD203B41FA5}">
-                      <a16:colId xmlns="" xmlns:a16="http://schemas.microsoft.com/office/drawing/2014/main" val="491322313"/>
+                      <a16:colId xmlns:a16="http://schemas.microsoft.com/office/drawing/2014/main" val="491322313"/>
                     </a:ext>
                   </a:extLst>
                 </a:gridCol>
                 <a:gridCol w="1902142">
                   <a:extLst>
                     <a:ext uri="{9D8B030D-6E8A-4147-A177-3AD203B41FA5}">
-                      <a16:colId xmlns="" xmlns:a16="http://schemas.microsoft.com/office/drawing/2014/main" val="2519024925"/>
+                      <a16:colId xmlns:a16="http://schemas.microsoft.com/office/drawing/2014/main" val="2519024925"/>
                     </a:ext>
                   </a:extLst>
                 </a:gridCol>
                 <a:gridCol w="1902142">
                   <a:extLst>
                     <a:ext uri="{9D8B030D-6E8A-4147-A177-3AD203B41FA5}">
-                      <a16:colId xmlns="" xmlns:a16="http://schemas.microsoft.com/office/drawing/2014/main" val="4198837936"/>
+                      <a16:colId xmlns:a16="http://schemas.microsoft.com/office/drawing/2014/main" val="4198837936"/>
                     </a:ext>
                   </a:extLst>
                 </a:gridCol>
@@ -15536,7 +15538,7 @@
                 </a:tc>
                 <a:extLst>
                   <a:ext uri="{0D108BD9-81ED-4DB2-BD59-A6C34878D82A}">
-                    <a16:rowId xmlns="" xmlns:a16="http://schemas.microsoft.com/office/drawing/2014/main" val="54892672"/>
+                    <a16:rowId xmlns:a16="http://schemas.microsoft.com/office/drawing/2014/main" val="54892672"/>
                   </a:ext>
                 </a:extLst>
               </a:tr>
@@ -15662,7 +15664,7 @@
                 </a:tc>
                 <a:extLst>
                   <a:ext uri="{0D108BD9-81ED-4DB2-BD59-A6C34878D82A}">
-                    <a16:rowId xmlns="" xmlns:a16="http://schemas.microsoft.com/office/drawing/2014/main" val="644525124"/>
+                    <a16:rowId xmlns:a16="http://schemas.microsoft.com/office/drawing/2014/main" val="644525124"/>
                   </a:ext>
                 </a:extLst>
               </a:tr>
@@ -15816,7 +15818,7 @@
                 </a:tc>
                 <a:extLst>
                   <a:ext uri="{0D108BD9-81ED-4DB2-BD59-A6C34878D82A}">
-                    <a16:rowId xmlns="" xmlns:a16="http://schemas.microsoft.com/office/drawing/2014/main" val="1441979899"/>
+                    <a16:rowId xmlns:a16="http://schemas.microsoft.com/office/drawing/2014/main" val="1441979899"/>
                   </a:ext>
                 </a:extLst>
               </a:tr>
@@ -15956,7 +15958,7 @@
                 </a:tc>
                 <a:extLst>
                   <a:ext uri="{0D108BD9-81ED-4DB2-BD59-A6C34878D82A}">
-                    <a16:rowId xmlns="" xmlns:a16="http://schemas.microsoft.com/office/drawing/2014/main" val="2067020072"/>
+                    <a16:rowId xmlns:a16="http://schemas.microsoft.com/office/drawing/2014/main" val="2067020072"/>
                   </a:ext>
                 </a:extLst>
               </a:tr>
@@ -16662,35 +16664,35 @@
                 <a:gridCol w="2080982">
                   <a:extLst>
                     <a:ext uri="{9D8B030D-6E8A-4147-A177-3AD203B41FA5}">
-                      <a16:colId xmlns="" xmlns:a16="http://schemas.microsoft.com/office/drawing/2014/main" val="1393900185"/>
+                      <a16:colId xmlns:a16="http://schemas.microsoft.com/office/drawing/2014/main" val="1393900185"/>
                     </a:ext>
                   </a:extLst>
                 </a:gridCol>
                 <a:gridCol w="1238699">
                   <a:extLst>
                     <a:ext uri="{9D8B030D-6E8A-4147-A177-3AD203B41FA5}">
-                      <a16:colId xmlns="" xmlns:a16="http://schemas.microsoft.com/office/drawing/2014/main" val="3389078971"/>
+                      <a16:colId xmlns:a16="http://schemas.microsoft.com/office/drawing/2014/main" val="3389078971"/>
                     </a:ext>
                   </a:extLst>
                 </a:gridCol>
                 <a:gridCol w="1231228">
                   <a:extLst>
                     <a:ext uri="{9D8B030D-6E8A-4147-A177-3AD203B41FA5}">
-                      <a16:colId xmlns="" xmlns:a16="http://schemas.microsoft.com/office/drawing/2014/main" val="655618677"/>
+                      <a16:colId xmlns:a16="http://schemas.microsoft.com/office/drawing/2014/main" val="655618677"/>
                     </a:ext>
                   </a:extLst>
                 </a:gridCol>
                 <a:gridCol w="1337979">
                   <a:extLst>
                     <a:ext uri="{9D8B030D-6E8A-4147-A177-3AD203B41FA5}">
-                      <a16:colId xmlns="" xmlns:a16="http://schemas.microsoft.com/office/drawing/2014/main" val="502106572"/>
+                      <a16:colId xmlns:a16="http://schemas.microsoft.com/office/drawing/2014/main" val="502106572"/>
                     </a:ext>
                   </a:extLst>
                 </a:gridCol>
                 <a:gridCol w="4516021">
                   <a:extLst>
                     <a:ext uri="{9D8B030D-6E8A-4147-A177-3AD203B41FA5}">
-                      <a16:colId xmlns="" xmlns:a16="http://schemas.microsoft.com/office/drawing/2014/main" val="2796583417"/>
+                      <a16:colId xmlns:a16="http://schemas.microsoft.com/office/drawing/2014/main" val="2796583417"/>
                     </a:ext>
                   </a:extLst>
                 </a:gridCol>
@@ -17010,7 +17012,7 @@
                 </a:tc>
                 <a:extLst>
                   <a:ext uri="{0D108BD9-81ED-4DB2-BD59-A6C34878D82A}">
-                    <a16:rowId xmlns="" xmlns:a16="http://schemas.microsoft.com/office/drawing/2014/main" val="222512411"/>
+                    <a16:rowId xmlns:a16="http://schemas.microsoft.com/office/drawing/2014/main" val="222512411"/>
                   </a:ext>
                 </a:extLst>
               </a:tr>
@@ -17395,7 +17397,7 @@
                 </a:tc>
                 <a:extLst>
                   <a:ext uri="{0D108BD9-81ED-4DB2-BD59-A6C34878D82A}">
-                    <a16:rowId xmlns="" xmlns:a16="http://schemas.microsoft.com/office/drawing/2014/main" val="2478292743"/>
+                    <a16:rowId xmlns:a16="http://schemas.microsoft.com/office/drawing/2014/main" val="2478292743"/>
                   </a:ext>
                 </a:extLst>
               </a:tr>
@@ -17698,7 +17700,7 @@
                 </a:tc>
                 <a:extLst>
                   <a:ext uri="{0D108BD9-81ED-4DB2-BD59-A6C34878D82A}">
-                    <a16:rowId xmlns="" xmlns:a16="http://schemas.microsoft.com/office/drawing/2014/main" val="3999082340"/>
+                    <a16:rowId xmlns:a16="http://schemas.microsoft.com/office/drawing/2014/main" val="3999082340"/>
                   </a:ext>
                 </a:extLst>
               </a:tr>
@@ -17935,10 +17937,199 @@
           <a:bodyPr/>
           <a:lstStyle/>
           <a:p>
-            <a:endParaRPr lang="zh-CN" altLang="en-US" dirty="0"/>
+            <a:r>
+              <a:rPr lang="zh-CN" altLang="en-US" dirty="0" smtClean="0"/>
+              <a:t>数字签名要解决的问题</a:t>
+            </a:r>
+            <a:endParaRPr lang="en-US" altLang="zh-CN" dirty="0" smtClean="0"/>
+          </a:p>
+          <a:p>
+            <a:pPr marL="45720" indent="0">
+              <a:buNone/>
+            </a:pPr>
+            <a:r>
+              <a:rPr lang="en-US" altLang="zh-CN" dirty="0"/>
+              <a:t> </a:t>
+            </a:r>
+            <a:r>
+              <a:rPr lang="en-US" altLang="zh-CN" dirty="0" smtClean="0"/>
+              <a:t>  </a:t>
+            </a:r>
+            <a:r>
+              <a:rPr lang="zh-CN" altLang="en-US" sz="1600" dirty="0" smtClean="0">
+                <a:solidFill>
+                  <a:srgbClr val="0070C0"/>
+                </a:solidFill>
+              </a:rPr>
+              <a:t>不可否认性</a:t>
+            </a:r>
+            <a:endParaRPr lang="en-US" altLang="zh-CN" sz="1600" dirty="0" smtClean="0">
+              <a:solidFill>
+                <a:srgbClr val="0070C0"/>
+              </a:solidFill>
+            </a:endParaRPr>
+          </a:p>
+          <a:p>
+            <a:pPr marL="45720" indent="0">
+              <a:buNone/>
+            </a:pPr>
+            <a:r>
+              <a:rPr lang="en-US" altLang="zh-CN" sz="1600" dirty="0">
+                <a:solidFill>
+                  <a:srgbClr val="0070C0"/>
+                </a:solidFill>
+              </a:rPr>
+              <a:t> </a:t>
+            </a:r>
+            <a:r>
+              <a:rPr lang="en-US" altLang="zh-CN" sz="1600" dirty="0" smtClean="0">
+                <a:solidFill>
+                  <a:srgbClr val="0070C0"/>
+                </a:solidFill>
+              </a:rPr>
+              <a:t>   </a:t>
+            </a:r>
+            <a:r>
+              <a:rPr lang="zh-CN" altLang="en-US" sz="1600" dirty="0" smtClean="0">
+                <a:solidFill>
+                  <a:srgbClr val="0070C0"/>
+                </a:solidFill>
+              </a:rPr>
+              <a:t>认证消息来源</a:t>
+            </a:r>
+            <a:endParaRPr lang="en-US" altLang="zh-CN" sz="1600" dirty="0" smtClean="0">
+              <a:solidFill>
+                <a:srgbClr val="0070C0"/>
+              </a:solidFill>
+            </a:endParaRPr>
+          </a:p>
+          <a:p>
+            <a:r>
+              <a:rPr lang="zh-CN" altLang="en-US" dirty="0" smtClean="0"/>
+              <a:t>实现方式</a:t>
+            </a:r>
+            <a:r>
+              <a:rPr lang="en-US" altLang="zh-CN" dirty="0" smtClean="0"/>
+              <a:t>——</a:t>
+            </a:r>
+            <a:r>
+              <a:rPr lang="zh-CN" altLang="en-US" dirty="0" smtClean="0"/>
+              <a:t>基于非对称加密</a:t>
+            </a:r>
+            <a:endParaRPr lang="en-US" altLang="zh-CN" dirty="0" smtClean="0"/>
+          </a:p>
+          <a:p>
+            <a:pPr marL="45720" indent="0">
+              <a:buNone/>
+            </a:pPr>
+            <a:r>
+              <a:rPr lang="en-US" altLang="zh-CN" dirty="0"/>
+              <a:t> </a:t>
+            </a:r>
+            <a:r>
+              <a:rPr lang="en-US" altLang="zh-CN" dirty="0" smtClean="0"/>
+              <a:t>  </a:t>
+            </a:r>
+            <a:r>
+              <a:rPr lang="zh-CN" altLang="en-US" sz="1600" dirty="0" smtClean="0">
+                <a:solidFill>
+                  <a:srgbClr val="0070C0"/>
+                </a:solidFill>
+              </a:rPr>
+              <a:t>签名：私钥加密的过程</a:t>
+            </a:r>
+            <a:endParaRPr lang="en-US" altLang="zh-CN" sz="1600" dirty="0" smtClean="0">
+              <a:solidFill>
+                <a:srgbClr val="0070C0"/>
+              </a:solidFill>
+            </a:endParaRPr>
+          </a:p>
+          <a:p>
+            <a:pPr marL="45720" indent="0">
+              <a:buNone/>
+            </a:pPr>
+            <a:r>
+              <a:rPr lang="en-US" altLang="zh-CN" sz="1600" dirty="0">
+                <a:solidFill>
+                  <a:srgbClr val="0070C0"/>
+                </a:solidFill>
+              </a:rPr>
+              <a:t> </a:t>
+            </a:r>
+            <a:r>
+              <a:rPr lang="en-US" altLang="zh-CN" sz="1600" dirty="0" smtClean="0">
+                <a:solidFill>
+                  <a:srgbClr val="0070C0"/>
+                </a:solidFill>
+              </a:rPr>
+              <a:t>   </a:t>
+            </a:r>
+            <a:r>
+              <a:rPr lang="zh-CN" altLang="en-US" sz="1600" dirty="0" smtClean="0">
+                <a:solidFill>
+                  <a:srgbClr val="0070C0"/>
+                </a:solidFill>
+              </a:rPr>
+              <a:t>认证：公钥解密的过程</a:t>
+            </a:r>
+            <a:endParaRPr lang="en-US" altLang="zh-CN" sz="1600" dirty="0" smtClean="0">
+              <a:solidFill>
+                <a:srgbClr val="0070C0"/>
+              </a:solidFill>
+            </a:endParaRPr>
+          </a:p>
+          <a:p>
+            <a:pPr marL="45720" indent="0">
+              <a:buNone/>
+            </a:pPr>
+            <a:r>
+              <a:rPr lang="en-US" altLang="zh-CN" sz="1600" dirty="0">
+                <a:solidFill>
+                  <a:srgbClr val="0070C0"/>
+                </a:solidFill>
+              </a:rPr>
+              <a:t> </a:t>
+            </a:r>
+            <a:r>
+              <a:rPr lang="en-US" altLang="zh-CN" sz="1600" dirty="0" smtClean="0">
+                <a:solidFill>
+                  <a:srgbClr val="0070C0"/>
+                </a:solidFill>
+              </a:rPr>
+              <a:t>   </a:t>
+            </a:r>
+            <a:endParaRPr lang="zh-CN" altLang="en-US" sz="1600" dirty="0">
+              <a:solidFill>
+                <a:srgbClr val="0070C0"/>
+              </a:solidFill>
+            </a:endParaRPr>
           </a:p>
         </p:txBody>
       </p:sp>
+      <p:pic>
+        <p:nvPicPr>
+          <p:cNvPr id="6" name="图片 5"/>
+          <p:cNvPicPr>
+            <a:picLocks noChangeAspect="1"/>
+          </p:cNvPicPr>
+          <p:nvPr/>
+        </p:nvPicPr>
+        <p:blipFill>
+          <a:blip r:embed="rId2"/>
+          <a:stretch>
+            <a:fillRect/>
+          </a:stretch>
+        </p:blipFill>
+        <p:spPr>
+          <a:xfrm>
+            <a:off x="6774122" y="2027781"/>
+            <a:ext cx="5100016" cy="3687220"/>
+          </a:xfrm>
+          <a:prstGeom prst="rect">
+            <a:avLst/>
+          </a:prstGeom>
+        </p:spPr>
+      </p:pic>
     </p:spTree>
     <p:extLst>
       <p:ext uri="{BB962C8B-B14F-4D97-AF65-F5344CB8AC3E}">
@@ -17961,6 +18152,13 @@
       </p:transition>
     </mc:Fallback>
   </mc:AlternateContent>
+  <p:timing>
+    <p:tnLst>
+      <p:par>
+        <p:cTn id="1" dur="indefinite" restart="never" nodeType="tmRoot"/>
+      </p:par>
+    </p:tnLst>
+  </p:timing>
 </p:sld>
 </file>
 
@@ -17997,12 +18195,108 @@
           <a:lstStyle/>
           <a:p>
             <a:r>
-              <a:rPr lang="en-US" altLang="zh-CN" dirty="0"/>
+              <a:rPr lang="zh-CN" altLang="en-US" dirty="0" smtClean="0"/>
+              <a:t>签名和认证过程</a:t>
+            </a:r>
+            <a:endParaRPr lang="zh-CN" altLang="en-US" dirty="0"/>
+          </a:p>
+        </p:txBody>
+      </p:sp>
+      <p:pic>
+        <p:nvPicPr>
+          <p:cNvPr id="19" name="图片 18"/>
+          <p:cNvPicPr>
+            <a:picLocks noChangeAspect="1"/>
+          </p:cNvPicPr>
+          <p:nvPr/>
+        </p:nvPicPr>
+        <p:blipFill>
+          <a:blip r:embed="rId2"/>
+          <a:stretch>
+            <a:fillRect/>
+          </a:stretch>
+        </p:blipFill>
+        <p:spPr>
+          <a:xfrm>
+            <a:off x="1341615" y="1763485"/>
+            <a:ext cx="7214555" cy="5041788"/>
+          </a:xfrm>
+          <a:prstGeom prst="rect">
+            <a:avLst/>
+          </a:prstGeom>
+        </p:spPr>
+      </p:pic>
+    </p:spTree>
+    <p:extLst>
+      <p:ext uri="{BB962C8B-B14F-4D97-AF65-F5344CB8AC3E}">
+        <p14:creationId xmlns:p14="http://schemas.microsoft.com/office/powerpoint/2010/main" val="3920879718"/>
+      </p:ext>
+    </p:extLst>
+  </p:cSld>
+  <p:clrMapOvr>
+    <a:masterClrMapping/>
+  </p:clrMapOvr>
+  <mc:AlternateContent xmlns:mc="http://schemas.openxmlformats.org/markup-compatibility/2006" xmlns:p14="http://schemas.microsoft.com/office/powerpoint/2010/main">
+    <mc:Choice Requires="p14">
+      <p:transition spd="med" p14:dur="700">
+        <p:fade/>
+      </p:transition>
+    </mc:Choice>
+    <mc:Fallback xmlns="">
+      <p:transition spd="med">
+        <p:fade/>
+      </p:transition>
+    </mc:Fallback>
+  </mc:AlternateContent>
+  <p:timing>
+    <p:tnLst>
+      <p:par>
+        <p:cTn id="1" dur="indefinite" restart="never" nodeType="tmRoot"/>
+      </p:par>
+    </p:tnLst>
+  </p:timing>
+</p:sld>
+</file>
+
+<file path=ppt/slides/slide25.xml><?xml version="1.0" encoding="utf-8"?>
+<p:sld xmlns:a="http://schemas.openxmlformats.org/drawingml/2006/main" xmlns:r="http://schemas.openxmlformats.org/officeDocument/2006/relationships" xmlns:p="http://schemas.openxmlformats.org/presentationml/2006/main">
+  <p:cSld>
+    <p:spTree>
+      <p:nvGrpSpPr>
+        <p:cNvPr id="1" name=""/>
+        <p:cNvGrpSpPr/>
+        <p:nvPr/>
+      </p:nvGrpSpPr>
+      <p:grpSpPr>
+        <a:xfrm>
+          <a:off x="0" y="0"/>
+          <a:ext cx="0" cy="0"/>
+          <a:chOff x="0" y="0"/>
+          <a:chExt cx="0" cy="0"/>
+        </a:xfrm>
+      </p:grpSpPr>
+      <p:sp>
+        <p:nvSpPr>
+          <p:cNvPr id="2" name="标题 1"/>
+          <p:cNvSpPr>
+            <a:spLocks noGrp="1"/>
+          </p:cNvSpPr>
+          <p:nvPr>
+            <p:ph type="title"/>
+          </p:nvPr>
+        </p:nvSpPr>
+        <p:spPr/>
+        <p:txBody>
+          <a:bodyPr/>
+          <a:lstStyle/>
+          <a:p>
+            <a:r>
+              <a:rPr lang="en-US" altLang="zh-CN" dirty="0" smtClean="0"/>
               <a:t>RSA</a:t>
             </a:r>
             <a:r>
               <a:rPr lang="zh-CN" altLang="en-US" dirty="0" smtClean="0"/>
-              <a:t>系列</a:t>
+              <a:t>签名系列</a:t>
             </a:r>
             <a:endParaRPr lang="zh-CN" altLang="en-US" dirty="0"/>
           </a:p>
@@ -18037,23 +18331,35 @@
                 <a:gridCol w="2056103">
                   <a:extLst>
                     <a:ext uri="{9D8B030D-6E8A-4147-A177-3AD203B41FA5}">
-                      <a16:colId xmlns="" xmlns:a16="http://schemas.microsoft.com/office/drawing/2014/main" val="1262576194"/>
+                      <a16:colId xmlns:a16="http://schemas.microsoft.com/office/drawing/2014/main" val="1262576194"/>
                     </a:ext>
                   </a:extLst>
                 </a:gridCol>
-                <a:gridCol w="1182848"/>
-                <a:gridCol w="1820411"/>
+                <a:gridCol w="1182848">
+                  <a:extLst>
+                    <a:ext uri="{9D8B030D-6E8A-4147-A177-3AD203B41FA5}">
+                      <a16:colId xmlns:a16="http://schemas.microsoft.com/office/drawing/2014/main" val="20001"/>
+                    </a:ext>
+                  </a:extLst>
+                </a:gridCol>
+                <a:gridCol w="1820411">
+                  <a:extLst>
+                    <a:ext uri="{9D8B030D-6E8A-4147-A177-3AD203B41FA5}">
+                      <a16:colId xmlns:a16="http://schemas.microsoft.com/office/drawing/2014/main" val="20002"/>
+                    </a:ext>
+                  </a:extLst>
+                </a:gridCol>
                 <a:gridCol w="1350628">
                   <a:extLst>
                     <a:ext uri="{9D8B030D-6E8A-4147-A177-3AD203B41FA5}">
-                      <a16:colId xmlns="" xmlns:a16="http://schemas.microsoft.com/office/drawing/2014/main" val="1627258925"/>
+                      <a16:colId xmlns:a16="http://schemas.microsoft.com/office/drawing/2014/main" val="1627258925"/>
                     </a:ext>
                   </a:extLst>
                 </a:gridCol>
                 <a:gridCol w="3100720">
                   <a:extLst>
                     <a:ext uri="{9D8B030D-6E8A-4147-A177-3AD203B41FA5}">
-                      <a16:colId xmlns="" xmlns:a16="http://schemas.microsoft.com/office/drawing/2014/main" val="279132191"/>
+                      <a16:colId xmlns:a16="http://schemas.microsoft.com/office/drawing/2014/main" val="279132191"/>
                     </a:ext>
                   </a:extLst>
                 </a:gridCol>
@@ -18166,7 +18472,7 @@
                 </a:tc>
                 <a:extLst>
                   <a:ext uri="{0D108BD9-81ED-4DB2-BD59-A6C34878D82A}">
-                    <a16:rowId xmlns="" xmlns:a16="http://schemas.microsoft.com/office/drawing/2014/main" val="3704071744"/>
+                    <a16:rowId xmlns:a16="http://schemas.microsoft.com/office/drawing/2014/main" val="3704071744"/>
                   </a:ext>
                 </a:extLst>
               </a:tr>
@@ -18340,7 +18646,7 @@
                 </a:tc>
                 <a:extLst>
                   <a:ext uri="{0D108BD9-81ED-4DB2-BD59-A6C34878D82A}">
-                    <a16:rowId xmlns="" xmlns:a16="http://schemas.microsoft.com/office/drawing/2014/main" val="1026023813"/>
+                    <a16:rowId xmlns:a16="http://schemas.microsoft.com/office/drawing/2014/main" val="1026023813"/>
                   </a:ext>
                 </a:extLst>
               </a:tr>
@@ -18438,7 +18744,7 @@
                 </a:tc>
                 <a:extLst>
                   <a:ext uri="{0D108BD9-81ED-4DB2-BD59-A6C34878D82A}">
-                    <a16:rowId xmlns="" xmlns:a16="http://schemas.microsoft.com/office/drawing/2014/main" val="3056097180"/>
+                    <a16:rowId xmlns:a16="http://schemas.microsoft.com/office/drawing/2014/main" val="3056097180"/>
                   </a:ext>
                 </a:extLst>
               </a:tr>
@@ -18536,7 +18842,7 @@
                 </a:tc>
                 <a:extLst>
                   <a:ext uri="{0D108BD9-81ED-4DB2-BD59-A6C34878D82A}">
-                    <a16:rowId xmlns="" xmlns:a16="http://schemas.microsoft.com/office/drawing/2014/main" val="3398222936"/>
+                    <a16:rowId xmlns:a16="http://schemas.microsoft.com/office/drawing/2014/main" val="3398222936"/>
                   </a:ext>
                 </a:extLst>
               </a:tr>
@@ -18672,7 +18978,7 @@
                 </a:tc>
                 <a:extLst>
                   <a:ext uri="{0D108BD9-81ED-4DB2-BD59-A6C34878D82A}">
-                    <a16:rowId xmlns="" xmlns:a16="http://schemas.microsoft.com/office/drawing/2014/main" val="3661055458"/>
+                    <a16:rowId xmlns:a16="http://schemas.microsoft.com/office/drawing/2014/main" val="3661055458"/>
                   </a:ext>
                 </a:extLst>
               </a:tr>
@@ -18824,7 +19130,7 @@
                 </a:tc>
                 <a:extLst>
                   <a:ext uri="{0D108BD9-81ED-4DB2-BD59-A6C34878D82A}">
-                    <a16:rowId xmlns="" xmlns:a16="http://schemas.microsoft.com/office/drawing/2014/main" val="1792707014"/>
+                    <a16:rowId xmlns:a16="http://schemas.microsoft.com/office/drawing/2014/main" val="1792707014"/>
                   </a:ext>
                 </a:extLst>
               </a:tr>
@@ -18979,7 +19285,7 @@
                 </a:tc>
                 <a:extLst>
                   <a:ext uri="{0D108BD9-81ED-4DB2-BD59-A6C34878D82A}">
-                    <a16:rowId xmlns="" xmlns:a16="http://schemas.microsoft.com/office/drawing/2014/main" val="1883377276"/>
+                    <a16:rowId xmlns:a16="http://schemas.microsoft.com/office/drawing/2014/main" val="1883377276"/>
                   </a:ext>
                 </a:extLst>
               </a:tr>
@@ -19137,7 +19443,7 @@
                 </a:tc>
                 <a:extLst>
                   <a:ext uri="{0D108BD9-81ED-4DB2-BD59-A6C34878D82A}">
-                    <a16:rowId xmlns="" xmlns:a16="http://schemas.microsoft.com/office/drawing/2014/main" val="4018932841"/>
+                    <a16:rowId xmlns:a16="http://schemas.microsoft.com/office/drawing/2014/main" val="4018932841"/>
                   </a:ext>
                 </a:extLst>
               </a:tr>
@@ -19177,7 +19483,7 @@
 </p:sld>
 </file>
 
-<file path=ppt/slides/slide25.xml><?xml version="1.0" encoding="utf-8"?>
+<file path=ppt/slides/slide26.xml><?xml version="1.0" encoding="utf-8"?>
 <p:sld xmlns:a="http://schemas.openxmlformats.org/drawingml/2006/main" xmlns:r="http://schemas.openxmlformats.org/officeDocument/2006/relationships" xmlns:p="http://schemas.openxmlformats.org/presentationml/2006/main">
   <p:cSld>
     <p:spTree>
@@ -19210,16 +19516,12 @@
           <a:lstStyle/>
           <a:p>
             <a:r>
-              <a:rPr lang="en-US" altLang="zh-CN" dirty="0"/>
-              <a:t>D</a:t>
-            </a:r>
-            <a:r>
               <a:rPr lang="en-US" altLang="zh-CN" dirty="0" smtClean="0"/>
-              <a:t>SA</a:t>
+              <a:t>DSA</a:t>
             </a:r>
             <a:r>
               <a:rPr lang="zh-CN" altLang="en-US" dirty="0" smtClean="0"/>
-              <a:t>系列</a:t>
+              <a:t>签名系列</a:t>
             </a:r>
             <a:endParaRPr lang="zh-CN" altLang="en-US" dirty="0"/>
           </a:p>
@@ -19235,7 +19537,7 @@
             <p:ph idx="1"/>
             <p:extLst>
               <p:ext uri="{D42A27DB-BD31-4B8C-83A1-F6EECF244321}">
-                <p14:modId xmlns:p14="http://schemas.microsoft.com/office/powerpoint/2010/main" val="3168712238"/>
+                <p14:modId xmlns:p14="http://schemas.microsoft.com/office/powerpoint/2010/main" val="1033104244"/>
               </p:ext>
             </p:extLst>
           </p:nvPr>
@@ -19254,23 +19556,35 @@
                 <a:gridCol w="2056103">
                   <a:extLst>
                     <a:ext uri="{9D8B030D-6E8A-4147-A177-3AD203B41FA5}">
-                      <a16:colId xmlns="" xmlns:a16="http://schemas.microsoft.com/office/drawing/2014/main" val="1262576194"/>
+                      <a16:colId xmlns:a16="http://schemas.microsoft.com/office/drawing/2014/main" val="1262576194"/>
                     </a:ext>
                   </a:extLst>
                 </a:gridCol>
-                <a:gridCol w="1182848"/>
-                <a:gridCol w="1820411"/>
+                <a:gridCol w="1182848">
+                  <a:extLst>
+                    <a:ext uri="{9D8B030D-6E8A-4147-A177-3AD203B41FA5}">
+                      <a16:colId xmlns:a16="http://schemas.microsoft.com/office/drawing/2014/main" val="20001"/>
+                    </a:ext>
+                  </a:extLst>
+                </a:gridCol>
+                <a:gridCol w="1820411">
+                  <a:extLst>
+                    <a:ext uri="{9D8B030D-6E8A-4147-A177-3AD203B41FA5}">
+                      <a16:colId xmlns:a16="http://schemas.microsoft.com/office/drawing/2014/main" val="20002"/>
+                    </a:ext>
+                  </a:extLst>
+                </a:gridCol>
                 <a:gridCol w="1350628">
                   <a:extLst>
                     <a:ext uri="{9D8B030D-6E8A-4147-A177-3AD203B41FA5}">
-                      <a16:colId xmlns="" xmlns:a16="http://schemas.microsoft.com/office/drawing/2014/main" val="1627258925"/>
+                      <a16:colId xmlns:a16="http://schemas.microsoft.com/office/drawing/2014/main" val="1627258925"/>
                     </a:ext>
                   </a:extLst>
                 </a:gridCol>
                 <a:gridCol w="3100720">
                   <a:extLst>
                     <a:ext uri="{9D8B030D-6E8A-4147-A177-3AD203B41FA5}">
-                      <a16:colId xmlns="" xmlns:a16="http://schemas.microsoft.com/office/drawing/2014/main" val="279132191"/>
+                      <a16:colId xmlns:a16="http://schemas.microsoft.com/office/drawing/2014/main" val="279132191"/>
                     </a:ext>
                   </a:extLst>
                 </a:gridCol>
@@ -19383,7 +19697,7 @@
                 </a:tc>
                 <a:extLst>
                   <a:ext uri="{0D108BD9-81ED-4DB2-BD59-A6C34878D82A}">
-                    <a16:rowId xmlns="" xmlns:a16="http://schemas.microsoft.com/office/drawing/2014/main" val="3704071744"/>
+                    <a16:rowId xmlns:a16="http://schemas.microsoft.com/office/drawing/2014/main" val="3704071744"/>
                   </a:ext>
                 </a:extLst>
               </a:tr>
@@ -19482,6 +19796,13 @@
                     <a:lstStyle/>
                     <a:p>
                       <a:pPr algn="ctr"/>
+                      <a:r>
+                        <a:rPr lang="en-US" altLang="zh-CN" dirty="0" smtClean="0">
+                          <a:latin typeface="宋体" panose="02010600030101010101" pitchFamily="2" charset="-122"/>
+                          <a:ea typeface="宋体" panose="02010600030101010101" pitchFamily="2" charset="-122"/>
+                        </a:rPr>
+                        <a:t>1024</a:t>
+                      </a:r>
                       <a:endParaRPr lang="zh-CN" altLang="en-US" dirty="0">
                         <a:latin typeface="宋体" panose="02010600030101010101" pitchFamily="2" charset="-122"/>
                         <a:ea typeface="宋体" panose="02010600030101010101" pitchFamily="2" charset="-122"/>
@@ -19504,17 +19825,7 @@
                           <a:latin typeface="宋体" panose="02010600030101010101" pitchFamily="2" charset="-122"/>
                           <a:ea typeface="宋体" panose="02010600030101010101" pitchFamily="2" charset="-122"/>
                         </a:rPr>
-                        <a:t>与密钥</a:t>
-                      </a:r>
-                      <a:r>
-                        <a:rPr lang="zh-CN" altLang="en-US" baseline="0" dirty="0" smtClean="0">
-                          <a:solidFill>
-                            <a:schemeClr val="tx1"/>
-                          </a:solidFill>
-                          <a:latin typeface="宋体" panose="02010600030101010101" pitchFamily="2" charset="-122"/>
-                          <a:ea typeface="宋体" panose="02010600030101010101" pitchFamily="2" charset="-122"/>
-                        </a:rPr>
-                        <a:t>长度相同</a:t>
+                        <a:t>不定</a:t>
                       </a:r>
                       <a:endParaRPr lang="zh-CN" altLang="en-US" dirty="0">
                         <a:solidFill>
@@ -19550,7 +19861,7 @@
                 </a:tc>
                 <a:extLst>
                   <a:ext uri="{0D108BD9-81ED-4DB2-BD59-A6C34878D82A}">
-                    <a16:rowId xmlns="" xmlns:a16="http://schemas.microsoft.com/office/drawing/2014/main" val="1026023813"/>
+                    <a16:rowId xmlns:a16="http://schemas.microsoft.com/office/drawing/2014/main" val="1026023813"/>
                   </a:ext>
                 </a:extLst>
               </a:tr>
@@ -19596,6 +19907,13 @@
                     <a:lstStyle/>
                     <a:p>
                       <a:pPr algn="ctr"/>
+                      <a:r>
+                        <a:rPr lang="en-US" altLang="zh-CN" dirty="0" smtClean="0">
+                          <a:latin typeface="宋体" panose="02010600030101010101" pitchFamily="2" charset="-122"/>
+                          <a:ea typeface="宋体" panose="02010600030101010101" pitchFamily="2" charset="-122"/>
+                        </a:rPr>
+                        <a:t>1024</a:t>
+                      </a:r>
                       <a:endParaRPr lang="zh-CN" altLang="en-US" dirty="0">
                         <a:latin typeface="宋体" panose="02010600030101010101" pitchFamily="2" charset="-122"/>
                         <a:ea typeface="宋体" panose="02010600030101010101" pitchFamily="2" charset="-122"/>
@@ -19647,7 +19965,7 @@
                 </a:tc>
                 <a:extLst>
                   <a:ext uri="{0D108BD9-81ED-4DB2-BD59-A6C34878D82A}">
-                    <a16:rowId xmlns="" xmlns:a16="http://schemas.microsoft.com/office/drawing/2014/main" val="3056097180"/>
+                    <a16:rowId xmlns:a16="http://schemas.microsoft.com/office/drawing/2014/main" val="3056097180"/>
                   </a:ext>
                 </a:extLst>
               </a:tr>
@@ -19693,6 +20011,13 @@
                     <a:lstStyle/>
                     <a:p>
                       <a:pPr algn="ctr"/>
+                      <a:r>
+                        <a:rPr lang="en-US" altLang="zh-CN" dirty="0" smtClean="0">
+                          <a:latin typeface="宋体" panose="02010600030101010101" pitchFamily="2" charset="-122"/>
+                          <a:ea typeface="宋体" panose="02010600030101010101" pitchFamily="2" charset="-122"/>
+                        </a:rPr>
+                        <a:t>1024</a:t>
+                      </a:r>
                       <a:endParaRPr lang="zh-CN" altLang="en-US" dirty="0">
                         <a:latin typeface="宋体" panose="02010600030101010101" pitchFamily="2" charset="-122"/>
                         <a:ea typeface="宋体" panose="02010600030101010101" pitchFamily="2" charset="-122"/>
@@ -19738,7 +20063,7 @@
                 </a:tc>
                 <a:extLst>
                   <a:ext uri="{0D108BD9-81ED-4DB2-BD59-A6C34878D82A}">
-                    <a16:rowId xmlns="" xmlns:a16="http://schemas.microsoft.com/office/drawing/2014/main" val="3398222936"/>
+                    <a16:rowId xmlns:a16="http://schemas.microsoft.com/office/drawing/2014/main" val="3398222936"/>
                   </a:ext>
                 </a:extLst>
               </a:tr>
@@ -19816,6 +20141,13 @@
                         <a:tabLst/>
                         <a:defRPr/>
                       </a:pPr>
+                      <a:r>
+                        <a:rPr lang="en-US" altLang="zh-CN" dirty="0" smtClean="0">
+                          <a:latin typeface="宋体" panose="02010600030101010101" pitchFamily="2" charset="-122"/>
+                          <a:ea typeface="宋体" panose="02010600030101010101" pitchFamily="2" charset="-122"/>
+                        </a:rPr>
+                        <a:t>1024</a:t>
+                      </a:r>
                       <a:endParaRPr lang="zh-CN" altLang="en-US" dirty="0" smtClean="0">
                         <a:latin typeface="宋体" panose="02010600030101010101" pitchFamily="2" charset="-122"/>
                         <a:ea typeface="宋体" panose="02010600030101010101" pitchFamily="2" charset="-122"/>
@@ -19883,7 +20215,7 @@
                 </a:tc>
                 <a:extLst>
                   <a:ext uri="{0D108BD9-81ED-4DB2-BD59-A6C34878D82A}">
-                    <a16:rowId xmlns="" xmlns:a16="http://schemas.microsoft.com/office/drawing/2014/main" val="3661055458"/>
+                    <a16:rowId xmlns:a16="http://schemas.microsoft.com/office/drawing/2014/main" val="3661055458"/>
                   </a:ext>
                 </a:extLst>
               </a:tr>
@@ -19961,6 +20293,13 @@
                         <a:tabLst/>
                         <a:defRPr/>
                       </a:pPr>
+                      <a:r>
+                        <a:rPr lang="en-US" altLang="zh-CN" dirty="0" smtClean="0">
+                          <a:latin typeface="宋体" panose="02010600030101010101" pitchFamily="2" charset="-122"/>
+                          <a:ea typeface="宋体" panose="02010600030101010101" pitchFamily="2" charset="-122"/>
+                        </a:rPr>
+                        <a:t>1024</a:t>
+                      </a:r>
                       <a:endParaRPr lang="zh-CN" altLang="en-US" dirty="0" smtClean="0">
                         <a:latin typeface="宋体" panose="02010600030101010101" pitchFamily="2" charset="-122"/>
                         <a:ea typeface="宋体" panose="02010600030101010101" pitchFamily="2" charset="-122"/>
@@ -20028,7 +20367,7 @@
                 </a:tc>
                 <a:extLst>
                   <a:ext uri="{0D108BD9-81ED-4DB2-BD59-A6C34878D82A}">
-                    <a16:rowId xmlns="" xmlns:a16="http://schemas.microsoft.com/office/drawing/2014/main" val="1792707014"/>
+                    <a16:rowId xmlns:a16="http://schemas.microsoft.com/office/drawing/2014/main" val="1792707014"/>
                   </a:ext>
                 </a:extLst>
               </a:tr>
@@ -20068,7 +20407,248 @@
 </p:sld>
 </file>
 
-<file path=ppt/slides/slide26.xml><?xml version="1.0" encoding="utf-8"?>
+<file path=ppt/slides/slide27.xml><?xml version="1.0" encoding="utf-8"?>
+<p:sld xmlns:a="http://schemas.openxmlformats.org/drawingml/2006/main" xmlns:r="http://schemas.openxmlformats.org/officeDocument/2006/relationships" xmlns:p="http://schemas.openxmlformats.org/presentationml/2006/main">
+  <p:cSld>
+    <p:spTree>
+      <p:nvGrpSpPr>
+        <p:cNvPr id="1" name=""/>
+        <p:cNvGrpSpPr/>
+        <p:nvPr/>
+      </p:nvGrpSpPr>
+      <p:grpSpPr>
+        <a:xfrm>
+          <a:off x="0" y="0"/>
+          <a:ext cx="0" cy="0"/>
+          <a:chOff x="0" y="0"/>
+          <a:chExt cx="0" cy="0"/>
+        </a:xfrm>
+      </p:grpSpPr>
+      <p:sp>
+        <p:nvSpPr>
+          <p:cNvPr id="2" name="标题 1"/>
+          <p:cNvSpPr>
+            <a:spLocks noGrp="1"/>
+          </p:cNvSpPr>
+          <p:nvPr>
+            <p:ph type="title"/>
+          </p:nvPr>
+        </p:nvSpPr>
+        <p:spPr/>
+        <p:txBody>
+          <a:bodyPr/>
+          <a:lstStyle/>
+          <a:p>
+            <a:r>
+              <a:rPr lang="zh-CN" altLang="en-US" dirty="0" smtClean="0"/>
+              <a:t>数字证书</a:t>
+            </a:r>
+            <a:endParaRPr lang="zh-CN" altLang="en-US" dirty="0"/>
+          </a:p>
+        </p:txBody>
+      </p:sp>
+      <p:sp>
+        <p:nvSpPr>
+          <p:cNvPr id="3" name="内容占位符 2"/>
+          <p:cNvSpPr>
+            <a:spLocks noGrp="1"/>
+          </p:cNvSpPr>
+          <p:nvPr>
+            <p:ph idx="1"/>
+          </p:nvPr>
+        </p:nvSpPr>
+        <p:spPr/>
+        <p:txBody>
+          <a:bodyPr/>
+          <a:lstStyle/>
+          <a:p>
+            <a:r>
+              <a:rPr lang="zh-CN" altLang="en-US" dirty="0" smtClean="0"/>
+              <a:t>非对称加密真的安全吗？</a:t>
+            </a:r>
+            <a:endParaRPr lang="zh-CN" altLang="en-US" dirty="0"/>
+          </a:p>
+        </p:txBody>
+      </p:sp>
+      <p:pic>
+        <p:nvPicPr>
+          <p:cNvPr id="5" name="图片 4"/>
+          <p:cNvPicPr>
+            <a:picLocks noChangeAspect="1"/>
+          </p:cNvPicPr>
+          <p:nvPr/>
+        </p:nvPicPr>
+        <p:blipFill>
+          <a:blip r:embed="rId2"/>
+          <a:stretch>
+            <a:fillRect/>
+          </a:stretch>
+        </p:blipFill>
+        <p:spPr>
+          <a:xfrm>
+            <a:off x="2034063" y="2298596"/>
+            <a:ext cx="6469858" cy="4006531"/>
+          </a:xfrm>
+          <a:prstGeom prst="rect">
+            <a:avLst/>
+          </a:prstGeom>
+        </p:spPr>
+      </p:pic>
+    </p:spTree>
+    <p:extLst>
+      <p:ext uri="{BB962C8B-B14F-4D97-AF65-F5344CB8AC3E}">
+        <p14:creationId xmlns:p14="http://schemas.microsoft.com/office/powerpoint/2010/main" val="93809801"/>
+      </p:ext>
+    </p:extLst>
+  </p:cSld>
+  <p:clrMapOvr>
+    <a:masterClrMapping/>
+  </p:clrMapOvr>
+  <mc:AlternateContent xmlns:mc="http://schemas.openxmlformats.org/markup-compatibility/2006" xmlns:p14="http://schemas.microsoft.com/office/powerpoint/2010/main">
+    <mc:Choice Requires="p14">
+      <p:transition spd="med" p14:dur="700">
+        <p:fade/>
+      </p:transition>
+    </mc:Choice>
+    <mc:Fallback xmlns="">
+      <p:transition spd="med">
+        <p:fade/>
+      </p:transition>
+    </mc:Fallback>
+  </mc:AlternateContent>
+  <p:timing>
+    <p:tnLst>
+      <p:par>
+        <p:cTn id="1" dur="indefinite" restart="never" nodeType="tmRoot">
+          <p:childTnLst>
+            <p:seq concurrent="1" nextAc="seek">
+              <p:cTn id="2" dur="indefinite" nodeType="mainSeq">
+                <p:childTnLst>
+                  <p:par>
+                    <p:cTn id="3" fill="hold">
+                      <p:stCondLst>
+                        <p:cond delay="indefinite"/>
+                      </p:stCondLst>
+                      <p:childTnLst>
+                        <p:par>
+                          <p:cTn id="4" fill="hold">
+                            <p:stCondLst>
+                              <p:cond delay="0"/>
+                            </p:stCondLst>
+                            <p:childTnLst>
+                              <p:par>
+                                <p:cTn id="5" presetID="42" presetClass="entr" presetSubtype="0" fill="hold" nodeType="clickEffect">
+                                  <p:stCondLst>
+                                    <p:cond delay="0"/>
+                                  </p:stCondLst>
+                                  <p:childTnLst>
+                                    <p:set>
+                                      <p:cBhvr>
+                                        <p:cTn id="6" dur="1" fill="hold">
+                                          <p:stCondLst>
+                                            <p:cond delay="0"/>
+                                          </p:stCondLst>
+                                        </p:cTn>
+                                        <p:tgtEl>
+                                          <p:spTgt spid="5"/>
+                                        </p:tgtEl>
+                                        <p:attrNameLst>
+                                          <p:attrName>style.visibility</p:attrName>
+                                        </p:attrNameLst>
+                                      </p:cBhvr>
+                                      <p:to>
+                                        <p:strVal val="visible"/>
+                                      </p:to>
+                                    </p:set>
+                                    <p:animEffect transition="in" filter="fade">
+                                      <p:cBhvr>
+                                        <p:cTn id="7" dur="1000"/>
+                                        <p:tgtEl>
+                                          <p:spTgt spid="5"/>
+                                        </p:tgtEl>
+                                      </p:cBhvr>
+                                    </p:animEffect>
+                                    <p:anim calcmode="lin" valueType="num">
+                                      <p:cBhvr>
+                                        <p:cTn id="8" dur="1000" fill="hold"/>
+                                        <p:tgtEl>
+                                          <p:spTgt spid="5"/>
+                                        </p:tgtEl>
+                                        <p:attrNameLst>
+                                          <p:attrName>ppt_x</p:attrName>
+                                        </p:attrNameLst>
+                                      </p:cBhvr>
+                                      <p:tavLst>
+                                        <p:tav tm="0">
+                                          <p:val>
+                                            <p:strVal val="#ppt_x"/>
+                                          </p:val>
+                                        </p:tav>
+                                        <p:tav tm="100000">
+                                          <p:val>
+                                            <p:strVal val="#ppt_x"/>
+                                          </p:val>
+                                        </p:tav>
+                                      </p:tavLst>
+                                    </p:anim>
+                                    <p:anim calcmode="lin" valueType="num">
+                                      <p:cBhvr>
+                                        <p:cTn id="9" dur="1000" fill="hold"/>
+                                        <p:tgtEl>
+                                          <p:spTgt spid="5"/>
+                                        </p:tgtEl>
+                                        <p:attrNameLst>
+                                          <p:attrName>ppt_y</p:attrName>
+                                        </p:attrNameLst>
+                                      </p:cBhvr>
+                                      <p:tavLst>
+                                        <p:tav tm="0">
+                                          <p:val>
+                                            <p:strVal val="#ppt_y+.1"/>
+                                          </p:val>
+                                        </p:tav>
+                                        <p:tav tm="100000">
+                                          <p:val>
+                                            <p:strVal val="#ppt_y"/>
+                                          </p:val>
+                                        </p:tav>
+                                      </p:tavLst>
+                                    </p:anim>
+                                  </p:childTnLst>
+                                </p:cTn>
+                              </p:par>
+                            </p:childTnLst>
+                          </p:cTn>
+                        </p:par>
+                      </p:childTnLst>
+                    </p:cTn>
+                  </p:par>
+                </p:childTnLst>
+              </p:cTn>
+              <p:prevCondLst>
+                <p:cond evt="onPrev" delay="0">
+                  <p:tgtEl>
+                    <p:sldTgt/>
+                  </p:tgtEl>
+                </p:cond>
+              </p:prevCondLst>
+              <p:nextCondLst>
+                <p:cond evt="onNext" delay="0">
+                  <p:tgtEl>
+                    <p:sldTgt/>
+                  </p:tgtEl>
+                </p:cond>
+              </p:nextCondLst>
+            </p:seq>
+          </p:childTnLst>
+        </p:cTn>
+      </p:par>
+    </p:tnLst>
+  </p:timing>
+</p:sld>
+</file>
+
+<file path=ppt/slides/slide28.xml><?xml version="1.0" encoding="utf-8"?>
 <p:sld xmlns:a="http://schemas.openxmlformats.org/drawingml/2006/main" xmlns:r="http://schemas.openxmlformats.org/officeDocument/2006/relationships" xmlns:p="http://schemas.openxmlformats.org/presentationml/2006/main">
   <p:cSld>
     <p:spTree>
@@ -20164,7 +20744,7 @@
 </p:sld>
 </file>
 
-<file path=ppt/slides/slide27.xml><?xml version="1.0" encoding="utf-8"?>
+<file path=ppt/slides/slide29.xml><?xml version="1.0" encoding="utf-8"?>
 <p:sld xmlns:a="http://schemas.openxmlformats.org/drawingml/2006/main" xmlns:r="http://schemas.openxmlformats.org/officeDocument/2006/relationships" xmlns:p="http://schemas.openxmlformats.org/presentationml/2006/main">
   <p:cSld>
     <p:spTree>
@@ -20282,7 +20862,254 @@
 </p:sld>
 </file>
 
-<file path=ppt/slides/slide28.xml><?xml version="1.0" encoding="utf-8"?>
+<file path=ppt/slides/slide3.xml><?xml version="1.0" encoding="utf-8"?>
+<p:sld xmlns:a="http://schemas.openxmlformats.org/drawingml/2006/main" xmlns:r="http://schemas.openxmlformats.org/officeDocument/2006/relationships" xmlns:p="http://schemas.openxmlformats.org/presentationml/2006/main">
+  <p:cSld>
+    <p:spTree>
+      <p:nvGrpSpPr>
+        <p:cNvPr id="1" name=""/>
+        <p:cNvGrpSpPr/>
+        <p:nvPr/>
+      </p:nvGrpSpPr>
+      <p:grpSpPr>
+        <a:xfrm>
+          <a:off x="0" y="0"/>
+          <a:ext cx="0" cy="0"/>
+          <a:chOff x="0" y="0"/>
+          <a:chExt cx="0" cy="0"/>
+        </a:xfrm>
+      </p:grpSpPr>
+      <p:sp>
+        <p:nvSpPr>
+          <p:cNvPr id="2" name="标题 1"/>
+          <p:cNvSpPr>
+            <a:spLocks noGrp="1"/>
+          </p:cNvSpPr>
+          <p:nvPr>
+            <p:ph type="title"/>
+          </p:nvPr>
+        </p:nvSpPr>
+        <p:spPr/>
+        <p:txBody>
+          <a:bodyPr/>
+          <a:lstStyle/>
+          <a:p>
+            <a:r>
+              <a:rPr lang="en-US" altLang="zh-CN" dirty="0" smtClean="0"/>
+              <a:t>Java</a:t>
+            </a:r>
+            <a:r>
+              <a:rPr lang="zh-CN" altLang="en-US" dirty="0" smtClean="0"/>
+              <a:t>安全框架设计模式</a:t>
+            </a:r>
+            <a:endParaRPr lang="zh-CN" dirty="0"/>
+          </a:p>
+        </p:txBody>
+      </p:sp>
+      <p:sp>
+        <p:nvSpPr>
+          <p:cNvPr id="3" name="内容占位符 2"/>
+          <p:cNvSpPr>
+            <a:spLocks noGrp="1"/>
+          </p:cNvSpPr>
+          <p:nvPr>
+            <p:ph idx="1"/>
+          </p:nvPr>
+        </p:nvSpPr>
+        <p:spPr/>
+        <p:txBody>
+          <a:bodyPr/>
+          <a:lstStyle/>
+          <a:p>
+            <a:r>
+              <a:rPr lang="zh-CN" altLang="en-US" dirty="0" smtClean="0"/>
+              <a:t>服务提供者模式（</a:t>
+            </a:r>
+            <a:r>
+              <a:rPr lang="en-US" altLang="zh-CN" dirty="0" smtClean="0"/>
+              <a:t>Service Provider Framework</a:t>
+            </a:r>
+            <a:r>
+              <a:rPr lang="zh-CN" altLang="en-US" dirty="0" smtClean="0"/>
+              <a:t>）</a:t>
+            </a:r>
+            <a:endParaRPr lang="en-US" altLang="zh-CN" dirty="0" smtClean="0"/>
+          </a:p>
+          <a:p>
+            <a:pPr marL="45720" indent="0">
+              <a:buNone/>
+            </a:pPr>
+            <a:r>
+              <a:rPr lang="en-US" altLang="zh-CN" sz="1600" dirty="0" smtClean="0">
+                <a:solidFill>
+                  <a:schemeClr val="tx1"/>
+                </a:solidFill>
+              </a:rPr>
+              <a:t>    </a:t>
+            </a:r>
+            <a:r>
+              <a:rPr lang="en-US" altLang="zh-CN" sz="1600" dirty="0" smtClean="0">
+                <a:solidFill>
+                  <a:srgbClr val="0070C0"/>
+                </a:solidFill>
+              </a:rPr>
+              <a:t>API</a:t>
+            </a:r>
+            <a:r>
+              <a:rPr lang="zh-CN" altLang="en-US" sz="1600" dirty="0" smtClean="0">
+                <a:solidFill>
+                  <a:srgbClr val="0070C0"/>
+                </a:solidFill>
+              </a:rPr>
+              <a:t>接口与实现的分离</a:t>
+            </a:r>
+            <a:endParaRPr lang="zh-CN" sz="1600" dirty="0">
+              <a:solidFill>
+                <a:srgbClr val="0070C0"/>
+              </a:solidFill>
+            </a:endParaRPr>
+          </a:p>
+          <a:p>
+            <a:r>
+              <a:rPr lang="en-US" altLang="zh-CN" dirty="0" smtClean="0"/>
+              <a:t>SPI</a:t>
+            </a:r>
+            <a:r>
+              <a:rPr lang="zh-CN" altLang="en-US" dirty="0" smtClean="0"/>
+              <a:t>（</a:t>
+            </a:r>
+            <a:r>
+              <a:rPr lang="en-US" altLang="zh-CN" dirty="0"/>
+              <a:t>Service Provider </a:t>
+            </a:r>
+            <a:r>
+              <a:rPr lang="en-US" altLang="zh-CN" dirty="0" smtClean="0"/>
+              <a:t>Interface</a:t>
+            </a:r>
+            <a:r>
+              <a:rPr lang="zh-CN" altLang="en-US" dirty="0" smtClean="0"/>
+              <a:t>）</a:t>
+            </a:r>
+            <a:endParaRPr lang="en-US" altLang="zh-CN" dirty="0" smtClean="0"/>
+          </a:p>
+          <a:p>
+            <a:pPr marL="45720" indent="0">
+              <a:buNone/>
+            </a:pPr>
+            <a:r>
+              <a:rPr lang="en-US" altLang="zh-CN" sz="1600" dirty="0" smtClean="0"/>
+              <a:t>    </a:t>
+            </a:r>
+            <a:r>
+              <a:rPr lang="en-US" altLang="zh-CN" sz="1600" dirty="0" smtClean="0">
+                <a:solidFill>
+                  <a:srgbClr val="0070C0"/>
+                </a:solidFill>
+              </a:rPr>
+              <a:t>MessageDigestSpi</a:t>
+            </a:r>
+            <a:r>
+              <a:rPr lang="zh-CN" altLang="en-US" sz="1600" dirty="0" smtClean="0">
+                <a:solidFill>
+                  <a:srgbClr val="0070C0"/>
+                </a:solidFill>
+              </a:rPr>
+              <a:t>，</a:t>
+            </a:r>
+            <a:r>
+              <a:rPr lang="en-US" altLang="zh-CN" sz="1600" dirty="0" smtClean="0">
+                <a:solidFill>
+                  <a:srgbClr val="0070C0"/>
+                </a:solidFill>
+              </a:rPr>
+              <a:t>CipherSpi</a:t>
+            </a:r>
+            <a:r>
+              <a:rPr lang="zh-CN" altLang="en-US" sz="1600" dirty="0" smtClean="0">
+                <a:solidFill>
+                  <a:srgbClr val="0070C0"/>
+                </a:solidFill>
+              </a:rPr>
+              <a:t>等</a:t>
+            </a:r>
+            <a:endParaRPr lang="en-US" altLang="zh-CN" sz="1600" dirty="0" smtClean="0">
+              <a:solidFill>
+                <a:srgbClr val="0070C0"/>
+              </a:solidFill>
+            </a:endParaRPr>
+          </a:p>
+          <a:p>
+            <a:r>
+              <a:rPr lang="en-US" altLang="zh-CN" dirty="0" smtClean="0"/>
+              <a:t>Provider</a:t>
+            </a:r>
+            <a:endParaRPr lang="en-US" altLang="zh-CN" dirty="0"/>
+          </a:p>
+          <a:p>
+            <a:pPr marL="45720" indent="0">
+              <a:buNone/>
+            </a:pPr>
+            <a:r>
+              <a:rPr lang="en-US" altLang="zh-CN" dirty="0"/>
+              <a:t>   </a:t>
+            </a:r>
+            <a:r>
+              <a:rPr lang="zh-CN" altLang="en-US" sz="1600" dirty="0">
+                <a:solidFill>
+                  <a:srgbClr val="0070C0"/>
+                </a:solidFill>
+              </a:rPr>
+              <a:t>第三方库：</a:t>
+            </a:r>
+            <a:r>
+              <a:rPr lang="en-US" altLang="zh-CN" sz="1600" dirty="0" smtClean="0">
+                <a:solidFill>
+                  <a:srgbClr val="0070C0"/>
+                </a:solidFill>
+              </a:rPr>
+              <a:t>Bouncy Castle</a:t>
+            </a:r>
+            <a:endParaRPr lang="en-US" altLang="zh-CN" sz="1600" dirty="0">
+              <a:solidFill>
+                <a:srgbClr val="0070C0"/>
+              </a:solidFill>
+            </a:endParaRPr>
+          </a:p>
+        </p:txBody>
+      </p:sp>
+    </p:spTree>
+    <p:extLst>
+      <p:ext uri="{BB962C8B-B14F-4D97-AF65-F5344CB8AC3E}">
+        <p14:creationId xmlns:p14="http://schemas.microsoft.com/office/powerpoint/2010/main" val="2479606371"/>
+      </p:ext>
+    </p:extLst>
+  </p:cSld>
+  <p:clrMapOvr>
+    <a:masterClrMapping/>
+  </p:clrMapOvr>
+  <mc:AlternateContent xmlns:mc="http://schemas.openxmlformats.org/markup-compatibility/2006" xmlns:p14="http://schemas.microsoft.com/office/powerpoint/2010/main">
+    <mc:Choice Requires="p14">
+      <p:transition spd="med" p14:dur="700">
+        <p:fade/>
+      </p:transition>
+    </mc:Choice>
+    <mc:Fallback xmlns="">
+      <p:transition spd="med">
+        <p:fade/>
+      </p:transition>
+    </mc:Fallback>
+  </mc:AlternateContent>
+  <p:timing>
+    <p:tnLst>
+      <p:par>
+        <p:cTn id="1" dur="indefinite" restart="never" nodeType="tmRoot"/>
+      </p:par>
+    </p:tnLst>
+  </p:timing>
+</p:sld>
+</file>
+
+<file path=ppt/slides/slide30.xml><?xml version="1.0" encoding="utf-8"?>
 <p:sld xmlns:a="http://schemas.openxmlformats.org/drawingml/2006/main" xmlns:r="http://schemas.openxmlformats.org/officeDocument/2006/relationships" xmlns:p="http://schemas.openxmlformats.org/presentationml/2006/main">
   <p:cSld>
     <p:spTree>
@@ -20384,21 +21211,21 @@
                 <a:gridCol w="1524000">
                   <a:extLst>
                     <a:ext uri="{9D8B030D-6E8A-4147-A177-3AD203B41FA5}">
-                      <a16:colId xmlns="" xmlns:a16="http://schemas.microsoft.com/office/drawing/2014/main" val="20000"/>
+                      <a16:colId xmlns:a16="http://schemas.microsoft.com/office/drawing/2014/main" val="20000"/>
                     </a:ext>
                   </a:extLst>
                 </a:gridCol>
                 <a:gridCol w="1524000">
                   <a:extLst>
                     <a:ext uri="{9D8B030D-6E8A-4147-A177-3AD203B41FA5}">
-                      <a16:colId xmlns="" xmlns:a16="http://schemas.microsoft.com/office/drawing/2014/main" val="20001"/>
+                      <a16:colId xmlns:a16="http://schemas.microsoft.com/office/drawing/2014/main" val="20001"/>
                     </a:ext>
                   </a:extLst>
                 </a:gridCol>
                 <a:gridCol w="1524000">
                   <a:extLst>
                     <a:ext uri="{9D8B030D-6E8A-4147-A177-3AD203B41FA5}">
-                      <a16:colId xmlns="" xmlns:a16="http://schemas.microsoft.com/office/drawing/2014/main" val="20002"/>
+                      <a16:colId xmlns:a16="http://schemas.microsoft.com/office/drawing/2014/main" val="20002"/>
                     </a:ext>
                   </a:extLst>
                 </a:gridCol>
@@ -20453,7 +21280,7 @@
                 </a:tc>
                 <a:extLst>
                   <a:ext uri="{0D108BD9-81ED-4DB2-BD59-A6C34878D82A}">
-                    <a16:rowId xmlns="" xmlns:a16="http://schemas.microsoft.com/office/drawing/2014/main" val="10000"/>
+                    <a16:rowId xmlns:a16="http://schemas.microsoft.com/office/drawing/2014/main" val="10000"/>
                   </a:ext>
                 </a:extLst>
               </a:tr>
@@ -20510,7 +21337,7 @@
                 </a:tc>
                 <a:extLst>
                   <a:ext uri="{0D108BD9-81ED-4DB2-BD59-A6C34878D82A}">
-                    <a16:rowId xmlns="" xmlns:a16="http://schemas.microsoft.com/office/drawing/2014/main" val="10001"/>
+                    <a16:rowId xmlns:a16="http://schemas.microsoft.com/office/drawing/2014/main" val="10001"/>
                   </a:ext>
                 </a:extLst>
               </a:tr>
@@ -20567,7 +21394,7 @@
                 </a:tc>
                 <a:extLst>
                   <a:ext uri="{0D108BD9-81ED-4DB2-BD59-A6C34878D82A}">
-                    <a16:rowId xmlns="" xmlns:a16="http://schemas.microsoft.com/office/drawing/2014/main" val="10002"/>
+                    <a16:rowId xmlns:a16="http://schemas.microsoft.com/office/drawing/2014/main" val="10002"/>
                   </a:ext>
                 </a:extLst>
               </a:tr>
@@ -20624,7 +21451,7 @@
                 </a:tc>
                 <a:extLst>
                   <a:ext uri="{0D108BD9-81ED-4DB2-BD59-A6C34878D82A}">
-                    <a16:rowId xmlns="" xmlns:a16="http://schemas.microsoft.com/office/drawing/2014/main" val="10003"/>
+                    <a16:rowId xmlns:a16="http://schemas.microsoft.com/office/drawing/2014/main" val="10003"/>
                   </a:ext>
                 </a:extLst>
               </a:tr>
@@ -20664,7 +21491,7 @@
 </p:sld>
 </file>
 
-<file path=ppt/slides/slide29.xml><?xml version="1.0" encoding="utf-8"?>
+<file path=ppt/slides/slide31.xml><?xml version="1.0" encoding="utf-8"?>
 <p:sld xmlns:a="http://schemas.openxmlformats.org/drawingml/2006/main" xmlns:r="http://schemas.openxmlformats.org/officeDocument/2006/relationships" xmlns:p="http://schemas.openxmlformats.org/presentationml/2006/main">
   <p:cSld>
     <p:spTree>
@@ -20794,254 +21621,7 @@
 </p:sld>
 </file>
 
-<file path=ppt/slides/slide3.xml><?xml version="1.0" encoding="utf-8"?>
-<p:sld xmlns:a="http://schemas.openxmlformats.org/drawingml/2006/main" xmlns:r="http://schemas.openxmlformats.org/officeDocument/2006/relationships" xmlns:p="http://schemas.openxmlformats.org/presentationml/2006/main">
-  <p:cSld>
-    <p:spTree>
-      <p:nvGrpSpPr>
-        <p:cNvPr id="1" name=""/>
-        <p:cNvGrpSpPr/>
-        <p:nvPr/>
-      </p:nvGrpSpPr>
-      <p:grpSpPr>
-        <a:xfrm>
-          <a:off x="0" y="0"/>
-          <a:ext cx="0" cy="0"/>
-          <a:chOff x="0" y="0"/>
-          <a:chExt cx="0" cy="0"/>
-        </a:xfrm>
-      </p:grpSpPr>
-      <p:sp>
-        <p:nvSpPr>
-          <p:cNvPr id="2" name="标题 1"/>
-          <p:cNvSpPr>
-            <a:spLocks noGrp="1"/>
-          </p:cNvSpPr>
-          <p:nvPr>
-            <p:ph type="title"/>
-          </p:nvPr>
-        </p:nvSpPr>
-        <p:spPr/>
-        <p:txBody>
-          <a:bodyPr/>
-          <a:lstStyle/>
-          <a:p>
-            <a:r>
-              <a:rPr lang="en-US" altLang="zh-CN" dirty="0" smtClean="0"/>
-              <a:t>Java</a:t>
-            </a:r>
-            <a:r>
-              <a:rPr lang="zh-CN" altLang="en-US" dirty="0" smtClean="0"/>
-              <a:t>安全框架设计模式</a:t>
-            </a:r>
-            <a:endParaRPr lang="zh-CN" dirty="0"/>
-          </a:p>
-        </p:txBody>
-      </p:sp>
-      <p:sp>
-        <p:nvSpPr>
-          <p:cNvPr id="3" name="内容占位符 2"/>
-          <p:cNvSpPr>
-            <a:spLocks noGrp="1"/>
-          </p:cNvSpPr>
-          <p:nvPr>
-            <p:ph idx="1"/>
-          </p:nvPr>
-        </p:nvSpPr>
-        <p:spPr/>
-        <p:txBody>
-          <a:bodyPr/>
-          <a:lstStyle/>
-          <a:p>
-            <a:r>
-              <a:rPr lang="zh-CN" altLang="en-US" dirty="0" smtClean="0"/>
-              <a:t>服务提供者模式（</a:t>
-            </a:r>
-            <a:r>
-              <a:rPr lang="en-US" altLang="zh-CN" dirty="0" smtClean="0"/>
-              <a:t>Service Provider Framework</a:t>
-            </a:r>
-            <a:r>
-              <a:rPr lang="zh-CN" altLang="en-US" dirty="0" smtClean="0"/>
-              <a:t>）</a:t>
-            </a:r>
-            <a:endParaRPr lang="en-US" altLang="zh-CN" dirty="0" smtClean="0"/>
-          </a:p>
-          <a:p>
-            <a:pPr marL="45720" indent="0">
-              <a:buNone/>
-            </a:pPr>
-            <a:r>
-              <a:rPr lang="en-US" altLang="zh-CN" sz="1600" dirty="0" smtClean="0">
-                <a:solidFill>
-                  <a:schemeClr val="tx1"/>
-                </a:solidFill>
-              </a:rPr>
-              <a:t>    </a:t>
-            </a:r>
-            <a:r>
-              <a:rPr lang="en-US" altLang="zh-CN" sz="1600" dirty="0" smtClean="0">
-                <a:solidFill>
-                  <a:srgbClr val="0070C0"/>
-                </a:solidFill>
-              </a:rPr>
-              <a:t>API</a:t>
-            </a:r>
-            <a:r>
-              <a:rPr lang="zh-CN" altLang="en-US" sz="1600" dirty="0" smtClean="0">
-                <a:solidFill>
-                  <a:srgbClr val="0070C0"/>
-                </a:solidFill>
-              </a:rPr>
-              <a:t>接口与实现的分离</a:t>
-            </a:r>
-            <a:endParaRPr lang="zh-CN" sz="1600" dirty="0">
-              <a:solidFill>
-                <a:srgbClr val="0070C0"/>
-              </a:solidFill>
-            </a:endParaRPr>
-          </a:p>
-          <a:p>
-            <a:r>
-              <a:rPr lang="en-US" altLang="zh-CN" dirty="0" smtClean="0"/>
-              <a:t>SPI</a:t>
-            </a:r>
-            <a:r>
-              <a:rPr lang="zh-CN" altLang="en-US" dirty="0" smtClean="0"/>
-              <a:t>（</a:t>
-            </a:r>
-            <a:r>
-              <a:rPr lang="en-US" altLang="zh-CN" dirty="0"/>
-              <a:t>Service Provider </a:t>
-            </a:r>
-            <a:r>
-              <a:rPr lang="en-US" altLang="zh-CN" dirty="0" smtClean="0"/>
-              <a:t>Interface</a:t>
-            </a:r>
-            <a:r>
-              <a:rPr lang="zh-CN" altLang="en-US" dirty="0" smtClean="0"/>
-              <a:t>）</a:t>
-            </a:r>
-            <a:endParaRPr lang="en-US" altLang="zh-CN" dirty="0" smtClean="0"/>
-          </a:p>
-          <a:p>
-            <a:pPr marL="45720" indent="0">
-              <a:buNone/>
-            </a:pPr>
-            <a:r>
-              <a:rPr lang="en-US" altLang="zh-CN" sz="1600" dirty="0" smtClean="0"/>
-              <a:t>    </a:t>
-            </a:r>
-            <a:r>
-              <a:rPr lang="en-US" altLang="zh-CN" sz="1600" dirty="0" smtClean="0">
-                <a:solidFill>
-                  <a:srgbClr val="0070C0"/>
-                </a:solidFill>
-              </a:rPr>
-              <a:t>MessageDigestSpi</a:t>
-            </a:r>
-            <a:r>
-              <a:rPr lang="zh-CN" altLang="en-US" sz="1600" dirty="0" smtClean="0">
-                <a:solidFill>
-                  <a:srgbClr val="0070C0"/>
-                </a:solidFill>
-              </a:rPr>
-              <a:t>，</a:t>
-            </a:r>
-            <a:r>
-              <a:rPr lang="en-US" altLang="zh-CN" sz="1600" dirty="0" smtClean="0">
-                <a:solidFill>
-                  <a:srgbClr val="0070C0"/>
-                </a:solidFill>
-              </a:rPr>
-              <a:t>CipherSpi</a:t>
-            </a:r>
-            <a:r>
-              <a:rPr lang="zh-CN" altLang="en-US" sz="1600" dirty="0" smtClean="0">
-                <a:solidFill>
-                  <a:srgbClr val="0070C0"/>
-                </a:solidFill>
-              </a:rPr>
-              <a:t>等</a:t>
-            </a:r>
-            <a:endParaRPr lang="en-US" altLang="zh-CN" sz="1600" dirty="0" smtClean="0">
-              <a:solidFill>
-                <a:srgbClr val="0070C0"/>
-              </a:solidFill>
-            </a:endParaRPr>
-          </a:p>
-          <a:p>
-            <a:r>
-              <a:rPr lang="en-US" altLang="zh-CN" dirty="0" smtClean="0"/>
-              <a:t>Provider</a:t>
-            </a:r>
-            <a:endParaRPr lang="en-US" altLang="zh-CN" dirty="0"/>
-          </a:p>
-          <a:p>
-            <a:pPr marL="45720" indent="0">
-              <a:buNone/>
-            </a:pPr>
-            <a:r>
-              <a:rPr lang="en-US" altLang="zh-CN" dirty="0"/>
-              <a:t>   </a:t>
-            </a:r>
-            <a:r>
-              <a:rPr lang="zh-CN" altLang="en-US" sz="1600" dirty="0">
-                <a:solidFill>
-                  <a:srgbClr val="0070C0"/>
-                </a:solidFill>
-              </a:rPr>
-              <a:t>第三方库：</a:t>
-            </a:r>
-            <a:r>
-              <a:rPr lang="en-US" altLang="zh-CN" sz="1600" dirty="0" smtClean="0">
-                <a:solidFill>
-                  <a:srgbClr val="0070C0"/>
-                </a:solidFill>
-              </a:rPr>
-              <a:t>Bouncy Castle</a:t>
-            </a:r>
-            <a:endParaRPr lang="en-US" altLang="zh-CN" sz="1600" dirty="0">
-              <a:solidFill>
-                <a:srgbClr val="0070C0"/>
-              </a:solidFill>
-            </a:endParaRPr>
-          </a:p>
-        </p:txBody>
-      </p:sp>
-    </p:spTree>
-    <p:extLst>
-      <p:ext uri="{BB962C8B-B14F-4D97-AF65-F5344CB8AC3E}">
-        <p14:creationId xmlns:p14="http://schemas.microsoft.com/office/powerpoint/2010/main" val="2479606371"/>
-      </p:ext>
-    </p:extLst>
-  </p:cSld>
-  <p:clrMapOvr>
-    <a:masterClrMapping/>
-  </p:clrMapOvr>
-  <mc:AlternateContent xmlns:mc="http://schemas.openxmlformats.org/markup-compatibility/2006" xmlns:p14="http://schemas.microsoft.com/office/powerpoint/2010/main">
-    <mc:Choice Requires="p14">
-      <p:transition spd="med" p14:dur="700">
-        <p:fade/>
-      </p:transition>
-    </mc:Choice>
-    <mc:Fallback xmlns="">
-      <p:transition spd="med">
-        <p:fade/>
-      </p:transition>
-    </mc:Fallback>
-  </mc:AlternateContent>
-  <p:timing>
-    <p:tnLst>
-      <p:par>
-        <p:cTn id="1" dur="indefinite" restart="never" nodeType="tmRoot"/>
-      </p:par>
-    </p:tnLst>
-  </p:timing>
-</p:sld>
-</file>
-
-<file path=ppt/slides/slide30.xml><?xml version="1.0" encoding="utf-8"?>
+<file path=ppt/slides/slide32.xml><?xml version="1.0" encoding="utf-8"?>
 <p:sld xmlns:a="http://schemas.openxmlformats.org/drawingml/2006/main" xmlns:r="http://schemas.openxmlformats.org/officeDocument/2006/relationships" xmlns:p="http://schemas.openxmlformats.org/presentationml/2006/main">
   <p:cSld>
     <p:spTree>
@@ -21128,7 +21708,7 @@
 </p:sld>
 </file>
 
-<file path=ppt/slides/slide31.xml><?xml version="1.0" encoding="utf-8"?>
+<file path=ppt/slides/slide33.xml><?xml version="1.0" encoding="utf-8"?>
 <p:sld xmlns:a="http://schemas.openxmlformats.org/drawingml/2006/main" xmlns:r="http://schemas.openxmlformats.org/officeDocument/2006/relationships" xmlns:p="http://schemas.openxmlformats.org/presentationml/2006/main">
   <p:cSld>
     <p:spTree>
@@ -21272,7 +21852,7 @@
 </p:sld>
 </file>
 
-<file path=ppt/slides/slide32.xml><?xml version="1.0" encoding="utf-8"?>
+<file path=ppt/slides/slide34.xml><?xml version="1.0" encoding="utf-8"?>
 <p:sld xmlns:a="http://schemas.openxmlformats.org/drawingml/2006/main" xmlns:r="http://schemas.openxmlformats.org/officeDocument/2006/relationships" xmlns:p="http://schemas.openxmlformats.org/presentationml/2006/main">
   <p:cSld>
     <p:spTree>
@@ -21340,7 +21920,7 @@
 </p:sld>
 </file>
 
-<file path=ppt/slides/slide33.xml><?xml version="1.0" encoding="utf-8"?>
+<file path=ppt/slides/slide35.xml><?xml version="1.0" encoding="utf-8"?>
 <p:sld xmlns:a="http://schemas.openxmlformats.org/drawingml/2006/main" xmlns:r="http://schemas.openxmlformats.org/officeDocument/2006/relationships" xmlns:p="http://schemas.openxmlformats.org/presentationml/2006/main">
   <p:cSld>
     <p:spTree>
@@ -21389,7 +21969,7 @@
 </p:sld>
 </file>
 
-<file path=ppt/slides/slide34.xml><?xml version="1.0" encoding="utf-8"?>
+<file path=ppt/slides/slide36.xml><?xml version="1.0" encoding="utf-8"?>
 <p:sld xmlns:a="http://schemas.openxmlformats.org/drawingml/2006/main" xmlns:r="http://schemas.openxmlformats.org/officeDocument/2006/relationships" xmlns:p="http://schemas.openxmlformats.org/presentationml/2006/main">
   <p:cSld>
     <p:spTree>
@@ -23222,21 +23802,21 @@
                 <a:gridCol w="3170237">
                   <a:extLst>
                     <a:ext uri="{9D8B030D-6E8A-4147-A177-3AD203B41FA5}">
-                      <a16:colId xmlns="" xmlns:a16="http://schemas.microsoft.com/office/drawing/2014/main" val="1262576194"/>
+                      <a16:colId xmlns:a16="http://schemas.microsoft.com/office/drawing/2014/main" val="1262576194"/>
                     </a:ext>
                   </a:extLst>
                 </a:gridCol>
                 <a:gridCol w="3170237">
                   <a:extLst>
                     <a:ext uri="{9D8B030D-6E8A-4147-A177-3AD203B41FA5}">
-                      <a16:colId xmlns="" xmlns:a16="http://schemas.microsoft.com/office/drawing/2014/main" val="1627258925"/>
+                      <a16:colId xmlns:a16="http://schemas.microsoft.com/office/drawing/2014/main" val="1627258925"/>
                     </a:ext>
                   </a:extLst>
                 </a:gridCol>
                 <a:gridCol w="3170237">
                   <a:extLst>
                     <a:ext uri="{9D8B030D-6E8A-4147-A177-3AD203B41FA5}">
-                      <a16:colId xmlns="" xmlns:a16="http://schemas.microsoft.com/office/drawing/2014/main" val="279132191"/>
+                      <a16:colId xmlns:a16="http://schemas.microsoft.com/office/drawing/2014/main" val="279132191"/>
                     </a:ext>
                   </a:extLst>
                 </a:gridCol>
@@ -23307,7 +23887,7 @@
                 </a:tc>
                 <a:extLst>
                   <a:ext uri="{0D108BD9-81ED-4DB2-BD59-A6C34878D82A}">
-                    <a16:rowId xmlns="" xmlns:a16="http://schemas.microsoft.com/office/drawing/2014/main" val="3704071744"/>
+                    <a16:rowId xmlns:a16="http://schemas.microsoft.com/office/drawing/2014/main" val="3704071744"/>
                   </a:ext>
                 </a:extLst>
               </a:tr>
@@ -23377,7 +23957,7 @@
                 </a:tc>
                 <a:extLst>
                   <a:ext uri="{0D108BD9-81ED-4DB2-BD59-A6C34878D82A}">
-                    <a16:rowId xmlns="" xmlns:a16="http://schemas.microsoft.com/office/drawing/2014/main" val="3056097180"/>
+                    <a16:rowId xmlns:a16="http://schemas.microsoft.com/office/drawing/2014/main" val="3056097180"/>
                   </a:ext>
                 </a:extLst>
               </a:tr>
@@ -23465,7 +24045,7 @@
                 </a:tc>
                 <a:extLst>
                   <a:ext uri="{0D108BD9-81ED-4DB2-BD59-A6C34878D82A}">
-                    <a16:rowId xmlns="" xmlns:a16="http://schemas.microsoft.com/office/drawing/2014/main" val="3398222936"/>
+                    <a16:rowId xmlns:a16="http://schemas.microsoft.com/office/drawing/2014/main" val="3398222936"/>
                   </a:ext>
                 </a:extLst>
               </a:tr>
@@ -23535,7 +24115,7 @@
                 </a:tc>
                 <a:extLst>
                   <a:ext uri="{0D108BD9-81ED-4DB2-BD59-A6C34878D82A}">
-                    <a16:rowId xmlns="" xmlns:a16="http://schemas.microsoft.com/office/drawing/2014/main" val="3661055458"/>
+                    <a16:rowId xmlns:a16="http://schemas.microsoft.com/office/drawing/2014/main" val="3661055458"/>
                   </a:ext>
                 </a:extLst>
               </a:tr>

--- a/Java安全架构.pptx
+++ b/Java安全架构.pptx
@@ -5,10 +5,10 @@
     <p:sldMasterId id="2147483840" r:id="rId2"/>
   </p:sldMasterIdLst>
   <p:notesMasterIdLst>
-    <p:notesMasterId r:id="rId39"/>
+    <p:notesMasterId r:id="rId43"/>
   </p:notesMasterIdLst>
   <p:handoutMasterIdLst>
-    <p:handoutMasterId r:id="rId40"/>
+    <p:handoutMasterId r:id="rId44"/>
   </p:handoutMasterIdLst>
   <p:sldIdLst>
     <p:sldId id="256" r:id="rId3"/>
@@ -38,15 +38,19 @@
     <p:sldId id="289" r:id="rId27"/>
     <p:sldId id="290" r:id="rId28"/>
     <p:sldId id="292" r:id="rId29"/>
-    <p:sldId id="258" r:id="rId30"/>
-    <p:sldId id="266" r:id="rId31"/>
-    <p:sldId id="260" r:id="rId32"/>
-    <p:sldId id="259" r:id="rId33"/>
-    <p:sldId id="261" r:id="rId34"/>
-    <p:sldId id="262" r:id="rId35"/>
-    <p:sldId id="263" r:id="rId36"/>
-    <p:sldId id="264" r:id="rId37"/>
-    <p:sldId id="265" r:id="rId38"/>
+    <p:sldId id="293" r:id="rId30"/>
+    <p:sldId id="294" r:id="rId31"/>
+    <p:sldId id="295" r:id="rId32"/>
+    <p:sldId id="296" r:id="rId33"/>
+    <p:sldId id="258" r:id="rId34"/>
+    <p:sldId id="266" r:id="rId35"/>
+    <p:sldId id="260" r:id="rId36"/>
+    <p:sldId id="259" r:id="rId37"/>
+    <p:sldId id="261" r:id="rId38"/>
+    <p:sldId id="262" r:id="rId39"/>
+    <p:sldId id="263" r:id="rId40"/>
+    <p:sldId id="264" r:id="rId41"/>
+    <p:sldId id="265" r:id="rId42"/>
   </p:sldIdLst>
   <p:sldSz cx="12192000" cy="6858000"/>
   <p:notesSz cx="6858000" cy="9144000"/>
@@ -147,7 +151,7 @@
   </p:defaultTextStyle>
   <p:extLst>
     <p:ext uri="{EFAFB233-063F-42B5-8137-9DF3F51BA10A}">
-      <p15:sldGuideLst xmlns:p15="http://schemas.microsoft.com/office/powerpoint/2012/main">
+      <p15:sldGuideLst xmlns:p15="http://schemas.microsoft.com/office/powerpoint/2012/main" xmlns="">
         <p15:guide id="1" orient="horz" pos="2160">
           <p15:clr>
             <a:srgbClr val="A4A3A4"/>
@@ -161,14 +165,14 @@
       </p15:sldGuideLst>
     </p:ext>
     <p:ext uri="{2D200454-40CA-4A62-9FC3-DE9A4176ACB9}">
-      <p15:notesGuideLst xmlns:p15="http://schemas.microsoft.com/office/powerpoint/2012/main"/>
+      <p15:notesGuideLst xmlns:p15="http://schemas.microsoft.com/office/powerpoint/2012/main" xmlns=""/>
     </p:ext>
   </p:extLst>
 </p:presentation>
 </file>
 
 <file path=ppt/charts/chart1.xml><?xml version="1.0" encoding="utf-8"?>
-<c:chartSpace xmlns:c="http://schemas.openxmlformats.org/drawingml/2006/chart" xmlns:a="http://schemas.openxmlformats.org/drawingml/2006/main" xmlns:r="http://schemas.openxmlformats.org/officeDocument/2006/relationships" xmlns:c16r2="http://schemas.microsoft.com/office/drawing/2015/06/chart">
+<c:chartSpace xmlns:c="http://schemas.openxmlformats.org/drawingml/2006/chart" xmlns:a="http://schemas.openxmlformats.org/drawingml/2006/main" xmlns:r="http://schemas.openxmlformats.org/officeDocument/2006/relationships">
   <c:date1904 val="0"/>
   <c:lang val="zh-CN"/>
   <c:roundedCorners val="0"/>
@@ -276,7 +280,7 @@
               </c:numCache>
             </c:numRef>
           </c:val>
-          <c:extLst>
+          <c:extLst xmlns:c16r2="http://schemas.microsoft.com/office/drawing/2015/06/chart">
             <c:ext xmlns:c16="http://schemas.microsoft.com/office/drawing/2014/chart" uri="{C3380CC4-5D6E-409C-BE32-E72D297353CC}">
               <c16:uniqueId val="{00000000-66A3-48EC-BF15-F5D7A2B6F1B2}"/>
             </c:ext>
@@ -370,7 +374,7 @@
               </c:numCache>
             </c:numRef>
           </c:val>
-          <c:extLst>
+          <c:extLst xmlns:c16r2="http://schemas.microsoft.com/office/drawing/2015/06/chart">
             <c:ext xmlns:c16="http://schemas.microsoft.com/office/drawing/2014/chart" uri="{C3380CC4-5D6E-409C-BE32-E72D297353CC}">
               <c16:uniqueId val="{00000001-66A3-48EC-BF15-F5D7A2B6F1B2}"/>
             </c:ext>
@@ -464,7 +468,7 @@
               </c:numCache>
             </c:numRef>
           </c:val>
-          <c:extLst>
+          <c:extLst xmlns:c16r2="http://schemas.microsoft.com/office/drawing/2015/06/chart">
             <c:ext xmlns:c16="http://schemas.microsoft.com/office/drawing/2014/chart" uri="{C3380CC4-5D6E-409C-BE32-E72D297353CC}">
               <c16:uniqueId val="{00000002-66A3-48EC-BF15-F5D7A2B6F1B2}"/>
             </c:ext>
@@ -480,11 +484,11 @@
         </c:dLbls>
         <c:gapWidth val="355"/>
         <c:overlap val="-70"/>
-        <c:axId val="240675456"/>
-        <c:axId val="240693632"/>
+        <c:axId val="261851776"/>
+        <c:axId val="261857664"/>
       </c:barChart>
       <c:catAx>
-        <c:axId val="240675456"/>
+        <c:axId val="261851776"/>
         <c:scaling>
           <c:orientation val="minMax"/>
         </c:scaling>
@@ -527,7 +531,7 @@
             <a:endParaRPr lang="zh-CN"/>
           </a:p>
         </c:txPr>
-        <c:crossAx val="240693632"/>
+        <c:crossAx val="261857664"/>
         <c:crosses val="autoZero"/>
         <c:auto val="1"/>
         <c:lblAlgn val="ctr"/>
@@ -535,7 +539,7 @@
         <c:noMultiLvlLbl val="0"/>
       </c:catAx>
       <c:valAx>
-        <c:axId val="240693632"/>
+        <c:axId val="261857664"/>
         <c:scaling>
           <c:orientation val="minMax"/>
         </c:scaling>
@@ -572,7 +576,7 @@
             <a:endParaRPr lang="zh-CN"/>
           </a:p>
         </c:txPr>
-        <c:crossAx val="240675456"/>
+        <c:crossAx val="261851776"/>
         <c:crosses val="autoZero"/>
         <c:crossBetween val="between"/>
       </c:valAx>
@@ -640,7 +644,7 @@
       <a:endParaRPr lang="zh-CN"/>
     </a:p>
   </c:txPr>
-  <c:externalData r:id="rId3">
+  <c:externalData r:id="rId1">
     <c:autoUpdate val="0"/>
   </c:externalData>
 </c:chartSpace>
@@ -4416,7 +4420,7 @@
           <a:p>
             <a:fld id="{DE71268B-8AC2-4239-8FAF-7C144C210720}" type="datetimeFigureOut">
               <a:rPr lang="en-US" altLang="zh-CN"/>
-              <a:t>5/6/2017</a:t>
+              <a:t>5/8/2017</a:t>
             </a:fld>
             <a:endParaRPr lang="zh-CN"/>
           </a:p>
@@ -4580,7 +4584,7 @@
           </a:lstStyle>
           <a:p>
             <a:fld id="{F5AD8362-6D63-40AC-BAA9-90C3AE6D5875}" type="datetimeFigureOut">
-              <a:t>2017/5/6</a:t>
+              <a:t>2017/5/8</a:t>
             </a:fld>
             <a:endParaRPr lang="zh-CN"/>
           </a:p>
@@ -5708,7 +5712,7 @@
           <a:lstStyle/>
           <a:p>
             <a:fld id="{5F4E5243-F52A-4D37-9694-EB26C6C31910}" type="datetime1">
-              <a:t>2017/5/6</a:t>
+              <a:t>2017/5/8</a:t>
             </a:fld>
             <a:endParaRPr lang="zh-CN"/>
           </a:p>
@@ -5905,7 +5909,7 @@
           <a:lstStyle/>
           <a:p>
             <a:fld id="{3A77B6E1-634A-48DC-9E8B-D894023267EF}" type="datetime1">
-              <a:t>2017/5/6</a:t>
+              <a:t>2017/5/8</a:t>
             </a:fld>
             <a:endParaRPr lang="zh-CN"/>
           </a:p>
@@ -6096,7 +6100,7 @@
           <a:lstStyle/>
           <a:p>
             <a:fld id="{7B2D3E9E-A95C-48F2-B4BF-A71542E0BE9A}" type="datetime1">
-              <a:t>2017/5/6</a:t>
+              <a:t>2017/5/8</a:t>
             </a:fld>
             <a:endParaRPr lang="zh-CN"/>
           </a:p>
@@ -6428,7 +6432,7 @@
           <a:lstStyle/>
           <a:p>
             <a:fld id="{A50F84E2-2D7A-43CF-AC90-352A289A783A}" type="datetime1">
-              <a:t>2017/5/6</a:t>
+              <a:t>2017/5/8</a:t>
             </a:fld>
             <a:endParaRPr lang="zh-CN"/>
           </a:p>
@@ -6737,7 +6741,7 @@
           <a:lstStyle/>
           <a:p>
             <a:fld id="{F12952B5-7A2F-4CC8-B7CE-9234E21C2837}" type="datetime1">
-              <a:t>2017/5/6</a:t>
+              <a:t>2017/5/8</a:t>
             </a:fld>
             <a:endParaRPr lang="zh-CN"/>
           </a:p>
@@ -7163,7 +7167,7 @@
           <a:lstStyle/>
           <a:p>
             <a:fld id="{CE1DA07A-9201-4B4B-BAF2-015AFA30F520}" type="datetime1">
-              <a:t>2017/5/6</a:t>
+              <a:t>2017/5/8</a:t>
             </a:fld>
             <a:endParaRPr lang="zh-CN"/>
           </a:p>
@@ -7298,7 +7302,7 @@
           <a:lstStyle/>
           <a:p>
             <a:fld id="{73D7E00A-486F-4252-8B1D-E32645521F49}" type="datetime1">
-              <a:t>2017/5/6</a:t>
+              <a:t>2017/5/8</a:t>
             </a:fld>
             <a:endParaRPr lang="zh-CN"/>
           </a:p>
@@ -7495,7 +7499,7 @@
           <a:lstStyle/>
           <a:p>
             <a:fld id="{8DDF5F92-E675-4B36-9A60-69A962A68675}" type="datetime1">
-              <a:t>2017/5/6</a:t>
+              <a:t>2017/5/8</a:t>
             </a:fld>
             <a:endParaRPr lang="zh-CN"/>
           </a:p>
@@ -7801,7 +7805,7 @@
           <a:lstStyle/>
           <a:p>
             <a:fld id="{AF6E2C9B-5FA2-460D-9BE7-B0812FC2A6FF}" type="datetime1">
-              <a:t>2017/5/6</a:t>
+              <a:t>2017/5/8</a:t>
             </a:fld>
             <a:endParaRPr lang="zh-CN"/>
           </a:p>
@@ -8092,7 +8096,7 @@
           <a:lstStyle/>
           <a:p>
             <a:fld id="{1D374940-A916-4C8B-9648-02A2D3898F9E}" type="datetime1">
-              <a:t>2017/5/6</a:t>
+              <a:t>2017/5/8</a:t>
             </a:fld>
             <a:endParaRPr lang="zh-CN"/>
           </a:p>
@@ -8531,7 +8535,7 @@
             <a:fld id="{5586B75A-687E-405C-8A0B-8D00578BA2C3}" type="datetime1">
               <a:rPr lang="en-US" altLang="zh-CN" smtClean="0"/>
               <a:pPr/>
-              <a:t>5/6/2017</a:t>
+              <a:t>5/8/2017</a:t>
             </a:fld>
             <a:endParaRPr lang="zh-CN" altLang="en-US"/>
           </a:p>
@@ -8968,7 +8972,7 @@
   </p:txStyles>
   <p:extLst mod="1">
     <p:ext uri="{27BBF7A9-308A-43DC-89C8-2F10F3537804}">
-      <p15:sldGuideLst xmlns:p15="http://schemas.microsoft.com/office/powerpoint/2012/main">
+      <p15:sldGuideLst xmlns:p15="http://schemas.microsoft.com/office/powerpoint/2012/main" xmlns="">
         <p15:guide id="1" orient="horz" pos="2160">
           <p15:clr>
             <a:srgbClr val="F26B43"/>
@@ -9177,21 +9181,21 @@
                 <a:gridCol w="3170237">
                   <a:extLst>
                     <a:ext uri="{9D8B030D-6E8A-4147-A177-3AD203B41FA5}">
-                      <a16:colId xmlns:a16="http://schemas.microsoft.com/office/drawing/2014/main" val="1262576194"/>
+                      <a16:colId xmlns:a16="http://schemas.microsoft.com/office/drawing/2014/main" xmlns="" val="1262576194"/>
                     </a:ext>
                   </a:extLst>
                 </a:gridCol>
                 <a:gridCol w="3170237">
                   <a:extLst>
                     <a:ext uri="{9D8B030D-6E8A-4147-A177-3AD203B41FA5}">
-                      <a16:colId xmlns:a16="http://schemas.microsoft.com/office/drawing/2014/main" val="1627258925"/>
+                      <a16:colId xmlns:a16="http://schemas.microsoft.com/office/drawing/2014/main" xmlns="" val="1627258925"/>
                     </a:ext>
                   </a:extLst>
                 </a:gridCol>
                 <a:gridCol w="3170237">
                   <a:extLst>
                     <a:ext uri="{9D8B030D-6E8A-4147-A177-3AD203B41FA5}">
-                      <a16:colId xmlns:a16="http://schemas.microsoft.com/office/drawing/2014/main" val="279132191"/>
+                      <a16:colId xmlns:a16="http://schemas.microsoft.com/office/drawing/2014/main" xmlns="" val="279132191"/>
                     </a:ext>
                   </a:extLst>
                 </a:gridCol>
@@ -9262,7 +9266,7 @@
                 </a:tc>
                 <a:extLst>
                   <a:ext uri="{0D108BD9-81ED-4DB2-BD59-A6C34878D82A}">
-                    <a16:rowId xmlns:a16="http://schemas.microsoft.com/office/drawing/2014/main" val="3704071744"/>
+                    <a16:rowId xmlns:a16="http://schemas.microsoft.com/office/drawing/2014/main" xmlns="" val="3704071744"/>
                   </a:ext>
                 </a:extLst>
               </a:tr>
@@ -9332,7 +9336,7 @@
                 </a:tc>
                 <a:extLst>
                   <a:ext uri="{0D108BD9-81ED-4DB2-BD59-A6C34878D82A}">
-                    <a16:rowId xmlns:a16="http://schemas.microsoft.com/office/drawing/2014/main" val="3056097180"/>
+                    <a16:rowId xmlns:a16="http://schemas.microsoft.com/office/drawing/2014/main" xmlns="" val="3056097180"/>
                   </a:ext>
                 </a:extLst>
               </a:tr>
@@ -9402,7 +9406,7 @@
                 </a:tc>
                 <a:extLst>
                   <a:ext uri="{0D108BD9-81ED-4DB2-BD59-A6C34878D82A}">
-                    <a16:rowId xmlns:a16="http://schemas.microsoft.com/office/drawing/2014/main" val="3398222936"/>
+                    <a16:rowId xmlns:a16="http://schemas.microsoft.com/office/drawing/2014/main" xmlns="" val="3398222936"/>
                   </a:ext>
                 </a:extLst>
               </a:tr>
@@ -9488,7 +9492,7 @@
                 </a:tc>
                 <a:extLst>
                   <a:ext uri="{0D108BD9-81ED-4DB2-BD59-A6C34878D82A}">
-                    <a16:rowId xmlns:a16="http://schemas.microsoft.com/office/drawing/2014/main" val="3661055458"/>
+                    <a16:rowId xmlns:a16="http://schemas.microsoft.com/office/drawing/2014/main" xmlns="" val="3661055458"/>
                   </a:ext>
                 </a:extLst>
               </a:tr>
@@ -9590,7 +9594,7 @@
                 </a:tc>
                 <a:extLst>
                   <a:ext uri="{0D108BD9-81ED-4DB2-BD59-A6C34878D82A}">
-                    <a16:rowId xmlns:a16="http://schemas.microsoft.com/office/drawing/2014/main" val="1792707014"/>
+                    <a16:rowId xmlns:a16="http://schemas.microsoft.com/office/drawing/2014/main" xmlns="" val="1792707014"/>
                   </a:ext>
                 </a:extLst>
               </a:tr>
@@ -9710,7 +9714,7 @@
                 </a:tc>
                 <a:extLst>
                   <a:ext uri="{0D108BD9-81ED-4DB2-BD59-A6C34878D82A}">
-                    <a16:rowId xmlns:a16="http://schemas.microsoft.com/office/drawing/2014/main" val="583217582"/>
+                    <a16:rowId xmlns:a16="http://schemas.microsoft.com/office/drawing/2014/main" xmlns="" val="583217582"/>
                   </a:ext>
                 </a:extLst>
               </a:tr>
@@ -10040,21 +10044,21 @@
                 <a:gridCol w="3170237">
                   <a:extLst>
                     <a:ext uri="{9D8B030D-6E8A-4147-A177-3AD203B41FA5}">
-                      <a16:colId xmlns:a16="http://schemas.microsoft.com/office/drawing/2014/main" val="1262576194"/>
+                      <a16:colId xmlns:a16="http://schemas.microsoft.com/office/drawing/2014/main" xmlns="" val="1262576194"/>
                     </a:ext>
                   </a:extLst>
                 </a:gridCol>
                 <a:gridCol w="3170237">
                   <a:extLst>
                     <a:ext uri="{9D8B030D-6E8A-4147-A177-3AD203B41FA5}">
-                      <a16:colId xmlns:a16="http://schemas.microsoft.com/office/drawing/2014/main" val="1627258925"/>
+                      <a16:colId xmlns:a16="http://schemas.microsoft.com/office/drawing/2014/main" xmlns="" val="1627258925"/>
                     </a:ext>
                   </a:extLst>
                 </a:gridCol>
                 <a:gridCol w="3170237">
                   <a:extLst>
                     <a:ext uri="{9D8B030D-6E8A-4147-A177-3AD203B41FA5}">
-                      <a16:colId xmlns:a16="http://schemas.microsoft.com/office/drawing/2014/main" val="279132191"/>
+                      <a16:colId xmlns:a16="http://schemas.microsoft.com/office/drawing/2014/main" xmlns="" val="279132191"/>
                     </a:ext>
                   </a:extLst>
                 </a:gridCol>
@@ -10125,7 +10129,7 @@
                 </a:tc>
                 <a:extLst>
                   <a:ext uri="{0D108BD9-81ED-4DB2-BD59-A6C34878D82A}">
-                    <a16:rowId xmlns:a16="http://schemas.microsoft.com/office/drawing/2014/main" val="3704071744"/>
+                    <a16:rowId xmlns:a16="http://schemas.microsoft.com/office/drawing/2014/main" xmlns="" val="3704071744"/>
                   </a:ext>
                 </a:extLst>
               </a:tr>
@@ -10195,7 +10199,7 @@
                 </a:tc>
                 <a:extLst>
                   <a:ext uri="{0D108BD9-81ED-4DB2-BD59-A6C34878D82A}">
-                    <a16:rowId xmlns:a16="http://schemas.microsoft.com/office/drawing/2014/main" val="1026023813"/>
+                    <a16:rowId xmlns:a16="http://schemas.microsoft.com/office/drawing/2014/main" xmlns="" val="1026023813"/>
                   </a:ext>
                 </a:extLst>
               </a:tr>
@@ -10265,7 +10269,7 @@
                 </a:tc>
                 <a:extLst>
                   <a:ext uri="{0D108BD9-81ED-4DB2-BD59-A6C34878D82A}">
-                    <a16:rowId xmlns:a16="http://schemas.microsoft.com/office/drawing/2014/main" val="3056097180"/>
+                    <a16:rowId xmlns:a16="http://schemas.microsoft.com/office/drawing/2014/main" xmlns="" val="3056097180"/>
                   </a:ext>
                 </a:extLst>
               </a:tr>
@@ -10335,7 +10339,7 @@
                 </a:tc>
                 <a:extLst>
                   <a:ext uri="{0D108BD9-81ED-4DB2-BD59-A6C34878D82A}">
-                    <a16:rowId xmlns:a16="http://schemas.microsoft.com/office/drawing/2014/main" val="3398222936"/>
+                    <a16:rowId xmlns:a16="http://schemas.microsoft.com/office/drawing/2014/main" xmlns="" val="3398222936"/>
                   </a:ext>
                 </a:extLst>
               </a:tr>
@@ -10421,7 +10425,7 @@
                 </a:tc>
                 <a:extLst>
                   <a:ext uri="{0D108BD9-81ED-4DB2-BD59-A6C34878D82A}">
-                    <a16:rowId xmlns:a16="http://schemas.microsoft.com/office/drawing/2014/main" val="3661055458"/>
+                    <a16:rowId xmlns:a16="http://schemas.microsoft.com/office/drawing/2014/main" xmlns="" val="3661055458"/>
                   </a:ext>
                 </a:extLst>
               </a:tr>
@@ -10523,7 +10527,7 @@
                 </a:tc>
                 <a:extLst>
                   <a:ext uri="{0D108BD9-81ED-4DB2-BD59-A6C34878D82A}">
-                    <a16:rowId xmlns:a16="http://schemas.microsoft.com/office/drawing/2014/main" val="1792707014"/>
+                    <a16:rowId xmlns:a16="http://schemas.microsoft.com/office/drawing/2014/main" xmlns="" val="1792707014"/>
                   </a:ext>
                 </a:extLst>
               </a:tr>
@@ -10637,7 +10641,7 @@
                 </a:tc>
                 <a:extLst>
                   <a:ext uri="{0D108BD9-81ED-4DB2-BD59-A6C34878D82A}">
-                    <a16:rowId xmlns:a16="http://schemas.microsoft.com/office/drawing/2014/main" val="1883377276"/>
+                    <a16:rowId xmlns:a16="http://schemas.microsoft.com/office/drawing/2014/main" xmlns="" val="1883377276"/>
                   </a:ext>
                 </a:extLst>
               </a:tr>
@@ -10757,7 +10761,7 @@
                 </a:tc>
                 <a:extLst>
                   <a:ext uri="{0D108BD9-81ED-4DB2-BD59-A6C34878D82A}">
-                    <a16:rowId xmlns:a16="http://schemas.microsoft.com/office/drawing/2014/main" val="4018932841"/>
+                    <a16:rowId xmlns:a16="http://schemas.microsoft.com/office/drawing/2014/main" xmlns="" val="4018932841"/>
                   </a:ext>
                 </a:extLst>
               </a:tr>
@@ -10877,7 +10881,7 @@
                 </a:tc>
                 <a:extLst>
                   <a:ext uri="{0D108BD9-81ED-4DB2-BD59-A6C34878D82A}">
-                    <a16:rowId xmlns:a16="http://schemas.microsoft.com/office/drawing/2014/main" val="2814549111"/>
+                    <a16:rowId xmlns:a16="http://schemas.microsoft.com/office/drawing/2014/main" xmlns="" val="2814549111"/>
                   </a:ext>
                 </a:extLst>
               </a:tr>
@@ -11380,35 +11384,35 @@
                 <a:gridCol w="1996575">
                   <a:extLst>
                     <a:ext uri="{9D8B030D-6E8A-4147-A177-3AD203B41FA5}">
-                      <a16:colId xmlns:a16="http://schemas.microsoft.com/office/drawing/2014/main" val="1393900185"/>
+                      <a16:colId xmlns:a16="http://schemas.microsoft.com/office/drawing/2014/main" xmlns="" val="1393900185"/>
                     </a:ext>
                   </a:extLst>
                 </a:gridCol>
                 <a:gridCol w="1188456">
                   <a:extLst>
                     <a:ext uri="{9D8B030D-6E8A-4147-A177-3AD203B41FA5}">
-                      <a16:colId xmlns:a16="http://schemas.microsoft.com/office/drawing/2014/main" val="3389078971"/>
+                      <a16:colId xmlns:a16="http://schemas.microsoft.com/office/drawing/2014/main" xmlns="" val="3389078971"/>
                     </a:ext>
                   </a:extLst>
                 </a:gridCol>
                 <a:gridCol w="1181288">
                   <a:extLst>
                     <a:ext uri="{9D8B030D-6E8A-4147-A177-3AD203B41FA5}">
-                      <a16:colId xmlns:a16="http://schemas.microsoft.com/office/drawing/2014/main" val="655618677"/>
+                      <a16:colId xmlns:a16="http://schemas.microsoft.com/office/drawing/2014/main" xmlns="" val="655618677"/>
                     </a:ext>
                   </a:extLst>
                 </a:gridCol>
                 <a:gridCol w="2831419">
                   <a:extLst>
                     <a:ext uri="{9D8B030D-6E8A-4147-A177-3AD203B41FA5}">
-                      <a16:colId xmlns:a16="http://schemas.microsoft.com/office/drawing/2014/main" val="502106572"/>
+                      <a16:colId xmlns:a16="http://schemas.microsoft.com/office/drawing/2014/main" xmlns="" val="502106572"/>
                     </a:ext>
                   </a:extLst>
                 </a:gridCol>
                 <a:gridCol w="2785137">
                   <a:extLst>
                     <a:ext uri="{9D8B030D-6E8A-4147-A177-3AD203B41FA5}">
-                      <a16:colId xmlns:a16="http://schemas.microsoft.com/office/drawing/2014/main" val="2796583417"/>
+                      <a16:colId xmlns:a16="http://schemas.microsoft.com/office/drawing/2014/main" xmlns="" val="2796583417"/>
                     </a:ext>
                   </a:extLst>
                 </a:gridCol>
@@ -11728,7 +11732,7 @@
                 </a:tc>
                 <a:extLst>
                   <a:ext uri="{0D108BD9-81ED-4DB2-BD59-A6C34878D82A}">
-                    <a16:rowId xmlns:a16="http://schemas.microsoft.com/office/drawing/2014/main" val="222512411"/>
+                    <a16:rowId xmlns:a16="http://schemas.microsoft.com/office/drawing/2014/main" xmlns="" val="222512411"/>
                   </a:ext>
                 </a:extLst>
               </a:tr>
@@ -12165,7 +12169,7 @@
                 </a:tc>
                 <a:extLst>
                   <a:ext uri="{0D108BD9-81ED-4DB2-BD59-A6C34878D82A}">
-                    <a16:rowId xmlns:a16="http://schemas.microsoft.com/office/drawing/2014/main" val="2478292743"/>
+                    <a16:rowId xmlns:a16="http://schemas.microsoft.com/office/drawing/2014/main" xmlns="" val="2478292743"/>
                   </a:ext>
                 </a:extLst>
               </a:tr>
@@ -12544,7 +12548,7 @@
                 </a:tc>
                 <a:extLst>
                   <a:ext uri="{0D108BD9-81ED-4DB2-BD59-A6C34878D82A}">
-                    <a16:rowId xmlns:a16="http://schemas.microsoft.com/office/drawing/2014/main" val="3999082340"/>
+                    <a16:rowId xmlns:a16="http://schemas.microsoft.com/office/drawing/2014/main" xmlns="" val="3999082340"/>
                   </a:ext>
                 </a:extLst>
               </a:tr>
@@ -12673,35 +12677,35 @@
                 <a:gridCol w="1996575">
                   <a:extLst>
                     <a:ext uri="{9D8B030D-6E8A-4147-A177-3AD203B41FA5}">
-                      <a16:colId xmlns:a16="http://schemas.microsoft.com/office/drawing/2014/main" val="1393900185"/>
+                      <a16:colId xmlns:a16="http://schemas.microsoft.com/office/drawing/2014/main" xmlns="" val="1393900185"/>
                     </a:ext>
                   </a:extLst>
                 </a:gridCol>
                 <a:gridCol w="1188456">
                   <a:extLst>
                     <a:ext uri="{9D8B030D-6E8A-4147-A177-3AD203B41FA5}">
-                      <a16:colId xmlns:a16="http://schemas.microsoft.com/office/drawing/2014/main" val="3389078971"/>
+                      <a16:colId xmlns:a16="http://schemas.microsoft.com/office/drawing/2014/main" xmlns="" val="3389078971"/>
                     </a:ext>
                   </a:extLst>
                 </a:gridCol>
                 <a:gridCol w="1181288">
                   <a:extLst>
                     <a:ext uri="{9D8B030D-6E8A-4147-A177-3AD203B41FA5}">
-                      <a16:colId xmlns:a16="http://schemas.microsoft.com/office/drawing/2014/main" val="655618677"/>
+                      <a16:colId xmlns:a16="http://schemas.microsoft.com/office/drawing/2014/main" xmlns="" val="655618677"/>
                     </a:ext>
                   </a:extLst>
                 </a:gridCol>
                 <a:gridCol w="2831419">
                   <a:extLst>
                     <a:ext uri="{9D8B030D-6E8A-4147-A177-3AD203B41FA5}">
-                      <a16:colId xmlns:a16="http://schemas.microsoft.com/office/drawing/2014/main" val="502106572"/>
+                      <a16:colId xmlns:a16="http://schemas.microsoft.com/office/drawing/2014/main" xmlns="" val="502106572"/>
                     </a:ext>
                   </a:extLst>
                 </a:gridCol>
                 <a:gridCol w="2785137">
                   <a:extLst>
                     <a:ext uri="{9D8B030D-6E8A-4147-A177-3AD203B41FA5}">
-                      <a16:colId xmlns:a16="http://schemas.microsoft.com/office/drawing/2014/main" val="2796583417"/>
+                      <a16:colId xmlns:a16="http://schemas.microsoft.com/office/drawing/2014/main" xmlns="" val="2796583417"/>
                     </a:ext>
                   </a:extLst>
                 </a:gridCol>
@@ -13021,7 +13025,7 @@
                 </a:tc>
                 <a:extLst>
                   <a:ext uri="{0D108BD9-81ED-4DB2-BD59-A6C34878D82A}">
-                    <a16:rowId xmlns:a16="http://schemas.microsoft.com/office/drawing/2014/main" val="222512411"/>
+                    <a16:rowId xmlns:a16="http://schemas.microsoft.com/office/drawing/2014/main" xmlns="" val="222512411"/>
                   </a:ext>
                 </a:extLst>
               </a:tr>
@@ -13472,7 +13476,7 @@
                 </a:tc>
                 <a:extLst>
                   <a:ext uri="{0D108BD9-81ED-4DB2-BD59-A6C34878D82A}">
-                    <a16:rowId xmlns:a16="http://schemas.microsoft.com/office/drawing/2014/main" val="2478292743"/>
+                    <a16:rowId xmlns:a16="http://schemas.microsoft.com/office/drawing/2014/main" xmlns="" val="2478292743"/>
                   </a:ext>
                 </a:extLst>
               </a:tr>
@@ -13865,7 +13869,7 @@
                 </a:tc>
                 <a:extLst>
                   <a:ext uri="{0D108BD9-81ED-4DB2-BD59-A6C34878D82A}">
-                    <a16:rowId xmlns:a16="http://schemas.microsoft.com/office/drawing/2014/main" val="3999082340"/>
+                    <a16:rowId xmlns:a16="http://schemas.microsoft.com/office/drawing/2014/main" xmlns="" val="3999082340"/>
                   </a:ext>
                 </a:extLst>
               </a:tr>
@@ -13974,35 +13978,35 @@
                 <a:gridCol w="1996575">
                   <a:extLst>
                     <a:ext uri="{9D8B030D-6E8A-4147-A177-3AD203B41FA5}">
-                      <a16:colId xmlns:a16="http://schemas.microsoft.com/office/drawing/2014/main" val="1393900185"/>
+                      <a16:colId xmlns:a16="http://schemas.microsoft.com/office/drawing/2014/main" xmlns="" val="1393900185"/>
                     </a:ext>
                   </a:extLst>
                 </a:gridCol>
                 <a:gridCol w="1188456">
                   <a:extLst>
                     <a:ext uri="{9D8B030D-6E8A-4147-A177-3AD203B41FA5}">
-                      <a16:colId xmlns:a16="http://schemas.microsoft.com/office/drawing/2014/main" val="3389078971"/>
+                      <a16:colId xmlns:a16="http://schemas.microsoft.com/office/drawing/2014/main" xmlns="" val="3389078971"/>
                     </a:ext>
                   </a:extLst>
                 </a:gridCol>
                 <a:gridCol w="1181288">
                   <a:extLst>
                     <a:ext uri="{9D8B030D-6E8A-4147-A177-3AD203B41FA5}">
-                      <a16:colId xmlns:a16="http://schemas.microsoft.com/office/drawing/2014/main" val="655618677"/>
+                      <a16:colId xmlns:a16="http://schemas.microsoft.com/office/drawing/2014/main" xmlns="" val="655618677"/>
                     </a:ext>
                   </a:extLst>
                 </a:gridCol>
                 <a:gridCol w="2831419">
                   <a:extLst>
                     <a:ext uri="{9D8B030D-6E8A-4147-A177-3AD203B41FA5}">
-                      <a16:colId xmlns:a16="http://schemas.microsoft.com/office/drawing/2014/main" val="502106572"/>
+                      <a16:colId xmlns:a16="http://schemas.microsoft.com/office/drawing/2014/main" xmlns="" val="502106572"/>
                     </a:ext>
                   </a:extLst>
                 </a:gridCol>
                 <a:gridCol w="2785137">
                   <a:extLst>
                     <a:ext uri="{9D8B030D-6E8A-4147-A177-3AD203B41FA5}">
-                      <a16:colId xmlns:a16="http://schemas.microsoft.com/office/drawing/2014/main" val="2796583417"/>
+                      <a16:colId xmlns:a16="http://schemas.microsoft.com/office/drawing/2014/main" xmlns="" val="2796583417"/>
                     </a:ext>
                   </a:extLst>
                 </a:gridCol>
@@ -14322,7 +14326,7 @@
                 </a:tc>
                 <a:extLst>
                   <a:ext uri="{0D108BD9-81ED-4DB2-BD59-A6C34878D82A}">
-                    <a16:rowId xmlns:a16="http://schemas.microsoft.com/office/drawing/2014/main" val="222512411"/>
+                    <a16:rowId xmlns:a16="http://schemas.microsoft.com/office/drawing/2014/main" xmlns="" val="222512411"/>
                   </a:ext>
                 </a:extLst>
               </a:tr>
@@ -14796,7 +14800,7 @@
                 </a:tc>
                 <a:extLst>
                   <a:ext uri="{0D108BD9-81ED-4DB2-BD59-A6C34878D82A}">
-                    <a16:rowId xmlns:a16="http://schemas.microsoft.com/office/drawing/2014/main" val="2478292743"/>
+                    <a16:rowId xmlns:a16="http://schemas.microsoft.com/office/drawing/2014/main" xmlns="" val="2478292743"/>
                   </a:ext>
                 </a:extLst>
               </a:tr>
@@ -15157,7 +15161,7 @@
                 </a:tc>
                 <a:extLst>
                   <a:ext uri="{0D108BD9-81ED-4DB2-BD59-A6C34878D82A}">
-                    <a16:rowId xmlns:a16="http://schemas.microsoft.com/office/drawing/2014/main" val="3999082340"/>
+                    <a16:rowId xmlns:a16="http://schemas.microsoft.com/office/drawing/2014/main" xmlns="" val="3999082340"/>
                   </a:ext>
                 </a:extLst>
               </a:tr>
@@ -15397,35 +15401,35 @@
                 <a:gridCol w="1902142">
                   <a:extLst>
                     <a:ext uri="{9D8B030D-6E8A-4147-A177-3AD203B41FA5}">
-                      <a16:colId xmlns:a16="http://schemas.microsoft.com/office/drawing/2014/main" val="1270668206"/>
+                      <a16:colId xmlns:a16="http://schemas.microsoft.com/office/drawing/2014/main" xmlns="" val="1270668206"/>
                     </a:ext>
                   </a:extLst>
                 </a:gridCol>
                 <a:gridCol w="1902142">
                   <a:extLst>
                     <a:ext uri="{9D8B030D-6E8A-4147-A177-3AD203B41FA5}">
-                      <a16:colId xmlns:a16="http://schemas.microsoft.com/office/drawing/2014/main" val="1083689566"/>
+                      <a16:colId xmlns:a16="http://schemas.microsoft.com/office/drawing/2014/main" xmlns="" val="1083689566"/>
                     </a:ext>
                   </a:extLst>
                 </a:gridCol>
                 <a:gridCol w="1902142">
                   <a:extLst>
                     <a:ext uri="{9D8B030D-6E8A-4147-A177-3AD203B41FA5}">
-                      <a16:colId xmlns:a16="http://schemas.microsoft.com/office/drawing/2014/main" val="491322313"/>
+                      <a16:colId xmlns:a16="http://schemas.microsoft.com/office/drawing/2014/main" xmlns="" val="491322313"/>
                     </a:ext>
                   </a:extLst>
                 </a:gridCol>
                 <a:gridCol w="1902142">
                   <a:extLst>
                     <a:ext uri="{9D8B030D-6E8A-4147-A177-3AD203B41FA5}">
-                      <a16:colId xmlns:a16="http://schemas.microsoft.com/office/drawing/2014/main" val="2519024925"/>
+                      <a16:colId xmlns:a16="http://schemas.microsoft.com/office/drawing/2014/main" xmlns="" val="2519024925"/>
                     </a:ext>
                   </a:extLst>
                 </a:gridCol>
                 <a:gridCol w="1902142">
                   <a:extLst>
                     <a:ext uri="{9D8B030D-6E8A-4147-A177-3AD203B41FA5}">
-                      <a16:colId xmlns:a16="http://schemas.microsoft.com/office/drawing/2014/main" val="4198837936"/>
+                      <a16:colId xmlns:a16="http://schemas.microsoft.com/office/drawing/2014/main" xmlns="" val="4198837936"/>
                     </a:ext>
                   </a:extLst>
                 </a:gridCol>
@@ -15538,7 +15542,7 @@
                 </a:tc>
                 <a:extLst>
                   <a:ext uri="{0D108BD9-81ED-4DB2-BD59-A6C34878D82A}">
-                    <a16:rowId xmlns:a16="http://schemas.microsoft.com/office/drawing/2014/main" val="54892672"/>
+                    <a16:rowId xmlns:a16="http://schemas.microsoft.com/office/drawing/2014/main" xmlns="" val="54892672"/>
                   </a:ext>
                 </a:extLst>
               </a:tr>
@@ -15664,7 +15668,7 @@
                 </a:tc>
                 <a:extLst>
                   <a:ext uri="{0D108BD9-81ED-4DB2-BD59-A6C34878D82A}">
-                    <a16:rowId xmlns:a16="http://schemas.microsoft.com/office/drawing/2014/main" val="644525124"/>
+                    <a16:rowId xmlns:a16="http://schemas.microsoft.com/office/drawing/2014/main" xmlns="" val="644525124"/>
                   </a:ext>
                 </a:extLst>
               </a:tr>
@@ -15818,7 +15822,7 @@
                 </a:tc>
                 <a:extLst>
                   <a:ext uri="{0D108BD9-81ED-4DB2-BD59-A6C34878D82A}">
-                    <a16:rowId xmlns:a16="http://schemas.microsoft.com/office/drawing/2014/main" val="1441979899"/>
+                    <a16:rowId xmlns:a16="http://schemas.microsoft.com/office/drawing/2014/main" xmlns="" val="1441979899"/>
                   </a:ext>
                 </a:extLst>
               </a:tr>
@@ -15958,7 +15962,7 @@
                 </a:tc>
                 <a:extLst>
                   <a:ext uri="{0D108BD9-81ED-4DB2-BD59-A6C34878D82A}">
-                    <a16:rowId xmlns:a16="http://schemas.microsoft.com/office/drawing/2014/main" val="2067020072"/>
+                    <a16:rowId xmlns:a16="http://schemas.microsoft.com/office/drawing/2014/main" xmlns="" val="2067020072"/>
                   </a:ext>
                 </a:extLst>
               </a:tr>
@@ -16664,35 +16668,35 @@
                 <a:gridCol w="2080982">
                   <a:extLst>
                     <a:ext uri="{9D8B030D-6E8A-4147-A177-3AD203B41FA5}">
-                      <a16:colId xmlns:a16="http://schemas.microsoft.com/office/drawing/2014/main" val="1393900185"/>
+                      <a16:colId xmlns:a16="http://schemas.microsoft.com/office/drawing/2014/main" xmlns="" val="1393900185"/>
                     </a:ext>
                   </a:extLst>
                 </a:gridCol>
                 <a:gridCol w="1238699">
                   <a:extLst>
                     <a:ext uri="{9D8B030D-6E8A-4147-A177-3AD203B41FA5}">
-                      <a16:colId xmlns:a16="http://schemas.microsoft.com/office/drawing/2014/main" val="3389078971"/>
+                      <a16:colId xmlns:a16="http://schemas.microsoft.com/office/drawing/2014/main" xmlns="" val="3389078971"/>
                     </a:ext>
                   </a:extLst>
                 </a:gridCol>
                 <a:gridCol w="1231228">
                   <a:extLst>
                     <a:ext uri="{9D8B030D-6E8A-4147-A177-3AD203B41FA5}">
-                      <a16:colId xmlns:a16="http://schemas.microsoft.com/office/drawing/2014/main" val="655618677"/>
+                      <a16:colId xmlns:a16="http://schemas.microsoft.com/office/drawing/2014/main" xmlns="" val="655618677"/>
                     </a:ext>
                   </a:extLst>
                 </a:gridCol>
                 <a:gridCol w="1337979">
                   <a:extLst>
                     <a:ext uri="{9D8B030D-6E8A-4147-A177-3AD203B41FA5}">
-                      <a16:colId xmlns:a16="http://schemas.microsoft.com/office/drawing/2014/main" val="502106572"/>
+                      <a16:colId xmlns:a16="http://schemas.microsoft.com/office/drawing/2014/main" xmlns="" val="502106572"/>
                     </a:ext>
                   </a:extLst>
                 </a:gridCol>
                 <a:gridCol w="4516021">
                   <a:extLst>
                     <a:ext uri="{9D8B030D-6E8A-4147-A177-3AD203B41FA5}">
-                      <a16:colId xmlns:a16="http://schemas.microsoft.com/office/drawing/2014/main" val="2796583417"/>
+                      <a16:colId xmlns:a16="http://schemas.microsoft.com/office/drawing/2014/main" xmlns="" val="2796583417"/>
                     </a:ext>
                   </a:extLst>
                 </a:gridCol>
@@ -17012,7 +17016,7 @@
                 </a:tc>
                 <a:extLst>
                   <a:ext uri="{0D108BD9-81ED-4DB2-BD59-A6C34878D82A}">
-                    <a16:rowId xmlns:a16="http://schemas.microsoft.com/office/drawing/2014/main" val="222512411"/>
+                    <a16:rowId xmlns:a16="http://schemas.microsoft.com/office/drawing/2014/main" xmlns="" val="222512411"/>
                   </a:ext>
                 </a:extLst>
               </a:tr>
@@ -17397,7 +17401,7 @@
                 </a:tc>
                 <a:extLst>
                   <a:ext uri="{0D108BD9-81ED-4DB2-BD59-A6C34878D82A}">
-                    <a16:rowId xmlns:a16="http://schemas.microsoft.com/office/drawing/2014/main" val="2478292743"/>
+                    <a16:rowId xmlns:a16="http://schemas.microsoft.com/office/drawing/2014/main" xmlns="" val="2478292743"/>
                   </a:ext>
                 </a:extLst>
               </a:tr>
@@ -17700,7 +17704,7 @@
                 </a:tc>
                 <a:extLst>
                   <a:ext uri="{0D108BD9-81ED-4DB2-BD59-A6C34878D82A}">
-                    <a16:rowId xmlns:a16="http://schemas.microsoft.com/office/drawing/2014/main" val="3999082340"/>
+                    <a16:rowId xmlns:a16="http://schemas.microsoft.com/office/drawing/2014/main" xmlns="" val="3999082340"/>
                   </a:ext>
                 </a:extLst>
               </a:tr>
@@ -18331,35 +18335,35 @@
                 <a:gridCol w="2056103">
                   <a:extLst>
                     <a:ext uri="{9D8B030D-6E8A-4147-A177-3AD203B41FA5}">
-                      <a16:colId xmlns:a16="http://schemas.microsoft.com/office/drawing/2014/main" val="1262576194"/>
+                      <a16:colId xmlns:a16="http://schemas.microsoft.com/office/drawing/2014/main" xmlns="" val="1262576194"/>
                     </a:ext>
                   </a:extLst>
                 </a:gridCol>
                 <a:gridCol w="1182848">
                   <a:extLst>
                     <a:ext uri="{9D8B030D-6E8A-4147-A177-3AD203B41FA5}">
-                      <a16:colId xmlns:a16="http://schemas.microsoft.com/office/drawing/2014/main" val="20001"/>
+                      <a16:colId xmlns:a16="http://schemas.microsoft.com/office/drawing/2014/main" xmlns="" val="20001"/>
                     </a:ext>
                   </a:extLst>
                 </a:gridCol>
                 <a:gridCol w="1820411">
                   <a:extLst>
                     <a:ext uri="{9D8B030D-6E8A-4147-A177-3AD203B41FA5}">
-                      <a16:colId xmlns:a16="http://schemas.microsoft.com/office/drawing/2014/main" val="20002"/>
+                      <a16:colId xmlns:a16="http://schemas.microsoft.com/office/drawing/2014/main" xmlns="" val="20002"/>
                     </a:ext>
                   </a:extLst>
                 </a:gridCol>
                 <a:gridCol w="1350628">
                   <a:extLst>
                     <a:ext uri="{9D8B030D-6E8A-4147-A177-3AD203B41FA5}">
-                      <a16:colId xmlns:a16="http://schemas.microsoft.com/office/drawing/2014/main" val="1627258925"/>
+                      <a16:colId xmlns:a16="http://schemas.microsoft.com/office/drawing/2014/main" xmlns="" val="1627258925"/>
                     </a:ext>
                   </a:extLst>
                 </a:gridCol>
                 <a:gridCol w="3100720">
                   <a:extLst>
                     <a:ext uri="{9D8B030D-6E8A-4147-A177-3AD203B41FA5}">
-                      <a16:colId xmlns:a16="http://schemas.microsoft.com/office/drawing/2014/main" val="279132191"/>
+                      <a16:colId xmlns:a16="http://schemas.microsoft.com/office/drawing/2014/main" xmlns="" val="279132191"/>
                     </a:ext>
                   </a:extLst>
                 </a:gridCol>
@@ -18472,7 +18476,7 @@
                 </a:tc>
                 <a:extLst>
                   <a:ext uri="{0D108BD9-81ED-4DB2-BD59-A6C34878D82A}">
-                    <a16:rowId xmlns:a16="http://schemas.microsoft.com/office/drawing/2014/main" val="3704071744"/>
+                    <a16:rowId xmlns:a16="http://schemas.microsoft.com/office/drawing/2014/main" xmlns="" val="3704071744"/>
                   </a:ext>
                 </a:extLst>
               </a:tr>
@@ -18646,7 +18650,7 @@
                 </a:tc>
                 <a:extLst>
                   <a:ext uri="{0D108BD9-81ED-4DB2-BD59-A6C34878D82A}">
-                    <a16:rowId xmlns:a16="http://schemas.microsoft.com/office/drawing/2014/main" val="1026023813"/>
+                    <a16:rowId xmlns:a16="http://schemas.microsoft.com/office/drawing/2014/main" xmlns="" val="1026023813"/>
                   </a:ext>
                 </a:extLst>
               </a:tr>
@@ -18744,7 +18748,7 @@
                 </a:tc>
                 <a:extLst>
                   <a:ext uri="{0D108BD9-81ED-4DB2-BD59-A6C34878D82A}">
-                    <a16:rowId xmlns:a16="http://schemas.microsoft.com/office/drawing/2014/main" val="3056097180"/>
+                    <a16:rowId xmlns:a16="http://schemas.microsoft.com/office/drawing/2014/main" xmlns="" val="3056097180"/>
                   </a:ext>
                 </a:extLst>
               </a:tr>
@@ -18842,7 +18846,7 @@
                 </a:tc>
                 <a:extLst>
                   <a:ext uri="{0D108BD9-81ED-4DB2-BD59-A6C34878D82A}">
-                    <a16:rowId xmlns:a16="http://schemas.microsoft.com/office/drawing/2014/main" val="3398222936"/>
+                    <a16:rowId xmlns:a16="http://schemas.microsoft.com/office/drawing/2014/main" xmlns="" val="3398222936"/>
                   </a:ext>
                 </a:extLst>
               </a:tr>
@@ -18978,7 +18982,7 @@
                 </a:tc>
                 <a:extLst>
                   <a:ext uri="{0D108BD9-81ED-4DB2-BD59-A6C34878D82A}">
-                    <a16:rowId xmlns:a16="http://schemas.microsoft.com/office/drawing/2014/main" val="3661055458"/>
+                    <a16:rowId xmlns:a16="http://schemas.microsoft.com/office/drawing/2014/main" xmlns="" val="3661055458"/>
                   </a:ext>
                 </a:extLst>
               </a:tr>
@@ -19130,7 +19134,7 @@
                 </a:tc>
                 <a:extLst>
                   <a:ext uri="{0D108BD9-81ED-4DB2-BD59-A6C34878D82A}">
-                    <a16:rowId xmlns:a16="http://schemas.microsoft.com/office/drawing/2014/main" val="1792707014"/>
+                    <a16:rowId xmlns:a16="http://schemas.microsoft.com/office/drawing/2014/main" xmlns="" val="1792707014"/>
                   </a:ext>
                 </a:extLst>
               </a:tr>
@@ -19285,7 +19289,7 @@
                 </a:tc>
                 <a:extLst>
                   <a:ext uri="{0D108BD9-81ED-4DB2-BD59-A6C34878D82A}">
-                    <a16:rowId xmlns:a16="http://schemas.microsoft.com/office/drawing/2014/main" val="1883377276"/>
+                    <a16:rowId xmlns:a16="http://schemas.microsoft.com/office/drawing/2014/main" xmlns="" val="1883377276"/>
                   </a:ext>
                 </a:extLst>
               </a:tr>
@@ -19443,7 +19447,7 @@
                 </a:tc>
                 <a:extLst>
                   <a:ext uri="{0D108BD9-81ED-4DB2-BD59-A6C34878D82A}">
-                    <a16:rowId xmlns:a16="http://schemas.microsoft.com/office/drawing/2014/main" val="4018932841"/>
+                    <a16:rowId xmlns:a16="http://schemas.microsoft.com/office/drawing/2014/main" xmlns="" val="4018932841"/>
                   </a:ext>
                 </a:extLst>
               </a:tr>
@@ -19556,35 +19560,35 @@
                 <a:gridCol w="2056103">
                   <a:extLst>
                     <a:ext uri="{9D8B030D-6E8A-4147-A177-3AD203B41FA5}">
-                      <a16:colId xmlns:a16="http://schemas.microsoft.com/office/drawing/2014/main" val="1262576194"/>
+                      <a16:colId xmlns:a16="http://schemas.microsoft.com/office/drawing/2014/main" xmlns="" val="1262576194"/>
                     </a:ext>
                   </a:extLst>
                 </a:gridCol>
                 <a:gridCol w="1182848">
                   <a:extLst>
                     <a:ext uri="{9D8B030D-6E8A-4147-A177-3AD203B41FA5}">
-                      <a16:colId xmlns:a16="http://schemas.microsoft.com/office/drawing/2014/main" val="20001"/>
+                      <a16:colId xmlns:a16="http://schemas.microsoft.com/office/drawing/2014/main" xmlns="" val="20001"/>
                     </a:ext>
                   </a:extLst>
                 </a:gridCol>
                 <a:gridCol w="1820411">
                   <a:extLst>
                     <a:ext uri="{9D8B030D-6E8A-4147-A177-3AD203B41FA5}">
-                      <a16:colId xmlns:a16="http://schemas.microsoft.com/office/drawing/2014/main" val="20002"/>
+                      <a16:colId xmlns:a16="http://schemas.microsoft.com/office/drawing/2014/main" xmlns="" val="20002"/>
                     </a:ext>
                   </a:extLst>
                 </a:gridCol>
                 <a:gridCol w="1350628">
                   <a:extLst>
                     <a:ext uri="{9D8B030D-6E8A-4147-A177-3AD203B41FA5}">
-                      <a16:colId xmlns:a16="http://schemas.microsoft.com/office/drawing/2014/main" val="1627258925"/>
+                      <a16:colId xmlns:a16="http://schemas.microsoft.com/office/drawing/2014/main" xmlns="" val="1627258925"/>
                     </a:ext>
                   </a:extLst>
                 </a:gridCol>
                 <a:gridCol w="3100720">
                   <a:extLst>
                     <a:ext uri="{9D8B030D-6E8A-4147-A177-3AD203B41FA5}">
-                      <a16:colId xmlns:a16="http://schemas.microsoft.com/office/drawing/2014/main" val="279132191"/>
+                      <a16:colId xmlns:a16="http://schemas.microsoft.com/office/drawing/2014/main" xmlns="" val="279132191"/>
                     </a:ext>
                   </a:extLst>
                 </a:gridCol>
@@ -19697,7 +19701,7 @@
                 </a:tc>
                 <a:extLst>
                   <a:ext uri="{0D108BD9-81ED-4DB2-BD59-A6C34878D82A}">
-                    <a16:rowId xmlns:a16="http://schemas.microsoft.com/office/drawing/2014/main" val="3704071744"/>
+                    <a16:rowId xmlns:a16="http://schemas.microsoft.com/office/drawing/2014/main" xmlns="" val="3704071744"/>
                   </a:ext>
                 </a:extLst>
               </a:tr>
@@ -19861,7 +19865,7 @@
                 </a:tc>
                 <a:extLst>
                   <a:ext uri="{0D108BD9-81ED-4DB2-BD59-A6C34878D82A}">
-                    <a16:rowId xmlns:a16="http://schemas.microsoft.com/office/drawing/2014/main" val="1026023813"/>
+                    <a16:rowId xmlns:a16="http://schemas.microsoft.com/office/drawing/2014/main" xmlns="" val="1026023813"/>
                   </a:ext>
                 </a:extLst>
               </a:tr>
@@ -19965,7 +19969,7 @@
                 </a:tc>
                 <a:extLst>
                   <a:ext uri="{0D108BD9-81ED-4DB2-BD59-A6C34878D82A}">
-                    <a16:rowId xmlns:a16="http://schemas.microsoft.com/office/drawing/2014/main" val="3056097180"/>
+                    <a16:rowId xmlns:a16="http://schemas.microsoft.com/office/drawing/2014/main" xmlns="" val="3056097180"/>
                   </a:ext>
                 </a:extLst>
               </a:tr>
@@ -20063,7 +20067,7 @@
                 </a:tc>
                 <a:extLst>
                   <a:ext uri="{0D108BD9-81ED-4DB2-BD59-A6C34878D82A}">
-                    <a16:rowId xmlns:a16="http://schemas.microsoft.com/office/drawing/2014/main" val="3398222936"/>
+                    <a16:rowId xmlns:a16="http://schemas.microsoft.com/office/drawing/2014/main" xmlns="" val="3398222936"/>
                   </a:ext>
                 </a:extLst>
               </a:tr>
@@ -20215,7 +20219,7 @@
                 </a:tc>
                 <a:extLst>
                   <a:ext uri="{0D108BD9-81ED-4DB2-BD59-A6C34878D82A}">
-                    <a16:rowId xmlns:a16="http://schemas.microsoft.com/office/drawing/2014/main" val="3661055458"/>
+                    <a16:rowId xmlns:a16="http://schemas.microsoft.com/office/drawing/2014/main" xmlns="" val="3661055458"/>
                   </a:ext>
                 </a:extLst>
               </a:tr>
@@ -20367,7 +20371,7 @@
                 </a:tc>
                 <a:extLst>
                   <a:ext uri="{0D108BD9-81ED-4DB2-BD59-A6C34878D82A}">
-                    <a16:rowId xmlns:a16="http://schemas.microsoft.com/office/drawing/2014/main" val="1792707014"/>
+                    <a16:rowId xmlns:a16="http://schemas.microsoft.com/office/drawing/2014/main" xmlns="" val="1792707014"/>
                   </a:ext>
                 </a:extLst>
               </a:tr>
@@ -20681,41 +20685,332 @@
           <a:lstStyle/>
           <a:p>
             <a:r>
-              <a:rPr lang="zh-CN"/>
-              <a:t>标题和内容版式与图表</a:t>
+              <a:rPr lang="zh-CN" altLang="en-US" dirty="0"/>
+              <a:t>数字证书</a:t>
             </a:r>
           </a:p>
         </p:txBody>
       </p:sp>
-      <p:graphicFrame>
-        <p:nvGraphicFramePr>
-          <p:cNvPr id="6" name="内容占位符 5"/>
-          <p:cNvGraphicFramePr>
-            <a:graphicFrameLocks noGrp="1"/>
-          </p:cNvGraphicFramePr>
+      <p:sp>
+        <p:nvSpPr>
+          <p:cNvPr id="3" name="内容占位符 2"/>
+          <p:cNvSpPr>
+            <a:spLocks noGrp="1"/>
+          </p:cNvSpPr>
           <p:nvPr>
             <p:ph idx="1"/>
-            <p:extLst>
-              <p:ext uri="{D42A27DB-BD31-4B8C-83A1-F6EECF244321}">
-                <p14:modId xmlns:p14="http://schemas.microsoft.com/office/powerpoint/2010/main" val="1698860746"/>
-              </p:ext>
-            </p:extLst>
           </p:nvPr>
-        </p:nvGraphicFramePr>
-        <p:xfrm>
-          <a:off x="1341438" y="1573213"/>
-          <a:ext cx="9510712" cy="4141787"/>
-        </p:xfrm>
-        <a:graphic>
-          <a:graphicData uri="http://schemas.openxmlformats.org/drawingml/2006/chart">
-            <c:chart xmlns:c="http://schemas.openxmlformats.org/drawingml/2006/chart" xmlns:r="http://schemas.openxmlformats.org/officeDocument/2006/relationships" r:id="rId2"/>
-          </a:graphicData>
-        </a:graphic>
-      </p:graphicFrame>
+        </p:nvSpPr>
+        <p:spPr/>
+        <p:txBody>
+          <a:bodyPr>
+            <a:normAutofit lnSpcReduction="10000"/>
+          </a:bodyPr>
+          <a:lstStyle/>
+          <a:p>
+            <a:r>
+              <a:rPr lang="zh-CN" altLang="en-US" dirty="0"/>
+              <a:t>证</a:t>
+            </a:r>
+            <a:r>
+              <a:rPr lang="zh-CN" altLang="en-US" dirty="0" smtClean="0"/>
+              <a:t>书内容</a:t>
+            </a:r>
+            <a:endParaRPr lang="en-US" altLang="zh-CN" dirty="0" smtClean="0"/>
+          </a:p>
+          <a:p>
+            <a:pPr marL="45720" indent="0">
+              <a:buNone/>
+            </a:pPr>
+            <a:r>
+              <a:rPr lang="en-US" altLang="zh-CN" sz="1600" dirty="0">
+                <a:solidFill>
+                  <a:srgbClr val="0070C0"/>
+                </a:solidFill>
+              </a:rPr>
+              <a:t> </a:t>
+            </a:r>
+            <a:r>
+              <a:rPr lang="en-US" altLang="zh-CN" sz="1600" dirty="0" smtClean="0">
+                <a:solidFill>
+                  <a:srgbClr val="0070C0"/>
+                </a:solidFill>
+              </a:rPr>
+              <a:t>  </a:t>
+            </a:r>
+            <a:r>
+              <a:rPr lang="zh-CN" altLang="en-US" sz="1600" dirty="0">
+                <a:solidFill>
+                  <a:srgbClr val="0070C0"/>
+                </a:solidFill>
+              </a:rPr>
+              <a:t>所</a:t>
+            </a:r>
+            <a:r>
+              <a:rPr lang="zh-CN" altLang="en-US" sz="1600" dirty="0" smtClean="0">
+                <a:solidFill>
+                  <a:srgbClr val="0070C0"/>
+                </a:solidFill>
+              </a:rPr>
+              <a:t>有者</a:t>
+            </a:r>
+            <a:endParaRPr lang="en-US" altLang="zh-CN" sz="1600" dirty="0" smtClean="0">
+              <a:solidFill>
+                <a:srgbClr val="0070C0"/>
+              </a:solidFill>
+            </a:endParaRPr>
+          </a:p>
+          <a:p>
+            <a:pPr marL="45720" indent="0">
+              <a:buNone/>
+            </a:pPr>
+            <a:r>
+              <a:rPr lang="en-US" altLang="zh-CN" sz="1600" dirty="0">
+                <a:solidFill>
+                  <a:srgbClr val="0070C0"/>
+                </a:solidFill>
+              </a:rPr>
+              <a:t> </a:t>
+            </a:r>
+            <a:r>
+              <a:rPr lang="en-US" altLang="zh-CN" sz="1600" dirty="0" smtClean="0">
+                <a:solidFill>
+                  <a:srgbClr val="0070C0"/>
+                </a:solidFill>
+              </a:rPr>
+              <a:t>  </a:t>
+            </a:r>
+            <a:r>
+              <a:rPr lang="zh-CN" altLang="en-US" sz="1600" dirty="0" smtClean="0">
+                <a:solidFill>
+                  <a:srgbClr val="0070C0"/>
+                </a:solidFill>
+              </a:rPr>
+              <a:t>公钥</a:t>
+            </a:r>
+            <a:endParaRPr lang="en-US" altLang="zh-CN" sz="1600" dirty="0" smtClean="0">
+              <a:solidFill>
+                <a:srgbClr val="0070C0"/>
+              </a:solidFill>
+            </a:endParaRPr>
+          </a:p>
+          <a:p>
+            <a:pPr marL="45720" indent="0">
+              <a:buNone/>
+            </a:pPr>
+            <a:r>
+              <a:rPr lang="en-US" altLang="zh-CN" sz="1600" dirty="0">
+                <a:solidFill>
+                  <a:srgbClr val="0070C0"/>
+                </a:solidFill>
+              </a:rPr>
+              <a:t> </a:t>
+            </a:r>
+            <a:r>
+              <a:rPr lang="en-US" altLang="zh-CN" sz="1600" dirty="0" smtClean="0">
+                <a:solidFill>
+                  <a:srgbClr val="0070C0"/>
+                </a:solidFill>
+              </a:rPr>
+              <a:t>  </a:t>
+            </a:r>
+            <a:r>
+              <a:rPr lang="zh-CN" altLang="en-US" sz="1600" dirty="0" smtClean="0">
+                <a:solidFill>
+                  <a:srgbClr val="0070C0"/>
+                </a:solidFill>
+              </a:rPr>
+              <a:t>签名</a:t>
+            </a:r>
+            <a:endParaRPr lang="en-US" altLang="zh-CN" sz="1600" dirty="0" smtClean="0">
+              <a:solidFill>
+                <a:srgbClr val="0070C0"/>
+              </a:solidFill>
+            </a:endParaRPr>
+          </a:p>
+          <a:p>
+            <a:r>
+              <a:rPr lang="zh-CN" altLang="en-US" dirty="0"/>
+              <a:t>证</a:t>
+            </a:r>
+            <a:r>
+              <a:rPr lang="zh-CN" altLang="en-US" dirty="0" smtClean="0"/>
+              <a:t>书标准</a:t>
+            </a:r>
+            <a:endParaRPr lang="en-US" altLang="zh-CN" dirty="0" smtClean="0"/>
+          </a:p>
+          <a:p>
+            <a:pPr marL="45720" indent="0">
+              <a:buNone/>
+            </a:pPr>
+            <a:r>
+              <a:rPr lang="en-US" altLang="zh-CN" dirty="0" smtClean="0"/>
+              <a:t>   </a:t>
+            </a:r>
+            <a:r>
+              <a:rPr lang="en-US" altLang="zh-CN" sz="1600" dirty="0" smtClean="0">
+                <a:solidFill>
+                  <a:srgbClr val="0070C0"/>
+                </a:solidFill>
+              </a:rPr>
+              <a:t>X.509</a:t>
+            </a:r>
+          </a:p>
+          <a:p>
+            <a:r>
+              <a:rPr lang="zh-CN" altLang="en-US" dirty="0"/>
+              <a:t>证</a:t>
+            </a:r>
+            <a:r>
+              <a:rPr lang="zh-CN" altLang="en-US" dirty="0" smtClean="0"/>
+              <a:t>书格式</a:t>
+            </a:r>
+            <a:endParaRPr lang="en-US" altLang="zh-CN" dirty="0" smtClean="0"/>
+          </a:p>
+          <a:p>
+            <a:pPr marL="45720" indent="0">
+              <a:buNone/>
+            </a:pPr>
+            <a:r>
+              <a:rPr lang="en-US" altLang="zh-CN" dirty="0"/>
+              <a:t> </a:t>
+            </a:r>
+            <a:r>
+              <a:rPr lang="en-US" altLang="zh-CN" dirty="0" smtClean="0"/>
+              <a:t>  </a:t>
+            </a:r>
+            <a:r>
+              <a:rPr lang="en-US" altLang="zh-CN" sz="1600" dirty="0" smtClean="0">
+                <a:solidFill>
+                  <a:srgbClr val="0070C0"/>
+                </a:solidFill>
+              </a:rPr>
+              <a:t>der </a:t>
+            </a:r>
+            <a:r>
+              <a:rPr lang="zh-CN" altLang="en-US" sz="1600" dirty="0" smtClean="0">
+                <a:solidFill>
+                  <a:srgbClr val="0070C0"/>
+                </a:solidFill>
+              </a:rPr>
+              <a:t>：二进制格式</a:t>
+            </a:r>
+            <a:endParaRPr lang="en-US" altLang="zh-CN" sz="1600" dirty="0" smtClean="0">
+              <a:solidFill>
+                <a:srgbClr val="0070C0"/>
+              </a:solidFill>
+            </a:endParaRPr>
+          </a:p>
+          <a:p>
+            <a:pPr marL="45720" indent="0">
+              <a:buNone/>
+            </a:pPr>
+            <a:r>
+              <a:rPr lang="en-US" altLang="zh-CN" sz="1600" dirty="0">
+                <a:solidFill>
+                  <a:srgbClr val="0070C0"/>
+                </a:solidFill>
+              </a:rPr>
+              <a:t> </a:t>
+            </a:r>
+            <a:r>
+              <a:rPr lang="en-US" altLang="zh-CN" sz="1600" dirty="0" smtClean="0">
+                <a:solidFill>
+                  <a:srgbClr val="0070C0"/>
+                </a:solidFill>
+              </a:rPr>
+              <a:t>  pem </a:t>
+            </a:r>
+            <a:r>
+              <a:rPr lang="zh-CN" altLang="en-US" sz="1600" dirty="0" smtClean="0">
+                <a:solidFill>
+                  <a:srgbClr val="0070C0"/>
+                </a:solidFill>
+              </a:rPr>
+              <a:t>：</a:t>
+            </a:r>
+            <a:r>
+              <a:rPr lang="en-US" altLang="zh-CN" sz="1600" dirty="0" smtClean="0">
+                <a:solidFill>
+                  <a:srgbClr val="0070C0"/>
+                </a:solidFill>
+              </a:rPr>
+              <a:t>Base64</a:t>
+            </a:r>
+            <a:r>
+              <a:rPr lang="zh-CN" altLang="en-US" sz="1600" dirty="0" smtClean="0">
+                <a:solidFill>
+                  <a:srgbClr val="0070C0"/>
+                </a:solidFill>
+              </a:rPr>
+              <a:t>字符格式</a:t>
+            </a:r>
+            <a:endParaRPr lang="zh-CN" altLang="en-US" sz="1600" dirty="0">
+              <a:solidFill>
+                <a:srgbClr val="0070C0"/>
+              </a:solidFill>
+            </a:endParaRPr>
+          </a:p>
+        </p:txBody>
+      </p:sp>
+      <p:pic>
+        <p:nvPicPr>
+          <p:cNvPr id="2050" name="Picture 2"/>
+          <p:cNvPicPr>
+            <a:picLocks noChangeAspect="1" noChangeArrowheads="1"/>
+          </p:cNvPicPr>
+          <p:nvPr/>
+        </p:nvPicPr>
+        <p:blipFill>
+          <a:blip r:embed="rId2">
+            <a:extLst>
+              <a:ext uri="{28A0092B-C50C-407E-A947-70E740481C1C}">
+                <a14:useLocalDpi xmlns:a14="http://schemas.microsoft.com/office/drawing/2010/main" val="0"/>
+              </a:ext>
+            </a:extLst>
+          </a:blip>
+          <a:srcRect/>
+          <a:stretch>
+            <a:fillRect/>
+          </a:stretch>
+        </p:blipFill>
+        <p:spPr bwMode="auto">
+          <a:xfrm>
+            <a:off x="7523220" y="1282204"/>
+            <a:ext cx="3990975" cy="4629150"/>
+          </a:xfrm>
+          <a:prstGeom prst="rect">
+            <a:avLst/>
+          </a:prstGeom>
+          <a:noFill/>
+          <a:ln>
+            <a:noFill/>
+          </a:ln>
+          <a:extLst>
+            <a:ext uri="{909E8E84-426E-40DD-AFC4-6F175D3DCCD1}">
+              <a14:hiddenFill xmlns:a14="http://schemas.microsoft.com/office/drawing/2010/main">
+                <a:solidFill>
+                  <a:schemeClr val="accent1"/>
+                </a:solidFill>
+              </a14:hiddenFill>
+            </a:ext>
+            <a:ext uri="{91240B29-F687-4F45-9708-019B960494DF}">
+              <a14:hiddenLine xmlns:a14="http://schemas.microsoft.com/office/drawing/2010/main" w="9525">
+                <a:solidFill>
+                  <a:schemeClr val="tx1"/>
+                </a:solidFill>
+                <a:miter lim="800000"/>
+                <a:headEnd/>
+                <a:tailEnd/>
+              </a14:hiddenLine>
+            </a:ext>
+          </a:extLst>
+        </p:spPr>
+      </p:pic>
     </p:spTree>
     <p:extLst>
       <p:ext uri="{BB962C8B-B14F-4D97-AF65-F5344CB8AC3E}">
-        <p14:creationId xmlns:p14="http://schemas.microsoft.com/office/powerpoint/2010/main" val="2578687163"/>
+        <p14:creationId xmlns:p14="http://schemas.microsoft.com/office/powerpoint/2010/main" val="3313909779"/>
       </p:ext>
     </p:extLst>
   </p:cSld>
@@ -20777,20 +21072,25 @@
           <a:lstStyle/>
           <a:p>
             <a:r>
-              <a:rPr lang="zh-CN"/>
-              <a:t>图片与标题版式</a:t>
-            </a:r>
+              <a:rPr lang="en-US" altLang="zh-CN" dirty="0" smtClean="0"/>
+              <a:t>CA</a:t>
+            </a:r>
+            <a:r>
+              <a:rPr lang="zh-CN" altLang="en-US" dirty="0" smtClean="0"/>
+              <a:t>与证书链</a:t>
+            </a:r>
+            <a:endParaRPr lang="zh-CN" altLang="en-US" dirty="0"/>
           </a:p>
         </p:txBody>
       </p:sp>
       <p:sp>
         <p:nvSpPr>
-          <p:cNvPr id="4" name="文本占位符 3"/>
+          <p:cNvPr id="3" name="内容占位符 2"/>
           <p:cNvSpPr>
             <a:spLocks noGrp="1"/>
           </p:cNvSpPr>
           <p:nvPr>
-            <p:ph type="body" sz="half" idx="2"/>
+            <p:ph idx="1"/>
           </p:nvPr>
         </p:nvSpPr>
         <p:spPr/>
@@ -20799,24 +21099,48 @@
           <a:lstStyle/>
           <a:p>
             <a:r>
-              <a:rPr lang="zh-CN"/>
-              <a:t>标题</a:t>
-            </a:r>
+              <a:rPr lang="en-US" altLang="zh-CN" dirty="0" smtClean="0"/>
+              <a:t>CA-</a:t>
+            </a:r>
+            <a:r>
+              <a:rPr lang="zh-CN" altLang="en-US" dirty="0" smtClean="0"/>
+              <a:t>证书颁发机构</a:t>
+            </a:r>
+            <a:endParaRPr lang="en-US" altLang="zh-CN" dirty="0" smtClean="0"/>
+          </a:p>
+          <a:p>
+            <a:r>
+              <a:rPr lang="zh-CN" altLang="en-US" dirty="0" smtClean="0"/>
+              <a:t>信任链</a:t>
+            </a:r>
+            <a:endParaRPr lang="en-US" altLang="zh-CN" dirty="0" smtClean="0"/>
+          </a:p>
+          <a:p>
+            <a:r>
+              <a:rPr lang="zh-CN" altLang="en-US" dirty="0" smtClean="0"/>
+              <a:t>子证书父签名</a:t>
+            </a:r>
+            <a:endParaRPr lang="en-US" altLang="zh-CN" dirty="0" smtClean="0"/>
+          </a:p>
+          <a:p>
+            <a:r>
+              <a:rPr lang="zh-CN" altLang="en-US" dirty="0" smtClean="0"/>
+              <a:t>根证书自签名</a:t>
+            </a:r>
+            <a:endParaRPr lang="zh-CN" altLang="en-US" dirty="0"/>
           </a:p>
         </p:txBody>
       </p:sp>
       <p:pic>
         <p:nvPicPr>
-          <p:cNvPr id="7" name="图片占位符 6" descr="白色沙滩上的花朵、海星和贝壳的特写" title="Beach photo"/>
+          <p:cNvPr id="1028" name="Picture 4"/>
           <p:cNvPicPr>
-            <a:picLocks noGrp="1" noChangeAspect="1"/>
+            <a:picLocks noChangeAspect="1" noChangeArrowheads="1"/>
           </p:cNvPicPr>
-          <p:nvPr>
-            <p:ph type="pic" idx="1"/>
-          </p:nvPr>
+          <p:nvPr/>
         </p:nvPicPr>
         <p:blipFill>
-          <a:blip r:embed="rId2" cstate="print">
+          <a:blip r:embed="rId2">
             <a:extLst>
               <a:ext uri="{28A0092B-C50C-407E-A947-70E740481C1C}">
                 <a14:useLocalDpi xmlns:a14="http://schemas.microsoft.com/office/drawing/2010/main" val="0"/>
@@ -20828,12 +21152,107 @@
             <a:fillRect/>
           </a:stretch>
         </p:blipFill>
-        <p:spPr/>
+        <p:spPr bwMode="auto">
+          <a:xfrm>
+            <a:off x="3088749" y="2049158"/>
+            <a:ext cx="4796902" cy="3144713"/>
+          </a:xfrm>
+          <a:prstGeom prst="rect">
+            <a:avLst/>
+          </a:prstGeom>
+          <a:noFill/>
+          <a:ln>
+            <a:noFill/>
+          </a:ln>
+          <a:effectLst/>
+          <a:extLst>
+            <a:ext uri="{909E8E84-426E-40DD-AFC4-6F175D3DCCD1}">
+              <a14:hiddenFill xmlns:a14="http://schemas.microsoft.com/office/drawing/2010/main">
+                <a:solidFill>
+                  <a:schemeClr val="accent1"/>
+                </a:solidFill>
+              </a14:hiddenFill>
+            </a:ext>
+            <a:ext uri="{91240B29-F687-4F45-9708-019B960494DF}">
+              <a14:hiddenLine xmlns:a14="http://schemas.microsoft.com/office/drawing/2010/main" w="9525">
+                <a:solidFill>
+                  <a:schemeClr val="tx1"/>
+                </a:solidFill>
+                <a:miter lim="800000"/>
+                <a:headEnd/>
+                <a:tailEnd/>
+              </a14:hiddenLine>
+            </a:ext>
+            <a:ext uri="{AF507438-7753-43E0-B8FC-AC1667EBCBE1}">
+              <a14:hiddenEffects xmlns:a14="http://schemas.microsoft.com/office/drawing/2010/main">
+                <a:effectLst>
+                  <a:outerShdw dist="35921" dir="2700000" algn="ctr" rotWithShape="0">
+                    <a:schemeClr val="bg2"/>
+                  </a:outerShdw>
+                </a:effectLst>
+              </a14:hiddenEffects>
+            </a:ext>
+          </a:extLst>
+        </p:spPr>
+      </p:pic>
+      <p:pic>
+        <p:nvPicPr>
+          <p:cNvPr id="1029" name="Picture 5"/>
+          <p:cNvPicPr>
+            <a:picLocks noChangeAspect="1" noChangeArrowheads="1"/>
+          </p:cNvPicPr>
+          <p:nvPr/>
+        </p:nvPicPr>
+        <p:blipFill>
+          <a:blip r:embed="rId3">
+            <a:extLst>
+              <a:ext uri="{28A0092B-C50C-407E-A947-70E740481C1C}">
+                <a14:useLocalDpi xmlns:a14="http://schemas.microsoft.com/office/drawing/2010/main" val="0"/>
+              </a:ext>
+            </a:extLst>
+          </a:blip>
+          <a:srcRect/>
+          <a:stretch>
+            <a:fillRect/>
+          </a:stretch>
+        </p:blipFill>
+        <p:spPr bwMode="auto">
+          <a:xfrm>
+            <a:off x="8154099" y="1391261"/>
+            <a:ext cx="3990975" cy="4629150"/>
+          </a:xfrm>
+          <a:prstGeom prst="rect">
+            <a:avLst/>
+          </a:prstGeom>
+          <a:noFill/>
+          <a:ln>
+            <a:noFill/>
+          </a:ln>
+          <a:extLst>
+            <a:ext uri="{909E8E84-426E-40DD-AFC4-6F175D3DCCD1}">
+              <a14:hiddenFill xmlns:a14="http://schemas.microsoft.com/office/drawing/2010/main">
+                <a:solidFill>
+                  <a:schemeClr val="accent1"/>
+                </a:solidFill>
+              </a14:hiddenFill>
+            </a:ext>
+            <a:ext uri="{91240B29-F687-4F45-9708-019B960494DF}">
+              <a14:hiddenLine xmlns:a14="http://schemas.microsoft.com/office/drawing/2010/main" w="9525">
+                <a:solidFill>
+                  <a:schemeClr val="tx1"/>
+                </a:solidFill>
+                <a:miter lim="800000"/>
+                <a:headEnd/>
+                <a:tailEnd/>
+              </a14:hiddenLine>
+            </a:ext>
+          </a:extLst>
+        </p:spPr>
       </p:pic>
     </p:spTree>
     <p:extLst>
       <p:ext uri="{BB962C8B-B14F-4D97-AF65-F5344CB8AC3E}">
-        <p14:creationId xmlns:p14="http://schemas.microsoft.com/office/powerpoint/2010/main" val="361883921"/>
+        <p14:creationId xmlns:p14="http://schemas.microsoft.com/office/powerpoint/2010/main" val="975371604"/>
       </p:ext>
     </p:extLst>
   </p:cSld>
@@ -21142,6 +21561,497 @@
           <a:lstStyle/>
           <a:p>
             <a:r>
+              <a:rPr lang="en-US" altLang="zh-CN" dirty="0" smtClean="0"/>
+              <a:t>HTTPS</a:t>
+            </a:r>
+            <a:r>
+              <a:rPr lang="zh-CN" altLang="en-US" dirty="0" smtClean="0"/>
+              <a:t>协议</a:t>
+            </a:r>
+            <a:endParaRPr lang="zh-CN" altLang="en-US" dirty="0"/>
+          </a:p>
+        </p:txBody>
+      </p:sp>
+      <p:sp>
+        <p:nvSpPr>
+          <p:cNvPr id="3" name="内容占位符 2"/>
+          <p:cNvSpPr>
+            <a:spLocks noGrp="1"/>
+          </p:cNvSpPr>
+          <p:nvPr>
+            <p:ph idx="1"/>
+          </p:nvPr>
+        </p:nvSpPr>
+        <p:spPr/>
+        <p:txBody>
+          <a:bodyPr/>
+          <a:lstStyle/>
+          <a:p>
+            <a:r>
+              <a:rPr lang="en-US" altLang="zh-CN" dirty="0"/>
+              <a:t>HTTPS</a:t>
+            </a:r>
+            <a:r>
+              <a:rPr lang="zh-CN" altLang="en-US" dirty="0" smtClean="0"/>
+              <a:t>协议栈</a:t>
+            </a:r>
+            <a:endParaRPr lang="en-US" altLang="zh-CN" dirty="0" smtClean="0"/>
+          </a:p>
+          <a:p>
+            <a:r>
+              <a:rPr lang="en-US" altLang="zh-CN" dirty="0"/>
+              <a:t>HTTPS</a:t>
+            </a:r>
+            <a:r>
+              <a:rPr lang="en-US" altLang="zh-CN" dirty="0" smtClean="0"/>
+              <a:t> = HTTP + SSL / TLS</a:t>
+            </a:r>
+          </a:p>
+          <a:p>
+            <a:r>
+              <a:rPr lang="en-US" altLang="zh-CN" dirty="0" smtClean="0"/>
+              <a:t>TLS = </a:t>
+            </a:r>
+            <a:r>
+              <a:rPr lang="zh-CN" altLang="en-US" dirty="0" smtClean="0"/>
+              <a:t>数字证书 </a:t>
+            </a:r>
+            <a:r>
+              <a:rPr lang="en-US" altLang="zh-CN" dirty="0" smtClean="0"/>
+              <a:t>+ </a:t>
+            </a:r>
+            <a:r>
+              <a:rPr lang="zh-CN" altLang="en-US" dirty="0" smtClean="0"/>
+              <a:t>密钥协商</a:t>
+            </a:r>
+            <a:endParaRPr lang="zh-CN" altLang="en-US" dirty="0"/>
+          </a:p>
+        </p:txBody>
+      </p:sp>
+      <p:pic>
+        <p:nvPicPr>
+          <p:cNvPr id="3078" name="Picture 6"/>
+          <p:cNvPicPr>
+            <a:picLocks noChangeAspect="1" noChangeArrowheads="1"/>
+          </p:cNvPicPr>
+          <p:nvPr/>
+        </p:nvPicPr>
+        <p:blipFill>
+          <a:blip r:embed="rId2">
+            <a:extLst>
+              <a:ext uri="{28A0092B-C50C-407E-A947-70E740481C1C}">
+                <a14:useLocalDpi xmlns:a14="http://schemas.microsoft.com/office/drawing/2010/main" val="0"/>
+              </a:ext>
+            </a:extLst>
+          </a:blip>
+          <a:srcRect/>
+          <a:stretch>
+            <a:fillRect/>
+          </a:stretch>
+        </p:blipFill>
+        <p:spPr bwMode="auto">
+          <a:xfrm>
+            <a:off x="6830940" y="1875129"/>
+            <a:ext cx="4024415" cy="3866105"/>
+          </a:xfrm>
+          <a:prstGeom prst="rect">
+            <a:avLst/>
+          </a:prstGeom>
+          <a:noFill/>
+          <a:ln>
+            <a:noFill/>
+          </a:ln>
+          <a:effectLst/>
+          <a:extLst>
+            <a:ext uri="{909E8E84-426E-40DD-AFC4-6F175D3DCCD1}">
+              <a14:hiddenFill xmlns:a14="http://schemas.microsoft.com/office/drawing/2010/main">
+                <a:solidFill>
+                  <a:schemeClr val="accent1"/>
+                </a:solidFill>
+              </a14:hiddenFill>
+            </a:ext>
+            <a:ext uri="{91240B29-F687-4F45-9708-019B960494DF}">
+              <a14:hiddenLine xmlns:a14="http://schemas.microsoft.com/office/drawing/2010/main" w="9525">
+                <a:solidFill>
+                  <a:schemeClr val="tx1"/>
+                </a:solidFill>
+                <a:miter lim="800000"/>
+                <a:headEnd/>
+                <a:tailEnd/>
+              </a14:hiddenLine>
+            </a:ext>
+            <a:ext uri="{AF507438-7753-43E0-B8FC-AC1667EBCBE1}">
+              <a14:hiddenEffects xmlns:a14="http://schemas.microsoft.com/office/drawing/2010/main">
+                <a:effectLst>
+                  <a:outerShdw dist="35921" dir="2700000" algn="ctr" rotWithShape="0">
+                    <a:schemeClr val="bg2"/>
+                  </a:outerShdw>
+                </a:effectLst>
+              </a14:hiddenEffects>
+            </a:ext>
+          </a:extLst>
+        </p:spPr>
+      </p:pic>
+    </p:spTree>
+    <p:extLst>
+      <p:ext uri="{BB962C8B-B14F-4D97-AF65-F5344CB8AC3E}">
+        <p14:creationId xmlns:p14="http://schemas.microsoft.com/office/powerpoint/2010/main" val="2698096970"/>
+      </p:ext>
+    </p:extLst>
+  </p:cSld>
+  <p:clrMapOvr>
+    <a:masterClrMapping/>
+  </p:clrMapOvr>
+  <mc:AlternateContent xmlns:mc="http://schemas.openxmlformats.org/markup-compatibility/2006" xmlns:p14="http://schemas.microsoft.com/office/powerpoint/2010/main">
+    <mc:Choice Requires="p14">
+      <p:transition spd="med" p14:dur="700">
+        <p:fade/>
+      </p:transition>
+    </mc:Choice>
+    <mc:Fallback xmlns="">
+      <p:transition spd="med">
+        <p:fade/>
+      </p:transition>
+    </mc:Fallback>
+  </mc:AlternateContent>
+</p:sld>
+</file>
+
+<file path=ppt/slides/slide31.xml><?xml version="1.0" encoding="utf-8"?>
+<p:sld xmlns:a="http://schemas.openxmlformats.org/drawingml/2006/main" xmlns:r="http://schemas.openxmlformats.org/officeDocument/2006/relationships" xmlns:p="http://schemas.openxmlformats.org/presentationml/2006/main">
+  <p:cSld>
+    <p:spTree>
+      <p:nvGrpSpPr>
+        <p:cNvPr id="1" name=""/>
+        <p:cNvGrpSpPr/>
+        <p:nvPr/>
+      </p:nvGrpSpPr>
+      <p:grpSpPr>
+        <a:xfrm>
+          <a:off x="0" y="0"/>
+          <a:ext cx="0" cy="0"/>
+          <a:chOff x="0" y="0"/>
+          <a:chExt cx="0" cy="0"/>
+        </a:xfrm>
+      </p:grpSpPr>
+      <p:sp>
+        <p:nvSpPr>
+          <p:cNvPr id="2" name="标题 1"/>
+          <p:cNvSpPr>
+            <a:spLocks noGrp="1"/>
+          </p:cNvSpPr>
+          <p:nvPr>
+            <p:ph type="title"/>
+          </p:nvPr>
+        </p:nvSpPr>
+        <p:spPr/>
+        <p:txBody>
+          <a:bodyPr/>
+          <a:lstStyle/>
+          <a:p>
+            <a:r>
+              <a:rPr lang="en-US" altLang="zh-CN" dirty="0" smtClean="0"/>
+              <a:t>HTTPS</a:t>
+            </a:r>
+            <a:r>
+              <a:rPr lang="zh-CN" altLang="en-US" dirty="0" smtClean="0"/>
+              <a:t>握手过程</a:t>
+            </a:r>
+            <a:endParaRPr lang="zh-CN" altLang="en-US" dirty="0"/>
+          </a:p>
+        </p:txBody>
+      </p:sp>
+      <p:sp>
+        <p:nvSpPr>
+          <p:cNvPr id="3" name="内容占位符 2"/>
+          <p:cNvSpPr>
+            <a:spLocks noGrp="1"/>
+          </p:cNvSpPr>
+          <p:nvPr>
+            <p:ph idx="1"/>
+          </p:nvPr>
+        </p:nvSpPr>
+        <p:spPr/>
+        <p:txBody>
+          <a:bodyPr/>
+          <a:lstStyle/>
+          <a:p>
+            <a:endParaRPr lang="zh-CN" altLang="en-US"/>
+          </a:p>
+        </p:txBody>
+      </p:sp>
+    </p:spTree>
+    <p:extLst>
+      <p:ext uri="{BB962C8B-B14F-4D97-AF65-F5344CB8AC3E}">
+        <p14:creationId xmlns:p14="http://schemas.microsoft.com/office/powerpoint/2010/main" val="1493164648"/>
+      </p:ext>
+    </p:extLst>
+  </p:cSld>
+  <p:clrMapOvr>
+    <a:masterClrMapping/>
+  </p:clrMapOvr>
+  <mc:AlternateContent xmlns:mc="http://schemas.openxmlformats.org/markup-compatibility/2006" xmlns:p14="http://schemas.microsoft.com/office/powerpoint/2010/main">
+    <mc:Choice Requires="p14">
+      <p:transition spd="med" p14:dur="700">
+        <p:fade/>
+      </p:transition>
+    </mc:Choice>
+    <mc:Fallback xmlns="">
+      <p:transition spd="med">
+        <p:fade/>
+      </p:transition>
+    </mc:Fallback>
+  </mc:AlternateContent>
+</p:sld>
+</file>
+
+<file path=ppt/slides/slide32.xml><?xml version="1.0" encoding="utf-8"?>
+<p:sld xmlns:a="http://schemas.openxmlformats.org/drawingml/2006/main" xmlns:r="http://schemas.openxmlformats.org/officeDocument/2006/relationships" xmlns:p="http://schemas.openxmlformats.org/presentationml/2006/main">
+  <p:cSld>
+    <p:spTree>
+      <p:nvGrpSpPr>
+        <p:cNvPr id="1" name=""/>
+        <p:cNvGrpSpPr/>
+        <p:nvPr/>
+      </p:nvGrpSpPr>
+      <p:grpSpPr>
+        <a:xfrm>
+          <a:off x="0" y="0"/>
+          <a:ext cx="0" cy="0"/>
+          <a:chOff x="0" y="0"/>
+          <a:chExt cx="0" cy="0"/>
+        </a:xfrm>
+      </p:grpSpPr>
+      <p:sp>
+        <p:nvSpPr>
+          <p:cNvPr id="2" name="标题 1"/>
+          <p:cNvSpPr>
+            <a:spLocks noGrp="1"/>
+          </p:cNvSpPr>
+          <p:nvPr>
+            <p:ph type="title"/>
+          </p:nvPr>
+        </p:nvSpPr>
+        <p:spPr/>
+        <p:txBody>
+          <a:bodyPr/>
+          <a:lstStyle/>
+          <a:p>
+            <a:r>
+              <a:rPr lang="zh-CN"/>
+              <a:t>标题和内容版式与图表</a:t>
+            </a:r>
+          </a:p>
+        </p:txBody>
+      </p:sp>
+      <p:graphicFrame>
+        <p:nvGraphicFramePr>
+          <p:cNvPr id="6" name="内容占位符 5"/>
+          <p:cNvGraphicFramePr>
+            <a:graphicFrameLocks noGrp="1"/>
+          </p:cNvGraphicFramePr>
+          <p:nvPr>
+            <p:ph idx="1"/>
+            <p:extLst>
+              <p:ext uri="{D42A27DB-BD31-4B8C-83A1-F6EECF244321}">
+                <p14:modId xmlns:p14="http://schemas.microsoft.com/office/powerpoint/2010/main" val="1698860746"/>
+              </p:ext>
+            </p:extLst>
+          </p:nvPr>
+        </p:nvGraphicFramePr>
+        <p:xfrm>
+          <a:off x="1341438" y="1573213"/>
+          <a:ext cx="9510712" cy="4141787"/>
+        </p:xfrm>
+        <a:graphic>
+          <a:graphicData uri="http://schemas.openxmlformats.org/drawingml/2006/chart">
+            <c:chart xmlns:c="http://schemas.openxmlformats.org/drawingml/2006/chart" xmlns:r="http://schemas.openxmlformats.org/officeDocument/2006/relationships" r:id="rId2"/>
+          </a:graphicData>
+        </a:graphic>
+      </p:graphicFrame>
+    </p:spTree>
+    <p:extLst>
+      <p:ext uri="{BB962C8B-B14F-4D97-AF65-F5344CB8AC3E}">
+        <p14:creationId xmlns:p14="http://schemas.microsoft.com/office/powerpoint/2010/main" val="2578687163"/>
+      </p:ext>
+    </p:extLst>
+  </p:cSld>
+  <p:clrMapOvr>
+    <a:masterClrMapping/>
+  </p:clrMapOvr>
+  <mc:AlternateContent xmlns:mc="http://schemas.openxmlformats.org/markup-compatibility/2006" xmlns:p14="http://schemas.microsoft.com/office/powerpoint/2010/main">
+    <mc:Choice Requires="p14">
+      <p:transition spd="med" p14:dur="700">
+        <p:fade/>
+      </p:transition>
+    </mc:Choice>
+    <mc:Fallback xmlns="">
+      <p:transition spd="med">
+        <p:fade/>
+      </p:transition>
+    </mc:Fallback>
+  </mc:AlternateContent>
+  <p:timing>
+    <p:tnLst>
+      <p:par>
+        <p:cTn id="1" dur="indefinite" restart="never" nodeType="tmRoot"/>
+      </p:par>
+    </p:tnLst>
+  </p:timing>
+</p:sld>
+</file>
+
+<file path=ppt/slides/slide33.xml><?xml version="1.0" encoding="utf-8"?>
+<p:sld xmlns:a="http://schemas.openxmlformats.org/drawingml/2006/main" xmlns:r="http://schemas.openxmlformats.org/officeDocument/2006/relationships" xmlns:p="http://schemas.openxmlformats.org/presentationml/2006/main">
+  <p:cSld>
+    <p:spTree>
+      <p:nvGrpSpPr>
+        <p:cNvPr id="1" name=""/>
+        <p:cNvGrpSpPr/>
+        <p:nvPr/>
+      </p:nvGrpSpPr>
+      <p:grpSpPr>
+        <a:xfrm>
+          <a:off x="0" y="0"/>
+          <a:ext cx="0" cy="0"/>
+          <a:chOff x="0" y="0"/>
+          <a:chExt cx="0" cy="0"/>
+        </a:xfrm>
+      </p:grpSpPr>
+      <p:sp>
+        <p:nvSpPr>
+          <p:cNvPr id="2" name="标题 1"/>
+          <p:cNvSpPr>
+            <a:spLocks noGrp="1"/>
+          </p:cNvSpPr>
+          <p:nvPr>
+            <p:ph type="title"/>
+          </p:nvPr>
+        </p:nvSpPr>
+        <p:spPr/>
+        <p:txBody>
+          <a:bodyPr/>
+          <a:lstStyle/>
+          <a:p>
+            <a:r>
+              <a:rPr lang="zh-CN"/>
+              <a:t>图片与标题版式</a:t>
+            </a:r>
+          </a:p>
+        </p:txBody>
+      </p:sp>
+      <p:sp>
+        <p:nvSpPr>
+          <p:cNvPr id="4" name="文本占位符 3"/>
+          <p:cNvSpPr>
+            <a:spLocks noGrp="1"/>
+          </p:cNvSpPr>
+          <p:nvPr>
+            <p:ph type="body" sz="half" idx="2"/>
+          </p:nvPr>
+        </p:nvSpPr>
+        <p:spPr/>
+        <p:txBody>
+          <a:bodyPr/>
+          <a:lstStyle/>
+          <a:p>
+            <a:r>
+              <a:rPr lang="zh-CN"/>
+              <a:t>标题</a:t>
+            </a:r>
+          </a:p>
+        </p:txBody>
+      </p:sp>
+      <p:pic>
+        <p:nvPicPr>
+          <p:cNvPr id="7" name="图片占位符 6" descr="白色沙滩上的花朵、海星和贝壳的特写" title="Beach photo"/>
+          <p:cNvPicPr>
+            <a:picLocks noGrp="1" noChangeAspect="1"/>
+          </p:cNvPicPr>
+          <p:nvPr>
+            <p:ph type="pic" idx="1"/>
+          </p:nvPr>
+        </p:nvPicPr>
+        <p:blipFill>
+          <a:blip r:embed="rId2" cstate="print">
+            <a:extLst>
+              <a:ext uri="{28A0092B-C50C-407E-A947-70E740481C1C}">
+                <a14:useLocalDpi xmlns:a14="http://schemas.microsoft.com/office/drawing/2010/main" val="0"/>
+              </a:ext>
+            </a:extLst>
+          </a:blip>
+          <a:srcRect/>
+          <a:stretch>
+            <a:fillRect/>
+          </a:stretch>
+        </p:blipFill>
+        <p:spPr/>
+      </p:pic>
+    </p:spTree>
+    <p:extLst>
+      <p:ext uri="{BB962C8B-B14F-4D97-AF65-F5344CB8AC3E}">
+        <p14:creationId xmlns:p14="http://schemas.microsoft.com/office/powerpoint/2010/main" val="361883921"/>
+      </p:ext>
+    </p:extLst>
+  </p:cSld>
+  <p:clrMapOvr>
+    <a:masterClrMapping/>
+  </p:clrMapOvr>
+  <mc:AlternateContent xmlns:mc="http://schemas.openxmlformats.org/markup-compatibility/2006" xmlns:p14="http://schemas.microsoft.com/office/powerpoint/2010/main">
+    <mc:Choice Requires="p14">
+      <p:transition spd="med" p14:dur="700">
+        <p:fade/>
+      </p:transition>
+    </mc:Choice>
+    <mc:Fallback xmlns="">
+      <p:transition spd="med">
+        <p:fade/>
+      </p:transition>
+    </mc:Fallback>
+  </mc:AlternateContent>
+  <p:timing>
+    <p:tnLst>
+      <p:par>
+        <p:cTn id="1" dur="indefinite" restart="never" nodeType="tmRoot"/>
+      </p:par>
+    </p:tnLst>
+  </p:timing>
+</p:sld>
+</file>
+
+<file path=ppt/slides/slide34.xml><?xml version="1.0" encoding="utf-8"?>
+<p:sld xmlns:a="http://schemas.openxmlformats.org/drawingml/2006/main" xmlns:r="http://schemas.openxmlformats.org/officeDocument/2006/relationships" xmlns:p="http://schemas.openxmlformats.org/presentationml/2006/main">
+  <p:cSld>
+    <p:spTree>
+      <p:nvGrpSpPr>
+        <p:cNvPr id="1" name=""/>
+        <p:cNvGrpSpPr/>
+        <p:nvPr/>
+      </p:nvGrpSpPr>
+      <p:grpSpPr>
+        <a:xfrm>
+          <a:off x="0" y="0"/>
+          <a:ext cx="0" cy="0"/>
+          <a:chOff x="0" y="0"/>
+          <a:chExt cx="0" cy="0"/>
+        </a:xfrm>
+      </p:grpSpPr>
+      <p:sp>
+        <p:nvSpPr>
+          <p:cNvPr id="2" name="标题 1"/>
+          <p:cNvSpPr>
+            <a:spLocks noGrp="1"/>
+          </p:cNvSpPr>
+          <p:nvPr>
+            <p:ph type="title"/>
+          </p:nvPr>
+        </p:nvSpPr>
+        <p:spPr/>
+        <p:txBody>
+          <a:bodyPr/>
+          <a:lstStyle/>
+          <a:p>
+            <a:r>
               <a:rPr lang="zh-CN" dirty="0"/>
               <a:t>两栏内容版式与表格</a:t>
             </a:r>
@@ -21211,21 +22121,21 @@
                 <a:gridCol w="1524000">
                   <a:extLst>
                     <a:ext uri="{9D8B030D-6E8A-4147-A177-3AD203B41FA5}">
-                      <a16:colId xmlns:a16="http://schemas.microsoft.com/office/drawing/2014/main" val="20000"/>
+                      <a16:colId xmlns:a16="http://schemas.microsoft.com/office/drawing/2014/main" xmlns="" val="20000"/>
                     </a:ext>
                   </a:extLst>
                 </a:gridCol>
                 <a:gridCol w="1524000">
                   <a:extLst>
                     <a:ext uri="{9D8B030D-6E8A-4147-A177-3AD203B41FA5}">
-                      <a16:colId xmlns:a16="http://schemas.microsoft.com/office/drawing/2014/main" val="20001"/>
+                      <a16:colId xmlns:a16="http://schemas.microsoft.com/office/drawing/2014/main" xmlns="" val="20001"/>
                     </a:ext>
                   </a:extLst>
                 </a:gridCol>
                 <a:gridCol w="1524000">
                   <a:extLst>
                     <a:ext uri="{9D8B030D-6E8A-4147-A177-3AD203B41FA5}">
-                      <a16:colId xmlns:a16="http://schemas.microsoft.com/office/drawing/2014/main" val="20002"/>
+                      <a16:colId xmlns:a16="http://schemas.microsoft.com/office/drawing/2014/main" xmlns="" val="20002"/>
                     </a:ext>
                   </a:extLst>
                 </a:gridCol>
@@ -21280,7 +22190,7 @@
                 </a:tc>
                 <a:extLst>
                   <a:ext uri="{0D108BD9-81ED-4DB2-BD59-A6C34878D82A}">
-                    <a16:rowId xmlns:a16="http://schemas.microsoft.com/office/drawing/2014/main" val="10000"/>
+                    <a16:rowId xmlns:a16="http://schemas.microsoft.com/office/drawing/2014/main" xmlns="" val="10000"/>
                   </a:ext>
                 </a:extLst>
               </a:tr>
@@ -21337,7 +22247,7 @@
                 </a:tc>
                 <a:extLst>
                   <a:ext uri="{0D108BD9-81ED-4DB2-BD59-A6C34878D82A}">
-                    <a16:rowId xmlns:a16="http://schemas.microsoft.com/office/drawing/2014/main" val="10001"/>
+                    <a16:rowId xmlns:a16="http://schemas.microsoft.com/office/drawing/2014/main" xmlns="" val="10001"/>
                   </a:ext>
                 </a:extLst>
               </a:tr>
@@ -21394,7 +22304,7 @@
                 </a:tc>
                 <a:extLst>
                   <a:ext uri="{0D108BD9-81ED-4DB2-BD59-A6C34878D82A}">
-                    <a16:rowId xmlns:a16="http://schemas.microsoft.com/office/drawing/2014/main" val="10002"/>
+                    <a16:rowId xmlns:a16="http://schemas.microsoft.com/office/drawing/2014/main" xmlns="" val="10002"/>
                   </a:ext>
                 </a:extLst>
               </a:tr>
@@ -21451,7 +22361,7 @@
                 </a:tc>
                 <a:extLst>
                   <a:ext uri="{0D108BD9-81ED-4DB2-BD59-A6C34878D82A}">
-                    <a16:rowId xmlns:a16="http://schemas.microsoft.com/office/drawing/2014/main" val="10003"/>
+                    <a16:rowId xmlns:a16="http://schemas.microsoft.com/office/drawing/2014/main" xmlns="" val="10003"/>
                   </a:ext>
                 </a:extLst>
               </a:tr>
@@ -21491,7 +22401,7 @@
 </p:sld>
 </file>
 
-<file path=ppt/slides/slide31.xml><?xml version="1.0" encoding="utf-8"?>
+<file path=ppt/slides/slide35.xml><?xml version="1.0" encoding="utf-8"?>
 <p:sld xmlns:a="http://schemas.openxmlformats.org/drawingml/2006/main" xmlns:r="http://schemas.openxmlformats.org/officeDocument/2006/relationships" xmlns:p="http://schemas.openxmlformats.org/presentationml/2006/main">
   <p:cSld>
     <p:spTree>
@@ -21621,7 +22531,7 @@
 </p:sld>
 </file>
 
-<file path=ppt/slides/slide32.xml><?xml version="1.0" encoding="utf-8"?>
+<file path=ppt/slides/slide36.xml><?xml version="1.0" encoding="utf-8"?>
 <p:sld xmlns:a="http://schemas.openxmlformats.org/drawingml/2006/main" xmlns:r="http://schemas.openxmlformats.org/officeDocument/2006/relationships" xmlns:p="http://schemas.openxmlformats.org/presentationml/2006/main">
   <p:cSld>
     <p:spTree>
@@ -21708,7 +22618,7 @@
 </p:sld>
 </file>
 
-<file path=ppt/slides/slide33.xml><?xml version="1.0" encoding="utf-8"?>
+<file path=ppt/slides/slide37.xml><?xml version="1.0" encoding="utf-8"?>
 <p:sld xmlns:a="http://schemas.openxmlformats.org/drawingml/2006/main" xmlns:r="http://schemas.openxmlformats.org/officeDocument/2006/relationships" xmlns:p="http://schemas.openxmlformats.org/presentationml/2006/main">
   <p:cSld>
     <p:spTree>
@@ -21852,7 +22762,7 @@
 </p:sld>
 </file>
 
-<file path=ppt/slides/slide34.xml><?xml version="1.0" encoding="utf-8"?>
+<file path=ppt/slides/slide38.xml><?xml version="1.0" encoding="utf-8"?>
 <p:sld xmlns:a="http://schemas.openxmlformats.org/drawingml/2006/main" xmlns:r="http://schemas.openxmlformats.org/officeDocument/2006/relationships" xmlns:p="http://schemas.openxmlformats.org/presentationml/2006/main">
   <p:cSld>
     <p:spTree>
@@ -21920,7 +22830,7 @@
 </p:sld>
 </file>
 
-<file path=ppt/slides/slide35.xml><?xml version="1.0" encoding="utf-8"?>
+<file path=ppt/slides/slide39.xml><?xml version="1.0" encoding="utf-8"?>
 <p:sld xmlns:a="http://schemas.openxmlformats.org/drawingml/2006/main" xmlns:r="http://schemas.openxmlformats.org/officeDocument/2006/relationships" xmlns:p="http://schemas.openxmlformats.org/presentationml/2006/main">
   <p:cSld>
     <p:spTree>
@@ -21941,112 +22851,6 @@
     <p:extLst>
       <p:ext uri="{BB962C8B-B14F-4D97-AF65-F5344CB8AC3E}">
         <p14:creationId xmlns:p14="http://schemas.microsoft.com/office/powerpoint/2010/main" val="428241947"/>
-      </p:ext>
-    </p:extLst>
-  </p:cSld>
-  <p:clrMapOvr>
-    <a:masterClrMapping/>
-  </p:clrMapOvr>
-  <mc:AlternateContent xmlns:mc="http://schemas.openxmlformats.org/markup-compatibility/2006" xmlns:p14="http://schemas.microsoft.com/office/powerpoint/2010/main">
-    <mc:Choice Requires="p14">
-      <p:transition spd="med" p14:dur="700">
-        <p:fade/>
-      </p:transition>
-    </mc:Choice>
-    <mc:Fallback xmlns="">
-      <p:transition spd="med">
-        <p:fade/>
-      </p:transition>
-    </mc:Fallback>
-  </mc:AlternateContent>
-  <p:timing>
-    <p:tnLst>
-      <p:par>
-        <p:cTn id="1" dur="indefinite" restart="never" nodeType="tmRoot"/>
-      </p:par>
-    </p:tnLst>
-  </p:timing>
-</p:sld>
-</file>
-
-<file path=ppt/slides/slide36.xml><?xml version="1.0" encoding="utf-8"?>
-<p:sld xmlns:a="http://schemas.openxmlformats.org/drawingml/2006/main" xmlns:r="http://schemas.openxmlformats.org/officeDocument/2006/relationships" xmlns:p="http://schemas.openxmlformats.org/presentationml/2006/main">
-  <p:cSld>
-    <p:spTree>
-      <p:nvGrpSpPr>
-        <p:cNvPr id="1" name=""/>
-        <p:cNvGrpSpPr/>
-        <p:nvPr/>
-      </p:nvGrpSpPr>
-      <p:grpSpPr>
-        <a:xfrm>
-          <a:off x="0" y="0"/>
-          <a:ext cx="0" cy="0"/>
-          <a:chOff x="0" y="0"/>
-          <a:chExt cx="0" cy="0"/>
-        </a:xfrm>
-      </p:grpSpPr>
-      <p:sp>
-        <p:nvSpPr>
-          <p:cNvPr id="2" name="标题 1"/>
-          <p:cNvSpPr>
-            <a:spLocks noGrp="1"/>
-          </p:cNvSpPr>
-          <p:nvPr>
-            <p:ph type="title"/>
-          </p:nvPr>
-        </p:nvSpPr>
-        <p:spPr/>
-        <p:txBody>
-          <a:bodyPr/>
-          <a:lstStyle/>
-          <a:p>
-            <a:endParaRPr lang="zh-CN" dirty="0"/>
-          </a:p>
-        </p:txBody>
-      </p:sp>
-      <p:sp>
-        <p:nvSpPr>
-          <p:cNvPr id="3" name="内容占位符 2"/>
-          <p:cNvSpPr>
-            <a:spLocks noGrp="1"/>
-          </p:cNvSpPr>
-          <p:nvPr>
-            <p:ph idx="1"/>
-          </p:nvPr>
-        </p:nvSpPr>
-        <p:spPr/>
-        <p:txBody>
-          <a:bodyPr/>
-          <a:lstStyle/>
-          <a:p>
-            <a:endParaRPr lang="zh-CN"/>
-          </a:p>
-        </p:txBody>
-      </p:sp>
-      <p:sp>
-        <p:nvSpPr>
-          <p:cNvPr id="4" name="文本占位符 3"/>
-          <p:cNvSpPr>
-            <a:spLocks noGrp="1"/>
-          </p:cNvSpPr>
-          <p:nvPr>
-            <p:ph type="body" sz="half" idx="2"/>
-          </p:nvPr>
-        </p:nvSpPr>
-        <p:spPr/>
-        <p:txBody>
-          <a:bodyPr/>
-          <a:lstStyle/>
-          <a:p>
-            <a:endParaRPr lang="zh-CN"/>
-          </a:p>
-        </p:txBody>
-      </p:sp>
-    </p:spTree>
-    <p:extLst>
-      <p:ext uri="{BB962C8B-B14F-4D97-AF65-F5344CB8AC3E}">
-        <p14:creationId xmlns:p14="http://schemas.microsoft.com/office/powerpoint/2010/main" val="161801657"/>
       </p:ext>
     </p:extLst>
   </p:cSld>
@@ -22168,6 +22972,112 @@
     <p:extLst>
       <p:ext uri="{BB962C8B-B14F-4D97-AF65-F5344CB8AC3E}">
         <p14:creationId xmlns:p14="http://schemas.microsoft.com/office/powerpoint/2010/main" val="762458791"/>
+      </p:ext>
+    </p:extLst>
+  </p:cSld>
+  <p:clrMapOvr>
+    <a:masterClrMapping/>
+  </p:clrMapOvr>
+  <mc:AlternateContent xmlns:mc="http://schemas.openxmlformats.org/markup-compatibility/2006" xmlns:p14="http://schemas.microsoft.com/office/powerpoint/2010/main">
+    <mc:Choice Requires="p14">
+      <p:transition spd="med" p14:dur="700">
+        <p:fade/>
+      </p:transition>
+    </mc:Choice>
+    <mc:Fallback xmlns="">
+      <p:transition spd="med">
+        <p:fade/>
+      </p:transition>
+    </mc:Fallback>
+  </mc:AlternateContent>
+  <p:timing>
+    <p:tnLst>
+      <p:par>
+        <p:cTn id="1" dur="indefinite" restart="never" nodeType="tmRoot"/>
+      </p:par>
+    </p:tnLst>
+  </p:timing>
+</p:sld>
+</file>
+
+<file path=ppt/slides/slide40.xml><?xml version="1.0" encoding="utf-8"?>
+<p:sld xmlns:a="http://schemas.openxmlformats.org/drawingml/2006/main" xmlns:r="http://schemas.openxmlformats.org/officeDocument/2006/relationships" xmlns:p="http://schemas.openxmlformats.org/presentationml/2006/main">
+  <p:cSld>
+    <p:spTree>
+      <p:nvGrpSpPr>
+        <p:cNvPr id="1" name=""/>
+        <p:cNvGrpSpPr/>
+        <p:nvPr/>
+      </p:nvGrpSpPr>
+      <p:grpSpPr>
+        <a:xfrm>
+          <a:off x="0" y="0"/>
+          <a:ext cx="0" cy="0"/>
+          <a:chOff x="0" y="0"/>
+          <a:chExt cx="0" cy="0"/>
+        </a:xfrm>
+      </p:grpSpPr>
+      <p:sp>
+        <p:nvSpPr>
+          <p:cNvPr id="2" name="标题 1"/>
+          <p:cNvSpPr>
+            <a:spLocks noGrp="1"/>
+          </p:cNvSpPr>
+          <p:nvPr>
+            <p:ph type="title"/>
+          </p:nvPr>
+        </p:nvSpPr>
+        <p:spPr/>
+        <p:txBody>
+          <a:bodyPr/>
+          <a:lstStyle/>
+          <a:p>
+            <a:endParaRPr lang="zh-CN" dirty="0"/>
+          </a:p>
+        </p:txBody>
+      </p:sp>
+      <p:sp>
+        <p:nvSpPr>
+          <p:cNvPr id="3" name="内容占位符 2"/>
+          <p:cNvSpPr>
+            <a:spLocks noGrp="1"/>
+          </p:cNvSpPr>
+          <p:nvPr>
+            <p:ph idx="1"/>
+          </p:nvPr>
+        </p:nvSpPr>
+        <p:spPr/>
+        <p:txBody>
+          <a:bodyPr/>
+          <a:lstStyle/>
+          <a:p>
+            <a:endParaRPr lang="zh-CN"/>
+          </a:p>
+        </p:txBody>
+      </p:sp>
+      <p:sp>
+        <p:nvSpPr>
+          <p:cNvPr id="4" name="文本占位符 3"/>
+          <p:cNvSpPr>
+            <a:spLocks noGrp="1"/>
+          </p:cNvSpPr>
+          <p:nvPr>
+            <p:ph type="body" sz="half" idx="2"/>
+          </p:nvPr>
+        </p:nvSpPr>
+        <p:spPr/>
+        <p:txBody>
+          <a:bodyPr/>
+          <a:lstStyle/>
+          <a:p>
+            <a:endParaRPr lang="zh-CN"/>
+          </a:p>
+        </p:txBody>
+      </p:sp>
+    </p:spTree>
+    <p:extLst>
+      <p:ext uri="{BB962C8B-B14F-4D97-AF65-F5344CB8AC3E}">
+        <p14:creationId xmlns:p14="http://schemas.microsoft.com/office/powerpoint/2010/main" val="161801657"/>
       </p:ext>
     </p:extLst>
   </p:cSld>
@@ -23802,21 +24712,21 @@
                 <a:gridCol w="3170237">
                   <a:extLst>
                     <a:ext uri="{9D8B030D-6E8A-4147-A177-3AD203B41FA5}">
-                      <a16:colId xmlns:a16="http://schemas.microsoft.com/office/drawing/2014/main" val="1262576194"/>
+                      <a16:colId xmlns:a16="http://schemas.microsoft.com/office/drawing/2014/main" xmlns="" val="1262576194"/>
                     </a:ext>
                   </a:extLst>
                 </a:gridCol>
                 <a:gridCol w="3170237">
                   <a:extLst>
                     <a:ext uri="{9D8B030D-6E8A-4147-A177-3AD203B41FA5}">
-                      <a16:colId xmlns:a16="http://schemas.microsoft.com/office/drawing/2014/main" val="1627258925"/>
+                      <a16:colId xmlns:a16="http://schemas.microsoft.com/office/drawing/2014/main" xmlns="" val="1627258925"/>
                     </a:ext>
                   </a:extLst>
                 </a:gridCol>
                 <a:gridCol w="3170237">
                   <a:extLst>
                     <a:ext uri="{9D8B030D-6E8A-4147-A177-3AD203B41FA5}">
-                      <a16:colId xmlns:a16="http://schemas.microsoft.com/office/drawing/2014/main" val="279132191"/>
+                      <a16:colId xmlns:a16="http://schemas.microsoft.com/office/drawing/2014/main" xmlns="" val="279132191"/>
                     </a:ext>
                   </a:extLst>
                 </a:gridCol>
@@ -23887,7 +24797,7 @@
                 </a:tc>
                 <a:extLst>
                   <a:ext uri="{0D108BD9-81ED-4DB2-BD59-A6C34878D82A}">
-                    <a16:rowId xmlns:a16="http://schemas.microsoft.com/office/drawing/2014/main" val="3704071744"/>
+                    <a16:rowId xmlns:a16="http://schemas.microsoft.com/office/drawing/2014/main" xmlns="" val="3704071744"/>
                   </a:ext>
                 </a:extLst>
               </a:tr>
@@ -23957,7 +24867,7 @@
                 </a:tc>
                 <a:extLst>
                   <a:ext uri="{0D108BD9-81ED-4DB2-BD59-A6C34878D82A}">
-                    <a16:rowId xmlns:a16="http://schemas.microsoft.com/office/drawing/2014/main" val="3056097180"/>
+                    <a16:rowId xmlns:a16="http://schemas.microsoft.com/office/drawing/2014/main" xmlns="" val="3056097180"/>
                   </a:ext>
                 </a:extLst>
               </a:tr>
@@ -24045,7 +24955,7 @@
                 </a:tc>
                 <a:extLst>
                   <a:ext uri="{0D108BD9-81ED-4DB2-BD59-A6C34878D82A}">
-                    <a16:rowId xmlns:a16="http://schemas.microsoft.com/office/drawing/2014/main" val="3398222936"/>
+                    <a16:rowId xmlns:a16="http://schemas.microsoft.com/office/drawing/2014/main" xmlns="" val="3398222936"/>
                   </a:ext>
                 </a:extLst>
               </a:tr>
@@ -24115,7 +25025,7 @@
                 </a:tc>
                 <a:extLst>
                   <a:ext uri="{0D108BD9-81ED-4DB2-BD59-A6C34878D82A}">
-                    <a16:rowId xmlns:a16="http://schemas.microsoft.com/office/drawing/2014/main" val="3661055458"/>
+                    <a16:rowId xmlns:a16="http://schemas.microsoft.com/office/drawing/2014/main" xmlns="" val="3661055458"/>
                   </a:ext>
                 </a:extLst>
               </a:tr>

--- a/Java安全架构.pptx
+++ b/Java安全架构.pptx
@@ -5,16 +5,16 @@
     <p:sldMasterId id="2147483840" r:id="rId2"/>
   </p:sldMasterIdLst>
   <p:notesMasterIdLst>
-    <p:notesMasterId r:id="rId43"/>
+    <p:notesMasterId r:id="rId35"/>
   </p:notesMasterIdLst>
   <p:handoutMasterIdLst>
-    <p:handoutMasterId r:id="rId44"/>
+    <p:handoutMasterId r:id="rId36"/>
   </p:handoutMasterIdLst>
   <p:sldIdLst>
     <p:sldId id="256" r:id="rId3"/>
     <p:sldId id="257" r:id="rId4"/>
     <p:sldId id="268" r:id="rId5"/>
-    <p:sldId id="270" r:id="rId6"/>
+    <p:sldId id="297" r:id="rId6"/>
     <p:sldId id="267" r:id="rId7"/>
     <p:sldId id="269" r:id="rId8"/>
     <p:sldId id="271" r:id="rId9"/>
@@ -42,15 +42,7 @@
     <p:sldId id="294" r:id="rId31"/>
     <p:sldId id="295" r:id="rId32"/>
     <p:sldId id="296" r:id="rId33"/>
-    <p:sldId id="258" r:id="rId34"/>
-    <p:sldId id="266" r:id="rId35"/>
-    <p:sldId id="260" r:id="rId36"/>
-    <p:sldId id="259" r:id="rId37"/>
-    <p:sldId id="261" r:id="rId38"/>
-    <p:sldId id="262" r:id="rId39"/>
-    <p:sldId id="263" r:id="rId40"/>
-    <p:sldId id="264" r:id="rId41"/>
-    <p:sldId id="265" r:id="rId42"/>
+    <p:sldId id="266" r:id="rId34"/>
   </p:sldIdLst>
   <p:sldSz cx="12192000" cy="6858000"/>
   <p:notesSz cx="6858000" cy="9144000"/>
@@ -151,7 +143,7 @@
   </p:defaultTextStyle>
   <p:extLst>
     <p:ext uri="{EFAFB233-063F-42B5-8137-9DF3F51BA10A}">
-      <p15:sldGuideLst xmlns:p15="http://schemas.microsoft.com/office/powerpoint/2012/main" xmlns="">
+      <p15:sldGuideLst xmlns="" xmlns:p15="http://schemas.microsoft.com/office/powerpoint/2012/main">
         <p15:guide id="1" orient="horz" pos="2160">
           <p15:clr>
             <a:srgbClr val="A4A3A4"/>
@@ -165,4177 +157,10 @@
       </p15:sldGuideLst>
     </p:ext>
     <p:ext uri="{2D200454-40CA-4A62-9FC3-DE9A4176ACB9}">
-      <p15:notesGuideLst xmlns:p15="http://schemas.microsoft.com/office/powerpoint/2012/main" xmlns=""/>
+      <p15:notesGuideLst xmlns="" xmlns:p15="http://schemas.microsoft.com/office/powerpoint/2012/main"/>
     </p:ext>
   </p:extLst>
 </p:presentation>
-</file>
-
-<file path=ppt/charts/chart1.xml><?xml version="1.0" encoding="utf-8"?>
-<c:chartSpace xmlns:c="http://schemas.openxmlformats.org/drawingml/2006/chart" xmlns:a="http://schemas.openxmlformats.org/drawingml/2006/main" xmlns:r="http://schemas.openxmlformats.org/officeDocument/2006/relationships">
-  <c:date1904 val="0"/>
-  <c:lang val="zh-CN"/>
-  <c:roundedCorners val="0"/>
-  <mc:AlternateContent xmlns:mc="http://schemas.openxmlformats.org/markup-compatibility/2006">
-    <mc:Choice xmlns:c14="http://schemas.microsoft.com/office/drawing/2007/8/2/chart" Requires="c14">
-      <c14:style val="102"/>
-    </mc:Choice>
-    <mc:Fallback>
-      <c:style val="2"/>
-    </mc:Fallback>
-  </mc:AlternateContent>
-  <c:chart>
-    <c:autoTitleDeleted val="1"/>
-    <c:plotArea>
-      <c:layout/>
-      <c:barChart>
-        <c:barDir val="col"/>
-        <c:grouping val="clustered"/>
-        <c:varyColors val="0"/>
-        <c:ser>
-          <c:idx val="0"/>
-          <c:order val="0"/>
-          <c:tx>
-            <c:strRef>
-              <c:f>Sheet1!$B$1</c:f>
-              <c:strCache>
-                <c:ptCount val="1"/>
-                <c:pt idx="0">
-                  <c:v>系列 1</c:v>
-                </c:pt>
-              </c:strCache>
-            </c:strRef>
-          </c:tx>
-          <c:spPr>
-            <a:gradFill flip="none" rotWithShape="1">
-              <a:gsLst>
-                <a:gs pos="0">
-                  <a:schemeClr val="accent1"/>
-                </a:gs>
-                <a:gs pos="75000">
-                  <a:schemeClr val="accent1">
-                    <a:lumMod val="60000"/>
-                    <a:lumOff val="40000"/>
-                  </a:schemeClr>
-                </a:gs>
-                <a:gs pos="51000">
-                  <a:schemeClr val="accent1">
-                    <a:alpha val="75000"/>
-                  </a:schemeClr>
-                </a:gs>
-                <a:gs pos="100000">
-                  <a:schemeClr val="accent1">
-                    <a:lumMod val="20000"/>
-                    <a:lumOff val="80000"/>
-                    <a:alpha val="15000"/>
-                  </a:schemeClr>
-                </a:gs>
-              </a:gsLst>
-              <a:lin ang="5400000" scaled="0"/>
-            </a:gradFill>
-            <a:ln>
-              <a:noFill/>
-            </a:ln>
-            <a:effectLst/>
-          </c:spPr>
-          <c:invertIfNegative val="0"/>
-          <c:cat>
-            <c:strRef>
-              <c:f>Sheet1!$A$2:$A$5</c:f>
-              <c:strCache>
-                <c:ptCount val="4"/>
-                <c:pt idx="0">
-                  <c:v>类别 1</c:v>
-                </c:pt>
-                <c:pt idx="1">
-                  <c:v>类别 2</c:v>
-                </c:pt>
-                <c:pt idx="2">
-                  <c:v>类别 3</c:v>
-                </c:pt>
-                <c:pt idx="3">
-                  <c:v>类别 4</c:v>
-                </c:pt>
-              </c:strCache>
-            </c:strRef>
-          </c:cat>
-          <c:val>
-            <c:numRef>
-              <c:f>Sheet1!$B$2:$B$5</c:f>
-              <c:numCache>
-                <c:formatCode>General</c:formatCode>
-                <c:ptCount val="4"/>
-                <c:pt idx="0">
-                  <c:v>4.3</c:v>
-                </c:pt>
-                <c:pt idx="1">
-                  <c:v>2.5</c:v>
-                </c:pt>
-                <c:pt idx="2">
-                  <c:v>3.5</c:v>
-                </c:pt>
-                <c:pt idx="3">
-                  <c:v>4.5</c:v>
-                </c:pt>
-              </c:numCache>
-            </c:numRef>
-          </c:val>
-          <c:extLst xmlns:c16r2="http://schemas.microsoft.com/office/drawing/2015/06/chart">
-            <c:ext xmlns:c16="http://schemas.microsoft.com/office/drawing/2014/chart" uri="{C3380CC4-5D6E-409C-BE32-E72D297353CC}">
-              <c16:uniqueId val="{00000000-66A3-48EC-BF15-F5D7A2B6F1B2}"/>
-            </c:ext>
-          </c:extLst>
-        </c:ser>
-        <c:ser>
-          <c:idx val="1"/>
-          <c:order val="1"/>
-          <c:tx>
-            <c:strRef>
-              <c:f>Sheet1!$C$1</c:f>
-              <c:strCache>
-                <c:ptCount val="1"/>
-                <c:pt idx="0">
-                  <c:v>系列 2</c:v>
-                </c:pt>
-              </c:strCache>
-            </c:strRef>
-          </c:tx>
-          <c:spPr>
-            <a:gradFill flip="none" rotWithShape="1">
-              <a:gsLst>
-                <a:gs pos="0">
-                  <a:schemeClr val="accent2"/>
-                </a:gs>
-                <a:gs pos="75000">
-                  <a:schemeClr val="accent2">
-                    <a:lumMod val="60000"/>
-                    <a:lumOff val="40000"/>
-                  </a:schemeClr>
-                </a:gs>
-                <a:gs pos="51000">
-                  <a:schemeClr val="accent2">
-                    <a:alpha val="75000"/>
-                  </a:schemeClr>
-                </a:gs>
-                <a:gs pos="100000">
-                  <a:schemeClr val="accent2">
-                    <a:lumMod val="20000"/>
-                    <a:lumOff val="80000"/>
-                    <a:alpha val="15000"/>
-                  </a:schemeClr>
-                </a:gs>
-              </a:gsLst>
-              <a:lin ang="5400000" scaled="0"/>
-            </a:gradFill>
-            <a:ln>
-              <a:noFill/>
-            </a:ln>
-            <a:effectLst/>
-          </c:spPr>
-          <c:invertIfNegative val="0"/>
-          <c:cat>
-            <c:strRef>
-              <c:f>Sheet1!$A$2:$A$5</c:f>
-              <c:strCache>
-                <c:ptCount val="4"/>
-                <c:pt idx="0">
-                  <c:v>类别 1</c:v>
-                </c:pt>
-                <c:pt idx="1">
-                  <c:v>类别 2</c:v>
-                </c:pt>
-                <c:pt idx="2">
-                  <c:v>类别 3</c:v>
-                </c:pt>
-                <c:pt idx="3">
-                  <c:v>类别 4</c:v>
-                </c:pt>
-              </c:strCache>
-            </c:strRef>
-          </c:cat>
-          <c:val>
-            <c:numRef>
-              <c:f>Sheet1!$C$2:$C$5</c:f>
-              <c:numCache>
-                <c:formatCode>General</c:formatCode>
-                <c:ptCount val="4"/>
-                <c:pt idx="0">
-                  <c:v>2.4</c:v>
-                </c:pt>
-                <c:pt idx="1">
-                  <c:v>4.4000000000000004</c:v>
-                </c:pt>
-                <c:pt idx="2">
-                  <c:v>1.8</c:v>
-                </c:pt>
-                <c:pt idx="3">
-                  <c:v>2.8</c:v>
-                </c:pt>
-              </c:numCache>
-            </c:numRef>
-          </c:val>
-          <c:extLst xmlns:c16r2="http://schemas.microsoft.com/office/drawing/2015/06/chart">
-            <c:ext xmlns:c16="http://schemas.microsoft.com/office/drawing/2014/chart" uri="{C3380CC4-5D6E-409C-BE32-E72D297353CC}">
-              <c16:uniqueId val="{00000001-66A3-48EC-BF15-F5D7A2B6F1B2}"/>
-            </c:ext>
-          </c:extLst>
-        </c:ser>
-        <c:ser>
-          <c:idx val="2"/>
-          <c:order val="2"/>
-          <c:tx>
-            <c:strRef>
-              <c:f>Sheet1!$D$1</c:f>
-              <c:strCache>
-                <c:ptCount val="1"/>
-                <c:pt idx="0">
-                  <c:v>系列 3</c:v>
-                </c:pt>
-              </c:strCache>
-            </c:strRef>
-          </c:tx>
-          <c:spPr>
-            <a:gradFill flip="none" rotWithShape="1">
-              <a:gsLst>
-                <a:gs pos="0">
-                  <a:schemeClr val="accent3"/>
-                </a:gs>
-                <a:gs pos="75000">
-                  <a:schemeClr val="accent3">
-                    <a:lumMod val="60000"/>
-                    <a:lumOff val="40000"/>
-                  </a:schemeClr>
-                </a:gs>
-                <a:gs pos="51000">
-                  <a:schemeClr val="accent3">
-                    <a:alpha val="75000"/>
-                  </a:schemeClr>
-                </a:gs>
-                <a:gs pos="100000">
-                  <a:schemeClr val="accent3">
-                    <a:lumMod val="20000"/>
-                    <a:lumOff val="80000"/>
-                    <a:alpha val="15000"/>
-                  </a:schemeClr>
-                </a:gs>
-              </a:gsLst>
-              <a:lin ang="5400000" scaled="0"/>
-            </a:gradFill>
-            <a:ln>
-              <a:noFill/>
-            </a:ln>
-            <a:effectLst/>
-          </c:spPr>
-          <c:invertIfNegative val="0"/>
-          <c:cat>
-            <c:strRef>
-              <c:f>Sheet1!$A$2:$A$5</c:f>
-              <c:strCache>
-                <c:ptCount val="4"/>
-                <c:pt idx="0">
-                  <c:v>类别 1</c:v>
-                </c:pt>
-                <c:pt idx="1">
-                  <c:v>类别 2</c:v>
-                </c:pt>
-                <c:pt idx="2">
-                  <c:v>类别 3</c:v>
-                </c:pt>
-                <c:pt idx="3">
-                  <c:v>类别 4</c:v>
-                </c:pt>
-              </c:strCache>
-            </c:strRef>
-          </c:cat>
-          <c:val>
-            <c:numRef>
-              <c:f>Sheet1!$D$2:$D$5</c:f>
-              <c:numCache>
-                <c:formatCode>General</c:formatCode>
-                <c:ptCount val="4"/>
-                <c:pt idx="0">
-                  <c:v>2</c:v>
-                </c:pt>
-                <c:pt idx="1">
-                  <c:v>2</c:v>
-                </c:pt>
-                <c:pt idx="2">
-                  <c:v>3</c:v>
-                </c:pt>
-                <c:pt idx="3">
-                  <c:v>5</c:v>
-                </c:pt>
-              </c:numCache>
-            </c:numRef>
-          </c:val>
-          <c:extLst xmlns:c16r2="http://schemas.microsoft.com/office/drawing/2015/06/chart">
-            <c:ext xmlns:c16="http://schemas.microsoft.com/office/drawing/2014/chart" uri="{C3380CC4-5D6E-409C-BE32-E72D297353CC}">
-              <c16:uniqueId val="{00000002-66A3-48EC-BF15-F5D7A2B6F1B2}"/>
-            </c:ext>
-          </c:extLst>
-        </c:ser>
-        <c:dLbls>
-          <c:showLegendKey val="0"/>
-          <c:showVal val="0"/>
-          <c:showCatName val="0"/>
-          <c:showSerName val="0"/>
-          <c:showPercent val="0"/>
-          <c:showBubbleSize val="0"/>
-        </c:dLbls>
-        <c:gapWidth val="355"/>
-        <c:overlap val="-70"/>
-        <c:axId val="261851776"/>
-        <c:axId val="261857664"/>
-      </c:barChart>
-      <c:catAx>
-        <c:axId val="261851776"/>
-        <c:scaling>
-          <c:orientation val="minMax"/>
-        </c:scaling>
-        <c:delete val="0"/>
-        <c:axPos val="b"/>
-        <c:numFmt formatCode="General" sourceLinked="1"/>
-        <c:majorTickMark val="none"/>
-        <c:minorTickMark val="none"/>
-        <c:tickLblPos val="nextTo"/>
-        <c:spPr>
-          <a:noFill/>
-          <a:ln w="9525" cap="flat" cmpd="sng" algn="ctr">
-            <a:solidFill>
-              <a:schemeClr val="tx1">
-                <a:lumMod val="15000"/>
-                <a:lumOff val="85000"/>
-              </a:schemeClr>
-            </a:solidFill>
-            <a:round/>
-          </a:ln>
-          <a:effectLst/>
-        </c:spPr>
-        <c:txPr>
-          <a:bodyPr rot="-60000000" spcFirstLastPara="1" vertOverflow="ellipsis" vert="horz" wrap="square" anchor="ctr" anchorCtr="1"/>
-          <a:lstStyle/>
-          <a:p>
-            <a:pPr>
-              <a:defRPr sz="1197" b="0" i="0" u="none" strike="noStrike" kern="1200" baseline="0">
-                <a:solidFill>
-                  <a:schemeClr val="tx1">
-                    <a:lumMod val="65000"/>
-                    <a:lumOff val="35000"/>
-                  </a:schemeClr>
-                </a:solidFill>
-                <a:latin typeface="微软雅黑" panose="020B0503020204020204" pitchFamily="34" charset="-122"/>
-                <a:ea typeface="微软雅黑" panose="020B0503020204020204" pitchFamily="34" charset="-122"/>
-                <a:cs typeface="+mn-cs"/>
-              </a:defRPr>
-            </a:pPr>
-            <a:endParaRPr lang="zh-CN"/>
-          </a:p>
-        </c:txPr>
-        <c:crossAx val="261857664"/>
-        <c:crosses val="autoZero"/>
-        <c:auto val="1"/>
-        <c:lblAlgn val="ctr"/>
-        <c:lblOffset val="100"/>
-        <c:noMultiLvlLbl val="0"/>
-      </c:catAx>
-      <c:valAx>
-        <c:axId val="261857664"/>
-        <c:scaling>
-          <c:orientation val="minMax"/>
-        </c:scaling>
-        <c:delete val="0"/>
-        <c:axPos val="l"/>
-        <c:numFmt formatCode="General" sourceLinked="1"/>
-        <c:majorTickMark val="none"/>
-        <c:minorTickMark val="none"/>
-        <c:tickLblPos val="nextTo"/>
-        <c:spPr>
-          <a:noFill/>
-          <a:ln>
-            <a:noFill/>
-          </a:ln>
-          <a:effectLst/>
-        </c:spPr>
-        <c:txPr>
-          <a:bodyPr rot="-60000000" spcFirstLastPara="1" vertOverflow="ellipsis" vert="horz" wrap="square" anchor="ctr" anchorCtr="1"/>
-          <a:lstStyle/>
-          <a:p>
-            <a:pPr>
-              <a:defRPr sz="1197" b="0" i="0" u="none" strike="noStrike" kern="1200" baseline="0">
-                <a:solidFill>
-                  <a:schemeClr val="tx1">
-                    <a:lumMod val="65000"/>
-                    <a:lumOff val="35000"/>
-                  </a:schemeClr>
-                </a:solidFill>
-                <a:latin typeface="微软雅黑" panose="020B0503020204020204" pitchFamily="34" charset="-122"/>
-                <a:ea typeface="微软雅黑" panose="020B0503020204020204" pitchFamily="34" charset="-122"/>
-                <a:cs typeface="+mn-cs"/>
-              </a:defRPr>
-            </a:pPr>
-            <a:endParaRPr lang="zh-CN"/>
-          </a:p>
-        </c:txPr>
-        <c:crossAx val="261851776"/>
-        <c:crosses val="autoZero"/>
-        <c:crossBetween val="between"/>
-      </c:valAx>
-      <c:spPr>
-        <a:noFill/>
-        <a:ln>
-          <a:noFill/>
-        </a:ln>
-        <a:effectLst/>
-      </c:spPr>
-    </c:plotArea>
-    <c:legend>
-      <c:legendPos val="b"/>
-      <c:layout/>
-      <c:overlay val="0"/>
-      <c:spPr>
-        <a:noFill/>
-        <a:ln>
-          <a:noFill/>
-        </a:ln>
-        <a:effectLst/>
-      </c:spPr>
-      <c:txPr>
-        <a:bodyPr rot="0" spcFirstLastPara="1" vertOverflow="ellipsis" vert="horz" wrap="square" anchor="ctr" anchorCtr="1"/>
-        <a:lstStyle/>
-        <a:p>
-          <a:pPr>
-            <a:defRPr sz="1197" b="0" i="0" u="none" strike="noStrike" kern="1200" baseline="0">
-              <a:solidFill>
-                <a:schemeClr val="tx1">
-                  <a:lumMod val="65000"/>
-                  <a:lumOff val="35000"/>
-                </a:schemeClr>
-              </a:solidFill>
-              <a:latin typeface="微软雅黑" panose="020B0503020204020204" pitchFamily="34" charset="-122"/>
-              <a:ea typeface="微软雅黑" panose="020B0503020204020204" pitchFamily="34" charset="-122"/>
-              <a:cs typeface="+mn-cs"/>
-            </a:defRPr>
-          </a:pPr>
-          <a:endParaRPr lang="zh-CN"/>
-        </a:p>
-      </c:txPr>
-    </c:legend>
-    <c:plotVisOnly val="1"/>
-    <c:dispBlanksAs val="gap"/>
-    <c:showDLblsOverMax val="0"/>
-  </c:chart>
-  <c:spPr>
-    <a:noFill/>
-    <a:ln>
-      <a:noFill/>
-    </a:ln>
-    <a:effectLst/>
-  </c:spPr>
-  <c:txPr>
-    <a:bodyPr/>
-    <a:lstStyle/>
-    <a:p>
-      <a:pPr>
-        <a:defRPr>
-          <a:latin typeface="微软雅黑" panose="020B0503020204020204" pitchFamily="34" charset="-122"/>
-          <a:ea typeface="微软雅黑" panose="020B0503020204020204" pitchFamily="34" charset="-122"/>
-        </a:defRPr>
-      </a:pPr>
-      <a:endParaRPr lang="zh-CN"/>
-    </a:p>
-  </c:txPr>
-  <c:externalData r:id="rId1">
-    <c:autoUpdate val="0"/>
-  </c:externalData>
-</c:chartSpace>
-</file>
-
-<file path=ppt/charts/colors1.xml><?xml version="1.0" encoding="utf-8"?>
-<cs:colorStyle xmlns:cs="http://schemas.microsoft.com/office/drawing/2012/chartStyle" xmlns:a="http://schemas.openxmlformats.org/drawingml/2006/main" meth="cycle" id="10">
-  <a:schemeClr val="accent1"/>
-  <a:schemeClr val="accent2"/>
-  <a:schemeClr val="accent3"/>
-  <a:schemeClr val="accent4"/>
-  <a:schemeClr val="accent5"/>
-  <a:schemeClr val="accent6"/>
-  <cs:variation/>
-  <cs:variation>
-    <a:lumMod val="60000"/>
-  </cs:variation>
-  <cs:variation>
-    <a:lumMod val="80000"/>
-    <a:lumOff val="20000"/>
-  </cs:variation>
-  <cs:variation>
-    <a:lumMod val="80000"/>
-  </cs:variation>
-  <cs:variation>
-    <a:lumMod val="60000"/>
-    <a:lumOff val="40000"/>
-  </cs:variation>
-  <cs:variation>
-    <a:lumMod val="50000"/>
-  </cs:variation>
-  <cs:variation>
-    <a:lumMod val="70000"/>
-    <a:lumOff val="30000"/>
-  </cs:variation>
-  <cs:variation>
-    <a:lumMod val="70000"/>
-  </cs:variation>
-  <cs:variation>
-    <a:lumMod val="50000"/>
-    <a:lumOff val="50000"/>
-  </cs:variation>
-</cs:colorStyle>
-</file>
-
-<file path=ppt/charts/style1.xml><?xml version="1.0" encoding="utf-8"?>
-<cs:chartStyle xmlns:cs="http://schemas.microsoft.com/office/drawing/2012/chartStyle" xmlns:a="http://schemas.openxmlformats.org/drawingml/2006/main" id="210">
-  <cs:axisTitle>
-    <cs:lnRef idx="0"/>
-    <cs:fillRef idx="0"/>
-    <cs:effectRef idx="0"/>
-    <cs:fontRef idx="minor">
-      <a:schemeClr val="tx1">
-        <a:lumMod val="65000"/>
-        <a:lumOff val="35000"/>
-      </a:schemeClr>
-    </cs:fontRef>
-    <cs:defRPr sz="1197" kern="1200" cap="all"/>
-  </cs:axisTitle>
-  <cs:categoryAxis>
-    <cs:lnRef idx="0"/>
-    <cs:fillRef idx="0"/>
-    <cs:effectRef idx="0"/>
-    <cs:fontRef idx="minor">
-      <a:schemeClr val="tx1">
-        <a:lumMod val="65000"/>
-        <a:lumOff val="35000"/>
-      </a:schemeClr>
-    </cs:fontRef>
-    <cs:spPr>
-      <a:ln w="9525" cap="flat" cmpd="sng" algn="ctr">
-        <a:solidFill>
-          <a:schemeClr val="tx1">
-            <a:lumMod val="15000"/>
-            <a:lumOff val="85000"/>
-          </a:schemeClr>
-        </a:solidFill>
-        <a:round/>
-      </a:ln>
-    </cs:spPr>
-    <cs:defRPr sz="1197" kern="1200"/>
-  </cs:categoryAxis>
-  <cs:chartArea mods="allowNoFillOverride allowNoLineOverride">
-    <cs:lnRef idx="0"/>
-    <cs:fillRef idx="0"/>
-    <cs:effectRef idx="0"/>
-    <cs:fontRef idx="minor">
-      <a:schemeClr val="dk1"/>
-    </cs:fontRef>
-    <cs:spPr>
-      <a:solidFill>
-        <a:schemeClr val="bg1"/>
-      </a:solidFill>
-      <a:ln w="9525" cap="flat" cmpd="sng" algn="ctr">
-        <a:solidFill>
-          <a:schemeClr val="tx1">
-            <a:lumMod val="15000"/>
-            <a:lumOff val="85000"/>
-          </a:schemeClr>
-        </a:solidFill>
-        <a:round/>
-      </a:ln>
-    </cs:spPr>
-    <cs:defRPr sz="1197" kern="1200"/>
-  </cs:chartArea>
-  <cs:dataLabel>
-    <cs:lnRef idx="0"/>
-    <cs:fillRef idx="0"/>
-    <cs:effectRef idx="0"/>
-    <cs:fontRef idx="minor">
-      <a:schemeClr val="tx1">
-        <a:lumMod val="75000"/>
-        <a:lumOff val="25000"/>
-      </a:schemeClr>
-    </cs:fontRef>
-    <cs:defRPr sz="1197" kern="1200"/>
-  </cs:dataLabel>
-  <cs:dataLabelCallout>
-    <cs:lnRef idx="0"/>
-    <cs:fillRef idx="0"/>
-    <cs:effectRef idx="0"/>
-    <cs:fontRef idx="minor">
-      <a:schemeClr val="bg1"/>
-    </cs:fontRef>
-    <cs:spPr>
-      <a:solidFill>
-        <a:schemeClr val="tx1">
-          <a:lumMod val="50000"/>
-          <a:lumOff val="50000"/>
-        </a:schemeClr>
-      </a:solidFill>
-    </cs:spPr>
-    <cs:defRPr sz="1197" kern="1200"/>
-    <cs:bodyPr rot="0" spcFirstLastPara="1" vertOverflow="clip" horzOverflow="clip" vert="horz" wrap="square" lIns="36576" tIns="18288" rIns="36576" bIns="18288" anchor="ctr" anchorCtr="1">
-      <a:spAutoFit/>
-    </cs:bodyPr>
-  </cs:dataLabelCallout>
-  <cs:dataPoint>
-    <cs:lnRef idx="0"/>
-    <cs:fillRef idx="0">
-      <cs:styleClr val="auto"/>
-    </cs:fillRef>
-    <cs:effectRef idx="0"/>
-    <cs:fontRef idx="minor">
-      <a:schemeClr val="dk1"/>
-    </cs:fontRef>
-    <cs:spPr>
-      <a:gradFill flip="none" rotWithShape="1">
-        <a:gsLst>
-          <a:gs pos="0">
-            <a:schemeClr val="phClr"/>
-          </a:gs>
-          <a:gs pos="75000">
-            <a:schemeClr val="phClr">
-              <a:lumMod val="60000"/>
-              <a:lumOff val="40000"/>
-            </a:schemeClr>
-          </a:gs>
-          <a:gs pos="51000">
-            <a:schemeClr val="phClr">
-              <a:alpha val="75000"/>
-            </a:schemeClr>
-          </a:gs>
-          <a:gs pos="100000">
-            <a:schemeClr val="phClr">
-              <a:lumMod val="20000"/>
-              <a:lumOff val="80000"/>
-              <a:alpha val="15000"/>
-            </a:schemeClr>
-          </a:gs>
-        </a:gsLst>
-        <a:lin ang="5400000" scaled="0"/>
-      </a:gradFill>
-    </cs:spPr>
-  </cs:dataPoint>
-  <cs:dataPoint3D>
-    <cs:lnRef idx="0"/>
-    <cs:fillRef idx="0">
-      <cs:styleClr val="auto"/>
-    </cs:fillRef>
-    <cs:effectRef idx="0"/>
-    <cs:fontRef idx="minor">
-      <a:schemeClr val="dk1"/>
-    </cs:fontRef>
-    <cs:spPr>
-      <a:gradFill flip="none" rotWithShape="1">
-        <a:gsLst>
-          <a:gs pos="0">
-            <a:schemeClr val="phClr"/>
-          </a:gs>
-          <a:gs pos="75000">
-            <a:schemeClr val="phClr">
-              <a:lumMod val="60000"/>
-              <a:lumOff val="40000"/>
-            </a:schemeClr>
-          </a:gs>
-          <a:gs pos="51000">
-            <a:schemeClr val="phClr">
-              <a:alpha val="75000"/>
-            </a:schemeClr>
-          </a:gs>
-          <a:gs pos="100000">
-            <a:schemeClr val="phClr">
-              <a:lumMod val="20000"/>
-              <a:lumOff val="80000"/>
-              <a:alpha val="15000"/>
-            </a:schemeClr>
-          </a:gs>
-        </a:gsLst>
-        <a:lin ang="5400000" scaled="0"/>
-      </a:gradFill>
-    </cs:spPr>
-  </cs:dataPoint3D>
-  <cs:dataPointLine>
-    <cs:lnRef idx="0">
-      <cs:styleClr val="auto"/>
-    </cs:lnRef>
-    <cs:fillRef idx="0"/>
-    <cs:effectRef idx="0"/>
-    <cs:fontRef idx="minor">
-      <a:schemeClr val="dk1"/>
-    </cs:fontRef>
-    <cs:spPr>
-      <a:ln w="28575" cap="rnd">
-        <a:solidFill>
-          <a:schemeClr val="phClr"/>
-        </a:solidFill>
-        <a:round/>
-      </a:ln>
-    </cs:spPr>
-  </cs:dataPointLine>
-  <cs:dataPointMarker>
-    <cs:lnRef idx="0">
-      <cs:styleClr val="auto"/>
-    </cs:lnRef>
-    <cs:fillRef idx="0">
-      <cs:styleClr val="auto"/>
-    </cs:fillRef>
-    <cs:effectRef idx="0"/>
-    <cs:fontRef idx="minor">
-      <a:schemeClr val="dk1"/>
-    </cs:fontRef>
-    <cs:spPr>
-      <a:gradFill flip="none" rotWithShape="1">
-        <a:gsLst>
-          <a:gs pos="0">
-            <a:schemeClr val="phClr"/>
-          </a:gs>
-          <a:gs pos="75000">
-            <a:schemeClr val="phClr">
-              <a:lumMod val="60000"/>
-              <a:lumOff val="40000"/>
-            </a:schemeClr>
-          </a:gs>
-          <a:gs pos="51000">
-            <a:schemeClr val="phClr">
-              <a:alpha val="75000"/>
-            </a:schemeClr>
-          </a:gs>
-          <a:gs pos="100000">
-            <a:schemeClr val="phClr">
-              <a:lumMod val="20000"/>
-              <a:lumOff val="80000"/>
-              <a:alpha val="15000"/>
-            </a:schemeClr>
-          </a:gs>
-        </a:gsLst>
-        <a:lin ang="5400000" scaled="0"/>
-      </a:gradFill>
-      <a:ln w="9525" cap="flat" cmpd="sng" algn="ctr">
-        <a:solidFill>
-          <a:schemeClr val="phClr">
-            <a:shade val="95000"/>
-          </a:schemeClr>
-        </a:solidFill>
-        <a:round/>
-      </a:ln>
-    </cs:spPr>
-  </cs:dataPointMarker>
-  <cs:dataPointMarkerLayout symbol="circle" size="6"/>
-  <cs:dataPointWireframe>
-    <cs:lnRef idx="0">
-      <cs:styleClr val="auto"/>
-    </cs:lnRef>
-    <cs:fillRef idx="0"/>
-    <cs:effectRef idx="0"/>
-    <cs:fontRef idx="minor">
-      <a:schemeClr val="dk1"/>
-    </cs:fontRef>
-    <cs:spPr>
-      <a:ln w="9525" cap="rnd">
-        <a:solidFill>
-          <a:schemeClr val="phClr"/>
-        </a:solidFill>
-        <a:round/>
-      </a:ln>
-    </cs:spPr>
-  </cs:dataPointWireframe>
-  <cs:dataTable>
-    <cs:lnRef idx="0"/>
-    <cs:fillRef idx="0"/>
-    <cs:effectRef idx="0"/>
-    <cs:fontRef idx="minor">
-      <a:schemeClr val="tx1">
-        <a:lumMod val="65000"/>
-        <a:lumOff val="35000"/>
-      </a:schemeClr>
-    </cs:fontRef>
-    <cs:spPr>
-      <a:ln w="9525">
-        <a:solidFill>
-          <a:schemeClr val="tx1">
-            <a:lumMod val="15000"/>
-            <a:lumOff val="85000"/>
-          </a:schemeClr>
-        </a:solidFill>
-      </a:ln>
-    </cs:spPr>
-    <cs:defRPr sz="1197" kern="1200"/>
-  </cs:dataTable>
-  <cs:downBar>
-    <cs:lnRef idx="0"/>
-    <cs:fillRef idx="0"/>
-    <cs:effectRef idx="0"/>
-    <cs:fontRef idx="minor">
-      <a:schemeClr val="dk1"/>
-    </cs:fontRef>
-    <cs:spPr>
-      <a:solidFill>
-        <a:schemeClr val="dk1">
-          <a:lumMod val="75000"/>
-          <a:lumOff val="25000"/>
-        </a:schemeClr>
-      </a:solidFill>
-      <a:ln w="9525">
-        <a:solidFill>
-          <a:schemeClr val="tx1">
-            <a:lumMod val="65000"/>
-            <a:lumOff val="35000"/>
-          </a:schemeClr>
-        </a:solidFill>
-      </a:ln>
-    </cs:spPr>
-  </cs:downBar>
-  <cs:dropLine>
-    <cs:lnRef idx="0"/>
-    <cs:fillRef idx="0"/>
-    <cs:effectRef idx="0"/>
-    <cs:fontRef idx="minor">
-      <a:schemeClr val="dk1"/>
-    </cs:fontRef>
-    <cs:spPr>
-      <a:ln w="9525">
-        <a:solidFill>
-          <a:schemeClr val="tx1">
-            <a:lumMod val="35000"/>
-            <a:lumOff val="65000"/>
-          </a:schemeClr>
-        </a:solidFill>
-      </a:ln>
-    </cs:spPr>
-  </cs:dropLine>
-  <cs:errorBar>
-    <cs:lnRef idx="0"/>
-    <cs:fillRef idx="0"/>
-    <cs:effectRef idx="0"/>
-    <cs:fontRef idx="minor">
-      <a:schemeClr val="dk1"/>
-    </cs:fontRef>
-    <cs:spPr>
-      <a:ln w="9525" cap="flat" cmpd="sng" algn="ctr">
-        <a:solidFill>
-          <a:schemeClr val="tx1">
-            <a:lumMod val="65000"/>
-            <a:lumOff val="35000"/>
-          </a:schemeClr>
-        </a:solidFill>
-        <a:round/>
-      </a:ln>
-    </cs:spPr>
-  </cs:errorBar>
-  <cs:floor>
-    <cs:lnRef idx="0"/>
-    <cs:fillRef idx="0"/>
-    <cs:effectRef idx="0"/>
-    <cs:fontRef idx="minor">
-      <a:schemeClr val="dk1"/>
-    </cs:fontRef>
-  </cs:floor>
-  <cs:gridlineMajor>
-    <cs:lnRef idx="0"/>
-    <cs:fillRef idx="0"/>
-    <cs:effectRef idx="0"/>
-    <cs:fontRef idx="minor">
-      <a:schemeClr val="dk1"/>
-    </cs:fontRef>
-    <cs:spPr>
-      <a:ln w="9525" cap="flat" cmpd="sng" algn="ctr">
-        <a:gradFill>
-          <a:gsLst>
-            <a:gs pos="100000">
-              <a:schemeClr val="tx1">
-                <a:lumMod val="5000"/>
-                <a:lumOff val="95000"/>
-              </a:schemeClr>
-            </a:gs>
-            <a:gs pos="0">
-              <a:schemeClr val="tx1">
-                <a:lumMod val="25000"/>
-                <a:lumOff val="75000"/>
-              </a:schemeClr>
-            </a:gs>
-          </a:gsLst>
-          <a:lin ang="5400000" scaled="0"/>
-        </a:gradFill>
-        <a:round/>
-      </a:ln>
-    </cs:spPr>
-  </cs:gridlineMajor>
-  <cs:gridlineMinor>
-    <cs:lnRef idx="0"/>
-    <cs:fillRef idx="0"/>
-    <cs:effectRef idx="0"/>
-    <cs:fontRef idx="minor">
-      <a:schemeClr val="dk1"/>
-    </cs:fontRef>
-    <cs:spPr>
-      <a:ln w="9525" cap="flat" cmpd="sng" algn="ctr">
-        <a:gradFill>
-          <a:gsLst>
-            <a:gs pos="100000">
-              <a:schemeClr val="tx1">
-                <a:lumMod val="5000"/>
-                <a:lumOff val="95000"/>
-              </a:schemeClr>
-            </a:gs>
-            <a:gs pos="0">
-              <a:schemeClr val="tx1">
-                <a:lumMod val="25000"/>
-                <a:lumOff val="75000"/>
-              </a:schemeClr>
-            </a:gs>
-          </a:gsLst>
-          <a:lin ang="5400000" scaled="0"/>
-        </a:gradFill>
-        <a:round/>
-      </a:ln>
-    </cs:spPr>
-  </cs:gridlineMinor>
-  <cs:hiLoLine>
-    <cs:lnRef idx="0"/>
-    <cs:fillRef idx="0"/>
-    <cs:effectRef idx="0"/>
-    <cs:fontRef idx="minor">
-      <a:schemeClr val="dk1"/>
-    </cs:fontRef>
-    <cs:spPr>
-      <a:ln w="9525">
-        <a:solidFill>
-          <a:schemeClr val="tx1">
-            <a:lumMod val="50000"/>
-            <a:lumOff val="50000"/>
-          </a:schemeClr>
-        </a:solidFill>
-      </a:ln>
-    </cs:spPr>
-  </cs:hiLoLine>
-  <cs:leaderLine>
-    <cs:lnRef idx="0"/>
-    <cs:fillRef idx="0"/>
-    <cs:effectRef idx="0"/>
-    <cs:fontRef idx="minor">
-      <a:schemeClr val="dk1"/>
-    </cs:fontRef>
-    <cs:spPr>
-      <a:ln w="9525">
-        <a:solidFill>
-          <a:schemeClr val="tx1">
-            <a:lumMod val="35000"/>
-            <a:lumOff val="65000"/>
-          </a:schemeClr>
-        </a:solidFill>
-      </a:ln>
-    </cs:spPr>
-  </cs:leaderLine>
-  <cs:legend>
-    <cs:lnRef idx="0"/>
-    <cs:fillRef idx="0"/>
-    <cs:effectRef idx="0"/>
-    <cs:fontRef idx="minor">
-      <a:schemeClr val="tx1">
-        <a:lumMod val="65000"/>
-        <a:lumOff val="35000"/>
-      </a:schemeClr>
-    </cs:fontRef>
-    <cs:defRPr sz="1197" kern="1200"/>
-  </cs:legend>
-  <cs:plotArea mods="allowNoFillOverride allowNoLineOverride">
-    <cs:lnRef idx="0"/>
-    <cs:fillRef idx="0"/>
-    <cs:effectRef idx="0"/>
-    <cs:fontRef idx="minor">
-      <a:schemeClr val="dk1"/>
-    </cs:fontRef>
-  </cs:plotArea>
-  <cs:plotArea3D mods="allowNoFillOverride allowNoLineOverride">
-    <cs:lnRef idx="0"/>
-    <cs:fillRef idx="0"/>
-    <cs:effectRef idx="0"/>
-    <cs:fontRef idx="minor">
-      <a:schemeClr val="dk1"/>
-    </cs:fontRef>
-  </cs:plotArea3D>
-  <cs:seriesAxis>
-    <cs:lnRef idx="0"/>
-    <cs:fillRef idx="0"/>
-    <cs:effectRef idx="0"/>
-    <cs:fontRef idx="minor">
-      <a:schemeClr val="tx1">
-        <a:lumMod val="65000"/>
-        <a:lumOff val="35000"/>
-      </a:schemeClr>
-    </cs:fontRef>
-    <cs:spPr>
-      <a:ln w="9525" cap="flat" cmpd="sng" algn="ctr">
-        <a:solidFill>
-          <a:schemeClr val="tx1">
-            <a:lumMod val="15000"/>
-            <a:lumOff val="85000"/>
-          </a:schemeClr>
-        </a:solidFill>
-        <a:round/>
-        <a:headEnd type="none" w="sm" len="sm"/>
-        <a:tailEnd type="none" w="sm" len="sm"/>
-      </a:ln>
-    </cs:spPr>
-    <cs:defRPr sz="1197" kern="1200"/>
-  </cs:seriesAxis>
-  <cs:seriesLine>
-    <cs:lnRef idx="0"/>
-    <cs:fillRef idx="0"/>
-    <cs:effectRef idx="0"/>
-    <cs:fontRef idx="minor">
-      <a:schemeClr val="dk1"/>
-    </cs:fontRef>
-    <cs:spPr>
-      <a:ln w="9525">
-        <a:solidFill>
-          <a:schemeClr val="tx1">
-            <a:lumMod val="35000"/>
-            <a:lumOff val="65000"/>
-          </a:schemeClr>
-        </a:solidFill>
-        <a:round/>
-      </a:ln>
-    </cs:spPr>
-  </cs:seriesLine>
-  <cs:title>
-    <cs:lnRef idx="0"/>
-    <cs:fillRef idx="0"/>
-    <cs:effectRef idx="0"/>
-    <cs:fontRef idx="minor">
-      <a:schemeClr val="tx1">
-        <a:lumMod val="65000"/>
-        <a:lumOff val="35000"/>
-      </a:schemeClr>
-    </cs:fontRef>
-    <cs:defRPr sz="2200" b="1" kern="1200" cap="all" spc="50" baseline="0"/>
-  </cs:title>
-  <cs:trendline>
-    <cs:lnRef idx="0">
-      <cs:styleClr val="auto"/>
-    </cs:lnRef>
-    <cs:fillRef idx="0"/>
-    <cs:effectRef idx="0"/>
-    <cs:fontRef idx="minor">
-      <a:schemeClr val="dk1"/>
-    </cs:fontRef>
-    <cs:spPr>
-      <a:ln w="9525" cap="rnd">
-        <a:solidFill>
-          <a:schemeClr val="phClr"/>
-        </a:solidFill>
-      </a:ln>
-    </cs:spPr>
-  </cs:trendline>
-  <cs:trendlineLabel>
-    <cs:lnRef idx="0"/>
-    <cs:fillRef idx="0"/>
-    <cs:effectRef idx="0"/>
-    <cs:fontRef idx="minor">
-      <a:schemeClr val="tx1">
-        <a:lumMod val="65000"/>
-        <a:lumOff val="35000"/>
-      </a:schemeClr>
-    </cs:fontRef>
-    <cs:defRPr sz="1197" kern="1200"/>
-  </cs:trendlineLabel>
-  <cs:upBar>
-    <cs:lnRef idx="0"/>
-    <cs:fillRef idx="0"/>
-    <cs:effectRef idx="0"/>
-    <cs:fontRef idx="minor">
-      <a:schemeClr val="dk1"/>
-    </cs:fontRef>
-    <cs:spPr>
-      <a:solidFill>
-        <a:schemeClr val="lt1"/>
-      </a:solidFill>
-      <a:ln w="9525">
-        <a:solidFill>
-          <a:schemeClr val="tx1">
-            <a:lumMod val="65000"/>
-            <a:lumOff val="35000"/>
-          </a:schemeClr>
-        </a:solidFill>
-      </a:ln>
-    </cs:spPr>
-  </cs:upBar>
-  <cs:valueAxis>
-    <cs:lnRef idx="0"/>
-    <cs:fillRef idx="0"/>
-    <cs:effectRef idx="0"/>
-    <cs:fontRef idx="minor">
-      <a:schemeClr val="tx1">
-        <a:lumMod val="65000"/>
-        <a:lumOff val="35000"/>
-      </a:schemeClr>
-    </cs:fontRef>
-    <cs:defRPr sz="1197" kern="1200"/>
-  </cs:valueAxis>
-  <cs:wall>
-    <cs:lnRef idx="0"/>
-    <cs:fillRef idx="0"/>
-    <cs:effectRef idx="0"/>
-    <cs:fontRef idx="minor">
-      <a:schemeClr val="dk1"/>
-    </cs:fontRef>
-  </cs:wall>
-</cs:chartStyle>
-</file>
-
-<file path=ppt/diagrams/colors1.xml><?xml version="1.0" encoding="utf-8"?>
-<dgm:colorsDef xmlns:dgm="http://schemas.openxmlformats.org/drawingml/2006/diagram" xmlns:a="http://schemas.openxmlformats.org/drawingml/2006/main" uniqueId="urn:microsoft.com/office/officeart/2005/8/colors/accent2_2">
-  <dgm:title val=""/>
-  <dgm:desc val=""/>
-  <dgm:catLst>
-    <dgm:cat type="accent2" pri="11200"/>
-  </dgm:catLst>
-  <dgm:styleLbl name="node0">
-    <dgm:fillClrLst meth="repeat">
-      <a:schemeClr val="accent2"/>
-    </dgm:fillClrLst>
-    <dgm:linClrLst meth="repeat">
-      <a:schemeClr val="lt1"/>
-    </dgm:linClrLst>
-    <dgm:effectClrLst/>
-    <dgm:txLinClrLst/>
-    <dgm:txFillClrLst/>
-    <dgm:txEffectClrLst/>
-  </dgm:styleLbl>
-  <dgm:styleLbl name="node1">
-    <dgm:fillClrLst meth="repeat">
-      <a:schemeClr val="accent2"/>
-    </dgm:fillClrLst>
-    <dgm:linClrLst meth="repeat">
-      <a:schemeClr val="lt1"/>
-    </dgm:linClrLst>
-    <dgm:effectClrLst/>
-    <dgm:txLinClrLst/>
-    <dgm:txFillClrLst/>
-    <dgm:txEffectClrLst/>
-  </dgm:styleLbl>
-  <dgm:styleLbl name="alignNode1">
-    <dgm:fillClrLst meth="repeat">
-      <a:schemeClr val="accent2"/>
-    </dgm:fillClrLst>
-    <dgm:linClrLst meth="repeat">
-      <a:schemeClr val="accent2"/>
-    </dgm:linClrLst>
-    <dgm:effectClrLst/>
-    <dgm:txLinClrLst/>
-    <dgm:txFillClrLst/>
-    <dgm:txEffectClrLst/>
-  </dgm:styleLbl>
-  <dgm:styleLbl name="lnNode1">
-    <dgm:fillClrLst meth="repeat">
-      <a:schemeClr val="accent2"/>
-    </dgm:fillClrLst>
-    <dgm:linClrLst meth="repeat">
-      <a:schemeClr val="lt1"/>
-    </dgm:linClrLst>
-    <dgm:effectClrLst/>
-    <dgm:txLinClrLst/>
-    <dgm:txFillClrLst/>
-    <dgm:txEffectClrLst/>
-  </dgm:styleLbl>
-  <dgm:styleLbl name="vennNode1">
-    <dgm:fillClrLst meth="repeat">
-      <a:schemeClr val="accent2">
-        <a:alpha val="50000"/>
-      </a:schemeClr>
-    </dgm:fillClrLst>
-    <dgm:linClrLst meth="repeat">
-      <a:schemeClr val="lt1"/>
-    </dgm:linClrLst>
-    <dgm:effectClrLst/>
-    <dgm:txLinClrLst/>
-    <dgm:txFillClrLst/>
-    <dgm:txEffectClrLst/>
-  </dgm:styleLbl>
-  <dgm:styleLbl name="node2">
-    <dgm:fillClrLst meth="repeat">
-      <a:schemeClr val="accent2"/>
-    </dgm:fillClrLst>
-    <dgm:linClrLst meth="repeat">
-      <a:schemeClr val="lt1"/>
-    </dgm:linClrLst>
-    <dgm:effectClrLst/>
-    <dgm:txLinClrLst/>
-    <dgm:txFillClrLst/>
-    <dgm:txEffectClrLst/>
-  </dgm:styleLbl>
-  <dgm:styleLbl name="node3">
-    <dgm:fillClrLst meth="repeat">
-      <a:schemeClr val="accent2"/>
-    </dgm:fillClrLst>
-    <dgm:linClrLst meth="repeat">
-      <a:schemeClr val="lt1"/>
-    </dgm:linClrLst>
-    <dgm:effectClrLst/>
-    <dgm:txLinClrLst/>
-    <dgm:txFillClrLst/>
-    <dgm:txEffectClrLst/>
-  </dgm:styleLbl>
-  <dgm:styleLbl name="node4">
-    <dgm:fillClrLst meth="repeat">
-      <a:schemeClr val="accent2"/>
-    </dgm:fillClrLst>
-    <dgm:linClrLst meth="repeat">
-      <a:schemeClr val="lt1"/>
-    </dgm:linClrLst>
-    <dgm:effectClrLst/>
-    <dgm:txLinClrLst/>
-    <dgm:txFillClrLst/>
-    <dgm:txEffectClrLst/>
-  </dgm:styleLbl>
-  <dgm:styleLbl name="fgImgPlace1">
-    <dgm:fillClrLst meth="repeat">
-      <a:schemeClr val="accent2">
-        <a:tint val="50000"/>
-      </a:schemeClr>
-    </dgm:fillClrLst>
-    <dgm:linClrLst meth="repeat">
-      <a:schemeClr val="lt1"/>
-    </dgm:linClrLst>
-    <dgm:effectClrLst/>
-    <dgm:txLinClrLst/>
-    <dgm:txFillClrLst meth="repeat">
-      <a:schemeClr val="lt1"/>
-    </dgm:txFillClrLst>
-    <dgm:txEffectClrLst/>
-  </dgm:styleLbl>
-  <dgm:styleLbl name="alignImgPlace1">
-    <dgm:fillClrLst meth="repeat">
-      <a:schemeClr val="accent2">
-        <a:tint val="50000"/>
-      </a:schemeClr>
-    </dgm:fillClrLst>
-    <dgm:linClrLst meth="repeat">
-      <a:schemeClr val="lt1"/>
-    </dgm:linClrLst>
-    <dgm:effectClrLst/>
-    <dgm:txLinClrLst/>
-    <dgm:txFillClrLst meth="repeat">
-      <a:schemeClr val="lt1"/>
-    </dgm:txFillClrLst>
-    <dgm:txEffectClrLst/>
-  </dgm:styleLbl>
-  <dgm:styleLbl name="bgImgPlace1">
-    <dgm:fillClrLst meth="repeat">
-      <a:schemeClr val="accent2">
-        <a:tint val="50000"/>
-      </a:schemeClr>
-    </dgm:fillClrLst>
-    <dgm:linClrLst meth="repeat">
-      <a:schemeClr val="lt1"/>
-    </dgm:linClrLst>
-    <dgm:effectClrLst/>
-    <dgm:txLinClrLst/>
-    <dgm:txFillClrLst meth="repeat">
-      <a:schemeClr val="lt1"/>
-    </dgm:txFillClrLst>
-    <dgm:txEffectClrLst/>
-  </dgm:styleLbl>
-  <dgm:styleLbl name="sibTrans2D1">
-    <dgm:fillClrLst meth="repeat">
-      <a:schemeClr val="accent2">
-        <a:tint val="60000"/>
-      </a:schemeClr>
-    </dgm:fillClrLst>
-    <dgm:linClrLst meth="repeat">
-      <a:schemeClr val="accent2">
-        <a:tint val="60000"/>
-      </a:schemeClr>
-    </dgm:linClrLst>
-    <dgm:effectClrLst/>
-    <dgm:txLinClrLst/>
-    <dgm:txFillClrLst/>
-    <dgm:txEffectClrLst/>
-  </dgm:styleLbl>
-  <dgm:styleLbl name="fgSibTrans2D1">
-    <dgm:fillClrLst meth="repeat">
-      <a:schemeClr val="accent2">
-        <a:tint val="60000"/>
-      </a:schemeClr>
-    </dgm:fillClrLst>
-    <dgm:linClrLst meth="repeat">
-      <a:schemeClr val="accent2">
-        <a:tint val="60000"/>
-      </a:schemeClr>
-    </dgm:linClrLst>
-    <dgm:effectClrLst/>
-    <dgm:txLinClrLst/>
-    <dgm:txFillClrLst/>
-    <dgm:txEffectClrLst/>
-  </dgm:styleLbl>
-  <dgm:styleLbl name="bgSibTrans2D1">
-    <dgm:fillClrLst meth="repeat">
-      <a:schemeClr val="accent2">
-        <a:tint val="60000"/>
-      </a:schemeClr>
-    </dgm:fillClrLst>
-    <dgm:linClrLst meth="repeat">
-      <a:schemeClr val="accent2">
-        <a:tint val="60000"/>
-      </a:schemeClr>
-    </dgm:linClrLst>
-    <dgm:effectClrLst/>
-    <dgm:txLinClrLst/>
-    <dgm:txFillClrLst/>
-    <dgm:txEffectClrLst/>
-  </dgm:styleLbl>
-  <dgm:styleLbl name="sibTrans1D1">
-    <dgm:fillClrLst meth="repeat">
-      <a:schemeClr val="accent2"/>
-    </dgm:fillClrLst>
-    <dgm:linClrLst meth="repeat">
-      <a:schemeClr val="accent2"/>
-    </dgm:linClrLst>
-    <dgm:effectClrLst/>
-    <dgm:txLinClrLst/>
-    <dgm:txFillClrLst meth="repeat">
-      <a:schemeClr val="tx1"/>
-    </dgm:txFillClrLst>
-    <dgm:txEffectClrLst/>
-  </dgm:styleLbl>
-  <dgm:styleLbl name="callout">
-    <dgm:fillClrLst meth="repeat">
-      <a:schemeClr val="accent2"/>
-    </dgm:fillClrLst>
-    <dgm:linClrLst meth="repeat">
-      <a:schemeClr val="accent2">
-        <a:tint val="50000"/>
-      </a:schemeClr>
-    </dgm:linClrLst>
-    <dgm:effectClrLst/>
-    <dgm:txLinClrLst/>
-    <dgm:txFillClrLst meth="repeat">
-      <a:schemeClr val="tx1"/>
-    </dgm:txFillClrLst>
-    <dgm:txEffectClrLst/>
-  </dgm:styleLbl>
-  <dgm:styleLbl name="asst0">
-    <dgm:fillClrLst meth="repeat">
-      <a:schemeClr val="accent2"/>
-    </dgm:fillClrLst>
-    <dgm:linClrLst meth="repeat">
-      <a:schemeClr val="lt1"/>
-    </dgm:linClrLst>
-    <dgm:effectClrLst/>
-    <dgm:txLinClrLst/>
-    <dgm:txFillClrLst/>
-    <dgm:txEffectClrLst/>
-  </dgm:styleLbl>
-  <dgm:styleLbl name="asst1">
-    <dgm:fillClrLst meth="repeat">
-      <a:schemeClr val="accent2"/>
-    </dgm:fillClrLst>
-    <dgm:linClrLst meth="repeat">
-      <a:schemeClr val="lt1"/>
-    </dgm:linClrLst>
-    <dgm:effectClrLst/>
-    <dgm:txLinClrLst/>
-    <dgm:txFillClrLst/>
-    <dgm:txEffectClrLst/>
-  </dgm:styleLbl>
-  <dgm:styleLbl name="asst2">
-    <dgm:fillClrLst meth="repeat">
-      <a:schemeClr val="accent2"/>
-    </dgm:fillClrLst>
-    <dgm:linClrLst meth="repeat">
-      <a:schemeClr val="lt1"/>
-    </dgm:linClrLst>
-    <dgm:effectClrLst/>
-    <dgm:txLinClrLst/>
-    <dgm:txFillClrLst/>
-    <dgm:txEffectClrLst/>
-  </dgm:styleLbl>
-  <dgm:styleLbl name="asst3">
-    <dgm:fillClrLst meth="repeat">
-      <a:schemeClr val="accent2"/>
-    </dgm:fillClrLst>
-    <dgm:linClrLst meth="repeat">
-      <a:schemeClr val="lt1"/>
-    </dgm:linClrLst>
-    <dgm:effectClrLst/>
-    <dgm:txLinClrLst/>
-    <dgm:txFillClrLst/>
-    <dgm:txEffectClrLst/>
-  </dgm:styleLbl>
-  <dgm:styleLbl name="asst4">
-    <dgm:fillClrLst meth="repeat">
-      <a:schemeClr val="accent2"/>
-    </dgm:fillClrLst>
-    <dgm:linClrLst meth="repeat">
-      <a:schemeClr val="lt1"/>
-    </dgm:linClrLst>
-    <dgm:effectClrLst/>
-    <dgm:txLinClrLst/>
-    <dgm:txFillClrLst/>
-    <dgm:txEffectClrLst/>
-  </dgm:styleLbl>
-  <dgm:styleLbl name="parChTrans2D1">
-    <dgm:fillClrLst meth="repeat">
-      <a:schemeClr val="accent2">
-        <a:tint val="60000"/>
-      </a:schemeClr>
-    </dgm:fillClrLst>
-    <dgm:linClrLst meth="repeat">
-      <a:schemeClr val="accent2">
-        <a:tint val="60000"/>
-      </a:schemeClr>
-    </dgm:linClrLst>
-    <dgm:effectClrLst/>
-    <dgm:txLinClrLst/>
-    <dgm:txFillClrLst meth="repeat">
-      <a:schemeClr val="lt1"/>
-    </dgm:txFillClrLst>
-    <dgm:txEffectClrLst/>
-  </dgm:styleLbl>
-  <dgm:styleLbl name="parChTrans2D2">
-    <dgm:fillClrLst meth="repeat">
-      <a:schemeClr val="accent2"/>
-    </dgm:fillClrLst>
-    <dgm:linClrLst meth="repeat">
-      <a:schemeClr val="accent2"/>
-    </dgm:linClrLst>
-    <dgm:effectClrLst/>
-    <dgm:txLinClrLst/>
-    <dgm:txFillClrLst meth="repeat">
-      <a:schemeClr val="lt1"/>
-    </dgm:txFillClrLst>
-    <dgm:txEffectClrLst/>
-  </dgm:styleLbl>
-  <dgm:styleLbl name="parChTrans2D3">
-    <dgm:fillClrLst meth="repeat">
-      <a:schemeClr val="accent2"/>
-    </dgm:fillClrLst>
-    <dgm:linClrLst meth="repeat">
-      <a:schemeClr val="accent2"/>
-    </dgm:linClrLst>
-    <dgm:effectClrLst/>
-    <dgm:txLinClrLst/>
-    <dgm:txFillClrLst meth="repeat">
-      <a:schemeClr val="lt1"/>
-    </dgm:txFillClrLst>
-    <dgm:txEffectClrLst/>
-  </dgm:styleLbl>
-  <dgm:styleLbl name="parChTrans2D4">
-    <dgm:fillClrLst meth="repeat">
-      <a:schemeClr val="accent2"/>
-    </dgm:fillClrLst>
-    <dgm:linClrLst meth="repeat">
-      <a:schemeClr val="accent2"/>
-    </dgm:linClrLst>
-    <dgm:effectClrLst/>
-    <dgm:txLinClrLst/>
-    <dgm:txFillClrLst meth="repeat">
-      <a:schemeClr val="lt1"/>
-    </dgm:txFillClrLst>
-    <dgm:txEffectClrLst/>
-  </dgm:styleLbl>
-  <dgm:styleLbl name="parChTrans1D1">
-    <dgm:fillClrLst meth="repeat">
-      <a:schemeClr val="accent2"/>
-    </dgm:fillClrLst>
-    <dgm:linClrLst meth="repeat">
-      <a:schemeClr val="accent2">
-        <a:shade val="60000"/>
-      </a:schemeClr>
-    </dgm:linClrLst>
-    <dgm:effectClrLst/>
-    <dgm:txLinClrLst/>
-    <dgm:txFillClrLst meth="repeat">
-      <a:schemeClr val="tx1"/>
-    </dgm:txFillClrLst>
-    <dgm:txEffectClrLst/>
-  </dgm:styleLbl>
-  <dgm:styleLbl name="parChTrans1D2">
-    <dgm:fillClrLst meth="repeat">
-      <a:schemeClr val="accent2"/>
-    </dgm:fillClrLst>
-    <dgm:linClrLst meth="repeat">
-      <a:schemeClr val="accent2">
-        <a:shade val="60000"/>
-      </a:schemeClr>
-    </dgm:linClrLst>
-    <dgm:effectClrLst/>
-    <dgm:txLinClrLst/>
-    <dgm:txFillClrLst meth="repeat">
-      <a:schemeClr val="tx1"/>
-    </dgm:txFillClrLst>
-    <dgm:txEffectClrLst/>
-  </dgm:styleLbl>
-  <dgm:styleLbl name="parChTrans1D3">
-    <dgm:fillClrLst meth="repeat">
-      <a:schemeClr val="accent2"/>
-    </dgm:fillClrLst>
-    <dgm:linClrLst meth="repeat">
-      <a:schemeClr val="accent2">
-        <a:shade val="80000"/>
-      </a:schemeClr>
-    </dgm:linClrLst>
-    <dgm:effectClrLst/>
-    <dgm:txLinClrLst/>
-    <dgm:txFillClrLst meth="repeat">
-      <a:schemeClr val="tx1"/>
-    </dgm:txFillClrLst>
-    <dgm:txEffectClrLst/>
-  </dgm:styleLbl>
-  <dgm:styleLbl name="parChTrans1D4">
-    <dgm:fillClrLst meth="repeat">
-      <a:schemeClr val="accent2"/>
-    </dgm:fillClrLst>
-    <dgm:linClrLst meth="repeat">
-      <a:schemeClr val="accent2">
-        <a:shade val="80000"/>
-      </a:schemeClr>
-    </dgm:linClrLst>
-    <dgm:effectClrLst/>
-    <dgm:txLinClrLst/>
-    <dgm:txFillClrLst meth="repeat">
-      <a:schemeClr val="tx1"/>
-    </dgm:txFillClrLst>
-    <dgm:txEffectClrLst/>
-  </dgm:styleLbl>
-  <dgm:styleLbl name="fgAcc1">
-    <dgm:fillClrLst meth="repeat">
-      <a:schemeClr val="lt1">
-        <a:alpha val="90000"/>
-      </a:schemeClr>
-    </dgm:fillClrLst>
-    <dgm:linClrLst meth="repeat">
-      <a:schemeClr val="accent2"/>
-    </dgm:linClrLst>
-    <dgm:effectClrLst/>
-    <dgm:txLinClrLst/>
-    <dgm:txFillClrLst meth="repeat">
-      <a:schemeClr val="dk1"/>
-    </dgm:txFillClrLst>
-    <dgm:txEffectClrLst/>
-  </dgm:styleLbl>
-  <dgm:styleLbl name="conFgAcc1">
-    <dgm:fillClrLst meth="repeat">
-      <a:schemeClr val="lt1">
-        <a:alpha val="90000"/>
-      </a:schemeClr>
-    </dgm:fillClrLst>
-    <dgm:linClrLst meth="repeat">
-      <a:schemeClr val="accent2"/>
-    </dgm:linClrLst>
-    <dgm:effectClrLst/>
-    <dgm:txLinClrLst/>
-    <dgm:txFillClrLst meth="repeat">
-      <a:schemeClr val="dk1"/>
-    </dgm:txFillClrLst>
-    <dgm:txEffectClrLst/>
-  </dgm:styleLbl>
-  <dgm:styleLbl name="alignAcc1">
-    <dgm:fillClrLst meth="repeat">
-      <a:schemeClr val="lt1">
-        <a:alpha val="90000"/>
-      </a:schemeClr>
-    </dgm:fillClrLst>
-    <dgm:linClrLst meth="repeat">
-      <a:schemeClr val="accent2"/>
-    </dgm:linClrLst>
-    <dgm:effectClrLst/>
-    <dgm:txLinClrLst/>
-    <dgm:txFillClrLst meth="repeat">
-      <a:schemeClr val="dk1"/>
-    </dgm:txFillClrLst>
-    <dgm:txEffectClrLst/>
-  </dgm:styleLbl>
-  <dgm:styleLbl name="trAlignAcc1">
-    <dgm:fillClrLst meth="repeat">
-      <a:schemeClr val="lt1">
-        <a:alpha val="40000"/>
-      </a:schemeClr>
-    </dgm:fillClrLst>
-    <dgm:linClrLst meth="repeat">
-      <a:schemeClr val="accent2"/>
-    </dgm:linClrLst>
-    <dgm:effectClrLst/>
-    <dgm:txLinClrLst/>
-    <dgm:txFillClrLst meth="repeat">
-      <a:schemeClr val="dk1"/>
-    </dgm:txFillClrLst>
-    <dgm:txEffectClrLst/>
-  </dgm:styleLbl>
-  <dgm:styleLbl name="bgAcc1">
-    <dgm:fillClrLst meth="repeat">
-      <a:schemeClr val="lt1">
-        <a:alpha val="90000"/>
-      </a:schemeClr>
-    </dgm:fillClrLst>
-    <dgm:linClrLst meth="repeat">
-      <a:schemeClr val="accent2"/>
-    </dgm:linClrLst>
-    <dgm:effectClrLst/>
-    <dgm:txLinClrLst/>
-    <dgm:txFillClrLst meth="repeat">
-      <a:schemeClr val="dk1"/>
-    </dgm:txFillClrLst>
-    <dgm:txEffectClrLst/>
-  </dgm:styleLbl>
-  <dgm:styleLbl name="solidFgAcc1">
-    <dgm:fillClrLst meth="repeat">
-      <a:schemeClr val="lt1"/>
-    </dgm:fillClrLst>
-    <dgm:linClrLst meth="repeat">
-      <a:schemeClr val="accent2"/>
-    </dgm:linClrLst>
-    <dgm:effectClrLst/>
-    <dgm:txLinClrLst/>
-    <dgm:txFillClrLst meth="repeat">
-      <a:schemeClr val="dk1"/>
-    </dgm:txFillClrLst>
-    <dgm:txEffectClrLst/>
-  </dgm:styleLbl>
-  <dgm:styleLbl name="solidAlignAcc1">
-    <dgm:fillClrLst meth="repeat">
-      <a:schemeClr val="lt1"/>
-    </dgm:fillClrLst>
-    <dgm:linClrLst meth="repeat">
-      <a:schemeClr val="accent2"/>
-    </dgm:linClrLst>
-    <dgm:effectClrLst/>
-    <dgm:txLinClrLst/>
-    <dgm:txFillClrLst meth="repeat">
-      <a:schemeClr val="dk1"/>
-    </dgm:txFillClrLst>
-    <dgm:txEffectClrLst/>
-  </dgm:styleLbl>
-  <dgm:styleLbl name="solidBgAcc1">
-    <dgm:fillClrLst meth="repeat">
-      <a:schemeClr val="lt1"/>
-    </dgm:fillClrLst>
-    <dgm:linClrLst meth="repeat">
-      <a:schemeClr val="accent2"/>
-    </dgm:linClrLst>
-    <dgm:effectClrLst/>
-    <dgm:txLinClrLst/>
-    <dgm:txFillClrLst meth="repeat">
-      <a:schemeClr val="dk1"/>
-    </dgm:txFillClrLst>
-    <dgm:txEffectClrLst/>
-  </dgm:styleLbl>
-  <dgm:styleLbl name="fgAccFollowNode1">
-    <dgm:fillClrLst meth="repeat">
-      <a:schemeClr val="accent2">
-        <a:alpha val="90000"/>
-        <a:tint val="40000"/>
-      </a:schemeClr>
-    </dgm:fillClrLst>
-    <dgm:linClrLst meth="repeat">
-      <a:schemeClr val="accent2">
-        <a:alpha val="90000"/>
-        <a:tint val="40000"/>
-      </a:schemeClr>
-    </dgm:linClrLst>
-    <dgm:effectClrLst/>
-    <dgm:txLinClrLst/>
-    <dgm:txFillClrLst meth="repeat">
-      <a:schemeClr val="dk1"/>
-    </dgm:txFillClrLst>
-    <dgm:txEffectClrLst/>
-  </dgm:styleLbl>
-  <dgm:styleLbl name="alignAccFollowNode1">
-    <dgm:fillClrLst meth="repeat">
-      <a:schemeClr val="accent2">
-        <a:alpha val="90000"/>
-        <a:tint val="40000"/>
-      </a:schemeClr>
-    </dgm:fillClrLst>
-    <dgm:linClrLst meth="repeat">
-      <a:schemeClr val="accent2">
-        <a:alpha val="90000"/>
-        <a:tint val="40000"/>
-      </a:schemeClr>
-    </dgm:linClrLst>
-    <dgm:effectClrLst/>
-    <dgm:txLinClrLst/>
-    <dgm:txFillClrLst meth="repeat">
-      <a:schemeClr val="dk1"/>
-    </dgm:txFillClrLst>
-    <dgm:txEffectClrLst/>
-  </dgm:styleLbl>
-  <dgm:styleLbl name="bgAccFollowNode1">
-    <dgm:fillClrLst meth="repeat">
-      <a:schemeClr val="accent2">
-        <a:alpha val="90000"/>
-        <a:tint val="40000"/>
-      </a:schemeClr>
-    </dgm:fillClrLst>
-    <dgm:linClrLst meth="repeat">
-      <a:schemeClr val="accent2">
-        <a:alpha val="90000"/>
-        <a:tint val="40000"/>
-      </a:schemeClr>
-    </dgm:linClrLst>
-    <dgm:effectClrLst/>
-    <dgm:txLinClrLst/>
-    <dgm:txFillClrLst meth="repeat">
-      <a:schemeClr val="dk1"/>
-    </dgm:txFillClrLst>
-    <dgm:txEffectClrLst/>
-  </dgm:styleLbl>
-  <dgm:styleLbl name="fgAcc0">
-    <dgm:fillClrLst meth="repeat">
-      <a:schemeClr val="lt1">
-        <a:alpha val="90000"/>
-      </a:schemeClr>
-    </dgm:fillClrLst>
-    <dgm:linClrLst meth="repeat">
-      <a:schemeClr val="accent2"/>
-    </dgm:linClrLst>
-    <dgm:effectClrLst/>
-    <dgm:txLinClrLst/>
-    <dgm:txFillClrLst meth="repeat">
-      <a:schemeClr val="dk1"/>
-    </dgm:txFillClrLst>
-    <dgm:txEffectClrLst/>
-  </dgm:styleLbl>
-  <dgm:styleLbl name="fgAcc2">
-    <dgm:fillClrLst meth="repeat">
-      <a:schemeClr val="lt1">
-        <a:alpha val="90000"/>
-      </a:schemeClr>
-    </dgm:fillClrLst>
-    <dgm:linClrLst meth="repeat">
-      <a:schemeClr val="accent2"/>
-    </dgm:linClrLst>
-    <dgm:effectClrLst/>
-    <dgm:txLinClrLst/>
-    <dgm:txFillClrLst meth="repeat">
-      <a:schemeClr val="dk1"/>
-    </dgm:txFillClrLst>
-    <dgm:txEffectClrLst/>
-  </dgm:styleLbl>
-  <dgm:styleLbl name="fgAcc3">
-    <dgm:fillClrLst meth="repeat">
-      <a:schemeClr val="lt1">
-        <a:alpha val="90000"/>
-      </a:schemeClr>
-    </dgm:fillClrLst>
-    <dgm:linClrLst meth="repeat">
-      <a:schemeClr val="accent2"/>
-    </dgm:linClrLst>
-    <dgm:effectClrLst/>
-    <dgm:txLinClrLst/>
-    <dgm:txFillClrLst meth="repeat">
-      <a:schemeClr val="dk1"/>
-    </dgm:txFillClrLst>
-    <dgm:txEffectClrLst/>
-  </dgm:styleLbl>
-  <dgm:styleLbl name="fgAcc4">
-    <dgm:fillClrLst meth="repeat">
-      <a:schemeClr val="lt1">
-        <a:alpha val="90000"/>
-      </a:schemeClr>
-    </dgm:fillClrLst>
-    <dgm:linClrLst meth="repeat">
-      <a:schemeClr val="accent2"/>
-    </dgm:linClrLst>
-    <dgm:effectClrLst/>
-    <dgm:txLinClrLst/>
-    <dgm:txFillClrLst meth="repeat">
-      <a:schemeClr val="dk1"/>
-    </dgm:txFillClrLst>
-    <dgm:txEffectClrLst/>
-  </dgm:styleLbl>
-  <dgm:styleLbl name="bgShp">
-    <dgm:fillClrLst meth="repeat">
-      <a:schemeClr val="accent2">
-        <a:tint val="40000"/>
-      </a:schemeClr>
-    </dgm:fillClrLst>
-    <dgm:linClrLst meth="repeat">
-      <a:schemeClr val="accent2"/>
-    </dgm:linClrLst>
-    <dgm:effectClrLst/>
-    <dgm:txLinClrLst/>
-    <dgm:txFillClrLst meth="repeat">
-      <a:schemeClr val="dk1"/>
-    </dgm:txFillClrLst>
-    <dgm:txEffectClrLst/>
-  </dgm:styleLbl>
-  <dgm:styleLbl name="dkBgShp">
-    <dgm:fillClrLst meth="repeat">
-      <a:schemeClr val="accent2">
-        <a:shade val="80000"/>
-      </a:schemeClr>
-    </dgm:fillClrLst>
-    <dgm:linClrLst meth="repeat">
-      <a:schemeClr val="accent2"/>
-    </dgm:linClrLst>
-    <dgm:effectClrLst/>
-    <dgm:txLinClrLst/>
-    <dgm:txFillClrLst meth="repeat">
-      <a:schemeClr val="lt1"/>
-    </dgm:txFillClrLst>
-    <dgm:txEffectClrLst/>
-  </dgm:styleLbl>
-  <dgm:styleLbl name="trBgShp">
-    <dgm:fillClrLst meth="repeat">
-      <a:schemeClr val="accent2">
-        <a:tint val="50000"/>
-        <a:alpha val="40000"/>
-      </a:schemeClr>
-    </dgm:fillClrLst>
-    <dgm:linClrLst meth="repeat">
-      <a:schemeClr val="accent2"/>
-    </dgm:linClrLst>
-    <dgm:effectClrLst/>
-    <dgm:txLinClrLst/>
-    <dgm:txFillClrLst meth="repeat">
-      <a:schemeClr val="lt1"/>
-    </dgm:txFillClrLst>
-    <dgm:txEffectClrLst/>
-  </dgm:styleLbl>
-  <dgm:styleLbl name="fgShp">
-    <dgm:fillClrLst meth="repeat">
-      <a:schemeClr val="accent2">
-        <a:tint val="60000"/>
-      </a:schemeClr>
-    </dgm:fillClrLst>
-    <dgm:linClrLst meth="repeat">
-      <a:schemeClr val="lt1"/>
-    </dgm:linClrLst>
-    <dgm:effectClrLst/>
-    <dgm:txLinClrLst/>
-    <dgm:txFillClrLst meth="repeat">
-      <a:schemeClr val="dk1"/>
-    </dgm:txFillClrLst>
-    <dgm:txEffectClrLst/>
-  </dgm:styleLbl>
-  <dgm:styleLbl name="revTx">
-    <dgm:fillClrLst meth="repeat">
-      <a:schemeClr val="lt1">
-        <a:alpha val="0"/>
-      </a:schemeClr>
-    </dgm:fillClrLst>
-    <dgm:linClrLst meth="repeat">
-      <a:schemeClr val="dk1">
-        <a:alpha val="0"/>
-      </a:schemeClr>
-    </dgm:linClrLst>
-    <dgm:effectClrLst/>
-    <dgm:txLinClrLst/>
-    <dgm:txFillClrLst meth="repeat">
-      <a:schemeClr val="tx1"/>
-    </dgm:txFillClrLst>
-    <dgm:txEffectClrLst/>
-  </dgm:styleLbl>
-</dgm:colorsDef>
-</file>
-
-<file path=ppt/diagrams/data1.xml><?xml version="1.0" encoding="utf-8"?>
-<dgm:dataModel xmlns:dgm="http://schemas.openxmlformats.org/drawingml/2006/diagram" xmlns:a="http://schemas.openxmlformats.org/drawingml/2006/main">
-  <dgm:ptLst>
-    <dgm:pt modelId="{466784C9-C352-4A3A-AB4F-E73B7EFE7116}" type="doc">
-      <dgm:prSet loTypeId="urn:microsoft.com/office/officeart/2005/8/layout/rings+Icon#1" loCatId="relationship" qsTypeId="urn:microsoft.com/office/officeart/2005/8/quickstyle/simple4" qsCatId="simple" csTypeId="urn:microsoft.com/office/officeart/2005/8/colors/accent2_2" csCatId="accent2" phldr="1"/>
-      <dgm:spPr/>
-    </dgm:pt>
-    <dgm:pt modelId="{EC38E271-73CD-4D7B-A66B-861CA7488EC7}">
-      <dgm:prSet phldrT="[文本]"/>
-      <dgm:spPr/>
-      <dgm:t>
-        <a:bodyPr/>
-        <a:lstStyle/>
-        <a:p>
-          <a:r>
-            <a:rPr lang="zh-CN" dirty="0">
-              <a:latin typeface="微软雅黑" panose="020B0503020204020204" pitchFamily="34" charset="-122"/>
-              <a:ea typeface="微软雅黑" panose="020B0503020204020204" pitchFamily="34" charset="-122"/>
-            </a:rPr>
-            <a:t>组 </a:t>
-          </a:r>
-          <a:endParaRPr lang="en-US" altLang="zh-CN" dirty="0" smtClean="0">
-            <a:latin typeface="微软雅黑" panose="020B0503020204020204" pitchFamily="34" charset="-122"/>
-            <a:ea typeface="微软雅黑" panose="020B0503020204020204" pitchFamily="34" charset="-122"/>
-          </a:endParaRPr>
-        </a:p>
-        <a:p>
-          <a:r>
-            <a:rPr lang="zh-CN" dirty="0" smtClean="0">
-              <a:latin typeface="微软雅黑" panose="020B0503020204020204" pitchFamily="34" charset="-122"/>
-              <a:ea typeface="微软雅黑" panose="020B0503020204020204" pitchFamily="34" charset="-122"/>
-            </a:rPr>
-            <a:t>A</a:t>
-          </a:r>
-          <a:endParaRPr lang="zh-CN" dirty="0">
-            <a:latin typeface="微软雅黑" panose="020B0503020204020204" pitchFamily="34" charset="-122"/>
-            <a:ea typeface="微软雅黑" panose="020B0503020204020204" pitchFamily="34" charset="-122"/>
-          </a:endParaRPr>
-        </a:p>
-      </dgm:t>
-    </dgm:pt>
-    <dgm:pt modelId="{0EA99F19-5B2F-4C1C-9650-BC734B55276C}" type="parTrans" cxnId="{6635741C-801F-47A2-A3AF-03D68A077957}">
-      <dgm:prSet/>
-      <dgm:spPr/>
-      <dgm:t>
-        <a:bodyPr/>
-        <a:lstStyle/>
-        <a:p>
-          <a:endParaRPr lang="zh-CN">
-            <a:latin typeface="微软雅黑" panose="020B0503020204020204" pitchFamily="34" charset="-122"/>
-            <a:ea typeface="微软雅黑" panose="020B0503020204020204" pitchFamily="34" charset="-122"/>
-          </a:endParaRPr>
-        </a:p>
-      </dgm:t>
-    </dgm:pt>
-    <dgm:pt modelId="{E4286A04-4462-4767-ADE1-E306C144DD1F}" type="sibTrans" cxnId="{6635741C-801F-47A2-A3AF-03D68A077957}">
-      <dgm:prSet/>
-      <dgm:spPr/>
-      <dgm:t>
-        <a:bodyPr/>
-        <a:lstStyle/>
-        <a:p>
-          <a:endParaRPr lang="zh-CN">
-            <a:latin typeface="微软雅黑" panose="020B0503020204020204" pitchFamily="34" charset="-122"/>
-            <a:ea typeface="微软雅黑" panose="020B0503020204020204" pitchFamily="34" charset="-122"/>
-          </a:endParaRPr>
-        </a:p>
-      </dgm:t>
-    </dgm:pt>
-    <dgm:pt modelId="{56C32169-1400-436F-A8EC-619B9C7E6936}">
-      <dgm:prSet phldrT="[文本]"/>
-      <dgm:spPr/>
-      <dgm:t>
-        <a:bodyPr/>
-        <a:lstStyle/>
-        <a:p>
-          <a:r>
-            <a:rPr lang="zh-CN" dirty="0">
-              <a:latin typeface="微软雅黑" panose="020B0503020204020204" pitchFamily="34" charset="-122"/>
-              <a:ea typeface="微软雅黑" panose="020B0503020204020204" pitchFamily="34" charset="-122"/>
-            </a:rPr>
-            <a:t>组 </a:t>
-          </a:r>
-          <a:endParaRPr lang="en-US" altLang="zh-CN" dirty="0" smtClean="0">
-            <a:latin typeface="微软雅黑" panose="020B0503020204020204" pitchFamily="34" charset="-122"/>
-            <a:ea typeface="微软雅黑" panose="020B0503020204020204" pitchFamily="34" charset="-122"/>
-          </a:endParaRPr>
-        </a:p>
-        <a:p>
-          <a:r>
-            <a:rPr lang="zh-CN" dirty="0" smtClean="0">
-              <a:latin typeface="微软雅黑" panose="020B0503020204020204" pitchFamily="34" charset="-122"/>
-              <a:ea typeface="微软雅黑" panose="020B0503020204020204" pitchFamily="34" charset="-122"/>
-            </a:rPr>
-            <a:t> </a:t>
-          </a:r>
-          <a:r>
-            <a:rPr lang="zh-CN" dirty="0">
-              <a:latin typeface="微软雅黑" panose="020B0503020204020204" pitchFamily="34" charset="-122"/>
-              <a:ea typeface="微软雅黑" panose="020B0503020204020204" pitchFamily="34" charset="-122"/>
-            </a:rPr>
-            <a:t>B</a:t>
-          </a:r>
-        </a:p>
-      </dgm:t>
-    </dgm:pt>
-    <dgm:pt modelId="{206CD43D-A52D-4932-884E-340EA7F3FF6B}" type="parTrans" cxnId="{DFCD2E9B-B722-40E1-AA2E-87695AFE660E}">
-      <dgm:prSet/>
-      <dgm:spPr/>
-      <dgm:t>
-        <a:bodyPr/>
-        <a:lstStyle/>
-        <a:p>
-          <a:endParaRPr lang="zh-CN">
-            <a:latin typeface="微软雅黑" panose="020B0503020204020204" pitchFamily="34" charset="-122"/>
-            <a:ea typeface="微软雅黑" panose="020B0503020204020204" pitchFamily="34" charset="-122"/>
-          </a:endParaRPr>
-        </a:p>
-      </dgm:t>
-    </dgm:pt>
-    <dgm:pt modelId="{C0CE6C8E-CD32-48F9-8A54-7675A2CF02D0}" type="sibTrans" cxnId="{DFCD2E9B-B722-40E1-AA2E-87695AFE660E}">
-      <dgm:prSet/>
-      <dgm:spPr/>
-      <dgm:t>
-        <a:bodyPr/>
-        <a:lstStyle/>
-        <a:p>
-          <a:endParaRPr lang="zh-CN">
-            <a:latin typeface="微软雅黑" panose="020B0503020204020204" pitchFamily="34" charset="-122"/>
-            <a:ea typeface="微软雅黑" panose="020B0503020204020204" pitchFamily="34" charset="-122"/>
-          </a:endParaRPr>
-        </a:p>
-      </dgm:t>
-    </dgm:pt>
-    <dgm:pt modelId="{459EC89A-47B8-4868-BBE9-9476FBD4735E}">
-      <dgm:prSet phldrT="[文本]"/>
-      <dgm:spPr/>
-      <dgm:t>
-        <a:bodyPr/>
-        <a:lstStyle/>
-        <a:p>
-          <a:r>
-            <a:rPr lang="zh-CN" dirty="0">
-              <a:latin typeface="微软雅黑" panose="020B0503020204020204" pitchFamily="34" charset="-122"/>
-              <a:ea typeface="微软雅黑" panose="020B0503020204020204" pitchFamily="34" charset="-122"/>
-            </a:rPr>
-            <a:t>组 </a:t>
-          </a:r>
-          <a:endParaRPr lang="en-US" altLang="zh-CN" dirty="0" smtClean="0">
-            <a:latin typeface="微软雅黑" panose="020B0503020204020204" pitchFamily="34" charset="-122"/>
-            <a:ea typeface="微软雅黑" panose="020B0503020204020204" pitchFamily="34" charset="-122"/>
-          </a:endParaRPr>
-        </a:p>
-        <a:p>
-          <a:r>
-            <a:rPr lang="zh-CN" dirty="0" smtClean="0">
-              <a:latin typeface="微软雅黑" panose="020B0503020204020204" pitchFamily="34" charset="-122"/>
-              <a:ea typeface="微软雅黑" panose="020B0503020204020204" pitchFamily="34" charset="-122"/>
-            </a:rPr>
-            <a:t>C</a:t>
-          </a:r>
-          <a:endParaRPr lang="zh-CN" dirty="0">
-            <a:latin typeface="微软雅黑" panose="020B0503020204020204" pitchFamily="34" charset="-122"/>
-            <a:ea typeface="微软雅黑" panose="020B0503020204020204" pitchFamily="34" charset="-122"/>
-          </a:endParaRPr>
-        </a:p>
-      </dgm:t>
-    </dgm:pt>
-    <dgm:pt modelId="{3B7A3293-3A0C-4891-99E7-141D50C0301C}" type="parTrans" cxnId="{C70F4E87-7751-4AB2-A73D-197D003AD2F4}">
-      <dgm:prSet/>
-      <dgm:spPr/>
-      <dgm:t>
-        <a:bodyPr/>
-        <a:lstStyle/>
-        <a:p>
-          <a:endParaRPr lang="zh-CN">
-            <a:latin typeface="微软雅黑" panose="020B0503020204020204" pitchFamily="34" charset="-122"/>
-            <a:ea typeface="微软雅黑" panose="020B0503020204020204" pitchFamily="34" charset="-122"/>
-          </a:endParaRPr>
-        </a:p>
-      </dgm:t>
-    </dgm:pt>
-    <dgm:pt modelId="{D3368E72-87E7-49A6-B731-AD2AC3EA2532}" type="sibTrans" cxnId="{C70F4E87-7751-4AB2-A73D-197D003AD2F4}">
-      <dgm:prSet/>
-      <dgm:spPr/>
-      <dgm:t>
-        <a:bodyPr/>
-        <a:lstStyle/>
-        <a:p>
-          <a:endParaRPr lang="zh-CN">
-            <a:latin typeface="微软雅黑" panose="020B0503020204020204" pitchFamily="34" charset="-122"/>
-            <a:ea typeface="微软雅黑" panose="020B0503020204020204" pitchFamily="34" charset="-122"/>
-          </a:endParaRPr>
-        </a:p>
-      </dgm:t>
-    </dgm:pt>
-    <dgm:pt modelId="{6EDA52E5-A2A7-435F-9246-0D388ED0D00A}" type="pres">
-      <dgm:prSet presAssocID="{466784C9-C352-4A3A-AB4F-E73B7EFE7116}" presName="Name0" presStyleCnt="0">
-        <dgm:presLayoutVars>
-          <dgm:chMax val="7"/>
-          <dgm:dir/>
-          <dgm:resizeHandles val="exact"/>
-        </dgm:presLayoutVars>
-      </dgm:prSet>
-      <dgm:spPr/>
-    </dgm:pt>
-    <dgm:pt modelId="{073C0186-C529-47F6-9A3F-AC54F3EC1A71}" type="pres">
-      <dgm:prSet presAssocID="{466784C9-C352-4A3A-AB4F-E73B7EFE7116}" presName="ellipse1" presStyleLbl="vennNode1" presStyleIdx="0" presStyleCnt="3">
-        <dgm:presLayoutVars>
-          <dgm:bulletEnabled val="1"/>
-        </dgm:presLayoutVars>
-      </dgm:prSet>
-      <dgm:spPr/>
-      <dgm:t>
-        <a:bodyPr/>
-        <a:lstStyle/>
-        <a:p>
-          <a:endParaRPr lang="zh-CN"/>
-        </a:p>
-      </dgm:t>
-    </dgm:pt>
-    <dgm:pt modelId="{B34614A2-1392-4E77-BDA0-2BEA4D89C2F7}" type="pres">
-      <dgm:prSet presAssocID="{466784C9-C352-4A3A-AB4F-E73B7EFE7116}" presName="ellipse2" presStyleLbl="vennNode1" presStyleIdx="1" presStyleCnt="3">
-        <dgm:presLayoutVars>
-          <dgm:bulletEnabled val="1"/>
-        </dgm:presLayoutVars>
-      </dgm:prSet>
-      <dgm:spPr/>
-      <dgm:t>
-        <a:bodyPr/>
-        <a:lstStyle/>
-        <a:p>
-          <a:endParaRPr lang="zh-CN"/>
-        </a:p>
-      </dgm:t>
-    </dgm:pt>
-    <dgm:pt modelId="{2D81501D-F97C-4215-9373-9F01E07C91FE}" type="pres">
-      <dgm:prSet presAssocID="{466784C9-C352-4A3A-AB4F-E73B7EFE7116}" presName="ellipse3" presStyleLbl="vennNode1" presStyleIdx="2" presStyleCnt="3">
-        <dgm:presLayoutVars>
-          <dgm:bulletEnabled val="1"/>
-        </dgm:presLayoutVars>
-      </dgm:prSet>
-      <dgm:spPr/>
-      <dgm:t>
-        <a:bodyPr/>
-        <a:lstStyle/>
-        <a:p>
-          <a:endParaRPr lang="zh-CN"/>
-        </a:p>
-      </dgm:t>
-    </dgm:pt>
-  </dgm:ptLst>
-  <dgm:cxnLst>
-    <dgm:cxn modelId="{6635741C-801F-47A2-A3AF-03D68A077957}" srcId="{466784C9-C352-4A3A-AB4F-E73B7EFE7116}" destId="{EC38E271-73CD-4D7B-A66B-861CA7488EC7}" srcOrd="0" destOrd="0" parTransId="{0EA99F19-5B2F-4C1C-9650-BC734B55276C}" sibTransId="{E4286A04-4462-4767-ADE1-E306C144DD1F}"/>
-    <dgm:cxn modelId="{5E608FEA-395A-446E-AE17-CB6CF05A8788}" type="presOf" srcId="{EC38E271-73CD-4D7B-A66B-861CA7488EC7}" destId="{073C0186-C529-47F6-9A3F-AC54F3EC1A71}" srcOrd="0" destOrd="0" presId="urn:microsoft.com/office/officeart/2005/8/layout/rings+Icon#1"/>
-    <dgm:cxn modelId="{F5AC7BFA-D3B8-4821-9948-783EC7196B29}" type="presOf" srcId="{56C32169-1400-436F-A8EC-619B9C7E6936}" destId="{B34614A2-1392-4E77-BDA0-2BEA4D89C2F7}" srcOrd="0" destOrd="0" presId="urn:microsoft.com/office/officeart/2005/8/layout/rings+Icon#1"/>
-    <dgm:cxn modelId="{C70F4E87-7751-4AB2-A73D-197D003AD2F4}" srcId="{466784C9-C352-4A3A-AB4F-E73B7EFE7116}" destId="{459EC89A-47B8-4868-BBE9-9476FBD4735E}" srcOrd="2" destOrd="0" parTransId="{3B7A3293-3A0C-4891-99E7-141D50C0301C}" sibTransId="{D3368E72-87E7-49A6-B731-AD2AC3EA2532}"/>
-    <dgm:cxn modelId="{29AA74D2-84E1-48EC-8E00-BBF044D53BCE}" type="presOf" srcId="{466784C9-C352-4A3A-AB4F-E73B7EFE7116}" destId="{6EDA52E5-A2A7-435F-9246-0D388ED0D00A}" srcOrd="0" destOrd="0" presId="urn:microsoft.com/office/officeart/2005/8/layout/rings+Icon#1"/>
-    <dgm:cxn modelId="{CDDBB908-DA88-4E73-98AC-B93F027CF084}" type="presOf" srcId="{459EC89A-47B8-4868-BBE9-9476FBD4735E}" destId="{2D81501D-F97C-4215-9373-9F01E07C91FE}" srcOrd="0" destOrd="0" presId="urn:microsoft.com/office/officeart/2005/8/layout/rings+Icon#1"/>
-    <dgm:cxn modelId="{DFCD2E9B-B722-40E1-AA2E-87695AFE660E}" srcId="{466784C9-C352-4A3A-AB4F-E73B7EFE7116}" destId="{56C32169-1400-436F-A8EC-619B9C7E6936}" srcOrd="1" destOrd="0" parTransId="{206CD43D-A52D-4932-884E-340EA7F3FF6B}" sibTransId="{C0CE6C8E-CD32-48F9-8A54-7675A2CF02D0}"/>
-    <dgm:cxn modelId="{DBE26B54-7079-4FFC-87E1-3554F7051E35}" type="presParOf" srcId="{6EDA52E5-A2A7-435F-9246-0D388ED0D00A}" destId="{073C0186-C529-47F6-9A3F-AC54F3EC1A71}" srcOrd="0" destOrd="0" presId="urn:microsoft.com/office/officeart/2005/8/layout/rings+Icon#1"/>
-    <dgm:cxn modelId="{D6408F6A-19A4-403D-A1B1-2FB7672E934D}" type="presParOf" srcId="{6EDA52E5-A2A7-435F-9246-0D388ED0D00A}" destId="{B34614A2-1392-4E77-BDA0-2BEA4D89C2F7}" srcOrd="1" destOrd="0" presId="urn:microsoft.com/office/officeart/2005/8/layout/rings+Icon#1"/>
-    <dgm:cxn modelId="{E3EED042-9059-4857-A024-B8C959786EE0}" type="presParOf" srcId="{6EDA52E5-A2A7-435F-9246-0D388ED0D00A}" destId="{2D81501D-F97C-4215-9373-9F01E07C91FE}" srcOrd="2" destOrd="0" presId="urn:microsoft.com/office/officeart/2005/8/layout/rings+Icon#1"/>
-  </dgm:cxnLst>
-  <dgm:bg/>
-  <dgm:whole/>
-  <dgm:extLst>
-    <a:ext uri="http://schemas.microsoft.com/office/drawing/2008/diagram">
-      <dsp:dataModelExt xmlns:dsp="http://schemas.microsoft.com/office/drawing/2008/diagram" relId="rId6" minVer="http://schemas.openxmlformats.org/drawingml/2006/diagram"/>
-    </a:ext>
-  </dgm:extLst>
-</dgm:dataModel>
-</file>
-
-<file path=ppt/diagrams/drawing1.xml><?xml version="1.0" encoding="utf-8"?>
-<dsp:drawing xmlns:dgm="http://schemas.openxmlformats.org/drawingml/2006/diagram" xmlns:dsp="http://schemas.microsoft.com/office/drawing/2008/diagram" xmlns:a="http://schemas.openxmlformats.org/drawingml/2006/main">
-  <dsp:spTree>
-    <dsp:nvGrpSpPr>
-      <dsp:cNvPr id="0" name=""/>
-      <dsp:cNvGrpSpPr/>
-    </dsp:nvGrpSpPr>
-    <dsp:grpSpPr/>
-    <dsp:sp modelId="{073C0186-C529-47F6-9A3F-AC54F3EC1A71}">
-      <dsp:nvSpPr>
-        <dsp:cNvPr id="0" name=""/>
-        <dsp:cNvSpPr/>
-      </dsp:nvSpPr>
-      <dsp:spPr>
-        <a:xfrm>
-          <a:off x="0" y="192658"/>
-          <a:ext cx="2253538" cy="2253506"/>
-        </a:xfrm>
-        <a:prstGeom prst="ellipse">
-          <a:avLst/>
-        </a:prstGeom>
-        <a:gradFill rotWithShape="0">
-          <a:gsLst>
-            <a:gs pos="0">
-              <a:schemeClr val="accent2">
-                <a:alpha val="50000"/>
-                <a:hueOff val="0"/>
-                <a:satOff val="0"/>
-                <a:lumOff val="0"/>
-                <a:alphaOff val="0"/>
-                <a:satMod val="103000"/>
-                <a:lumMod val="118000"/>
-              </a:schemeClr>
-            </a:gs>
-            <a:gs pos="50000">
-              <a:schemeClr val="accent2">
-                <a:alpha val="50000"/>
-                <a:hueOff val="0"/>
-                <a:satOff val="0"/>
-                <a:lumOff val="0"/>
-                <a:alphaOff val="0"/>
-                <a:satMod val="89000"/>
-                <a:lumMod val="91000"/>
-              </a:schemeClr>
-            </a:gs>
-            <a:gs pos="100000">
-              <a:schemeClr val="accent2">
-                <a:alpha val="50000"/>
-                <a:hueOff val="0"/>
-                <a:satOff val="0"/>
-                <a:lumOff val="0"/>
-                <a:alphaOff val="0"/>
-                <a:lumMod val="69000"/>
-              </a:schemeClr>
-            </a:gs>
-          </a:gsLst>
-          <a:lin ang="5400000" scaled="0"/>
-        </a:gradFill>
-        <a:ln>
-          <a:noFill/>
-        </a:ln>
-        <a:effectLst/>
-      </dsp:spPr>
-      <dsp:style>
-        <a:lnRef idx="0">
-          <a:scrgbClr r="0" g="0" b="0"/>
-        </a:lnRef>
-        <a:fillRef idx="3">
-          <a:scrgbClr r="0" g="0" b="0"/>
-        </a:fillRef>
-        <a:effectRef idx="0">
-          <a:scrgbClr r="0" g="0" b="0"/>
-        </a:effectRef>
-        <a:fontRef idx="minor">
-          <a:schemeClr val="tx1"/>
-        </a:fontRef>
-      </dsp:style>
-      <dsp:txBody>
-        <a:bodyPr spcFirstLastPara="0" vert="horz" wrap="square" lIns="106680" tIns="106680" rIns="106680" bIns="106680" numCol="1" spcCol="1270" anchor="ctr" anchorCtr="0">
-          <a:noAutofit/>
-        </a:bodyPr>
-        <a:lstStyle/>
-        <a:p>
-          <a:pPr lvl="0" algn="ctr" defTabSz="1244600">
-            <a:lnSpc>
-              <a:spcPct val="90000"/>
-            </a:lnSpc>
-            <a:spcBef>
-              <a:spcPct val="0"/>
-            </a:spcBef>
-            <a:spcAft>
-              <a:spcPct val="35000"/>
-            </a:spcAft>
-          </a:pPr>
-          <a:r>
-            <a:rPr lang="zh-CN" sz="2800" kern="1200" dirty="0">
-              <a:latin typeface="微软雅黑" panose="020B0503020204020204" pitchFamily="34" charset="-122"/>
-              <a:ea typeface="微软雅黑" panose="020B0503020204020204" pitchFamily="34" charset="-122"/>
-            </a:rPr>
-            <a:t>组 </a:t>
-          </a:r>
-          <a:endParaRPr lang="en-US" altLang="zh-CN" sz="2800" kern="1200" dirty="0" smtClean="0">
-            <a:latin typeface="微软雅黑" panose="020B0503020204020204" pitchFamily="34" charset="-122"/>
-            <a:ea typeface="微软雅黑" panose="020B0503020204020204" pitchFamily="34" charset="-122"/>
-          </a:endParaRPr>
-        </a:p>
-        <a:p>
-          <a:pPr lvl="0" algn="ctr" defTabSz="1244600">
-            <a:lnSpc>
-              <a:spcPct val="90000"/>
-            </a:lnSpc>
-            <a:spcBef>
-              <a:spcPct val="0"/>
-            </a:spcBef>
-            <a:spcAft>
-              <a:spcPct val="35000"/>
-            </a:spcAft>
-          </a:pPr>
-          <a:r>
-            <a:rPr lang="zh-CN" sz="2800" kern="1200" dirty="0" smtClean="0">
-              <a:latin typeface="微软雅黑" panose="020B0503020204020204" pitchFamily="34" charset="-122"/>
-              <a:ea typeface="微软雅黑" panose="020B0503020204020204" pitchFamily="34" charset="-122"/>
-            </a:rPr>
-            <a:t>A</a:t>
-          </a:r>
-          <a:endParaRPr lang="zh-CN" sz="2800" kern="1200" dirty="0">
-            <a:latin typeface="微软雅黑" panose="020B0503020204020204" pitchFamily="34" charset="-122"/>
-            <a:ea typeface="微软雅黑" panose="020B0503020204020204" pitchFamily="34" charset="-122"/>
-          </a:endParaRPr>
-        </a:p>
-      </dsp:txBody>
-      <dsp:txXfrm>
-        <a:off x="330023" y="522676"/>
-        <a:ext cx="1593492" cy="1593470"/>
-      </dsp:txXfrm>
-    </dsp:sp>
-    <dsp:sp modelId="{B34614A2-1392-4E77-BDA0-2BEA4D89C2F7}">
-      <dsp:nvSpPr>
-        <dsp:cNvPr id="0" name=""/>
-        <dsp:cNvSpPr/>
-      </dsp:nvSpPr>
-      <dsp:spPr>
-        <a:xfrm>
-          <a:off x="1159916" y="1695622"/>
-          <a:ext cx="2253538" cy="2253506"/>
-        </a:xfrm>
-        <a:prstGeom prst="ellipse">
-          <a:avLst/>
-        </a:prstGeom>
-        <a:gradFill rotWithShape="0">
-          <a:gsLst>
-            <a:gs pos="0">
-              <a:schemeClr val="accent2">
-                <a:alpha val="50000"/>
-                <a:hueOff val="0"/>
-                <a:satOff val="0"/>
-                <a:lumOff val="0"/>
-                <a:alphaOff val="0"/>
-                <a:satMod val="103000"/>
-                <a:lumMod val="118000"/>
-              </a:schemeClr>
-            </a:gs>
-            <a:gs pos="50000">
-              <a:schemeClr val="accent2">
-                <a:alpha val="50000"/>
-                <a:hueOff val="0"/>
-                <a:satOff val="0"/>
-                <a:lumOff val="0"/>
-                <a:alphaOff val="0"/>
-                <a:satMod val="89000"/>
-                <a:lumMod val="91000"/>
-              </a:schemeClr>
-            </a:gs>
-            <a:gs pos="100000">
-              <a:schemeClr val="accent2">
-                <a:alpha val="50000"/>
-                <a:hueOff val="0"/>
-                <a:satOff val="0"/>
-                <a:lumOff val="0"/>
-                <a:alphaOff val="0"/>
-                <a:lumMod val="69000"/>
-              </a:schemeClr>
-            </a:gs>
-          </a:gsLst>
-          <a:lin ang="5400000" scaled="0"/>
-        </a:gradFill>
-        <a:ln>
-          <a:noFill/>
-        </a:ln>
-        <a:effectLst/>
-      </dsp:spPr>
-      <dsp:style>
-        <a:lnRef idx="0">
-          <a:scrgbClr r="0" g="0" b="0"/>
-        </a:lnRef>
-        <a:fillRef idx="3">
-          <a:scrgbClr r="0" g="0" b="0"/>
-        </a:fillRef>
-        <a:effectRef idx="0">
-          <a:scrgbClr r="0" g="0" b="0"/>
-        </a:effectRef>
-        <a:fontRef idx="minor">
-          <a:schemeClr val="tx1"/>
-        </a:fontRef>
-      </dsp:style>
-      <dsp:txBody>
-        <a:bodyPr spcFirstLastPara="0" vert="horz" wrap="square" lIns="106680" tIns="106680" rIns="106680" bIns="106680" numCol="1" spcCol="1270" anchor="ctr" anchorCtr="0">
-          <a:noAutofit/>
-        </a:bodyPr>
-        <a:lstStyle/>
-        <a:p>
-          <a:pPr lvl="0" algn="ctr" defTabSz="1244600">
-            <a:lnSpc>
-              <a:spcPct val="90000"/>
-            </a:lnSpc>
-            <a:spcBef>
-              <a:spcPct val="0"/>
-            </a:spcBef>
-            <a:spcAft>
-              <a:spcPct val="35000"/>
-            </a:spcAft>
-          </a:pPr>
-          <a:r>
-            <a:rPr lang="zh-CN" sz="2800" kern="1200" dirty="0">
-              <a:latin typeface="微软雅黑" panose="020B0503020204020204" pitchFamily="34" charset="-122"/>
-              <a:ea typeface="微软雅黑" panose="020B0503020204020204" pitchFamily="34" charset="-122"/>
-            </a:rPr>
-            <a:t>组 </a:t>
-          </a:r>
-          <a:endParaRPr lang="en-US" altLang="zh-CN" sz="2800" kern="1200" dirty="0" smtClean="0">
-            <a:latin typeface="微软雅黑" panose="020B0503020204020204" pitchFamily="34" charset="-122"/>
-            <a:ea typeface="微软雅黑" panose="020B0503020204020204" pitchFamily="34" charset="-122"/>
-          </a:endParaRPr>
-        </a:p>
-        <a:p>
-          <a:pPr lvl="0" algn="ctr" defTabSz="1244600">
-            <a:lnSpc>
-              <a:spcPct val="90000"/>
-            </a:lnSpc>
-            <a:spcBef>
-              <a:spcPct val="0"/>
-            </a:spcBef>
-            <a:spcAft>
-              <a:spcPct val="35000"/>
-            </a:spcAft>
-          </a:pPr>
-          <a:r>
-            <a:rPr lang="zh-CN" sz="2800" kern="1200" dirty="0" smtClean="0">
-              <a:latin typeface="微软雅黑" panose="020B0503020204020204" pitchFamily="34" charset="-122"/>
-              <a:ea typeface="微软雅黑" panose="020B0503020204020204" pitchFamily="34" charset="-122"/>
-            </a:rPr>
-            <a:t> </a:t>
-          </a:r>
-          <a:r>
-            <a:rPr lang="zh-CN" sz="2800" kern="1200" dirty="0">
-              <a:latin typeface="微软雅黑" panose="020B0503020204020204" pitchFamily="34" charset="-122"/>
-              <a:ea typeface="微软雅黑" panose="020B0503020204020204" pitchFamily="34" charset="-122"/>
-            </a:rPr>
-            <a:t>B</a:t>
-          </a:r>
-        </a:p>
-      </dsp:txBody>
-      <dsp:txXfrm>
-        <a:off x="1489939" y="2025640"/>
-        <a:ext cx="1593492" cy="1593470"/>
-      </dsp:txXfrm>
-    </dsp:sp>
-    <dsp:sp modelId="{2D81501D-F97C-4215-9373-9F01E07C91FE}">
-      <dsp:nvSpPr>
-        <dsp:cNvPr id="0" name=""/>
-        <dsp:cNvSpPr/>
-      </dsp:nvSpPr>
-      <dsp:spPr>
-        <a:xfrm>
-          <a:off x="2318461" y="192658"/>
-          <a:ext cx="2253538" cy="2253506"/>
-        </a:xfrm>
-        <a:prstGeom prst="ellipse">
-          <a:avLst/>
-        </a:prstGeom>
-        <a:gradFill rotWithShape="0">
-          <a:gsLst>
-            <a:gs pos="0">
-              <a:schemeClr val="accent2">
-                <a:alpha val="50000"/>
-                <a:hueOff val="0"/>
-                <a:satOff val="0"/>
-                <a:lumOff val="0"/>
-                <a:alphaOff val="0"/>
-                <a:satMod val="103000"/>
-                <a:lumMod val="118000"/>
-              </a:schemeClr>
-            </a:gs>
-            <a:gs pos="50000">
-              <a:schemeClr val="accent2">
-                <a:alpha val="50000"/>
-                <a:hueOff val="0"/>
-                <a:satOff val="0"/>
-                <a:lumOff val="0"/>
-                <a:alphaOff val="0"/>
-                <a:satMod val="89000"/>
-                <a:lumMod val="91000"/>
-              </a:schemeClr>
-            </a:gs>
-            <a:gs pos="100000">
-              <a:schemeClr val="accent2">
-                <a:alpha val="50000"/>
-                <a:hueOff val="0"/>
-                <a:satOff val="0"/>
-                <a:lumOff val="0"/>
-                <a:alphaOff val="0"/>
-                <a:lumMod val="69000"/>
-              </a:schemeClr>
-            </a:gs>
-          </a:gsLst>
-          <a:lin ang="5400000" scaled="0"/>
-        </a:gradFill>
-        <a:ln>
-          <a:noFill/>
-        </a:ln>
-        <a:effectLst/>
-      </dsp:spPr>
-      <dsp:style>
-        <a:lnRef idx="0">
-          <a:scrgbClr r="0" g="0" b="0"/>
-        </a:lnRef>
-        <a:fillRef idx="3">
-          <a:scrgbClr r="0" g="0" b="0"/>
-        </a:fillRef>
-        <a:effectRef idx="0">
-          <a:scrgbClr r="0" g="0" b="0"/>
-        </a:effectRef>
-        <a:fontRef idx="minor">
-          <a:schemeClr val="tx1"/>
-        </a:fontRef>
-      </dsp:style>
-      <dsp:txBody>
-        <a:bodyPr spcFirstLastPara="0" vert="horz" wrap="square" lIns="106680" tIns="106680" rIns="106680" bIns="106680" numCol="1" spcCol="1270" anchor="ctr" anchorCtr="0">
-          <a:noAutofit/>
-        </a:bodyPr>
-        <a:lstStyle/>
-        <a:p>
-          <a:pPr lvl="0" algn="ctr" defTabSz="1244600">
-            <a:lnSpc>
-              <a:spcPct val="90000"/>
-            </a:lnSpc>
-            <a:spcBef>
-              <a:spcPct val="0"/>
-            </a:spcBef>
-            <a:spcAft>
-              <a:spcPct val="35000"/>
-            </a:spcAft>
-          </a:pPr>
-          <a:r>
-            <a:rPr lang="zh-CN" sz="2800" kern="1200" dirty="0">
-              <a:latin typeface="微软雅黑" panose="020B0503020204020204" pitchFamily="34" charset="-122"/>
-              <a:ea typeface="微软雅黑" panose="020B0503020204020204" pitchFamily="34" charset="-122"/>
-            </a:rPr>
-            <a:t>组 </a:t>
-          </a:r>
-          <a:endParaRPr lang="en-US" altLang="zh-CN" sz="2800" kern="1200" dirty="0" smtClean="0">
-            <a:latin typeface="微软雅黑" panose="020B0503020204020204" pitchFamily="34" charset="-122"/>
-            <a:ea typeface="微软雅黑" panose="020B0503020204020204" pitchFamily="34" charset="-122"/>
-          </a:endParaRPr>
-        </a:p>
-        <a:p>
-          <a:pPr lvl="0" algn="ctr" defTabSz="1244600">
-            <a:lnSpc>
-              <a:spcPct val="90000"/>
-            </a:lnSpc>
-            <a:spcBef>
-              <a:spcPct val="0"/>
-            </a:spcBef>
-            <a:spcAft>
-              <a:spcPct val="35000"/>
-            </a:spcAft>
-          </a:pPr>
-          <a:r>
-            <a:rPr lang="zh-CN" sz="2800" kern="1200" dirty="0" smtClean="0">
-              <a:latin typeface="微软雅黑" panose="020B0503020204020204" pitchFamily="34" charset="-122"/>
-              <a:ea typeface="微软雅黑" panose="020B0503020204020204" pitchFamily="34" charset="-122"/>
-            </a:rPr>
-            <a:t>C</a:t>
-          </a:r>
-          <a:endParaRPr lang="zh-CN" sz="2800" kern="1200" dirty="0">
-            <a:latin typeface="微软雅黑" panose="020B0503020204020204" pitchFamily="34" charset="-122"/>
-            <a:ea typeface="微软雅黑" panose="020B0503020204020204" pitchFamily="34" charset="-122"/>
-          </a:endParaRPr>
-        </a:p>
-      </dsp:txBody>
-      <dsp:txXfrm>
-        <a:off x="2648484" y="522676"/>
-        <a:ext cx="1593492" cy="1593470"/>
-      </dsp:txXfrm>
-    </dsp:sp>
-  </dsp:spTree>
-</dsp:drawing>
-</file>
-
-<file path=ppt/diagrams/layout1.xml><?xml version="1.0" encoding="utf-8"?>
-<dgm:layoutDef xmlns:dgm="http://schemas.openxmlformats.org/drawingml/2006/diagram" xmlns:a="http://schemas.openxmlformats.org/drawingml/2006/main" uniqueId="urn:microsoft.com/office/officeart/2005/8/layout/rings+Icon#1">
-  <dgm:title val="互连圆环"/>
-  <dgm:desc val="用于显示重叠或互相关联的想法或概念。前七行的 1 级文本对应一个圆环。不使用的文本不出现，但是在切换版式后仍然可用。  "/>
-  <dgm:catLst>
-    <dgm:cat type="relationship" pri="32000"/>
-    <dgm:cat type="officeonline" pri="6000"/>
-  </dgm:catLst>
-  <dgm:sampData useDef="1">
-    <dgm:dataModel>
-      <dgm:ptLst/>
-      <dgm:bg/>
-      <dgm:whole/>
-    </dgm:dataModel>
-  </dgm:sampData>
-  <dgm:styleData>
-    <dgm:dataModel>
-      <dgm:ptLst>
-        <dgm:pt modelId="0" type="doc"/>
-        <dgm:pt modelId="10"/>
-        <dgm:pt modelId="20"/>
-      </dgm:ptLst>
-      <dgm:cxnLst>
-        <dgm:cxn modelId="30" srcId="0" destId="10" srcOrd="0" destOrd="0"/>
-        <dgm:cxn modelId="40" srcId="0" destId="20" srcOrd="1" destOrd="0"/>
-      </dgm:cxnLst>
-      <dgm:bg/>
-      <dgm:whole/>
-    </dgm:dataModel>
-  </dgm:styleData>
-  <dgm:clrData>
-    <dgm:dataModel>
-      <dgm:ptLst>
-        <dgm:pt modelId="0" type="doc"/>
-        <dgm:pt modelId="10"/>
-        <dgm:pt modelId="20"/>
-        <dgm:pt modelId="30"/>
-        <dgm:pt modelId="40"/>
-      </dgm:ptLst>
-      <dgm:cxnLst>
-        <dgm:cxn modelId="50" srcId="0" destId="10" srcOrd="0" destOrd="0"/>
-        <dgm:cxn modelId="60" srcId="0" destId="20" srcOrd="1" destOrd="0"/>
-        <dgm:cxn modelId="70" srcId="0" destId="30" srcOrd="2" destOrd="0"/>
-        <dgm:cxn modelId="80" srcId="0" destId="40" srcOrd="2" destOrd="0"/>
-      </dgm:cxnLst>
-      <dgm:bg/>
-      <dgm:whole/>
-    </dgm:dataModel>
-  </dgm:clrData>
-  <dgm:layoutNode name="Name0">
-    <dgm:varLst>
-      <dgm:chMax val="7"/>
-      <dgm:dir/>
-      <dgm:resizeHandles val="exact"/>
-    </dgm:varLst>
-    <dgm:choose name="Name1">
-      <dgm:if name="Name2" axis="ch" ptType="node" func="cnt" op="lt" val="1">
-        <dgm:alg type="composite"/>
-        <dgm:shape xmlns:r="http://schemas.openxmlformats.org/officeDocument/2006/relationships" r:blip="">
-          <dgm:adjLst/>
-        </dgm:shape>
-        <dgm:presOf/>
-        <dgm:constrLst/>
-        <dgm:ruleLst/>
-      </dgm:if>
-      <dgm:if name="Name3" axis="ch" ptType="node" func="cnt" op="equ" val="1">
-        <dgm:alg type="composite">
-          <dgm:param type="ar" val="1"/>
-        </dgm:alg>
-        <dgm:shape xmlns:r="http://schemas.openxmlformats.org/officeDocument/2006/relationships" r:blip="">
-          <dgm:adjLst/>
-        </dgm:shape>
-        <dgm:presOf/>
-        <dgm:constrLst>
-          <dgm:constr type="primFontSz" for="des" ptType="node" op="equ" val="65"/>
-          <dgm:constr type="l" for="ch" forName="ellipse1" refType="w" fact="0"/>
-          <dgm:constr type="t" for="ch" forName="ellipse1" refType="h" fact="0"/>
-          <dgm:constr type="w" for="ch" forName="ellipse1" refType="w"/>
-          <dgm:constr type="h" for="ch" forName="ellipse1" refType="h"/>
-        </dgm:constrLst>
-      </dgm:if>
-      <dgm:if name="Name4" axis="ch" ptType="node" func="cnt" op="equ" val="2">
-        <dgm:alg type="composite">
-          <dgm:param type="ar" val="0.9086"/>
-        </dgm:alg>
-        <dgm:shape xmlns:r="http://schemas.openxmlformats.org/officeDocument/2006/relationships" r:blip="">
-          <dgm:adjLst/>
-        </dgm:shape>
-        <dgm:presOf/>
-        <dgm:constrLst>
-          <dgm:constr type="primFontSz" for="des" ptType="node" op="equ" val="65"/>
-          <dgm:constr type="l" for="ch" forName="ellipse1" refType="w" fact="0"/>
-          <dgm:constr type="t" for="ch" forName="ellipse1" refType="h" fact="0"/>
-          <dgm:constr type="w" for="ch" forName="ellipse1" refType="w" fact="0.6602"/>
-          <dgm:constr type="h" for="ch" forName="ellipse1" refType="h" fact="0.5999"/>
-          <dgm:constr type="l" for="ch" forName="ellipse2" refType="w" fact="0.3398"/>
-          <dgm:constr type="t" for="ch" forName="ellipse2" refType="h" fact="0.4001"/>
-          <dgm:constr type="w" for="ch" forName="ellipse2" refType="w" fact="0.6602"/>
-          <dgm:constr type="h" for="ch" forName="ellipse2" refType="h" fact="0.5999"/>
-        </dgm:constrLst>
-      </dgm:if>
-      <dgm:if name="Name5" axis="ch" ptType="node" func="cnt" op="equ" val="3">
-        <dgm:alg type="composite">
-          <dgm:param type="ar" val="1.2171"/>
-        </dgm:alg>
-        <dgm:shape xmlns:r="http://schemas.openxmlformats.org/officeDocument/2006/relationships" r:blip="">
-          <dgm:adjLst/>
-        </dgm:shape>
-        <dgm:presOf/>
-        <dgm:constrLst>
-          <dgm:constr type="primFontSz" for="des" ptType="node" op="equ" val="65"/>
-          <dgm:constr type="l" for="ch" forName="ellipse1" refType="w" fact="0"/>
-          <dgm:constr type="t" for="ch" forName="ellipse1" refType="h" fact="0"/>
-          <dgm:constr type="w" for="ch" forName="ellipse1" refType="w" fact="0.4929"/>
-          <dgm:constr type="h" for="ch" forName="ellipse1" refType="h" fact="0.5999"/>
-          <dgm:constr type="l" for="ch" forName="ellipse2" refType="w" fact="0.2537"/>
-          <dgm:constr type="t" for="ch" forName="ellipse2" refType="h" fact="0.4001"/>
-          <dgm:constr type="w" for="ch" forName="ellipse2" refType="w" fact="0.4929"/>
-          <dgm:constr type="h" for="ch" forName="ellipse2" refType="h" fact="0.5999"/>
-          <dgm:constr type="l" for="ch" forName="ellipse3" refType="w" fact="0.5071"/>
-          <dgm:constr type="t" for="ch" forName="ellipse3" refType="h" fact="0"/>
-          <dgm:constr type="w" for="ch" forName="ellipse3" refType="w" fact="0.4929"/>
-          <dgm:constr type="h" for="ch" forName="ellipse3" refType="h" fact="0.5999"/>
-        </dgm:constrLst>
-      </dgm:if>
-      <dgm:if name="Name6" axis="ch" ptType="node" func="cnt" op="equ" val="4">
-        <dgm:alg type="composite">
-          <dgm:param type="ar" val="1.5255"/>
-        </dgm:alg>
-        <dgm:shape xmlns:r="http://schemas.openxmlformats.org/officeDocument/2006/relationships" r:blip="">
-          <dgm:adjLst/>
-        </dgm:shape>
-        <dgm:presOf/>
-        <dgm:constrLst>
-          <dgm:constr type="primFontSz" for="des" ptType="node" op="equ" val="65"/>
-          <dgm:constr type="l" for="ch" forName="ellipse1" refType="w" fact="0"/>
-          <dgm:constr type="t" for="ch" forName="ellipse1" refType="h" fact="0"/>
-          <dgm:constr type="w" for="ch" forName="ellipse1" refType="w" fact="0.3932"/>
-          <dgm:constr type="h" for="ch" forName="ellipse1" refType="h" fact="0.5999"/>
-          <dgm:constr type="l" for="ch" forName="ellipse2" refType="w" fact="0.2023"/>
-          <dgm:constr type="t" for="ch" forName="ellipse2" refType="h" fact="0.4001"/>
-          <dgm:constr type="w" for="ch" forName="ellipse2" refType="w" fact="0.3932"/>
-          <dgm:constr type="h" for="ch" forName="ellipse2" refType="h" fact="0.5999"/>
-          <dgm:constr type="l" for="ch" forName="ellipse3" refType="w" fact="0.4045"/>
-          <dgm:constr type="t" for="ch" forName="ellipse3" refType="h" fact="0"/>
-          <dgm:constr type="w" for="ch" forName="ellipse3" refType="w" fact="0.3932"/>
-          <dgm:constr type="h" for="ch" forName="ellipse3" refType="h" fact="0.5999"/>
-          <dgm:constr type="l" for="ch" forName="ellipse4" refType="w" fact="0.6068"/>
-          <dgm:constr type="t" for="ch" forName="ellipse4" refType="h" fact="0.4001"/>
-          <dgm:constr type="w" for="ch" forName="ellipse4" refType="w" fact="0.3932"/>
-          <dgm:constr type="h" for="ch" forName="ellipse4" refType="h" fact="0.5999"/>
-        </dgm:constrLst>
-      </dgm:if>
-      <dgm:if name="Name7" axis="ch" ptType="node" func="cnt" op="equ" val="5">
-        <dgm:alg type="composite">
-          <dgm:param type="ar" val="1.834"/>
-        </dgm:alg>
-        <dgm:shape xmlns:r="http://schemas.openxmlformats.org/officeDocument/2006/relationships" r:blip="">
-          <dgm:adjLst/>
-        </dgm:shape>
-        <dgm:presOf/>
-        <dgm:constrLst>
-          <dgm:constr type="primFontSz" for="des" ptType="node" op="equ" val="65"/>
-          <dgm:constr type="l" for="ch" forName="ellipse1" refType="w" fact="0"/>
-          <dgm:constr type="t" for="ch" forName="ellipse1" refType="h" fact="0"/>
-          <dgm:constr type="w" for="ch" forName="ellipse1" refType="w" fact="0.3271"/>
-          <dgm:constr type="h" for="ch" forName="ellipse1" refType="h" fact="0.5999"/>
-          <dgm:constr type="l" for="ch" forName="ellipse2" refType="w" fact="0.1682"/>
-          <dgm:constr type="t" for="ch" forName="ellipse2" refType="h" fact="0.4001"/>
-          <dgm:constr type="w" for="ch" forName="ellipse2" refType="w" fact="0.3271"/>
-          <dgm:constr type="h" for="ch" forName="ellipse2" refType="h" fact="0.5999"/>
-          <dgm:constr type="l" for="ch" forName="ellipse3" refType="w" fact="0.3365"/>
-          <dgm:constr type="t" for="ch" forName="ellipse3" refType="h" fact="0"/>
-          <dgm:constr type="w" for="ch" forName="ellipse3" refType="w" fact="0.3271"/>
-          <dgm:constr type="h" for="ch" forName="ellipse3" refType="h" fact="0.5999"/>
-          <dgm:constr type="l" for="ch" forName="ellipse4" refType="w" fact="0.5047"/>
-          <dgm:constr type="t" for="ch" forName="ellipse4" refType="h" fact="0.4001"/>
-          <dgm:constr type="w" for="ch" forName="ellipse4" refType="w" fact="0.3271"/>
-          <dgm:constr type="h" for="ch" forName="ellipse4" refType="h" fact="0.5999"/>
-          <dgm:constr type="l" for="ch" forName="ellipse5" refType="w" fact="0.6729"/>
-          <dgm:constr type="t" for="ch" forName="ellipse5" refType="h" fact="0"/>
-          <dgm:constr type="w" for="ch" forName="ellipse5" refType="w" fact="0.3271"/>
-          <dgm:constr type="h" for="ch" forName="ellipse5" refType="h" fact="0.5999"/>
-        </dgm:constrLst>
-      </dgm:if>
-      <dgm:if name="Name8" axis="ch" ptType="node" func="cnt" op="equ" val="6">
-        <dgm:alg type="composite">
-          <dgm:param type="ar" val="2.1873"/>
-        </dgm:alg>
-        <dgm:shape xmlns:r="http://schemas.openxmlformats.org/officeDocument/2006/relationships" r:blip="">
-          <dgm:adjLst/>
-        </dgm:shape>
-        <dgm:presOf/>
-        <dgm:constrLst>
-          <dgm:constr type="primFontSz" for="des" ptType="node" op="equ" val="65"/>
-          <dgm:constr type="l" for="ch" forName="ellipse1" refType="w" fact="0"/>
-          <dgm:constr type="t" for="ch" forName="ellipse1" refType="h" fact="0"/>
-          <dgm:constr type="w" for="ch" forName="ellipse1" refType="w" fact="0.278"/>
-          <dgm:constr type="h" for="ch" forName="ellipse1" refType="h" fact="0.6081"/>
-          <dgm:constr type="l" for="ch" forName="ellipse2" refType="w" fact="0.1444"/>
-          <dgm:constr type="t" for="ch" forName="ellipse2" refType="h" fact="0.3919"/>
-          <dgm:constr type="w" for="ch" forName="ellipse2" refType="w" fact="0.278"/>
-          <dgm:constr type="h" for="ch" forName="ellipse2" refType="h" fact="0.6081"/>
-          <dgm:constr type="l" for="ch" forName="ellipse3" refType="w" fact="0.2888"/>
-          <dgm:constr type="t" for="ch" forName="ellipse3" refType="h" fact="0"/>
-          <dgm:constr type="w" for="ch" forName="ellipse3" refType="w" fact="0.278"/>
-          <dgm:constr type="h" for="ch" forName="ellipse3" refType="h" fact="0.6081"/>
-          <dgm:constr type="l" for="ch" forName="ellipse4" refType="w" fact="0.4332"/>
-          <dgm:constr type="t" for="ch" forName="ellipse4" refType="h" fact="0.3919"/>
-          <dgm:constr type="w" for="ch" forName="ellipse4" refType="w" fact="0.278"/>
-          <dgm:constr type="h" for="ch" forName="ellipse4" refType="h" fact="0.6081"/>
-          <dgm:constr type="l" for="ch" forName="ellipse5" refType="w" fact="0.5776"/>
-          <dgm:constr type="t" for="ch" forName="ellipse5" refType="h" fact="0"/>
-          <dgm:constr type="w" for="ch" forName="ellipse5" refType="w" fact="0.278"/>
-          <dgm:constr type="h" for="ch" forName="ellipse5" refType="h" fact="0.6081"/>
-          <dgm:constr type="l" for="ch" forName="ellipse6" refType="w" fact="0.722"/>
-          <dgm:constr type="t" for="ch" forName="ellipse6" refType="h" fact="0.3919"/>
-          <dgm:constr type="w" for="ch" forName="ellipse6" refType="w" fact="0.278"/>
-          <dgm:constr type="h" for="ch" forName="ellipse6" refType="h" fact="0.6081"/>
-        </dgm:constrLst>
-      </dgm:if>
-      <dgm:else name="Name9">
-        <dgm:alg type="composite">
-          <dgm:param type="ar" val="2.3466"/>
-        </dgm:alg>
-        <dgm:shape xmlns:r="http://schemas.openxmlformats.org/officeDocument/2006/relationships" r:blip="">
-          <dgm:adjLst/>
-        </dgm:shape>
-        <dgm:presOf/>
-        <dgm:constrLst>
-          <dgm:constr type="primFontSz" for="des" ptType="node" op="equ" val="65"/>
-          <dgm:constr type="l" for="ch" forName="ellipse1" refType="w" fact="0"/>
-          <dgm:constr type="t" for="ch" forName="ellipse1" refType="h" fact="0"/>
-          <dgm:constr type="w" for="ch" forName="ellipse1" refType="w" fact="0.2455"/>
-          <dgm:constr type="h" for="ch" forName="ellipse1" refType="h" fact="0.5761"/>
-          <dgm:constr type="l" for="ch" forName="ellipse2" refType="w" fact="0.1257"/>
-          <dgm:constr type="t" for="ch" forName="ellipse2" refType="h" fact="0.4239"/>
-          <dgm:constr type="w" for="ch" forName="ellipse2" refType="w" fact="0.2455"/>
-          <dgm:constr type="h" for="ch" forName="ellipse2" refType="h" fact="0.5761"/>
-          <dgm:constr type="l" for="ch" forName="ellipse3" refType="w" fact="0.2515"/>
-          <dgm:constr type="t" for="ch" forName="ellipse3" refType="h" fact="0"/>
-          <dgm:constr type="w" for="ch" forName="ellipse3" refType="w" fact="0.2455"/>
-          <dgm:constr type="h" for="ch" forName="ellipse3" refType="h" fact="0.5761"/>
-          <dgm:constr type="l" for="ch" forName="ellipse4" refType="w" fact="0.3772"/>
-          <dgm:constr type="t" for="ch" forName="ellipse4" refType="h" fact="0.4239"/>
-          <dgm:constr type="w" for="ch" forName="ellipse4" refType="w" fact="0.2455"/>
-          <dgm:constr type="h" for="ch" forName="ellipse4" refType="h" fact="0.5761"/>
-          <dgm:constr type="l" for="ch" forName="ellipse5" refType="w" fact="0.503"/>
-          <dgm:constr type="t" for="ch" forName="ellipse5" refType="h" fact="0"/>
-          <dgm:constr type="w" for="ch" forName="ellipse5" refType="w" fact="0.2455"/>
-          <dgm:constr type="h" for="ch" forName="ellipse5" refType="h" fact="0.5761"/>
-          <dgm:constr type="l" for="ch" forName="ellipse6" refType="w" fact="0.6287"/>
-          <dgm:constr type="t" for="ch" forName="ellipse6" refType="h" fact="0.4239"/>
-          <dgm:constr type="w" for="ch" forName="ellipse6" refType="w" fact="0.2455"/>
-          <dgm:constr type="h" for="ch" forName="ellipse6" refType="h" fact="0.5761"/>
-          <dgm:constr type="l" for="ch" forName="ellipse7" refType="w" fact="0.7545"/>
-          <dgm:constr type="t" for="ch" forName="ellipse7" refType="h" fact="0"/>
-          <dgm:constr type="w" for="ch" forName="ellipse7" refType="w" fact="0.2455"/>
-          <dgm:constr type="h" for="ch" forName="ellipse7" refType="h" fact="0.5761"/>
-        </dgm:constrLst>
-      </dgm:else>
-    </dgm:choose>
-    <dgm:choose name="Name10">
-      <dgm:if name="Name11" axis="ch" ptType="node" func="cnt" op="gte" val="1">
-        <dgm:layoutNode name="ellipse1" styleLbl="vennNode1">
-          <dgm:varLst>
-            <dgm:bulletEnabled val="1"/>
-          </dgm:varLst>
-          <dgm:alg type="tx"/>
-          <dgm:shape xmlns:r="http://schemas.openxmlformats.org/officeDocument/2006/relationships" type="ellipse" r:blip="">
-            <dgm:adjLst/>
-          </dgm:shape>
-          <dgm:choose name="Name12">
-            <dgm:if name="Name13" func="var" arg="dir" op="equ" val="norm">
-              <dgm:presOf axis="ch desOrSelf" ptType="node node" st="1 1" cnt="1 0"/>
-            </dgm:if>
-            <dgm:else name="Name14">
-              <dgm:choose name="Name15">
-                <dgm:if name="Name16" axis="ch" ptType="node" func="cnt" op="equ" val="1">
-                  <dgm:presOf axis="ch desOrSelf" ptType="node node" st="1 1" cnt="1 0"/>
-                </dgm:if>
-                <dgm:if name="Name17" axis="ch" ptType="node" func="cnt" op="equ" val="2">
-                  <dgm:presOf axis="ch desOrSelf" ptType="node node" st="2 1" cnt="1 0"/>
-                </dgm:if>
-                <dgm:if name="Name18" axis="ch" ptType="node" func="cnt" op="equ" val="3">
-                  <dgm:presOf axis="ch desOrSelf" ptType="node node" st="3 1" cnt="1 0"/>
-                </dgm:if>
-                <dgm:if name="Name19" axis="ch" ptType="node" func="cnt" op="equ" val="4">
-                  <dgm:presOf axis="ch desOrSelf" ptType="node node" st="4 1" cnt="1 0"/>
-                </dgm:if>
-                <dgm:if name="Name20" axis="ch" ptType="node" func="cnt" op="equ" val="5">
-                  <dgm:presOf axis="ch desOrSelf" ptType="node node" st="5 1" cnt="1 0"/>
-                </dgm:if>
-                <dgm:if name="Name21" axis="ch" ptType="node" func="cnt" op="equ" val="6">
-                  <dgm:presOf axis="ch desOrSelf" ptType="node node" st="6 1" cnt="1 0"/>
-                </dgm:if>
-                <dgm:if name="Name22" axis="ch" ptType="node" func="cnt" op="gte" val="7">
-                  <dgm:presOf axis="ch desOrSelf" ptType="node node" st="7 1" cnt="1 0"/>
-                </dgm:if>
-                <dgm:else name="Name23"/>
-              </dgm:choose>
-            </dgm:else>
-          </dgm:choose>
-          <dgm:constrLst>
-            <dgm:constr type="lMarg" refType="primFontSz" fact="0.3"/>
-            <dgm:constr type="rMarg" refType="primFontSz" fact="0.3"/>
-            <dgm:constr type="tMarg" refType="primFontSz" fact="0.3"/>
-            <dgm:constr type="bMarg" refType="primFontSz" fact="0.3"/>
-          </dgm:constrLst>
-          <dgm:ruleLst>
-            <dgm:rule type="primFontSz" val="5" fact="NaN" max="NaN"/>
-          </dgm:ruleLst>
-        </dgm:layoutNode>
-      </dgm:if>
-      <dgm:else name="Name24"/>
-    </dgm:choose>
-    <dgm:choose name="Name25">
-      <dgm:if name="Name26" axis="ch" ptType="node" func="cnt" op="gte" val="2">
-        <dgm:layoutNode name="ellipse2" styleLbl="vennNode1">
-          <dgm:varLst>
-            <dgm:bulletEnabled val="1"/>
-          </dgm:varLst>
-          <dgm:alg type="tx"/>
-          <dgm:choose name="Name27">
-            <dgm:if name="Name28" func="var" arg="dir" op="equ" val="norm">
-              <dgm:shape xmlns:r="http://schemas.openxmlformats.org/officeDocument/2006/relationships" type="ellipse" r:blip="">
-                <dgm:adjLst/>
-              </dgm:shape>
-              <dgm:presOf axis="ch desOrSelf" ptType="node node" st="2 1" cnt="1 0"/>
-            </dgm:if>
-            <dgm:else name="Name29">
-              <dgm:shape xmlns:r="http://schemas.openxmlformats.org/officeDocument/2006/relationships" type="ellipse" r:blip="" zOrderOff="-2">
-                <dgm:adjLst/>
-              </dgm:shape>
-              <dgm:choose name="Name30">
-                <dgm:if name="Name31" axis="ch" ptType="node" func="cnt" op="equ" val="2">
-                  <dgm:presOf axis="ch desOrSelf" ptType="node node" st="1 1" cnt="1 0"/>
-                </dgm:if>
-                <dgm:if name="Name32" axis="ch" ptType="node" func="cnt" op="equ" val="3">
-                  <dgm:presOf axis="ch desOrSelf" ptType="node node" st="2 1" cnt="1 0"/>
-                </dgm:if>
-                <dgm:if name="Name33" axis="ch" ptType="node" func="cnt" op="equ" val="4">
-                  <dgm:presOf axis="ch desOrSelf" ptType="node node" st="3 1" cnt="1 0"/>
-                </dgm:if>
-                <dgm:if name="Name34" axis="ch" ptType="node" func="cnt" op="equ" val="5">
-                  <dgm:presOf axis="ch desOrSelf" ptType="node node" st="4 1" cnt="1 0"/>
-                </dgm:if>
-                <dgm:if name="Name35" axis="ch" ptType="node" func="cnt" op="equ" val="6">
-                  <dgm:presOf axis="ch desOrSelf" ptType="node node" st="5 1" cnt="1 0"/>
-                </dgm:if>
-                <dgm:if name="Name36" axis="ch" ptType="node" func="cnt" op="gte" val="7">
-                  <dgm:presOf axis="ch desOrSelf" ptType="node node" st="6 1" cnt="1 0"/>
-                </dgm:if>
-                <dgm:else name="Name37"/>
-              </dgm:choose>
-            </dgm:else>
-          </dgm:choose>
-          <dgm:constrLst>
-            <dgm:constr type="lMarg" refType="primFontSz" fact="0.3"/>
-            <dgm:constr type="rMarg" refType="primFontSz" fact="0.3"/>
-            <dgm:constr type="tMarg" refType="primFontSz" fact="0.3"/>
-            <dgm:constr type="bMarg" refType="primFontSz" fact="0.3"/>
-          </dgm:constrLst>
-          <dgm:ruleLst>
-            <dgm:rule type="primFontSz" val="5" fact="NaN" max="NaN"/>
-          </dgm:ruleLst>
-        </dgm:layoutNode>
-      </dgm:if>
-      <dgm:else name="Name38"/>
-    </dgm:choose>
-    <dgm:choose name="Name39">
-      <dgm:if name="Name40" axis="ch" ptType="node" func="cnt" op="gte" val="3">
-        <dgm:layoutNode name="ellipse3" styleLbl="vennNode1">
-          <dgm:varLst>
-            <dgm:bulletEnabled val="1"/>
-          </dgm:varLst>
-          <dgm:alg type="tx"/>
-          <dgm:shape xmlns:r="http://schemas.openxmlformats.org/officeDocument/2006/relationships" type="ellipse" r:blip="">
-            <dgm:adjLst/>
-          </dgm:shape>
-          <dgm:choose name="Name41">
-            <dgm:if name="Name42" func="var" arg="dir" op="equ" val="norm">
-              <dgm:shape xmlns:r="http://schemas.openxmlformats.org/officeDocument/2006/relationships" type="ellipse" r:blip="">
-                <dgm:adjLst/>
-              </dgm:shape>
-              <dgm:presOf axis="ch desOrSelf" ptType="node node" st="3 1" cnt="1 0"/>
-            </dgm:if>
-            <dgm:else name="Name43">
-              <dgm:shape xmlns:r="http://schemas.openxmlformats.org/officeDocument/2006/relationships" type="ellipse" r:blip="" zOrderOff="-4">
-                <dgm:adjLst/>
-              </dgm:shape>
-              <dgm:choose name="Name44">
-                <dgm:if name="Name45" axis="ch" ptType="node" func="cnt" op="equ" val="3">
-                  <dgm:presOf axis="ch desOrSelf" ptType="node node" st="1 1" cnt="1 0"/>
-                </dgm:if>
-                <dgm:if name="Name46" axis="ch" ptType="node" func="cnt" op="equ" val="4">
-                  <dgm:presOf axis="ch desOrSelf" ptType="node node" st="2 1" cnt="1 0"/>
-                </dgm:if>
-                <dgm:if name="Name47" axis="ch" ptType="node" func="cnt" op="equ" val="5">
-                  <dgm:presOf axis="ch desOrSelf" ptType="node node" st="3 1" cnt="1 0"/>
-                </dgm:if>
-                <dgm:if name="Name48" axis="ch" ptType="node" func="cnt" op="equ" val="6">
-                  <dgm:presOf axis="ch desOrSelf" ptType="node node" st="4 1" cnt="1 0"/>
-                </dgm:if>
-                <dgm:if name="Name49" axis="ch" ptType="node" func="cnt" op="gte" val="7">
-                  <dgm:presOf axis="ch desOrSelf" ptType="node node" st="5 1" cnt="1 0"/>
-                </dgm:if>
-                <dgm:else name="Name50"/>
-              </dgm:choose>
-            </dgm:else>
-          </dgm:choose>
-          <dgm:constrLst>
-            <dgm:constr type="lMarg" refType="primFontSz" fact="0.3"/>
-            <dgm:constr type="rMarg" refType="primFontSz" fact="0.3"/>
-            <dgm:constr type="tMarg" refType="primFontSz" fact="0.3"/>
-            <dgm:constr type="bMarg" refType="primFontSz" fact="0.3"/>
-          </dgm:constrLst>
-          <dgm:ruleLst>
-            <dgm:rule type="primFontSz" val="5" fact="NaN" max="NaN"/>
-          </dgm:ruleLst>
-        </dgm:layoutNode>
-      </dgm:if>
-      <dgm:else name="Name51"/>
-    </dgm:choose>
-    <dgm:choose name="Name52">
-      <dgm:if name="Name53" axis="ch" ptType="node" func="cnt" op="gte" val="4">
-        <dgm:layoutNode name="ellipse4" styleLbl="vennNode1">
-          <dgm:varLst>
-            <dgm:bulletEnabled val="1"/>
-          </dgm:varLst>
-          <dgm:alg type="tx"/>
-          <dgm:choose name="Name54">
-            <dgm:if name="Name55" func="var" arg="dir" op="equ" val="norm">
-              <dgm:shape xmlns:r="http://schemas.openxmlformats.org/officeDocument/2006/relationships" type="ellipse" r:blip="">
-                <dgm:adjLst/>
-              </dgm:shape>
-              <dgm:presOf axis="ch desOrSelf" ptType="node node" st="4 1" cnt="1 0"/>
-            </dgm:if>
-            <dgm:else name="Name56">
-              <dgm:shape xmlns:r="http://schemas.openxmlformats.org/officeDocument/2006/relationships" type="ellipse" r:blip="" zOrderOff="-6">
-                <dgm:adjLst/>
-              </dgm:shape>
-              <dgm:choose name="Name57">
-                <dgm:if name="Name58" axis="ch" ptType="node" func="cnt" op="equ" val="4">
-                  <dgm:presOf axis="ch desOrSelf" ptType="node node" st="1 1" cnt="1 0"/>
-                </dgm:if>
-                <dgm:if name="Name59" axis="ch" ptType="node" func="cnt" op="equ" val="5">
-                  <dgm:presOf axis="ch desOrSelf" ptType="node node" st="2 1" cnt="1 0"/>
-                </dgm:if>
-                <dgm:if name="Name60" axis="ch" ptType="node" func="cnt" op="equ" val="6">
-                  <dgm:presOf axis="ch desOrSelf" ptType="node node" st="3 1" cnt="1 0"/>
-                </dgm:if>
-                <dgm:if name="Name61" axis="ch" ptType="node" func="cnt" op="gte" val="7">
-                  <dgm:presOf axis="ch desOrSelf" ptType="node node" st="4 1" cnt="1 0"/>
-                </dgm:if>
-                <dgm:else name="Name62"/>
-              </dgm:choose>
-            </dgm:else>
-          </dgm:choose>
-          <dgm:constrLst>
-            <dgm:constr type="lMarg" refType="primFontSz" fact="0.3"/>
-            <dgm:constr type="rMarg" refType="primFontSz" fact="0.3"/>
-            <dgm:constr type="tMarg" refType="primFontSz" fact="0.3"/>
-            <dgm:constr type="bMarg" refType="primFontSz" fact="0.3"/>
-          </dgm:constrLst>
-          <dgm:ruleLst>
-            <dgm:rule type="primFontSz" val="5" fact="NaN" max="NaN"/>
-          </dgm:ruleLst>
-        </dgm:layoutNode>
-      </dgm:if>
-      <dgm:else name="Name63"/>
-    </dgm:choose>
-    <dgm:choose name="Name64">
-      <dgm:if name="Name65" axis="ch" ptType="node" func="cnt" op="gte" val="5">
-        <dgm:layoutNode name="ellipse5" styleLbl="vennNode1">
-          <dgm:varLst>
-            <dgm:bulletEnabled val="1"/>
-          </dgm:varLst>
-          <dgm:alg type="tx"/>
-          <dgm:choose name="Name66">
-            <dgm:if name="Name67" func="var" arg="dir" op="equ" val="norm">
-              <dgm:shape xmlns:r="http://schemas.openxmlformats.org/officeDocument/2006/relationships" type="ellipse" r:blip="">
-                <dgm:adjLst/>
-              </dgm:shape>
-              <dgm:presOf axis="ch desOrSelf" ptType="node node" st="5 1" cnt="1 0"/>
-            </dgm:if>
-            <dgm:else name="Name68">
-              <dgm:shape xmlns:r="http://schemas.openxmlformats.org/officeDocument/2006/relationships" type="ellipse" r:blip="" zOrderOff="-8">
-                <dgm:adjLst/>
-              </dgm:shape>
-              <dgm:choose name="Name69">
-                <dgm:if name="Name70" axis="ch" ptType="node" func="cnt" op="equ" val="5">
-                  <dgm:presOf axis="ch desOrSelf" ptType="node node" st="1 1" cnt="1 0"/>
-                </dgm:if>
-                <dgm:if name="Name71" axis="ch" ptType="node" func="cnt" op="equ" val="6">
-                  <dgm:presOf axis="ch desOrSelf" ptType="node node" st="2 1" cnt="1 0"/>
-                </dgm:if>
-                <dgm:if name="Name72" axis="ch" ptType="node" func="cnt" op="gte" val="7">
-                  <dgm:presOf axis="ch desOrSelf" ptType="node node" st="3 1" cnt="1 0"/>
-                </dgm:if>
-                <dgm:else name="Name73"/>
-              </dgm:choose>
-            </dgm:else>
-          </dgm:choose>
-          <dgm:constrLst>
-            <dgm:constr type="lMarg" refType="primFontSz" fact="0.3"/>
-            <dgm:constr type="rMarg" refType="primFontSz" fact="0.3"/>
-            <dgm:constr type="tMarg" refType="primFontSz" fact="0.3"/>
-            <dgm:constr type="bMarg" refType="primFontSz" fact="0.3"/>
-          </dgm:constrLst>
-          <dgm:ruleLst>
-            <dgm:rule type="primFontSz" val="5" fact="NaN" max="NaN"/>
-          </dgm:ruleLst>
-        </dgm:layoutNode>
-      </dgm:if>
-      <dgm:else name="Name74"/>
-    </dgm:choose>
-    <dgm:choose name="Name75">
-      <dgm:if name="Name76" axis="ch" ptType="node" func="cnt" op="gte" val="6">
-        <dgm:layoutNode name="ellipse6" styleLbl="vennNode1">
-          <dgm:varLst>
-            <dgm:bulletEnabled val="1"/>
-          </dgm:varLst>
-          <dgm:alg type="tx"/>
-          <dgm:choose name="Name77">
-            <dgm:if name="Name78" func="var" arg="dir" op="equ" val="norm">
-              <dgm:shape xmlns:r="http://schemas.openxmlformats.org/officeDocument/2006/relationships" type="ellipse" r:blip="">
-                <dgm:adjLst/>
-              </dgm:shape>
-              <dgm:presOf axis="ch desOrSelf" ptType="node node" st="6 1" cnt="1 0"/>
-            </dgm:if>
-            <dgm:else name="Name79">
-              <dgm:shape xmlns:r="http://schemas.openxmlformats.org/officeDocument/2006/relationships" type="ellipse" r:blip="" zOrderOff="-10">
-                <dgm:adjLst/>
-              </dgm:shape>
-              <dgm:choose name="Name80">
-                <dgm:if name="Name81" axis="ch" ptType="node" func="cnt" op="equ" val="6">
-                  <dgm:presOf axis="ch desOrSelf" ptType="node node" st="1 1" cnt="1 0"/>
-                </dgm:if>
-                <dgm:if name="Name82" axis="ch" ptType="node" func="cnt" op="gte" val="7">
-                  <dgm:presOf axis="ch desOrSelf" ptType="node node" st="2 1" cnt="1 0"/>
-                </dgm:if>
-                <dgm:else name="Name83"/>
-              </dgm:choose>
-            </dgm:else>
-          </dgm:choose>
-          <dgm:constrLst>
-            <dgm:constr type="lMarg" refType="primFontSz" fact="0.3"/>
-            <dgm:constr type="rMarg" refType="primFontSz" fact="0.3"/>
-            <dgm:constr type="tMarg" refType="primFontSz" fact="0.3"/>
-            <dgm:constr type="bMarg" refType="primFontSz" fact="0.3"/>
-          </dgm:constrLst>
-          <dgm:ruleLst>
-            <dgm:rule type="primFontSz" val="5" fact="NaN" max="NaN"/>
-          </dgm:ruleLst>
-        </dgm:layoutNode>
-      </dgm:if>
-      <dgm:else name="Name84"/>
-    </dgm:choose>
-    <dgm:choose name="Name85">
-      <dgm:if name="Name86" axis="ch" ptType="node" func="cnt" op="gte" val="7">
-        <dgm:layoutNode name="ellipse7" styleLbl="vennNode1">
-          <dgm:varLst>
-            <dgm:bulletEnabled val="1"/>
-          </dgm:varLst>
-          <dgm:alg type="tx"/>
-          <dgm:choose name="Name87">
-            <dgm:if name="Name88" func="var" arg="dir" op="equ" val="norm">
-              <dgm:shape xmlns:r="http://schemas.openxmlformats.org/officeDocument/2006/relationships" type="ellipse" r:blip="">
-                <dgm:adjLst/>
-              </dgm:shape>
-              <dgm:presOf axis="ch desOrSelf" ptType="node node" st="7 1" cnt="1 0"/>
-            </dgm:if>
-            <dgm:else name="Name89">
-              <dgm:shape xmlns:r="http://schemas.openxmlformats.org/officeDocument/2006/relationships" type="ellipse" r:blip="" zOrderOff="-12">
-                <dgm:adjLst/>
-              </dgm:shape>
-              <dgm:presOf axis="ch desOrSelf" ptType="node node" st="1 1" cnt="1 0"/>
-            </dgm:else>
-          </dgm:choose>
-          <dgm:constrLst>
-            <dgm:constr type="lMarg" refType="primFontSz" fact="0.3"/>
-            <dgm:constr type="rMarg" refType="primFontSz" fact="0.3"/>
-            <dgm:constr type="tMarg" refType="primFontSz" fact="0.3"/>
-            <dgm:constr type="bMarg" refType="primFontSz" fact="0.3"/>
-          </dgm:constrLst>
-          <dgm:ruleLst>
-            <dgm:rule type="primFontSz" val="5" fact="NaN" max="NaN"/>
-          </dgm:ruleLst>
-        </dgm:layoutNode>
-      </dgm:if>
-      <dgm:else name="Name90"/>
-    </dgm:choose>
-  </dgm:layoutNode>
-</dgm:layoutDef>
-</file>
-
-<file path=ppt/diagrams/quickStyle1.xml><?xml version="1.0" encoding="utf-8"?>
-<dgm:styleDef xmlns:dgm="http://schemas.openxmlformats.org/drawingml/2006/diagram" xmlns:a="http://schemas.openxmlformats.org/drawingml/2006/main" uniqueId="urn:microsoft.com/office/officeart/2005/8/quickstyle/simple4">
-  <dgm:title val=""/>
-  <dgm:desc val=""/>
-  <dgm:catLst>
-    <dgm:cat type="simple" pri="10400"/>
-  </dgm:catLst>
-  <dgm:scene3d>
-    <a:camera prst="orthographicFront"/>
-    <a:lightRig rig="threePt" dir="t"/>
-  </dgm:scene3d>
-  <dgm:styleLbl name="node0">
-    <dgm:scene3d>
-      <a:camera prst="orthographicFront"/>
-      <a:lightRig rig="threePt" dir="t"/>
-    </dgm:scene3d>
-    <dgm:sp3d/>
-    <dgm:txPr/>
-    <dgm:style>
-      <a:lnRef idx="0">
-        <a:scrgbClr r="0" g="0" b="0"/>
-      </a:lnRef>
-      <a:fillRef idx="3">
-        <a:scrgbClr r="0" g="0" b="0"/>
-      </a:fillRef>
-      <a:effectRef idx="2">
-        <a:scrgbClr r="0" g="0" b="0"/>
-      </a:effectRef>
-      <a:fontRef idx="minor">
-        <a:schemeClr val="lt1"/>
-      </a:fontRef>
-    </dgm:style>
-  </dgm:styleLbl>
-  <dgm:styleLbl name="lnNode1">
-    <dgm:scene3d>
-      <a:camera prst="orthographicFront"/>
-      <a:lightRig rig="threePt" dir="t"/>
-    </dgm:scene3d>
-    <dgm:sp3d/>
-    <dgm:txPr/>
-    <dgm:style>
-      <a:lnRef idx="1">
-        <a:scrgbClr r="0" g="0" b="0"/>
-      </a:lnRef>
-      <a:fillRef idx="3">
-        <a:scrgbClr r="0" g="0" b="0"/>
-      </a:fillRef>
-      <a:effectRef idx="2">
-        <a:scrgbClr r="0" g="0" b="0"/>
-      </a:effectRef>
-      <a:fontRef idx="minor">
-        <a:schemeClr val="lt1"/>
-      </a:fontRef>
-    </dgm:style>
-  </dgm:styleLbl>
-  <dgm:styleLbl name="vennNode1">
-    <dgm:scene3d>
-      <a:camera prst="orthographicFront"/>
-      <a:lightRig rig="threePt" dir="t"/>
-    </dgm:scene3d>
-    <dgm:sp3d/>
-    <dgm:txPr/>
-    <dgm:style>
-      <a:lnRef idx="0">
-        <a:scrgbClr r="0" g="0" b="0"/>
-      </a:lnRef>
-      <a:fillRef idx="3">
-        <a:scrgbClr r="0" g="0" b="0"/>
-      </a:fillRef>
-      <a:effectRef idx="0">
-        <a:scrgbClr r="0" g="0" b="0"/>
-      </a:effectRef>
-      <a:fontRef idx="minor">
-        <a:schemeClr val="tx1"/>
-      </a:fontRef>
-    </dgm:style>
-  </dgm:styleLbl>
-  <dgm:styleLbl name="alignNode1">
-    <dgm:scene3d>
-      <a:camera prst="orthographicFront"/>
-      <a:lightRig rig="threePt" dir="t"/>
-    </dgm:scene3d>
-    <dgm:sp3d/>
-    <dgm:txPr/>
-    <dgm:style>
-      <a:lnRef idx="1">
-        <a:scrgbClr r="0" g="0" b="0"/>
-      </a:lnRef>
-      <a:fillRef idx="3">
-        <a:scrgbClr r="0" g="0" b="0"/>
-      </a:fillRef>
-      <a:effectRef idx="2">
-        <a:scrgbClr r="0" g="0" b="0"/>
-      </a:effectRef>
-      <a:fontRef idx="minor">
-        <a:schemeClr val="lt1"/>
-      </a:fontRef>
-    </dgm:style>
-  </dgm:styleLbl>
-  <dgm:styleLbl name="node1">
-    <dgm:scene3d>
-      <a:camera prst="orthographicFront"/>
-      <a:lightRig rig="threePt" dir="t"/>
-    </dgm:scene3d>
-    <dgm:sp3d/>
-    <dgm:txPr/>
-    <dgm:style>
-      <a:lnRef idx="0">
-        <a:scrgbClr r="0" g="0" b="0"/>
-      </a:lnRef>
-      <a:fillRef idx="3">
-        <a:scrgbClr r="0" g="0" b="0"/>
-      </a:fillRef>
-      <a:effectRef idx="2">
-        <a:scrgbClr r="0" g="0" b="0"/>
-      </a:effectRef>
-      <a:fontRef idx="minor">
-        <a:schemeClr val="lt1"/>
-      </a:fontRef>
-    </dgm:style>
-  </dgm:styleLbl>
-  <dgm:styleLbl name="node2">
-    <dgm:scene3d>
-      <a:camera prst="orthographicFront"/>
-      <a:lightRig rig="threePt" dir="t"/>
-    </dgm:scene3d>
-    <dgm:sp3d/>
-    <dgm:txPr/>
-    <dgm:style>
-      <a:lnRef idx="0">
-        <a:scrgbClr r="0" g="0" b="0"/>
-      </a:lnRef>
-      <a:fillRef idx="3">
-        <a:scrgbClr r="0" g="0" b="0"/>
-      </a:fillRef>
-      <a:effectRef idx="2">
-        <a:scrgbClr r="0" g="0" b="0"/>
-      </a:effectRef>
-      <a:fontRef idx="minor">
-        <a:schemeClr val="lt1"/>
-      </a:fontRef>
-    </dgm:style>
-  </dgm:styleLbl>
-  <dgm:styleLbl name="node3">
-    <dgm:scene3d>
-      <a:camera prst="orthographicFront"/>
-      <a:lightRig rig="threePt" dir="t"/>
-    </dgm:scene3d>
-    <dgm:sp3d/>
-    <dgm:txPr/>
-    <dgm:style>
-      <a:lnRef idx="0">
-        <a:scrgbClr r="0" g="0" b="0"/>
-      </a:lnRef>
-      <a:fillRef idx="3">
-        <a:scrgbClr r="0" g="0" b="0"/>
-      </a:fillRef>
-      <a:effectRef idx="2">
-        <a:scrgbClr r="0" g="0" b="0"/>
-      </a:effectRef>
-      <a:fontRef idx="minor">
-        <a:schemeClr val="lt1"/>
-      </a:fontRef>
-    </dgm:style>
-  </dgm:styleLbl>
-  <dgm:styleLbl name="node4">
-    <dgm:scene3d>
-      <a:camera prst="orthographicFront"/>
-      <a:lightRig rig="threePt" dir="t"/>
-    </dgm:scene3d>
-    <dgm:sp3d/>
-    <dgm:txPr/>
-    <dgm:style>
-      <a:lnRef idx="0">
-        <a:scrgbClr r="0" g="0" b="0"/>
-      </a:lnRef>
-      <a:fillRef idx="3">
-        <a:scrgbClr r="0" g="0" b="0"/>
-      </a:fillRef>
-      <a:effectRef idx="2">
-        <a:scrgbClr r="0" g="0" b="0"/>
-      </a:effectRef>
-      <a:fontRef idx="minor">
-        <a:schemeClr val="lt1"/>
-      </a:fontRef>
-    </dgm:style>
-  </dgm:styleLbl>
-  <dgm:styleLbl name="fgImgPlace1">
-    <dgm:scene3d>
-      <a:camera prst="orthographicFront"/>
-      <a:lightRig rig="threePt" dir="t"/>
-    </dgm:scene3d>
-    <dgm:sp3d/>
-    <dgm:txPr/>
-    <dgm:style>
-      <a:lnRef idx="0">
-        <a:scrgbClr r="0" g="0" b="0"/>
-      </a:lnRef>
-      <a:fillRef idx="1">
-        <a:scrgbClr r="0" g="0" b="0"/>
-      </a:fillRef>
-      <a:effectRef idx="2">
-        <a:scrgbClr r="0" g="0" b="0"/>
-      </a:effectRef>
-      <a:fontRef idx="minor"/>
-    </dgm:style>
-  </dgm:styleLbl>
-  <dgm:styleLbl name="alignImgPlace1">
-    <dgm:scene3d>
-      <a:camera prst="orthographicFront"/>
-      <a:lightRig rig="threePt" dir="t"/>
-    </dgm:scene3d>
-    <dgm:sp3d/>
-    <dgm:txPr/>
-    <dgm:style>
-      <a:lnRef idx="0">
-        <a:scrgbClr r="0" g="0" b="0"/>
-      </a:lnRef>
-      <a:fillRef idx="1">
-        <a:scrgbClr r="0" g="0" b="0"/>
-      </a:fillRef>
-      <a:effectRef idx="2">
-        <a:scrgbClr r="0" g="0" b="0"/>
-      </a:effectRef>
-      <a:fontRef idx="minor"/>
-    </dgm:style>
-  </dgm:styleLbl>
-  <dgm:styleLbl name="bgImgPlace1">
-    <dgm:scene3d>
-      <a:camera prst="orthographicFront"/>
-      <a:lightRig rig="threePt" dir="t"/>
-    </dgm:scene3d>
-    <dgm:sp3d/>
-    <dgm:txPr/>
-    <dgm:style>
-      <a:lnRef idx="0">
-        <a:scrgbClr r="0" g="0" b="0"/>
-      </a:lnRef>
-      <a:fillRef idx="1">
-        <a:scrgbClr r="0" g="0" b="0"/>
-      </a:fillRef>
-      <a:effectRef idx="2">
-        <a:scrgbClr r="0" g="0" b="0"/>
-      </a:effectRef>
-      <a:fontRef idx="minor"/>
-    </dgm:style>
-  </dgm:styleLbl>
-  <dgm:styleLbl name="sibTrans2D1">
-    <dgm:scene3d>
-      <a:camera prst="orthographicFront"/>
-      <a:lightRig rig="threePt" dir="t"/>
-    </dgm:scene3d>
-    <dgm:sp3d/>
-    <dgm:txPr/>
-    <dgm:style>
-      <a:lnRef idx="0">
-        <a:scrgbClr r="0" g="0" b="0"/>
-      </a:lnRef>
-      <a:fillRef idx="3">
-        <a:scrgbClr r="0" g="0" b="0"/>
-      </a:fillRef>
-      <a:effectRef idx="2">
-        <a:scrgbClr r="0" g="0" b="0"/>
-      </a:effectRef>
-      <a:fontRef idx="minor">
-        <a:schemeClr val="lt1"/>
-      </a:fontRef>
-    </dgm:style>
-  </dgm:styleLbl>
-  <dgm:styleLbl name="fgSibTrans2D1">
-    <dgm:scene3d>
-      <a:camera prst="orthographicFront"/>
-      <a:lightRig rig="threePt" dir="t"/>
-    </dgm:scene3d>
-    <dgm:sp3d/>
-    <dgm:txPr/>
-    <dgm:style>
-      <a:lnRef idx="0">
-        <a:scrgbClr r="0" g="0" b="0"/>
-      </a:lnRef>
-      <a:fillRef idx="3">
-        <a:scrgbClr r="0" g="0" b="0"/>
-      </a:fillRef>
-      <a:effectRef idx="2">
-        <a:scrgbClr r="0" g="0" b="0"/>
-      </a:effectRef>
-      <a:fontRef idx="minor">
-        <a:schemeClr val="lt1"/>
-      </a:fontRef>
-    </dgm:style>
-  </dgm:styleLbl>
-  <dgm:styleLbl name="bgSibTrans2D1">
-    <dgm:scene3d>
-      <a:camera prst="orthographicFront"/>
-      <a:lightRig rig="threePt" dir="t"/>
-    </dgm:scene3d>
-    <dgm:sp3d/>
-    <dgm:txPr/>
-    <dgm:style>
-      <a:lnRef idx="0">
-        <a:scrgbClr r="0" g="0" b="0"/>
-      </a:lnRef>
-      <a:fillRef idx="3">
-        <a:scrgbClr r="0" g="0" b="0"/>
-      </a:fillRef>
-      <a:effectRef idx="2">
-        <a:scrgbClr r="0" g="0" b="0"/>
-      </a:effectRef>
-      <a:fontRef idx="minor">
-        <a:schemeClr val="lt1"/>
-      </a:fontRef>
-    </dgm:style>
-  </dgm:styleLbl>
-  <dgm:styleLbl name="sibTrans1D1">
-    <dgm:scene3d>
-      <a:camera prst="orthographicFront"/>
-      <a:lightRig rig="threePt" dir="t"/>
-    </dgm:scene3d>
-    <dgm:sp3d/>
-    <dgm:txPr/>
-    <dgm:style>
-      <a:lnRef idx="1">
-        <a:scrgbClr r="0" g="0" b="0"/>
-      </a:lnRef>
-      <a:fillRef idx="0">
-        <a:scrgbClr r="0" g="0" b="0"/>
-      </a:fillRef>
-      <a:effectRef idx="0">
-        <a:scrgbClr r="0" g="0" b="0"/>
-      </a:effectRef>
-      <a:fontRef idx="minor"/>
-    </dgm:style>
-  </dgm:styleLbl>
-  <dgm:styleLbl name="callout">
-    <dgm:scene3d>
-      <a:camera prst="orthographicFront"/>
-      <a:lightRig rig="threePt" dir="t"/>
-    </dgm:scene3d>
-    <dgm:sp3d/>
-    <dgm:txPr/>
-    <dgm:style>
-      <a:lnRef idx="2">
-        <a:scrgbClr r="0" g="0" b="0"/>
-      </a:lnRef>
-      <a:fillRef idx="1">
-        <a:scrgbClr r="0" g="0" b="0"/>
-      </a:fillRef>
-      <a:effectRef idx="1">
-        <a:scrgbClr r="0" g="0" b="0"/>
-      </a:effectRef>
-      <a:fontRef idx="minor"/>
-    </dgm:style>
-  </dgm:styleLbl>
-  <dgm:styleLbl name="asst0">
-    <dgm:scene3d>
-      <a:camera prst="orthographicFront"/>
-      <a:lightRig rig="threePt" dir="t"/>
-    </dgm:scene3d>
-    <dgm:sp3d/>
-    <dgm:txPr/>
-    <dgm:style>
-      <a:lnRef idx="0">
-        <a:scrgbClr r="0" g="0" b="0"/>
-      </a:lnRef>
-      <a:fillRef idx="3">
-        <a:scrgbClr r="0" g="0" b="0"/>
-      </a:fillRef>
-      <a:effectRef idx="2">
-        <a:scrgbClr r="0" g="0" b="0"/>
-      </a:effectRef>
-      <a:fontRef idx="minor">
-        <a:schemeClr val="lt1"/>
-      </a:fontRef>
-    </dgm:style>
-  </dgm:styleLbl>
-  <dgm:styleLbl name="asst1">
-    <dgm:scene3d>
-      <a:camera prst="orthographicFront"/>
-      <a:lightRig rig="threePt" dir="t"/>
-    </dgm:scene3d>
-    <dgm:sp3d/>
-    <dgm:txPr/>
-    <dgm:style>
-      <a:lnRef idx="0">
-        <a:scrgbClr r="0" g="0" b="0"/>
-      </a:lnRef>
-      <a:fillRef idx="3">
-        <a:scrgbClr r="0" g="0" b="0"/>
-      </a:fillRef>
-      <a:effectRef idx="2">
-        <a:scrgbClr r="0" g="0" b="0"/>
-      </a:effectRef>
-      <a:fontRef idx="minor">
-        <a:schemeClr val="lt1"/>
-      </a:fontRef>
-    </dgm:style>
-  </dgm:styleLbl>
-  <dgm:styleLbl name="asst2">
-    <dgm:scene3d>
-      <a:camera prst="orthographicFront"/>
-      <a:lightRig rig="threePt" dir="t"/>
-    </dgm:scene3d>
-    <dgm:sp3d/>
-    <dgm:txPr/>
-    <dgm:style>
-      <a:lnRef idx="0">
-        <a:scrgbClr r="0" g="0" b="0"/>
-      </a:lnRef>
-      <a:fillRef idx="3">
-        <a:scrgbClr r="0" g="0" b="0"/>
-      </a:fillRef>
-      <a:effectRef idx="2">
-        <a:scrgbClr r="0" g="0" b="0"/>
-      </a:effectRef>
-      <a:fontRef idx="minor">
-        <a:schemeClr val="lt1"/>
-      </a:fontRef>
-    </dgm:style>
-  </dgm:styleLbl>
-  <dgm:styleLbl name="asst3">
-    <dgm:scene3d>
-      <a:camera prst="orthographicFront"/>
-      <a:lightRig rig="threePt" dir="t"/>
-    </dgm:scene3d>
-    <dgm:sp3d/>
-    <dgm:txPr/>
-    <dgm:style>
-      <a:lnRef idx="0">
-        <a:scrgbClr r="0" g="0" b="0"/>
-      </a:lnRef>
-      <a:fillRef idx="3">
-        <a:scrgbClr r="0" g="0" b="0"/>
-      </a:fillRef>
-      <a:effectRef idx="2">
-        <a:scrgbClr r="0" g="0" b="0"/>
-      </a:effectRef>
-      <a:fontRef idx="minor">
-        <a:schemeClr val="lt1"/>
-      </a:fontRef>
-    </dgm:style>
-  </dgm:styleLbl>
-  <dgm:styleLbl name="asst4">
-    <dgm:scene3d>
-      <a:camera prst="orthographicFront"/>
-      <a:lightRig rig="threePt" dir="t"/>
-    </dgm:scene3d>
-    <dgm:sp3d/>
-    <dgm:txPr/>
-    <dgm:style>
-      <a:lnRef idx="0">
-        <a:scrgbClr r="0" g="0" b="0"/>
-      </a:lnRef>
-      <a:fillRef idx="3">
-        <a:scrgbClr r="0" g="0" b="0"/>
-      </a:fillRef>
-      <a:effectRef idx="2">
-        <a:scrgbClr r="0" g="0" b="0"/>
-      </a:effectRef>
-      <a:fontRef idx="minor">
-        <a:schemeClr val="lt1"/>
-      </a:fontRef>
-    </dgm:style>
-  </dgm:styleLbl>
-  <dgm:styleLbl name="parChTrans2D1">
-    <dgm:scene3d>
-      <a:camera prst="orthographicFront"/>
-      <a:lightRig rig="threePt" dir="t"/>
-    </dgm:scene3d>
-    <dgm:sp3d/>
-    <dgm:txPr/>
-    <dgm:style>
-      <a:lnRef idx="0">
-        <a:scrgbClr r="0" g="0" b="0"/>
-      </a:lnRef>
-      <a:fillRef idx="3">
-        <a:scrgbClr r="0" g="0" b="0"/>
-      </a:fillRef>
-      <a:effectRef idx="2">
-        <a:scrgbClr r="0" g="0" b="0"/>
-      </a:effectRef>
-      <a:fontRef idx="minor">
-        <a:schemeClr val="lt1"/>
-      </a:fontRef>
-    </dgm:style>
-  </dgm:styleLbl>
-  <dgm:styleLbl name="parChTrans2D2">
-    <dgm:scene3d>
-      <a:camera prst="orthographicFront"/>
-      <a:lightRig rig="threePt" dir="t"/>
-    </dgm:scene3d>
-    <dgm:sp3d/>
-    <dgm:txPr/>
-    <dgm:style>
-      <a:lnRef idx="0">
-        <a:scrgbClr r="0" g="0" b="0"/>
-      </a:lnRef>
-      <a:fillRef idx="3">
-        <a:scrgbClr r="0" g="0" b="0"/>
-      </a:fillRef>
-      <a:effectRef idx="2">
-        <a:scrgbClr r="0" g="0" b="0"/>
-      </a:effectRef>
-      <a:fontRef idx="minor">
-        <a:schemeClr val="lt1"/>
-      </a:fontRef>
-    </dgm:style>
-  </dgm:styleLbl>
-  <dgm:styleLbl name="parChTrans2D3">
-    <dgm:scene3d>
-      <a:camera prst="orthographicFront"/>
-      <a:lightRig rig="threePt" dir="t"/>
-    </dgm:scene3d>
-    <dgm:sp3d/>
-    <dgm:txPr/>
-    <dgm:style>
-      <a:lnRef idx="1">
-        <a:scrgbClr r="0" g="0" b="0"/>
-      </a:lnRef>
-      <a:fillRef idx="3">
-        <a:scrgbClr r="0" g="0" b="0"/>
-      </a:fillRef>
-      <a:effectRef idx="2">
-        <a:scrgbClr r="0" g="0" b="0"/>
-      </a:effectRef>
-      <a:fontRef idx="minor">
-        <a:schemeClr val="lt1"/>
-      </a:fontRef>
-    </dgm:style>
-  </dgm:styleLbl>
-  <dgm:styleLbl name="parChTrans2D4">
-    <dgm:scene3d>
-      <a:camera prst="orthographicFront"/>
-      <a:lightRig rig="threePt" dir="t"/>
-    </dgm:scene3d>
-    <dgm:sp3d/>
-    <dgm:txPr/>
-    <dgm:style>
-      <a:lnRef idx="1">
-        <a:scrgbClr r="0" g="0" b="0"/>
-      </a:lnRef>
-      <a:fillRef idx="3">
-        <a:scrgbClr r="0" g="0" b="0"/>
-      </a:fillRef>
-      <a:effectRef idx="2">
-        <a:scrgbClr r="0" g="0" b="0"/>
-      </a:effectRef>
-      <a:fontRef idx="minor">
-        <a:schemeClr val="lt1"/>
-      </a:fontRef>
-    </dgm:style>
-  </dgm:styleLbl>
-  <dgm:styleLbl name="parChTrans1D1">
-    <dgm:scene3d>
-      <a:camera prst="orthographicFront"/>
-      <a:lightRig rig="threePt" dir="t"/>
-    </dgm:scene3d>
-    <dgm:sp3d/>
-    <dgm:txPr/>
-    <dgm:style>
-      <a:lnRef idx="1">
-        <a:scrgbClr r="0" g="0" b="0"/>
-      </a:lnRef>
-      <a:fillRef idx="0">
-        <a:scrgbClr r="0" g="0" b="0"/>
-      </a:fillRef>
-      <a:effectRef idx="0">
-        <a:scrgbClr r="0" g="0" b="0"/>
-      </a:effectRef>
-      <a:fontRef idx="minor"/>
-    </dgm:style>
-  </dgm:styleLbl>
-  <dgm:styleLbl name="parChTrans1D2">
-    <dgm:scene3d>
-      <a:camera prst="orthographicFront"/>
-      <a:lightRig rig="threePt" dir="t"/>
-    </dgm:scene3d>
-    <dgm:sp3d/>
-    <dgm:txPr/>
-    <dgm:style>
-      <a:lnRef idx="1">
-        <a:scrgbClr r="0" g="0" b="0"/>
-      </a:lnRef>
-      <a:fillRef idx="0">
-        <a:scrgbClr r="0" g="0" b="0"/>
-      </a:fillRef>
-      <a:effectRef idx="0">
-        <a:scrgbClr r="0" g="0" b="0"/>
-      </a:effectRef>
-      <a:fontRef idx="minor"/>
-    </dgm:style>
-  </dgm:styleLbl>
-  <dgm:styleLbl name="parChTrans1D3">
-    <dgm:scene3d>
-      <a:camera prst="orthographicFront"/>
-      <a:lightRig rig="threePt" dir="t"/>
-    </dgm:scene3d>
-    <dgm:sp3d/>
-    <dgm:txPr/>
-    <dgm:style>
-      <a:lnRef idx="1">
-        <a:scrgbClr r="0" g="0" b="0"/>
-      </a:lnRef>
-      <a:fillRef idx="0">
-        <a:scrgbClr r="0" g="0" b="0"/>
-      </a:fillRef>
-      <a:effectRef idx="0">
-        <a:scrgbClr r="0" g="0" b="0"/>
-      </a:effectRef>
-      <a:fontRef idx="minor"/>
-    </dgm:style>
-  </dgm:styleLbl>
-  <dgm:styleLbl name="parChTrans1D4">
-    <dgm:scene3d>
-      <a:camera prst="orthographicFront"/>
-      <a:lightRig rig="threePt" dir="t"/>
-    </dgm:scene3d>
-    <dgm:sp3d/>
-    <dgm:txPr/>
-    <dgm:style>
-      <a:lnRef idx="1">
-        <a:scrgbClr r="0" g="0" b="0"/>
-      </a:lnRef>
-      <a:fillRef idx="0">
-        <a:scrgbClr r="0" g="0" b="0"/>
-      </a:fillRef>
-      <a:effectRef idx="0">
-        <a:scrgbClr r="0" g="0" b="0"/>
-      </a:effectRef>
-      <a:fontRef idx="minor"/>
-    </dgm:style>
-  </dgm:styleLbl>
-  <dgm:styleLbl name="fgAcc1">
-    <dgm:scene3d>
-      <a:camera prst="orthographicFront"/>
-      <a:lightRig rig="threePt" dir="t"/>
-    </dgm:scene3d>
-    <dgm:sp3d/>
-    <dgm:txPr/>
-    <dgm:style>
-      <a:lnRef idx="1">
-        <a:scrgbClr r="0" g="0" b="0"/>
-      </a:lnRef>
-      <a:fillRef idx="1">
-        <a:scrgbClr r="0" g="0" b="0"/>
-      </a:fillRef>
-      <a:effectRef idx="0">
-        <a:scrgbClr r="0" g="0" b="0"/>
-      </a:effectRef>
-      <a:fontRef idx="minor"/>
-    </dgm:style>
-  </dgm:styleLbl>
-  <dgm:styleLbl name="conFgAcc1">
-    <dgm:scene3d>
-      <a:camera prst="orthographicFront"/>
-      <a:lightRig rig="threePt" dir="t"/>
-    </dgm:scene3d>
-    <dgm:sp3d/>
-    <dgm:txPr/>
-    <dgm:style>
-      <a:lnRef idx="1">
-        <a:scrgbClr r="0" g="0" b="0"/>
-      </a:lnRef>
-      <a:fillRef idx="1">
-        <a:scrgbClr r="0" g="0" b="0"/>
-      </a:fillRef>
-      <a:effectRef idx="0">
-        <a:scrgbClr r="0" g="0" b="0"/>
-      </a:effectRef>
-      <a:fontRef idx="minor"/>
-    </dgm:style>
-  </dgm:styleLbl>
-  <dgm:styleLbl name="alignAcc1">
-    <dgm:scene3d>
-      <a:camera prst="orthographicFront"/>
-      <a:lightRig rig="threePt" dir="t"/>
-    </dgm:scene3d>
-    <dgm:sp3d/>
-    <dgm:txPr/>
-    <dgm:style>
-      <a:lnRef idx="1">
-        <a:scrgbClr r="0" g="0" b="0"/>
-      </a:lnRef>
-      <a:fillRef idx="1">
-        <a:scrgbClr r="0" g="0" b="0"/>
-      </a:fillRef>
-      <a:effectRef idx="0">
-        <a:scrgbClr r="0" g="0" b="0"/>
-      </a:effectRef>
-      <a:fontRef idx="minor"/>
-    </dgm:style>
-  </dgm:styleLbl>
-  <dgm:styleLbl name="trAlignAcc1">
-    <dgm:scene3d>
-      <a:camera prst="orthographicFront"/>
-      <a:lightRig rig="threePt" dir="t"/>
-    </dgm:scene3d>
-    <dgm:sp3d/>
-    <dgm:txPr/>
-    <dgm:style>
-      <a:lnRef idx="1">
-        <a:scrgbClr r="0" g="0" b="0"/>
-      </a:lnRef>
-      <a:fillRef idx="1">
-        <a:scrgbClr r="0" g="0" b="0"/>
-      </a:fillRef>
-      <a:effectRef idx="0">
-        <a:scrgbClr r="0" g="0" b="0"/>
-      </a:effectRef>
-      <a:fontRef idx="minor"/>
-    </dgm:style>
-  </dgm:styleLbl>
-  <dgm:styleLbl name="bgAcc1">
-    <dgm:scene3d>
-      <a:camera prst="orthographicFront"/>
-      <a:lightRig rig="threePt" dir="t"/>
-    </dgm:scene3d>
-    <dgm:sp3d/>
-    <dgm:txPr/>
-    <dgm:style>
-      <a:lnRef idx="1">
-        <a:scrgbClr r="0" g="0" b="0"/>
-      </a:lnRef>
-      <a:fillRef idx="1">
-        <a:scrgbClr r="0" g="0" b="0"/>
-      </a:fillRef>
-      <a:effectRef idx="0">
-        <a:scrgbClr r="0" g="0" b="0"/>
-      </a:effectRef>
-      <a:fontRef idx="minor"/>
-    </dgm:style>
-  </dgm:styleLbl>
-  <dgm:styleLbl name="solidFgAcc1">
-    <dgm:scene3d>
-      <a:camera prst="orthographicFront"/>
-      <a:lightRig rig="threePt" dir="t"/>
-    </dgm:scene3d>
-    <dgm:sp3d/>
-    <dgm:txPr/>
-    <dgm:style>
-      <a:lnRef idx="1">
-        <a:scrgbClr r="0" g="0" b="0"/>
-      </a:lnRef>
-      <a:fillRef idx="1">
-        <a:scrgbClr r="0" g="0" b="0"/>
-      </a:fillRef>
-      <a:effectRef idx="0">
-        <a:scrgbClr r="0" g="0" b="0"/>
-      </a:effectRef>
-      <a:fontRef idx="minor"/>
-    </dgm:style>
-  </dgm:styleLbl>
-  <dgm:styleLbl name="solidAlignAcc1">
-    <dgm:scene3d>
-      <a:camera prst="orthographicFront"/>
-      <a:lightRig rig="threePt" dir="t"/>
-    </dgm:scene3d>
-    <dgm:sp3d/>
-    <dgm:txPr/>
-    <dgm:style>
-      <a:lnRef idx="1">
-        <a:scrgbClr r="0" g="0" b="0"/>
-      </a:lnRef>
-      <a:fillRef idx="1">
-        <a:scrgbClr r="0" g="0" b="0"/>
-      </a:fillRef>
-      <a:effectRef idx="0">
-        <a:scrgbClr r="0" g="0" b="0"/>
-      </a:effectRef>
-      <a:fontRef idx="minor"/>
-    </dgm:style>
-  </dgm:styleLbl>
-  <dgm:styleLbl name="solidBgAcc1">
-    <dgm:scene3d>
-      <a:camera prst="orthographicFront"/>
-      <a:lightRig rig="threePt" dir="t"/>
-    </dgm:scene3d>
-    <dgm:sp3d/>
-    <dgm:txPr/>
-    <dgm:style>
-      <a:lnRef idx="1">
-        <a:scrgbClr r="0" g="0" b="0"/>
-      </a:lnRef>
-      <a:fillRef idx="1">
-        <a:scrgbClr r="0" g="0" b="0"/>
-      </a:fillRef>
-      <a:effectRef idx="0">
-        <a:scrgbClr r="0" g="0" b="0"/>
-      </a:effectRef>
-      <a:fontRef idx="minor"/>
-    </dgm:style>
-  </dgm:styleLbl>
-  <dgm:styleLbl name="fgAccFollowNode1">
-    <dgm:scene3d>
-      <a:camera prst="orthographicFront"/>
-      <a:lightRig rig="threePt" dir="t"/>
-    </dgm:scene3d>
-    <dgm:sp3d/>
-    <dgm:txPr/>
-    <dgm:style>
-      <a:lnRef idx="1">
-        <a:scrgbClr r="0" g="0" b="0"/>
-      </a:lnRef>
-      <a:fillRef idx="1">
-        <a:scrgbClr r="0" g="0" b="0"/>
-      </a:fillRef>
-      <a:effectRef idx="0">
-        <a:scrgbClr r="0" g="0" b="0"/>
-      </a:effectRef>
-      <a:fontRef idx="minor"/>
-    </dgm:style>
-  </dgm:styleLbl>
-  <dgm:styleLbl name="alignAccFollowNode1">
-    <dgm:scene3d>
-      <a:camera prst="orthographicFront"/>
-      <a:lightRig rig="threePt" dir="t"/>
-    </dgm:scene3d>
-    <dgm:sp3d/>
-    <dgm:txPr/>
-    <dgm:style>
-      <a:lnRef idx="1">
-        <a:scrgbClr r="0" g="0" b="0"/>
-      </a:lnRef>
-      <a:fillRef idx="1">
-        <a:scrgbClr r="0" g="0" b="0"/>
-      </a:fillRef>
-      <a:effectRef idx="0">
-        <a:scrgbClr r="0" g="0" b="0"/>
-      </a:effectRef>
-      <a:fontRef idx="minor"/>
-    </dgm:style>
-  </dgm:styleLbl>
-  <dgm:styleLbl name="bgAccFollowNode1">
-    <dgm:scene3d>
-      <a:camera prst="orthographicFront"/>
-      <a:lightRig rig="threePt" dir="t"/>
-    </dgm:scene3d>
-    <dgm:sp3d/>
-    <dgm:txPr/>
-    <dgm:style>
-      <a:lnRef idx="1">
-        <a:scrgbClr r="0" g="0" b="0"/>
-      </a:lnRef>
-      <a:fillRef idx="1">
-        <a:scrgbClr r="0" g="0" b="0"/>
-      </a:fillRef>
-      <a:effectRef idx="0">
-        <a:scrgbClr r="0" g="0" b="0"/>
-      </a:effectRef>
-      <a:fontRef idx="minor"/>
-    </dgm:style>
-  </dgm:styleLbl>
-  <dgm:styleLbl name="fgAcc0">
-    <dgm:scene3d>
-      <a:camera prst="orthographicFront"/>
-      <a:lightRig rig="threePt" dir="t"/>
-    </dgm:scene3d>
-    <dgm:sp3d/>
-    <dgm:txPr/>
-    <dgm:style>
-      <a:lnRef idx="1">
-        <a:scrgbClr r="0" g="0" b="0"/>
-      </a:lnRef>
-      <a:fillRef idx="1">
-        <a:scrgbClr r="0" g="0" b="0"/>
-      </a:fillRef>
-      <a:effectRef idx="0">
-        <a:scrgbClr r="0" g="0" b="0"/>
-      </a:effectRef>
-      <a:fontRef idx="minor"/>
-    </dgm:style>
-  </dgm:styleLbl>
-  <dgm:styleLbl name="fgAcc2">
-    <dgm:scene3d>
-      <a:camera prst="orthographicFront"/>
-      <a:lightRig rig="threePt" dir="t"/>
-    </dgm:scene3d>
-    <dgm:sp3d/>
-    <dgm:txPr/>
-    <dgm:style>
-      <a:lnRef idx="1">
-        <a:scrgbClr r="0" g="0" b="0"/>
-      </a:lnRef>
-      <a:fillRef idx="1">
-        <a:scrgbClr r="0" g="0" b="0"/>
-      </a:fillRef>
-      <a:effectRef idx="0">
-        <a:scrgbClr r="0" g="0" b="0"/>
-      </a:effectRef>
-      <a:fontRef idx="minor"/>
-    </dgm:style>
-  </dgm:styleLbl>
-  <dgm:styleLbl name="fgAcc3">
-    <dgm:scene3d>
-      <a:camera prst="orthographicFront"/>
-      <a:lightRig rig="threePt" dir="t"/>
-    </dgm:scene3d>
-    <dgm:sp3d/>
-    <dgm:txPr/>
-    <dgm:style>
-      <a:lnRef idx="1">
-        <a:scrgbClr r="0" g="0" b="0"/>
-      </a:lnRef>
-      <a:fillRef idx="1">
-        <a:scrgbClr r="0" g="0" b="0"/>
-      </a:fillRef>
-      <a:effectRef idx="0">
-        <a:scrgbClr r="0" g="0" b="0"/>
-      </a:effectRef>
-      <a:fontRef idx="minor"/>
-    </dgm:style>
-  </dgm:styleLbl>
-  <dgm:styleLbl name="fgAcc4">
-    <dgm:scene3d>
-      <a:camera prst="orthographicFront"/>
-      <a:lightRig rig="threePt" dir="t"/>
-    </dgm:scene3d>
-    <dgm:sp3d/>
-    <dgm:txPr/>
-    <dgm:style>
-      <a:lnRef idx="1">
-        <a:scrgbClr r="0" g="0" b="0"/>
-      </a:lnRef>
-      <a:fillRef idx="1">
-        <a:scrgbClr r="0" g="0" b="0"/>
-      </a:fillRef>
-      <a:effectRef idx="0">
-        <a:scrgbClr r="0" g="0" b="0"/>
-      </a:effectRef>
-      <a:fontRef idx="minor"/>
-    </dgm:style>
-  </dgm:styleLbl>
-  <dgm:styleLbl name="bgShp">
-    <dgm:scene3d>
-      <a:camera prst="orthographicFront"/>
-      <a:lightRig rig="threePt" dir="t"/>
-    </dgm:scene3d>
-    <dgm:sp3d/>
-    <dgm:txPr/>
-    <dgm:style>
-      <a:lnRef idx="0">
-        <a:scrgbClr r="0" g="0" b="0"/>
-      </a:lnRef>
-      <a:fillRef idx="1">
-        <a:scrgbClr r="0" g="0" b="0"/>
-      </a:fillRef>
-      <a:effectRef idx="2">
-        <a:scrgbClr r="0" g="0" b="0"/>
-      </a:effectRef>
-      <a:fontRef idx="minor"/>
-    </dgm:style>
-  </dgm:styleLbl>
-  <dgm:styleLbl name="dkBgShp">
-    <dgm:scene3d>
-      <a:camera prst="orthographicFront"/>
-      <a:lightRig rig="threePt" dir="t"/>
-    </dgm:scene3d>
-    <dgm:sp3d/>
-    <dgm:txPr/>
-    <dgm:style>
-      <a:lnRef idx="0">
-        <a:scrgbClr r="0" g="0" b="0"/>
-      </a:lnRef>
-      <a:fillRef idx="1">
-        <a:scrgbClr r="0" g="0" b="0"/>
-      </a:fillRef>
-      <a:effectRef idx="2">
-        <a:scrgbClr r="0" g="0" b="0"/>
-      </a:effectRef>
-      <a:fontRef idx="minor"/>
-    </dgm:style>
-  </dgm:styleLbl>
-  <dgm:styleLbl name="trBgShp">
-    <dgm:scene3d>
-      <a:camera prst="orthographicFront"/>
-      <a:lightRig rig="threePt" dir="t"/>
-    </dgm:scene3d>
-    <dgm:sp3d/>
-    <dgm:txPr/>
-    <dgm:style>
-      <a:lnRef idx="0">
-        <a:scrgbClr r="0" g="0" b="0"/>
-      </a:lnRef>
-      <a:fillRef idx="1">
-        <a:scrgbClr r="0" g="0" b="0"/>
-      </a:fillRef>
-      <a:effectRef idx="0">
-        <a:scrgbClr r="0" g="0" b="0"/>
-      </a:effectRef>
-      <a:fontRef idx="minor"/>
-    </dgm:style>
-  </dgm:styleLbl>
-  <dgm:styleLbl name="fgShp">
-    <dgm:scene3d>
-      <a:camera prst="orthographicFront"/>
-      <a:lightRig rig="threePt" dir="t"/>
-    </dgm:scene3d>
-    <dgm:sp3d/>
-    <dgm:txPr/>
-    <dgm:style>
-      <a:lnRef idx="0">
-        <a:scrgbClr r="0" g="0" b="0"/>
-      </a:lnRef>
-      <a:fillRef idx="3">
-        <a:scrgbClr r="0" g="0" b="0"/>
-      </a:fillRef>
-      <a:effectRef idx="2">
-        <a:scrgbClr r="0" g="0" b="0"/>
-      </a:effectRef>
-      <a:fontRef idx="minor"/>
-    </dgm:style>
-  </dgm:styleLbl>
-  <dgm:styleLbl name="revTx">
-    <dgm:scene3d>
-      <a:camera prst="orthographicFront"/>
-      <a:lightRig rig="threePt" dir="t"/>
-    </dgm:scene3d>
-    <dgm:sp3d/>
-    <dgm:txPr/>
-    <dgm:style>
-      <a:lnRef idx="0">
-        <a:scrgbClr r="0" g="0" b="0"/>
-      </a:lnRef>
-      <a:fillRef idx="0">
-        <a:scrgbClr r="0" g="0" b="0"/>
-      </a:fillRef>
-      <a:effectRef idx="0">
-        <a:scrgbClr r="0" g="0" b="0"/>
-      </a:effectRef>
-      <a:fontRef idx="minor"/>
-    </dgm:style>
-  </dgm:styleLbl>
-</dgm:styleDef>
 </file>
 
 <file path=ppt/handoutMasters/handoutMaster1.xml><?xml version="1.0" encoding="utf-8"?>
@@ -4420,7 +245,7 @@
           <a:p>
             <a:fld id="{DE71268B-8AC2-4239-8FAF-7C144C210720}" type="datetimeFigureOut">
               <a:rPr lang="en-US" altLang="zh-CN"/>
-              <a:t>5/8/2017</a:t>
+              <a:t>5/9/2017</a:t>
             </a:fld>
             <a:endParaRPr lang="zh-CN"/>
           </a:p>
@@ -4584,7 +409,7 @@
           </a:lstStyle>
           <a:p>
             <a:fld id="{F5AD8362-6D63-40AC-BAA9-90C3AE6D5875}" type="datetimeFigureOut">
-              <a:t>2017/5/8</a:t>
+              <a:t>2017/5/9</a:t>
             </a:fld>
             <a:endParaRPr lang="zh-CN"/>
           </a:p>
@@ -4999,90 +824,6 @@
           <a:p>
             <a:fld id="{C6539446-6953-447E-A4E3-E7CFBF870046}" type="slidenum">
               <a:rPr lang="en-US" altLang="zh-CN" smtClean="0"/>
-              <a:t>4</a:t>
-            </a:fld>
-            <a:endParaRPr lang="zh-CN" altLang="en-US"/>
-          </a:p>
-        </p:txBody>
-      </p:sp>
-    </p:spTree>
-    <p:extLst>
-      <p:ext uri="{BB962C8B-B14F-4D97-AF65-F5344CB8AC3E}">
-        <p14:creationId xmlns:p14="http://schemas.microsoft.com/office/powerpoint/2010/main" val="107409428"/>
-      </p:ext>
-    </p:extLst>
-  </p:cSld>
-  <p:clrMapOvr>
-    <a:masterClrMapping/>
-  </p:clrMapOvr>
-</p:notes>
-</file>
-
-<file path=ppt/notesSlides/notesSlide3.xml><?xml version="1.0" encoding="utf-8"?>
-<p:notes xmlns:a="http://schemas.openxmlformats.org/drawingml/2006/main" xmlns:r="http://schemas.openxmlformats.org/officeDocument/2006/relationships" xmlns:p="http://schemas.openxmlformats.org/presentationml/2006/main">
-  <p:cSld>
-    <p:spTree>
-      <p:nvGrpSpPr>
-        <p:cNvPr id="1" name=""/>
-        <p:cNvGrpSpPr/>
-        <p:nvPr/>
-      </p:nvGrpSpPr>
-      <p:grpSpPr>
-        <a:xfrm>
-          <a:off x="0" y="0"/>
-          <a:ext cx="0" cy="0"/>
-          <a:chOff x="0" y="0"/>
-          <a:chExt cx="0" cy="0"/>
-        </a:xfrm>
-      </p:grpSpPr>
-      <p:sp>
-        <p:nvSpPr>
-          <p:cNvPr id="2" name="幻灯片图像占位符 1"/>
-          <p:cNvSpPr>
-            <a:spLocks noGrp="1" noRot="1" noChangeAspect="1"/>
-          </p:cNvSpPr>
-          <p:nvPr>
-            <p:ph type="sldImg"/>
-          </p:nvPr>
-        </p:nvSpPr>
-        <p:spPr/>
-      </p:sp>
-      <p:sp>
-        <p:nvSpPr>
-          <p:cNvPr id="3" name="备注占位符 2"/>
-          <p:cNvSpPr>
-            <a:spLocks noGrp="1"/>
-          </p:cNvSpPr>
-          <p:nvPr>
-            <p:ph type="body" idx="1"/>
-          </p:nvPr>
-        </p:nvSpPr>
-        <p:spPr/>
-        <p:txBody>
-          <a:bodyPr/>
-          <a:lstStyle/>
-          <a:p>
-            <a:endParaRPr lang="zh-CN" altLang="en-US" dirty="0"/>
-          </a:p>
-        </p:txBody>
-      </p:sp>
-      <p:sp>
-        <p:nvSpPr>
-          <p:cNvPr id="4" name="灯片编号占位符 3"/>
-          <p:cNvSpPr>
-            <a:spLocks noGrp="1"/>
-          </p:cNvSpPr>
-          <p:nvPr>
-            <p:ph type="sldNum" sz="quarter" idx="10"/>
-          </p:nvPr>
-        </p:nvSpPr>
-        <p:spPr/>
-        <p:txBody>
-          <a:bodyPr/>
-          <a:lstStyle/>
-          <a:p>
-            <a:fld id="{C6539446-6953-447E-A4E3-E7CFBF870046}" type="slidenum">
-              <a:rPr lang="en-US" altLang="zh-CN" smtClean="0"/>
               <a:t>5</a:t>
             </a:fld>
             <a:endParaRPr lang="zh-CN" altLang="en-US"/>
@@ -5102,7 +843,7 @@
 </p:notes>
 </file>
 
-<file path=ppt/notesSlides/notesSlide4.xml><?xml version="1.0" encoding="utf-8"?>
+<file path=ppt/notesSlides/notesSlide3.xml><?xml version="1.0" encoding="utf-8"?>
 <p:notes xmlns:a="http://schemas.openxmlformats.org/drawingml/2006/main" xmlns:r="http://schemas.openxmlformats.org/officeDocument/2006/relationships" xmlns:p="http://schemas.openxmlformats.org/presentationml/2006/main">
   <p:cSld>
     <p:spTree>
@@ -5712,7 +1453,7 @@
           <a:lstStyle/>
           <a:p>
             <a:fld id="{5F4E5243-F52A-4D37-9694-EB26C6C31910}" type="datetime1">
-              <a:t>2017/5/8</a:t>
+              <a:t>2017/5/9</a:t>
             </a:fld>
             <a:endParaRPr lang="zh-CN"/>
           </a:p>
@@ -5909,7 +1650,7 @@
           <a:lstStyle/>
           <a:p>
             <a:fld id="{3A77B6E1-634A-48DC-9E8B-D894023267EF}" type="datetime1">
-              <a:t>2017/5/8</a:t>
+              <a:t>2017/5/9</a:t>
             </a:fld>
             <a:endParaRPr lang="zh-CN"/>
           </a:p>
@@ -6100,7 +1841,7 @@
           <a:lstStyle/>
           <a:p>
             <a:fld id="{7B2D3E9E-A95C-48F2-B4BF-A71542E0BE9A}" type="datetime1">
-              <a:t>2017/5/8</a:t>
+              <a:t>2017/5/9</a:t>
             </a:fld>
             <a:endParaRPr lang="zh-CN"/>
           </a:p>
@@ -6432,7 +2173,7 @@
           <a:lstStyle/>
           <a:p>
             <a:fld id="{A50F84E2-2D7A-43CF-AC90-352A289A783A}" type="datetime1">
-              <a:t>2017/5/8</a:t>
+              <a:t>2017/5/9</a:t>
             </a:fld>
             <a:endParaRPr lang="zh-CN"/>
           </a:p>
@@ -6741,7 +2482,7 @@
           <a:lstStyle/>
           <a:p>
             <a:fld id="{F12952B5-7A2F-4CC8-B7CE-9234E21C2837}" type="datetime1">
-              <a:t>2017/5/8</a:t>
+              <a:t>2017/5/9</a:t>
             </a:fld>
             <a:endParaRPr lang="zh-CN"/>
           </a:p>
@@ -7167,7 +2908,7 @@
           <a:lstStyle/>
           <a:p>
             <a:fld id="{CE1DA07A-9201-4B4B-BAF2-015AFA30F520}" type="datetime1">
-              <a:t>2017/5/8</a:t>
+              <a:t>2017/5/9</a:t>
             </a:fld>
             <a:endParaRPr lang="zh-CN"/>
           </a:p>
@@ -7302,7 +3043,7 @@
           <a:lstStyle/>
           <a:p>
             <a:fld id="{73D7E00A-486F-4252-8B1D-E32645521F49}" type="datetime1">
-              <a:t>2017/5/8</a:t>
+              <a:t>2017/5/9</a:t>
             </a:fld>
             <a:endParaRPr lang="zh-CN"/>
           </a:p>
@@ -7499,7 +3240,7 @@
           <a:lstStyle/>
           <a:p>
             <a:fld id="{8DDF5F92-E675-4B36-9A60-69A962A68675}" type="datetime1">
-              <a:t>2017/5/8</a:t>
+              <a:t>2017/5/9</a:t>
             </a:fld>
             <a:endParaRPr lang="zh-CN"/>
           </a:p>
@@ -7805,7 +3546,7 @@
           <a:lstStyle/>
           <a:p>
             <a:fld id="{AF6E2C9B-5FA2-460D-9BE7-B0812FC2A6FF}" type="datetime1">
-              <a:t>2017/5/8</a:t>
+              <a:t>2017/5/9</a:t>
             </a:fld>
             <a:endParaRPr lang="zh-CN"/>
           </a:p>
@@ -8096,7 +3837,7 @@
           <a:lstStyle/>
           <a:p>
             <a:fld id="{1D374940-A916-4C8B-9648-02A2D3898F9E}" type="datetime1">
-              <a:t>2017/5/8</a:t>
+              <a:t>2017/5/9</a:t>
             </a:fld>
             <a:endParaRPr lang="zh-CN"/>
           </a:p>
@@ -8535,7 +4276,7 @@
             <a:fld id="{5586B75A-687E-405C-8A0B-8D00578BA2C3}" type="datetime1">
               <a:rPr lang="en-US" altLang="zh-CN" smtClean="0"/>
               <a:pPr/>
-              <a:t>5/8/2017</a:t>
+              <a:t>5/9/2017</a:t>
             </a:fld>
             <a:endParaRPr lang="zh-CN" altLang="en-US"/>
           </a:p>
@@ -8972,7 +4713,7 @@
   </p:txStyles>
   <p:extLst mod="1">
     <p:ext uri="{27BBF7A9-308A-43DC-89C8-2F10F3537804}">
-      <p15:sldGuideLst xmlns:p15="http://schemas.microsoft.com/office/powerpoint/2012/main" xmlns="">
+      <p15:sldGuideLst xmlns="" xmlns:p15="http://schemas.microsoft.com/office/powerpoint/2012/main">
         <p15:guide id="1" orient="horz" pos="2160">
           <p15:clr>
             <a:srgbClr val="F26B43"/>
@@ -9065,7 +4806,9 @@
         </p:nvSpPr>
         <p:spPr/>
         <p:txBody>
-          <a:bodyPr/>
+          <a:bodyPr>
+            <a:normAutofit/>
+          </a:bodyPr>
           <a:lstStyle/>
           <a:p>
             <a:r>
@@ -9181,21 +4924,21 @@
                 <a:gridCol w="3170237">
                   <a:extLst>
                     <a:ext uri="{9D8B030D-6E8A-4147-A177-3AD203B41FA5}">
-                      <a16:colId xmlns:a16="http://schemas.microsoft.com/office/drawing/2014/main" xmlns="" val="1262576194"/>
+                      <a16:colId xmlns="" xmlns:a16="http://schemas.microsoft.com/office/drawing/2014/main" val="1262576194"/>
                     </a:ext>
                   </a:extLst>
                 </a:gridCol>
                 <a:gridCol w="3170237">
                   <a:extLst>
                     <a:ext uri="{9D8B030D-6E8A-4147-A177-3AD203B41FA5}">
-                      <a16:colId xmlns:a16="http://schemas.microsoft.com/office/drawing/2014/main" xmlns="" val="1627258925"/>
+                      <a16:colId xmlns="" xmlns:a16="http://schemas.microsoft.com/office/drawing/2014/main" val="1627258925"/>
                     </a:ext>
                   </a:extLst>
                 </a:gridCol>
                 <a:gridCol w="3170237">
                   <a:extLst>
                     <a:ext uri="{9D8B030D-6E8A-4147-A177-3AD203B41FA5}">
-                      <a16:colId xmlns:a16="http://schemas.microsoft.com/office/drawing/2014/main" xmlns="" val="279132191"/>
+                      <a16:colId xmlns="" xmlns:a16="http://schemas.microsoft.com/office/drawing/2014/main" val="279132191"/>
                     </a:ext>
                   </a:extLst>
                 </a:gridCol>
@@ -9266,7 +5009,7 @@
                 </a:tc>
                 <a:extLst>
                   <a:ext uri="{0D108BD9-81ED-4DB2-BD59-A6C34878D82A}">
-                    <a16:rowId xmlns:a16="http://schemas.microsoft.com/office/drawing/2014/main" xmlns="" val="3704071744"/>
+                    <a16:rowId xmlns="" xmlns:a16="http://schemas.microsoft.com/office/drawing/2014/main" val="3704071744"/>
                   </a:ext>
                 </a:extLst>
               </a:tr>
@@ -9336,7 +5079,7 @@
                 </a:tc>
                 <a:extLst>
                   <a:ext uri="{0D108BD9-81ED-4DB2-BD59-A6C34878D82A}">
-                    <a16:rowId xmlns:a16="http://schemas.microsoft.com/office/drawing/2014/main" xmlns="" val="3056097180"/>
+                    <a16:rowId xmlns="" xmlns:a16="http://schemas.microsoft.com/office/drawing/2014/main" val="3056097180"/>
                   </a:ext>
                 </a:extLst>
               </a:tr>
@@ -9406,7 +5149,7 @@
                 </a:tc>
                 <a:extLst>
                   <a:ext uri="{0D108BD9-81ED-4DB2-BD59-A6C34878D82A}">
-                    <a16:rowId xmlns:a16="http://schemas.microsoft.com/office/drawing/2014/main" xmlns="" val="3398222936"/>
+                    <a16:rowId xmlns="" xmlns:a16="http://schemas.microsoft.com/office/drawing/2014/main" val="3398222936"/>
                   </a:ext>
                 </a:extLst>
               </a:tr>
@@ -9492,7 +5235,7 @@
                 </a:tc>
                 <a:extLst>
                   <a:ext uri="{0D108BD9-81ED-4DB2-BD59-A6C34878D82A}">
-                    <a16:rowId xmlns:a16="http://schemas.microsoft.com/office/drawing/2014/main" xmlns="" val="3661055458"/>
+                    <a16:rowId xmlns="" xmlns:a16="http://schemas.microsoft.com/office/drawing/2014/main" val="3661055458"/>
                   </a:ext>
                 </a:extLst>
               </a:tr>
@@ -9594,7 +5337,7 @@
                 </a:tc>
                 <a:extLst>
                   <a:ext uri="{0D108BD9-81ED-4DB2-BD59-A6C34878D82A}">
-                    <a16:rowId xmlns:a16="http://schemas.microsoft.com/office/drawing/2014/main" xmlns="" val="1792707014"/>
+                    <a16:rowId xmlns="" xmlns:a16="http://schemas.microsoft.com/office/drawing/2014/main" val="1792707014"/>
                   </a:ext>
                 </a:extLst>
               </a:tr>
@@ -9714,7 +5457,7 @@
                 </a:tc>
                 <a:extLst>
                   <a:ext uri="{0D108BD9-81ED-4DB2-BD59-A6C34878D82A}">
-                    <a16:rowId xmlns:a16="http://schemas.microsoft.com/office/drawing/2014/main" xmlns="" val="583217582"/>
+                    <a16:rowId xmlns="" xmlns:a16="http://schemas.microsoft.com/office/drawing/2014/main" val="583217582"/>
                   </a:ext>
                 </a:extLst>
               </a:tr>
@@ -9830,26 +5573,66 @@
       </p:sp>
       <p:pic>
         <p:nvPicPr>
-          <p:cNvPr id="6" name="图片 5"/>
+          <p:cNvPr id="3075" name="Picture 3"/>
           <p:cNvPicPr>
-            <a:picLocks noChangeAspect="1"/>
+            <a:picLocks noChangeAspect="1" noChangeArrowheads="1"/>
           </p:cNvPicPr>
           <p:nvPr/>
         </p:nvPicPr>
         <p:blipFill>
-          <a:blip r:embed="rId2"/>
+          <a:blip r:embed="rId2">
+            <a:extLst>
+              <a:ext uri="{28A0092B-C50C-407E-A947-70E740481C1C}">
+                <a14:useLocalDpi xmlns:a14="http://schemas.microsoft.com/office/drawing/2010/main" val="0"/>
+              </a:ext>
+            </a:extLst>
+          </a:blip>
+          <a:srcRect/>
           <a:stretch>
             <a:fillRect/>
           </a:stretch>
         </p:blipFill>
-        <p:spPr>
+        <p:spPr bwMode="auto">
           <a:xfrm>
-            <a:off x="1547282" y="2474456"/>
-            <a:ext cx="8243832" cy="3600677"/>
+            <a:off x="2170333" y="2973747"/>
+            <a:ext cx="6310938" cy="2757565"/>
           </a:xfrm>
           <a:prstGeom prst="rect">
             <a:avLst/>
           </a:prstGeom>
+          <a:noFill/>
+          <a:ln>
+            <a:noFill/>
+          </a:ln>
+          <a:effectLst/>
+          <a:extLst>
+            <a:ext uri="{909E8E84-426E-40DD-AFC4-6F175D3DCCD1}">
+              <a14:hiddenFill xmlns:a14="http://schemas.microsoft.com/office/drawing/2010/main">
+                <a:solidFill>
+                  <a:schemeClr val="accent1"/>
+                </a:solidFill>
+              </a14:hiddenFill>
+            </a:ext>
+            <a:ext uri="{91240B29-F687-4F45-9708-019B960494DF}">
+              <a14:hiddenLine xmlns:a14="http://schemas.microsoft.com/office/drawing/2010/main" w="9525">
+                <a:solidFill>
+                  <a:schemeClr val="tx1"/>
+                </a:solidFill>
+                <a:miter lim="800000"/>
+                <a:headEnd/>
+                <a:tailEnd/>
+              </a14:hiddenLine>
+            </a:ext>
+            <a:ext uri="{AF507438-7753-43E0-B8FC-AC1667EBCBE1}">
+              <a14:hiddenEffects xmlns:a14="http://schemas.microsoft.com/office/drawing/2010/main">
+                <a:effectLst>
+                  <a:outerShdw dist="35921" dir="2700000" algn="ctr" rotWithShape="0">
+                    <a:schemeClr val="bg2"/>
+                  </a:outerShdw>
+                </a:effectLst>
+              </a14:hiddenEffects>
+            </a:ext>
+          </a:extLst>
         </p:spPr>
       </p:pic>
     </p:spTree>
@@ -9895,7 +5678,7 @@
                             </p:stCondLst>
                             <p:childTnLst>
                               <p:par>
-                                <p:cTn id="5" presetID="10" presetClass="entr" presetSubtype="0" fill="hold" grpId="0" nodeType="clickEffect">
+                                <p:cTn id="5" presetID="42" presetClass="entr" presetSubtype="0" fill="hold" grpId="0" nodeType="clickEffect">
                                   <p:stCondLst>
                                     <p:cond delay="0"/>
                                   </p:stCondLst>
@@ -9924,7 +5707,7 @@
                                     </p:set>
                                     <p:animEffect transition="in" filter="fade">
                                       <p:cBhvr>
-                                        <p:cTn id="7" dur="500"/>
+                                        <p:cTn id="7" dur="1000"/>
                                         <p:tgtEl>
                                           <p:spTgt spid="3">
                                             <p:txEl>
@@ -9934,6 +5717,60 @@
                                         </p:tgtEl>
                                       </p:cBhvr>
                                     </p:animEffect>
+                                    <p:anim calcmode="lin" valueType="num">
+                                      <p:cBhvr>
+                                        <p:cTn id="8" dur="1000" fill="hold"/>
+                                        <p:tgtEl>
+                                          <p:spTgt spid="3">
+                                            <p:txEl>
+                                              <p:pRg st="1" end="1"/>
+                                            </p:txEl>
+                                          </p:spTgt>
+                                        </p:tgtEl>
+                                        <p:attrNameLst>
+                                          <p:attrName>ppt_x</p:attrName>
+                                        </p:attrNameLst>
+                                      </p:cBhvr>
+                                      <p:tavLst>
+                                        <p:tav tm="0">
+                                          <p:val>
+                                            <p:strVal val="#ppt_x"/>
+                                          </p:val>
+                                        </p:tav>
+                                        <p:tav tm="100000">
+                                          <p:val>
+                                            <p:strVal val="#ppt_x"/>
+                                          </p:val>
+                                        </p:tav>
+                                      </p:tavLst>
+                                    </p:anim>
+                                    <p:anim calcmode="lin" valueType="num">
+                                      <p:cBhvr>
+                                        <p:cTn id="9" dur="1000" fill="hold"/>
+                                        <p:tgtEl>
+                                          <p:spTgt spid="3">
+                                            <p:txEl>
+                                              <p:pRg st="1" end="1"/>
+                                            </p:txEl>
+                                          </p:spTgt>
+                                        </p:tgtEl>
+                                        <p:attrNameLst>
+                                          <p:attrName>ppt_y</p:attrName>
+                                        </p:attrNameLst>
+                                      </p:cBhvr>
+                                      <p:tavLst>
+                                        <p:tav tm="0">
+                                          <p:val>
+                                            <p:strVal val="#ppt_y+.1"/>
+                                          </p:val>
+                                        </p:tav>
+                                        <p:tav tm="100000">
+                                          <p:val>
+                                            <p:strVal val="#ppt_y"/>
+                                          </p:val>
+                                        </p:tav>
+                                      </p:tavLst>
+                                    </p:anim>
                                   </p:childTnLst>
                                 </p:cTn>
                               </p:par>
@@ -10025,13 +5862,13 @@
             <p:ph idx="1"/>
             <p:extLst>
               <p:ext uri="{D42A27DB-BD31-4B8C-83A1-F6EECF244321}">
-                <p14:modId xmlns:p14="http://schemas.microsoft.com/office/powerpoint/2010/main" val="1865174207"/>
+                <p14:modId xmlns:p14="http://schemas.microsoft.com/office/powerpoint/2010/main" val="2684826438"/>
               </p:ext>
             </p:extLst>
           </p:nvPr>
         </p:nvGraphicFramePr>
         <p:xfrm>
-          <a:off x="1341438" y="2135916"/>
+          <a:off x="1341438" y="1783578"/>
           <a:ext cx="9510711" cy="4658220"/>
         </p:xfrm>
         <a:graphic>
@@ -10044,21 +5881,21 @@
                 <a:gridCol w="3170237">
                   <a:extLst>
                     <a:ext uri="{9D8B030D-6E8A-4147-A177-3AD203B41FA5}">
-                      <a16:colId xmlns:a16="http://schemas.microsoft.com/office/drawing/2014/main" xmlns="" val="1262576194"/>
+                      <a16:colId xmlns="" xmlns:a16="http://schemas.microsoft.com/office/drawing/2014/main" val="1262576194"/>
                     </a:ext>
                   </a:extLst>
                 </a:gridCol>
                 <a:gridCol w="3170237">
                   <a:extLst>
                     <a:ext uri="{9D8B030D-6E8A-4147-A177-3AD203B41FA5}">
-                      <a16:colId xmlns:a16="http://schemas.microsoft.com/office/drawing/2014/main" xmlns="" val="1627258925"/>
+                      <a16:colId xmlns="" xmlns:a16="http://schemas.microsoft.com/office/drawing/2014/main" val="1627258925"/>
                     </a:ext>
                   </a:extLst>
                 </a:gridCol>
                 <a:gridCol w="3170237">
                   <a:extLst>
                     <a:ext uri="{9D8B030D-6E8A-4147-A177-3AD203B41FA5}">
-                      <a16:colId xmlns:a16="http://schemas.microsoft.com/office/drawing/2014/main" xmlns="" val="279132191"/>
+                      <a16:colId xmlns="" xmlns:a16="http://schemas.microsoft.com/office/drawing/2014/main" val="279132191"/>
                     </a:ext>
                   </a:extLst>
                 </a:gridCol>
@@ -10129,7 +5966,7 @@
                 </a:tc>
                 <a:extLst>
                   <a:ext uri="{0D108BD9-81ED-4DB2-BD59-A6C34878D82A}">
-                    <a16:rowId xmlns:a16="http://schemas.microsoft.com/office/drawing/2014/main" xmlns="" val="3704071744"/>
+                    <a16:rowId xmlns="" xmlns:a16="http://schemas.microsoft.com/office/drawing/2014/main" val="3704071744"/>
                   </a:ext>
                 </a:extLst>
               </a:tr>
@@ -10199,7 +6036,7 @@
                 </a:tc>
                 <a:extLst>
                   <a:ext uri="{0D108BD9-81ED-4DB2-BD59-A6C34878D82A}">
-                    <a16:rowId xmlns:a16="http://schemas.microsoft.com/office/drawing/2014/main" xmlns="" val="1026023813"/>
+                    <a16:rowId xmlns="" xmlns:a16="http://schemas.microsoft.com/office/drawing/2014/main" val="1026023813"/>
                   </a:ext>
                 </a:extLst>
               </a:tr>
@@ -10269,7 +6106,7 @@
                 </a:tc>
                 <a:extLst>
                   <a:ext uri="{0D108BD9-81ED-4DB2-BD59-A6C34878D82A}">
-                    <a16:rowId xmlns:a16="http://schemas.microsoft.com/office/drawing/2014/main" xmlns="" val="3056097180"/>
+                    <a16:rowId xmlns="" xmlns:a16="http://schemas.microsoft.com/office/drawing/2014/main" val="3056097180"/>
                   </a:ext>
                 </a:extLst>
               </a:tr>
@@ -10339,7 +6176,7 @@
                 </a:tc>
                 <a:extLst>
                   <a:ext uri="{0D108BD9-81ED-4DB2-BD59-A6C34878D82A}">
-                    <a16:rowId xmlns:a16="http://schemas.microsoft.com/office/drawing/2014/main" xmlns="" val="3398222936"/>
+                    <a16:rowId xmlns="" xmlns:a16="http://schemas.microsoft.com/office/drawing/2014/main" val="3398222936"/>
                   </a:ext>
                 </a:extLst>
               </a:tr>
@@ -10425,7 +6262,7 @@
                 </a:tc>
                 <a:extLst>
                   <a:ext uri="{0D108BD9-81ED-4DB2-BD59-A6C34878D82A}">
-                    <a16:rowId xmlns:a16="http://schemas.microsoft.com/office/drawing/2014/main" xmlns="" val="3661055458"/>
+                    <a16:rowId xmlns="" xmlns:a16="http://schemas.microsoft.com/office/drawing/2014/main" val="3661055458"/>
                   </a:ext>
                 </a:extLst>
               </a:tr>
@@ -10527,7 +6364,7 @@
                 </a:tc>
                 <a:extLst>
                   <a:ext uri="{0D108BD9-81ED-4DB2-BD59-A6C34878D82A}">
-                    <a16:rowId xmlns:a16="http://schemas.microsoft.com/office/drawing/2014/main" xmlns="" val="1792707014"/>
+                    <a16:rowId xmlns="" xmlns:a16="http://schemas.microsoft.com/office/drawing/2014/main" val="1792707014"/>
                   </a:ext>
                 </a:extLst>
               </a:tr>
@@ -10641,7 +6478,7 @@
                 </a:tc>
                 <a:extLst>
                   <a:ext uri="{0D108BD9-81ED-4DB2-BD59-A6C34878D82A}">
-                    <a16:rowId xmlns:a16="http://schemas.microsoft.com/office/drawing/2014/main" xmlns="" val="1883377276"/>
+                    <a16:rowId xmlns="" xmlns:a16="http://schemas.microsoft.com/office/drawing/2014/main" val="1883377276"/>
                   </a:ext>
                 </a:extLst>
               </a:tr>
@@ -10761,7 +6598,7 @@
                 </a:tc>
                 <a:extLst>
                   <a:ext uri="{0D108BD9-81ED-4DB2-BD59-A6C34878D82A}">
-                    <a16:rowId xmlns:a16="http://schemas.microsoft.com/office/drawing/2014/main" xmlns="" val="4018932841"/>
+                    <a16:rowId xmlns="" xmlns:a16="http://schemas.microsoft.com/office/drawing/2014/main" val="4018932841"/>
                   </a:ext>
                 </a:extLst>
               </a:tr>
@@ -10881,7 +6718,7 @@
                 </a:tc>
                 <a:extLst>
                   <a:ext uri="{0D108BD9-81ED-4DB2-BD59-A6C34878D82A}">
-                    <a16:rowId xmlns:a16="http://schemas.microsoft.com/office/drawing/2014/main" xmlns="" val="2814549111"/>
+                    <a16:rowId xmlns="" xmlns:a16="http://schemas.microsoft.com/office/drawing/2014/main" val="2814549111"/>
                   </a:ext>
                 </a:extLst>
               </a:tr>
@@ -11384,35 +7221,35 @@
                 <a:gridCol w="1996575">
                   <a:extLst>
                     <a:ext uri="{9D8B030D-6E8A-4147-A177-3AD203B41FA5}">
-                      <a16:colId xmlns:a16="http://schemas.microsoft.com/office/drawing/2014/main" xmlns="" val="1393900185"/>
+                      <a16:colId xmlns="" xmlns:a16="http://schemas.microsoft.com/office/drawing/2014/main" val="1393900185"/>
                     </a:ext>
                   </a:extLst>
                 </a:gridCol>
                 <a:gridCol w="1188456">
                   <a:extLst>
                     <a:ext uri="{9D8B030D-6E8A-4147-A177-3AD203B41FA5}">
-                      <a16:colId xmlns:a16="http://schemas.microsoft.com/office/drawing/2014/main" xmlns="" val="3389078971"/>
+                      <a16:colId xmlns="" xmlns:a16="http://schemas.microsoft.com/office/drawing/2014/main" val="3389078971"/>
                     </a:ext>
                   </a:extLst>
                 </a:gridCol>
                 <a:gridCol w="1181288">
                   <a:extLst>
                     <a:ext uri="{9D8B030D-6E8A-4147-A177-3AD203B41FA5}">
-                      <a16:colId xmlns:a16="http://schemas.microsoft.com/office/drawing/2014/main" xmlns="" val="655618677"/>
+                      <a16:colId xmlns="" xmlns:a16="http://schemas.microsoft.com/office/drawing/2014/main" val="655618677"/>
                     </a:ext>
                   </a:extLst>
                 </a:gridCol>
                 <a:gridCol w="2831419">
                   <a:extLst>
                     <a:ext uri="{9D8B030D-6E8A-4147-A177-3AD203B41FA5}">
-                      <a16:colId xmlns:a16="http://schemas.microsoft.com/office/drawing/2014/main" xmlns="" val="502106572"/>
+                      <a16:colId xmlns="" xmlns:a16="http://schemas.microsoft.com/office/drawing/2014/main" val="502106572"/>
                     </a:ext>
                   </a:extLst>
                 </a:gridCol>
                 <a:gridCol w="2785137">
                   <a:extLst>
                     <a:ext uri="{9D8B030D-6E8A-4147-A177-3AD203B41FA5}">
-                      <a16:colId xmlns:a16="http://schemas.microsoft.com/office/drawing/2014/main" xmlns="" val="2796583417"/>
+                      <a16:colId xmlns="" xmlns:a16="http://schemas.microsoft.com/office/drawing/2014/main" val="2796583417"/>
                     </a:ext>
                   </a:extLst>
                 </a:gridCol>
@@ -11732,7 +7569,7 @@
                 </a:tc>
                 <a:extLst>
                   <a:ext uri="{0D108BD9-81ED-4DB2-BD59-A6C34878D82A}">
-                    <a16:rowId xmlns:a16="http://schemas.microsoft.com/office/drawing/2014/main" xmlns="" val="222512411"/>
+                    <a16:rowId xmlns="" xmlns:a16="http://schemas.microsoft.com/office/drawing/2014/main" val="222512411"/>
                   </a:ext>
                 </a:extLst>
               </a:tr>
@@ -12169,7 +8006,7 @@
                 </a:tc>
                 <a:extLst>
                   <a:ext uri="{0D108BD9-81ED-4DB2-BD59-A6C34878D82A}">
-                    <a16:rowId xmlns:a16="http://schemas.microsoft.com/office/drawing/2014/main" xmlns="" val="2478292743"/>
+                    <a16:rowId xmlns="" xmlns:a16="http://schemas.microsoft.com/office/drawing/2014/main" val="2478292743"/>
                   </a:ext>
                 </a:extLst>
               </a:tr>
@@ -12548,7 +8385,7 @@
                 </a:tc>
                 <a:extLst>
                   <a:ext uri="{0D108BD9-81ED-4DB2-BD59-A6C34878D82A}">
-                    <a16:rowId xmlns:a16="http://schemas.microsoft.com/office/drawing/2014/main" xmlns="" val="3999082340"/>
+                    <a16:rowId xmlns="" xmlns:a16="http://schemas.microsoft.com/office/drawing/2014/main" val="3999082340"/>
                   </a:ext>
                 </a:extLst>
               </a:tr>
@@ -12677,35 +8514,35 @@
                 <a:gridCol w="1996575">
                   <a:extLst>
                     <a:ext uri="{9D8B030D-6E8A-4147-A177-3AD203B41FA5}">
-                      <a16:colId xmlns:a16="http://schemas.microsoft.com/office/drawing/2014/main" xmlns="" val="1393900185"/>
+                      <a16:colId xmlns="" xmlns:a16="http://schemas.microsoft.com/office/drawing/2014/main" val="1393900185"/>
                     </a:ext>
                   </a:extLst>
                 </a:gridCol>
                 <a:gridCol w="1188456">
                   <a:extLst>
                     <a:ext uri="{9D8B030D-6E8A-4147-A177-3AD203B41FA5}">
-                      <a16:colId xmlns:a16="http://schemas.microsoft.com/office/drawing/2014/main" xmlns="" val="3389078971"/>
+                      <a16:colId xmlns="" xmlns:a16="http://schemas.microsoft.com/office/drawing/2014/main" val="3389078971"/>
                     </a:ext>
                   </a:extLst>
                 </a:gridCol>
                 <a:gridCol w="1181288">
                   <a:extLst>
                     <a:ext uri="{9D8B030D-6E8A-4147-A177-3AD203B41FA5}">
-                      <a16:colId xmlns:a16="http://schemas.microsoft.com/office/drawing/2014/main" xmlns="" val="655618677"/>
+                      <a16:colId xmlns="" xmlns:a16="http://schemas.microsoft.com/office/drawing/2014/main" val="655618677"/>
                     </a:ext>
                   </a:extLst>
                 </a:gridCol>
                 <a:gridCol w="2831419">
                   <a:extLst>
                     <a:ext uri="{9D8B030D-6E8A-4147-A177-3AD203B41FA5}">
-                      <a16:colId xmlns:a16="http://schemas.microsoft.com/office/drawing/2014/main" xmlns="" val="502106572"/>
+                      <a16:colId xmlns="" xmlns:a16="http://schemas.microsoft.com/office/drawing/2014/main" val="502106572"/>
                     </a:ext>
                   </a:extLst>
                 </a:gridCol>
                 <a:gridCol w="2785137">
                   <a:extLst>
                     <a:ext uri="{9D8B030D-6E8A-4147-A177-3AD203B41FA5}">
-                      <a16:colId xmlns:a16="http://schemas.microsoft.com/office/drawing/2014/main" xmlns="" val="2796583417"/>
+                      <a16:colId xmlns="" xmlns:a16="http://schemas.microsoft.com/office/drawing/2014/main" val="2796583417"/>
                     </a:ext>
                   </a:extLst>
                 </a:gridCol>
@@ -13025,7 +8862,7 @@
                 </a:tc>
                 <a:extLst>
                   <a:ext uri="{0D108BD9-81ED-4DB2-BD59-A6C34878D82A}">
-                    <a16:rowId xmlns:a16="http://schemas.microsoft.com/office/drawing/2014/main" xmlns="" val="222512411"/>
+                    <a16:rowId xmlns="" xmlns:a16="http://schemas.microsoft.com/office/drawing/2014/main" val="222512411"/>
                   </a:ext>
                 </a:extLst>
               </a:tr>
@@ -13476,7 +9313,7 @@
                 </a:tc>
                 <a:extLst>
                   <a:ext uri="{0D108BD9-81ED-4DB2-BD59-A6C34878D82A}">
-                    <a16:rowId xmlns:a16="http://schemas.microsoft.com/office/drawing/2014/main" xmlns="" val="2478292743"/>
+                    <a16:rowId xmlns="" xmlns:a16="http://schemas.microsoft.com/office/drawing/2014/main" val="2478292743"/>
                   </a:ext>
                 </a:extLst>
               </a:tr>
@@ -13869,7 +9706,7 @@
                 </a:tc>
                 <a:extLst>
                   <a:ext uri="{0D108BD9-81ED-4DB2-BD59-A6C34878D82A}">
-                    <a16:rowId xmlns:a16="http://schemas.microsoft.com/office/drawing/2014/main" xmlns="" val="3999082340"/>
+                    <a16:rowId xmlns="" xmlns:a16="http://schemas.microsoft.com/office/drawing/2014/main" val="3999082340"/>
                   </a:ext>
                 </a:extLst>
               </a:tr>
@@ -13978,35 +9815,35 @@
                 <a:gridCol w="1996575">
                   <a:extLst>
                     <a:ext uri="{9D8B030D-6E8A-4147-A177-3AD203B41FA5}">
-                      <a16:colId xmlns:a16="http://schemas.microsoft.com/office/drawing/2014/main" xmlns="" val="1393900185"/>
+                      <a16:colId xmlns="" xmlns:a16="http://schemas.microsoft.com/office/drawing/2014/main" val="1393900185"/>
                     </a:ext>
                   </a:extLst>
                 </a:gridCol>
                 <a:gridCol w="1188456">
                   <a:extLst>
                     <a:ext uri="{9D8B030D-6E8A-4147-A177-3AD203B41FA5}">
-                      <a16:colId xmlns:a16="http://schemas.microsoft.com/office/drawing/2014/main" xmlns="" val="3389078971"/>
+                      <a16:colId xmlns="" xmlns:a16="http://schemas.microsoft.com/office/drawing/2014/main" val="3389078971"/>
                     </a:ext>
                   </a:extLst>
                 </a:gridCol>
                 <a:gridCol w="1181288">
                   <a:extLst>
                     <a:ext uri="{9D8B030D-6E8A-4147-A177-3AD203B41FA5}">
-                      <a16:colId xmlns:a16="http://schemas.microsoft.com/office/drawing/2014/main" xmlns="" val="655618677"/>
+                      <a16:colId xmlns="" xmlns:a16="http://schemas.microsoft.com/office/drawing/2014/main" val="655618677"/>
                     </a:ext>
                   </a:extLst>
                 </a:gridCol>
                 <a:gridCol w="2831419">
                   <a:extLst>
                     <a:ext uri="{9D8B030D-6E8A-4147-A177-3AD203B41FA5}">
-                      <a16:colId xmlns:a16="http://schemas.microsoft.com/office/drawing/2014/main" xmlns="" val="502106572"/>
+                      <a16:colId xmlns="" xmlns:a16="http://schemas.microsoft.com/office/drawing/2014/main" val="502106572"/>
                     </a:ext>
                   </a:extLst>
                 </a:gridCol>
                 <a:gridCol w="2785137">
                   <a:extLst>
                     <a:ext uri="{9D8B030D-6E8A-4147-A177-3AD203B41FA5}">
-                      <a16:colId xmlns:a16="http://schemas.microsoft.com/office/drawing/2014/main" xmlns="" val="2796583417"/>
+                      <a16:colId xmlns="" xmlns:a16="http://schemas.microsoft.com/office/drawing/2014/main" val="2796583417"/>
                     </a:ext>
                   </a:extLst>
                 </a:gridCol>
@@ -14326,7 +10163,7 @@
                 </a:tc>
                 <a:extLst>
                   <a:ext uri="{0D108BD9-81ED-4DB2-BD59-A6C34878D82A}">
-                    <a16:rowId xmlns:a16="http://schemas.microsoft.com/office/drawing/2014/main" xmlns="" val="222512411"/>
+                    <a16:rowId xmlns="" xmlns:a16="http://schemas.microsoft.com/office/drawing/2014/main" val="222512411"/>
                   </a:ext>
                 </a:extLst>
               </a:tr>
@@ -14800,7 +10637,7 @@
                 </a:tc>
                 <a:extLst>
                   <a:ext uri="{0D108BD9-81ED-4DB2-BD59-A6C34878D82A}">
-                    <a16:rowId xmlns:a16="http://schemas.microsoft.com/office/drawing/2014/main" xmlns="" val="2478292743"/>
+                    <a16:rowId xmlns="" xmlns:a16="http://schemas.microsoft.com/office/drawing/2014/main" val="2478292743"/>
                   </a:ext>
                 </a:extLst>
               </a:tr>
@@ -15161,7 +10998,7 @@
                 </a:tc>
                 <a:extLst>
                   <a:ext uri="{0D108BD9-81ED-4DB2-BD59-A6C34878D82A}">
-                    <a16:rowId xmlns:a16="http://schemas.microsoft.com/office/drawing/2014/main" xmlns="" val="3999082340"/>
+                    <a16:rowId xmlns="" xmlns:a16="http://schemas.microsoft.com/office/drawing/2014/main" val="3999082340"/>
                   </a:ext>
                 </a:extLst>
               </a:tr>
@@ -15401,35 +11238,35 @@
                 <a:gridCol w="1902142">
                   <a:extLst>
                     <a:ext uri="{9D8B030D-6E8A-4147-A177-3AD203B41FA5}">
-                      <a16:colId xmlns:a16="http://schemas.microsoft.com/office/drawing/2014/main" xmlns="" val="1270668206"/>
+                      <a16:colId xmlns="" xmlns:a16="http://schemas.microsoft.com/office/drawing/2014/main" val="1270668206"/>
                     </a:ext>
                   </a:extLst>
                 </a:gridCol>
                 <a:gridCol w="1902142">
                   <a:extLst>
                     <a:ext uri="{9D8B030D-6E8A-4147-A177-3AD203B41FA5}">
-                      <a16:colId xmlns:a16="http://schemas.microsoft.com/office/drawing/2014/main" xmlns="" val="1083689566"/>
+                      <a16:colId xmlns="" xmlns:a16="http://schemas.microsoft.com/office/drawing/2014/main" val="1083689566"/>
                     </a:ext>
                   </a:extLst>
                 </a:gridCol>
                 <a:gridCol w="1902142">
                   <a:extLst>
                     <a:ext uri="{9D8B030D-6E8A-4147-A177-3AD203B41FA5}">
-                      <a16:colId xmlns:a16="http://schemas.microsoft.com/office/drawing/2014/main" xmlns="" val="491322313"/>
+                      <a16:colId xmlns="" xmlns:a16="http://schemas.microsoft.com/office/drawing/2014/main" val="491322313"/>
                     </a:ext>
                   </a:extLst>
                 </a:gridCol>
                 <a:gridCol w="1902142">
                   <a:extLst>
                     <a:ext uri="{9D8B030D-6E8A-4147-A177-3AD203B41FA5}">
-                      <a16:colId xmlns:a16="http://schemas.microsoft.com/office/drawing/2014/main" xmlns="" val="2519024925"/>
+                      <a16:colId xmlns="" xmlns:a16="http://schemas.microsoft.com/office/drawing/2014/main" val="2519024925"/>
                     </a:ext>
                   </a:extLst>
                 </a:gridCol>
                 <a:gridCol w="1902142">
                   <a:extLst>
                     <a:ext uri="{9D8B030D-6E8A-4147-A177-3AD203B41FA5}">
-                      <a16:colId xmlns:a16="http://schemas.microsoft.com/office/drawing/2014/main" xmlns="" val="4198837936"/>
+                      <a16:colId xmlns="" xmlns:a16="http://schemas.microsoft.com/office/drawing/2014/main" val="4198837936"/>
                     </a:ext>
                   </a:extLst>
                 </a:gridCol>
@@ -15542,7 +11379,7 @@
                 </a:tc>
                 <a:extLst>
                   <a:ext uri="{0D108BD9-81ED-4DB2-BD59-A6C34878D82A}">
-                    <a16:rowId xmlns:a16="http://schemas.microsoft.com/office/drawing/2014/main" xmlns="" val="54892672"/>
+                    <a16:rowId xmlns="" xmlns:a16="http://schemas.microsoft.com/office/drawing/2014/main" val="54892672"/>
                   </a:ext>
                 </a:extLst>
               </a:tr>
@@ -15668,7 +11505,7 @@
                 </a:tc>
                 <a:extLst>
                   <a:ext uri="{0D108BD9-81ED-4DB2-BD59-A6C34878D82A}">
-                    <a16:rowId xmlns:a16="http://schemas.microsoft.com/office/drawing/2014/main" xmlns="" val="644525124"/>
+                    <a16:rowId xmlns="" xmlns:a16="http://schemas.microsoft.com/office/drawing/2014/main" val="644525124"/>
                   </a:ext>
                 </a:extLst>
               </a:tr>
@@ -15822,7 +11659,7 @@
                 </a:tc>
                 <a:extLst>
                   <a:ext uri="{0D108BD9-81ED-4DB2-BD59-A6C34878D82A}">
-                    <a16:rowId xmlns:a16="http://schemas.microsoft.com/office/drawing/2014/main" xmlns="" val="1441979899"/>
+                    <a16:rowId xmlns="" xmlns:a16="http://schemas.microsoft.com/office/drawing/2014/main" val="1441979899"/>
                   </a:ext>
                 </a:extLst>
               </a:tr>
@@ -15962,7 +11799,7 @@
                 </a:tc>
                 <a:extLst>
                   <a:ext uri="{0D108BD9-81ED-4DB2-BD59-A6C34878D82A}">
-                    <a16:rowId xmlns:a16="http://schemas.microsoft.com/office/drawing/2014/main" xmlns="" val="2067020072"/>
+                    <a16:rowId xmlns="" xmlns:a16="http://schemas.microsoft.com/office/drawing/2014/main" val="2067020072"/>
                   </a:ext>
                 </a:extLst>
               </a:tr>
@@ -16668,35 +12505,35 @@
                 <a:gridCol w="2080982">
                   <a:extLst>
                     <a:ext uri="{9D8B030D-6E8A-4147-A177-3AD203B41FA5}">
-                      <a16:colId xmlns:a16="http://schemas.microsoft.com/office/drawing/2014/main" xmlns="" val="1393900185"/>
+                      <a16:colId xmlns="" xmlns:a16="http://schemas.microsoft.com/office/drawing/2014/main" val="1393900185"/>
                     </a:ext>
                   </a:extLst>
                 </a:gridCol>
                 <a:gridCol w="1238699">
                   <a:extLst>
                     <a:ext uri="{9D8B030D-6E8A-4147-A177-3AD203B41FA5}">
-                      <a16:colId xmlns:a16="http://schemas.microsoft.com/office/drawing/2014/main" xmlns="" val="3389078971"/>
+                      <a16:colId xmlns="" xmlns:a16="http://schemas.microsoft.com/office/drawing/2014/main" val="3389078971"/>
                     </a:ext>
                   </a:extLst>
                 </a:gridCol>
                 <a:gridCol w="1231228">
                   <a:extLst>
                     <a:ext uri="{9D8B030D-6E8A-4147-A177-3AD203B41FA5}">
-                      <a16:colId xmlns:a16="http://schemas.microsoft.com/office/drawing/2014/main" xmlns="" val="655618677"/>
+                      <a16:colId xmlns="" xmlns:a16="http://schemas.microsoft.com/office/drawing/2014/main" val="655618677"/>
                     </a:ext>
                   </a:extLst>
                 </a:gridCol>
                 <a:gridCol w="1337979">
                   <a:extLst>
                     <a:ext uri="{9D8B030D-6E8A-4147-A177-3AD203B41FA5}">
-                      <a16:colId xmlns:a16="http://schemas.microsoft.com/office/drawing/2014/main" xmlns="" val="502106572"/>
+                      <a16:colId xmlns="" xmlns:a16="http://schemas.microsoft.com/office/drawing/2014/main" val="502106572"/>
                     </a:ext>
                   </a:extLst>
                 </a:gridCol>
                 <a:gridCol w="4516021">
                   <a:extLst>
                     <a:ext uri="{9D8B030D-6E8A-4147-A177-3AD203B41FA5}">
-                      <a16:colId xmlns:a16="http://schemas.microsoft.com/office/drawing/2014/main" xmlns="" val="2796583417"/>
+                      <a16:colId xmlns="" xmlns:a16="http://schemas.microsoft.com/office/drawing/2014/main" val="2796583417"/>
                     </a:ext>
                   </a:extLst>
                 </a:gridCol>
@@ -17016,7 +12853,7 @@
                 </a:tc>
                 <a:extLst>
                   <a:ext uri="{0D108BD9-81ED-4DB2-BD59-A6C34878D82A}">
-                    <a16:rowId xmlns:a16="http://schemas.microsoft.com/office/drawing/2014/main" xmlns="" val="222512411"/>
+                    <a16:rowId xmlns="" xmlns:a16="http://schemas.microsoft.com/office/drawing/2014/main" val="222512411"/>
                   </a:ext>
                 </a:extLst>
               </a:tr>
@@ -17401,7 +13238,7 @@
                 </a:tc>
                 <a:extLst>
                   <a:ext uri="{0D108BD9-81ED-4DB2-BD59-A6C34878D82A}">
-                    <a16:rowId xmlns:a16="http://schemas.microsoft.com/office/drawing/2014/main" xmlns="" val="2478292743"/>
+                    <a16:rowId xmlns="" xmlns:a16="http://schemas.microsoft.com/office/drawing/2014/main" val="2478292743"/>
                   </a:ext>
                 </a:extLst>
               </a:tr>
@@ -17704,7 +13541,7 @@
                 </a:tc>
                 <a:extLst>
                   <a:ext uri="{0D108BD9-81ED-4DB2-BD59-A6C34878D82A}">
-                    <a16:rowId xmlns:a16="http://schemas.microsoft.com/office/drawing/2014/main" xmlns="" val="3999082340"/>
+                    <a16:rowId xmlns="" xmlns:a16="http://schemas.microsoft.com/office/drawing/2014/main" val="3999082340"/>
                   </a:ext>
                 </a:extLst>
               </a:tr>
@@ -18316,13 +14153,13 @@
             <p:ph idx="1"/>
             <p:extLst>
               <p:ext uri="{D42A27DB-BD31-4B8C-83A1-F6EECF244321}">
-                <p14:modId xmlns:p14="http://schemas.microsoft.com/office/powerpoint/2010/main" val="3014388986"/>
+                <p14:modId xmlns:p14="http://schemas.microsoft.com/office/powerpoint/2010/main" val="1139304434"/>
               </p:ext>
             </p:extLst>
           </p:nvPr>
         </p:nvGraphicFramePr>
         <p:xfrm>
-          <a:off x="1341438" y="1448018"/>
+          <a:off x="1341438" y="1674521"/>
           <a:ext cx="9510710" cy="4140640"/>
         </p:xfrm>
         <a:graphic>
@@ -18335,35 +14172,35 @@
                 <a:gridCol w="2056103">
                   <a:extLst>
                     <a:ext uri="{9D8B030D-6E8A-4147-A177-3AD203B41FA5}">
-                      <a16:colId xmlns:a16="http://schemas.microsoft.com/office/drawing/2014/main" xmlns="" val="1262576194"/>
+                      <a16:colId xmlns="" xmlns:a16="http://schemas.microsoft.com/office/drawing/2014/main" val="1262576194"/>
                     </a:ext>
                   </a:extLst>
                 </a:gridCol>
                 <a:gridCol w="1182848">
                   <a:extLst>
                     <a:ext uri="{9D8B030D-6E8A-4147-A177-3AD203B41FA5}">
-                      <a16:colId xmlns:a16="http://schemas.microsoft.com/office/drawing/2014/main" xmlns="" val="20001"/>
+                      <a16:colId xmlns="" xmlns:a16="http://schemas.microsoft.com/office/drawing/2014/main" val="20001"/>
                     </a:ext>
                   </a:extLst>
                 </a:gridCol>
                 <a:gridCol w="1820411">
                   <a:extLst>
                     <a:ext uri="{9D8B030D-6E8A-4147-A177-3AD203B41FA5}">
-                      <a16:colId xmlns:a16="http://schemas.microsoft.com/office/drawing/2014/main" xmlns="" val="20002"/>
+                      <a16:colId xmlns="" xmlns:a16="http://schemas.microsoft.com/office/drawing/2014/main" val="20002"/>
                     </a:ext>
                   </a:extLst>
                 </a:gridCol>
                 <a:gridCol w="1350628">
                   <a:extLst>
                     <a:ext uri="{9D8B030D-6E8A-4147-A177-3AD203B41FA5}">
-                      <a16:colId xmlns:a16="http://schemas.microsoft.com/office/drawing/2014/main" xmlns="" val="1627258925"/>
+                      <a16:colId xmlns="" xmlns:a16="http://schemas.microsoft.com/office/drawing/2014/main" val="1627258925"/>
                     </a:ext>
                   </a:extLst>
                 </a:gridCol>
                 <a:gridCol w="3100720">
                   <a:extLst>
                     <a:ext uri="{9D8B030D-6E8A-4147-A177-3AD203B41FA5}">
-                      <a16:colId xmlns:a16="http://schemas.microsoft.com/office/drawing/2014/main" xmlns="" val="279132191"/>
+                      <a16:colId xmlns="" xmlns:a16="http://schemas.microsoft.com/office/drawing/2014/main" val="279132191"/>
                     </a:ext>
                   </a:extLst>
                 </a:gridCol>
@@ -18476,7 +14313,7 @@
                 </a:tc>
                 <a:extLst>
                   <a:ext uri="{0D108BD9-81ED-4DB2-BD59-A6C34878D82A}">
-                    <a16:rowId xmlns:a16="http://schemas.microsoft.com/office/drawing/2014/main" xmlns="" val="3704071744"/>
+                    <a16:rowId xmlns="" xmlns:a16="http://schemas.microsoft.com/office/drawing/2014/main" val="3704071744"/>
                   </a:ext>
                 </a:extLst>
               </a:tr>
@@ -18650,7 +14487,7 @@
                 </a:tc>
                 <a:extLst>
                   <a:ext uri="{0D108BD9-81ED-4DB2-BD59-A6C34878D82A}">
-                    <a16:rowId xmlns:a16="http://schemas.microsoft.com/office/drawing/2014/main" xmlns="" val="1026023813"/>
+                    <a16:rowId xmlns="" xmlns:a16="http://schemas.microsoft.com/office/drawing/2014/main" val="1026023813"/>
                   </a:ext>
                 </a:extLst>
               </a:tr>
@@ -18748,7 +14585,7 @@
                 </a:tc>
                 <a:extLst>
                   <a:ext uri="{0D108BD9-81ED-4DB2-BD59-A6C34878D82A}">
-                    <a16:rowId xmlns:a16="http://schemas.microsoft.com/office/drawing/2014/main" xmlns="" val="3056097180"/>
+                    <a16:rowId xmlns="" xmlns:a16="http://schemas.microsoft.com/office/drawing/2014/main" val="3056097180"/>
                   </a:ext>
                 </a:extLst>
               </a:tr>
@@ -18846,7 +14683,7 @@
                 </a:tc>
                 <a:extLst>
                   <a:ext uri="{0D108BD9-81ED-4DB2-BD59-A6C34878D82A}">
-                    <a16:rowId xmlns:a16="http://schemas.microsoft.com/office/drawing/2014/main" xmlns="" val="3398222936"/>
+                    <a16:rowId xmlns="" xmlns:a16="http://schemas.microsoft.com/office/drawing/2014/main" val="3398222936"/>
                   </a:ext>
                 </a:extLst>
               </a:tr>
@@ -18982,7 +14819,7 @@
                 </a:tc>
                 <a:extLst>
                   <a:ext uri="{0D108BD9-81ED-4DB2-BD59-A6C34878D82A}">
-                    <a16:rowId xmlns:a16="http://schemas.microsoft.com/office/drawing/2014/main" xmlns="" val="3661055458"/>
+                    <a16:rowId xmlns="" xmlns:a16="http://schemas.microsoft.com/office/drawing/2014/main" val="3661055458"/>
                   </a:ext>
                 </a:extLst>
               </a:tr>
@@ -19134,7 +14971,7 @@
                 </a:tc>
                 <a:extLst>
                   <a:ext uri="{0D108BD9-81ED-4DB2-BD59-A6C34878D82A}">
-                    <a16:rowId xmlns:a16="http://schemas.microsoft.com/office/drawing/2014/main" xmlns="" val="1792707014"/>
+                    <a16:rowId xmlns="" xmlns:a16="http://schemas.microsoft.com/office/drawing/2014/main" val="1792707014"/>
                   </a:ext>
                 </a:extLst>
               </a:tr>
@@ -19289,7 +15126,7 @@
                 </a:tc>
                 <a:extLst>
                   <a:ext uri="{0D108BD9-81ED-4DB2-BD59-A6C34878D82A}">
-                    <a16:rowId xmlns:a16="http://schemas.microsoft.com/office/drawing/2014/main" xmlns="" val="1883377276"/>
+                    <a16:rowId xmlns="" xmlns:a16="http://schemas.microsoft.com/office/drawing/2014/main" val="1883377276"/>
                   </a:ext>
                 </a:extLst>
               </a:tr>
@@ -19447,7 +15284,7 @@
                 </a:tc>
                 <a:extLst>
                   <a:ext uri="{0D108BD9-81ED-4DB2-BD59-A6C34878D82A}">
-                    <a16:rowId xmlns:a16="http://schemas.microsoft.com/office/drawing/2014/main" xmlns="" val="4018932841"/>
+                    <a16:rowId xmlns="" xmlns:a16="http://schemas.microsoft.com/office/drawing/2014/main" val="4018932841"/>
                   </a:ext>
                 </a:extLst>
               </a:tr>
@@ -19541,13 +15378,13 @@
             <p:ph idx="1"/>
             <p:extLst>
               <p:ext uri="{D42A27DB-BD31-4B8C-83A1-F6EECF244321}">
-                <p14:modId xmlns:p14="http://schemas.microsoft.com/office/powerpoint/2010/main" val="1033104244"/>
+                <p14:modId xmlns:p14="http://schemas.microsoft.com/office/powerpoint/2010/main" val="2974885222"/>
               </p:ext>
             </p:extLst>
           </p:nvPr>
         </p:nvGraphicFramePr>
         <p:xfrm>
-          <a:off x="1341438" y="1448018"/>
+          <a:off x="1341438" y="1775189"/>
           <a:ext cx="9510710" cy="3105480"/>
         </p:xfrm>
         <a:graphic>
@@ -19560,35 +15397,35 @@
                 <a:gridCol w="2056103">
                   <a:extLst>
                     <a:ext uri="{9D8B030D-6E8A-4147-A177-3AD203B41FA5}">
-                      <a16:colId xmlns:a16="http://schemas.microsoft.com/office/drawing/2014/main" xmlns="" val="1262576194"/>
+                      <a16:colId xmlns="" xmlns:a16="http://schemas.microsoft.com/office/drawing/2014/main" val="1262576194"/>
                     </a:ext>
                   </a:extLst>
                 </a:gridCol>
                 <a:gridCol w="1182848">
                   <a:extLst>
                     <a:ext uri="{9D8B030D-6E8A-4147-A177-3AD203B41FA5}">
-                      <a16:colId xmlns:a16="http://schemas.microsoft.com/office/drawing/2014/main" xmlns="" val="20001"/>
+                      <a16:colId xmlns="" xmlns:a16="http://schemas.microsoft.com/office/drawing/2014/main" val="20001"/>
                     </a:ext>
                   </a:extLst>
                 </a:gridCol>
                 <a:gridCol w="1820411">
                   <a:extLst>
                     <a:ext uri="{9D8B030D-6E8A-4147-A177-3AD203B41FA5}">
-                      <a16:colId xmlns:a16="http://schemas.microsoft.com/office/drawing/2014/main" xmlns="" val="20002"/>
+                      <a16:colId xmlns="" xmlns:a16="http://schemas.microsoft.com/office/drawing/2014/main" val="20002"/>
                     </a:ext>
                   </a:extLst>
                 </a:gridCol>
                 <a:gridCol w="1350628">
                   <a:extLst>
                     <a:ext uri="{9D8B030D-6E8A-4147-A177-3AD203B41FA5}">
-                      <a16:colId xmlns:a16="http://schemas.microsoft.com/office/drawing/2014/main" xmlns="" val="1627258925"/>
+                      <a16:colId xmlns="" xmlns:a16="http://schemas.microsoft.com/office/drawing/2014/main" val="1627258925"/>
                     </a:ext>
                   </a:extLst>
                 </a:gridCol>
                 <a:gridCol w="3100720">
                   <a:extLst>
                     <a:ext uri="{9D8B030D-6E8A-4147-A177-3AD203B41FA5}">
-                      <a16:colId xmlns:a16="http://schemas.microsoft.com/office/drawing/2014/main" xmlns="" val="279132191"/>
+                      <a16:colId xmlns="" xmlns:a16="http://schemas.microsoft.com/office/drawing/2014/main" val="279132191"/>
                     </a:ext>
                   </a:extLst>
                 </a:gridCol>
@@ -19701,7 +15538,7 @@
                 </a:tc>
                 <a:extLst>
                   <a:ext uri="{0D108BD9-81ED-4DB2-BD59-A6C34878D82A}">
-                    <a16:rowId xmlns:a16="http://schemas.microsoft.com/office/drawing/2014/main" xmlns="" val="3704071744"/>
+                    <a16:rowId xmlns="" xmlns:a16="http://schemas.microsoft.com/office/drawing/2014/main" val="3704071744"/>
                   </a:ext>
                 </a:extLst>
               </a:tr>
@@ -19865,7 +15702,7 @@
                 </a:tc>
                 <a:extLst>
                   <a:ext uri="{0D108BD9-81ED-4DB2-BD59-A6C34878D82A}">
-                    <a16:rowId xmlns:a16="http://schemas.microsoft.com/office/drawing/2014/main" xmlns="" val="1026023813"/>
+                    <a16:rowId xmlns="" xmlns:a16="http://schemas.microsoft.com/office/drawing/2014/main" val="1026023813"/>
                   </a:ext>
                 </a:extLst>
               </a:tr>
@@ -19969,7 +15806,7 @@
                 </a:tc>
                 <a:extLst>
                   <a:ext uri="{0D108BD9-81ED-4DB2-BD59-A6C34878D82A}">
-                    <a16:rowId xmlns:a16="http://schemas.microsoft.com/office/drawing/2014/main" xmlns="" val="3056097180"/>
+                    <a16:rowId xmlns="" xmlns:a16="http://schemas.microsoft.com/office/drawing/2014/main" val="3056097180"/>
                   </a:ext>
                 </a:extLst>
               </a:tr>
@@ -20067,7 +15904,7 @@
                 </a:tc>
                 <a:extLst>
                   <a:ext uri="{0D108BD9-81ED-4DB2-BD59-A6C34878D82A}">
-                    <a16:rowId xmlns:a16="http://schemas.microsoft.com/office/drawing/2014/main" xmlns="" val="3398222936"/>
+                    <a16:rowId xmlns="" xmlns:a16="http://schemas.microsoft.com/office/drawing/2014/main" val="3398222936"/>
                   </a:ext>
                 </a:extLst>
               </a:tr>
@@ -20219,7 +16056,7 @@
                 </a:tc>
                 <a:extLst>
                   <a:ext uri="{0D108BD9-81ED-4DB2-BD59-A6C34878D82A}">
-                    <a16:rowId xmlns:a16="http://schemas.microsoft.com/office/drawing/2014/main" xmlns="" val="3661055458"/>
+                    <a16:rowId xmlns="" xmlns:a16="http://schemas.microsoft.com/office/drawing/2014/main" val="3661055458"/>
                   </a:ext>
                 </a:extLst>
               </a:tr>
@@ -20371,7 +16208,7 @@
                 </a:tc>
                 <a:extLst>
                   <a:ext uri="{0D108BD9-81ED-4DB2-BD59-A6C34878D82A}">
-                    <a16:rowId xmlns:a16="http://schemas.microsoft.com/office/drawing/2014/main" xmlns="" val="1792707014"/>
+                    <a16:rowId xmlns="" xmlns:a16="http://schemas.microsoft.com/office/drawing/2014/main" val="1792707014"/>
                   </a:ext>
                 </a:extLst>
               </a:tr>
@@ -21125,7 +16962,33 @@
           <a:p>
             <a:r>
               <a:rPr lang="zh-CN" altLang="en-US" dirty="0" smtClean="0"/>
-              <a:t>根证书自签名</a:t>
+              <a:t>根证书自签</a:t>
+            </a:r>
+            <a:r>
+              <a:rPr lang="zh-CN" altLang="en-US" dirty="0" smtClean="0"/>
+              <a:t>名</a:t>
+            </a:r>
+            <a:endParaRPr lang="en-US" altLang="zh-CN" dirty="0" smtClean="0"/>
+          </a:p>
+          <a:p>
+            <a:r>
+              <a:rPr lang="zh-CN" altLang="en-US" dirty="0"/>
+              <a:t>证</a:t>
+            </a:r>
+            <a:r>
+              <a:rPr lang="zh-CN" altLang="en-US" dirty="0" smtClean="0"/>
+              <a:t>书签发</a:t>
+            </a:r>
+            <a:endParaRPr lang="en-US" altLang="zh-CN" dirty="0" smtClean="0"/>
+          </a:p>
+          <a:p>
+            <a:r>
+              <a:rPr lang="zh-CN" altLang="en-US" dirty="0"/>
+              <a:t>证</a:t>
+            </a:r>
+            <a:r>
+              <a:rPr lang="zh-CN" altLang="en-US" dirty="0" smtClean="0"/>
+              <a:t>书认证</a:t>
             </a:r>
             <a:endParaRPr lang="zh-CN" altLang="en-US" dirty="0"/>
           </a:p>
@@ -21218,7 +17081,7 @@
         </p:blipFill>
         <p:spPr bwMode="auto">
           <a:xfrm>
-            <a:off x="8154099" y="1391261"/>
+            <a:off x="8154099" y="1324149"/>
             <a:ext cx="3990975" cy="4629150"/>
           </a:xfrm>
           <a:prstGeom prst="rect">
@@ -21622,9 +17485,50 @@
             </a:r>
             <a:r>
               <a:rPr lang="zh-CN" altLang="en-US" dirty="0" smtClean="0"/>
-              <a:t>密钥协商</a:t>
-            </a:r>
-            <a:endParaRPr lang="zh-CN" altLang="en-US" dirty="0"/>
+              <a:t>密钥协</a:t>
+            </a:r>
+            <a:r>
+              <a:rPr lang="zh-CN" altLang="en-US" dirty="0" smtClean="0"/>
+              <a:t>商</a:t>
+            </a:r>
+            <a:endParaRPr lang="en-US" altLang="zh-CN" dirty="0" smtClean="0"/>
+          </a:p>
+          <a:p>
+            <a:pPr marL="45720" indent="0">
+              <a:buNone/>
+            </a:pPr>
+            <a:endParaRPr lang="en-US" altLang="zh-CN" dirty="0" smtClean="0"/>
+          </a:p>
+          <a:p>
+            <a:r>
+              <a:rPr lang="en-US" altLang="zh-CN" dirty="0" smtClean="0">
+                <a:solidFill>
+                  <a:srgbClr val="0070C0"/>
+                </a:solidFill>
+              </a:rPr>
+              <a:t>HTTPS</a:t>
+            </a:r>
+            <a:r>
+              <a:rPr lang="zh-CN" altLang="en-US" dirty="0">
+                <a:solidFill>
+                  <a:srgbClr val="0070C0"/>
+                </a:solidFill>
+              </a:rPr>
+              <a:t>通</a:t>
+            </a:r>
+            <a:r>
+              <a:rPr lang="zh-CN" altLang="en-US" dirty="0" smtClean="0">
+                <a:solidFill>
+                  <a:srgbClr val="0070C0"/>
+                </a:solidFill>
+              </a:rPr>
+              <a:t>信能抓包吗？</a:t>
+            </a:r>
+            <a:endParaRPr lang="en-US" altLang="zh-CN" dirty="0" smtClean="0">
+              <a:solidFill>
+                <a:srgbClr val="0070C0"/>
+              </a:solidFill>
+            </a:endParaRPr>
           </a:p>
         </p:txBody>
       </p:sp>
@@ -21714,6 +17618,13 @@
       </p:transition>
     </mc:Fallback>
   </mc:AlternateContent>
+  <p:timing>
+    <p:tnLst>
+      <p:par>
+        <p:cTn id="1" dur="indefinite" restart="never" nodeType="tmRoot"/>
+      </p:par>
+    </p:tnLst>
+  </p:timing>
 </p:sld>
 </file>
 
@@ -21761,25 +17672,72 @@
           </a:p>
         </p:txBody>
       </p:sp>
-      <p:sp>
-        <p:nvSpPr>
-          <p:cNvPr id="3" name="内容占位符 2"/>
-          <p:cNvSpPr>
-            <a:spLocks noGrp="1"/>
-          </p:cNvSpPr>
+      <p:pic>
+        <p:nvPicPr>
+          <p:cNvPr id="1028" name="Picture 4"/>
+          <p:cNvPicPr>
+            <a:picLocks noGrp="1" noChangeAspect="1" noChangeArrowheads="1"/>
+          </p:cNvPicPr>
           <p:nvPr>
             <p:ph idx="1"/>
           </p:nvPr>
-        </p:nvSpPr>
-        <p:spPr/>
-        <p:txBody>
-          <a:bodyPr/>
-          <a:lstStyle/>
-          <a:p>
-            <a:endParaRPr lang="zh-CN" altLang="en-US"/>
-          </a:p>
-        </p:txBody>
-      </p:sp>
+        </p:nvPicPr>
+        <p:blipFill>
+          <a:blip r:embed="rId2">
+            <a:extLst>
+              <a:ext uri="{28A0092B-C50C-407E-A947-70E740481C1C}">
+                <a14:useLocalDpi xmlns:a14="http://schemas.microsoft.com/office/drawing/2010/main" val="0"/>
+              </a:ext>
+            </a:extLst>
+          </a:blip>
+          <a:srcRect/>
+          <a:stretch>
+            <a:fillRect/>
+          </a:stretch>
+        </p:blipFill>
+        <p:spPr bwMode="auto">
+          <a:xfrm>
+            <a:off x="4557531" y="1392573"/>
+            <a:ext cx="3736443" cy="5465428"/>
+          </a:xfrm>
+          <a:prstGeom prst="rect">
+            <a:avLst/>
+          </a:prstGeom>
+          <a:noFill/>
+          <a:ln>
+            <a:noFill/>
+          </a:ln>
+          <a:effectLst/>
+          <a:extLst>
+            <a:ext uri="{909E8E84-426E-40DD-AFC4-6F175D3DCCD1}">
+              <a14:hiddenFill xmlns:a14="http://schemas.microsoft.com/office/drawing/2010/main">
+                <a:solidFill>
+                  <a:schemeClr val="accent1"/>
+                </a:solidFill>
+              </a14:hiddenFill>
+            </a:ext>
+            <a:ext uri="{91240B29-F687-4F45-9708-019B960494DF}">
+              <a14:hiddenLine xmlns:a14="http://schemas.microsoft.com/office/drawing/2010/main" w="9525">
+                <a:solidFill>
+                  <a:schemeClr val="tx1"/>
+                </a:solidFill>
+                <a:miter lim="800000"/>
+                <a:headEnd/>
+                <a:tailEnd/>
+              </a14:hiddenLine>
+            </a:ext>
+            <a:ext uri="{AF507438-7753-43E0-B8FC-AC1667EBCBE1}">
+              <a14:hiddenEffects xmlns:a14="http://schemas.microsoft.com/office/drawing/2010/main">
+                <a:effectLst>
+                  <a:outerShdw dist="35921" dir="2700000" algn="ctr" rotWithShape="0">
+                    <a:schemeClr val="bg2"/>
+                  </a:outerShdw>
+                </a:effectLst>
+              </a14:hiddenEffects>
+            </a:ext>
+          </a:extLst>
+        </p:spPr>
+      </p:pic>
     </p:spTree>
     <p:extLst>
       <p:ext uri="{BB962C8B-B14F-4D97-AF65-F5344CB8AC3E}">
@@ -21802,6 +17760,13 @@
       </p:transition>
     </mc:Fallback>
   </mc:AlternateContent>
+  <p:timing>
+    <p:tnLst>
+      <p:par>
+        <p:cTn id="1" dur="indefinite" restart="never" nodeType="tmRoot"/>
+      </p:par>
+    </p:tnLst>
+  </p:timing>
 </p:sld>
 </file>
 
@@ -21838,127 +17803,14 @@
           <a:lstStyle/>
           <a:p>
             <a:r>
-              <a:rPr lang="zh-CN"/>
-              <a:t>标题和内容版式与图表</a:t>
-            </a:r>
-          </a:p>
-        </p:txBody>
-      </p:sp>
-      <p:graphicFrame>
-        <p:nvGraphicFramePr>
-          <p:cNvPr id="6" name="内容占位符 5"/>
-          <p:cNvGraphicFramePr>
-            <a:graphicFrameLocks noGrp="1"/>
-          </p:cNvGraphicFramePr>
-          <p:nvPr>
-            <p:ph idx="1"/>
-            <p:extLst>
-              <p:ext uri="{D42A27DB-BD31-4B8C-83A1-F6EECF244321}">
-                <p14:modId xmlns:p14="http://schemas.microsoft.com/office/powerpoint/2010/main" val="1698860746"/>
-              </p:ext>
-            </p:extLst>
-          </p:nvPr>
-        </p:nvGraphicFramePr>
-        <p:xfrm>
-          <a:off x="1341438" y="1573213"/>
-          <a:ext cx="9510712" cy="4141787"/>
-        </p:xfrm>
-        <a:graphic>
-          <a:graphicData uri="http://schemas.openxmlformats.org/drawingml/2006/chart">
-            <c:chart xmlns:c="http://schemas.openxmlformats.org/drawingml/2006/chart" xmlns:r="http://schemas.openxmlformats.org/officeDocument/2006/relationships" r:id="rId2"/>
-          </a:graphicData>
-        </a:graphic>
-      </p:graphicFrame>
-    </p:spTree>
-    <p:extLst>
-      <p:ext uri="{BB962C8B-B14F-4D97-AF65-F5344CB8AC3E}">
-        <p14:creationId xmlns:p14="http://schemas.microsoft.com/office/powerpoint/2010/main" val="2578687163"/>
-      </p:ext>
-    </p:extLst>
-  </p:cSld>
-  <p:clrMapOvr>
-    <a:masterClrMapping/>
-  </p:clrMapOvr>
-  <mc:AlternateContent xmlns:mc="http://schemas.openxmlformats.org/markup-compatibility/2006" xmlns:p14="http://schemas.microsoft.com/office/powerpoint/2010/main">
-    <mc:Choice Requires="p14">
-      <p:transition spd="med" p14:dur="700">
-        <p:fade/>
-      </p:transition>
-    </mc:Choice>
-    <mc:Fallback xmlns="">
-      <p:transition spd="med">
-        <p:fade/>
-      </p:transition>
-    </mc:Fallback>
-  </mc:AlternateContent>
-  <p:timing>
-    <p:tnLst>
-      <p:par>
-        <p:cTn id="1" dur="indefinite" restart="never" nodeType="tmRoot"/>
-      </p:par>
-    </p:tnLst>
-  </p:timing>
-</p:sld>
-</file>
-
-<file path=ppt/slides/slide33.xml><?xml version="1.0" encoding="utf-8"?>
-<p:sld xmlns:a="http://schemas.openxmlformats.org/drawingml/2006/main" xmlns:r="http://schemas.openxmlformats.org/officeDocument/2006/relationships" xmlns:p="http://schemas.openxmlformats.org/presentationml/2006/main">
-  <p:cSld>
-    <p:spTree>
-      <p:nvGrpSpPr>
-        <p:cNvPr id="1" name=""/>
-        <p:cNvGrpSpPr/>
-        <p:nvPr/>
-      </p:nvGrpSpPr>
-      <p:grpSpPr>
-        <a:xfrm>
-          <a:off x="0" y="0"/>
-          <a:ext cx="0" cy="0"/>
-          <a:chOff x="0" y="0"/>
-          <a:chExt cx="0" cy="0"/>
-        </a:xfrm>
-      </p:grpSpPr>
-      <p:sp>
-        <p:nvSpPr>
-          <p:cNvPr id="2" name="标题 1"/>
-          <p:cNvSpPr>
-            <a:spLocks noGrp="1"/>
-          </p:cNvSpPr>
-          <p:nvPr>
-            <p:ph type="title"/>
-          </p:nvPr>
-        </p:nvSpPr>
-        <p:spPr/>
-        <p:txBody>
-          <a:bodyPr/>
-          <a:lstStyle/>
-          <a:p>
-            <a:r>
-              <a:rPr lang="zh-CN"/>
-              <a:t>图片与标题版式</a:t>
-            </a:r>
-          </a:p>
-        </p:txBody>
-      </p:sp>
-      <p:sp>
-        <p:nvSpPr>
-          <p:cNvPr id="4" name="文本占位符 3"/>
-          <p:cNvSpPr>
-            <a:spLocks noGrp="1"/>
-          </p:cNvSpPr>
-          <p:nvPr>
-            <p:ph type="body" sz="half" idx="2"/>
-          </p:nvPr>
-        </p:nvSpPr>
-        <p:spPr/>
-        <p:txBody>
-          <a:bodyPr/>
-          <a:lstStyle/>
-          <a:p>
-            <a:r>
-              <a:rPr lang="zh-CN"/>
-              <a:t>标题</a:t>
-            </a:r>
+              <a:rPr lang="en-US" altLang="zh-CN" dirty="0"/>
+              <a:t>t</a:t>
+            </a:r>
+            <a:r>
+              <a:rPr lang="en-US" altLang="zh-CN" dirty="0" smtClean="0"/>
+              <a:t>hank you</a:t>
+            </a:r>
+            <a:endParaRPr lang="zh-CN" dirty="0"/>
           </a:p>
         </p:txBody>
       </p:sp>
@@ -22019,7 +17871,7 @@
 </p:sld>
 </file>
 
-<file path=ppt/slides/slide34.xml><?xml version="1.0" encoding="utf-8"?>
+<file path=ppt/slides/slide4.xml><?xml version="1.0" encoding="utf-8"?>
 <p:sld xmlns:a="http://schemas.openxmlformats.org/drawingml/2006/main" xmlns:r="http://schemas.openxmlformats.org/officeDocument/2006/relationships" xmlns:p="http://schemas.openxmlformats.org/presentationml/2006/main">
   <p:cSld>
     <p:spTree>
@@ -22052,853 +17904,40 @@
           <a:lstStyle/>
           <a:p>
             <a:r>
-              <a:rPr lang="zh-CN" dirty="0"/>
-              <a:t>两栏内容版式与表格</a:t>
-            </a:r>
+              <a:rPr lang="en-US" altLang="zh-CN" dirty="0" smtClean="0"/>
+              <a:t>Provider</a:t>
+            </a:r>
+            <a:endParaRPr lang="zh-CN" altLang="en-US" dirty="0"/>
           </a:p>
         </p:txBody>
       </p:sp>
-      <p:sp>
-        <p:nvSpPr>
-          <p:cNvPr id="3" name="内容占位符 2"/>
-          <p:cNvSpPr>
-            <a:spLocks noGrp="1"/>
-          </p:cNvSpPr>
-          <p:nvPr>
-            <p:ph sz="half" idx="1"/>
-          </p:nvPr>
-        </p:nvSpPr>
-        <p:spPr/>
-        <p:txBody>
-          <a:bodyPr/>
-          <a:lstStyle/>
-          <a:p>
-            <a:r>
-              <a:rPr lang="zh-CN" dirty="0"/>
-              <a:t>此处为第一个要点</a:t>
-            </a:r>
-          </a:p>
-          <a:p>
-            <a:r>
-              <a:rPr lang="zh-CN" dirty="0"/>
-              <a:t>此处为第二个要点</a:t>
-            </a:r>
-          </a:p>
-          <a:p>
-            <a:r>
-              <a:rPr lang="zh-CN" dirty="0"/>
-              <a:t>此处为第三个要点</a:t>
-            </a:r>
-          </a:p>
-        </p:txBody>
-      </p:sp>
-      <p:graphicFrame>
-        <p:nvGraphicFramePr>
-          <p:cNvPr id="5" name="内容占位符 4" descr="示例表格（3 列，4 行）" title="Table"/>
-          <p:cNvGraphicFramePr>
-            <a:graphicFrameLocks noGrp="1"/>
-          </p:cNvGraphicFramePr>
-          <p:nvPr>
-            <p:ph sz="half" idx="2"/>
-            <p:extLst>
-              <p:ext uri="{D42A27DB-BD31-4B8C-83A1-F6EECF244321}">
-                <p14:modId xmlns:p14="http://schemas.microsoft.com/office/powerpoint/2010/main" val="2121433311"/>
-              </p:ext>
-            </p:extLst>
-          </p:nvPr>
-        </p:nvGraphicFramePr>
-        <p:xfrm>
-          <a:off x="6278563" y="1573213"/>
-          <a:ext cx="4572000" cy="2230160"/>
-        </p:xfrm>
-        <a:graphic>
-          <a:graphicData uri="http://schemas.openxmlformats.org/drawingml/2006/table">
-            <a:tbl>
-              <a:tblPr firstRow="1" bandRow="1">
-                <a:tableStyleId>{18603FDC-E32A-4AB5-989C-0864C3EAD2B8}</a:tableStyleId>
-              </a:tblPr>
-              <a:tblGrid>
-                <a:gridCol w="1524000">
-                  <a:extLst>
-                    <a:ext uri="{9D8B030D-6E8A-4147-A177-3AD203B41FA5}">
-                      <a16:colId xmlns:a16="http://schemas.microsoft.com/office/drawing/2014/main" xmlns="" val="20000"/>
-                    </a:ext>
-                  </a:extLst>
-                </a:gridCol>
-                <a:gridCol w="1524000">
-                  <a:extLst>
-                    <a:ext uri="{9D8B030D-6E8A-4147-A177-3AD203B41FA5}">
-                      <a16:colId xmlns:a16="http://schemas.microsoft.com/office/drawing/2014/main" xmlns="" val="20001"/>
-                    </a:ext>
-                  </a:extLst>
-                </a:gridCol>
-                <a:gridCol w="1524000">
-                  <a:extLst>
-                    <a:ext uri="{9D8B030D-6E8A-4147-A177-3AD203B41FA5}">
-                      <a16:colId xmlns:a16="http://schemas.microsoft.com/office/drawing/2014/main" xmlns="" val="20002"/>
-                    </a:ext>
-                  </a:extLst>
-                </a:gridCol>
-              </a:tblGrid>
-              <a:tr h="557540">
-                <a:tc>
-                  <a:txBody>
-                    <a:bodyPr/>
-                    <a:lstStyle/>
-                    <a:p>
-                      <a:endParaRPr lang="zh-CN" dirty="0">
-                        <a:latin typeface="微软雅黑" panose="020B0503020204020204" pitchFamily="34" charset="-122"/>
-                        <a:ea typeface="微软雅黑" panose="020B0503020204020204" pitchFamily="34" charset="-122"/>
-                      </a:endParaRPr>
-                    </a:p>
-                  </a:txBody>
-                  <a:tcPr anchor="ctr"/>
-                </a:tc>
-                <a:tc>
-                  <a:txBody>
-                    <a:bodyPr/>
-                    <a:lstStyle/>
-                    <a:p>
-                      <a:pPr algn="ctr"/>
-                      <a:r>
-                        <a:rPr lang="zh-CN" dirty="0">
-                          <a:latin typeface="微软雅黑" panose="020B0503020204020204" pitchFamily="34" charset="-122"/>
-                          <a:ea typeface="微软雅黑" panose="020B0503020204020204" pitchFamily="34" charset="-122"/>
-                        </a:rPr>
-                        <a:t>组 A</a:t>
-                      </a:r>
-                    </a:p>
-                  </a:txBody>
-                  <a:tcPr anchor="ctr"/>
-                </a:tc>
-                <a:tc>
-                  <a:txBody>
-                    <a:bodyPr/>
-                    <a:lstStyle/>
-                    <a:p>
-                      <a:pPr algn="ctr"/>
-                      <a:r>
-                        <a:rPr lang="zh-CN">
-                          <a:latin typeface="微软雅黑" panose="020B0503020204020204" pitchFamily="34" charset="-122"/>
-                          <a:ea typeface="微软雅黑" panose="020B0503020204020204" pitchFamily="34" charset="-122"/>
-                        </a:rPr>
-                        <a:t>组  B</a:t>
-                      </a:r>
-                    </a:p>
-                  </a:txBody>
-                  <a:tcPr anchor="ctr"/>
-                </a:tc>
-                <a:extLst>
-                  <a:ext uri="{0D108BD9-81ED-4DB2-BD59-A6C34878D82A}">
-                    <a16:rowId xmlns:a16="http://schemas.microsoft.com/office/drawing/2014/main" xmlns="" val="10000"/>
-                  </a:ext>
-                </a:extLst>
-              </a:tr>
-              <a:tr h="557540">
-                <a:tc>
-                  <a:txBody>
-                    <a:bodyPr/>
-                    <a:lstStyle/>
-                    <a:p>
-                      <a:r>
-                        <a:rPr lang="zh-CN">
-                          <a:latin typeface="微软雅黑" panose="020B0503020204020204" pitchFamily="34" charset="-122"/>
-                          <a:ea typeface="微软雅黑" panose="020B0503020204020204" pitchFamily="34" charset="-122"/>
-                        </a:rPr>
-                        <a:t>类 1</a:t>
-                      </a:r>
-                    </a:p>
-                  </a:txBody>
-                  <a:tcPr anchor="ctr"/>
-                </a:tc>
-                <a:tc>
-                  <a:txBody>
-                    <a:bodyPr/>
-                    <a:lstStyle/>
-                    <a:p>
-                      <a:pPr algn="ctr"/>
-                      <a:r>
-                        <a:rPr lang="zh-CN">
-                          <a:latin typeface="微软雅黑" panose="020B0503020204020204" pitchFamily="34" charset="-122"/>
-                          <a:ea typeface="微软雅黑" panose="020B0503020204020204" pitchFamily="34" charset="-122"/>
-                        </a:rPr>
-                        <a:t>82</a:t>
-                      </a:r>
-                    </a:p>
-                  </a:txBody>
-                  <a:tcPr anchor="ctr"/>
-                </a:tc>
-                <a:tc>
-                  <a:txBody>
-                    <a:bodyPr/>
-                    <a:lstStyle/>
-                    <a:p>
-                      <a:pPr algn="ctr"/>
-                      <a:r>
-                        <a:rPr lang="zh-CN">
-                          <a:latin typeface="微软雅黑" panose="020B0503020204020204" pitchFamily="34" charset="-122"/>
-                          <a:ea typeface="微软雅黑" panose="020B0503020204020204" pitchFamily="34" charset="-122"/>
-                        </a:rPr>
-                        <a:t>95</a:t>
-                      </a:r>
-                    </a:p>
-                  </a:txBody>
-                  <a:tcPr anchor="ctr"/>
-                </a:tc>
-                <a:extLst>
-                  <a:ext uri="{0D108BD9-81ED-4DB2-BD59-A6C34878D82A}">
-                    <a16:rowId xmlns:a16="http://schemas.microsoft.com/office/drawing/2014/main" xmlns="" val="10001"/>
-                  </a:ext>
-                </a:extLst>
-              </a:tr>
-              <a:tr h="557540">
-                <a:tc>
-                  <a:txBody>
-                    <a:bodyPr/>
-                    <a:lstStyle/>
-                    <a:p>
-                      <a:r>
-                        <a:rPr lang="zh-CN">
-                          <a:latin typeface="微软雅黑" panose="020B0503020204020204" pitchFamily="34" charset="-122"/>
-                          <a:ea typeface="微软雅黑" panose="020B0503020204020204" pitchFamily="34" charset="-122"/>
-                        </a:rPr>
-                        <a:t>类 2</a:t>
-                      </a:r>
-                    </a:p>
-                  </a:txBody>
-                  <a:tcPr anchor="ctr"/>
-                </a:tc>
-                <a:tc>
-                  <a:txBody>
-                    <a:bodyPr/>
-                    <a:lstStyle/>
-                    <a:p>
-                      <a:pPr algn="ctr"/>
-                      <a:r>
-                        <a:rPr lang="zh-CN">
-                          <a:latin typeface="微软雅黑" panose="020B0503020204020204" pitchFamily="34" charset="-122"/>
-                          <a:ea typeface="微软雅黑" panose="020B0503020204020204" pitchFamily="34" charset="-122"/>
-                        </a:rPr>
-                        <a:t>76</a:t>
-                      </a:r>
-                    </a:p>
-                  </a:txBody>
-                  <a:tcPr anchor="ctr"/>
-                </a:tc>
-                <a:tc>
-                  <a:txBody>
-                    <a:bodyPr/>
-                    <a:lstStyle/>
-                    <a:p>
-                      <a:pPr algn="ctr"/>
-                      <a:r>
-                        <a:rPr lang="zh-CN">
-                          <a:latin typeface="微软雅黑" panose="020B0503020204020204" pitchFamily="34" charset="-122"/>
-                          <a:ea typeface="微软雅黑" panose="020B0503020204020204" pitchFamily="34" charset="-122"/>
-                        </a:rPr>
-                        <a:t>88</a:t>
-                      </a:r>
-                    </a:p>
-                  </a:txBody>
-                  <a:tcPr anchor="ctr"/>
-                </a:tc>
-                <a:extLst>
-                  <a:ext uri="{0D108BD9-81ED-4DB2-BD59-A6C34878D82A}">
-                    <a16:rowId xmlns:a16="http://schemas.microsoft.com/office/drawing/2014/main" xmlns="" val="10002"/>
-                  </a:ext>
-                </a:extLst>
-              </a:tr>
-              <a:tr h="557540">
-                <a:tc>
-                  <a:txBody>
-                    <a:bodyPr/>
-                    <a:lstStyle/>
-                    <a:p>
-                      <a:r>
-                        <a:rPr lang="zh-CN">
-                          <a:latin typeface="微软雅黑" panose="020B0503020204020204" pitchFamily="34" charset="-122"/>
-                          <a:ea typeface="微软雅黑" panose="020B0503020204020204" pitchFamily="34" charset="-122"/>
-                        </a:rPr>
-                        <a:t>类 3</a:t>
-                      </a:r>
-                    </a:p>
-                  </a:txBody>
-                  <a:tcPr anchor="ctr"/>
-                </a:tc>
-                <a:tc>
-                  <a:txBody>
-                    <a:bodyPr/>
-                    <a:lstStyle/>
-                    <a:p>
-                      <a:pPr algn="ctr"/>
-                      <a:r>
-                        <a:rPr lang="zh-CN">
-                          <a:latin typeface="微软雅黑" panose="020B0503020204020204" pitchFamily="34" charset="-122"/>
-                          <a:ea typeface="微软雅黑" panose="020B0503020204020204" pitchFamily="34" charset="-122"/>
-                        </a:rPr>
-                        <a:t>84</a:t>
-                      </a:r>
-                    </a:p>
-                  </a:txBody>
-                  <a:tcPr anchor="ctr"/>
-                </a:tc>
-                <a:tc>
-                  <a:txBody>
-                    <a:bodyPr/>
-                    <a:lstStyle/>
-                    <a:p>
-                      <a:pPr algn="ctr"/>
-                      <a:r>
-                        <a:rPr lang="zh-CN" dirty="0">
-                          <a:latin typeface="微软雅黑" panose="020B0503020204020204" pitchFamily="34" charset="-122"/>
-                          <a:ea typeface="微软雅黑" panose="020B0503020204020204" pitchFamily="34" charset="-122"/>
-                        </a:rPr>
-                        <a:t>90</a:t>
-                      </a:r>
-                    </a:p>
-                  </a:txBody>
-                  <a:tcPr anchor="ctr"/>
-                </a:tc>
-                <a:extLst>
-                  <a:ext uri="{0D108BD9-81ED-4DB2-BD59-A6C34878D82A}">
-                    <a16:rowId xmlns:a16="http://schemas.microsoft.com/office/drawing/2014/main" xmlns="" val="10003"/>
-                  </a:ext>
-                </a:extLst>
-              </a:tr>
-            </a:tbl>
-          </a:graphicData>
-        </a:graphic>
-      </p:graphicFrame>
-    </p:spTree>
-    <p:extLst>
-      <p:ext uri="{BB962C8B-B14F-4D97-AF65-F5344CB8AC3E}">
-        <p14:creationId xmlns:p14="http://schemas.microsoft.com/office/powerpoint/2010/main" val="1952036268"/>
-      </p:ext>
-    </p:extLst>
-  </p:cSld>
-  <p:clrMapOvr>
-    <a:masterClrMapping/>
-  </p:clrMapOvr>
-  <mc:AlternateContent xmlns:mc="http://schemas.openxmlformats.org/markup-compatibility/2006" xmlns:p14="http://schemas.microsoft.com/office/powerpoint/2010/main">
-    <mc:Choice Requires="p14">
-      <p:transition spd="med" p14:dur="700">
-        <p:fade/>
-      </p:transition>
-    </mc:Choice>
-    <mc:Fallback xmlns="">
-      <p:transition spd="med">
-        <p:fade/>
-      </p:transition>
-    </mc:Fallback>
-  </mc:AlternateContent>
-  <p:timing>
-    <p:tnLst>
-      <p:par>
-        <p:cTn id="1" dur="indefinite" restart="never" nodeType="tmRoot"/>
-      </p:par>
-    </p:tnLst>
-  </p:timing>
-</p:sld>
-</file>
-
-<file path=ppt/slides/slide35.xml><?xml version="1.0" encoding="utf-8"?>
-<p:sld xmlns:a="http://schemas.openxmlformats.org/drawingml/2006/main" xmlns:r="http://schemas.openxmlformats.org/officeDocument/2006/relationships" xmlns:p="http://schemas.openxmlformats.org/presentationml/2006/main">
-  <p:cSld>
-    <p:spTree>
-      <p:nvGrpSpPr>
-        <p:cNvPr id="1" name=""/>
-        <p:cNvGrpSpPr/>
-        <p:nvPr/>
-      </p:nvGrpSpPr>
-      <p:grpSpPr>
-        <a:xfrm>
-          <a:off x="0" y="0"/>
-          <a:ext cx="0" cy="0"/>
-          <a:chOff x="0" y="0"/>
-          <a:chExt cx="0" cy="0"/>
-        </a:xfrm>
-      </p:grpSpPr>
-      <p:sp>
-        <p:nvSpPr>
-          <p:cNvPr id="2" name="标题 1"/>
-          <p:cNvSpPr>
-            <a:spLocks noGrp="1"/>
-          </p:cNvSpPr>
-          <p:nvPr>
-            <p:ph type="title"/>
-          </p:nvPr>
-        </p:nvSpPr>
-        <p:spPr/>
-        <p:txBody>
-          <a:bodyPr/>
-          <a:lstStyle/>
-          <a:p>
-            <a:r>
-              <a:rPr lang="zh-CN"/>
-              <a:t>两栏内容版式与 SmartArt</a:t>
-            </a:r>
-          </a:p>
-        </p:txBody>
-      </p:sp>
-      <p:sp>
-        <p:nvSpPr>
-          <p:cNvPr id="3" name="内容占位符 2"/>
-          <p:cNvSpPr>
-            <a:spLocks noGrp="1"/>
-          </p:cNvSpPr>
-          <p:nvPr>
-            <p:ph sz="half" idx="1"/>
-          </p:nvPr>
-        </p:nvSpPr>
-        <p:spPr/>
-        <p:txBody>
-          <a:bodyPr/>
-          <a:lstStyle/>
-          <a:p>
-            <a:r>
-              <a:rPr lang="zh-CN"/>
-              <a:t>此处为第一个要点</a:t>
-            </a:r>
-          </a:p>
-          <a:p>
-            <a:r>
-              <a:rPr lang="zh-CN"/>
-              <a:t>此处为第二个要点</a:t>
-            </a:r>
-          </a:p>
-          <a:p>
-            <a:r>
-              <a:rPr lang="zh-CN"/>
-              <a:t>此处为第三个要点</a:t>
-            </a:r>
-          </a:p>
-        </p:txBody>
-      </p:sp>
-      <p:graphicFrame>
-        <p:nvGraphicFramePr>
-          <p:cNvPr id="7" name="内容占位符 6" descr="互连圆环" title="SmartArt"/>
-          <p:cNvGraphicFramePr>
-            <a:graphicFrameLocks noGrp="1"/>
-          </p:cNvGraphicFramePr>
-          <p:nvPr>
-            <p:ph sz="half" idx="2"/>
-            <p:extLst>
-              <p:ext uri="{D42A27DB-BD31-4B8C-83A1-F6EECF244321}">
-                <p14:modId xmlns:p14="http://schemas.microsoft.com/office/powerpoint/2010/main" val="1025077792"/>
-              </p:ext>
-            </p:extLst>
-          </p:nvPr>
-        </p:nvGraphicFramePr>
-        <p:xfrm>
-          <a:off x="6278563" y="1573213"/>
-          <a:ext cx="4572000" cy="4141787"/>
-        </p:xfrm>
-        <a:graphic>
-          <a:graphicData uri="http://schemas.openxmlformats.org/drawingml/2006/diagram">
-            <dgm:relIds xmlns:dgm="http://schemas.openxmlformats.org/drawingml/2006/diagram" xmlns:r="http://schemas.openxmlformats.org/officeDocument/2006/relationships" r:dm="rId2" r:lo="rId3" r:qs="rId4" r:cs="rId5"/>
-          </a:graphicData>
-        </a:graphic>
-      </p:graphicFrame>
-    </p:spTree>
-    <p:extLst>
-      <p:ext uri="{BB962C8B-B14F-4D97-AF65-F5344CB8AC3E}">
-        <p14:creationId xmlns:p14="http://schemas.microsoft.com/office/powerpoint/2010/main" val="1441075798"/>
-      </p:ext>
-    </p:extLst>
-  </p:cSld>
-  <p:clrMapOvr>
-    <a:masterClrMapping/>
-  </p:clrMapOvr>
-  <mc:AlternateContent xmlns:mc="http://schemas.openxmlformats.org/markup-compatibility/2006" xmlns:p14="http://schemas.microsoft.com/office/powerpoint/2010/main">
-    <mc:Choice Requires="p14">
-      <p:transition spd="med" p14:dur="700">
-        <p:fade/>
-      </p:transition>
-    </mc:Choice>
-    <mc:Fallback xmlns="">
-      <p:transition spd="med">
-        <p:fade/>
-      </p:transition>
-    </mc:Fallback>
-  </mc:AlternateContent>
-  <p:timing>
-    <p:tnLst>
-      <p:par>
-        <p:cTn id="1" dur="indefinite" restart="never" nodeType="tmRoot"/>
-      </p:par>
-    </p:tnLst>
-  </p:timing>
-</p:sld>
-</file>
-
-<file path=ppt/slides/slide36.xml><?xml version="1.0" encoding="utf-8"?>
-<p:sld xmlns:a="http://schemas.openxmlformats.org/drawingml/2006/main" xmlns:r="http://schemas.openxmlformats.org/officeDocument/2006/relationships" xmlns:p="http://schemas.openxmlformats.org/presentationml/2006/main">
-  <p:cSld>
-    <p:spTree>
-      <p:nvGrpSpPr>
-        <p:cNvPr id="1" name=""/>
-        <p:cNvGrpSpPr/>
-        <p:nvPr/>
-      </p:nvGrpSpPr>
-      <p:grpSpPr>
-        <a:xfrm>
-          <a:off x="0" y="0"/>
-          <a:ext cx="0" cy="0"/>
-          <a:chOff x="0" y="0"/>
-          <a:chExt cx="0" cy="0"/>
-        </a:xfrm>
-      </p:grpSpPr>
-      <p:sp>
-        <p:nvSpPr>
-          <p:cNvPr id="2" name="标题 1"/>
-          <p:cNvSpPr>
-            <a:spLocks noGrp="1"/>
-          </p:cNvSpPr>
-          <p:nvPr>
-            <p:ph type="title"/>
-          </p:nvPr>
-        </p:nvSpPr>
-        <p:spPr/>
-        <p:txBody>
-          <a:bodyPr/>
-          <a:lstStyle/>
-          <a:p>
-            <a:endParaRPr lang="zh-CN" dirty="0"/>
-          </a:p>
-        </p:txBody>
-      </p:sp>
-      <p:sp>
-        <p:nvSpPr>
-          <p:cNvPr id="3" name="文本占位符 2"/>
-          <p:cNvSpPr>
-            <a:spLocks noGrp="1"/>
-          </p:cNvSpPr>
-          <p:nvPr>
-            <p:ph type="body" idx="1"/>
-          </p:nvPr>
-        </p:nvSpPr>
-        <p:spPr/>
-        <p:txBody>
-          <a:bodyPr/>
-          <a:lstStyle/>
-          <a:p>
-            <a:endParaRPr lang="zh-CN" dirty="0"/>
-          </a:p>
-        </p:txBody>
-      </p:sp>
-    </p:spTree>
-    <p:extLst>
-      <p:ext uri="{BB962C8B-B14F-4D97-AF65-F5344CB8AC3E}">
-        <p14:creationId xmlns:p14="http://schemas.microsoft.com/office/powerpoint/2010/main" val="2255057593"/>
-      </p:ext>
-    </p:extLst>
-  </p:cSld>
-  <p:clrMapOvr>
-    <a:masterClrMapping/>
-  </p:clrMapOvr>
-  <mc:AlternateContent xmlns:mc="http://schemas.openxmlformats.org/markup-compatibility/2006" xmlns:p14="http://schemas.microsoft.com/office/powerpoint/2010/main">
-    <mc:Choice Requires="p14">
-      <p:transition spd="med" p14:dur="700">
-        <p:fade/>
-      </p:transition>
-    </mc:Choice>
-    <mc:Fallback xmlns="">
-      <p:transition spd="med">
-        <p:fade/>
-      </p:transition>
-    </mc:Fallback>
-  </mc:AlternateContent>
-  <p:timing>
-    <p:tnLst>
-      <p:par>
-        <p:cTn id="1" dur="indefinite" restart="never" nodeType="tmRoot"/>
-      </p:par>
-    </p:tnLst>
-  </p:timing>
-</p:sld>
-</file>
-
-<file path=ppt/slides/slide37.xml><?xml version="1.0" encoding="utf-8"?>
-<p:sld xmlns:a="http://schemas.openxmlformats.org/drawingml/2006/main" xmlns:r="http://schemas.openxmlformats.org/officeDocument/2006/relationships" xmlns:p="http://schemas.openxmlformats.org/presentationml/2006/main">
-  <p:cSld>
-    <p:spTree>
-      <p:nvGrpSpPr>
-        <p:cNvPr id="1" name=""/>
-        <p:cNvGrpSpPr/>
-        <p:nvPr/>
-      </p:nvGrpSpPr>
-      <p:grpSpPr>
-        <a:xfrm>
-          <a:off x="0" y="0"/>
-          <a:ext cx="0" cy="0"/>
-          <a:chOff x="0" y="0"/>
-          <a:chExt cx="0" cy="0"/>
-        </a:xfrm>
-      </p:grpSpPr>
-      <p:sp>
-        <p:nvSpPr>
-          <p:cNvPr id="2" name="文本占位符 1"/>
-          <p:cNvSpPr>
-            <a:spLocks noGrp="1"/>
-          </p:cNvSpPr>
-          <p:nvPr>
-            <p:ph type="body" idx="1"/>
-          </p:nvPr>
-        </p:nvSpPr>
-        <p:spPr/>
-        <p:txBody>
-          <a:bodyPr/>
-          <a:lstStyle/>
-          <a:p>
-            <a:endParaRPr lang="zh-CN"/>
-          </a:p>
-        </p:txBody>
-      </p:sp>
-      <p:sp>
-        <p:nvSpPr>
-          <p:cNvPr id="3" name="内容占位符 2"/>
-          <p:cNvSpPr>
-            <a:spLocks noGrp="1"/>
-          </p:cNvSpPr>
-          <p:nvPr>
-            <p:ph sz="half" idx="2"/>
-          </p:nvPr>
-        </p:nvSpPr>
-        <p:spPr/>
-        <p:txBody>
-          <a:bodyPr/>
-          <a:lstStyle/>
-          <a:p>
-            <a:endParaRPr lang="zh-CN"/>
-          </a:p>
-        </p:txBody>
-      </p:sp>
-      <p:sp>
-        <p:nvSpPr>
-          <p:cNvPr id="4" name="文本占位符 3"/>
-          <p:cNvSpPr>
-            <a:spLocks noGrp="1"/>
-          </p:cNvSpPr>
-          <p:nvPr>
-            <p:ph type="body" sz="quarter" idx="3"/>
-          </p:nvPr>
-        </p:nvSpPr>
-        <p:spPr/>
-        <p:txBody>
-          <a:bodyPr/>
-          <a:lstStyle/>
-          <a:p>
-            <a:endParaRPr lang="zh-CN"/>
-          </a:p>
-        </p:txBody>
-      </p:sp>
-      <p:sp>
-        <p:nvSpPr>
-          <p:cNvPr id="5" name="内容占位符 4"/>
-          <p:cNvSpPr>
-            <a:spLocks noGrp="1"/>
-          </p:cNvSpPr>
-          <p:nvPr>
-            <p:ph sz="quarter" idx="4"/>
-          </p:nvPr>
-        </p:nvSpPr>
-        <p:spPr/>
-        <p:txBody>
-          <a:bodyPr/>
-          <a:lstStyle/>
-          <a:p>
-            <a:endParaRPr lang="zh-CN"/>
-          </a:p>
-        </p:txBody>
-      </p:sp>
-      <p:sp>
-        <p:nvSpPr>
-          <p:cNvPr id="6" name="标题 5"/>
-          <p:cNvSpPr>
-            <a:spLocks noGrp="1"/>
-          </p:cNvSpPr>
-          <p:nvPr>
-            <p:ph type="title"/>
-          </p:nvPr>
-        </p:nvSpPr>
-        <p:spPr/>
-        <p:txBody>
-          <a:bodyPr/>
-          <a:lstStyle/>
-          <a:p>
-            <a:endParaRPr lang="zh-CN" dirty="0"/>
-          </a:p>
-        </p:txBody>
-      </p:sp>
-    </p:spTree>
-    <p:extLst>
-      <p:ext uri="{BB962C8B-B14F-4D97-AF65-F5344CB8AC3E}">
-        <p14:creationId xmlns:p14="http://schemas.microsoft.com/office/powerpoint/2010/main" val="212726890"/>
-      </p:ext>
-    </p:extLst>
-  </p:cSld>
-  <p:clrMapOvr>
-    <a:masterClrMapping/>
-  </p:clrMapOvr>
-  <mc:AlternateContent xmlns:mc="http://schemas.openxmlformats.org/markup-compatibility/2006" xmlns:p14="http://schemas.microsoft.com/office/powerpoint/2010/main">
-    <mc:Choice Requires="p14">
-      <p:transition spd="med" p14:dur="700">
-        <p:fade/>
-      </p:transition>
-    </mc:Choice>
-    <mc:Fallback xmlns="">
-      <p:transition spd="med">
-        <p:fade/>
-      </p:transition>
-    </mc:Fallback>
-  </mc:AlternateContent>
-  <p:timing>
-    <p:tnLst>
-      <p:par>
-        <p:cTn id="1" dur="indefinite" restart="never" nodeType="tmRoot"/>
-      </p:par>
-    </p:tnLst>
-  </p:timing>
-</p:sld>
-</file>
-
-<file path=ppt/slides/slide38.xml><?xml version="1.0" encoding="utf-8"?>
-<p:sld xmlns:a="http://schemas.openxmlformats.org/drawingml/2006/main" xmlns:r="http://schemas.openxmlformats.org/officeDocument/2006/relationships" xmlns:p="http://schemas.openxmlformats.org/presentationml/2006/main">
-  <p:cSld>
-    <p:spTree>
-      <p:nvGrpSpPr>
-        <p:cNvPr id="1" name=""/>
-        <p:cNvGrpSpPr/>
-        <p:nvPr/>
-      </p:nvGrpSpPr>
-      <p:grpSpPr>
-        <a:xfrm>
-          <a:off x="0" y="0"/>
-          <a:ext cx="0" cy="0"/>
-          <a:chOff x="0" y="0"/>
-          <a:chExt cx="0" cy="0"/>
-        </a:xfrm>
-      </p:grpSpPr>
-      <p:sp>
-        <p:nvSpPr>
-          <p:cNvPr id="2" name="标题 1"/>
-          <p:cNvSpPr>
-            <a:spLocks noGrp="1"/>
-          </p:cNvSpPr>
-          <p:nvPr>
-            <p:ph type="title"/>
-          </p:nvPr>
-        </p:nvSpPr>
-        <p:spPr/>
-        <p:txBody>
-          <a:bodyPr/>
-          <a:lstStyle/>
-          <a:p>
-            <a:endParaRPr lang="zh-CN" dirty="0"/>
-          </a:p>
-        </p:txBody>
-      </p:sp>
-    </p:spTree>
-    <p:extLst>
-      <p:ext uri="{BB962C8B-B14F-4D97-AF65-F5344CB8AC3E}">
-        <p14:creationId xmlns:p14="http://schemas.microsoft.com/office/powerpoint/2010/main" val="1689357796"/>
-      </p:ext>
-    </p:extLst>
-  </p:cSld>
-  <p:clrMapOvr>
-    <a:masterClrMapping/>
-  </p:clrMapOvr>
-  <mc:AlternateContent xmlns:mc="http://schemas.openxmlformats.org/markup-compatibility/2006" xmlns:p14="http://schemas.microsoft.com/office/powerpoint/2010/main">
-    <mc:Choice Requires="p14">
-      <p:transition spd="med" p14:dur="700">
-        <p:fade/>
-      </p:transition>
-    </mc:Choice>
-    <mc:Fallback xmlns="">
-      <p:transition spd="med">
-        <p:fade/>
-      </p:transition>
-    </mc:Fallback>
-  </mc:AlternateContent>
-  <p:timing>
-    <p:tnLst>
-      <p:par>
-        <p:cTn id="1" dur="indefinite" restart="never" nodeType="tmRoot"/>
-      </p:par>
-    </p:tnLst>
-  </p:timing>
-</p:sld>
-</file>
-
-<file path=ppt/slides/slide39.xml><?xml version="1.0" encoding="utf-8"?>
-<p:sld xmlns:a="http://schemas.openxmlformats.org/drawingml/2006/main" xmlns:r="http://schemas.openxmlformats.org/officeDocument/2006/relationships" xmlns:p="http://schemas.openxmlformats.org/presentationml/2006/main">
-  <p:cSld>
-    <p:spTree>
-      <p:nvGrpSpPr>
-        <p:cNvPr id="1" name=""/>
-        <p:cNvGrpSpPr/>
-        <p:nvPr/>
-      </p:nvGrpSpPr>
-      <p:grpSpPr>
-        <a:xfrm>
-          <a:off x="0" y="0"/>
-          <a:ext cx="0" cy="0"/>
-          <a:chOff x="0" y="0"/>
-          <a:chExt cx="0" cy="0"/>
-        </a:xfrm>
-      </p:grpSpPr>
-    </p:spTree>
-    <p:extLst>
-      <p:ext uri="{BB962C8B-B14F-4D97-AF65-F5344CB8AC3E}">
-        <p14:creationId xmlns:p14="http://schemas.microsoft.com/office/powerpoint/2010/main" val="428241947"/>
-      </p:ext>
-    </p:extLst>
-  </p:cSld>
-  <p:clrMapOvr>
-    <a:masterClrMapping/>
-  </p:clrMapOvr>
-  <mc:AlternateContent xmlns:mc="http://schemas.openxmlformats.org/markup-compatibility/2006" xmlns:p14="http://schemas.microsoft.com/office/powerpoint/2010/main">
-    <mc:Choice Requires="p14">
-      <p:transition spd="med" p14:dur="700">
-        <p:fade/>
-      </p:transition>
-    </mc:Choice>
-    <mc:Fallback xmlns="">
-      <p:transition spd="med">
-        <p:fade/>
-      </p:transition>
-    </mc:Fallback>
-  </mc:AlternateContent>
-  <p:timing>
-    <p:tnLst>
-      <p:par>
-        <p:cTn id="1" dur="indefinite" restart="never" nodeType="tmRoot"/>
-      </p:par>
-    </p:tnLst>
-  </p:timing>
-</p:sld>
-</file>
-
-<file path=ppt/slides/slide4.xml><?xml version="1.0" encoding="utf-8"?>
-<p:sld xmlns:a="http://schemas.openxmlformats.org/drawingml/2006/main" xmlns:r="http://schemas.openxmlformats.org/officeDocument/2006/relationships" xmlns:p="http://schemas.openxmlformats.org/presentationml/2006/main">
-  <p:cSld>
-    <p:spTree>
-      <p:nvGrpSpPr>
-        <p:cNvPr id="1" name=""/>
-        <p:cNvGrpSpPr/>
-        <p:nvPr/>
-      </p:nvGrpSpPr>
-      <p:grpSpPr>
-        <a:xfrm>
-          <a:off x="0" y="0"/>
-          <a:ext cx="0" cy="0"/>
-          <a:chOff x="0" y="0"/>
-          <a:chExt cx="0" cy="0"/>
-        </a:xfrm>
-      </p:grpSpPr>
       <p:pic>
         <p:nvPicPr>
           <p:cNvPr id="4" name="图片 3"/>
+          <p:cNvPicPr>
+            <a:picLocks noChangeAspect="1"/>
+          </p:cNvPicPr>
+          <p:nvPr/>
+        </p:nvPicPr>
+        <p:blipFill>
+          <a:blip r:embed="rId2"/>
+          <a:stretch>
+            <a:fillRect/>
+          </a:stretch>
+        </p:blipFill>
+        <p:spPr>
+          <a:xfrm>
+            <a:off x="234892" y="3876213"/>
+            <a:ext cx="7479834" cy="1642425"/>
+          </a:xfrm>
+          <a:prstGeom prst="rect">
+            <a:avLst/>
+          </a:prstGeom>
+        </p:spPr>
+      </p:pic>
+      <p:pic>
+        <p:nvPicPr>
+          <p:cNvPr id="5" name="图片 4"/>
           <p:cNvPicPr>
             <a:picLocks noChangeAspect="1"/>
           </p:cNvPicPr>
@@ -22912,8 +17951,8 @@
         </p:blipFill>
         <p:spPr>
           <a:xfrm>
-            <a:off x="7451329" y="364410"/>
-            <a:ext cx="4656809" cy="5554407"/>
+            <a:off x="234892" y="1735588"/>
+            <a:ext cx="7451515" cy="1483988"/>
           </a:xfrm>
           <a:prstGeom prst="rect">
             <a:avLst/>
@@ -22922,162 +17961,72 @@
       </p:pic>
       <p:pic>
         <p:nvPicPr>
-          <p:cNvPr id="21" name="图片 20"/>
+          <p:cNvPr id="6" name="Picture 3"/>
           <p:cNvPicPr>
-            <a:picLocks noChangeAspect="1"/>
+            <a:picLocks noChangeAspect="1" noChangeArrowheads="1"/>
           </p:cNvPicPr>
           <p:nvPr/>
         </p:nvPicPr>
         <p:blipFill>
-          <a:blip r:embed="rId4"/>
+          <a:blip r:embed="rId4">
+            <a:extLst>
+              <a:ext uri="{28A0092B-C50C-407E-A947-70E740481C1C}">
+                <a14:useLocalDpi xmlns:a14="http://schemas.microsoft.com/office/drawing/2010/main" val="0"/>
+              </a:ext>
+            </a:extLst>
+          </a:blip>
+          <a:srcRect/>
           <a:stretch>
             <a:fillRect/>
           </a:stretch>
         </p:blipFill>
-        <p:spPr>
+        <p:spPr bwMode="auto">
           <a:xfrm>
-            <a:off x="0" y="2550751"/>
-            <a:ext cx="7479834" cy="1642425"/>
+            <a:off x="8334250" y="1652631"/>
+            <a:ext cx="3351613" cy="4258448"/>
           </a:xfrm>
           <a:prstGeom prst="rect">
             <a:avLst/>
           </a:prstGeom>
-        </p:spPr>
-      </p:pic>
-      <p:pic>
-        <p:nvPicPr>
-          <p:cNvPr id="22" name="图片 21"/>
-          <p:cNvPicPr>
-            <a:picLocks noChangeAspect="1"/>
-          </p:cNvPicPr>
-          <p:nvPr/>
-        </p:nvPicPr>
-        <p:blipFill>
-          <a:blip r:embed="rId5"/>
-          <a:stretch>
-            <a:fillRect/>
-          </a:stretch>
-        </p:blipFill>
-        <p:spPr>
-          <a:xfrm>
-            <a:off x="0" y="410126"/>
-            <a:ext cx="7451515" cy="1483988"/>
-          </a:xfrm>
-          <a:prstGeom prst="rect">
-            <a:avLst/>
-          </a:prstGeom>
+          <a:noFill/>
+          <a:ln>
+            <a:noFill/>
+          </a:ln>
+          <a:effectLst/>
+          <a:extLst>
+            <a:ext uri="{909E8E84-426E-40DD-AFC4-6F175D3DCCD1}">
+              <a14:hiddenFill xmlns:a14="http://schemas.microsoft.com/office/drawing/2010/main">
+                <a:solidFill>
+                  <a:schemeClr val="accent1"/>
+                </a:solidFill>
+              </a14:hiddenFill>
+            </a:ext>
+            <a:ext uri="{91240B29-F687-4F45-9708-019B960494DF}">
+              <a14:hiddenLine xmlns:a14="http://schemas.microsoft.com/office/drawing/2010/main" w="9525">
+                <a:solidFill>
+                  <a:schemeClr val="tx1"/>
+                </a:solidFill>
+                <a:miter lim="800000"/>
+                <a:headEnd/>
+                <a:tailEnd/>
+              </a14:hiddenLine>
+            </a:ext>
+            <a:ext uri="{AF507438-7753-43E0-B8FC-AC1667EBCBE1}">
+              <a14:hiddenEffects xmlns:a14="http://schemas.microsoft.com/office/drawing/2010/main">
+                <a:effectLst>
+                  <a:outerShdw dist="35921" dir="2700000" algn="ctr" rotWithShape="0">
+                    <a:schemeClr val="bg2"/>
+                  </a:outerShdw>
+                </a:effectLst>
+              </a14:hiddenEffects>
+            </a:ext>
+          </a:extLst>
         </p:spPr>
       </p:pic>
     </p:spTree>
     <p:extLst>
       <p:ext uri="{BB962C8B-B14F-4D97-AF65-F5344CB8AC3E}">
-        <p14:creationId xmlns:p14="http://schemas.microsoft.com/office/powerpoint/2010/main" val="762458791"/>
-      </p:ext>
-    </p:extLst>
-  </p:cSld>
-  <p:clrMapOvr>
-    <a:masterClrMapping/>
-  </p:clrMapOvr>
-  <mc:AlternateContent xmlns:mc="http://schemas.openxmlformats.org/markup-compatibility/2006" xmlns:p14="http://schemas.microsoft.com/office/powerpoint/2010/main">
-    <mc:Choice Requires="p14">
-      <p:transition spd="med" p14:dur="700">
-        <p:fade/>
-      </p:transition>
-    </mc:Choice>
-    <mc:Fallback xmlns="">
-      <p:transition spd="med">
-        <p:fade/>
-      </p:transition>
-    </mc:Fallback>
-  </mc:AlternateContent>
-  <p:timing>
-    <p:tnLst>
-      <p:par>
-        <p:cTn id="1" dur="indefinite" restart="never" nodeType="tmRoot"/>
-      </p:par>
-    </p:tnLst>
-  </p:timing>
-</p:sld>
-</file>
-
-<file path=ppt/slides/slide40.xml><?xml version="1.0" encoding="utf-8"?>
-<p:sld xmlns:a="http://schemas.openxmlformats.org/drawingml/2006/main" xmlns:r="http://schemas.openxmlformats.org/officeDocument/2006/relationships" xmlns:p="http://schemas.openxmlformats.org/presentationml/2006/main">
-  <p:cSld>
-    <p:spTree>
-      <p:nvGrpSpPr>
-        <p:cNvPr id="1" name=""/>
-        <p:cNvGrpSpPr/>
-        <p:nvPr/>
-      </p:nvGrpSpPr>
-      <p:grpSpPr>
-        <a:xfrm>
-          <a:off x="0" y="0"/>
-          <a:ext cx="0" cy="0"/>
-          <a:chOff x="0" y="0"/>
-          <a:chExt cx="0" cy="0"/>
-        </a:xfrm>
-      </p:grpSpPr>
-      <p:sp>
-        <p:nvSpPr>
-          <p:cNvPr id="2" name="标题 1"/>
-          <p:cNvSpPr>
-            <a:spLocks noGrp="1"/>
-          </p:cNvSpPr>
-          <p:nvPr>
-            <p:ph type="title"/>
-          </p:nvPr>
-        </p:nvSpPr>
-        <p:spPr/>
-        <p:txBody>
-          <a:bodyPr/>
-          <a:lstStyle/>
-          <a:p>
-            <a:endParaRPr lang="zh-CN" dirty="0"/>
-          </a:p>
-        </p:txBody>
-      </p:sp>
-      <p:sp>
-        <p:nvSpPr>
-          <p:cNvPr id="3" name="内容占位符 2"/>
-          <p:cNvSpPr>
-            <a:spLocks noGrp="1"/>
-          </p:cNvSpPr>
-          <p:nvPr>
-            <p:ph idx="1"/>
-          </p:nvPr>
-        </p:nvSpPr>
-        <p:spPr/>
-        <p:txBody>
-          <a:bodyPr/>
-          <a:lstStyle/>
-          <a:p>
-            <a:endParaRPr lang="zh-CN"/>
-          </a:p>
-        </p:txBody>
-      </p:sp>
-      <p:sp>
-        <p:nvSpPr>
-          <p:cNvPr id="4" name="文本占位符 3"/>
-          <p:cNvSpPr>
-            <a:spLocks noGrp="1"/>
-          </p:cNvSpPr>
-          <p:nvPr>
-            <p:ph type="body" sz="half" idx="2"/>
-          </p:nvPr>
-        </p:nvSpPr>
-        <p:spPr/>
-        <p:txBody>
-          <a:bodyPr/>
-          <a:lstStyle/>
-          <a:p>
-            <a:endParaRPr lang="zh-CN"/>
-          </a:p>
-        </p:txBody>
-      </p:sp>
-    </p:spTree>
-    <p:extLst>
-      <p:ext uri="{BB962C8B-B14F-4D97-AF65-F5344CB8AC3E}">
-        <p14:creationId xmlns:p14="http://schemas.microsoft.com/office/powerpoint/2010/main" val="161801657"/>
+        <p14:creationId xmlns:p14="http://schemas.microsoft.com/office/powerpoint/2010/main" val="642333723"/>
       </p:ext>
     </p:extLst>
   </p:cSld>
@@ -24712,21 +19661,21 @@
                 <a:gridCol w="3170237">
                   <a:extLst>
                     <a:ext uri="{9D8B030D-6E8A-4147-A177-3AD203B41FA5}">
-                      <a16:colId xmlns:a16="http://schemas.microsoft.com/office/drawing/2014/main" xmlns="" val="1262576194"/>
+                      <a16:colId xmlns="" xmlns:a16="http://schemas.microsoft.com/office/drawing/2014/main" val="1262576194"/>
                     </a:ext>
                   </a:extLst>
                 </a:gridCol>
                 <a:gridCol w="3170237">
                   <a:extLst>
                     <a:ext uri="{9D8B030D-6E8A-4147-A177-3AD203B41FA5}">
-                      <a16:colId xmlns:a16="http://schemas.microsoft.com/office/drawing/2014/main" xmlns="" val="1627258925"/>
+                      <a16:colId xmlns="" xmlns:a16="http://schemas.microsoft.com/office/drawing/2014/main" val="1627258925"/>
                     </a:ext>
                   </a:extLst>
                 </a:gridCol>
                 <a:gridCol w="3170237">
                   <a:extLst>
                     <a:ext uri="{9D8B030D-6E8A-4147-A177-3AD203B41FA5}">
-                      <a16:colId xmlns:a16="http://schemas.microsoft.com/office/drawing/2014/main" xmlns="" val="279132191"/>
+                      <a16:colId xmlns="" xmlns:a16="http://schemas.microsoft.com/office/drawing/2014/main" val="279132191"/>
                     </a:ext>
                   </a:extLst>
                 </a:gridCol>
@@ -24797,7 +19746,7 @@
                 </a:tc>
                 <a:extLst>
                   <a:ext uri="{0D108BD9-81ED-4DB2-BD59-A6C34878D82A}">
-                    <a16:rowId xmlns:a16="http://schemas.microsoft.com/office/drawing/2014/main" xmlns="" val="3704071744"/>
+                    <a16:rowId xmlns="" xmlns:a16="http://schemas.microsoft.com/office/drawing/2014/main" val="3704071744"/>
                   </a:ext>
                 </a:extLst>
               </a:tr>
@@ -24867,7 +19816,7 @@
                 </a:tc>
                 <a:extLst>
                   <a:ext uri="{0D108BD9-81ED-4DB2-BD59-A6C34878D82A}">
-                    <a16:rowId xmlns:a16="http://schemas.microsoft.com/office/drawing/2014/main" xmlns="" val="3056097180"/>
+                    <a16:rowId xmlns="" xmlns:a16="http://schemas.microsoft.com/office/drawing/2014/main" val="3056097180"/>
                   </a:ext>
                 </a:extLst>
               </a:tr>
@@ -24955,7 +19904,7 @@
                 </a:tc>
                 <a:extLst>
                   <a:ext uri="{0D108BD9-81ED-4DB2-BD59-A6C34878D82A}">
-                    <a16:rowId xmlns:a16="http://schemas.microsoft.com/office/drawing/2014/main" xmlns="" val="3398222936"/>
+                    <a16:rowId xmlns="" xmlns:a16="http://schemas.microsoft.com/office/drawing/2014/main" val="3398222936"/>
                   </a:ext>
                 </a:extLst>
               </a:tr>
@@ -25025,7 +19974,7 @@
                 </a:tc>
                 <a:extLst>
                   <a:ext uri="{0D108BD9-81ED-4DB2-BD59-A6C34878D82A}">
-                    <a16:rowId xmlns:a16="http://schemas.microsoft.com/office/drawing/2014/main" xmlns="" val="3661055458"/>
+                    <a16:rowId xmlns="" xmlns:a16="http://schemas.microsoft.com/office/drawing/2014/main" val="3661055458"/>
                   </a:ext>
                 </a:extLst>
               </a:tr>
